--- a/IP_FRS.pptx
+++ b/IP_FRS.pptx
@@ -5,20 +5,19 @@
     <p:sldMasterId id="2147483648" r:id="rId1"/>
   </p:sldMasterIdLst>
   <p:notesMasterIdLst>
-    <p:notesMasterId r:id="rId13"/>
+    <p:notesMasterId r:id="rId12"/>
   </p:notesMasterIdLst>
   <p:sldIdLst>
     <p:sldId id="256" r:id="rId2"/>
     <p:sldId id="257" r:id="rId3"/>
     <p:sldId id="283" r:id="rId4"/>
     <p:sldId id="262" r:id="rId5"/>
-    <p:sldId id="317" r:id="rId6"/>
-    <p:sldId id="318" r:id="rId7"/>
-    <p:sldId id="284" r:id="rId8"/>
-    <p:sldId id="319" r:id="rId9"/>
-    <p:sldId id="285" r:id="rId10"/>
-    <p:sldId id="288" r:id="rId11"/>
-    <p:sldId id="286" r:id="rId12"/>
+    <p:sldId id="320" r:id="rId6"/>
+    <p:sldId id="284" r:id="rId7"/>
+    <p:sldId id="319" r:id="rId8"/>
+    <p:sldId id="285" r:id="rId9"/>
+    <p:sldId id="288" r:id="rId10"/>
+    <p:sldId id="286" r:id="rId11"/>
   </p:sldIdLst>
   <p:sldSz cx="12192000" cy="6858000"/>
   <p:notesSz cx="7104063" cy="10234613"/>
@@ -1307,11 +1306,11 @@
         <a:lstStyle/>
         <a:p>
           <a:r>
-            <a:rPr lang="zh-TW" altLang="en-US" dirty="0">
+            <a:rPr lang="zh-TW" altLang="en-US" dirty="0" smtClean="0">
               <a:latin typeface="微軟正黑體" panose="020B0604030504040204" pitchFamily="34" charset="-120"/>
               <a:ea typeface="微軟正黑體" panose="020B0604030504040204" pitchFamily="34" charset="-120"/>
             </a:rPr>
-            <a:t>紀錄個人數據</a:t>
+            <a:t>儲存個人資料</a:t>
           </a:r>
           <a:endParaRPr lang="zh-TW" altLang="en-US" dirty="0">
             <a:latin typeface="微軟正黑體" panose="020B0604030504040204" pitchFamily="34" charset="-120"/>
@@ -1529,51 +1528,6 @@
         </a:p>
       </dgm:t>
     </dgm:pt>
-    <dgm:pt modelId="{A20FE1FD-A95C-4766-9690-80DC349AC70F}">
-      <dgm:prSet phldrT="[文字]"/>
-      <dgm:spPr/>
-      <dgm:t>
-        <a:bodyPr/>
-        <a:lstStyle/>
-        <a:p>
-          <a:r>
-            <a:rPr lang="zh-TW" altLang="en-US" dirty="0">
-              <a:latin typeface="微軟正黑體" panose="020B0604030504040204" pitchFamily="34" charset="-120"/>
-              <a:ea typeface="微軟正黑體" panose="020B0604030504040204" pitchFamily="34" charset="-120"/>
-            </a:rPr>
-            <a:t>修改訓練程式碼並重新訓練</a:t>
-          </a:r>
-        </a:p>
-      </dgm:t>
-    </dgm:pt>
-    <dgm:pt modelId="{2888C3D8-9495-4F27-A1DB-649C0F6F0C8E}" type="parTrans" cxnId="{DAD445AE-77E0-447B-A995-A3969FB11BB6}">
-      <dgm:prSet/>
-      <dgm:spPr/>
-      <dgm:t>
-        <a:bodyPr/>
-        <a:lstStyle/>
-        <a:p>
-          <a:endParaRPr lang="zh-TW" altLang="en-US">
-            <a:latin typeface="微軟正黑體" panose="020B0604030504040204" pitchFamily="34" charset="-120"/>
-            <a:ea typeface="微軟正黑體" panose="020B0604030504040204" pitchFamily="34" charset="-120"/>
-          </a:endParaRPr>
-        </a:p>
-      </dgm:t>
-    </dgm:pt>
-    <dgm:pt modelId="{30C40F3C-0B8E-4BAD-A7D3-38CD92A119D6}" type="sibTrans" cxnId="{DAD445AE-77E0-447B-A995-A3969FB11BB6}">
-      <dgm:prSet/>
-      <dgm:spPr/>
-      <dgm:t>
-        <a:bodyPr/>
-        <a:lstStyle/>
-        <a:p>
-          <a:endParaRPr lang="zh-TW" altLang="en-US">
-            <a:latin typeface="微軟正黑體" panose="020B0604030504040204" pitchFamily="34" charset="-120"/>
-            <a:ea typeface="微軟正黑體" panose="020B0604030504040204" pitchFamily="34" charset="-120"/>
-          </a:endParaRPr>
-        </a:p>
-      </dgm:t>
-    </dgm:pt>
     <dgm:pt modelId="{39BE0418-99C9-4A4C-9BB7-65D49A05BB31}">
       <dgm:prSet/>
       <dgm:spPr/>
@@ -1627,12 +1581,29 @@
         <a:lstStyle/>
         <a:p>
           <a:r>
-            <a:rPr lang="zh-TW" altLang="en-US" dirty="0">
+            <a:rPr lang="zh-TW" altLang="en-US" dirty="0" smtClean="0">
               <a:latin typeface="微軟正黑體" panose="020B0604030504040204" pitchFamily="34" charset="-120"/>
               <a:ea typeface="微軟正黑體" panose="020B0604030504040204" pitchFamily="34" charset="-120"/>
             </a:rPr>
-            <a:t>撰寫訓練用程式碼</a:t>
+            <a:t>建立特徵</a:t>
           </a:r>
+          <a:endParaRPr lang="en-US" altLang="zh-TW" dirty="0" smtClean="0">
+            <a:latin typeface="微軟正黑體" panose="020B0604030504040204" pitchFamily="34" charset="-120"/>
+            <a:ea typeface="微軟正黑體" panose="020B0604030504040204" pitchFamily="34" charset="-120"/>
+          </a:endParaRPr>
+        </a:p>
+        <a:p>
+          <a:r>
+            <a:rPr lang="zh-TW" altLang="en-US" dirty="0" smtClean="0">
+              <a:latin typeface="微軟正黑體" panose="020B0604030504040204" pitchFamily="34" charset="-120"/>
+              <a:ea typeface="微軟正黑體" panose="020B0604030504040204" pitchFamily="34" charset="-120"/>
+            </a:rPr>
+            <a:t>資料庫</a:t>
+          </a:r>
+          <a:endParaRPr lang="zh-TW" altLang="en-US" dirty="0">
+            <a:latin typeface="微軟正黑體" panose="020B0604030504040204" pitchFamily="34" charset="-120"/>
+            <a:ea typeface="微軟正黑體" panose="020B0604030504040204" pitchFamily="34" charset="-120"/>
+          </a:endParaRPr>
         </a:p>
       </dgm:t>
     </dgm:pt>
@@ -1901,6 +1872,13 @@
         </dgm:presLayoutVars>
       </dgm:prSet>
       <dgm:spPr/>
+      <dgm:t>
+        <a:bodyPr/>
+        <a:lstStyle/>
+        <a:p>
+          <a:endParaRPr lang="zh-TW" altLang="en-US"/>
+        </a:p>
+      </dgm:t>
     </dgm:pt>
     <dgm:pt modelId="{341D0529-C993-485F-BFBA-73789AD13323}" type="pres">
       <dgm:prSet presAssocID="{C1995ACD-DEEA-4649-9190-0A2396D6DBA3}" presName="hierRoot1" presStyleCnt="0">
@@ -1921,10 +1899,24 @@
         </dgm:presLayoutVars>
       </dgm:prSet>
       <dgm:spPr/>
+      <dgm:t>
+        <a:bodyPr/>
+        <a:lstStyle/>
+        <a:p>
+          <a:endParaRPr lang="zh-TW" altLang="en-US"/>
+        </a:p>
+      </dgm:t>
     </dgm:pt>
     <dgm:pt modelId="{51FCB016-BDCC-466A-AEB8-2EA2F7D30621}" type="pres">
       <dgm:prSet presAssocID="{C1995ACD-DEEA-4649-9190-0A2396D6DBA3}" presName="rootConnector1" presStyleLbl="node1" presStyleIdx="0" presStyleCnt="0"/>
       <dgm:spPr/>
+      <dgm:t>
+        <a:bodyPr/>
+        <a:lstStyle/>
+        <a:p>
+          <a:endParaRPr lang="zh-TW" altLang="en-US"/>
+        </a:p>
+      </dgm:t>
     </dgm:pt>
     <dgm:pt modelId="{70833F56-676C-4F4A-840C-BD3E2F8215EB}" type="pres">
       <dgm:prSet presAssocID="{C1995ACD-DEEA-4649-9190-0A2396D6DBA3}" presName="hierChild2" presStyleCnt="0"/>
@@ -1933,6 +1925,13 @@
     <dgm:pt modelId="{0D5A4EFE-1C67-4062-B174-8A1DEA7885B2}" type="pres">
       <dgm:prSet presAssocID="{69FD09DB-7D78-47CE-93D1-107E376A870E}" presName="Name37" presStyleLbl="parChTrans1D2" presStyleIdx="0" presStyleCnt="5"/>
       <dgm:spPr/>
+      <dgm:t>
+        <a:bodyPr/>
+        <a:lstStyle/>
+        <a:p>
+          <a:endParaRPr lang="zh-TW" altLang="en-US"/>
+        </a:p>
+      </dgm:t>
     </dgm:pt>
     <dgm:pt modelId="{DA6DE99B-499E-4D7B-B12E-6186C9E0DD80}" type="pres">
       <dgm:prSet presAssocID="{E7358108-83A8-42F1-84AF-1043344A61B4}" presName="hierRoot2" presStyleCnt="0">
@@ -1953,18 +1952,39 @@
         </dgm:presLayoutVars>
       </dgm:prSet>
       <dgm:spPr/>
+      <dgm:t>
+        <a:bodyPr/>
+        <a:lstStyle/>
+        <a:p>
+          <a:endParaRPr lang="zh-TW" altLang="en-US"/>
+        </a:p>
+      </dgm:t>
     </dgm:pt>
     <dgm:pt modelId="{74E53E5B-7DCA-4C09-A9BF-327363D42547}" type="pres">
       <dgm:prSet presAssocID="{E7358108-83A8-42F1-84AF-1043344A61B4}" presName="rootConnector" presStyleLbl="node2" presStyleIdx="0" presStyleCnt="5"/>
       <dgm:spPr/>
+      <dgm:t>
+        <a:bodyPr/>
+        <a:lstStyle/>
+        <a:p>
+          <a:endParaRPr lang="zh-TW" altLang="en-US"/>
+        </a:p>
+      </dgm:t>
     </dgm:pt>
     <dgm:pt modelId="{F19D0611-B84B-4FD7-BF2E-2DADD5D827ED}" type="pres">
       <dgm:prSet presAssocID="{E7358108-83A8-42F1-84AF-1043344A61B4}" presName="hierChild4" presStyleCnt="0"/>
       <dgm:spPr/>
     </dgm:pt>
     <dgm:pt modelId="{5F48F0E4-2C7E-480D-9A45-E44C79D6BEA5}" type="pres">
-      <dgm:prSet presAssocID="{DBFF9E4D-F654-4E3E-A2C7-9EEF27EF4259}" presName="Name37" presStyleLbl="parChTrans1D3" presStyleIdx="0" presStyleCnt="13"/>
-      <dgm:spPr/>
+      <dgm:prSet presAssocID="{DBFF9E4D-F654-4E3E-A2C7-9EEF27EF4259}" presName="Name37" presStyleLbl="parChTrans1D3" presStyleIdx="0" presStyleCnt="12"/>
+      <dgm:spPr/>
+      <dgm:t>
+        <a:bodyPr/>
+        <a:lstStyle/>
+        <a:p>
+          <a:endParaRPr lang="zh-TW" altLang="en-US"/>
+        </a:p>
+      </dgm:t>
     </dgm:pt>
     <dgm:pt modelId="{52A0685B-8E88-4949-BB15-552FEC72B4E8}" type="pres">
       <dgm:prSet presAssocID="{C8AEE87B-F7A2-4CFA-BE00-6B9F721DFE96}" presName="hierRoot2" presStyleCnt="0">
@@ -1979,16 +1999,30 @@
       <dgm:spPr/>
     </dgm:pt>
     <dgm:pt modelId="{9CB29694-F3D7-41DB-BEBC-33D5343BA11A}" type="pres">
-      <dgm:prSet presAssocID="{C8AEE87B-F7A2-4CFA-BE00-6B9F721DFE96}" presName="rootText" presStyleLbl="node3" presStyleIdx="0" presStyleCnt="13">
+      <dgm:prSet presAssocID="{C8AEE87B-F7A2-4CFA-BE00-6B9F721DFE96}" presName="rootText" presStyleLbl="node3" presStyleIdx="0" presStyleCnt="12">
         <dgm:presLayoutVars>
           <dgm:chPref val="3"/>
         </dgm:presLayoutVars>
       </dgm:prSet>
       <dgm:spPr/>
+      <dgm:t>
+        <a:bodyPr/>
+        <a:lstStyle/>
+        <a:p>
+          <a:endParaRPr lang="zh-TW" altLang="en-US"/>
+        </a:p>
+      </dgm:t>
     </dgm:pt>
     <dgm:pt modelId="{23546AB9-AA88-44E8-A74F-6A7DB71CEDFA}" type="pres">
-      <dgm:prSet presAssocID="{C8AEE87B-F7A2-4CFA-BE00-6B9F721DFE96}" presName="rootConnector" presStyleLbl="node3" presStyleIdx="0" presStyleCnt="13"/>
-      <dgm:spPr/>
+      <dgm:prSet presAssocID="{C8AEE87B-F7A2-4CFA-BE00-6B9F721DFE96}" presName="rootConnector" presStyleLbl="node3" presStyleIdx="0" presStyleCnt="12"/>
+      <dgm:spPr/>
+      <dgm:t>
+        <a:bodyPr/>
+        <a:lstStyle/>
+        <a:p>
+          <a:endParaRPr lang="zh-TW" altLang="en-US"/>
+        </a:p>
+      </dgm:t>
     </dgm:pt>
     <dgm:pt modelId="{939C9035-E800-4426-8773-B485420F1BE1}" type="pres">
       <dgm:prSet presAssocID="{C8AEE87B-F7A2-4CFA-BE00-6B9F721DFE96}" presName="hierChild4" presStyleCnt="0"/>
@@ -1999,8 +2033,15 @@
       <dgm:spPr/>
     </dgm:pt>
     <dgm:pt modelId="{1CACF2A5-9765-453F-9602-3749D63C20FF}" type="pres">
-      <dgm:prSet presAssocID="{7F7DDA6E-F3A1-4195-9D49-DD6A7A673A53}" presName="Name37" presStyleLbl="parChTrans1D3" presStyleIdx="1" presStyleCnt="13"/>
-      <dgm:spPr/>
+      <dgm:prSet presAssocID="{7F7DDA6E-F3A1-4195-9D49-DD6A7A673A53}" presName="Name37" presStyleLbl="parChTrans1D3" presStyleIdx="1" presStyleCnt="12"/>
+      <dgm:spPr/>
+      <dgm:t>
+        <a:bodyPr/>
+        <a:lstStyle/>
+        <a:p>
+          <a:endParaRPr lang="zh-TW" altLang="en-US"/>
+        </a:p>
+      </dgm:t>
     </dgm:pt>
     <dgm:pt modelId="{797FA106-A9EF-4FA9-96A9-65973C18778A}" type="pres">
       <dgm:prSet presAssocID="{9D5DD00D-D723-41C3-A564-BE447082CEE3}" presName="hierRoot2" presStyleCnt="0">
@@ -2015,16 +2056,30 @@
       <dgm:spPr/>
     </dgm:pt>
     <dgm:pt modelId="{DE79C5C0-52BB-4AB4-B9E4-4D482851A011}" type="pres">
-      <dgm:prSet presAssocID="{9D5DD00D-D723-41C3-A564-BE447082CEE3}" presName="rootText" presStyleLbl="node3" presStyleIdx="1" presStyleCnt="13">
+      <dgm:prSet presAssocID="{9D5DD00D-D723-41C3-A564-BE447082CEE3}" presName="rootText" presStyleLbl="node3" presStyleIdx="1" presStyleCnt="12">
         <dgm:presLayoutVars>
           <dgm:chPref val="3"/>
         </dgm:presLayoutVars>
       </dgm:prSet>
       <dgm:spPr/>
+      <dgm:t>
+        <a:bodyPr/>
+        <a:lstStyle/>
+        <a:p>
+          <a:endParaRPr lang="zh-TW" altLang="en-US"/>
+        </a:p>
+      </dgm:t>
     </dgm:pt>
     <dgm:pt modelId="{7877DBA2-C865-46EE-839A-1D3781B37466}" type="pres">
-      <dgm:prSet presAssocID="{9D5DD00D-D723-41C3-A564-BE447082CEE3}" presName="rootConnector" presStyleLbl="node3" presStyleIdx="1" presStyleCnt="13"/>
-      <dgm:spPr/>
+      <dgm:prSet presAssocID="{9D5DD00D-D723-41C3-A564-BE447082CEE3}" presName="rootConnector" presStyleLbl="node3" presStyleIdx="1" presStyleCnt="12"/>
+      <dgm:spPr/>
+      <dgm:t>
+        <a:bodyPr/>
+        <a:lstStyle/>
+        <a:p>
+          <a:endParaRPr lang="zh-TW" altLang="en-US"/>
+        </a:p>
+      </dgm:t>
     </dgm:pt>
     <dgm:pt modelId="{410DDF1F-9624-4ABA-AC0C-AF54B5CB8C95}" type="pres">
       <dgm:prSet presAssocID="{9D5DD00D-D723-41C3-A564-BE447082CEE3}" presName="hierChild4" presStyleCnt="0"/>
@@ -2041,6 +2096,13 @@
     <dgm:pt modelId="{34F89FF5-4CE7-4557-94ED-372F163EBFBB}" type="pres">
       <dgm:prSet presAssocID="{B3FBE738-30A6-4B4A-9DB3-9AB2CC3B1641}" presName="Name37" presStyleLbl="parChTrans1D2" presStyleIdx="1" presStyleCnt="5"/>
       <dgm:spPr/>
+      <dgm:t>
+        <a:bodyPr/>
+        <a:lstStyle/>
+        <a:p>
+          <a:endParaRPr lang="zh-TW" altLang="en-US"/>
+        </a:p>
+      </dgm:t>
     </dgm:pt>
     <dgm:pt modelId="{EBF4EF29-E177-4261-9BC5-8B137BDD078C}" type="pres">
       <dgm:prSet presAssocID="{BB9FF21B-E75B-43A4-B03F-6C82A45E4511}" presName="hierRoot2" presStyleCnt="0">
@@ -2061,18 +2123,39 @@
         </dgm:presLayoutVars>
       </dgm:prSet>
       <dgm:spPr/>
+      <dgm:t>
+        <a:bodyPr/>
+        <a:lstStyle/>
+        <a:p>
+          <a:endParaRPr lang="zh-TW" altLang="en-US"/>
+        </a:p>
+      </dgm:t>
     </dgm:pt>
     <dgm:pt modelId="{D8602253-5290-4E90-A5EF-32A901888DAC}" type="pres">
       <dgm:prSet presAssocID="{BB9FF21B-E75B-43A4-B03F-6C82A45E4511}" presName="rootConnector" presStyleLbl="node2" presStyleIdx="1" presStyleCnt="5"/>
       <dgm:spPr/>
+      <dgm:t>
+        <a:bodyPr/>
+        <a:lstStyle/>
+        <a:p>
+          <a:endParaRPr lang="zh-TW" altLang="en-US"/>
+        </a:p>
+      </dgm:t>
     </dgm:pt>
     <dgm:pt modelId="{701D8773-02D0-4A03-A1BE-6FAD4C78FAF5}" type="pres">
       <dgm:prSet presAssocID="{BB9FF21B-E75B-43A4-B03F-6C82A45E4511}" presName="hierChild4" presStyleCnt="0"/>
       <dgm:spPr/>
     </dgm:pt>
     <dgm:pt modelId="{E79A5832-DD8A-4441-B652-BD9EC8B7EED1}" type="pres">
-      <dgm:prSet presAssocID="{CB39D681-7061-437F-A140-79E3079A753F}" presName="Name37" presStyleLbl="parChTrans1D3" presStyleIdx="2" presStyleCnt="13"/>
-      <dgm:spPr/>
+      <dgm:prSet presAssocID="{CB39D681-7061-437F-A140-79E3079A753F}" presName="Name37" presStyleLbl="parChTrans1D3" presStyleIdx="2" presStyleCnt="12"/>
+      <dgm:spPr/>
+      <dgm:t>
+        <a:bodyPr/>
+        <a:lstStyle/>
+        <a:p>
+          <a:endParaRPr lang="zh-TW" altLang="en-US"/>
+        </a:p>
+      </dgm:t>
     </dgm:pt>
     <dgm:pt modelId="{22CF63CF-F5C0-4CE0-B760-6F42ED2537CB}" type="pres">
       <dgm:prSet presAssocID="{807A8DFA-5BDA-4B03-B801-660127571B99}" presName="hierRoot2" presStyleCnt="0">
@@ -2087,16 +2170,30 @@
       <dgm:spPr/>
     </dgm:pt>
     <dgm:pt modelId="{B9F624FB-4B18-4FAE-BC1C-356832304C1D}" type="pres">
-      <dgm:prSet presAssocID="{807A8DFA-5BDA-4B03-B801-660127571B99}" presName="rootText" presStyleLbl="node3" presStyleIdx="2" presStyleCnt="13">
+      <dgm:prSet presAssocID="{807A8DFA-5BDA-4B03-B801-660127571B99}" presName="rootText" presStyleLbl="node3" presStyleIdx="2" presStyleCnt="12">
         <dgm:presLayoutVars>
           <dgm:chPref val="3"/>
         </dgm:presLayoutVars>
       </dgm:prSet>
       <dgm:spPr/>
+      <dgm:t>
+        <a:bodyPr/>
+        <a:lstStyle/>
+        <a:p>
+          <a:endParaRPr lang="zh-TW" altLang="en-US"/>
+        </a:p>
+      </dgm:t>
     </dgm:pt>
     <dgm:pt modelId="{079241A2-20E2-4232-9D06-88AA9F82E25C}" type="pres">
-      <dgm:prSet presAssocID="{807A8DFA-5BDA-4B03-B801-660127571B99}" presName="rootConnector" presStyleLbl="node3" presStyleIdx="2" presStyleCnt="13"/>
-      <dgm:spPr/>
+      <dgm:prSet presAssocID="{807A8DFA-5BDA-4B03-B801-660127571B99}" presName="rootConnector" presStyleLbl="node3" presStyleIdx="2" presStyleCnt="12"/>
+      <dgm:spPr/>
+      <dgm:t>
+        <a:bodyPr/>
+        <a:lstStyle/>
+        <a:p>
+          <a:endParaRPr lang="zh-TW" altLang="en-US"/>
+        </a:p>
+      </dgm:t>
     </dgm:pt>
     <dgm:pt modelId="{7A94D976-B90C-463C-B25C-11A096826D72}" type="pres">
       <dgm:prSet presAssocID="{807A8DFA-5BDA-4B03-B801-660127571B99}" presName="hierChild4" presStyleCnt="0"/>
@@ -2107,8 +2204,15 @@
       <dgm:spPr/>
     </dgm:pt>
     <dgm:pt modelId="{EFD32E61-B9DB-4382-8D7C-ED48B7A5E0C4}" type="pres">
-      <dgm:prSet presAssocID="{6120E8A3-E282-411C-B7AF-52CB84C5223C}" presName="Name37" presStyleLbl="parChTrans1D3" presStyleIdx="3" presStyleCnt="13"/>
-      <dgm:spPr/>
+      <dgm:prSet presAssocID="{6120E8A3-E282-411C-B7AF-52CB84C5223C}" presName="Name37" presStyleLbl="parChTrans1D3" presStyleIdx="3" presStyleCnt="12"/>
+      <dgm:spPr/>
+      <dgm:t>
+        <a:bodyPr/>
+        <a:lstStyle/>
+        <a:p>
+          <a:endParaRPr lang="zh-TW" altLang="en-US"/>
+        </a:p>
+      </dgm:t>
     </dgm:pt>
     <dgm:pt modelId="{06C782C3-5EB5-4776-BDAF-8CFBB8CB421E}" type="pres">
       <dgm:prSet presAssocID="{AC3A9028-A893-43CC-B0AA-EFF03CAF6956}" presName="hierRoot2" presStyleCnt="0">
@@ -2123,16 +2227,30 @@
       <dgm:spPr/>
     </dgm:pt>
     <dgm:pt modelId="{F395118E-6F8D-4111-995B-78F916EC69E4}" type="pres">
-      <dgm:prSet presAssocID="{AC3A9028-A893-43CC-B0AA-EFF03CAF6956}" presName="rootText" presStyleLbl="node3" presStyleIdx="3" presStyleCnt="13">
+      <dgm:prSet presAssocID="{AC3A9028-A893-43CC-B0AA-EFF03CAF6956}" presName="rootText" presStyleLbl="node3" presStyleIdx="3" presStyleCnt="12">
         <dgm:presLayoutVars>
           <dgm:chPref val="3"/>
         </dgm:presLayoutVars>
       </dgm:prSet>
       <dgm:spPr/>
+      <dgm:t>
+        <a:bodyPr/>
+        <a:lstStyle/>
+        <a:p>
+          <a:endParaRPr lang="zh-TW" altLang="en-US"/>
+        </a:p>
+      </dgm:t>
     </dgm:pt>
     <dgm:pt modelId="{CE0C6D92-1D52-4CC6-84E1-16B238E7C260}" type="pres">
-      <dgm:prSet presAssocID="{AC3A9028-A893-43CC-B0AA-EFF03CAF6956}" presName="rootConnector" presStyleLbl="node3" presStyleIdx="3" presStyleCnt="13"/>
-      <dgm:spPr/>
+      <dgm:prSet presAssocID="{AC3A9028-A893-43CC-B0AA-EFF03CAF6956}" presName="rootConnector" presStyleLbl="node3" presStyleIdx="3" presStyleCnt="12"/>
+      <dgm:spPr/>
+      <dgm:t>
+        <a:bodyPr/>
+        <a:lstStyle/>
+        <a:p>
+          <a:endParaRPr lang="zh-TW" altLang="en-US"/>
+        </a:p>
+      </dgm:t>
     </dgm:pt>
     <dgm:pt modelId="{AA1C0F8A-B12F-41A2-AD1F-00D0CD05FFB2}" type="pres">
       <dgm:prSet presAssocID="{AC3A9028-A893-43CC-B0AA-EFF03CAF6956}" presName="hierChild4" presStyleCnt="0"/>
@@ -2143,8 +2261,15 @@
       <dgm:spPr/>
     </dgm:pt>
     <dgm:pt modelId="{6951BAB4-BE5B-4240-B59E-660738FB8C0A}" type="pres">
-      <dgm:prSet presAssocID="{82C8B149-700F-4051-9983-87F5E03CFF7E}" presName="Name37" presStyleLbl="parChTrans1D3" presStyleIdx="4" presStyleCnt="13"/>
-      <dgm:spPr/>
+      <dgm:prSet presAssocID="{82C8B149-700F-4051-9983-87F5E03CFF7E}" presName="Name37" presStyleLbl="parChTrans1D3" presStyleIdx="4" presStyleCnt="12"/>
+      <dgm:spPr/>
+      <dgm:t>
+        <a:bodyPr/>
+        <a:lstStyle/>
+        <a:p>
+          <a:endParaRPr lang="zh-TW" altLang="en-US"/>
+        </a:p>
+      </dgm:t>
     </dgm:pt>
     <dgm:pt modelId="{DEBAC987-6CBE-49E7-9638-E133BAF10A95}" type="pres">
       <dgm:prSet presAssocID="{D9741ECF-9D86-4A1C-8DF4-94C0D2567BD6}" presName="hierRoot2" presStyleCnt="0">
@@ -2159,16 +2284,30 @@
       <dgm:spPr/>
     </dgm:pt>
     <dgm:pt modelId="{05EDF6D9-342B-4E22-BFC6-FB63F8436FD9}" type="pres">
-      <dgm:prSet presAssocID="{D9741ECF-9D86-4A1C-8DF4-94C0D2567BD6}" presName="rootText" presStyleLbl="node3" presStyleIdx="4" presStyleCnt="13">
+      <dgm:prSet presAssocID="{D9741ECF-9D86-4A1C-8DF4-94C0D2567BD6}" presName="rootText" presStyleLbl="node3" presStyleIdx="4" presStyleCnt="12">
         <dgm:presLayoutVars>
           <dgm:chPref val="3"/>
         </dgm:presLayoutVars>
       </dgm:prSet>
       <dgm:spPr/>
+      <dgm:t>
+        <a:bodyPr/>
+        <a:lstStyle/>
+        <a:p>
+          <a:endParaRPr lang="zh-TW" altLang="en-US"/>
+        </a:p>
+      </dgm:t>
     </dgm:pt>
     <dgm:pt modelId="{C3DBE02B-4666-4866-AB49-9225C9F7E671}" type="pres">
-      <dgm:prSet presAssocID="{D9741ECF-9D86-4A1C-8DF4-94C0D2567BD6}" presName="rootConnector" presStyleLbl="node3" presStyleIdx="4" presStyleCnt="13"/>
-      <dgm:spPr/>
+      <dgm:prSet presAssocID="{D9741ECF-9D86-4A1C-8DF4-94C0D2567BD6}" presName="rootConnector" presStyleLbl="node3" presStyleIdx="4" presStyleCnt="12"/>
+      <dgm:spPr/>
+      <dgm:t>
+        <a:bodyPr/>
+        <a:lstStyle/>
+        <a:p>
+          <a:endParaRPr lang="zh-TW" altLang="en-US"/>
+        </a:p>
+      </dgm:t>
     </dgm:pt>
     <dgm:pt modelId="{A1B0C664-58EB-40FF-BACD-2FF03D2DCC9B}" type="pres">
       <dgm:prSet presAssocID="{D9741ECF-9D86-4A1C-8DF4-94C0D2567BD6}" presName="hierChild4" presStyleCnt="0"/>
@@ -2185,6 +2324,13 @@
     <dgm:pt modelId="{36FDDF0B-DA3B-4828-A65A-BF49F0C3EF85}" type="pres">
       <dgm:prSet presAssocID="{1D01C1D7-F99C-40D9-8169-9A3606FC3C22}" presName="Name37" presStyleLbl="parChTrans1D2" presStyleIdx="2" presStyleCnt="5"/>
       <dgm:spPr/>
+      <dgm:t>
+        <a:bodyPr/>
+        <a:lstStyle/>
+        <a:p>
+          <a:endParaRPr lang="zh-TW" altLang="en-US"/>
+        </a:p>
+      </dgm:t>
     </dgm:pt>
     <dgm:pt modelId="{D3427503-A289-4F28-ABE6-DCD93066144E}" type="pres">
       <dgm:prSet presAssocID="{6A60B06C-5221-4384-A9FB-3C2F40D70CFC}" presName="hierRoot2" presStyleCnt="0">
@@ -2205,18 +2351,39 @@
         </dgm:presLayoutVars>
       </dgm:prSet>
       <dgm:spPr/>
+      <dgm:t>
+        <a:bodyPr/>
+        <a:lstStyle/>
+        <a:p>
+          <a:endParaRPr lang="zh-TW" altLang="en-US"/>
+        </a:p>
+      </dgm:t>
     </dgm:pt>
     <dgm:pt modelId="{55A8D0F4-35D7-4632-89EE-BB6F8E87DDB0}" type="pres">
       <dgm:prSet presAssocID="{6A60B06C-5221-4384-A9FB-3C2F40D70CFC}" presName="rootConnector" presStyleLbl="node2" presStyleIdx="2" presStyleCnt="5"/>
       <dgm:spPr/>
+      <dgm:t>
+        <a:bodyPr/>
+        <a:lstStyle/>
+        <a:p>
+          <a:endParaRPr lang="zh-TW" altLang="en-US"/>
+        </a:p>
+      </dgm:t>
     </dgm:pt>
     <dgm:pt modelId="{C85C4AEF-3588-4056-B85F-4D2FFD2F7CF6}" type="pres">
       <dgm:prSet presAssocID="{6A60B06C-5221-4384-A9FB-3C2F40D70CFC}" presName="hierChild4" presStyleCnt="0"/>
       <dgm:spPr/>
     </dgm:pt>
     <dgm:pt modelId="{BC0D907D-CEB2-4F4E-B6F3-5737303E1E5F}" type="pres">
-      <dgm:prSet presAssocID="{6D45DEA0-D4D5-4F5A-B34F-FF0007B4D557}" presName="Name37" presStyleLbl="parChTrans1D3" presStyleIdx="5" presStyleCnt="13"/>
-      <dgm:spPr/>
+      <dgm:prSet presAssocID="{6D45DEA0-D4D5-4F5A-B34F-FF0007B4D557}" presName="Name37" presStyleLbl="parChTrans1D3" presStyleIdx="5" presStyleCnt="12"/>
+      <dgm:spPr/>
+      <dgm:t>
+        <a:bodyPr/>
+        <a:lstStyle/>
+        <a:p>
+          <a:endParaRPr lang="zh-TW" altLang="en-US"/>
+        </a:p>
+      </dgm:t>
     </dgm:pt>
     <dgm:pt modelId="{50440497-B0B6-44C0-98E2-BB7943182CF7}" type="pres">
       <dgm:prSet presAssocID="{E75562FB-B070-41B3-8EF8-CB551DCB0DC5}" presName="hierRoot2" presStyleCnt="0">
@@ -2231,16 +2398,30 @@
       <dgm:spPr/>
     </dgm:pt>
     <dgm:pt modelId="{6871A768-0DBE-4C41-BCFF-9B19A28A7E1D}" type="pres">
-      <dgm:prSet presAssocID="{E75562FB-B070-41B3-8EF8-CB551DCB0DC5}" presName="rootText" presStyleLbl="node3" presStyleIdx="5" presStyleCnt="13">
+      <dgm:prSet presAssocID="{E75562FB-B070-41B3-8EF8-CB551DCB0DC5}" presName="rootText" presStyleLbl="node3" presStyleIdx="5" presStyleCnt="12">
         <dgm:presLayoutVars>
           <dgm:chPref val="3"/>
         </dgm:presLayoutVars>
       </dgm:prSet>
       <dgm:spPr/>
+      <dgm:t>
+        <a:bodyPr/>
+        <a:lstStyle/>
+        <a:p>
+          <a:endParaRPr lang="zh-TW" altLang="en-US"/>
+        </a:p>
+      </dgm:t>
     </dgm:pt>
     <dgm:pt modelId="{D223C34C-51A5-4CA5-8302-426A14A3C069}" type="pres">
-      <dgm:prSet presAssocID="{E75562FB-B070-41B3-8EF8-CB551DCB0DC5}" presName="rootConnector" presStyleLbl="node3" presStyleIdx="5" presStyleCnt="13"/>
-      <dgm:spPr/>
+      <dgm:prSet presAssocID="{E75562FB-B070-41B3-8EF8-CB551DCB0DC5}" presName="rootConnector" presStyleLbl="node3" presStyleIdx="5" presStyleCnt="12"/>
+      <dgm:spPr/>
+      <dgm:t>
+        <a:bodyPr/>
+        <a:lstStyle/>
+        <a:p>
+          <a:endParaRPr lang="zh-TW" altLang="en-US"/>
+        </a:p>
+      </dgm:t>
     </dgm:pt>
     <dgm:pt modelId="{64A427A0-BD52-4A0F-B9FD-670345AC55D9}" type="pres">
       <dgm:prSet presAssocID="{E75562FB-B070-41B3-8EF8-CB551DCB0DC5}" presName="hierChild4" presStyleCnt="0"/>
@@ -2251,8 +2432,15 @@
       <dgm:spPr/>
     </dgm:pt>
     <dgm:pt modelId="{AD91993C-55B9-441F-87C0-0719108305AF}" type="pres">
-      <dgm:prSet presAssocID="{B429E2B1-9AB4-4DAF-A3D8-FAB2AEC20118}" presName="Name37" presStyleLbl="parChTrans1D3" presStyleIdx="6" presStyleCnt="13"/>
-      <dgm:spPr/>
+      <dgm:prSet presAssocID="{B429E2B1-9AB4-4DAF-A3D8-FAB2AEC20118}" presName="Name37" presStyleLbl="parChTrans1D3" presStyleIdx="6" presStyleCnt="12"/>
+      <dgm:spPr/>
+      <dgm:t>
+        <a:bodyPr/>
+        <a:lstStyle/>
+        <a:p>
+          <a:endParaRPr lang="zh-TW" altLang="en-US"/>
+        </a:p>
+      </dgm:t>
     </dgm:pt>
     <dgm:pt modelId="{04809DD7-0456-4040-AB6A-EF301CE687D7}" type="pres">
       <dgm:prSet presAssocID="{5E31DA61-BA7B-4CD0-B08B-CD683A1209DE}" presName="hierRoot2" presStyleCnt="0">
@@ -2267,16 +2455,30 @@
       <dgm:spPr/>
     </dgm:pt>
     <dgm:pt modelId="{A6632A3E-C71E-4AE1-A356-3690361E8512}" type="pres">
-      <dgm:prSet presAssocID="{5E31DA61-BA7B-4CD0-B08B-CD683A1209DE}" presName="rootText" presStyleLbl="node3" presStyleIdx="6" presStyleCnt="13">
+      <dgm:prSet presAssocID="{5E31DA61-BA7B-4CD0-B08B-CD683A1209DE}" presName="rootText" presStyleLbl="node3" presStyleIdx="6" presStyleCnt="12">
         <dgm:presLayoutVars>
           <dgm:chPref val="3"/>
         </dgm:presLayoutVars>
       </dgm:prSet>
       <dgm:spPr/>
+      <dgm:t>
+        <a:bodyPr/>
+        <a:lstStyle/>
+        <a:p>
+          <a:endParaRPr lang="zh-TW" altLang="en-US"/>
+        </a:p>
+      </dgm:t>
     </dgm:pt>
     <dgm:pt modelId="{5FA213B4-DAA0-4BB7-88F0-3CEC63244ACD}" type="pres">
-      <dgm:prSet presAssocID="{5E31DA61-BA7B-4CD0-B08B-CD683A1209DE}" presName="rootConnector" presStyleLbl="node3" presStyleIdx="6" presStyleCnt="13"/>
-      <dgm:spPr/>
+      <dgm:prSet presAssocID="{5E31DA61-BA7B-4CD0-B08B-CD683A1209DE}" presName="rootConnector" presStyleLbl="node3" presStyleIdx="6" presStyleCnt="12"/>
+      <dgm:spPr/>
+      <dgm:t>
+        <a:bodyPr/>
+        <a:lstStyle/>
+        <a:p>
+          <a:endParaRPr lang="zh-TW" altLang="en-US"/>
+        </a:p>
+      </dgm:t>
     </dgm:pt>
     <dgm:pt modelId="{7A2CADE4-A621-4DF2-9FE5-4166F7A34B56}" type="pres">
       <dgm:prSet presAssocID="{5E31DA61-BA7B-4CD0-B08B-CD683A1209DE}" presName="hierChild4" presStyleCnt="0"/>
@@ -2287,8 +2489,15 @@
       <dgm:spPr/>
     </dgm:pt>
     <dgm:pt modelId="{A71F2F49-1E59-48E8-99C8-67B0E3373751}" type="pres">
-      <dgm:prSet presAssocID="{55B79C09-F970-4D01-B0A7-8ACEF6E6AD89}" presName="Name37" presStyleLbl="parChTrans1D3" presStyleIdx="7" presStyleCnt="13"/>
-      <dgm:spPr/>
+      <dgm:prSet presAssocID="{55B79C09-F970-4D01-B0A7-8ACEF6E6AD89}" presName="Name37" presStyleLbl="parChTrans1D3" presStyleIdx="7" presStyleCnt="12"/>
+      <dgm:spPr/>
+      <dgm:t>
+        <a:bodyPr/>
+        <a:lstStyle/>
+        <a:p>
+          <a:endParaRPr lang="zh-TW" altLang="en-US"/>
+        </a:p>
+      </dgm:t>
     </dgm:pt>
     <dgm:pt modelId="{0740F028-B681-4B48-A5AC-BEBF3374D706}" type="pres">
       <dgm:prSet presAssocID="{173D0E01-5CCA-4DD5-8675-4848935F7747}" presName="hierRoot2" presStyleCnt="0">
@@ -2303,16 +2512,30 @@
       <dgm:spPr/>
     </dgm:pt>
     <dgm:pt modelId="{F408B408-E62C-4B71-97E3-A289C9A0B662}" type="pres">
-      <dgm:prSet presAssocID="{173D0E01-5CCA-4DD5-8675-4848935F7747}" presName="rootText" presStyleLbl="node3" presStyleIdx="7" presStyleCnt="13">
+      <dgm:prSet presAssocID="{173D0E01-5CCA-4DD5-8675-4848935F7747}" presName="rootText" presStyleLbl="node3" presStyleIdx="7" presStyleCnt="12">
         <dgm:presLayoutVars>
           <dgm:chPref val="3"/>
         </dgm:presLayoutVars>
       </dgm:prSet>
       <dgm:spPr/>
+      <dgm:t>
+        <a:bodyPr/>
+        <a:lstStyle/>
+        <a:p>
+          <a:endParaRPr lang="zh-TW" altLang="en-US"/>
+        </a:p>
+      </dgm:t>
     </dgm:pt>
     <dgm:pt modelId="{2ED1784F-575D-45D8-88D0-DAD0F7EA56B1}" type="pres">
-      <dgm:prSet presAssocID="{173D0E01-5CCA-4DD5-8675-4848935F7747}" presName="rootConnector" presStyleLbl="node3" presStyleIdx="7" presStyleCnt="13"/>
-      <dgm:spPr/>
+      <dgm:prSet presAssocID="{173D0E01-5CCA-4DD5-8675-4848935F7747}" presName="rootConnector" presStyleLbl="node3" presStyleIdx="7" presStyleCnt="12"/>
+      <dgm:spPr/>
+      <dgm:t>
+        <a:bodyPr/>
+        <a:lstStyle/>
+        <a:p>
+          <a:endParaRPr lang="zh-TW" altLang="en-US"/>
+        </a:p>
+      </dgm:t>
     </dgm:pt>
     <dgm:pt modelId="{47D1D3A5-91FC-48DB-990F-8397DCE7F17F}" type="pres">
       <dgm:prSet presAssocID="{173D0E01-5CCA-4DD5-8675-4848935F7747}" presName="hierChild4" presStyleCnt="0"/>
@@ -2329,6 +2552,13 @@
     <dgm:pt modelId="{2B8AB7A6-9DF3-44B8-A462-8360BF7B6F26}" type="pres">
       <dgm:prSet presAssocID="{BA5BADE7-FE02-4E58-AED6-CA6877DD8C92}" presName="Name37" presStyleLbl="parChTrans1D2" presStyleIdx="3" presStyleCnt="5"/>
       <dgm:spPr/>
+      <dgm:t>
+        <a:bodyPr/>
+        <a:lstStyle/>
+        <a:p>
+          <a:endParaRPr lang="zh-TW" altLang="en-US"/>
+        </a:p>
+      </dgm:t>
     </dgm:pt>
     <dgm:pt modelId="{21B06569-2508-486F-9FBB-07F2AAC6E739}" type="pres">
       <dgm:prSet presAssocID="{86D061FF-D2B9-4444-977F-ADD2F8B26F58}" presName="hierRoot2" presStyleCnt="0">
@@ -2349,18 +2579,39 @@
         </dgm:presLayoutVars>
       </dgm:prSet>
       <dgm:spPr/>
+      <dgm:t>
+        <a:bodyPr/>
+        <a:lstStyle/>
+        <a:p>
+          <a:endParaRPr lang="zh-TW" altLang="en-US"/>
+        </a:p>
+      </dgm:t>
     </dgm:pt>
     <dgm:pt modelId="{DBAD3854-BABD-419A-91AD-A1E38A3CF09E}" type="pres">
       <dgm:prSet presAssocID="{86D061FF-D2B9-4444-977F-ADD2F8B26F58}" presName="rootConnector" presStyleLbl="node2" presStyleIdx="3" presStyleCnt="5"/>
       <dgm:spPr/>
+      <dgm:t>
+        <a:bodyPr/>
+        <a:lstStyle/>
+        <a:p>
+          <a:endParaRPr lang="zh-TW" altLang="en-US"/>
+        </a:p>
+      </dgm:t>
     </dgm:pt>
     <dgm:pt modelId="{AF872535-12D7-4ACB-8C05-E0C9E46F7A5D}" type="pres">
       <dgm:prSet presAssocID="{86D061FF-D2B9-4444-977F-ADD2F8B26F58}" presName="hierChild4" presStyleCnt="0"/>
       <dgm:spPr/>
     </dgm:pt>
     <dgm:pt modelId="{E780AC31-68D7-4FDE-AB32-EFBB2D377EE9}" type="pres">
-      <dgm:prSet presAssocID="{0CDD43BF-559F-46B2-A99A-AC0F2E14E16C}" presName="Name37" presStyleLbl="parChTrans1D3" presStyleIdx="8" presStyleCnt="13"/>
-      <dgm:spPr/>
+      <dgm:prSet presAssocID="{0CDD43BF-559F-46B2-A99A-AC0F2E14E16C}" presName="Name37" presStyleLbl="parChTrans1D3" presStyleIdx="8" presStyleCnt="12"/>
+      <dgm:spPr/>
+      <dgm:t>
+        <a:bodyPr/>
+        <a:lstStyle/>
+        <a:p>
+          <a:endParaRPr lang="zh-TW" altLang="en-US"/>
+        </a:p>
+      </dgm:t>
     </dgm:pt>
     <dgm:pt modelId="{CC8D1D23-C19D-4599-B78F-69CF8D98A01C}" type="pres">
       <dgm:prSet presAssocID="{0CF1DFD8-24BF-4C6B-BD01-BEBB8834C8DE}" presName="hierRoot2" presStyleCnt="0">
@@ -2375,16 +2626,30 @@
       <dgm:spPr/>
     </dgm:pt>
     <dgm:pt modelId="{FC2AA275-909E-47D7-A861-5FB840A38676}" type="pres">
-      <dgm:prSet presAssocID="{0CF1DFD8-24BF-4C6B-BD01-BEBB8834C8DE}" presName="rootText" presStyleLbl="node3" presStyleIdx="8" presStyleCnt="13">
+      <dgm:prSet presAssocID="{0CF1DFD8-24BF-4C6B-BD01-BEBB8834C8DE}" presName="rootText" presStyleLbl="node3" presStyleIdx="8" presStyleCnt="12">
         <dgm:presLayoutVars>
           <dgm:chPref val="3"/>
         </dgm:presLayoutVars>
       </dgm:prSet>
       <dgm:spPr/>
+      <dgm:t>
+        <a:bodyPr/>
+        <a:lstStyle/>
+        <a:p>
+          <a:endParaRPr lang="zh-TW" altLang="en-US"/>
+        </a:p>
+      </dgm:t>
     </dgm:pt>
     <dgm:pt modelId="{D1B06913-B69F-4394-9B6A-75C451167FE8}" type="pres">
-      <dgm:prSet presAssocID="{0CF1DFD8-24BF-4C6B-BD01-BEBB8834C8DE}" presName="rootConnector" presStyleLbl="node3" presStyleIdx="8" presStyleCnt="13"/>
-      <dgm:spPr/>
+      <dgm:prSet presAssocID="{0CF1DFD8-24BF-4C6B-BD01-BEBB8834C8DE}" presName="rootConnector" presStyleLbl="node3" presStyleIdx="8" presStyleCnt="12"/>
+      <dgm:spPr/>
+      <dgm:t>
+        <a:bodyPr/>
+        <a:lstStyle/>
+        <a:p>
+          <a:endParaRPr lang="zh-TW" altLang="en-US"/>
+        </a:p>
+      </dgm:t>
     </dgm:pt>
     <dgm:pt modelId="{A9FF0AF9-2690-4F87-A2D1-8CC1CE60737F}" type="pres">
       <dgm:prSet presAssocID="{0CF1DFD8-24BF-4C6B-BD01-BEBB8834C8DE}" presName="hierChild4" presStyleCnt="0"/>
@@ -2395,8 +2660,15 @@
       <dgm:spPr/>
     </dgm:pt>
     <dgm:pt modelId="{2D80F0C3-C504-4561-A084-06B66D39392D}" type="pres">
-      <dgm:prSet presAssocID="{56898A94-E574-4C74-BB23-528EED54EB78}" presName="Name37" presStyleLbl="parChTrans1D3" presStyleIdx="9" presStyleCnt="13"/>
-      <dgm:spPr/>
+      <dgm:prSet presAssocID="{56898A94-E574-4C74-BB23-528EED54EB78}" presName="Name37" presStyleLbl="parChTrans1D3" presStyleIdx="9" presStyleCnt="12"/>
+      <dgm:spPr/>
+      <dgm:t>
+        <a:bodyPr/>
+        <a:lstStyle/>
+        <a:p>
+          <a:endParaRPr lang="zh-TW" altLang="en-US"/>
+        </a:p>
+      </dgm:t>
     </dgm:pt>
     <dgm:pt modelId="{3D997989-D625-4CC3-A662-6369D61E2715}" type="pres">
       <dgm:prSet presAssocID="{45589563-E41B-44DB-8AFC-34EE8901D150}" presName="hierRoot2" presStyleCnt="0">
@@ -2411,16 +2683,30 @@
       <dgm:spPr/>
     </dgm:pt>
     <dgm:pt modelId="{31BD8C53-89B5-4F7C-9478-2F7EA5E507AF}" type="pres">
-      <dgm:prSet presAssocID="{45589563-E41B-44DB-8AFC-34EE8901D150}" presName="rootText" presStyleLbl="node3" presStyleIdx="9" presStyleCnt="13">
+      <dgm:prSet presAssocID="{45589563-E41B-44DB-8AFC-34EE8901D150}" presName="rootText" presStyleLbl="node3" presStyleIdx="9" presStyleCnt="12">
         <dgm:presLayoutVars>
           <dgm:chPref val="3"/>
         </dgm:presLayoutVars>
       </dgm:prSet>
       <dgm:spPr/>
+      <dgm:t>
+        <a:bodyPr/>
+        <a:lstStyle/>
+        <a:p>
+          <a:endParaRPr lang="zh-TW" altLang="en-US"/>
+        </a:p>
+      </dgm:t>
     </dgm:pt>
     <dgm:pt modelId="{8CE4FFBF-227E-49C4-97D7-83977CD95846}" type="pres">
-      <dgm:prSet presAssocID="{45589563-E41B-44DB-8AFC-34EE8901D150}" presName="rootConnector" presStyleLbl="node3" presStyleIdx="9" presStyleCnt="13"/>
-      <dgm:spPr/>
+      <dgm:prSet presAssocID="{45589563-E41B-44DB-8AFC-34EE8901D150}" presName="rootConnector" presStyleLbl="node3" presStyleIdx="9" presStyleCnt="12"/>
+      <dgm:spPr/>
+      <dgm:t>
+        <a:bodyPr/>
+        <a:lstStyle/>
+        <a:p>
+          <a:endParaRPr lang="zh-TW" altLang="en-US"/>
+        </a:p>
+      </dgm:t>
     </dgm:pt>
     <dgm:pt modelId="{EC817ADC-FFF2-4B36-B8D6-826AC4924E83}" type="pres">
       <dgm:prSet presAssocID="{45589563-E41B-44DB-8AFC-34EE8901D150}" presName="hierChild4" presStyleCnt="0"/>
@@ -2430,42 +2716,6 @@
       <dgm:prSet presAssocID="{45589563-E41B-44DB-8AFC-34EE8901D150}" presName="hierChild5" presStyleCnt="0"/>
       <dgm:spPr/>
     </dgm:pt>
-    <dgm:pt modelId="{FD340AE9-3099-4F19-AE25-6AA406E4942B}" type="pres">
-      <dgm:prSet presAssocID="{2888C3D8-9495-4F27-A1DB-649C0F6F0C8E}" presName="Name37" presStyleLbl="parChTrans1D3" presStyleIdx="10" presStyleCnt="13"/>
-      <dgm:spPr/>
-    </dgm:pt>
-    <dgm:pt modelId="{31743E06-6A4C-4F53-9E86-086D31640484}" type="pres">
-      <dgm:prSet presAssocID="{A20FE1FD-A95C-4766-9690-80DC349AC70F}" presName="hierRoot2" presStyleCnt="0">
-        <dgm:presLayoutVars>
-          <dgm:hierBranch val="init"/>
-        </dgm:presLayoutVars>
-      </dgm:prSet>
-      <dgm:spPr/>
-    </dgm:pt>
-    <dgm:pt modelId="{24033014-0642-4849-9F64-2DE52D025A2D}" type="pres">
-      <dgm:prSet presAssocID="{A20FE1FD-A95C-4766-9690-80DC349AC70F}" presName="rootComposite" presStyleCnt="0"/>
-      <dgm:spPr/>
-    </dgm:pt>
-    <dgm:pt modelId="{8C04714C-7228-4FE6-AC0C-C1DB88E9F632}" type="pres">
-      <dgm:prSet presAssocID="{A20FE1FD-A95C-4766-9690-80DC349AC70F}" presName="rootText" presStyleLbl="node3" presStyleIdx="10" presStyleCnt="13">
-        <dgm:presLayoutVars>
-          <dgm:chPref val="3"/>
-        </dgm:presLayoutVars>
-      </dgm:prSet>
-      <dgm:spPr/>
-    </dgm:pt>
-    <dgm:pt modelId="{84A7522A-37FD-4A20-BFE1-3E7225977F7B}" type="pres">
-      <dgm:prSet presAssocID="{A20FE1FD-A95C-4766-9690-80DC349AC70F}" presName="rootConnector" presStyleLbl="node3" presStyleIdx="10" presStyleCnt="13"/>
-      <dgm:spPr/>
-    </dgm:pt>
-    <dgm:pt modelId="{08FA467A-6995-4503-B201-F0B90825C9B6}" type="pres">
-      <dgm:prSet presAssocID="{A20FE1FD-A95C-4766-9690-80DC349AC70F}" presName="hierChild4" presStyleCnt="0"/>
-      <dgm:spPr/>
-    </dgm:pt>
-    <dgm:pt modelId="{1449782C-0015-40DF-98A9-6C83A648E19C}" type="pres">
-      <dgm:prSet presAssocID="{A20FE1FD-A95C-4766-9690-80DC349AC70F}" presName="hierChild5" presStyleCnt="0"/>
-      <dgm:spPr/>
-    </dgm:pt>
     <dgm:pt modelId="{976519EB-C9EC-457C-833C-4D30FFCA6E50}" type="pres">
       <dgm:prSet presAssocID="{86D061FF-D2B9-4444-977F-ADD2F8B26F58}" presName="hierChild5" presStyleCnt="0"/>
       <dgm:spPr/>
@@ -2473,6 +2723,13 @@
     <dgm:pt modelId="{BDE2651E-B7D5-4C3D-AD07-DA19A512C3EE}" type="pres">
       <dgm:prSet presAssocID="{10800D79-C7F5-402B-9C15-F3A760B05058}" presName="Name37" presStyleLbl="parChTrans1D2" presStyleIdx="4" presStyleCnt="5"/>
       <dgm:spPr/>
+      <dgm:t>
+        <a:bodyPr/>
+        <a:lstStyle/>
+        <a:p>
+          <a:endParaRPr lang="zh-TW" altLang="en-US"/>
+        </a:p>
+      </dgm:t>
     </dgm:pt>
     <dgm:pt modelId="{68C645D7-DD34-4CEC-B0F6-54DC101682E9}" type="pres">
       <dgm:prSet presAssocID="{AD32A085-D46D-4887-85FE-3881670D4ABC}" presName="hierRoot2" presStyleCnt="0">
@@ -2493,18 +2750,39 @@
         </dgm:presLayoutVars>
       </dgm:prSet>
       <dgm:spPr/>
+      <dgm:t>
+        <a:bodyPr/>
+        <a:lstStyle/>
+        <a:p>
+          <a:endParaRPr lang="zh-TW" altLang="en-US"/>
+        </a:p>
+      </dgm:t>
     </dgm:pt>
     <dgm:pt modelId="{C609D8FB-3E78-41DF-97D1-426FFD67870A}" type="pres">
       <dgm:prSet presAssocID="{AD32A085-D46D-4887-85FE-3881670D4ABC}" presName="rootConnector" presStyleLbl="node2" presStyleIdx="4" presStyleCnt="5"/>
       <dgm:spPr/>
+      <dgm:t>
+        <a:bodyPr/>
+        <a:lstStyle/>
+        <a:p>
+          <a:endParaRPr lang="zh-TW" altLang="en-US"/>
+        </a:p>
+      </dgm:t>
     </dgm:pt>
     <dgm:pt modelId="{F0332430-2094-44BA-B3EC-33A2BD908B64}" type="pres">
       <dgm:prSet presAssocID="{AD32A085-D46D-4887-85FE-3881670D4ABC}" presName="hierChild4" presStyleCnt="0"/>
       <dgm:spPr/>
     </dgm:pt>
     <dgm:pt modelId="{6A9A8A16-8F93-420D-8D9F-15BFBFA09642}" type="pres">
-      <dgm:prSet presAssocID="{3F984D36-88C5-4802-A36C-73B6E41E1411}" presName="Name37" presStyleLbl="parChTrans1D3" presStyleIdx="11" presStyleCnt="13"/>
-      <dgm:spPr/>
+      <dgm:prSet presAssocID="{3F984D36-88C5-4802-A36C-73B6E41E1411}" presName="Name37" presStyleLbl="parChTrans1D3" presStyleIdx="10" presStyleCnt="12"/>
+      <dgm:spPr/>
+      <dgm:t>
+        <a:bodyPr/>
+        <a:lstStyle/>
+        <a:p>
+          <a:endParaRPr lang="zh-TW" altLang="en-US"/>
+        </a:p>
+      </dgm:t>
     </dgm:pt>
     <dgm:pt modelId="{6D6CECBC-E1EB-4041-B439-B36FA5E3387D}" type="pres">
       <dgm:prSet presAssocID="{39BE0418-99C9-4A4C-9BB7-65D49A05BB31}" presName="hierRoot2" presStyleCnt="0">
@@ -2519,16 +2797,30 @@
       <dgm:spPr/>
     </dgm:pt>
     <dgm:pt modelId="{A22D8479-F3B5-40E2-B47E-87AA623B4993}" type="pres">
-      <dgm:prSet presAssocID="{39BE0418-99C9-4A4C-9BB7-65D49A05BB31}" presName="rootText" presStyleLbl="node3" presStyleIdx="11" presStyleCnt="13">
+      <dgm:prSet presAssocID="{39BE0418-99C9-4A4C-9BB7-65D49A05BB31}" presName="rootText" presStyleLbl="node3" presStyleIdx="10" presStyleCnt="12">
         <dgm:presLayoutVars>
           <dgm:chPref val="3"/>
         </dgm:presLayoutVars>
       </dgm:prSet>
       <dgm:spPr/>
+      <dgm:t>
+        <a:bodyPr/>
+        <a:lstStyle/>
+        <a:p>
+          <a:endParaRPr lang="zh-TW" altLang="en-US"/>
+        </a:p>
+      </dgm:t>
     </dgm:pt>
     <dgm:pt modelId="{BC019BB1-5CF6-423B-ABA0-427EF99217C0}" type="pres">
-      <dgm:prSet presAssocID="{39BE0418-99C9-4A4C-9BB7-65D49A05BB31}" presName="rootConnector" presStyleLbl="node3" presStyleIdx="11" presStyleCnt="13"/>
-      <dgm:spPr/>
+      <dgm:prSet presAssocID="{39BE0418-99C9-4A4C-9BB7-65D49A05BB31}" presName="rootConnector" presStyleLbl="node3" presStyleIdx="10" presStyleCnt="12"/>
+      <dgm:spPr/>
+      <dgm:t>
+        <a:bodyPr/>
+        <a:lstStyle/>
+        <a:p>
+          <a:endParaRPr lang="zh-TW" altLang="en-US"/>
+        </a:p>
+      </dgm:t>
     </dgm:pt>
     <dgm:pt modelId="{9DB1C866-67F8-4DB2-99E4-62C28D8B5F6A}" type="pres">
       <dgm:prSet presAssocID="{39BE0418-99C9-4A4C-9BB7-65D49A05BB31}" presName="hierChild4" presStyleCnt="0"/>
@@ -2539,8 +2831,15 @@
       <dgm:spPr/>
     </dgm:pt>
     <dgm:pt modelId="{CBF5EDDE-F1AE-4D96-A868-C069E99404E1}" type="pres">
-      <dgm:prSet presAssocID="{C280D63C-71F5-492D-8B35-D8AC545A8FD6}" presName="Name37" presStyleLbl="parChTrans1D3" presStyleIdx="12" presStyleCnt="13"/>
-      <dgm:spPr/>
+      <dgm:prSet presAssocID="{C280D63C-71F5-492D-8B35-D8AC545A8FD6}" presName="Name37" presStyleLbl="parChTrans1D3" presStyleIdx="11" presStyleCnt="12"/>
+      <dgm:spPr/>
+      <dgm:t>
+        <a:bodyPr/>
+        <a:lstStyle/>
+        <a:p>
+          <a:endParaRPr lang="zh-TW" altLang="en-US"/>
+        </a:p>
+      </dgm:t>
     </dgm:pt>
     <dgm:pt modelId="{CB37B3B1-62DE-41B7-9747-8792D8DC5003}" type="pres">
       <dgm:prSet presAssocID="{62CBE48F-EC59-4730-8AFF-764E8BD5E8AD}" presName="hierRoot2" presStyleCnt="0">
@@ -2555,16 +2854,30 @@
       <dgm:spPr/>
     </dgm:pt>
     <dgm:pt modelId="{81D60BD1-1DBC-4430-BF4F-3151B42A904C}" type="pres">
-      <dgm:prSet presAssocID="{62CBE48F-EC59-4730-8AFF-764E8BD5E8AD}" presName="rootText" presStyleLbl="node3" presStyleIdx="12" presStyleCnt="13">
+      <dgm:prSet presAssocID="{62CBE48F-EC59-4730-8AFF-764E8BD5E8AD}" presName="rootText" presStyleLbl="node3" presStyleIdx="11" presStyleCnt="12">
         <dgm:presLayoutVars>
           <dgm:chPref val="3"/>
         </dgm:presLayoutVars>
       </dgm:prSet>
       <dgm:spPr/>
+      <dgm:t>
+        <a:bodyPr/>
+        <a:lstStyle/>
+        <a:p>
+          <a:endParaRPr lang="zh-TW" altLang="en-US"/>
+        </a:p>
+      </dgm:t>
     </dgm:pt>
     <dgm:pt modelId="{7AFA0562-599B-4AA7-9AC2-2C2B381E4C25}" type="pres">
-      <dgm:prSet presAssocID="{62CBE48F-EC59-4730-8AFF-764E8BD5E8AD}" presName="rootConnector" presStyleLbl="node3" presStyleIdx="12" presStyleCnt="13"/>
-      <dgm:spPr/>
+      <dgm:prSet presAssocID="{62CBE48F-EC59-4730-8AFF-764E8BD5E8AD}" presName="rootConnector" presStyleLbl="node3" presStyleIdx="11" presStyleCnt="12"/>
+      <dgm:spPr/>
+      <dgm:t>
+        <a:bodyPr/>
+        <a:lstStyle/>
+        <a:p>
+          <a:endParaRPr lang="zh-TW" altLang="en-US"/>
+        </a:p>
+      </dgm:t>
     </dgm:pt>
     <dgm:pt modelId="{D5D22431-71D9-43B7-9CE5-E8DAC3B33147}" type="pres">
       <dgm:prSet presAssocID="{62CBE48F-EC59-4730-8AFF-764E8BD5E8AD}" presName="hierChild4" presStyleCnt="0"/>
@@ -2584,82 +2897,78 @@
     </dgm:pt>
   </dgm:ptLst>
   <dgm:cxnLst>
+    <dgm:cxn modelId="{0795BC80-BD44-4D5E-9628-A25590A3080E}" type="presOf" srcId="{C280D63C-71F5-492D-8B35-D8AC545A8FD6}" destId="{CBF5EDDE-F1AE-4D96-A868-C069E99404E1}" srcOrd="0" destOrd="0" presId="urn:microsoft.com/office/officeart/2005/8/layout/orgChart1"/>
+    <dgm:cxn modelId="{5A2480C8-310C-440F-9E09-EB0FB3B9D5FD}" type="presOf" srcId="{62CBE48F-EC59-4730-8AFF-764E8BD5E8AD}" destId="{7AFA0562-599B-4AA7-9AC2-2C2B381E4C25}" srcOrd="1" destOrd="0" presId="urn:microsoft.com/office/officeart/2005/8/layout/orgChart1"/>
+    <dgm:cxn modelId="{90BC6C25-1C2D-43DE-9E7E-C518D4EF859B}" srcId="{BB9FF21B-E75B-43A4-B03F-6C82A45E4511}" destId="{AC3A9028-A893-43CC-B0AA-EFF03CAF6956}" srcOrd="1" destOrd="0" parTransId="{6120E8A3-E282-411C-B7AF-52CB84C5223C}" sibTransId="{1697C4F1-C0E7-4E58-B3A5-D36654A6903E}"/>
+    <dgm:cxn modelId="{5B2A6C7F-9AFC-4DAC-BABF-81E31DDE16BF}" type="presOf" srcId="{62CBE48F-EC59-4730-8AFF-764E8BD5E8AD}" destId="{81D60BD1-1DBC-4430-BF4F-3151B42A904C}" srcOrd="0" destOrd="0" presId="urn:microsoft.com/office/officeart/2005/8/layout/orgChart1"/>
+    <dgm:cxn modelId="{367BD37E-38CF-4245-9EFA-D01B85B83BD9}" type="presOf" srcId="{56898A94-E574-4C74-BB23-528EED54EB78}" destId="{2D80F0C3-C504-4561-A084-06B66D39392D}" srcOrd="0" destOrd="0" presId="urn:microsoft.com/office/officeart/2005/8/layout/orgChart1"/>
+    <dgm:cxn modelId="{56AC4AFB-311A-46F6-A4BB-99EDEE2BF2CF}" type="presOf" srcId="{5E31DA61-BA7B-4CD0-B08B-CD683A1209DE}" destId="{A6632A3E-C71E-4AE1-A356-3690361E8512}" srcOrd="0" destOrd="0" presId="urn:microsoft.com/office/officeart/2005/8/layout/orgChart1"/>
+    <dgm:cxn modelId="{20309684-A762-44F5-84F3-A30330CCFCA8}" type="presOf" srcId="{0CF1DFD8-24BF-4C6B-BD01-BEBB8834C8DE}" destId="{D1B06913-B69F-4394-9B6A-75C451167FE8}" srcOrd="1" destOrd="0" presId="urn:microsoft.com/office/officeart/2005/8/layout/orgChart1"/>
+    <dgm:cxn modelId="{E4D8F05D-28B4-48A9-9BB5-6EE26DA1C4A4}" type="presOf" srcId="{CB39D681-7061-437F-A140-79E3079A753F}" destId="{E79A5832-DD8A-4441-B652-BD9EC8B7EED1}" srcOrd="0" destOrd="0" presId="urn:microsoft.com/office/officeart/2005/8/layout/orgChart1"/>
+    <dgm:cxn modelId="{EDDD4D9C-7009-4E90-A9EE-E3DD9DF935B6}" type="presOf" srcId="{C8AEE87B-F7A2-4CFA-BE00-6B9F721DFE96}" destId="{23546AB9-AA88-44E8-A74F-6A7DB71CEDFA}" srcOrd="1" destOrd="0" presId="urn:microsoft.com/office/officeart/2005/8/layout/orgChart1"/>
+    <dgm:cxn modelId="{067C603F-91D6-450C-B790-42D6C288A3E5}" type="presOf" srcId="{173D0E01-5CCA-4DD5-8675-4848935F7747}" destId="{F408B408-E62C-4B71-97E3-A289C9A0B662}" srcOrd="0" destOrd="0" presId="urn:microsoft.com/office/officeart/2005/8/layout/orgChart1"/>
+    <dgm:cxn modelId="{2A37767E-672C-464E-931A-BC8365AF4F05}" type="presOf" srcId="{AD32A085-D46D-4887-85FE-3881670D4ABC}" destId="{C609D8FB-3E78-41DF-97D1-426FFD67870A}" srcOrd="1" destOrd="0" presId="urn:microsoft.com/office/officeart/2005/8/layout/orgChart1"/>
+    <dgm:cxn modelId="{78F39385-89B2-4678-B14C-4566B6C7C105}" type="presOf" srcId="{C1995ACD-DEEA-4649-9190-0A2396D6DBA3}" destId="{51FCB016-BDCC-466A-AEB8-2EA2F7D30621}" srcOrd="1" destOrd="0" presId="urn:microsoft.com/office/officeart/2005/8/layout/orgChart1"/>
+    <dgm:cxn modelId="{6C081070-BFA6-4451-8423-41FAADBD5092}" type="presOf" srcId="{807A8DFA-5BDA-4B03-B801-660127571B99}" destId="{B9F624FB-4B18-4FAE-BC1C-356832304C1D}" srcOrd="0" destOrd="0" presId="urn:microsoft.com/office/officeart/2005/8/layout/orgChart1"/>
+    <dgm:cxn modelId="{076AD29A-7FEC-4388-8353-A4CBF00E6363}" srcId="{6A60B06C-5221-4384-A9FB-3C2F40D70CFC}" destId="{E75562FB-B070-41B3-8EF8-CB551DCB0DC5}" srcOrd="0" destOrd="0" parTransId="{6D45DEA0-D4D5-4F5A-B34F-FF0007B4D557}" sibTransId="{C45E83A9-31EF-4525-9EDB-CCA5F08C6693}"/>
+    <dgm:cxn modelId="{50F06AC8-64F8-4C55-973D-0D2D10892A1A}" type="presOf" srcId="{B429E2B1-9AB4-4DAF-A3D8-FAB2AEC20118}" destId="{AD91993C-55B9-441F-87C0-0719108305AF}" srcOrd="0" destOrd="0" presId="urn:microsoft.com/office/officeart/2005/8/layout/orgChart1"/>
+    <dgm:cxn modelId="{97F9CF93-1ADD-4C27-A321-B36B3C7D5089}" srcId="{E7358108-83A8-42F1-84AF-1043344A61B4}" destId="{C8AEE87B-F7A2-4CFA-BE00-6B9F721DFE96}" srcOrd="0" destOrd="0" parTransId="{DBFF9E4D-F654-4E3E-A2C7-9EEF27EF4259}" sibTransId="{EC9178BF-E53B-4AAF-BF49-34A7F5D46978}"/>
+    <dgm:cxn modelId="{95FBBB1B-BA8C-4D24-ACCC-619FCD002F1D}" srcId="{AD32A085-D46D-4887-85FE-3881670D4ABC}" destId="{62CBE48F-EC59-4730-8AFF-764E8BD5E8AD}" srcOrd="1" destOrd="0" parTransId="{C280D63C-71F5-492D-8B35-D8AC545A8FD6}" sibTransId="{D2980E21-5749-422D-848B-5FE4F350FA78}"/>
+    <dgm:cxn modelId="{2D0656AF-0273-4C6D-AC64-715F64FDF61C}" type="presOf" srcId="{AC3A9028-A893-43CC-B0AA-EFF03CAF6956}" destId="{CE0C6D92-1D52-4CC6-84E1-16B238E7C260}" srcOrd="1" destOrd="0" presId="urn:microsoft.com/office/officeart/2005/8/layout/orgChart1"/>
+    <dgm:cxn modelId="{AC8D643F-2F3D-4119-9CAE-EC9A6F0471FB}" type="presOf" srcId="{E75562FB-B070-41B3-8EF8-CB551DCB0DC5}" destId="{D223C34C-51A5-4CA5-8302-426A14A3C069}" srcOrd="1" destOrd="0" presId="urn:microsoft.com/office/officeart/2005/8/layout/orgChart1"/>
+    <dgm:cxn modelId="{DC813085-6362-440A-A9A1-BE9DF2040FD9}" type="presOf" srcId="{D9741ECF-9D86-4A1C-8DF4-94C0D2567BD6}" destId="{C3DBE02B-4666-4866-AB49-9225C9F7E671}" srcOrd="1" destOrd="0" presId="urn:microsoft.com/office/officeart/2005/8/layout/orgChart1"/>
+    <dgm:cxn modelId="{8E30AF8B-B498-43A6-9E10-84E97522C64C}" type="presOf" srcId="{BB9FF21B-E75B-43A4-B03F-6C82A45E4511}" destId="{D8602253-5290-4E90-A5EF-32A901888DAC}" srcOrd="1" destOrd="0" presId="urn:microsoft.com/office/officeart/2005/8/layout/orgChart1"/>
     <dgm:cxn modelId="{468F5004-FAEB-4B83-ACBE-87CC0951A8B8}" type="presOf" srcId="{807A8DFA-5BDA-4B03-B801-660127571B99}" destId="{079241A2-20E2-4232-9D06-88AA9F82E25C}" srcOrd="1" destOrd="0" presId="urn:microsoft.com/office/officeart/2005/8/layout/orgChart1"/>
+    <dgm:cxn modelId="{D693D372-7061-4242-B7FA-0922BF6D50B1}" srcId="{AD32A085-D46D-4887-85FE-3881670D4ABC}" destId="{39BE0418-99C9-4A4C-9BB7-65D49A05BB31}" srcOrd="0" destOrd="0" parTransId="{3F984D36-88C5-4802-A36C-73B6E41E1411}" sibTransId="{AADAA9E2-AA9B-4FCD-ACF3-BAF5F5DC6DE5}"/>
+    <dgm:cxn modelId="{828B6D54-699D-4E46-AD40-07C1A62B13D9}" srcId="{C1995ACD-DEEA-4649-9190-0A2396D6DBA3}" destId="{86D061FF-D2B9-4444-977F-ADD2F8B26F58}" srcOrd="3" destOrd="0" parTransId="{BA5BADE7-FE02-4E58-AED6-CA6877DD8C92}" sibTransId="{CFC98E5F-E976-47DE-BF3C-8D713A362CC8}"/>
+    <dgm:cxn modelId="{657B40C3-3E57-4CCB-9E16-E70710592D61}" type="presOf" srcId="{45589563-E41B-44DB-8AFC-34EE8901D150}" destId="{31BD8C53-89B5-4F7C-9478-2F7EA5E507AF}" srcOrd="0" destOrd="0" presId="urn:microsoft.com/office/officeart/2005/8/layout/orgChart1"/>
+    <dgm:cxn modelId="{A5A6396D-90A6-4EAB-BD65-C6E3EB328989}" srcId="{6A60B06C-5221-4384-A9FB-3C2F40D70CFC}" destId="{5E31DA61-BA7B-4CD0-B08B-CD683A1209DE}" srcOrd="1" destOrd="0" parTransId="{B429E2B1-9AB4-4DAF-A3D8-FAB2AEC20118}" sibTransId="{EFD350DB-5014-47BD-802E-75E7FEB9EDCE}"/>
+    <dgm:cxn modelId="{EE5226F3-BDB5-4446-8FD2-352101F36877}" type="presOf" srcId="{6A60B06C-5221-4384-A9FB-3C2F40D70CFC}" destId="{55A8D0F4-35D7-4632-89EE-BB6F8E87DDB0}" srcOrd="1" destOrd="0" presId="urn:microsoft.com/office/officeart/2005/8/layout/orgChart1"/>
+    <dgm:cxn modelId="{DB594F0F-D2CE-46D6-8A71-32F88F2A750A}" type="presOf" srcId="{E7358108-83A8-42F1-84AF-1043344A61B4}" destId="{898283FA-7639-445A-95D5-432134CB6ADF}" srcOrd="0" destOrd="0" presId="urn:microsoft.com/office/officeart/2005/8/layout/orgChart1"/>
     <dgm:cxn modelId="{50DAC207-194B-4522-8F60-70329D502C4A}" type="presOf" srcId="{DBFF9E4D-F654-4E3E-A2C7-9EEF27EF4259}" destId="{5F48F0E4-2C7E-480D-9A45-E44C79D6BEA5}" srcOrd="0" destOrd="0" presId="urn:microsoft.com/office/officeart/2005/8/layout/orgChart1"/>
-    <dgm:cxn modelId="{3AE07709-9EB4-4A95-9929-16AE08DFE16B}" type="presOf" srcId="{45589563-E41B-44DB-8AFC-34EE8901D150}" destId="{8CE4FFBF-227E-49C4-97D7-83977CD95846}" srcOrd="1" destOrd="0" presId="urn:microsoft.com/office/officeart/2005/8/layout/orgChart1"/>
-    <dgm:cxn modelId="{DB594F0F-D2CE-46D6-8A71-32F88F2A750A}" type="presOf" srcId="{E7358108-83A8-42F1-84AF-1043344A61B4}" destId="{898283FA-7639-445A-95D5-432134CB6ADF}" srcOrd="0" destOrd="0" presId="urn:microsoft.com/office/officeart/2005/8/layout/orgChart1"/>
-    <dgm:cxn modelId="{95FBBB1B-BA8C-4D24-ACCC-619FCD002F1D}" srcId="{AD32A085-D46D-4887-85FE-3881670D4ABC}" destId="{62CBE48F-EC59-4730-8AFF-764E8BD5E8AD}" srcOrd="1" destOrd="0" parTransId="{C280D63C-71F5-492D-8B35-D8AC545A8FD6}" sibTransId="{D2980E21-5749-422D-848B-5FE4F350FA78}"/>
-    <dgm:cxn modelId="{E083AA21-4155-48B2-8F94-BCB535ECC4E3}" type="presOf" srcId="{0CDD43BF-559F-46B2-A99A-AC0F2E14E16C}" destId="{E780AC31-68D7-4FDE-AB32-EFBB2D377EE9}" srcOrd="0" destOrd="0" presId="urn:microsoft.com/office/officeart/2005/8/layout/orgChart1"/>
-    <dgm:cxn modelId="{90BC6C25-1C2D-43DE-9E7E-C518D4EF859B}" srcId="{BB9FF21B-E75B-43A4-B03F-6C82A45E4511}" destId="{AC3A9028-A893-43CC-B0AA-EFF03CAF6956}" srcOrd="1" destOrd="0" parTransId="{6120E8A3-E282-411C-B7AF-52CB84C5223C}" sibTransId="{1697C4F1-C0E7-4E58-B3A5-D36654A6903E}"/>
-    <dgm:cxn modelId="{D680EA26-5B15-420D-9FA0-DD0C5A469941}" srcId="{29EEBFE2-BEA6-4F35-8D1E-FF7000BD40D5}" destId="{C1995ACD-DEEA-4649-9190-0A2396D6DBA3}" srcOrd="0" destOrd="0" parTransId="{A5ED610D-3F11-454D-B28B-8E429C182DBB}" sibTransId="{CF4FC96D-3D22-44F0-A56F-5F48565B1343}"/>
+    <dgm:cxn modelId="{26F9324B-44A5-4EE4-A830-EBDAA24A23BC}" type="presOf" srcId="{86D061FF-D2B9-4444-977F-ADD2F8B26F58}" destId="{DBAD3854-BABD-419A-91AD-A1E38A3CF09E}" srcOrd="1" destOrd="0" presId="urn:microsoft.com/office/officeart/2005/8/layout/orgChart1"/>
+    <dgm:cxn modelId="{A22D7F34-B439-4CBC-B05B-B7928B3E9518}" type="presOf" srcId="{BB9FF21B-E75B-43A4-B03F-6C82A45E4511}" destId="{EA605843-84EA-4778-BB50-59415505C303}" srcOrd="0" destOrd="0" presId="urn:microsoft.com/office/officeart/2005/8/layout/orgChart1"/>
     <dgm:cxn modelId="{CF050829-6C9D-4F48-974B-656C1923992E}" type="presOf" srcId="{69FD09DB-7D78-47CE-93D1-107E376A870E}" destId="{0D5A4EFE-1C67-4062-B174-8A1DEA7885B2}" srcOrd="0" destOrd="0" presId="urn:microsoft.com/office/officeart/2005/8/layout/orgChart1"/>
-    <dgm:cxn modelId="{E3838B30-B14E-4EEB-9770-9A004F60ED7D}" type="presOf" srcId="{2888C3D8-9495-4F27-A1DB-649C0F6F0C8E}" destId="{FD340AE9-3099-4F19-AE25-6AA406E4942B}" srcOrd="0" destOrd="0" presId="urn:microsoft.com/office/officeart/2005/8/layout/orgChart1"/>
     <dgm:cxn modelId="{9E00E631-3A37-453D-8036-41BFD158F301}" srcId="{C1995ACD-DEEA-4649-9190-0A2396D6DBA3}" destId="{E7358108-83A8-42F1-84AF-1043344A61B4}" srcOrd="0" destOrd="0" parTransId="{69FD09DB-7D78-47CE-93D1-107E376A870E}" sibTransId="{1EE218E9-8B94-451F-A133-38BAF668B8B5}"/>
-    <dgm:cxn modelId="{86B0FB32-42C9-4162-91B1-FFC1DE8460AC}" type="presOf" srcId="{29EEBFE2-BEA6-4F35-8D1E-FF7000BD40D5}" destId="{764024E2-07FC-4A92-AB92-49DAE6C1E5A9}" srcOrd="0" destOrd="0" presId="urn:microsoft.com/office/officeart/2005/8/layout/orgChart1"/>
-    <dgm:cxn modelId="{A22D7F34-B439-4CBC-B05B-B7928B3E9518}" type="presOf" srcId="{BB9FF21B-E75B-43A4-B03F-6C82A45E4511}" destId="{EA605843-84EA-4778-BB50-59415505C303}" srcOrd="0" destOrd="0" presId="urn:microsoft.com/office/officeart/2005/8/layout/orgChart1"/>
-    <dgm:cxn modelId="{4F0B0D3E-984D-49D4-BF42-B0C2A303B629}" type="presOf" srcId="{86D061FF-D2B9-4444-977F-ADD2F8B26F58}" destId="{027E1B34-93FE-4CE3-8A28-D69A90B48A09}" srcOrd="0" destOrd="0" presId="urn:microsoft.com/office/officeart/2005/8/layout/orgChart1"/>
-    <dgm:cxn modelId="{B570293E-A034-4184-8C6E-4316A0AFC6A7}" type="presOf" srcId="{6D45DEA0-D4D5-4F5A-B34F-FF0007B4D557}" destId="{BC0D907D-CEB2-4F4E-B6F3-5737303E1E5F}" srcOrd="0" destOrd="0" presId="urn:microsoft.com/office/officeart/2005/8/layout/orgChart1"/>
-    <dgm:cxn modelId="{C75B443E-4E99-4FBB-99BA-FA4A0C1A2EDC}" type="presOf" srcId="{A20FE1FD-A95C-4766-9690-80DC349AC70F}" destId="{84A7522A-37FD-4A20-BFE1-3E7225977F7B}" srcOrd="1" destOrd="0" presId="urn:microsoft.com/office/officeart/2005/8/layout/orgChart1"/>
-    <dgm:cxn modelId="{067C603F-91D6-450C-B790-42D6C288A3E5}" type="presOf" srcId="{173D0E01-5CCA-4DD5-8675-4848935F7747}" destId="{F408B408-E62C-4B71-97E3-A289C9A0B662}" srcOrd="0" destOrd="0" presId="urn:microsoft.com/office/officeart/2005/8/layout/orgChart1"/>
-    <dgm:cxn modelId="{AC8D643F-2F3D-4119-9CAE-EC9A6F0471FB}" type="presOf" srcId="{E75562FB-B070-41B3-8EF8-CB551DCB0DC5}" destId="{D223C34C-51A5-4CA5-8302-426A14A3C069}" srcOrd="1" destOrd="0" presId="urn:microsoft.com/office/officeart/2005/8/layout/orgChart1"/>
-    <dgm:cxn modelId="{E4D8F05D-28B4-48A9-9BB5-6EE26DA1C4A4}" type="presOf" srcId="{CB39D681-7061-437F-A140-79E3079A753F}" destId="{E79A5832-DD8A-4441-B652-BD9EC8B7EED1}" srcOrd="0" destOrd="0" presId="urn:microsoft.com/office/officeart/2005/8/layout/orgChart1"/>
-    <dgm:cxn modelId="{665D2C66-71F9-4798-AD7B-213B21EF38D4}" type="presOf" srcId="{0CF1DFD8-24BF-4C6B-BD01-BEBB8834C8DE}" destId="{FC2AA275-909E-47D7-A861-5FB840A38676}" srcOrd="0" destOrd="0" presId="urn:microsoft.com/office/officeart/2005/8/layout/orgChart1"/>
-    <dgm:cxn modelId="{692C2E6B-BDFD-4010-A265-F8C30B20FA6C}" srcId="{86D061FF-D2B9-4444-977F-ADD2F8B26F58}" destId="{45589563-E41B-44DB-8AFC-34EE8901D150}" srcOrd="1" destOrd="0" parTransId="{56898A94-E574-4C74-BB23-528EED54EB78}" sibTransId="{9C579D39-AB85-41C8-8432-AFBFC00D9440}"/>
-    <dgm:cxn modelId="{26F9324B-44A5-4EE4-A830-EBDAA24A23BC}" type="presOf" srcId="{86D061FF-D2B9-4444-977F-ADD2F8B26F58}" destId="{DBAD3854-BABD-419A-91AD-A1E38A3CF09E}" srcOrd="1" destOrd="0" presId="urn:microsoft.com/office/officeart/2005/8/layout/orgChart1"/>
-    <dgm:cxn modelId="{A5A6396D-90A6-4EAB-BD65-C6E3EB328989}" srcId="{6A60B06C-5221-4384-A9FB-3C2F40D70CFC}" destId="{5E31DA61-BA7B-4CD0-B08B-CD683A1209DE}" srcOrd="1" destOrd="0" parTransId="{B429E2B1-9AB4-4DAF-A3D8-FAB2AEC20118}" sibTransId="{EFD350DB-5014-47BD-802E-75E7FEB9EDCE}"/>
-    <dgm:cxn modelId="{80C4524F-4DF7-4799-946F-CCB503F3B731}" type="presOf" srcId="{3F984D36-88C5-4802-A36C-73B6E41E1411}" destId="{6A9A8A16-8F93-420D-8D9F-15BFBFA09642}" srcOrd="0" destOrd="0" presId="urn:microsoft.com/office/officeart/2005/8/layout/orgChart1"/>
-    <dgm:cxn modelId="{6C081070-BFA6-4451-8423-41FAADBD5092}" type="presOf" srcId="{807A8DFA-5BDA-4B03-B801-660127571B99}" destId="{B9F624FB-4B18-4FAE-BC1C-356832304C1D}" srcOrd="0" destOrd="0" presId="urn:microsoft.com/office/officeart/2005/8/layout/orgChart1"/>
-    <dgm:cxn modelId="{A8E79D71-C7DF-4296-A3C7-24AFAA6DE9C3}" srcId="{86D061FF-D2B9-4444-977F-ADD2F8B26F58}" destId="{0CF1DFD8-24BF-4C6B-BD01-BEBB8834C8DE}" srcOrd="0" destOrd="0" parTransId="{0CDD43BF-559F-46B2-A99A-AC0F2E14E16C}" sibTransId="{4F46DB3D-023A-410E-88AA-FB56A0D3206C}"/>
-    <dgm:cxn modelId="{A8940652-5E36-4B09-BDC7-923AD7A2B90A}" type="presOf" srcId="{C1995ACD-DEEA-4649-9190-0A2396D6DBA3}" destId="{0F6EA74C-FEEA-4A60-8965-C249C259639B}" srcOrd="0" destOrd="0" presId="urn:microsoft.com/office/officeart/2005/8/layout/orgChart1"/>
-    <dgm:cxn modelId="{D693D372-7061-4242-B7FA-0922BF6D50B1}" srcId="{AD32A085-D46D-4887-85FE-3881670D4ABC}" destId="{39BE0418-99C9-4A4C-9BB7-65D49A05BB31}" srcOrd="0" destOrd="0" parTransId="{3F984D36-88C5-4802-A36C-73B6E41E1411}" sibTransId="{AADAA9E2-AA9B-4FCD-ACF3-BAF5F5DC6DE5}"/>
+    <dgm:cxn modelId="{E468E2C1-D5DC-4913-912C-4A712F294189}" type="presOf" srcId="{5E31DA61-BA7B-4CD0-B08B-CD683A1209DE}" destId="{5FA213B4-DAA0-4BB7-88F0-3CEC63244ACD}" srcOrd="1" destOrd="0" presId="urn:microsoft.com/office/officeart/2005/8/layout/orgChart1"/>
     <dgm:cxn modelId="{7A623373-9A1A-4AF6-9F21-420BD8CCA4D6}" type="presOf" srcId="{AC3A9028-A893-43CC-B0AA-EFF03CAF6956}" destId="{F395118E-6F8D-4111-995B-78F916EC69E4}" srcOrd="0" destOrd="0" presId="urn:microsoft.com/office/officeart/2005/8/layout/orgChart1"/>
-    <dgm:cxn modelId="{B024FF53-4887-4D94-A72D-4D97CAFD64F6}" type="presOf" srcId="{E7358108-83A8-42F1-84AF-1043344A61B4}" destId="{74E53E5B-7DCA-4C09-A9BF-327363D42547}" srcOrd="1" destOrd="0" presId="urn:microsoft.com/office/officeart/2005/8/layout/orgChart1"/>
-    <dgm:cxn modelId="{828B6D54-699D-4E46-AD40-07C1A62B13D9}" srcId="{C1995ACD-DEEA-4649-9190-0A2396D6DBA3}" destId="{86D061FF-D2B9-4444-977F-ADD2F8B26F58}" srcOrd="3" destOrd="0" parTransId="{BA5BADE7-FE02-4E58-AED6-CA6877DD8C92}" sibTransId="{CFC98E5F-E976-47DE-BF3C-8D713A362CC8}"/>
-    <dgm:cxn modelId="{96023D78-F5FE-458A-9C77-BA782D9E34FB}" srcId="{C1995ACD-DEEA-4649-9190-0A2396D6DBA3}" destId="{6A60B06C-5221-4384-A9FB-3C2F40D70CFC}" srcOrd="2" destOrd="0" parTransId="{1D01C1D7-F99C-40D9-8169-9A3606FC3C22}" sibTransId="{CE8C7E41-6626-4993-84F7-230AABC742CC}"/>
-    <dgm:cxn modelId="{0A001B7D-02A3-44E0-884E-6CD766446281}" srcId="{E7358108-83A8-42F1-84AF-1043344A61B4}" destId="{9D5DD00D-D723-41C3-A564-BE447082CEE3}" srcOrd="1" destOrd="0" parTransId="{7F7DDA6E-F3A1-4195-9D49-DD6A7A673A53}" sibTransId="{CC461DF6-266C-458F-8E69-C9749734EA70}"/>
-    <dgm:cxn modelId="{2A37767E-672C-464E-931A-BC8365AF4F05}" type="presOf" srcId="{AD32A085-D46D-4887-85FE-3881670D4ABC}" destId="{C609D8FB-3E78-41DF-97D1-426FFD67870A}" srcOrd="1" destOrd="0" presId="urn:microsoft.com/office/officeart/2005/8/layout/orgChart1"/>
-    <dgm:cxn modelId="{367BD37E-38CF-4245-9EFA-D01B85B83BD9}" type="presOf" srcId="{56898A94-E574-4C74-BB23-528EED54EB78}" destId="{2D80F0C3-C504-4561-A084-06B66D39392D}" srcOrd="0" destOrd="0" presId="urn:microsoft.com/office/officeart/2005/8/layout/orgChart1"/>
-    <dgm:cxn modelId="{5B2A6C7F-9AFC-4DAC-BABF-81E31DDE16BF}" type="presOf" srcId="{62CBE48F-EC59-4730-8AFF-764E8BD5E8AD}" destId="{81D60BD1-1DBC-4430-BF4F-3151B42A904C}" srcOrd="0" destOrd="0" presId="urn:microsoft.com/office/officeart/2005/8/layout/orgChart1"/>
-    <dgm:cxn modelId="{AB480F80-CE0A-4F95-916F-C7173772710C}" type="presOf" srcId="{9D5DD00D-D723-41C3-A564-BE447082CEE3}" destId="{DE79C5C0-52BB-4AB4-B9E4-4D482851A011}" srcOrd="0" destOrd="0" presId="urn:microsoft.com/office/officeart/2005/8/layout/orgChart1"/>
-    <dgm:cxn modelId="{0795BC80-BD44-4D5E-9628-A25590A3080E}" type="presOf" srcId="{C280D63C-71F5-492D-8B35-D8AC545A8FD6}" destId="{CBF5EDDE-F1AE-4D96-A868-C069E99404E1}" srcOrd="0" destOrd="0" presId="urn:microsoft.com/office/officeart/2005/8/layout/orgChart1"/>
-    <dgm:cxn modelId="{0C378782-35EC-4245-8A15-5269519644AB}" type="presOf" srcId="{82C8B149-700F-4051-9983-87F5E03CFF7E}" destId="{6951BAB4-BE5B-4240-B59E-660738FB8C0A}" srcOrd="0" destOrd="0" presId="urn:microsoft.com/office/officeart/2005/8/layout/orgChart1"/>
-    <dgm:cxn modelId="{20309684-A762-44F5-84F3-A30330CCFCA8}" type="presOf" srcId="{0CF1DFD8-24BF-4C6B-BD01-BEBB8834C8DE}" destId="{D1B06913-B69F-4394-9B6A-75C451167FE8}" srcOrd="1" destOrd="0" presId="urn:microsoft.com/office/officeart/2005/8/layout/orgChart1"/>
-    <dgm:cxn modelId="{FB4A1C85-F1E3-45BF-8CD8-8E9D3AE2F3BA}" type="presOf" srcId="{9D5DD00D-D723-41C3-A564-BE447082CEE3}" destId="{7877DBA2-C865-46EE-839A-1D3781B37466}" srcOrd="1" destOrd="0" presId="urn:microsoft.com/office/officeart/2005/8/layout/orgChart1"/>
-    <dgm:cxn modelId="{DC813085-6362-440A-A9A1-BE9DF2040FD9}" type="presOf" srcId="{D9741ECF-9D86-4A1C-8DF4-94C0D2567BD6}" destId="{C3DBE02B-4666-4866-AB49-9225C9F7E671}" srcOrd="1" destOrd="0" presId="urn:microsoft.com/office/officeart/2005/8/layout/orgChart1"/>
-    <dgm:cxn modelId="{78F39385-89B2-4678-B14C-4566B6C7C105}" type="presOf" srcId="{C1995ACD-DEEA-4649-9190-0A2396D6DBA3}" destId="{51FCB016-BDCC-466A-AEB8-2EA2F7D30621}" srcOrd="1" destOrd="0" presId="urn:microsoft.com/office/officeart/2005/8/layout/orgChart1"/>
     <dgm:cxn modelId="{5E40A485-E986-4DF1-9B84-9F421FDAB0BC}" type="presOf" srcId="{BA5BADE7-FE02-4E58-AED6-CA6877DD8C92}" destId="{2B8AB7A6-9DF3-44B8-A462-8360BF7B6F26}" srcOrd="0" destOrd="0" presId="urn:microsoft.com/office/officeart/2005/8/layout/orgChart1"/>
     <dgm:cxn modelId="{74B08588-A8AA-40FE-A5B1-93EF0CF50E26}" type="presOf" srcId="{C8AEE87B-F7A2-4CFA-BE00-6B9F721DFE96}" destId="{9CB29694-F3D7-41DB-BEBC-33D5343BA11A}" srcOrd="0" destOrd="0" presId="urn:microsoft.com/office/officeart/2005/8/layout/orgChart1"/>
-    <dgm:cxn modelId="{8E30AF8B-B498-43A6-9E10-84E97522C64C}" type="presOf" srcId="{BB9FF21B-E75B-43A4-B03F-6C82A45E4511}" destId="{D8602253-5290-4E90-A5EF-32A901888DAC}" srcOrd="1" destOrd="0" presId="urn:microsoft.com/office/officeart/2005/8/layout/orgChart1"/>
+    <dgm:cxn modelId="{03722BE0-8259-46A6-B008-EAB71F887898}" type="presOf" srcId="{173D0E01-5CCA-4DD5-8675-4848935F7747}" destId="{2ED1784F-575D-45D8-88D0-DAD0F7EA56B1}" srcOrd="1" destOrd="0" presId="urn:microsoft.com/office/officeart/2005/8/layout/orgChart1"/>
+    <dgm:cxn modelId="{D680EA26-5B15-420D-9FA0-DD0C5A469941}" srcId="{29EEBFE2-BEA6-4F35-8D1E-FF7000BD40D5}" destId="{C1995ACD-DEEA-4649-9190-0A2396D6DBA3}" srcOrd="0" destOrd="0" parTransId="{A5ED610D-3F11-454D-B28B-8E429C182DBB}" sibTransId="{CF4FC96D-3D22-44F0-A56F-5F48565B1343}"/>
+    <dgm:cxn modelId="{80C4524F-4DF7-4799-946F-CCB503F3B731}" type="presOf" srcId="{3F984D36-88C5-4802-A36C-73B6E41E1411}" destId="{6A9A8A16-8F93-420D-8D9F-15BFBFA09642}" srcOrd="0" destOrd="0" presId="urn:microsoft.com/office/officeart/2005/8/layout/orgChart1"/>
+    <dgm:cxn modelId="{FB4A1C85-F1E3-45BF-8CD8-8E9D3AE2F3BA}" type="presOf" srcId="{9D5DD00D-D723-41C3-A564-BE447082CEE3}" destId="{7877DBA2-C865-46EE-839A-1D3781B37466}" srcOrd="1" destOrd="0" presId="urn:microsoft.com/office/officeart/2005/8/layout/orgChart1"/>
+    <dgm:cxn modelId="{9935FD93-C4F2-4D60-8FD8-02DB113D79BC}" type="presOf" srcId="{7F7DDA6E-F3A1-4195-9D49-DD6A7A673A53}" destId="{1CACF2A5-9765-453F-9602-3749D63C20FF}" srcOrd="0" destOrd="0" presId="urn:microsoft.com/office/officeart/2005/8/layout/orgChart1"/>
+    <dgm:cxn modelId="{C9E1A3AF-3029-4336-9E97-247571346B4D}" srcId="{6A60B06C-5221-4384-A9FB-3C2F40D70CFC}" destId="{173D0E01-5CCA-4DD5-8675-4848935F7747}" srcOrd="2" destOrd="0" parTransId="{55B79C09-F970-4D01-B0A7-8ACEF6E6AD89}" sibTransId="{E1E5182E-6650-442C-8A65-B508E3E2E2EE}"/>
+    <dgm:cxn modelId="{4F0B0D3E-984D-49D4-BF42-B0C2A303B629}" type="presOf" srcId="{86D061FF-D2B9-4444-977F-ADD2F8B26F58}" destId="{027E1B34-93FE-4CE3-8A28-D69A90B48A09}" srcOrd="0" destOrd="0" presId="urn:microsoft.com/office/officeart/2005/8/layout/orgChart1"/>
+    <dgm:cxn modelId="{A8940652-5E36-4B09-BDC7-923AD7A2B90A}" type="presOf" srcId="{C1995ACD-DEEA-4649-9190-0A2396D6DBA3}" destId="{0F6EA74C-FEEA-4A60-8965-C249C259639B}" srcOrd="0" destOrd="0" presId="urn:microsoft.com/office/officeart/2005/8/layout/orgChart1"/>
+    <dgm:cxn modelId="{665D2C66-71F9-4798-AD7B-213B21EF38D4}" type="presOf" srcId="{0CF1DFD8-24BF-4C6B-BD01-BEBB8834C8DE}" destId="{FC2AA275-909E-47D7-A861-5FB840A38676}" srcOrd="0" destOrd="0" presId="urn:microsoft.com/office/officeart/2005/8/layout/orgChart1"/>
+    <dgm:cxn modelId="{934DDD9A-24FF-4BF0-940E-843BF0B8C4A9}" type="presOf" srcId="{39BE0418-99C9-4A4C-9BB7-65D49A05BB31}" destId="{A22D8479-F3B5-40E2-B47E-87AA623B4993}" srcOrd="0" destOrd="0" presId="urn:microsoft.com/office/officeart/2005/8/layout/orgChart1"/>
+    <dgm:cxn modelId="{B0D333DA-4366-40E3-9447-D37D14EAA057}" type="presOf" srcId="{10800D79-C7F5-402B-9C15-F3A760B05058}" destId="{BDE2651E-B7D5-4C3D-AD07-DA19A512C3EE}" srcOrd="0" destOrd="0" presId="urn:microsoft.com/office/officeart/2005/8/layout/orgChart1"/>
+    <dgm:cxn modelId="{96D6EEE7-8235-4C17-9267-91757A269C8B}" type="presOf" srcId="{39BE0418-99C9-4A4C-9BB7-65D49A05BB31}" destId="{BC019BB1-5CF6-423B-ABA0-427EF99217C0}" srcOrd="1" destOrd="0" presId="urn:microsoft.com/office/officeart/2005/8/layout/orgChart1"/>
+    <dgm:cxn modelId="{8DF793BF-2779-4364-8E86-AD0E5A6E0DE7}" srcId="{BB9FF21B-E75B-43A4-B03F-6C82A45E4511}" destId="{807A8DFA-5BDA-4B03-B801-660127571B99}" srcOrd="0" destOrd="0" parTransId="{CB39D681-7061-437F-A140-79E3079A753F}" sibTransId="{4527A35C-07AB-4D60-998A-707A1A9945D9}"/>
+    <dgm:cxn modelId="{E6AE6DE8-C2C9-4981-9F67-AF4B7A61307E}" srcId="{BB9FF21B-E75B-43A4-B03F-6C82A45E4511}" destId="{D9741ECF-9D86-4A1C-8DF4-94C0D2567BD6}" srcOrd="2" destOrd="0" parTransId="{82C8B149-700F-4051-9983-87F5E03CFF7E}" sibTransId="{C4E1B7AB-6B1C-47EE-9CE3-BDA1128D49D0}"/>
+    <dgm:cxn modelId="{0C378782-35EC-4245-8A15-5269519644AB}" type="presOf" srcId="{82C8B149-700F-4051-9983-87F5E03CFF7E}" destId="{6951BAB4-BE5B-4240-B59E-660738FB8C0A}" srcOrd="0" destOrd="0" presId="urn:microsoft.com/office/officeart/2005/8/layout/orgChart1"/>
+    <dgm:cxn modelId="{ACBF2E96-571F-41C3-8588-71030E8562EF}" type="presOf" srcId="{E75562FB-B070-41B3-8EF8-CB551DCB0DC5}" destId="{6871A768-0DBE-4C41-BCFF-9B19A28A7E1D}" srcOrd="0" destOrd="0" presId="urn:microsoft.com/office/officeart/2005/8/layout/orgChart1"/>
+    <dgm:cxn modelId="{E083AA21-4155-48B2-8F94-BCB535ECC4E3}" type="presOf" srcId="{0CDD43BF-559F-46B2-A99A-AC0F2E14E16C}" destId="{E780AC31-68D7-4FDE-AB32-EFBB2D377EE9}" srcOrd="0" destOrd="0" presId="urn:microsoft.com/office/officeart/2005/8/layout/orgChart1"/>
+    <dgm:cxn modelId="{B024FF53-4887-4D94-A72D-4D97CAFD64F6}" type="presOf" srcId="{E7358108-83A8-42F1-84AF-1043344A61B4}" destId="{74E53E5B-7DCA-4C09-A9BF-327363D42547}" srcOrd="1" destOrd="0" presId="urn:microsoft.com/office/officeart/2005/8/layout/orgChart1"/>
+    <dgm:cxn modelId="{3C253BA8-7896-442A-81B0-48358DFC481C}" type="presOf" srcId="{6120E8A3-E282-411C-B7AF-52CB84C5223C}" destId="{EFD32E61-B9DB-4382-8D7C-ED48B7A5E0C4}" srcOrd="0" destOrd="0" presId="urn:microsoft.com/office/officeart/2005/8/layout/orgChart1"/>
+    <dgm:cxn modelId="{AB480F80-CE0A-4F95-916F-C7173772710C}" type="presOf" srcId="{9D5DD00D-D723-41C3-A564-BE447082CEE3}" destId="{DE79C5C0-52BB-4AB4-B9E4-4D482851A011}" srcOrd="0" destOrd="0" presId="urn:microsoft.com/office/officeart/2005/8/layout/orgChart1"/>
+    <dgm:cxn modelId="{6AE5289E-380D-477A-8B3F-2DA1D4B51CB3}" srcId="{C1995ACD-DEEA-4649-9190-0A2396D6DBA3}" destId="{BB9FF21B-E75B-43A4-B03F-6C82A45E4511}" srcOrd="1" destOrd="0" parTransId="{B3FBE738-30A6-4B4A-9DB3-9AB2CC3B1641}" sibTransId="{02222961-B9DB-42C2-91C4-66DA7EA2366A}"/>
+    <dgm:cxn modelId="{3AE07709-9EB4-4A95-9929-16AE08DFE16B}" type="presOf" srcId="{45589563-E41B-44DB-8AFC-34EE8901D150}" destId="{8CE4FFBF-227E-49C4-97D7-83977CD95846}" srcOrd="1" destOrd="0" presId="urn:microsoft.com/office/officeart/2005/8/layout/orgChart1"/>
+    <dgm:cxn modelId="{B570293E-A034-4184-8C6E-4316A0AFC6A7}" type="presOf" srcId="{6D45DEA0-D4D5-4F5A-B34F-FF0007B4D557}" destId="{BC0D907D-CEB2-4F4E-B6F3-5737303E1E5F}" srcOrd="0" destOrd="0" presId="urn:microsoft.com/office/officeart/2005/8/layout/orgChart1"/>
+    <dgm:cxn modelId="{96023D78-F5FE-458A-9C77-BA782D9E34FB}" srcId="{C1995ACD-DEEA-4649-9190-0A2396D6DBA3}" destId="{6A60B06C-5221-4384-A9FB-3C2F40D70CFC}" srcOrd="2" destOrd="0" parTransId="{1D01C1D7-F99C-40D9-8169-9A3606FC3C22}" sibTransId="{CE8C7E41-6626-4993-84F7-230AABC742CC}"/>
     <dgm:cxn modelId="{A474708C-9EBF-4ECD-BF09-326E10A1A9BC}" type="presOf" srcId="{B3FBE738-30A6-4B4A-9DB3-9AB2CC3B1641}" destId="{34F89FF5-4CE7-4557-94ED-372F163EBFBB}" srcOrd="0" destOrd="0" presId="urn:microsoft.com/office/officeart/2005/8/layout/orgChart1"/>
-    <dgm:cxn modelId="{AA09D090-9317-4095-B6E6-E4A683928290}" type="presOf" srcId="{A20FE1FD-A95C-4766-9690-80DC349AC70F}" destId="{8C04714C-7228-4FE6-AC0C-C1DB88E9F632}" srcOrd="0" destOrd="0" presId="urn:microsoft.com/office/officeart/2005/8/layout/orgChart1"/>
-    <dgm:cxn modelId="{97F9CF93-1ADD-4C27-A321-B36B3C7D5089}" srcId="{E7358108-83A8-42F1-84AF-1043344A61B4}" destId="{C8AEE87B-F7A2-4CFA-BE00-6B9F721DFE96}" srcOrd="0" destOrd="0" parTransId="{DBFF9E4D-F654-4E3E-A2C7-9EEF27EF4259}" sibTransId="{EC9178BF-E53B-4AAF-BF49-34A7F5D46978}"/>
-    <dgm:cxn modelId="{9935FD93-C4F2-4D60-8FD8-02DB113D79BC}" type="presOf" srcId="{7F7DDA6E-F3A1-4195-9D49-DD6A7A673A53}" destId="{1CACF2A5-9765-453F-9602-3749D63C20FF}" srcOrd="0" destOrd="0" presId="urn:microsoft.com/office/officeart/2005/8/layout/orgChart1"/>
-    <dgm:cxn modelId="{ACBF2E96-571F-41C3-8588-71030E8562EF}" type="presOf" srcId="{E75562FB-B070-41B3-8EF8-CB551DCB0DC5}" destId="{6871A768-0DBE-4C41-BCFF-9B19A28A7E1D}" srcOrd="0" destOrd="0" presId="urn:microsoft.com/office/officeart/2005/8/layout/orgChart1"/>
     <dgm:cxn modelId="{C211CE96-685E-4E45-B077-337E200B74C6}" type="presOf" srcId="{6A60B06C-5221-4384-A9FB-3C2F40D70CFC}" destId="{C7A39AEC-6CA1-4A35-BBFE-442C186C536B}" srcOrd="0" destOrd="0" presId="urn:microsoft.com/office/officeart/2005/8/layout/orgChart1"/>
+    <dgm:cxn modelId="{EB9B66F3-23F2-4335-87BC-8A49DAD1087A}" type="presOf" srcId="{55B79C09-F970-4D01-B0A7-8ACEF6E6AD89}" destId="{A71F2F49-1E59-48E8-99C8-67B0E3373751}" srcOrd="0" destOrd="0" presId="urn:microsoft.com/office/officeart/2005/8/layout/orgChart1"/>
+    <dgm:cxn modelId="{A8E79D71-C7DF-4296-A3C7-24AFAA6DE9C3}" srcId="{86D061FF-D2B9-4444-977F-ADD2F8B26F58}" destId="{0CF1DFD8-24BF-4C6B-BD01-BEBB8834C8DE}" srcOrd="0" destOrd="0" parTransId="{0CDD43BF-559F-46B2-A99A-AC0F2E14E16C}" sibTransId="{4F46DB3D-023A-410E-88AA-FB56A0D3206C}"/>
+    <dgm:cxn modelId="{9F8086E4-200A-41A0-985F-6819AAD7FF3C}" srcId="{C1995ACD-DEEA-4649-9190-0A2396D6DBA3}" destId="{AD32A085-D46D-4887-85FE-3881670D4ABC}" srcOrd="4" destOrd="0" parTransId="{10800D79-C7F5-402B-9C15-F3A760B05058}" sibTransId="{B3F636BC-F4CF-43A1-A69B-8541CA9DB61A}"/>
+    <dgm:cxn modelId="{0A001B7D-02A3-44E0-884E-6CD766446281}" srcId="{E7358108-83A8-42F1-84AF-1043344A61B4}" destId="{9D5DD00D-D723-41C3-A564-BE447082CEE3}" srcOrd="1" destOrd="0" parTransId="{7F7DDA6E-F3A1-4195-9D49-DD6A7A673A53}" sibTransId="{CC461DF6-266C-458F-8E69-C9749734EA70}"/>
+    <dgm:cxn modelId="{1E7CF7F4-880F-46A8-A683-3C17F8E77C97}" type="presOf" srcId="{AD32A085-D46D-4887-85FE-3881670D4ABC}" destId="{D6D7FEDC-5C4A-4464-B939-F0267B32F854}" srcOrd="0" destOrd="0" presId="urn:microsoft.com/office/officeart/2005/8/layout/orgChart1"/>
     <dgm:cxn modelId="{25FEDA96-8575-46CC-B082-D473E4E69752}" type="presOf" srcId="{1D01C1D7-F99C-40D9-8169-9A3606FC3C22}" destId="{36FDDF0B-DA3B-4828-A65A-BF49F0C3EF85}" srcOrd="0" destOrd="0" presId="urn:microsoft.com/office/officeart/2005/8/layout/orgChart1"/>
-    <dgm:cxn modelId="{076AD29A-7FEC-4388-8353-A4CBF00E6363}" srcId="{6A60B06C-5221-4384-A9FB-3C2F40D70CFC}" destId="{E75562FB-B070-41B3-8EF8-CB551DCB0DC5}" srcOrd="0" destOrd="0" parTransId="{6D45DEA0-D4D5-4F5A-B34F-FF0007B4D557}" sibTransId="{C45E83A9-31EF-4525-9EDB-CCA5F08C6693}"/>
-    <dgm:cxn modelId="{934DDD9A-24FF-4BF0-940E-843BF0B8C4A9}" type="presOf" srcId="{39BE0418-99C9-4A4C-9BB7-65D49A05BB31}" destId="{A22D8479-F3B5-40E2-B47E-87AA623B4993}" srcOrd="0" destOrd="0" presId="urn:microsoft.com/office/officeart/2005/8/layout/orgChart1"/>
-    <dgm:cxn modelId="{EDDD4D9C-7009-4E90-A9EE-E3DD9DF935B6}" type="presOf" srcId="{C8AEE87B-F7A2-4CFA-BE00-6B9F721DFE96}" destId="{23546AB9-AA88-44E8-A74F-6A7DB71CEDFA}" srcOrd="1" destOrd="0" presId="urn:microsoft.com/office/officeart/2005/8/layout/orgChart1"/>
-    <dgm:cxn modelId="{6AE5289E-380D-477A-8B3F-2DA1D4B51CB3}" srcId="{C1995ACD-DEEA-4649-9190-0A2396D6DBA3}" destId="{BB9FF21B-E75B-43A4-B03F-6C82A45E4511}" srcOrd="1" destOrd="0" parTransId="{B3FBE738-30A6-4B4A-9DB3-9AB2CC3B1641}" sibTransId="{02222961-B9DB-42C2-91C4-66DA7EA2366A}"/>
-    <dgm:cxn modelId="{3C253BA8-7896-442A-81B0-48358DFC481C}" type="presOf" srcId="{6120E8A3-E282-411C-B7AF-52CB84C5223C}" destId="{EFD32E61-B9DB-4382-8D7C-ED48B7A5E0C4}" srcOrd="0" destOrd="0" presId="urn:microsoft.com/office/officeart/2005/8/layout/orgChart1"/>
-    <dgm:cxn modelId="{DAD445AE-77E0-447B-A995-A3969FB11BB6}" srcId="{86D061FF-D2B9-4444-977F-ADD2F8B26F58}" destId="{A20FE1FD-A95C-4766-9690-80DC349AC70F}" srcOrd="2" destOrd="0" parTransId="{2888C3D8-9495-4F27-A1DB-649C0F6F0C8E}" sibTransId="{30C40F3C-0B8E-4BAD-A7D3-38CD92A119D6}"/>
-    <dgm:cxn modelId="{2D0656AF-0273-4C6D-AC64-715F64FDF61C}" type="presOf" srcId="{AC3A9028-A893-43CC-B0AA-EFF03CAF6956}" destId="{CE0C6D92-1D52-4CC6-84E1-16B238E7C260}" srcOrd="1" destOrd="0" presId="urn:microsoft.com/office/officeart/2005/8/layout/orgChart1"/>
-    <dgm:cxn modelId="{C9E1A3AF-3029-4336-9E97-247571346B4D}" srcId="{6A60B06C-5221-4384-A9FB-3C2F40D70CFC}" destId="{173D0E01-5CCA-4DD5-8675-4848935F7747}" srcOrd="2" destOrd="0" parTransId="{55B79C09-F970-4D01-B0A7-8ACEF6E6AD89}" sibTransId="{E1E5182E-6650-442C-8A65-B508E3E2E2EE}"/>
-    <dgm:cxn modelId="{8DF793BF-2779-4364-8E86-AD0E5A6E0DE7}" srcId="{BB9FF21B-E75B-43A4-B03F-6C82A45E4511}" destId="{807A8DFA-5BDA-4B03-B801-660127571B99}" srcOrd="0" destOrd="0" parTransId="{CB39D681-7061-437F-A140-79E3079A753F}" sibTransId="{4527A35C-07AB-4D60-998A-707A1A9945D9}"/>
-    <dgm:cxn modelId="{E468E2C1-D5DC-4913-912C-4A712F294189}" type="presOf" srcId="{5E31DA61-BA7B-4CD0-B08B-CD683A1209DE}" destId="{5FA213B4-DAA0-4BB7-88F0-3CEC63244ACD}" srcOrd="1" destOrd="0" presId="urn:microsoft.com/office/officeart/2005/8/layout/orgChart1"/>
-    <dgm:cxn modelId="{657B40C3-3E57-4CCB-9E16-E70710592D61}" type="presOf" srcId="{45589563-E41B-44DB-8AFC-34EE8901D150}" destId="{31BD8C53-89B5-4F7C-9478-2F7EA5E507AF}" srcOrd="0" destOrd="0" presId="urn:microsoft.com/office/officeart/2005/8/layout/orgChart1"/>
-    <dgm:cxn modelId="{50F06AC8-64F8-4C55-973D-0D2D10892A1A}" type="presOf" srcId="{B429E2B1-9AB4-4DAF-A3D8-FAB2AEC20118}" destId="{AD91993C-55B9-441F-87C0-0719108305AF}" srcOrd="0" destOrd="0" presId="urn:microsoft.com/office/officeart/2005/8/layout/orgChart1"/>
-    <dgm:cxn modelId="{5A2480C8-310C-440F-9E09-EB0FB3B9D5FD}" type="presOf" srcId="{62CBE48F-EC59-4730-8AFF-764E8BD5E8AD}" destId="{7AFA0562-599B-4AA7-9AC2-2C2B381E4C25}" srcOrd="1" destOrd="0" presId="urn:microsoft.com/office/officeart/2005/8/layout/orgChart1"/>
-    <dgm:cxn modelId="{B0D333DA-4366-40E3-9447-D37D14EAA057}" type="presOf" srcId="{10800D79-C7F5-402B-9C15-F3A760B05058}" destId="{BDE2651E-B7D5-4C3D-AD07-DA19A512C3EE}" srcOrd="0" destOrd="0" presId="urn:microsoft.com/office/officeart/2005/8/layout/orgChart1"/>
-    <dgm:cxn modelId="{03722BE0-8259-46A6-B008-EAB71F887898}" type="presOf" srcId="{173D0E01-5CCA-4DD5-8675-4848935F7747}" destId="{2ED1784F-575D-45D8-88D0-DAD0F7EA56B1}" srcOrd="1" destOrd="0" presId="urn:microsoft.com/office/officeart/2005/8/layout/orgChart1"/>
-    <dgm:cxn modelId="{9F8086E4-200A-41A0-985F-6819AAD7FF3C}" srcId="{C1995ACD-DEEA-4649-9190-0A2396D6DBA3}" destId="{AD32A085-D46D-4887-85FE-3881670D4ABC}" srcOrd="4" destOrd="0" parTransId="{10800D79-C7F5-402B-9C15-F3A760B05058}" sibTransId="{B3F636BC-F4CF-43A1-A69B-8541CA9DB61A}"/>
-    <dgm:cxn modelId="{96D6EEE7-8235-4C17-9267-91757A269C8B}" type="presOf" srcId="{39BE0418-99C9-4A4C-9BB7-65D49A05BB31}" destId="{BC019BB1-5CF6-423B-ABA0-427EF99217C0}" srcOrd="1" destOrd="0" presId="urn:microsoft.com/office/officeart/2005/8/layout/orgChart1"/>
-    <dgm:cxn modelId="{E6AE6DE8-C2C9-4981-9F67-AF4B7A61307E}" srcId="{BB9FF21B-E75B-43A4-B03F-6C82A45E4511}" destId="{D9741ECF-9D86-4A1C-8DF4-94C0D2567BD6}" srcOrd="2" destOrd="0" parTransId="{82C8B149-700F-4051-9983-87F5E03CFF7E}" sibTransId="{C4E1B7AB-6B1C-47EE-9CE3-BDA1128D49D0}"/>
-    <dgm:cxn modelId="{EE5226F3-BDB5-4446-8FD2-352101F36877}" type="presOf" srcId="{6A60B06C-5221-4384-A9FB-3C2F40D70CFC}" destId="{55A8D0F4-35D7-4632-89EE-BB6F8E87DDB0}" srcOrd="1" destOrd="0" presId="urn:microsoft.com/office/officeart/2005/8/layout/orgChart1"/>
-    <dgm:cxn modelId="{EB9B66F3-23F2-4335-87BC-8A49DAD1087A}" type="presOf" srcId="{55B79C09-F970-4D01-B0A7-8ACEF6E6AD89}" destId="{A71F2F49-1E59-48E8-99C8-67B0E3373751}" srcOrd="0" destOrd="0" presId="urn:microsoft.com/office/officeart/2005/8/layout/orgChart1"/>
-    <dgm:cxn modelId="{1E7CF7F4-880F-46A8-A683-3C17F8E77C97}" type="presOf" srcId="{AD32A085-D46D-4887-85FE-3881670D4ABC}" destId="{D6D7FEDC-5C4A-4464-B939-F0267B32F854}" srcOrd="0" destOrd="0" presId="urn:microsoft.com/office/officeart/2005/8/layout/orgChart1"/>
+    <dgm:cxn modelId="{86B0FB32-42C9-4162-91B1-FFC1DE8460AC}" type="presOf" srcId="{29EEBFE2-BEA6-4F35-8D1E-FF7000BD40D5}" destId="{764024E2-07FC-4A92-AB92-49DAE6C1E5A9}" srcOrd="0" destOrd="0" presId="urn:microsoft.com/office/officeart/2005/8/layout/orgChart1"/>
+    <dgm:cxn modelId="{692C2E6B-BDFD-4010-A265-F8C30B20FA6C}" srcId="{86D061FF-D2B9-4444-977F-ADD2F8B26F58}" destId="{45589563-E41B-44DB-8AFC-34EE8901D150}" srcOrd="1" destOrd="0" parTransId="{56898A94-E574-4C74-BB23-528EED54EB78}" sibTransId="{9C579D39-AB85-41C8-8432-AFBFC00D9440}"/>
     <dgm:cxn modelId="{C47797F5-38B9-473C-BAF6-6BF13D809F75}" type="presOf" srcId="{D9741ECF-9D86-4A1C-8DF4-94C0D2567BD6}" destId="{05EDF6D9-342B-4E22-BFC6-FB63F8436FD9}" srcOrd="0" destOrd="0" presId="urn:microsoft.com/office/officeart/2005/8/layout/orgChart1"/>
-    <dgm:cxn modelId="{56AC4AFB-311A-46F6-A4BB-99EDEE2BF2CF}" type="presOf" srcId="{5E31DA61-BA7B-4CD0-B08B-CD683A1209DE}" destId="{A6632A3E-C71E-4AE1-A356-3690361E8512}" srcOrd="0" destOrd="0" presId="urn:microsoft.com/office/officeart/2005/8/layout/orgChart1"/>
     <dgm:cxn modelId="{1043DBB4-3E98-4667-AFB0-FE1DD5F4D950}" type="presParOf" srcId="{764024E2-07FC-4A92-AB92-49DAE6C1E5A9}" destId="{341D0529-C993-485F-BFBA-73789AD13323}" srcOrd="0" destOrd="0" presId="urn:microsoft.com/office/officeart/2005/8/layout/orgChart1"/>
     <dgm:cxn modelId="{78CA9623-37D5-4F3C-B069-9D69DC2E1A4A}" type="presParOf" srcId="{341D0529-C993-485F-BFBA-73789AD13323}" destId="{A0EA6964-6D71-4BBB-BFE3-8CE8410BB988}" srcOrd="0" destOrd="0" presId="urn:microsoft.com/office/officeart/2005/8/layout/orgChart1"/>
     <dgm:cxn modelId="{3D3AE38E-E62B-4059-B79C-E624C48E1AEB}" type="presParOf" srcId="{A0EA6964-6D71-4BBB-BFE3-8CE8410BB988}" destId="{0F6EA74C-FEEA-4A60-8965-C249C259639B}" srcOrd="0" destOrd="0" presId="urn:microsoft.com/office/officeart/2005/8/layout/orgChart1"/>
@@ -2762,13 +3071,6 @@
     <dgm:cxn modelId="{C29BFD78-9EED-4196-98F6-98ECE47E81A8}" type="presParOf" srcId="{E4A07770-B1C4-4EFA-973E-B6A30965ACB3}" destId="{8CE4FFBF-227E-49C4-97D7-83977CD95846}" srcOrd="1" destOrd="0" presId="urn:microsoft.com/office/officeart/2005/8/layout/orgChart1"/>
     <dgm:cxn modelId="{09ED870A-9E19-45AF-AAB7-847B5D0E4F9B}" type="presParOf" srcId="{3D997989-D625-4CC3-A662-6369D61E2715}" destId="{EC817ADC-FFF2-4B36-B8D6-826AC4924E83}" srcOrd="1" destOrd="0" presId="urn:microsoft.com/office/officeart/2005/8/layout/orgChart1"/>
     <dgm:cxn modelId="{C0D5E2A8-6A5F-4D61-88B5-CC39F9CC299F}" type="presParOf" srcId="{3D997989-D625-4CC3-A662-6369D61E2715}" destId="{39C0F13C-48B1-4F48-9BD2-5E25E97135B1}" srcOrd="2" destOrd="0" presId="urn:microsoft.com/office/officeart/2005/8/layout/orgChart1"/>
-    <dgm:cxn modelId="{FCAE3A4E-0395-423D-835D-D13E3EDCF320}" type="presParOf" srcId="{AF872535-12D7-4ACB-8C05-E0C9E46F7A5D}" destId="{FD340AE9-3099-4F19-AE25-6AA406E4942B}" srcOrd="4" destOrd="0" presId="urn:microsoft.com/office/officeart/2005/8/layout/orgChart1"/>
-    <dgm:cxn modelId="{0C0A5F2B-0A41-4401-937C-6E9CA8C73569}" type="presParOf" srcId="{AF872535-12D7-4ACB-8C05-E0C9E46F7A5D}" destId="{31743E06-6A4C-4F53-9E86-086D31640484}" srcOrd="5" destOrd="0" presId="urn:microsoft.com/office/officeart/2005/8/layout/orgChart1"/>
-    <dgm:cxn modelId="{2455AF42-5336-4B02-A5B7-D84439273DAF}" type="presParOf" srcId="{31743E06-6A4C-4F53-9E86-086D31640484}" destId="{24033014-0642-4849-9F64-2DE52D025A2D}" srcOrd="0" destOrd="0" presId="urn:microsoft.com/office/officeart/2005/8/layout/orgChart1"/>
-    <dgm:cxn modelId="{EA1E4341-DFE7-420F-A766-7C1BA10E9AA2}" type="presParOf" srcId="{24033014-0642-4849-9F64-2DE52D025A2D}" destId="{8C04714C-7228-4FE6-AC0C-C1DB88E9F632}" srcOrd="0" destOrd="0" presId="urn:microsoft.com/office/officeart/2005/8/layout/orgChart1"/>
-    <dgm:cxn modelId="{02FD632F-16D0-467F-9173-79DADEE50EA2}" type="presParOf" srcId="{24033014-0642-4849-9F64-2DE52D025A2D}" destId="{84A7522A-37FD-4A20-BFE1-3E7225977F7B}" srcOrd="1" destOrd="0" presId="urn:microsoft.com/office/officeart/2005/8/layout/orgChart1"/>
-    <dgm:cxn modelId="{43E9EB31-7695-4F78-8995-0C1861ACF01A}" type="presParOf" srcId="{31743E06-6A4C-4F53-9E86-086D31640484}" destId="{08FA467A-6995-4503-B201-F0B90825C9B6}" srcOrd="1" destOrd="0" presId="urn:microsoft.com/office/officeart/2005/8/layout/orgChart1"/>
-    <dgm:cxn modelId="{6CFB45B0-D0A7-4F42-88EE-91F790B528CB}" type="presParOf" srcId="{31743E06-6A4C-4F53-9E86-086D31640484}" destId="{1449782C-0015-40DF-98A9-6C83A648E19C}" srcOrd="2" destOrd="0" presId="urn:microsoft.com/office/officeart/2005/8/layout/orgChart1"/>
     <dgm:cxn modelId="{0B4F3B68-5E13-4A0E-86CC-EB6B298B3266}" type="presParOf" srcId="{21B06569-2508-486F-9FBB-07F2AAC6E739}" destId="{976519EB-C9EC-457C-833C-4D30FFCA6E50}" srcOrd="2" destOrd="0" presId="urn:microsoft.com/office/officeart/2005/8/layout/orgChart1"/>
     <dgm:cxn modelId="{EA468DD1-8A47-46EB-B47B-F50044250145}" type="presParOf" srcId="{70833F56-676C-4F4A-840C-BD3E2F8215EB}" destId="{BDE2651E-B7D5-4C3D-AD07-DA19A512C3EE}" srcOrd="8" destOrd="0" presId="urn:microsoft.com/office/officeart/2005/8/layout/orgChart1"/>
     <dgm:cxn modelId="{225FC20C-B22F-4EE9-8B30-F0AD4E333ABA}" type="presParOf" srcId="{70833F56-676C-4F4A-840C-BD3E2F8215EB}" destId="{68C645D7-DD34-4CEC-B0F6-54DC101682E9}" srcOrd="9" destOrd="0" presId="urn:microsoft.com/office/officeart/2005/8/layout/orgChart1"/>
@@ -2818,8 +3120,8 @@
       </dsp:nvSpPr>
       <dsp:spPr>
         <a:xfrm>
-          <a:off x="6592862" y="2095467"/>
-          <a:ext cx="200173" cy="1561355"/>
+          <a:off x="7706521" y="2038352"/>
+          <a:ext cx="233986" cy="1825098"/>
         </a:xfrm>
         <a:custGeom>
           <a:avLst/>
@@ -2833,10 +3135,10 @@
                 <a:pt x="0" y="0"/>
               </a:moveTo>
               <a:lnTo>
-                <a:pt x="0" y="1561355"/>
+                <a:pt x="0" y="1825098"/>
               </a:lnTo>
               <a:lnTo>
-                <a:pt x="200173" y="1561355"/>
+                <a:pt x="233986" y="1825098"/>
               </a:lnTo>
             </a:path>
           </a:pathLst>
@@ -2877,8 +3179,8 @@
       </dsp:nvSpPr>
       <dsp:spPr>
         <a:xfrm>
-          <a:off x="6592862" y="2095467"/>
-          <a:ext cx="200173" cy="613866"/>
+          <a:off x="7706521" y="2038352"/>
+          <a:ext cx="233986" cy="717560"/>
         </a:xfrm>
         <a:custGeom>
           <a:avLst/>
@@ -2892,10 +3194,10 @@
                 <a:pt x="0" y="0"/>
               </a:moveTo>
               <a:lnTo>
-                <a:pt x="0" y="613866"/>
+                <a:pt x="0" y="717560"/>
               </a:lnTo>
               <a:lnTo>
-                <a:pt x="200173" y="613866"/>
+                <a:pt x="233986" y="717560"/>
               </a:lnTo>
             </a:path>
           </a:pathLst>
@@ -2936,8 +3238,8 @@
       </dsp:nvSpPr>
       <dsp:spPr>
         <a:xfrm>
-          <a:off x="3897188" y="1147977"/>
-          <a:ext cx="3229471" cy="280243"/>
+          <a:off x="4555497" y="930814"/>
+          <a:ext cx="3774989" cy="327581"/>
         </a:xfrm>
         <a:custGeom>
           <a:avLst/>
@@ -2951,13 +3253,13 @@
                 <a:pt x="0" y="0"/>
               </a:moveTo>
               <a:lnTo>
-                <a:pt x="0" y="140121"/>
+                <a:pt x="0" y="163790"/>
               </a:lnTo>
               <a:lnTo>
-                <a:pt x="3229471" y="140121"/>
+                <a:pt x="3774989" y="163790"/>
               </a:lnTo>
               <a:lnTo>
-                <a:pt x="3229471" y="280243"/>
+                <a:pt x="3774989" y="327581"/>
               </a:lnTo>
             </a:path>
           </a:pathLst>
@@ -2991,15 +3293,15 @@
         <a:fontRef idx="minor"/>
       </dsp:style>
     </dsp:sp>
-    <dsp:sp modelId="{FD340AE9-3099-4F19-AE25-6AA406E4942B}">
+    <dsp:sp modelId="{2D80F0C3-C504-4561-A084-06B66D39392D}">
       <dsp:nvSpPr>
         <dsp:cNvPr id="0" name=""/>
         <dsp:cNvSpPr/>
       </dsp:nvSpPr>
       <dsp:spPr>
         <a:xfrm>
-          <a:off x="4978127" y="2095467"/>
-          <a:ext cx="200173" cy="2508845"/>
+          <a:off x="5819027" y="2038352"/>
+          <a:ext cx="233986" cy="1825098"/>
         </a:xfrm>
         <a:custGeom>
           <a:avLst/>
@@ -3013,69 +3315,10 @@
                 <a:pt x="0" y="0"/>
               </a:moveTo>
               <a:lnTo>
-                <a:pt x="0" y="2508845"/>
+                <a:pt x="0" y="1825098"/>
               </a:lnTo>
               <a:lnTo>
-                <a:pt x="200173" y="2508845"/>
-              </a:lnTo>
-            </a:path>
-          </a:pathLst>
-        </a:custGeom>
-        <a:noFill/>
-        <a:ln w="12700" cap="flat" cmpd="sng" algn="ctr">
-          <a:solidFill>
-            <a:schemeClr val="accent5">
-              <a:tint val="80000"/>
-              <a:hueOff val="0"/>
-              <a:satOff val="0"/>
-              <a:lumOff val="0"/>
-              <a:alphaOff val="0"/>
-            </a:schemeClr>
-          </a:solidFill>
-          <a:prstDash val="solid"/>
-          <a:miter lim="800000"/>
-        </a:ln>
-        <a:effectLst/>
-      </dsp:spPr>
-      <dsp:style>
-        <a:lnRef idx="2">
-          <a:scrgbClr r="0" g="0" b="0"/>
-        </a:lnRef>
-        <a:fillRef idx="0">
-          <a:scrgbClr r="0" g="0" b="0"/>
-        </a:fillRef>
-        <a:effectRef idx="0">
-          <a:scrgbClr r="0" g="0" b="0"/>
-        </a:effectRef>
-        <a:fontRef idx="minor"/>
-      </dsp:style>
-    </dsp:sp>
-    <dsp:sp modelId="{2D80F0C3-C504-4561-A084-06B66D39392D}">
-      <dsp:nvSpPr>
-        <dsp:cNvPr id="0" name=""/>
-        <dsp:cNvSpPr/>
-      </dsp:nvSpPr>
-      <dsp:spPr>
-        <a:xfrm>
-          <a:off x="4978127" y="2095467"/>
-          <a:ext cx="200173" cy="1561355"/>
-        </a:xfrm>
-        <a:custGeom>
-          <a:avLst/>
-          <a:gdLst/>
-          <a:ahLst/>
-          <a:cxnLst/>
-          <a:rect l="0" t="0" r="0" b="0"/>
-          <a:pathLst>
-            <a:path>
-              <a:moveTo>
-                <a:pt x="0" y="0"/>
-              </a:moveTo>
-              <a:lnTo>
-                <a:pt x="0" y="1561355"/>
-              </a:lnTo>
-              <a:lnTo>
-                <a:pt x="200173" y="1561355"/>
+                <a:pt x="233986" y="1825098"/>
               </a:lnTo>
             </a:path>
           </a:pathLst>
@@ -3116,8 +3359,8 @@
       </dsp:nvSpPr>
       <dsp:spPr>
         <a:xfrm>
-          <a:off x="4978127" y="2095467"/>
-          <a:ext cx="200173" cy="613866"/>
+          <a:off x="5819027" y="2038352"/>
+          <a:ext cx="233986" cy="717560"/>
         </a:xfrm>
         <a:custGeom>
           <a:avLst/>
@@ -3131,10 +3374,10 @@
                 <a:pt x="0" y="0"/>
               </a:moveTo>
               <a:lnTo>
-                <a:pt x="0" y="613866"/>
+                <a:pt x="0" y="717560"/>
               </a:lnTo>
               <a:lnTo>
-                <a:pt x="200173" y="613866"/>
+                <a:pt x="233986" y="717560"/>
               </a:lnTo>
             </a:path>
           </a:pathLst>
@@ -3175,8 +3418,8 @@
       </dsp:nvSpPr>
       <dsp:spPr>
         <a:xfrm>
-          <a:off x="3897188" y="1147977"/>
-          <a:ext cx="1614735" cy="280243"/>
+          <a:off x="4555497" y="930814"/>
+          <a:ext cx="1887494" cy="327581"/>
         </a:xfrm>
         <a:custGeom>
           <a:avLst/>
@@ -3190,13 +3433,13 @@
                 <a:pt x="0" y="0"/>
               </a:moveTo>
               <a:lnTo>
-                <a:pt x="0" y="140121"/>
+                <a:pt x="0" y="163790"/>
               </a:lnTo>
               <a:lnTo>
-                <a:pt x="1614735" y="140121"/>
+                <a:pt x="1887494" y="163790"/>
               </a:lnTo>
               <a:lnTo>
-                <a:pt x="1614735" y="280243"/>
+                <a:pt x="1887494" y="327581"/>
               </a:lnTo>
             </a:path>
           </a:pathLst>
@@ -3237,8 +3480,8 @@
       </dsp:nvSpPr>
       <dsp:spPr>
         <a:xfrm>
-          <a:off x="3363391" y="2095467"/>
-          <a:ext cx="200173" cy="2508845"/>
+          <a:off x="3931532" y="2038352"/>
+          <a:ext cx="233986" cy="2932636"/>
         </a:xfrm>
         <a:custGeom>
           <a:avLst/>
@@ -3252,10 +3495,10 @@
                 <a:pt x="0" y="0"/>
               </a:moveTo>
               <a:lnTo>
-                <a:pt x="0" y="2508845"/>
+                <a:pt x="0" y="2932636"/>
               </a:lnTo>
               <a:lnTo>
-                <a:pt x="200173" y="2508845"/>
+                <a:pt x="233986" y="2932636"/>
               </a:lnTo>
             </a:path>
           </a:pathLst>
@@ -3296,8 +3539,8 @@
       </dsp:nvSpPr>
       <dsp:spPr>
         <a:xfrm>
-          <a:off x="3363391" y="2095467"/>
-          <a:ext cx="200173" cy="1561355"/>
+          <a:off x="3931532" y="2038352"/>
+          <a:ext cx="233986" cy="1825098"/>
         </a:xfrm>
         <a:custGeom>
           <a:avLst/>
@@ -3311,10 +3554,10 @@
                 <a:pt x="0" y="0"/>
               </a:moveTo>
               <a:lnTo>
-                <a:pt x="0" y="1561355"/>
+                <a:pt x="0" y="1825098"/>
               </a:lnTo>
               <a:lnTo>
-                <a:pt x="200173" y="1561355"/>
+                <a:pt x="233986" y="1825098"/>
               </a:lnTo>
             </a:path>
           </a:pathLst>
@@ -3355,8 +3598,8 @@
       </dsp:nvSpPr>
       <dsp:spPr>
         <a:xfrm>
-          <a:off x="3363391" y="2095467"/>
-          <a:ext cx="200173" cy="613866"/>
+          <a:off x="3931532" y="2038352"/>
+          <a:ext cx="233986" cy="717560"/>
         </a:xfrm>
         <a:custGeom>
           <a:avLst/>
@@ -3370,10 +3613,10 @@
                 <a:pt x="0" y="0"/>
               </a:moveTo>
               <a:lnTo>
-                <a:pt x="0" y="613866"/>
+                <a:pt x="0" y="717560"/>
               </a:lnTo>
               <a:lnTo>
-                <a:pt x="200173" y="613866"/>
+                <a:pt x="233986" y="717560"/>
               </a:lnTo>
             </a:path>
           </a:pathLst>
@@ -3414,8 +3657,8 @@
       </dsp:nvSpPr>
       <dsp:spPr>
         <a:xfrm>
-          <a:off x="3851468" y="1147977"/>
-          <a:ext cx="91440" cy="280243"/>
+          <a:off x="4509777" y="930814"/>
+          <a:ext cx="91440" cy="327581"/>
         </a:xfrm>
         <a:custGeom>
           <a:avLst/>
@@ -3429,7 +3672,7 @@
                 <a:pt x="45720" y="0"/>
               </a:moveTo>
               <a:lnTo>
-                <a:pt x="45720" y="280243"/>
+                <a:pt x="45720" y="327581"/>
               </a:lnTo>
             </a:path>
           </a:pathLst>
@@ -3470,8 +3713,8 @@
       </dsp:nvSpPr>
       <dsp:spPr>
         <a:xfrm>
-          <a:off x="1748656" y="2095467"/>
-          <a:ext cx="200173" cy="2508845"/>
+          <a:off x="2044037" y="2038352"/>
+          <a:ext cx="233986" cy="2932636"/>
         </a:xfrm>
         <a:custGeom>
           <a:avLst/>
@@ -3485,10 +3728,10 @@
                 <a:pt x="0" y="0"/>
               </a:moveTo>
               <a:lnTo>
-                <a:pt x="0" y="2508845"/>
+                <a:pt x="0" y="2932636"/>
               </a:lnTo>
               <a:lnTo>
-                <a:pt x="200173" y="2508845"/>
+                <a:pt x="233986" y="2932636"/>
               </a:lnTo>
             </a:path>
           </a:pathLst>
@@ -3529,8 +3772,8 @@
       </dsp:nvSpPr>
       <dsp:spPr>
         <a:xfrm>
-          <a:off x="1748656" y="2095467"/>
-          <a:ext cx="200173" cy="1561355"/>
+          <a:off x="2044037" y="2038352"/>
+          <a:ext cx="233986" cy="1825098"/>
         </a:xfrm>
         <a:custGeom>
           <a:avLst/>
@@ -3544,10 +3787,10 @@
                 <a:pt x="0" y="0"/>
               </a:moveTo>
               <a:lnTo>
-                <a:pt x="0" y="1561355"/>
+                <a:pt x="0" y="1825098"/>
               </a:lnTo>
               <a:lnTo>
-                <a:pt x="200173" y="1561355"/>
+                <a:pt x="233986" y="1825098"/>
               </a:lnTo>
             </a:path>
           </a:pathLst>
@@ -3588,8 +3831,8 @@
       </dsp:nvSpPr>
       <dsp:spPr>
         <a:xfrm>
-          <a:off x="1748656" y="2095467"/>
-          <a:ext cx="200173" cy="613866"/>
+          <a:off x="2044037" y="2038352"/>
+          <a:ext cx="233986" cy="717560"/>
         </a:xfrm>
         <a:custGeom>
           <a:avLst/>
@@ -3603,10 +3846,10 @@
                 <a:pt x="0" y="0"/>
               </a:moveTo>
               <a:lnTo>
-                <a:pt x="0" y="613866"/>
+                <a:pt x="0" y="717560"/>
               </a:lnTo>
               <a:lnTo>
-                <a:pt x="200173" y="613866"/>
+                <a:pt x="233986" y="717560"/>
               </a:lnTo>
             </a:path>
           </a:pathLst>
@@ -3647,8 +3890,8 @@
       </dsp:nvSpPr>
       <dsp:spPr>
         <a:xfrm>
-          <a:off x="2282452" y="1147977"/>
-          <a:ext cx="1614735" cy="280243"/>
+          <a:off x="2668002" y="930814"/>
+          <a:ext cx="1887494" cy="327581"/>
         </a:xfrm>
         <a:custGeom>
           <a:avLst/>
@@ -3659,16 +3902,16 @@
           <a:pathLst>
             <a:path>
               <a:moveTo>
-                <a:pt x="1614735" y="0"/>
+                <a:pt x="1887494" y="0"/>
               </a:moveTo>
               <a:lnTo>
-                <a:pt x="1614735" y="140121"/>
+                <a:pt x="1887494" y="163790"/>
               </a:lnTo>
               <a:lnTo>
-                <a:pt x="0" y="140121"/>
+                <a:pt x="0" y="163790"/>
               </a:lnTo>
               <a:lnTo>
-                <a:pt x="0" y="280243"/>
+                <a:pt x="0" y="327581"/>
               </a:lnTo>
             </a:path>
           </a:pathLst>
@@ -3709,8 +3952,8 @@
       </dsp:nvSpPr>
       <dsp:spPr>
         <a:xfrm>
-          <a:off x="133920" y="2095467"/>
-          <a:ext cx="200173" cy="1561355"/>
+          <a:off x="156542" y="2038352"/>
+          <a:ext cx="233986" cy="1825098"/>
         </a:xfrm>
         <a:custGeom>
           <a:avLst/>
@@ -3724,10 +3967,10 @@
                 <a:pt x="0" y="0"/>
               </a:moveTo>
               <a:lnTo>
-                <a:pt x="0" y="1561355"/>
+                <a:pt x="0" y="1825098"/>
               </a:lnTo>
               <a:lnTo>
-                <a:pt x="200173" y="1561355"/>
+                <a:pt x="233986" y="1825098"/>
               </a:lnTo>
             </a:path>
           </a:pathLst>
@@ -3768,8 +4011,8 @@
       </dsp:nvSpPr>
       <dsp:spPr>
         <a:xfrm>
-          <a:off x="133920" y="2095467"/>
-          <a:ext cx="200173" cy="613866"/>
+          <a:off x="156542" y="2038352"/>
+          <a:ext cx="233986" cy="717560"/>
         </a:xfrm>
         <a:custGeom>
           <a:avLst/>
@@ -3783,10 +4026,10 @@
                 <a:pt x="0" y="0"/>
               </a:moveTo>
               <a:lnTo>
-                <a:pt x="0" y="613866"/>
+                <a:pt x="0" y="717560"/>
               </a:lnTo>
               <a:lnTo>
-                <a:pt x="200173" y="613866"/>
+                <a:pt x="233986" y="717560"/>
               </a:lnTo>
             </a:path>
           </a:pathLst>
@@ -3827,8 +4070,8 @@
       </dsp:nvSpPr>
       <dsp:spPr>
         <a:xfrm>
-          <a:off x="667717" y="1147977"/>
-          <a:ext cx="3229471" cy="280243"/>
+          <a:off x="780507" y="930814"/>
+          <a:ext cx="3774989" cy="327581"/>
         </a:xfrm>
         <a:custGeom>
           <a:avLst/>
@@ -3839,16 +4082,16 @@
           <a:pathLst>
             <a:path>
               <a:moveTo>
-                <a:pt x="3229471" y="0"/>
+                <a:pt x="3774989" y="0"/>
               </a:moveTo>
               <a:lnTo>
-                <a:pt x="3229471" y="140121"/>
+                <a:pt x="3774989" y="163790"/>
               </a:lnTo>
               <a:lnTo>
-                <a:pt x="0" y="140121"/>
+                <a:pt x="0" y="163790"/>
               </a:lnTo>
               <a:lnTo>
-                <a:pt x="0" y="280243"/>
+                <a:pt x="0" y="327581"/>
               </a:lnTo>
             </a:path>
           </a:pathLst>
@@ -3889,8 +4132,8 @@
       </dsp:nvSpPr>
       <dsp:spPr>
         <a:xfrm>
-          <a:off x="1492500" y="480731"/>
-          <a:ext cx="4809376" cy="667246"/>
+          <a:off x="1744611" y="150857"/>
+          <a:ext cx="5621771" cy="779956"/>
         </a:xfrm>
         <a:prstGeom prst="rect">
           <a:avLst/>
@@ -3938,7 +4181,7 @@
         </a:bodyPr>
         <a:lstStyle/>
         <a:p>
-          <a:pPr marL="0" lvl="0" indent="0" algn="ctr" defTabSz="1066800">
+          <a:pPr lvl="0" algn="ctr" defTabSz="1066800">
             <a:lnSpc>
               <a:spcPct val="90000"/>
             </a:lnSpc>
@@ -3948,7 +4191,6 @@
             <a:spcAft>
               <a:spcPct val="35000"/>
             </a:spcAft>
-            <a:buNone/>
           </a:pPr>
           <a:r>
             <a:rPr lang="en-US" altLang="zh-TW" sz="2400" kern="1200" dirty="0">
@@ -3964,8 +4206,8 @@
         </a:p>
       </dsp:txBody>
       <dsp:txXfrm>
-        <a:off x="1492500" y="480731"/>
-        <a:ext cx="4809376" cy="667246"/>
+        <a:off x="1744611" y="150857"/>
+        <a:ext cx="5621771" cy="779956"/>
       </dsp:txXfrm>
     </dsp:sp>
     <dsp:sp modelId="{898283FA-7639-445A-95D5-432134CB6ADF}">
@@ -3975,8 +4217,8 @@
       </dsp:nvSpPr>
       <dsp:spPr>
         <a:xfrm>
-          <a:off x="471" y="1428221"/>
-          <a:ext cx="1334492" cy="667246"/>
+          <a:off x="550" y="1258395"/>
+          <a:ext cx="1559913" cy="779956"/>
         </a:xfrm>
         <a:prstGeom prst="rect">
           <a:avLst/>
@@ -4024,7 +4266,7 @@
         </a:bodyPr>
         <a:lstStyle/>
         <a:p>
-          <a:pPr marL="0" lvl="0" indent="0" algn="ctr" defTabSz="1066800">
+          <a:pPr lvl="0" algn="ctr" defTabSz="1066800">
             <a:lnSpc>
               <a:spcPct val="90000"/>
             </a:lnSpc>
@@ -4034,7 +4276,6 @@
             <a:spcAft>
               <a:spcPct val="35000"/>
             </a:spcAft>
-            <a:buNone/>
           </a:pPr>
           <a:r>
             <a:rPr lang="zh-TW" altLang="en-US" sz="2400" kern="1200" dirty="0">
@@ -4046,8 +4287,8 @@
         </a:p>
       </dsp:txBody>
       <dsp:txXfrm>
-        <a:off x="471" y="1428221"/>
-        <a:ext cx="1334492" cy="667246"/>
+        <a:off x="550" y="1258395"/>
+        <a:ext cx="1559913" cy="779956"/>
       </dsp:txXfrm>
     </dsp:sp>
     <dsp:sp modelId="{9CB29694-F3D7-41DB-BEBC-33D5343BA11A}">
@@ -4057,8 +4298,8 @@
       </dsp:nvSpPr>
       <dsp:spPr>
         <a:xfrm>
-          <a:off x="334094" y="2375710"/>
-          <a:ext cx="1334492" cy="667246"/>
+          <a:off x="390529" y="2365934"/>
+          <a:ext cx="1559913" cy="779956"/>
         </a:xfrm>
         <a:prstGeom prst="rect">
           <a:avLst/>
@@ -4101,12 +4342,12 @@
         </a:fontRef>
       </dsp:style>
       <dsp:txBody>
-        <a:bodyPr spcFirstLastPara="0" vert="horz" wrap="square" lIns="10160" tIns="10160" rIns="10160" bIns="10160" numCol="1" spcCol="1270" anchor="ctr" anchorCtr="0">
+        <a:bodyPr spcFirstLastPara="0" vert="horz" wrap="square" lIns="9525" tIns="9525" rIns="9525" bIns="9525" numCol="1" spcCol="1270" anchor="ctr" anchorCtr="0">
           <a:noAutofit/>
         </a:bodyPr>
         <a:lstStyle/>
         <a:p>
-          <a:pPr marL="0" lvl="0" indent="0" algn="ctr" defTabSz="711200">
+          <a:pPr lvl="0" algn="ctr" defTabSz="666750">
             <a:lnSpc>
               <a:spcPct val="90000"/>
             </a:lnSpc>
@@ -4116,10 +4357,9 @@
             <a:spcAft>
               <a:spcPct val="35000"/>
             </a:spcAft>
-            <a:buNone/>
           </a:pPr>
           <a:r>
-            <a:rPr lang="zh-TW" altLang="en-US" sz="1600" kern="1200" dirty="0">
+            <a:rPr lang="zh-TW" altLang="en-US" sz="1500" kern="1200" dirty="0">
               <a:latin typeface="微軟正黑體" panose="020B0604030504040204" pitchFamily="34" charset="-120"/>
               <a:ea typeface="微軟正黑體" panose="020B0604030504040204" pitchFamily="34" charset="-120"/>
             </a:rPr>
@@ -4128,8 +4368,8 @@
         </a:p>
       </dsp:txBody>
       <dsp:txXfrm>
-        <a:off x="334094" y="2375710"/>
-        <a:ext cx="1334492" cy="667246"/>
+        <a:off x="390529" y="2365934"/>
+        <a:ext cx="1559913" cy="779956"/>
       </dsp:txXfrm>
     </dsp:sp>
     <dsp:sp modelId="{DE79C5C0-52BB-4AB4-B9E4-4D482851A011}">
@@ -4139,8 +4379,8 @@
       </dsp:nvSpPr>
       <dsp:spPr>
         <a:xfrm>
-          <a:off x="334094" y="3323199"/>
-          <a:ext cx="1334492" cy="667246"/>
+          <a:off x="390529" y="3473472"/>
+          <a:ext cx="1559913" cy="779956"/>
         </a:xfrm>
         <a:prstGeom prst="rect">
           <a:avLst/>
@@ -4183,12 +4423,12 @@
         </a:fontRef>
       </dsp:style>
       <dsp:txBody>
-        <a:bodyPr spcFirstLastPara="0" vert="horz" wrap="square" lIns="10160" tIns="10160" rIns="10160" bIns="10160" numCol="1" spcCol="1270" anchor="ctr" anchorCtr="0">
+        <a:bodyPr spcFirstLastPara="0" vert="horz" wrap="square" lIns="9525" tIns="9525" rIns="9525" bIns="9525" numCol="1" spcCol="1270" anchor="ctr" anchorCtr="0">
           <a:noAutofit/>
         </a:bodyPr>
         <a:lstStyle/>
         <a:p>
-          <a:pPr marL="0" lvl="0" indent="0" algn="ctr" defTabSz="711200">
+          <a:pPr lvl="0" algn="ctr" defTabSz="666750">
             <a:lnSpc>
               <a:spcPct val="90000"/>
             </a:lnSpc>
@@ -4198,16 +4438,15 @@
             <a:spcAft>
               <a:spcPct val="35000"/>
             </a:spcAft>
-            <a:buNone/>
           </a:pPr>
           <a:r>
-            <a:rPr lang="zh-TW" altLang="en-US" sz="1600" kern="1200" dirty="0">
+            <a:rPr lang="zh-TW" altLang="en-US" sz="1500" kern="1200" dirty="0" smtClean="0">
               <a:latin typeface="微軟正黑體" panose="020B0604030504040204" pitchFamily="34" charset="-120"/>
               <a:ea typeface="微軟正黑體" panose="020B0604030504040204" pitchFamily="34" charset="-120"/>
             </a:rPr>
-            <a:t>紀錄個人數據</a:t>
+            <a:t>儲存個人資料</a:t>
           </a:r>
-          <a:endParaRPr lang="zh-TW" altLang="en-US" sz="1600" kern="1200" dirty="0">
+          <a:endParaRPr lang="zh-TW" altLang="en-US" sz="1500" kern="1200" dirty="0">
             <a:latin typeface="微軟正黑體" panose="020B0604030504040204" pitchFamily="34" charset="-120"/>
             <a:ea typeface="微軟正黑體" panose="020B0604030504040204" pitchFamily="34" charset="-120"/>
             <a:cs typeface="Times New Roman" panose="02020603050405020304" pitchFamily="18" charset="0"/>
@@ -4215,8 +4454,8 @@
         </a:p>
       </dsp:txBody>
       <dsp:txXfrm>
-        <a:off x="334094" y="3323199"/>
-        <a:ext cx="1334492" cy="667246"/>
+        <a:off x="390529" y="3473472"/>
+        <a:ext cx="1559913" cy="779956"/>
       </dsp:txXfrm>
     </dsp:sp>
     <dsp:sp modelId="{EA605843-84EA-4778-BB50-59415505C303}">
@@ -4226,8 +4465,8 @@
       </dsp:nvSpPr>
       <dsp:spPr>
         <a:xfrm>
-          <a:off x="1615206" y="1428221"/>
-          <a:ext cx="1334492" cy="667246"/>
+          <a:off x="1888045" y="1258395"/>
+          <a:ext cx="1559913" cy="779956"/>
         </a:xfrm>
         <a:prstGeom prst="rect">
           <a:avLst/>
@@ -4275,7 +4514,7 @@
         </a:bodyPr>
         <a:lstStyle/>
         <a:p>
-          <a:pPr marL="0" lvl="0" indent="0" algn="ctr" defTabSz="1066800">
+          <a:pPr lvl="0" algn="ctr" defTabSz="1066800">
             <a:lnSpc>
               <a:spcPct val="90000"/>
             </a:lnSpc>
@@ -4285,7 +4524,6 @@
             <a:spcAft>
               <a:spcPct val="35000"/>
             </a:spcAft>
-            <a:buNone/>
           </a:pPr>
           <a:r>
             <a:rPr lang="zh-TW" altLang="en-US" sz="2400" kern="1200" dirty="0">
@@ -4297,8 +4535,8 @@
         </a:p>
       </dsp:txBody>
       <dsp:txXfrm>
-        <a:off x="1615206" y="1428221"/>
-        <a:ext cx="1334492" cy="667246"/>
+        <a:off x="1888045" y="1258395"/>
+        <a:ext cx="1559913" cy="779956"/>
       </dsp:txXfrm>
     </dsp:sp>
     <dsp:sp modelId="{B9F624FB-4B18-4FAE-BC1C-356832304C1D}">
@@ -4308,8 +4546,8 @@
       </dsp:nvSpPr>
       <dsp:spPr>
         <a:xfrm>
-          <a:off x="1948829" y="2375710"/>
-          <a:ext cx="1334492" cy="667246"/>
+          <a:off x="2278024" y="2365934"/>
+          <a:ext cx="1559913" cy="779956"/>
         </a:xfrm>
         <a:prstGeom prst="rect">
           <a:avLst/>
@@ -4352,12 +4590,12 @@
         </a:fontRef>
       </dsp:style>
       <dsp:txBody>
-        <a:bodyPr spcFirstLastPara="0" vert="horz" wrap="square" lIns="10160" tIns="10160" rIns="10160" bIns="10160" numCol="1" spcCol="1270" anchor="ctr" anchorCtr="0">
+        <a:bodyPr spcFirstLastPara="0" vert="horz" wrap="square" lIns="9525" tIns="9525" rIns="9525" bIns="9525" numCol="1" spcCol="1270" anchor="ctr" anchorCtr="0">
           <a:noAutofit/>
         </a:bodyPr>
         <a:lstStyle/>
         <a:p>
-          <a:pPr marL="0" lvl="0" indent="0" algn="ctr" defTabSz="711200">
+          <a:pPr lvl="0" algn="ctr" defTabSz="666750">
             <a:lnSpc>
               <a:spcPct val="90000"/>
             </a:lnSpc>
@@ -4367,10 +4605,9 @@
             <a:spcAft>
               <a:spcPct val="35000"/>
             </a:spcAft>
-            <a:buNone/>
           </a:pPr>
           <a:r>
-            <a:rPr lang="zh-TW" altLang="en-US" sz="1600" kern="1200" dirty="0">
+            <a:rPr lang="zh-TW" altLang="en-US" sz="1500" kern="1200" dirty="0">
               <a:latin typeface="微軟正黑體" panose="020B0604030504040204" pitchFamily="34" charset="-120"/>
               <a:ea typeface="微軟正黑體" panose="020B0604030504040204" pitchFamily="34" charset="-120"/>
             </a:rPr>
@@ -4379,8 +4616,8 @@
         </a:p>
       </dsp:txBody>
       <dsp:txXfrm>
-        <a:off x="1948829" y="2375710"/>
-        <a:ext cx="1334492" cy="667246"/>
+        <a:off x="2278024" y="2365934"/>
+        <a:ext cx="1559913" cy="779956"/>
       </dsp:txXfrm>
     </dsp:sp>
     <dsp:sp modelId="{F395118E-6F8D-4111-995B-78F916EC69E4}">
@@ -4390,8 +4627,8 @@
       </dsp:nvSpPr>
       <dsp:spPr>
         <a:xfrm>
-          <a:off x="1948829" y="3323199"/>
-          <a:ext cx="1334492" cy="667246"/>
+          <a:off x="2278024" y="3473472"/>
+          <a:ext cx="1559913" cy="779956"/>
         </a:xfrm>
         <a:prstGeom prst="rect">
           <a:avLst/>
@@ -4434,12 +4671,12 @@
         </a:fontRef>
       </dsp:style>
       <dsp:txBody>
-        <a:bodyPr spcFirstLastPara="0" vert="horz" wrap="square" lIns="10160" tIns="10160" rIns="10160" bIns="10160" numCol="1" spcCol="1270" anchor="ctr" anchorCtr="0">
+        <a:bodyPr spcFirstLastPara="0" vert="horz" wrap="square" lIns="9525" tIns="9525" rIns="9525" bIns="9525" numCol="1" spcCol="1270" anchor="ctr" anchorCtr="0">
           <a:noAutofit/>
         </a:bodyPr>
         <a:lstStyle/>
         <a:p>
-          <a:pPr marL="0" lvl="0" indent="0" algn="ctr" defTabSz="711200">
+          <a:pPr lvl="0" algn="ctr" defTabSz="666750">
             <a:lnSpc>
               <a:spcPct val="90000"/>
             </a:lnSpc>
@@ -4449,10 +4686,9 @@
             <a:spcAft>
               <a:spcPct val="35000"/>
             </a:spcAft>
-            <a:buNone/>
           </a:pPr>
           <a:r>
-            <a:rPr lang="zh-TW" altLang="en-US" sz="1600" b="0" kern="1200" dirty="0">
+            <a:rPr lang="zh-TW" altLang="en-US" sz="1500" b="0" kern="1200" dirty="0">
               <a:latin typeface="微軟正黑體" panose="020B0604030504040204" pitchFamily="34" charset="-120"/>
               <a:ea typeface="微軟正黑體" panose="020B0604030504040204" pitchFamily="34" charset="-120"/>
             </a:rPr>
@@ -4461,8 +4697,8 @@
         </a:p>
       </dsp:txBody>
       <dsp:txXfrm>
-        <a:off x="1948829" y="3323199"/>
-        <a:ext cx="1334492" cy="667246"/>
+        <a:off x="2278024" y="3473472"/>
+        <a:ext cx="1559913" cy="779956"/>
       </dsp:txXfrm>
     </dsp:sp>
     <dsp:sp modelId="{05EDF6D9-342B-4E22-BFC6-FB63F8436FD9}">
@@ -4472,8 +4708,8 @@
       </dsp:nvSpPr>
       <dsp:spPr>
         <a:xfrm>
-          <a:off x="1948829" y="4270689"/>
-          <a:ext cx="1334492" cy="667246"/>
+          <a:off x="2278024" y="4581010"/>
+          <a:ext cx="1559913" cy="779956"/>
         </a:xfrm>
         <a:prstGeom prst="rect">
           <a:avLst/>
@@ -4516,12 +4752,12 @@
         </a:fontRef>
       </dsp:style>
       <dsp:txBody>
-        <a:bodyPr spcFirstLastPara="0" vert="horz" wrap="square" lIns="10160" tIns="10160" rIns="10160" bIns="10160" numCol="1" spcCol="1270" anchor="ctr" anchorCtr="0">
+        <a:bodyPr spcFirstLastPara="0" vert="horz" wrap="square" lIns="9525" tIns="9525" rIns="9525" bIns="9525" numCol="1" spcCol="1270" anchor="ctr" anchorCtr="0">
           <a:noAutofit/>
         </a:bodyPr>
         <a:lstStyle/>
         <a:p>
-          <a:pPr marL="0" lvl="0" indent="0" algn="ctr" defTabSz="711200">
+          <a:pPr lvl="0" algn="ctr" defTabSz="666750">
             <a:lnSpc>
               <a:spcPct val="90000"/>
             </a:lnSpc>
@@ -4531,10 +4767,9 @@
             <a:spcAft>
               <a:spcPct val="35000"/>
             </a:spcAft>
-            <a:buNone/>
           </a:pPr>
           <a:r>
-            <a:rPr lang="zh-TW" altLang="en-US" sz="1600" kern="1200" dirty="0">
+            <a:rPr lang="zh-TW" altLang="en-US" sz="1500" kern="1200" dirty="0">
               <a:latin typeface="微軟正黑體" panose="020B0604030504040204" pitchFamily="34" charset="-120"/>
               <a:ea typeface="微軟正黑體" panose="020B0604030504040204" pitchFamily="34" charset="-120"/>
             </a:rPr>
@@ -4543,8 +4778,8 @@
         </a:p>
       </dsp:txBody>
       <dsp:txXfrm>
-        <a:off x="1948829" y="4270689"/>
-        <a:ext cx="1334492" cy="667246"/>
+        <a:off x="2278024" y="4581010"/>
+        <a:ext cx="1559913" cy="779956"/>
       </dsp:txXfrm>
     </dsp:sp>
     <dsp:sp modelId="{C7A39AEC-6CA1-4A35-BBFE-442C186C536B}">
@@ -4554,8 +4789,8 @@
       </dsp:nvSpPr>
       <dsp:spPr>
         <a:xfrm>
-          <a:off x="3229942" y="1428221"/>
-          <a:ext cx="1334492" cy="667246"/>
+          <a:off x="3775540" y="1258395"/>
+          <a:ext cx="1559913" cy="779956"/>
         </a:xfrm>
         <a:prstGeom prst="rect">
           <a:avLst/>
@@ -4603,7 +4838,7 @@
         </a:bodyPr>
         <a:lstStyle/>
         <a:p>
-          <a:pPr marL="0" lvl="0" indent="0" algn="ctr" defTabSz="1066800">
+          <a:pPr lvl="0" algn="ctr" defTabSz="1066800">
             <a:lnSpc>
               <a:spcPct val="90000"/>
             </a:lnSpc>
@@ -4613,7 +4848,6 @@
             <a:spcAft>
               <a:spcPct val="35000"/>
             </a:spcAft>
-            <a:buNone/>
           </a:pPr>
           <a:r>
             <a:rPr lang="zh-TW" altLang="en-US" sz="2400" kern="1200" dirty="0">
@@ -4625,8 +4859,8 @@
         </a:p>
       </dsp:txBody>
       <dsp:txXfrm>
-        <a:off x="3229942" y="1428221"/>
-        <a:ext cx="1334492" cy="667246"/>
+        <a:off x="3775540" y="1258395"/>
+        <a:ext cx="1559913" cy="779956"/>
       </dsp:txXfrm>
     </dsp:sp>
     <dsp:sp modelId="{6871A768-0DBE-4C41-BCFF-9B19A28A7E1D}">
@@ -4636,8 +4870,8 @@
       </dsp:nvSpPr>
       <dsp:spPr>
         <a:xfrm>
-          <a:off x="3563565" y="2375710"/>
-          <a:ext cx="1334492" cy="667246"/>
+          <a:off x="4165519" y="2365934"/>
+          <a:ext cx="1559913" cy="779956"/>
         </a:xfrm>
         <a:prstGeom prst="rect">
           <a:avLst/>
@@ -4680,12 +4914,12 @@
         </a:fontRef>
       </dsp:style>
       <dsp:txBody>
-        <a:bodyPr spcFirstLastPara="0" vert="horz" wrap="square" lIns="10160" tIns="10160" rIns="10160" bIns="10160" numCol="1" spcCol="1270" anchor="ctr" anchorCtr="0">
+        <a:bodyPr spcFirstLastPara="0" vert="horz" wrap="square" lIns="9525" tIns="9525" rIns="9525" bIns="9525" numCol="1" spcCol="1270" anchor="ctr" anchorCtr="0">
           <a:noAutofit/>
         </a:bodyPr>
         <a:lstStyle/>
         <a:p>
-          <a:pPr marL="0" lvl="0" indent="0" algn="ctr" defTabSz="711200">
+          <a:pPr lvl="0" algn="ctr" defTabSz="666750">
             <a:lnSpc>
               <a:spcPct val="90000"/>
             </a:lnSpc>
@@ -4695,10 +4929,9 @@
             <a:spcAft>
               <a:spcPct val="35000"/>
             </a:spcAft>
-            <a:buNone/>
           </a:pPr>
           <a:r>
-            <a:rPr lang="zh-TW" altLang="en-US" sz="1600" kern="1200" dirty="0">
+            <a:rPr lang="zh-TW" altLang="en-US" sz="1500" kern="1200" dirty="0">
               <a:latin typeface="微軟正黑體" panose="020B0604030504040204" pitchFamily="34" charset="-120"/>
               <a:ea typeface="微軟正黑體" panose="020B0604030504040204" pitchFamily="34" charset="-120"/>
             </a:rPr>
@@ -4707,8 +4940,8 @@
         </a:p>
       </dsp:txBody>
       <dsp:txXfrm>
-        <a:off x="3563565" y="2375710"/>
-        <a:ext cx="1334492" cy="667246"/>
+        <a:off x="4165519" y="2365934"/>
+        <a:ext cx="1559913" cy="779956"/>
       </dsp:txXfrm>
     </dsp:sp>
     <dsp:sp modelId="{A6632A3E-C71E-4AE1-A356-3690361E8512}">
@@ -4718,8 +4951,8 @@
       </dsp:nvSpPr>
       <dsp:spPr>
         <a:xfrm>
-          <a:off x="3563565" y="3323199"/>
-          <a:ext cx="1334492" cy="667246"/>
+          <a:off x="4165519" y="3473472"/>
+          <a:ext cx="1559913" cy="779956"/>
         </a:xfrm>
         <a:prstGeom prst="rect">
           <a:avLst/>
@@ -4762,12 +4995,12 @@
         </a:fontRef>
       </dsp:style>
       <dsp:txBody>
-        <a:bodyPr spcFirstLastPara="0" vert="horz" wrap="square" lIns="10160" tIns="10160" rIns="10160" bIns="10160" numCol="1" spcCol="1270" anchor="ctr" anchorCtr="0">
+        <a:bodyPr spcFirstLastPara="0" vert="horz" wrap="square" lIns="9525" tIns="9525" rIns="9525" bIns="9525" numCol="1" spcCol="1270" anchor="ctr" anchorCtr="0">
           <a:noAutofit/>
         </a:bodyPr>
         <a:lstStyle/>
         <a:p>
-          <a:pPr marL="0" lvl="0" indent="0" algn="ctr" defTabSz="711200">
+          <a:pPr lvl="0" algn="ctr" defTabSz="666750">
             <a:lnSpc>
               <a:spcPct val="90000"/>
             </a:lnSpc>
@@ -4777,20 +5010,47 @@
             <a:spcAft>
               <a:spcPct val="35000"/>
             </a:spcAft>
-            <a:buNone/>
           </a:pPr>
           <a:r>
-            <a:rPr lang="zh-TW" altLang="en-US" sz="1600" kern="1200" dirty="0">
+            <a:rPr lang="zh-TW" altLang="en-US" sz="1500" kern="1200" dirty="0" smtClean="0">
               <a:latin typeface="微軟正黑體" panose="020B0604030504040204" pitchFamily="34" charset="-120"/>
               <a:ea typeface="微軟正黑體" panose="020B0604030504040204" pitchFamily="34" charset="-120"/>
             </a:rPr>
-            <a:t>撰寫訓練用程式碼</a:t>
+            <a:t>建立特徵</a:t>
           </a:r>
+          <a:endParaRPr lang="en-US" altLang="zh-TW" sz="1500" kern="1200" dirty="0" smtClean="0">
+            <a:latin typeface="微軟正黑體" panose="020B0604030504040204" pitchFamily="34" charset="-120"/>
+            <a:ea typeface="微軟正黑體" panose="020B0604030504040204" pitchFamily="34" charset="-120"/>
+          </a:endParaRPr>
+        </a:p>
+        <a:p>
+          <a:pPr lvl="0" algn="ctr" defTabSz="666750">
+            <a:lnSpc>
+              <a:spcPct val="90000"/>
+            </a:lnSpc>
+            <a:spcBef>
+              <a:spcPct val="0"/>
+            </a:spcBef>
+            <a:spcAft>
+              <a:spcPct val="35000"/>
+            </a:spcAft>
+          </a:pPr>
+          <a:r>
+            <a:rPr lang="zh-TW" altLang="en-US" sz="1500" kern="1200" dirty="0" smtClean="0">
+              <a:latin typeface="微軟正黑體" panose="020B0604030504040204" pitchFamily="34" charset="-120"/>
+              <a:ea typeface="微軟正黑體" panose="020B0604030504040204" pitchFamily="34" charset="-120"/>
+            </a:rPr>
+            <a:t>資料庫</a:t>
+          </a:r>
+          <a:endParaRPr lang="zh-TW" altLang="en-US" sz="1500" kern="1200" dirty="0">
+            <a:latin typeface="微軟正黑體" panose="020B0604030504040204" pitchFamily="34" charset="-120"/>
+            <a:ea typeface="微軟正黑體" panose="020B0604030504040204" pitchFamily="34" charset="-120"/>
+          </a:endParaRPr>
         </a:p>
       </dsp:txBody>
       <dsp:txXfrm>
-        <a:off x="3563565" y="3323199"/>
-        <a:ext cx="1334492" cy="667246"/>
+        <a:off x="4165519" y="3473472"/>
+        <a:ext cx="1559913" cy="779956"/>
       </dsp:txXfrm>
     </dsp:sp>
     <dsp:sp modelId="{F408B408-E62C-4B71-97E3-A289C9A0B662}">
@@ -4800,8 +5060,8 @@
       </dsp:nvSpPr>
       <dsp:spPr>
         <a:xfrm>
-          <a:off x="3563565" y="4270689"/>
-          <a:ext cx="1334492" cy="667246"/>
+          <a:off x="4165519" y="4581010"/>
+          <a:ext cx="1559913" cy="779956"/>
         </a:xfrm>
         <a:prstGeom prst="rect">
           <a:avLst/>
@@ -4844,12 +5104,12 @@
         </a:fontRef>
       </dsp:style>
       <dsp:txBody>
-        <a:bodyPr spcFirstLastPara="0" vert="horz" wrap="square" lIns="10160" tIns="10160" rIns="10160" bIns="10160" numCol="1" spcCol="1270" anchor="ctr" anchorCtr="0">
+        <a:bodyPr spcFirstLastPara="0" vert="horz" wrap="square" lIns="9525" tIns="9525" rIns="9525" bIns="9525" numCol="1" spcCol="1270" anchor="ctr" anchorCtr="0">
           <a:noAutofit/>
         </a:bodyPr>
         <a:lstStyle/>
         <a:p>
-          <a:pPr marL="0" lvl="0" indent="0" algn="ctr" defTabSz="711200">
+          <a:pPr lvl="0" algn="ctr" defTabSz="666750">
             <a:lnSpc>
               <a:spcPct val="90000"/>
             </a:lnSpc>
@@ -4859,10 +5119,9 @@
             <a:spcAft>
               <a:spcPct val="35000"/>
             </a:spcAft>
-            <a:buNone/>
           </a:pPr>
           <a:r>
-            <a:rPr lang="zh-TW" altLang="en-US" sz="1600" kern="1200" dirty="0">
+            <a:rPr lang="zh-TW" altLang="en-US" sz="1500" kern="1200" dirty="0">
               <a:latin typeface="微軟正黑體" panose="020B0604030504040204" pitchFamily="34" charset="-120"/>
               <a:ea typeface="微軟正黑體" panose="020B0604030504040204" pitchFamily="34" charset="-120"/>
             </a:rPr>
@@ -4871,8 +5130,8 @@
         </a:p>
       </dsp:txBody>
       <dsp:txXfrm>
-        <a:off x="3563565" y="4270689"/>
-        <a:ext cx="1334492" cy="667246"/>
+        <a:off x="4165519" y="4581010"/>
+        <a:ext cx="1559913" cy="779956"/>
       </dsp:txXfrm>
     </dsp:sp>
     <dsp:sp modelId="{027E1B34-93FE-4CE3-8A28-D69A90B48A09}">
@@ -4882,8 +5141,8 @@
       </dsp:nvSpPr>
       <dsp:spPr>
         <a:xfrm>
-          <a:off x="4844677" y="1428221"/>
-          <a:ext cx="1334492" cy="667246"/>
+          <a:off x="5663035" y="1258395"/>
+          <a:ext cx="1559913" cy="779956"/>
         </a:xfrm>
         <a:prstGeom prst="rect">
           <a:avLst/>
@@ -4931,7 +5190,7 @@
         </a:bodyPr>
         <a:lstStyle/>
         <a:p>
-          <a:pPr marL="0" lvl="0" indent="0" algn="ctr" defTabSz="1066800">
+          <a:pPr lvl="0" algn="ctr" defTabSz="1066800">
             <a:lnSpc>
               <a:spcPct val="90000"/>
             </a:lnSpc>
@@ -4941,7 +5200,6 @@
             <a:spcAft>
               <a:spcPct val="35000"/>
             </a:spcAft>
-            <a:buNone/>
           </a:pPr>
           <a:r>
             <a:rPr lang="zh-TW" altLang="en-US" sz="2400" kern="1200" dirty="0">
@@ -4953,8 +5211,8 @@
         </a:p>
       </dsp:txBody>
       <dsp:txXfrm>
-        <a:off x="4844677" y="1428221"/>
-        <a:ext cx="1334492" cy="667246"/>
+        <a:off x="5663035" y="1258395"/>
+        <a:ext cx="1559913" cy="779956"/>
       </dsp:txXfrm>
     </dsp:sp>
     <dsp:sp modelId="{FC2AA275-909E-47D7-A861-5FB840A38676}">
@@ -4964,8 +5222,8 @@
       </dsp:nvSpPr>
       <dsp:spPr>
         <a:xfrm>
-          <a:off x="5178300" y="2375710"/>
-          <a:ext cx="1334492" cy="667246"/>
+          <a:off x="6053013" y="2365934"/>
+          <a:ext cx="1559913" cy="779956"/>
         </a:xfrm>
         <a:prstGeom prst="rect">
           <a:avLst/>
@@ -5008,12 +5266,12 @@
         </a:fontRef>
       </dsp:style>
       <dsp:txBody>
-        <a:bodyPr spcFirstLastPara="0" vert="horz" wrap="square" lIns="10160" tIns="10160" rIns="10160" bIns="10160" numCol="1" spcCol="1270" anchor="ctr" anchorCtr="0">
+        <a:bodyPr spcFirstLastPara="0" vert="horz" wrap="square" lIns="9525" tIns="9525" rIns="9525" bIns="9525" numCol="1" spcCol="1270" anchor="ctr" anchorCtr="0">
           <a:noAutofit/>
         </a:bodyPr>
         <a:lstStyle/>
         <a:p>
-          <a:pPr marL="0" lvl="0" indent="0" algn="ctr" defTabSz="711200">
+          <a:pPr lvl="0" algn="ctr" defTabSz="666750">
             <a:lnSpc>
               <a:spcPct val="90000"/>
             </a:lnSpc>
@@ -5023,10 +5281,9 @@
             <a:spcAft>
               <a:spcPct val="35000"/>
             </a:spcAft>
-            <a:buNone/>
           </a:pPr>
           <a:r>
-            <a:rPr lang="zh-TW" altLang="en-US" sz="1600" kern="1200" dirty="0">
+            <a:rPr lang="zh-TW" altLang="en-US" sz="1500" kern="1200" dirty="0">
               <a:latin typeface="微軟正黑體" panose="020B0604030504040204" pitchFamily="34" charset="-120"/>
               <a:ea typeface="微軟正黑體" panose="020B0604030504040204" pitchFamily="34" charset="-120"/>
             </a:rPr>
@@ -5035,8 +5292,8 @@
         </a:p>
       </dsp:txBody>
       <dsp:txXfrm>
-        <a:off x="5178300" y="2375710"/>
-        <a:ext cx="1334492" cy="667246"/>
+        <a:off x="6053013" y="2365934"/>
+        <a:ext cx="1559913" cy="779956"/>
       </dsp:txXfrm>
     </dsp:sp>
     <dsp:sp modelId="{31BD8C53-89B5-4F7C-9478-2F7EA5E507AF}">
@@ -5046,8 +5303,8 @@
       </dsp:nvSpPr>
       <dsp:spPr>
         <a:xfrm>
-          <a:off x="5178300" y="3323199"/>
-          <a:ext cx="1334492" cy="667246"/>
+          <a:off x="6053013" y="3473472"/>
+          <a:ext cx="1559913" cy="779956"/>
         </a:xfrm>
         <a:prstGeom prst="rect">
           <a:avLst/>
@@ -5090,12 +5347,12 @@
         </a:fontRef>
       </dsp:style>
       <dsp:txBody>
-        <a:bodyPr spcFirstLastPara="0" vert="horz" wrap="square" lIns="10160" tIns="10160" rIns="10160" bIns="10160" numCol="1" spcCol="1270" anchor="ctr" anchorCtr="0">
+        <a:bodyPr spcFirstLastPara="0" vert="horz" wrap="square" lIns="9525" tIns="9525" rIns="9525" bIns="9525" numCol="1" spcCol="1270" anchor="ctr" anchorCtr="0">
           <a:noAutofit/>
         </a:bodyPr>
         <a:lstStyle/>
         <a:p>
-          <a:pPr marL="0" lvl="0" indent="0" algn="ctr" defTabSz="711200">
+          <a:pPr lvl="0" algn="ctr" defTabSz="666750">
             <a:lnSpc>
               <a:spcPct val="90000"/>
             </a:lnSpc>
@@ -5105,10 +5362,9 @@
             <a:spcAft>
               <a:spcPct val="35000"/>
             </a:spcAft>
-            <a:buNone/>
           </a:pPr>
           <a:r>
-            <a:rPr lang="zh-TW" altLang="en-US" sz="1600" kern="1200" dirty="0">
+            <a:rPr lang="zh-TW" altLang="en-US" sz="1500" kern="1200" dirty="0">
               <a:latin typeface="微軟正黑體" panose="020B0604030504040204" pitchFamily="34" charset="-120"/>
               <a:ea typeface="微軟正黑體" panose="020B0604030504040204" pitchFamily="34" charset="-120"/>
             </a:rPr>
@@ -5117,90 +5373,8 @@
         </a:p>
       </dsp:txBody>
       <dsp:txXfrm>
-        <a:off x="5178300" y="3323199"/>
-        <a:ext cx="1334492" cy="667246"/>
-      </dsp:txXfrm>
-    </dsp:sp>
-    <dsp:sp modelId="{8C04714C-7228-4FE6-AC0C-C1DB88E9F632}">
-      <dsp:nvSpPr>
-        <dsp:cNvPr id="0" name=""/>
-        <dsp:cNvSpPr/>
-      </dsp:nvSpPr>
-      <dsp:spPr>
-        <a:xfrm>
-          <a:off x="5178300" y="4270689"/>
-          <a:ext cx="1334492" cy="667246"/>
-        </a:xfrm>
-        <a:prstGeom prst="rect">
-          <a:avLst/>
-        </a:prstGeom>
-        <a:solidFill>
-          <a:schemeClr val="accent5">
-            <a:tint val="80000"/>
-            <a:hueOff val="0"/>
-            <a:satOff val="0"/>
-            <a:lumOff val="0"/>
-            <a:alphaOff val="0"/>
-          </a:schemeClr>
-        </a:solidFill>
-        <a:ln w="12700" cap="flat" cmpd="sng" algn="ctr">
-          <a:solidFill>
-            <a:schemeClr val="lt1">
-              <a:hueOff val="0"/>
-              <a:satOff val="0"/>
-              <a:lumOff val="0"/>
-              <a:alphaOff val="0"/>
-            </a:schemeClr>
-          </a:solidFill>
-          <a:prstDash val="solid"/>
-          <a:miter lim="800000"/>
-        </a:ln>
-        <a:effectLst/>
-      </dsp:spPr>
-      <dsp:style>
-        <a:lnRef idx="2">
-          <a:scrgbClr r="0" g="0" b="0"/>
-        </a:lnRef>
-        <a:fillRef idx="1">
-          <a:scrgbClr r="0" g="0" b="0"/>
-        </a:fillRef>
-        <a:effectRef idx="0">
-          <a:scrgbClr r="0" g="0" b="0"/>
-        </a:effectRef>
-        <a:fontRef idx="minor">
-          <a:schemeClr val="lt1"/>
-        </a:fontRef>
-      </dsp:style>
-      <dsp:txBody>
-        <a:bodyPr spcFirstLastPara="0" vert="horz" wrap="square" lIns="10160" tIns="10160" rIns="10160" bIns="10160" numCol="1" spcCol="1270" anchor="ctr" anchorCtr="0">
-          <a:noAutofit/>
-        </a:bodyPr>
-        <a:lstStyle/>
-        <a:p>
-          <a:pPr marL="0" lvl="0" indent="0" algn="ctr" defTabSz="711200">
-            <a:lnSpc>
-              <a:spcPct val="90000"/>
-            </a:lnSpc>
-            <a:spcBef>
-              <a:spcPct val="0"/>
-            </a:spcBef>
-            <a:spcAft>
-              <a:spcPct val="35000"/>
-            </a:spcAft>
-            <a:buNone/>
-          </a:pPr>
-          <a:r>
-            <a:rPr lang="zh-TW" altLang="en-US" sz="1600" kern="1200" dirty="0">
-              <a:latin typeface="微軟正黑體" panose="020B0604030504040204" pitchFamily="34" charset="-120"/>
-              <a:ea typeface="微軟正黑體" panose="020B0604030504040204" pitchFamily="34" charset="-120"/>
-            </a:rPr>
-            <a:t>修改訓練程式碼並重新訓練</a:t>
-          </a:r>
-        </a:p>
-      </dsp:txBody>
-      <dsp:txXfrm>
-        <a:off x="5178300" y="4270689"/>
-        <a:ext cx="1334492" cy="667246"/>
+        <a:off x="6053013" y="3473472"/>
+        <a:ext cx="1559913" cy="779956"/>
       </dsp:txXfrm>
     </dsp:sp>
     <dsp:sp modelId="{D6D7FEDC-5C4A-4464-B939-F0267B32F854}">
@@ -5210,8 +5384,8 @@
       </dsp:nvSpPr>
       <dsp:spPr>
         <a:xfrm>
-          <a:off x="6459413" y="1428221"/>
-          <a:ext cx="1334492" cy="667246"/>
+          <a:off x="7550530" y="1258395"/>
+          <a:ext cx="1559913" cy="779956"/>
         </a:xfrm>
         <a:prstGeom prst="rect">
           <a:avLst/>
@@ -5259,7 +5433,7 @@
         </a:bodyPr>
         <a:lstStyle/>
         <a:p>
-          <a:pPr marL="0" lvl="0" indent="0" algn="ctr" defTabSz="1066800">
+          <a:pPr lvl="0" algn="ctr" defTabSz="1066800">
             <a:lnSpc>
               <a:spcPct val="90000"/>
             </a:lnSpc>
@@ -5269,7 +5443,6 @@
             <a:spcAft>
               <a:spcPct val="35000"/>
             </a:spcAft>
-            <a:buNone/>
           </a:pPr>
           <a:r>
             <a:rPr lang="zh-TW" altLang="en-US" sz="2400" kern="1200" dirty="0">
@@ -5281,8 +5454,8 @@
         </a:p>
       </dsp:txBody>
       <dsp:txXfrm>
-        <a:off x="6459413" y="1428221"/>
-        <a:ext cx="1334492" cy="667246"/>
+        <a:off x="7550530" y="1258395"/>
+        <a:ext cx="1559913" cy="779956"/>
       </dsp:txXfrm>
     </dsp:sp>
     <dsp:sp modelId="{A22D8479-F3B5-40E2-B47E-87AA623B4993}">
@@ -5292,8 +5465,8 @@
       </dsp:nvSpPr>
       <dsp:spPr>
         <a:xfrm>
-          <a:off x="6793036" y="2375710"/>
-          <a:ext cx="1334492" cy="667246"/>
+          <a:off x="7940508" y="2365934"/>
+          <a:ext cx="1559913" cy="779956"/>
         </a:xfrm>
         <a:prstGeom prst="rect">
           <a:avLst/>
@@ -5336,12 +5509,12 @@
         </a:fontRef>
       </dsp:style>
       <dsp:txBody>
-        <a:bodyPr spcFirstLastPara="0" vert="horz" wrap="square" lIns="10160" tIns="10160" rIns="10160" bIns="10160" numCol="1" spcCol="1270" anchor="ctr" anchorCtr="0">
+        <a:bodyPr spcFirstLastPara="0" vert="horz" wrap="square" lIns="9525" tIns="9525" rIns="9525" bIns="9525" numCol="1" spcCol="1270" anchor="ctr" anchorCtr="0">
           <a:noAutofit/>
         </a:bodyPr>
         <a:lstStyle/>
         <a:p>
-          <a:pPr marL="0" lvl="0" indent="0" algn="ctr" defTabSz="711200">
+          <a:pPr lvl="0" algn="ctr" defTabSz="666750">
             <a:lnSpc>
               <a:spcPct val="90000"/>
             </a:lnSpc>
@@ -5351,10 +5524,9 @@
             <a:spcAft>
               <a:spcPct val="35000"/>
             </a:spcAft>
-            <a:buNone/>
           </a:pPr>
           <a:r>
-            <a:rPr lang="zh-TW" altLang="en-US" sz="1600" kern="1200" dirty="0">
+            <a:rPr lang="zh-TW" altLang="en-US" sz="1500" kern="1200" dirty="0">
               <a:latin typeface="微軟正黑體" panose="020B0604030504040204" pitchFamily="34" charset="-120"/>
               <a:ea typeface="微軟正黑體" panose="020B0604030504040204" pitchFamily="34" charset="-120"/>
             </a:rPr>
@@ -5363,8 +5535,8 @@
         </a:p>
       </dsp:txBody>
       <dsp:txXfrm>
-        <a:off x="6793036" y="2375710"/>
-        <a:ext cx="1334492" cy="667246"/>
+        <a:off x="7940508" y="2365934"/>
+        <a:ext cx="1559913" cy="779956"/>
       </dsp:txXfrm>
     </dsp:sp>
     <dsp:sp modelId="{81D60BD1-1DBC-4430-BF4F-3151B42A904C}">
@@ -5374,8 +5546,8 @@
       </dsp:nvSpPr>
       <dsp:spPr>
         <a:xfrm>
-          <a:off x="6793036" y="3323199"/>
-          <a:ext cx="1334492" cy="667246"/>
+          <a:off x="7940508" y="3473472"/>
+          <a:ext cx="1559913" cy="779956"/>
         </a:xfrm>
         <a:prstGeom prst="rect">
           <a:avLst/>
@@ -5418,12 +5590,12 @@
         </a:fontRef>
       </dsp:style>
       <dsp:txBody>
-        <a:bodyPr spcFirstLastPara="0" vert="horz" wrap="square" lIns="10160" tIns="10160" rIns="10160" bIns="10160" numCol="1" spcCol="1270" anchor="ctr" anchorCtr="0">
+        <a:bodyPr spcFirstLastPara="0" vert="horz" wrap="square" lIns="9525" tIns="9525" rIns="9525" bIns="9525" numCol="1" spcCol="1270" anchor="ctr" anchorCtr="0">
           <a:noAutofit/>
         </a:bodyPr>
         <a:lstStyle/>
         <a:p>
-          <a:pPr marL="0" lvl="0" indent="0" algn="ctr" defTabSz="711200">
+          <a:pPr lvl="0" algn="ctr" defTabSz="666750">
             <a:lnSpc>
               <a:spcPct val="90000"/>
             </a:lnSpc>
@@ -5433,10 +5605,9 @@
             <a:spcAft>
               <a:spcPct val="35000"/>
             </a:spcAft>
-            <a:buNone/>
           </a:pPr>
           <a:r>
-            <a:rPr lang="zh-TW" altLang="en-US" sz="1600" kern="1200" dirty="0">
+            <a:rPr lang="zh-TW" altLang="en-US" sz="1500" kern="1200" dirty="0">
               <a:latin typeface="微軟正黑體" panose="020B0604030504040204" pitchFamily="34" charset="-120"/>
               <a:ea typeface="微軟正黑體" panose="020B0604030504040204" pitchFamily="34" charset="-120"/>
             </a:rPr>
@@ -5445,8 +5616,8 @@
         </a:p>
       </dsp:txBody>
       <dsp:txXfrm>
-        <a:off x="6793036" y="3323199"/>
-        <a:ext cx="1334492" cy="667246"/>
+        <a:off x="7940508" y="3473472"/>
+        <a:ext cx="1559913" cy="779956"/>
       </dsp:txXfrm>
     </dsp:sp>
   </dsp:spTree>
@@ -7715,7 +7886,7 @@
           <a:p>
             <a:fld id="{6F94AA58-72FF-427F-B51D-D5ADB9A967C4}" type="datetimeFigureOut">
               <a:rPr lang="zh-CN" altLang="en-US" smtClean="0"/>
-              <a:t>2020/5/26</a:t>
+              <a:t>2020/5/27</a:t>
             </a:fld>
             <a:endParaRPr lang="zh-CN" altLang="en-US"/>
           </a:p>
@@ -8111,7 +8282,7 @@
           <a:p>
             <a:fld id="{82F288E0-7875-42C4-84C8-98DBBD3BF4D2}" type="datetimeFigureOut">
               <a:rPr lang="zh-CN" altLang="en-US" smtClean="0"/>
-              <a:t>2020/5/26</a:t>
+              <a:t>2020/5/27</a:t>
             </a:fld>
             <a:endParaRPr lang="zh-CN" altLang="en-US"/>
           </a:p>
@@ -8257,7 +8428,7 @@
           <a:p>
             <a:fld id="{82F288E0-7875-42C4-84C8-98DBBD3BF4D2}" type="datetimeFigureOut">
               <a:rPr lang="zh-CN" altLang="en-US" smtClean="0"/>
-              <a:t>2020/5/26</a:t>
+              <a:t>2020/5/27</a:t>
             </a:fld>
             <a:endParaRPr lang="zh-CN" altLang="en-US"/>
           </a:p>
@@ -8420,7 +8591,7 @@
           <a:p>
             <a:fld id="{82F288E0-7875-42C4-84C8-98DBBD3BF4D2}" type="datetimeFigureOut">
               <a:rPr lang="zh-CN" altLang="en-US" smtClean="0"/>
-              <a:t>2020/5/26</a:t>
+              <a:t>2020/5/27</a:t>
             </a:fld>
             <a:endParaRPr lang="zh-CN" altLang="en-US"/>
           </a:p>
@@ -8660,7 +8831,7 @@
           <a:p>
             <a:fld id="{82F288E0-7875-42C4-84C8-98DBBD3BF4D2}" type="datetimeFigureOut">
               <a:rPr lang="zh-CN" altLang="en-US" smtClean="0"/>
-              <a:t>2020/5/26</a:t>
+              <a:t>2020/5/27</a:t>
             </a:fld>
             <a:endParaRPr lang="zh-CN" altLang="en-US"/>
           </a:p>
@@ -8884,7 +9055,7 @@
           <a:p>
             <a:fld id="{82F288E0-7875-42C4-84C8-98DBBD3BF4D2}" type="datetimeFigureOut">
               <a:rPr lang="zh-CN" altLang="en-US" smtClean="0"/>
-              <a:t>2020/5/26</a:t>
+              <a:t>2020/5/27</a:t>
             </a:fld>
             <a:endParaRPr lang="zh-CN" altLang="en-US"/>
           </a:p>
@@ -9243,7 +9414,7 @@
           <a:p>
             <a:fld id="{82F288E0-7875-42C4-84C8-98DBBD3BF4D2}" type="datetimeFigureOut">
               <a:rPr lang="zh-CN" altLang="en-US" smtClean="0"/>
-              <a:t>2020/5/26</a:t>
+              <a:t>2020/5/27</a:t>
             </a:fld>
             <a:endParaRPr lang="zh-CN" altLang="en-US"/>
           </a:p>
@@ -9355,7 +9526,7 @@
           <a:p>
             <a:fld id="{82F288E0-7875-42C4-84C8-98DBBD3BF4D2}" type="datetimeFigureOut">
               <a:rPr lang="zh-CN" altLang="en-US" smtClean="0"/>
-              <a:t>2020/5/26</a:t>
+              <a:t>2020/5/27</a:t>
             </a:fld>
             <a:endParaRPr lang="zh-CN" altLang="en-US"/>
           </a:p>
@@ -9445,7 +9616,7 @@
           <a:p>
             <a:fld id="{82F288E0-7875-42C4-84C8-98DBBD3BF4D2}" type="datetimeFigureOut">
               <a:rPr lang="zh-CN" altLang="en-US" smtClean="0"/>
-              <a:t>2020/5/26</a:t>
+              <a:t>2020/5/27</a:t>
             </a:fld>
             <a:endParaRPr lang="zh-CN" altLang="en-US"/>
           </a:p>
@@ -9692,7 +9863,7 @@
           <a:p>
             <a:fld id="{82F288E0-7875-42C4-84C8-98DBBD3BF4D2}" type="datetimeFigureOut">
               <a:rPr lang="zh-CN" altLang="en-US" smtClean="0"/>
-              <a:t>2020/5/26</a:t>
+              <a:t>2020/5/27</a:t>
             </a:fld>
             <a:endParaRPr lang="zh-CN" altLang="en-US"/>
           </a:p>
@@ -9865,7 +10036,7 @@
           <a:p>
             <a:fld id="{82F288E0-7875-42C4-84C8-98DBBD3BF4D2}" type="datetimeFigureOut">
               <a:rPr lang="zh-CN" altLang="en-US" smtClean="0"/>
-              <a:t>2020/5/26</a:t>
+              <a:t>2020/5/27</a:t>
             </a:fld>
             <a:endParaRPr lang="zh-CN" altLang="en-US"/>
           </a:p>
@@ -10071,7 +10242,7 @@
           <a:p>
             <a:fld id="{82F288E0-7875-42C4-84C8-98DBBD3BF4D2}" type="datetimeFigureOut">
               <a:rPr lang="zh-CN" altLang="en-US" smtClean="0"/>
-              <a:t>2020/5/26</a:t>
+              <a:t>2020/5/27</a:t>
             </a:fld>
             <a:endParaRPr lang="zh-CN" altLang="en-US"/>
           </a:p>
@@ -11071,537 +11242,6 @@
         <p:spPr>
           <a:xfrm>
             <a:off x="1427480" y="158115"/>
-            <a:ext cx="3057247" cy="461665"/>
-          </a:xfrm>
-          <a:prstGeom prst="rect">
-            <a:avLst/>
-          </a:prstGeom>
-          <a:noFill/>
-        </p:spPr>
-        <p:txBody>
-          <a:bodyPr wrap="none" rtlCol="0">
-            <a:spAutoFit/>
-          </a:bodyPr>
-          <a:lstStyle/>
-          <a:p>
-            <a:r>
-              <a:rPr lang="zh-TW" altLang="en-US" sz="2400" b="1" dirty="0">
-                <a:solidFill>
-                  <a:srgbClr val="DE7F7E"/>
-                </a:solidFill>
-                <a:cs typeface="+mn-ea"/>
-                <a:sym typeface="+mn-lt"/>
-              </a:rPr>
-              <a:t>專案需求描述</a:t>
-            </a:r>
-            <a:r>
-              <a:rPr lang="en-US" altLang="zh-TW" sz="2400" b="1" dirty="0">
-                <a:solidFill>
-                  <a:srgbClr val="DE7F7E"/>
-                </a:solidFill>
-                <a:cs typeface="+mn-ea"/>
-                <a:sym typeface="+mn-lt"/>
-              </a:rPr>
-              <a:t>-</a:t>
-            </a:r>
-            <a:r>
-              <a:rPr lang="zh-TW" altLang="en-US" b="1" dirty="0">
-                <a:solidFill>
-                  <a:srgbClr val="DE7F7E"/>
-                </a:solidFill>
-                <a:cs typeface="+mn-ea"/>
-                <a:sym typeface="+mn-lt"/>
-              </a:rPr>
-              <a:t>限制需求</a:t>
-            </a:r>
-            <a:endParaRPr lang="zh-CN" altLang="en-US" b="1" dirty="0">
-              <a:solidFill>
-                <a:srgbClr val="DE7F7E"/>
-              </a:solidFill>
-              <a:cs typeface="+mn-ea"/>
-              <a:sym typeface="+mn-lt"/>
-            </a:endParaRPr>
-          </a:p>
-        </p:txBody>
-      </p:sp>
-      <p:sp>
-        <p:nvSpPr>
-          <p:cNvPr id="7" name="文本框 51"/>
-          <p:cNvSpPr txBox="1"/>
-          <p:nvPr/>
-        </p:nvSpPr>
-        <p:spPr>
-          <a:xfrm>
-            <a:off x="1427480" y="2295702"/>
-            <a:ext cx="6704509" cy="3695179"/>
-          </a:xfrm>
-          <a:prstGeom prst="rect">
-            <a:avLst/>
-          </a:prstGeom>
-          <a:noFill/>
-        </p:spPr>
-        <p:txBody>
-          <a:bodyPr wrap="square" rtlCol="0">
-            <a:spAutoFit/>
-          </a:bodyPr>
-          <a:lstStyle/>
-          <a:p>
-            <a:pPr marL="457200" indent="-457200">
-              <a:lnSpc>
-                <a:spcPct val="150000"/>
-              </a:lnSpc>
-              <a:buFont typeface="Arial" panose="020B0604020202020204" pitchFamily="34" charset="0"/>
-              <a:buChar char="•"/>
-            </a:pPr>
-            <a:r>
-              <a:rPr lang="zh-TW" altLang="en-US" sz="3200" dirty="0">
-                <a:solidFill>
-                  <a:schemeClr val="tx1">
-                    <a:lumMod val="75000"/>
-                    <a:lumOff val="25000"/>
-                  </a:schemeClr>
-                </a:solidFill>
-                <a:latin typeface="微軟正黑體" panose="020B0604030504040204" pitchFamily="34" charset="-120"/>
-                <a:ea typeface="微軟正黑體" panose="020B0604030504040204" pitchFamily="34" charset="-120"/>
-                <a:cs typeface="+mn-ea"/>
-                <a:sym typeface="+mn-lt"/>
-              </a:rPr>
-              <a:t>嵌入式平台</a:t>
-            </a:r>
-            <a:r>
-              <a:rPr lang="en-US" altLang="zh-TW" sz="3200" dirty="0">
-                <a:solidFill>
-                  <a:schemeClr val="tx1">
-                    <a:lumMod val="75000"/>
-                    <a:lumOff val="25000"/>
-                  </a:schemeClr>
-                </a:solidFill>
-                <a:latin typeface="微軟正黑體" panose="020B0604030504040204" pitchFamily="34" charset="-120"/>
-                <a:ea typeface="微軟正黑體" panose="020B0604030504040204" pitchFamily="34" charset="-120"/>
-                <a:cs typeface="+mn-ea"/>
-                <a:sym typeface="+mn-lt"/>
-              </a:rPr>
-              <a:t>:</a:t>
-            </a:r>
-            <a:r>
-              <a:rPr lang="zh-TW" altLang="en-US" sz="3200" dirty="0">
-                <a:solidFill>
-                  <a:schemeClr val="tx1">
-                    <a:lumMod val="75000"/>
-                    <a:lumOff val="25000"/>
-                  </a:schemeClr>
-                </a:solidFill>
-                <a:latin typeface="微軟正黑體" panose="020B0604030504040204" pitchFamily="34" charset="-120"/>
-                <a:ea typeface="微軟正黑體" panose="020B0604030504040204" pitchFamily="34" charset="-120"/>
-                <a:cs typeface="+mn-ea"/>
-                <a:sym typeface="+mn-lt"/>
-              </a:rPr>
-              <a:t> 樹莓派 * </a:t>
-            </a:r>
-            <a:r>
-              <a:rPr lang="en-US" altLang="zh-TW" sz="3200" dirty="0">
-                <a:solidFill>
-                  <a:schemeClr val="tx1">
-                    <a:lumMod val="75000"/>
-                    <a:lumOff val="25000"/>
-                  </a:schemeClr>
-                </a:solidFill>
-                <a:latin typeface="微軟正黑體" panose="020B0604030504040204" pitchFamily="34" charset="-120"/>
-                <a:ea typeface="微軟正黑體" panose="020B0604030504040204" pitchFamily="34" charset="-120"/>
-                <a:cs typeface="+mn-ea"/>
-                <a:sym typeface="+mn-lt"/>
-              </a:rPr>
-              <a:t>2</a:t>
-            </a:r>
-          </a:p>
-          <a:p>
-            <a:pPr marL="457200" indent="-457200">
-              <a:lnSpc>
-                <a:spcPct val="150000"/>
-              </a:lnSpc>
-              <a:buFont typeface="Arial" panose="020B0604020202020204" pitchFamily="34" charset="0"/>
-              <a:buChar char="•"/>
-            </a:pPr>
-            <a:r>
-              <a:rPr lang="zh-TW" altLang="en-US" sz="3200" dirty="0">
-                <a:solidFill>
-                  <a:schemeClr val="tx1">
-                    <a:lumMod val="75000"/>
-                    <a:lumOff val="25000"/>
-                  </a:schemeClr>
-                </a:solidFill>
-                <a:latin typeface="微軟正黑體" panose="020B0604030504040204" pitchFamily="34" charset="-120"/>
-                <a:ea typeface="微軟正黑體" panose="020B0604030504040204" pitchFamily="34" charset="-120"/>
-                <a:cs typeface="+mn-ea"/>
-                <a:sym typeface="+mn-lt"/>
-              </a:rPr>
-              <a:t>作業系統</a:t>
-            </a:r>
-            <a:r>
-              <a:rPr lang="en-US" altLang="zh-TW" sz="3200" dirty="0">
-                <a:solidFill>
-                  <a:schemeClr val="tx1">
-                    <a:lumMod val="75000"/>
-                    <a:lumOff val="25000"/>
-                  </a:schemeClr>
-                </a:solidFill>
-                <a:latin typeface="微軟正黑體" panose="020B0604030504040204" pitchFamily="34" charset="-120"/>
-                <a:ea typeface="微軟正黑體" panose="020B0604030504040204" pitchFamily="34" charset="-120"/>
-                <a:cs typeface="+mn-ea"/>
-                <a:sym typeface="+mn-lt"/>
-              </a:rPr>
-              <a:t>:</a:t>
-            </a:r>
-            <a:r>
-              <a:rPr lang="zh-TW" altLang="en-US" sz="3200" dirty="0">
-                <a:solidFill>
-                  <a:schemeClr val="tx1">
-                    <a:lumMod val="75000"/>
-                    <a:lumOff val="25000"/>
-                  </a:schemeClr>
-                </a:solidFill>
-                <a:latin typeface="微軟正黑體" panose="020B0604030504040204" pitchFamily="34" charset="-120"/>
-                <a:ea typeface="微軟正黑體" panose="020B0604030504040204" pitchFamily="34" charset="-120"/>
-                <a:cs typeface="+mn-ea"/>
-                <a:sym typeface="+mn-lt"/>
-              </a:rPr>
-              <a:t> </a:t>
-            </a:r>
-            <a:r>
-              <a:rPr lang="en-US" altLang="zh-TW" sz="3200" dirty="0">
-                <a:solidFill>
-                  <a:schemeClr val="tx1">
-                    <a:lumMod val="75000"/>
-                    <a:lumOff val="25000"/>
-                  </a:schemeClr>
-                </a:solidFill>
-                <a:latin typeface="微軟正黑體" panose="020B0604030504040204" pitchFamily="34" charset="-120"/>
-                <a:ea typeface="微軟正黑體" panose="020B0604030504040204" pitchFamily="34" charset="-120"/>
-                <a:cs typeface="+mn-ea"/>
-                <a:sym typeface="+mn-lt"/>
-              </a:rPr>
-              <a:t>Ubuntu</a:t>
-            </a:r>
-          </a:p>
-          <a:p>
-            <a:pPr marL="457200" indent="-457200">
-              <a:lnSpc>
-                <a:spcPct val="150000"/>
-              </a:lnSpc>
-              <a:buFont typeface="Arial" panose="020B0604020202020204" pitchFamily="34" charset="0"/>
-              <a:buChar char="•"/>
-            </a:pPr>
-            <a:r>
-              <a:rPr lang="zh-TW" altLang="en-US" sz="3200" dirty="0">
-                <a:solidFill>
-                  <a:schemeClr val="tx1">
-                    <a:lumMod val="75000"/>
-                    <a:lumOff val="25000"/>
-                  </a:schemeClr>
-                </a:solidFill>
-                <a:latin typeface="微軟正黑體" panose="020B0604030504040204" pitchFamily="34" charset="-120"/>
-                <a:ea typeface="微軟正黑體" panose="020B0604030504040204" pitchFamily="34" charset="-120"/>
-                <a:cs typeface="+mn-ea"/>
-                <a:sym typeface="+mn-lt"/>
-              </a:rPr>
-              <a:t>軟體版本</a:t>
-            </a:r>
-            <a:r>
-              <a:rPr lang="en-US" altLang="zh-TW" sz="3200" dirty="0">
-                <a:solidFill>
-                  <a:schemeClr val="tx1">
-                    <a:lumMod val="75000"/>
-                    <a:lumOff val="25000"/>
-                  </a:schemeClr>
-                </a:solidFill>
-                <a:latin typeface="微軟正黑體" panose="020B0604030504040204" pitchFamily="34" charset="-120"/>
-                <a:ea typeface="微軟正黑體" panose="020B0604030504040204" pitchFamily="34" charset="-120"/>
-                <a:cs typeface="+mn-ea"/>
-                <a:sym typeface="+mn-lt"/>
-              </a:rPr>
-              <a:t>:</a:t>
-            </a:r>
-            <a:r>
-              <a:rPr lang="zh-TW" altLang="en-US" sz="3200" dirty="0">
-                <a:solidFill>
-                  <a:schemeClr val="tx1">
-                    <a:lumMod val="75000"/>
-                    <a:lumOff val="25000"/>
-                  </a:schemeClr>
-                </a:solidFill>
-                <a:latin typeface="微軟正黑體" panose="020B0604030504040204" pitchFamily="34" charset="-120"/>
-                <a:ea typeface="微軟正黑體" panose="020B0604030504040204" pitchFamily="34" charset="-120"/>
-                <a:cs typeface="+mn-ea"/>
-                <a:sym typeface="+mn-lt"/>
-              </a:rPr>
-              <a:t> </a:t>
-            </a:r>
-            <a:r>
-              <a:rPr lang="en-US" altLang="zh-TW" sz="3200" dirty="0">
-                <a:solidFill>
-                  <a:schemeClr val="tx1">
-                    <a:lumMod val="75000"/>
-                    <a:lumOff val="25000"/>
-                  </a:schemeClr>
-                </a:solidFill>
-                <a:latin typeface="微軟正黑體" panose="020B0604030504040204" pitchFamily="34" charset="-120"/>
-                <a:ea typeface="微軟正黑體" panose="020B0604030504040204" pitchFamily="34" charset="-120"/>
-                <a:cs typeface="+mn-ea"/>
-                <a:sym typeface="+mn-lt"/>
-              </a:rPr>
-              <a:t>python 3.6</a:t>
-            </a:r>
-          </a:p>
-          <a:p>
-            <a:pPr>
-              <a:lnSpc>
-                <a:spcPct val="150000"/>
-              </a:lnSpc>
-            </a:pPr>
-            <a:r>
-              <a:rPr lang="en-US" altLang="zh-TW" sz="3200" dirty="0">
-                <a:solidFill>
-                  <a:schemeClr val="tx1">
-                    <a:lumMod val="75000"/>
-                    <a:lumOff val="25000"/>
-                  </a:schemeClr>
-                </a:solidFill>
-                <a:latin typeface="微軟正黑體" panose="020B0604030504040204" pitchFamily="34" charset="-120"/>
-                <a:ea typeface="微軟正黑體" panose="020B0604030504040204" pitchFamily="34" charset="-120"/>
-                <a:cs typeface="+mn-ea"/>
-                <a:sym typeface="+mn-lt"/>
-              </a:rPr>
-              <a:t>		    </a:t>
-            </a:r>
-            <a:r>
-              <a:rPr lang="en-US" altLang="zh-TW" sz="3200" dirty="0" err="1">
-                <a:solidFill>
-                  <a:schemeClr val="tx1">
-                    <a:lumMod val="75000"/>
-                    <a:lumOff val="25000"/>
-                  </a:schemeClr>
-                </a:solidFill>
-                <a:latin typeface="微軟正黑體" panose="020B0604030504040204" pitchFamily="34" charset="-120"/>
-                <a:ea typeface="微軟正黑體" panose="020B0604030504040204" pitchFamily="34" charset="-120"/>
-                <a:cs typeface="+mn-ea"/>
-                <a:sym typeface="+mn-lt"/>
-              </a:rPr>
-              <a:t>opencv</a:t>
-            </a:r>
-            <a:r>
-              <a:rPr lang="en-US" altLang="zh-TW" sz="3200" dirty="0">
-                <a:solidFill>
-                  <a:schemeClr val="tx1">
-                    <a:lumMod val="75000"/>
-                    <a:lumOff val="25000"/>
-                  </a:schemeClr>
-                </a:solidFill>
-                <a:latin typeface="微軟正黑體" panose="020B0604030504040204" pitchFamily="34" charset="-120"/>
-                <a:ea typeface="微軟正黑體" panose="020B0604030504040204" pitchFamily="34" charset="-120"/>
-                <a:cs typeface="+mn-ea"/>
-                <a:sym typeface="+mn-lt"/>
-              </a:rPr>
-              <a:t> 3.4.2</a:t>
-            </a:r>
-          </a:p>
-          <a:p>
-            <a:pPr marL="457200" indent="-457200">
-              <a:lnSpc>
-                <a:spcPct val="150000"/>
-              </a:lnSpc>
-              <a:buFont typeface="Arial" panose="020B0604020202020204" pitchFamily="34" charset="0"/>
-              <a:buChar char="•"/>
-            </a:pPr>
-            <a:r>
-              <a:rPr lang="zh-TW" altLang="en-US" sz="3200" dirty="0">
-                <a:solidFill>
-                  <a:schemeClr val="tx1">
-                    <a:lumMod val="75000"/>
-                    <a:lumOff val="25000"/>
-                  </a:schemeClr>
-                </a:solidFill>
-                <a:latin typeface="微軟正黑體" panose="020B0604030504040204" pitchFamily="34" charset="-120"/>
-                <a:ea typeface="微軟正黑體" panose="020B0604030504040204" pitchFamily="34" charset="-120"/>
-                <a:cs typeface="+mn-ea"/>
-                <a:sym typeface="+mn-lt"/>
-              </a:rPr>
-              <a:t>擴充元件</a:t>
-            </a:r>
-            <a:r>
-              <a:rPr lang="en-US" altLang="zh-TW" sz="3200" dirty="0">
-                <a:solidFill>
-                  <a:schemeClr val="tx1">
-                    <a:lumMod val="75000"/>
-                    <a:lumOff val="25000"/>
-                  </a:schemeClr>
-                </a:solidFill>
-                <a:latin typeface="微軟正黑體" panose="020B0604030504040204" pitchFamily="34" charset="-120"/>
-                <a:ea typeface="微軟正黑體" panose="020B0604030504040204" pitchFamily="34" charset="-120"/>
-                <a:cs typeface="+mn-ea"/>
-                <a:sym typeface="+mn-lt"/>
-              </a:rPr>
-              <a:t>:</a:t>
-            </a:r>
-            <a:r>
-              <a:rPr lang="zh-TW" altLang="en-US" sz="3200" dirty="0">
-                <a:solidFill>
-                  <a:schemeClr val="tx1">
-                    <a:lumMod val="75000"/>
-                    <a:lumOff val="25000"/>
-                  </a:schemeClr>
-                </a:solidFill>
-                <a:latin typeface="微軟正黑體" panose="020B0604030504040204" pitchFamily="34" charset="-120"/>
-                <a:ea typeface="微軟正黑體" panose="020B0604030504040204" pitchFamily="34" charset="-120"/>
-                <a:cs typeface="+mn-ea"/>
-                <a:sym typeface="+mn-lt"/>
-              </a:rPr>
-              <a:t> </a:t>
-            </a:r>
-            <a:r>
-              <a:rPr lang="en-US" altLang="zh-TW" sz="3200" dirty="0">
-                <a:solidFill>
-                  <a:schemeClr val="tx1">
-                    <a:lumMod val="75000"/>
-                    <a:lumOff val="25000"/>
-                  </a:schemeClr>
-                </a:solidFill>
-                <a:latin typeface="微軟正黑體" panose="020B0604030504040204" pitchFamily="34" charset="-120"/>
-                <a:ea typeface="微軟正黑體" panose="020B0604030504040204" pitchFamily="34" charset="-120"/>
-                <a:cs typeface="+mn-ea"/>
-                <a:sym typeface="+mn-lt"/>
-              </a:rPr>
-              <a:t>USB</a:t>
-            </a:r>
-            <a:r>
-              <a:rPr lang="zh-TW" altLang="en-US" sz="3200" dirty="0">
-                <a:solidFill>
-                  <a:schemeClr val="tx1">
-                    <a:lumMod val="75000"/>
-                    <a:lumOff val="25000"/>
-                  </a:schemeClr>
-                </a:solidFill>
-                <a:latin typeface="微軟正黑體" panose="020B0604030504040204" pitchFamily="34" charset="-120"/>
-                <a:ea typeface="微軟正黑體" panose="020B0604030504040204" pitchFamily="34" charset="-120"/>
-                <a:cs typeface="+mn-ea"/>
-                <a:sym typeface="+mn-lt"/>
-              </a:rPr>
-              <a:t>鏡頭</a:t>
-            </a:r>
-            <a:endParaRPr lang="en-US" altLang="zh-TW" sz="3200" dirty="0">
-              <a:solidFill>
-                <a:schemeClr val="tx1">
-                  <a:lumMod val="75000"/>
-                  <a:lumOff val="25000"/>
-                </a:schemeClr>
-              </a:solidFill>
-              <a:latin typeface="微軟正黑體" panose="020B0604030504040204" pitchFamily="34" charset="-120"/>
-              <a:ea typeface="微軟正黑體" panose="020B0604030504040204" pitchFamily="34" charset="-120"/>
-              <a:cs typeface="+mn-ea"/>
-              <a:sym typeface="+mn-lt"/>
-            </a:endParaRPr>
-          </a:p>
-        </p:txBody>
-      </p:sp>
-    </p:spTree>
-    <p:extLst>
-      <p:ext uri="{BB962C8B-B14F-4D97-AF65-F5344CB8AC3E}">
-        <p14:creationId xmlns:p14="http://schemas.microsoft.com/office/powerpoint/2010/main" val="1650368052"/>
-      </p:ext>
-    </p:extLst>
-  </p:cSld>
-  <p:clrMapOvr>
-    <a:masterClrMapping/>
-  </p:clrMapOvr>
-  <mc:AlternateContent xmlns:mc="http://schemas.openxmlformats.org/markup-compatibility/2006" xmlns:p14="http://schemas.microsoft.com/office/powerpoint/2010/main">
-    <mc:Choice Requires="p14">
-      <p:transition spd="slow" p14:dur="1300">
-        <p14:pan dir="u"/>
-      </p:transition>
-    </mc:Choice>
-    <mc:Fallback xmlns="">
-      <p:transition spd="slow">
-        <p:fade/>
-      </p:transition>
-    </mc:Fallback>
-  </mc:AlternateContent>
-</p:sld>
-</file>
-
-<file path=ppt/slides/slide11.xml><?xml version="1.0" encoding="utf-8"?>
-<p:sld xmlns:a="http://schemas.openxmlformats.org/drawingml/2006/main" xmlns:r="http://schemas.openxmlformats.org/officeDocument/2006/relationships" xmlns:p="http://schemas.openxmlformats.org/presentationml/2006/main">
-  <p:cSld>
-    <p:spTree>
-      <p:nvGrpSpPr>
-        <p:cNvPr id="1" name=""/>
-        <p:cNvGrpSpPr/>
-        <p:nvPr/>
-      </p:nvGrpSpPr>
-      <p:grpSpPr>
-        <a:xfrm>
-          <a:off x="0" y="0"/>
-          <a:ext cx="0" cy="0"/>
-          <a:chOff x="0" y="0"/>
-          <a:chExt cx="0" cy="0"/>
-        </a:xfrm>
-      </p:grpSpPr>
-      <p:pic>
-        <p:nvPicPr>
-          <p:cNvPr id="2" name="图片 1" descr="未标题-178"/>
-          <p:cNvPicPr>
-            <a:picLocks noChangeAspect="1"/>
-          </p:cNvPicPr>
-          <p:nvPr/>
-        </p:nvPicPr>
-        <p:blipFill>
-          <a:blip r:embed="rId2"/>
-          <a:srcRect t="3317" r="10893"/>
-          <a:stretch>
-            <a:fillRect/>
-          </a:stretch>
-        </p:blipFill>
-        <p:spPr>
-          <a:xfrm flipV="1">
-            <a:off x="10171430" y="5469890"/>
-            <a:ext cx="2020570" cy="1388110"/>
-          </a:xfrm>
-          <a:prstGeom prst="rect">
-            <a:avLst/>
-          </a:prstGeom>
-        </p:spPr>
-      </p:pic>
-      <p:pic>
-        <p:nvPicPr>
-          <p:cNvPr id="3" name="图片 2" descr="未标题-145"/>
-          <p:cNvPicPr>
-            <a:picLocks noChangeAspect="1"/>
-          </p:cNvPicPr>
-          <p:nvPr/>
-        </p:nvPicPr>
-        <p:blipFill>
-          <a:blip r:embed="rId3"/>
-          <a:stretch>
-            <a:fillRect/>
-          </a:stretch>
-        </p:blipFill>
-        <p:spPr>
-          <a:xfrm flipH="1" flipV="1">
-            <a:off x="0" y="0"/>
-            <a:ext cx="1360170" cy="775970"/>
-          </a:xfrm>
-          <a:prstGeom prst="rect">
-            <a:avLst/>
-          </a:prstGeom>
-        </p:spPr>
-      </p:pic>
-      <p:sp>
-        <p:nvSpPr>
-          <p:cNvPr id="6" name="文本框 5"/>
-          <p:cNvSpPr txBox="1"/>
-          <p:nvPr/>
-        </p:nvSpPr>
-        <p:spPr>
-          <a:xfrm>
-            <a:off x="1427480" y="158115"/>
             <a:ext cx="2762295" cy="461665"/>
           </a:xfrm>
           <a:prstGeom prst="rect">
@@ -11668,14 +11308,14 @@
           <p:nvPr>
             <p:extLst>
               <p:ext uri="{D42A27DB-BD31-4B8C-83A1-F6EECF244321}">
-                <p14:modId xmlns:p14="http://schemas.microsoft.com/office/powerpoint/2010/main" val="3177061422"/>
+                <p14:modId xmlns:p14="http://schemas.microsoft.com/office/powerpoint/2010/main" val="186378955"/>
               </p:ext>
             </p:extLst>
           </p:nvPr>
         </p:nvGraphicFramePr>
         <p:xfrm>
-          <a:off x="2032000" y="1040509"/>
-          <a:ext cx="8128000" cy="5418667"/>
+          <a:off x="1186249" y="897923"/>
+          <a:ext cx="9500973" cy="5511825"/>
         </p:xfrm>
         <a:graphic>
           <a:graphicData uri="http://schemas.openxmlformats.org/drawingml/2006/diagram">
@@ -13203,7 +12843,7 @@
         </p:nvSpPr>
         <p:spPr>
           <a:xfrm>
-            <a:off x="1427480" y="1900521"/>
+            <a:off x="1427480" y="2534834"/>
             <a:ext cx="986589" cy="986589"/>
           </a:xfrm>
           <a:prstGeom prst="ellipse">
@@ -13259,7 +12899,7 @@
         </p:nvSpPr>
         <p:spPr>
           <a:xfrm>
-            <a:off x="2513631" y="2097995"/>
+            <a:off x="2513631" y="2732308"/>
             <a:ext cx="5147558" cy="584775"/>
           </a:xfrm>
           <a:prstGeom prst="rect">
@@ -13313,7 +12953,7 @@
         </p:nvSpPr>
         <p:spPr>
           <a:xfrm>
-            <a:off x="1427480" y="3191911"/>
+            <a:off x="1427480" y="3826224"/>
             <a:ext cx="986589" cy="986589"/>
           </a:xfrm>
           <a:prstGeom prst="ellipse">
@@ -13375,7 +13015,7 @@
         </p:nvSpPr>
         <p:spPr>
           <a:xfrm>
-            <a:off x="2513631" y="3392817"/>
+            <a:off x="2513631" y="4027130"/>
             <a:ext cx="5147558" cy="584775"/>
           </a:xfrm>
           <a:prstGeom prst="rect">
@@ -13409,148 +13049,6 @@
                   <a:lumOff val="25000"/>
                 </a:schemeClr>
               </a:solidFill>
-              <a:cs typeface="+mn-ea"/>
-              <a:sym typeface="+mn-lt"/>
-            </a:endParaRPr>
-          </a:p>
-        </p:txBody>
-      </p:sp>
-      <p:sp>
-        <p:nvSpPr>
-          <p:cNvPr id="20" name="文本框 51">
-            <a:extLst>
-              <a:ext uri="{FF2B5EF4-FFF2-40B4-BE49-F238E27FC236}">
-                <a16:creationId xmlns:a16="http://schemas.microsoft.com/office/drawing/2014/main" id="{2B945739-D7DA-4615-B4D7-3F6FB180AA8B}"/>
-              </a:ext>
-            </a:extLst>
-          </p:cNvPr>
-          <p:cNvSpPr txBox="1"/>
-          <p:nvPr/>
-        </p:nvSpPr>
-        <p:spPr>
-          <a:xfrm>
-            <a:off x="2513631" y="4684207"/>
-            <a:ext cx="5147558" cy="584775"/>
-          </a:xfrm>
-          <a:prstGeom prst="rect">
-            <a:avLst/>
-          </a:prstGeom>
-          <a:noFill/>
-        </p:spPr>
-        <p:txBody>
-          <a:bodyPr wrap="square" rtlCol="0">
-            <a:spAutoFit/>
-          </a:bodyPr>
-          <a:lstStyle/>
-          <a:p>
-            <a:r>
-              <a:rPr lang="zh-TW" altLang="en-US" sz="3200" dirty="0">
-                <a:solidFill>
-                  <a:schemeClr val="tx1">
-                    <a:lumMod val="75000"/>
-                    <a:lumOff val="25000"/>
-                  </a:schemeClr>
-                </a:solidFill>
-                <a:cs typeface="+mn-ea"/>
-                <a:sym typeface="+mn-lt"/>
-              </a:rPr>
-              <a:t>可在</a:t>
-            </a:r>
-            <a:r>
-              <a:rPr lang="en-US" altLang="zh-TW" sz="3200" dirty="0">
-                <a:solidFill>
-                  <a:schemeClr val="tx1">
-                    <a:lumMod val="75000"/>
-                    <a:lumOff val="25000"/>
-                  </a:schemeClr>
-                </a:solidFill>
-                <a:cs typeface="+mn-ea"/>
-                <a:sym typeface="+mn-lt"/>
-              </a:rPr>
-              <a:t>1</a:t>
-            </a:r>
-            <a:r>
-              <a:rPr lang="zh-TW" altLang="en-US" sz="3200" dirty="0">
-                <a:solidFill>
-                  <a:schemeClr val="tx1">
-                    <a:lumMod val="75000"/>
-                    <a:lumOff val="25000"/>
-                  </a:schemeClr>
-                </a:solidFill>
-                <a:cs typeface="+mn-ea"/>
-                <a:sym typeface="+mn-lt"/>
-              </a:rPr>
-              <a:t>秒內完成辨識</a:t>
-            </a:r>
-            <a:endParaRPr lang="zh-CN" altLang="en-US" sz="3200" dirty="0">
-              <a:solidFill>
-                <a:schemeClr val="tx1">
-                  <a:lumMod val="75000"/>
-                  <a:lumOff val="25000"/>
-                </a:schemeClr>
-              </a:solidFill>
-              <a:cs typeface="+mn-ea"/>
-              <a:sym typeface="+mn-lt"/>
-            </a:endParaRPr>
-          </a:p>
-        </p:txBody>
-      </p:sp>
-      <p:sp>
-        <p:nvSpPr>
-          <p:cNvPr id="22" name="椭圆 15">
-            <a:extLst>
-              <a:ext uri="{FF2B5EF4-FFF2-40B4-BE49-F238E27FC236}">
-                <a16:creationId xmlns:a16="http://schemas.microsoft.com/office/drawing/2014/main" id="{B086BEBE-D401-4640-A0B9-77FDAFD09FC7}"/>
-              </a:ext>
-            </a:extLst>
-          </p:cNvPr>
-          <p:cNvSpPr/>
-          <p:nvPr/>
-        </p:nvSpPr>
-        <p:spPr>
-          <a:xfrm>
-            <a:off x="1427480" y="4483301"/>
-            <a:ext cx="986589" cy="986589"/>
-          </a:xfrm>
-          <a:prstGeom prst="ellipse">
-            <a:avLst/>
-          </a:prstGeom>
-          <a:solidFill>
-            <a:srgbClr val="B18EBC"/>
-          </a:solidFill>
-          <a:ln>
-            <a:noFill/>
-          </a:ln>
-        </p:spPr>
-        <p:style>
-          <a:lnRef idx="2">
-            <a:schemeClr val="accent1">
-              <a:shade val="50000"/>
-            </a:schemeClr>
-          </a:lnRef>
-          <a:fillRef idx="1">
-            <a:schemeClr val="accent1"/>
-          </a:fillRef>
-          <a:effectRef idx="0">
-            <a:schemeClr val="accent1"/>
-          </a:effectRef>
-          <a:fontRef idx="minor">
-            <a:schemeClr val="lt1"/>
-          </a:fontRef>
-        </p:style>
-        <p:txBody>
-          <a:bodyPr rtlCol="0" anchor="ctr"/>
-          <a:lstStyle/>
-          <a:p>
-            <a:pPr algn="ctr"/>
-            <a:r>
-              <a:rPr lang="en-US" altLang="zh-TW" sz="2800" dirty="0">
-                <a:cs typeface="+mn-ea"/>
-                <a:sym typeface="+mn-lt"/>
-              </a:rPr>
-              <a:t>3</a:t>
-            </a:r>
-            <a:endParaRPr lang="zh-CN" altLang="en-US" sz="2800" dirty="0">
               <a:cs typeface="+mn-ea"/>
               <a:sym typeface="+mn-lt"/>
             </a:endParaRPr>
@@ -13728,7 +13226,7 @@
         </p:nvSpPr>
         <p:spPr>
           <a:xfrm>
-            <a:off x="5823284" y="1319139"/>
+            <a:off x="5823284" y="1920501"/>
             <a:ext cx="986589" cy="986589"/>
           </a:xfrm>
           <a:prstGeom prst="ellipse">
@@ -13784,7 +13282,7 @@
         </p:nvSpPr>
         <p:spPr>
           <a:xfrm>
-            <a:off x="6909435" y="1319139"/>
+            <a:off x="6909435" y="1920501"/>
             <a:ext cx="4548557" cy="954107"/>
           </a:xfrm>
           <a:prstGeom prst="rect">
@@ -13850,7 +13348,7 @@
         </p:nvSpPr>
         <p:spPr>
           <a:xfrm>
-            <a:off x="6909436" y="1775343"/>
+            <a:off x="6909436" y="2376705"/>
             <a:ext cx="3494197" cy="380810"/>
           </a:xfrm>
           <a:prstGeom prst="rect">
@@ -13934,7 +13432,7 @@
         </p:nvSpPr>
         <p:spPr>
           <a:xfrm>
-            <a:off x="5823284" y="2610529"/>
+            <a:off x="5823284" y="3211891"/>
             <a:ext cx="986589" cy="986589"/>
           </a:xfrm>
           <a:prstGeom prst="ellipse">
@@ -13998,7 +13496,7 @@
         </p:nvSpPr>
         <p:spPr>
           <a:xfrm>
-            <a:off x="6909436" y="2666676"/>
+            <a:off x="6909436" y="3268038"/>
             <a:ext cx="3910963" cy="461665"/>
           </a:xfrm>
           <a:prstGeom prst="rect">
@@ -14039,7 +13537,7 @@
         </p:nvSpPr>
         <p:spPr>
           <a:xfrm>
-            <a:off x="6909437" y="3103823"/>
+            <a:off x="6909437" y="3705185"/>
             <a:ext cx="3614184" cy="624786"/>
           </a:xfrm>
           <a:prstGeom prst="rect">
@@ -14072,202 +13570,6 @@
               <a:solidFill>
                 <a:srgbClr val="D0CECE"/>
               </a:solidFill>
-              <a:cs typeface="+mn-ea"/>
-              <a:sym typeface="+mn-lt"/>
-            </a:endParaRPr>
-          </a:p>
-        </p:txBody>
-      </p:sp>
-      <p:sp>
-        <p:nvSpPr>
-          <p:cNvPr id="12" name="文本框 51">
-            <a:extLst>
-              <a:ext uri="{FF2B5EF4-FFF2-40B4-BE49-F238E27FC236}">
-                <a16:creationId xmlns:a16="http://schemas.microsoft.com/office/drawing/2014/main" id="{28DCFE11-15A7-4A81-88DA-BB8E82BB41B6}"/>
-              </a:ext>
-            </a:extLst>
-          </p:cNvPr>
-          <p:cNvSpPr txBox="1"/>
-          <p:nvPr/>
-        </p:nvSpPr>
-        <p:spPr>
-          <a:xfrm>
-            <a:off x="6909436" y="3958067"/>
-            <a:ext cx="3910963" cy="461665"/>
-          </a:xfrm>
-          <a:prstGeom prst="rect">
-            <a:avLst/>
-          </a:prstGeom>
-          <a:noFill/>
-        </p:spPr>
-        <p:txBody>
-          <a:bodyPr wrap="square" rtlCol="0">
-            <a:spAutoFit/>
-          </a:bodyPr>
-          <a:lstStyle/>
-          <a:p>
-            <a:r>
-              <a:rPr lang="zh-TW" altLang="en-US" sz="2400" dirty="0">
-                <a:solidFill>
-                  <a:srgbClr val="D0CECE"/>
-                </a:solidFill>
-                <a:cs typeface="+mn-ea"/>
-                <a:sym typeface="+mn-lt"/>
-              </a:rPr>
-              <a:t>可在</a:t>
-            </a:r>
-            <a:r>
-              <a:rPr lang="en-US" altLang="zh-TW" sz="2400" dirty="0">
-                <a:solidFill>
-                  <a:srgbClr val="D0CECE"/>
-                </a:solidFill>
-                <a:cs typeface="+mn-ea"/>
-                <a:sym typeface="+mn-lt"/>
-              </a:rPr>
-              <a:t>1</a:t>
-            </a:r>
-            <a:r>
-              <a:rPr lang="zh-TW" altLang="en-US" sz="2400" dirty="0">
-                <a:solidFill>
-                  <a:srgbClr val="D0CECE"/>
-                </a:solidFill>
-                <a:cs typeface="+mn-ea"/>
-                <a:sym typeface="+mn-lt"/>
-              </a:rPr>
-              <a:t>秒內完成辨識</a:t>
-            </a:r>
-          </a:p>
-        </p:txBody>
-      </p:sp>
-      <p:sp>
-        <p:nvSpPr>
-          <p:cNvPr id="14" name="文本框 48">
-            <a:extLst>
-              <a:ext uri="{FF2B5EF4-FFF2-40B4-BE49-F238E27FC236}">
-                <a16:creationId xmlns:a16="http://schemas.microsoft.com/office/drawing/2014/main" id="{2802AA55-B0B4-424F-B2E3-F3DF4D61C7A2}"/>
-              </a:ext>
-            </a:extLst>
-          </p:cNvPr>
-          <p:cNvSpPr txBox="1"/>
-          <p:nvPr/>
-        </p:nvSpPr>
-        <p:spPr>
-          <a:xfrm>
-            <a:off x="6909437" y="4395214"/>
-            <a:ext cx="3614184" cy="624786"/>
-          </a:xfrm>
-          <a:prstGeom prst="rect">
-            <a:avLst/>
-          </a:prstGeom>
-          <a:noFill/>
-        </p:spPr>
-        <p:txBody>
-          <a:bodyPr wrap="square" rtlCol="0">
-            <a:spAutoFit/>
-          </a:bodyPr>
-          <a:lstStyle/>
-          <a:p>
-            <a:pPr>
-              <a:lnSpc>
-                <a:spcPct val="130000"/>
-              </a:lnSpc>
-            </a:pPr>
-            <a:r>
-              <a:rPr lang="zh-TW" altLang="en-US" sz="1400" dirty="0">
-                <a:solidFill>
-                  <a:srgbClr val="D0CECE"/>
-                </a:solidFill>
-                <a:cs typeface="+mn-ea"/>
-                <a:sym typeface="+mn-lt"/>
-              </a:rPr>
-              <a:t>利用</a:t>
-            </a:r>
-            <a:r>
-              <a:rPr lang="en-US" altLang="zh-TW" sz="1400" dirty="0">
-                <a:solidFill>
-                  <a:srgbClr val="D0CECE"/>
-                </a:solidFill>
-                <a:cs typeface="+mn-ea"/>
-                <a:sym typeface="+mn-lt"/>
-              </a:rPr>
-              <a:t>2</a:t>
-            </a:r>
-            <a:r>
-              <a:rPr lang="zh-TW" altLang="en-US" sz="1400" dirty="0">
-                <a:solidFill>
-                  <a:srgbClr val="D0CECE"/>
-                </a:solidFill>
-                <a:cs typeface="+mn-ea"/>
-                <a:sym typeface="+mn-lt"/>
-              </a:rPr>
-              <a:t>塊樹莓派分散式處理，並每秒更新辨識結果</a:t>
-            </a:r>
-            <a:endParaRPr lang="zh-CN" sz="1400" dirty="0">
-              <a:solidFill>
-                <a:srgbClr val="D0CECE"/>
-              </a:solidFill>
-              <a:cs typeface="+mn-ea"/>
-              <a:sym typeface="+mn-lt"/>
-            </a:endParaRPr>
-          </a:p>
-        </p:txBody>
-      </p:sp>
-      <p:sp>
-        <p:nvSpPr>
-          <p:cNvPr id="15" name="椭圆 15">
-            <a:extLst>
-              <a:ext uri="{FF2B5EF4-FFF2-40B4-BE49-F238E27FC236}">
-                <a16:creationId xmlns:a16="http://schemas.microsoft.com/office/drawing/2014/main" id="{B7D9BE0C-EB92-40E5-87B7-C740B947E354}"/>
-              </a:ext>
-            </a:extLst>
-          </p:cNvPr>
-          <p:cNvSpPr/>
-          <p:nvPr/>
-        </p:nvSpPr>
-        <p:spPr>
-          <a:xfrm>
-            <a:off x="5823284" y="3901919"/>
-            <a:ext cx="986589" cy="986589"/>
-          </a:xfrm>
-          <a:prstGeom prst="ellipse">
-            <a:avLst/>
-          </a:prstGeom>
-          <a:solidFill>
-            <a:srgbClr val="D0CECE"/>
-          </a:solidFill>
-          <a:ln>
-            <a:noFill/>
-          </a:ln>
-        </p:spPr>
-        <p:style>
-          <a:lnRef idx="2">
-            <a:schemeClr val="accent1">
-              <a:shade val="50000"/>
-            </a:schemeClr>
-          </a:lnRef>
-          <a:fillRef idx="1">
-            <a:schemeClr val="accent1"/>
-          </a:fillRef>
-          <a:effectRef idx="0">
-            <a:schemeClr val="accent1"/>
-          </a:effectRef>
-          <a:fontRef idx="minor">
-            <a:schemeClr val="lt1"/>
-          </a:fontRef>
-        </p:style>
-        <p:txBody>
-          <a:bodyPr rtlCol="0" anchor="ctr"/>
-          <a:lstStyle/>
-          <a:p>
-            <a:pPr algn="ctr"/>
-            <a:r>
-              <a:rPr lang="en-US" altLang="zh-TW" sz="2800" dirty="0">
-                <a:cs typeface="+mn-ea"/>
-                <a:sym typeface="+mn-lt"/>
-              </a:rPr>
-              <a:t>3</a:t>
-            </a:r>
-            <a:endParaRPr lang="zh-CN" altLang="en-US" sz="2800" dirty="0">
               <a:cs typeface="+mn-ea"/>
               <a:sym typeface="+mn-lt"/>
             </a:endParaRPr>
@@ -14505,7 +13807,7 @@
         </p:nvSpPr>
         <p:spPr>
           <a:xfrm>
-            <a:off x="5823284" y="1319139"/>
+            <a:off x="5823284" y="1920501"/>
             <a:ext cx="986589" cy="986589"/>
           </a:xfrm>
           <a:prstGeom prst="ellipse">
@@ -14561,7 +13863,7 @@
         </p:nvSpPr>
         <p:spPr>
           <a:xfrm>
-            <a:off x="6909435" y="1319139"/>
+            <a:off x="6909435" y="1920501"/>
             <a:ext cx="4548557" cy="954107"/>
           </a:xfrm>
           <a:prstGeom prst="rect">
@@ -14578,7 +13880,9 @@
             <a:r>
               <a:rPr lang="zh-TW" altLang="en-US" sz="2800" dirty="0">
                 <a:solidFill>
-                  <a:srgbClr val="D0CECE"/>
+                  <a:schemeClr val="bg1">
+                    <a:lumMod val="75000"/>
+                  </a:schemeClr>
                 </a:solidFill>
                 <a:cs typeface="+mn-ea"/>
                 <a:sym typeface="+mn-lt"/>
@@ -14587,7 +13891,9 @@
             </a:r>
             <a:endParaRPr lang="zh-CN" altLang="en-US" sz="2800" dirty="0">
               <a:solidFill>
-                <a:srgbClr val="D0CECE"/>
+                <a:schemeClr val="bg1">
+                  <a:lumMod val="75000"/>
+                </a:schemeClr>
               </a:solidFill>
               <a:cs typeface="+mn-ea"/>
               <a:sym typeface="+mn-lt"/>
@@ -14596,7 +13902,9 @@
           <a:p>
             <a:endParaRPr lang="zh-CN" altLang="en-US" sz="2800" dirty="0">
               <a:solidFill>
-                <a:srgbClr val="D0CECE"/>
+                <a:schemeClr val="bg1">
+                  <a:lumMod val="75000"/>
+                </a:schemeClr>
               </a:solidFill>
               <a:cs typeface="+mn-ea"/>
               <a:sym typeface="+mn-lt"/>
@@ -14618,7 +13926,7 @@
         </p:nvSpPr>
         <p:spPr>
           <a:xfrm>
-            <a:off x="6909436" y="1775343"/>
+            <a:off x="6909436" y="2376705"/>
             <a:ext cx="3494197" cy="380810"/>
           </a:xfrm>
           <a:prstGeom prst="rect">
@@ -14640,7 +13948,9 @@
             <a:r>
               <a:rPr lang="zh-TW" altLang="en-US" sz="1600" dirty="0">
                 <a:solidFill>
-                  <a:srgbClr val="D0CECE"/>
+                  <a:schemeClr val="bg1">
+                    <a:lumMod val="75000"/>
+                  </a:schemeClr>
                 </a:solidFill>
                 <a:cs typeface="+mn-ea"/>
                 <a:sym typeface="+mn-lt"/>
@@ -14650,7 +13960,9 @@
             <a:r>
               <a:rPr lang="en-US" altLang="zh-TW" sz="1600" dirty="0">
                 <a:solidFill>
-                  <a:srgbClr val="D0CECE"/>
+                  <a:schemeClr val="bg1">
+                    <a:lumMod val="75000"/>
+                  </a:schemeClr>
                 </a:solidFill>
                 <a:cs typeface="+mn-ea"/>
                 <a:sym typeface="+mn-lt"/>
@@ -14660,7 +13972,9 @@
             <a:r>
               <a:rPr lang="zh-TW" altLang="en-US" sz="1600" dirty="0">
                 <a:solidFill>
-                  <a:srgbClr val="D0CECE"/>
+                  <a:schemeClr val="bg1">
+                    <a:lumMod val="75000"/>
+                  </a:schemeClr>
                 </a:solidFill>
                 <a:cs typeface="+mn-ea"/>
                 <a:sym typeface="+mn-lt"/>
@@ -14669,109 +13983,8 @@
             </a:r>
             <a:endParaRPr lang="zh-CN" sz="1600" dirty="0">
               <a:solidFill>
-                <a:srgbClr val="D0CECE"/>
-              </a:solidFill>
-              <a:cs typeface="+mn-ea"/>
-              <a:sym typeface="+mn-lt"/>
-            </a:endParaRPr>
-          </a:p>
-        </p:txBody>
-      </p:sp>
-      <p:sp>
-        <p:nvSpPr>
-          <p:cNvPr id="10" name="文本框 51">
-            <a:extLst>
-              <a:ext uri="{FF2B5EF4-FFF2-40B4-BE49-F238E27FC236}">
-                <a16:creationId xmlns:a16="http://schemas.microsoft.com/office/drawing/2014/main" id="{9EFB75D6-2FF6-410D-AA7C-83EDEC6BB5E1}"/>
-              </a:ext>
-            </a:extLst>
-          </p:cNvPr>
-          <p:cNvSpPr txBox="1"/>
-          <p:nvPr/>
-        </p:nvSpPr>
-        <p:spPr>
-          <a:xfrm>
-            <a:off x="6909436" y="2666676"/>
-            <a:ext cx="3910963" cy="461665"/>
-          </a:xfrm>
-          <a:prstGeom prst="rect">
-            <a:avLst/>
-          </a:prstGeom>
-          <a:noFill/>
-        </p:spPr>
-        <p:txBody>
-          <a:bodyPr wrap="square" rtlCol="0">
-            <a:spAutoFit/>
-          </a:bodyPr>
-          <a:lstStyle/>
-          <a:p>
-            <a:r>
-              <a:rPr lang="zh-TW" altLang="en-US" sz="2400" dirty="0">
-                <a:solidFill>
-                  <a:schemeClr val="tx1">
-                    <a:lumMod val="75000"/>
-                    <a:lumOff val="25000"/>
-                  </a:schemeClr>
-                </a:solidFill>
-                <a:cs typeface="+mn-ea"/>
-                <a:sym typeface="+mn-lt"/>
-              </a:rPr>
-              <a:t>能正確辨識已建檔的人物</a:t>
-            </a:r>
-          </a:p>
-        </p:txBody>
-      </p:sp>
-      <p:sp>
-        <p:nvSpPr>
-          <p:cNvPr id="11" name="文本框 48">
-            <a:extLst>
-              <a:ext uri="{FF2B5EF4-FFF2-40B4-BE49-F238E27FC236}">
-                <a16:creationId xmlns:a16="http://schemas.microsoft.com/office/drawing/2014/main" id="{5207F7D0-F809-4234-A62D-E6FD3BA6C489}"/>
-              </a:ext>
-            </a:extLst>
-          </p:cNvPr>
-          <p:cNvSpPr txBox="1"/>
-          <p:nvPr/>
-        </p:nvSpPr>
-        <p:spPr>
-          <a:xfrm>
-            <a:off x="6909437" y="3103823"/>
-            <a:ext cx="3614184" cy="624786"/>
-          </a:xfrm>
-          <a:prstGeom prst="rect">
-            <a:avLst/>
-          </a:prstGeom>
-          <a:noFill/>
-        </p:spPr>
-        <p:txBody>
-          <a:bodyPr wrap="square" rtlCol="0">
-            <a:spAutoFit/>
-          </a:bodyPr>
-          <a:lstStyle/>
-          <a:p>
-            <a:pPr>
-              <a:lnSpc>
-                <a:spcPct val="130000"/>
-              </a:lnSpc>
-            </a:pPr>
-            <a:r>
-              <a:rPr lang="zh-TW" altLang="en-US" sz="1400" dirty="0">
-                <a:solidFill>
-                  <a:schemeClr val="tx1">
-                    <a:lumMod val="75000"/>
-                    <a:lumOff val="25000"/>
-                  </a:schemeClr>
-                </a:solidFill>
-                <a:cs typeface="+mn-ea"/>
-                <a:sym typeface="+mn-lt"/>
-              </a:rPr>
-              <a:t>若該人物以建檔，可以正確的顯示出該人物的資料</a:t>
-            </a:r>
-            <a:endParaRPr lang="zh-CN" sz="1400" dirty="0">
-              <a:solidFill>
-                <a:schemeClr val="tx1">
+                <a:schemeClr val="bg1">
                   <a:lumMod val="75000"/>
-                  <a:lumOff val="25000"/>
                 </a:schemeClr>
               </a:solidFill>
               <a:cs typeface="+mn-ea"/>
@@ -14782,144 +13995,10 @@
       </p:sp>
       <p:sp>
         <p:nvSpPr>
-          <p:cNvPr id="12" name="文本框 51">
+          <p:cNvPr id="9" name="椭圆 15">
             <a:extLst>
               <a:ext uri="{FF2B5EF4-FFF2-40B4-BE49-F238E27FC236}">
-                <a16:creationId xmlns:a16="http://schemas.microsoft.com/office/drawing/2014/main" id="{28DCFE11-15A7-4A81-88DA-BB8E82BB41B6}"/>
-              </a:ext>
-            </a:extLst>
-          </p:cNvPr>
-          <p:cNvSpPr txBox="1"/>
-          <p:nvPr/>
-        </p:nvSpPr>
-        <p:spPr>
-          <a:xfrm>
-            <a:off x="6909436" y="3958067"/>
-            <a:ext cx="3910963" cy="461665"/>
-          </a:xfrm>
-          <a:prstGeom prst="rect">
-            <a:avLst/>
-          </a:prstGeom>
-          <a:noFill/>
-        </p:spPr>
-        <p:txBody>
-          <a:bodyPr wrap="square" rtlCol="0">
-            <a:spAutoFit/>
-          </a:bodyPr>
-          <a:lstStyle/>
-          <a:p>
-            <a:r>
-              <a:rPr lang="zh-TW" altLang="en-US" sz="2400" dirty="0">
-                <a:solidFill>
-                  <a:srgbClr val="D0CECE"/>
-                </a:solidFill>
-                <a:cs typeface="+mn-ea"/>
-                <a:sym typeface="+mn-lt"/>
-              </a:rPr>
-              <a:t>可在</a:t>
-            </a:r>
-            <a:r>
-              <a:rPr lang="en-US" altLang="zh-TW" sz="2400" dirty="0">
-                <a:solidFill>
-                  <a:srgbClr val="D0CECE"/>
-                </a:solidFill>
-                <a:cs typeface="+mn-ea"/>
-                <a:sym typeface="+mn-lt"/>
-              </a:rPr>
-              <a:t>1</a:t>
-            </a:r>
-            <a:r>
-              <a:rPr lang="zh-TW" altLang="en-US" sz="2400" dirty="0">
-                <a:solidFill>
-                  <a:srgbClr val="D0CECE"/>
-                </a:solidFill>
-                <a:cs typeface="+mn-ea"/>
-                <a:sym typeface="+mn-lt"/>
-              </a:rPr>
-              <a:t>秒內完成辨識</a:t>
-            </a:r>
-          </a:p>
-        </p:txBody>
-      </p:sp>
-      <p:sp>
-        <p:nvSpPr>
-          <p:cNvPr id="14" name="文本框 48">
-            <a:extLst>
-              <a:ext uri="{FF2B5EF4-FFF2-40B4-BE49-F238E27FC236}">
-                <a16:creationId xmlns:a16="http://schemas.microsoft.com/office/drawing/2014/main" id="{2802AA55-B0B4-424F-B2E3-F3DF4D61C7A2}"/>
-              </a:ext>
-            </a:extLst>
-          </p:cNvPr>
-          <p:cNvSpPr txBox="1"/>
-          <p:nvPr/>
-        </p:nvSpPr>
-        <p:spPr>
-          <a:xfrm>
-            <a:off x="6909437" y="4395214"/>
-            <a:ext cx="3614184" cy="624786"/>
-          </a:xfrm>
-          <a:prstGeom prst="rect">
-            <a:avLst/>
-          </a:prstGeom>
-          <a:noFill/>
-        </p:spPr>
-        <p:txBody>
-          <a:bodyPr wrap="square" rtlCol="0">
-            <a:spAutoFit/>
-          </a:bodyPr>
-          <a:lstStyle/>
-          <a:p>
-            <a:pPr>
-              <a:lnSpc>
-                <a:spcPct val="130000"/>
-              </a:lnSpc>
-            </a:pPr>
-            <a:r>
-              <a:rPr lang="zh-TW" altLang="en-US" sz="1400" dirty="0">
-                <a:solidFill>
-                  <a:srgbClr val="D0CECE"/>
-                </a:solidFill>
-                <a:cs typeface="+mn-ea"/>
-                <a:sym typeface="+mn-lt"/>
-              </a:rPr>
-              <a:t>利用</a:t>
-            </a:r>
-            <a:r>
-              <a:rPr lang="en-US" altLang="zh-TW" sz="1400" dirty="0">
-                <a:solidFill>
-                  <a:srgbClr val="D0CECE"/>
-                </a:solidFill>
-                <a:cs typeface="+mn-ea"/>
-                <a:sym typeface="+mn-lt"/>
-              </a:rPr>
-              <a:t>2</a:t>
-            </a:r>
-            <a:r>
-              <a:rPr lang="zh-TW" altLang="en-US" sz="1400" dirty="0">
-                <a:solidFill>
-                  <a:srgbClr val="D0CECE"/>
-                </a:solidFill>
-                <a:cs typeface="+mn-ea"/>
-                <a:sym typeface="+mn-lt"/>
-              </a:rPr>
-              <a:t>塊樹莓派分散式處理，並每秒更新辨識結果</a:t>
-            </a:r>
-            <a:endParaRPr lang="zh-CN" sz="1400" dirty="0">
-              <a:solidFill>
-                <a:srgbClr val="D0CECE"/>
-              </a:solidFill>
-              <a:cs typeface="+mn-ea"/>
-              <a:sym typeface="+mn-lt"/>
-            </a:endParaRPr>
-          </a:p>
-        </p:txBody>
-      </p:sp>
-      <p:sp>
-        <p:nvSpPr>
-          <p:cNvPr id="15" name="椭圆 15">
-            <a:extLst>
-              <a:ext uri="{FF2B5EF4-FFF2-40B4-BE49-F238E27FC236}">
-                <a16:creationId xmlns:a16="http://schemas.microsoft.com/office/drawing/2014/main" id="{B7D9BE0C-EB92-40E5-87B7-C740B947E354}"/>
+                <a16:creationId xmlns:a16="http://schemas.microsoft.com/office/drawing/2014/main" id="{F01A4370-8D51-43AE-9339-70D3A8FDD6FC}"/>
               </a:ext>
             </a:extLst>
           </p:cNvPr>
@@ -14928,69 +14007,7 @@
         </p:nvSpPr>
         <p:spPr>
           <a:xfrm>
-            <a:off x="5823284" y="3901919"/>
-            <a:ext cx="986589" cy="986589"/>
-          </a:xfrm>
-          <a:prstGeom prst="ellipse">
-            <a:avLst/>
-          </a:prstGeom>
-          <a:solidFill>
-            <a:srgbClr val="D0CECE"/>
-          </a:solidFill>
-          <a:ln>
-            <a:noFill/>
-          </a:ln>
-        </p:spPr>
-        <p:style>
-          <a:lnRef idx="2">
-            <a:schemeClr val="accent1">
-              <a:shade val="50000"/>
-            </a:schemeClr>
-          </a:lnRef>
-          <a:fillRef idx="1">
-            <a:schemeClr val="accent1"/>
-          </a:fillRef>
-          <a:effectRef idx="0">
-            <a:schemeClr val="accent1"/>
-          </a:effectRef>
-          <a:fontRef idx="minor">
-            <a:schemeClr val="lt1"/>
-          </a:fontRef>
-        </p:style>
-        <p:txBody>
-          <a:bodyPr rtlCol="0" anchor="ctr"/>
-          <a:lstStyle/>
-          <a:p>
-            <a:pPr algn="ctr"/>
-            <a:r>
-              <a:rPr lang="en-US" altLang="zh-TW" sz="2800" dirty="0">
-                <a:cs typeface="+mn-ea"/>
-                <a:sym typeface="+mn-lt"/>
-              </a:rPr>
-              <a:t>3</a:t>
-            </a:r>
-            <a:endParaRPr lang="zh-CN" altLang="en-US" sz="2800" dirty="0">
-              <a:cs typeface="+mn-ea"/>
-              <a:sym typeface="+mn-lt"/>
-            </a:endParaRPr>
-          </a:p>
-        </p:txBody>
-      </p:sp>
-      <p:sp>
-        <p:nvSpPr>
-          <p:cNvPr id="17" name="椭圆 15">
-            <a:extLst>
-              <a:ext uri="{FF2B5EF4-FFF2-40B4-BE49-F238E27FC236}">
-                <a16:creationId xmlns:a16="http://schemas.microsoft.com/office/drawing/2014/main" id="{3C1A2D9E-0C46-428B-BED9-BC57584F6CD8}"/>
-              </a:ext>
-            </a:extLst>
-          </p:cNvPr>
-          <p:cNvSpPr/>
-          <p:nvPr/>
-        </p:nvSpPr>
-        <p:spPr>
-          <a:xfrm>
-            <a:off x="5823284" y="2610529"/>
+            <a:off x="5823284" y="3211891"/>
             <a:ext cx="986589" cy="986589"/>
           </a:xfrm>
           <a:prstGeom prst="ellipse">
@@ -15038,43 +14055,116 @@
           </a:p>
         </p:txBody>
       </p:sp>
-      <p:pic>
-        <p:nvPicPr>
-          <p:cNvPr id="4" name="圖片 3">
+      <p:sp>
+        <p:nvSpPr>
+          <p:cNvPr id="10" name="文本框 51">
             <a:extLst>
               <a:ext uri="{FF2B5EF4-FFF2-40B4-BE49-F238E27FC236}">
-                <a16:creationId xmlns:a16="http://schemas.microsoft.com/office/drawing/2014/main" id="{022C4938-7206-47C4-A2E9-CD712EACBA30}"/>
+                <a16:creationId xmlns:a16="http://schemas.microsoft.com/office/drawing/2014/main" id="{9EFB75D6-2FF6-410D-AA7C-83EDEC6BB5E1}"/>
               </a:ext>
             </a:extLst>
           </p:cNvPr>
-          <p:cNvPicPr>
-            <a:picLocks noChangeAspect="1"/>
-          </p:cNvPicPr>
+          <p:cNvSpPr txBox="1"/>
           <p:nvPr/>
-        </p:nvPicPr>
-        <p:blipFill>
-          <a:blip r:embed="rId4"/>
-          <a:stretch>
-            <a:fillRect/>
-          </a:stretch>
-        </p:blipFill>
+        </p:nvSpPr>
         <p:spPr>
           <a:xfrm>
-            <a:off x="349553" y="1775019"/>
-            <a:ext cx="5176953" cy="3106172"/>
+            <a:off x="6909436" y="3268038"/>
+            <a:ext cx="3910963" cy="461665"/>
           </a:xfrm>
           <a:prstGeom prst="rect">
             <a:avLst/>
           </a:prstGeom>
+          <a:noFill/>
         </p:spPr>
-      </p:pic>
+        <p:txBody>
+          <a:bodyPr wrap="square" rtlCol="0">
+            <a:spAutoFit/>
+          </a:bodyPr>
+          <a:lstStyle/>
+          <a:p>
+            <a:r>
+              <a:rPr lang="zh-TW" altLang="en-US" sz="2400" dirty="0">
+                <a:solidFill>
+                  <a:schemeClr val="tx1">
+                    <a:lumMod val="65000"/>
+                    <a:lumOff val="35000"/>
+                  </a:schemeClr>
+                </a:solidFill>
+                <a:cs typeface="+mn-ea"/>
+                <a:sym typeface="+mn-lt"/>
+              </a:rPr>
+              <a:t>能正確辨識已建檔的人物</a:t>
+            </a:r>
+          </a:p>
+        </p:txBody>
+      </p:sp>
       <p:sp>
         <p:nvSpPr>
-          <p:cNvPr id="18" name="文字方塊 17">
-            <a:hlinkClick r:id="rId5"/>
+          <p:cNvPr id="11" name="文本框 48">
             <a:extLst>
               <a:ext uri="{FF2B5EF4-FFF2-40B4-BE49-F238E27FC236}">
-                <a16:creationId xmlns:a16="http://schemas.microsoft.com/office/drawing/2014/main" id="{124DEDFD-92CF-4919-AE01-E9D04AB1EC0B}"/>
+                <a16:creationId xmlns:a16="http://schemas.microsoft.com/office/drawing/2014/main" id="{5207F7D0-F809-4234-A62D-E6FD3BA6C489}"/>
+              </a:ext>
+            </a:extLst>
+          </p:cNvPr>
+          <p:cNvSpPr txBox="1"/>
+          <p:nvPr/>
+        </p:nvSpPr>
+        <p:spPr>
+          <a:xfrm>
+            <a:off x="6909437" y="3705185"/>
+            <a:ext cx="3614184" cy="624786"/>
+          </a:xfrm>
+          <a:prstGeom prst="rect">
+            <a:avLst/>
+          </a:prstGeom>
+          <a:noFill/>
+        </p:spPr>
+        <p:txBody>
+          <a:bodyPr wrap="square" rtlCol="0">
+            <a:spAutoFit/>
+          </a:bodyPr>
+          <a:lstStyle/>
+          <a:p>
+            <a:pPr>
+              <a:lnSpc>
+                <a:spcPct val="130000"/>
+              </a:lnSpc>
+            </a:pPr>
+            <a:r>
+              <a:rPr lang="zh-TW" altLang="en-US" sz="1400" dirty="0">
+                <a:solidFill>
+                  <a:schemeClr val="tx1">
+                    <a:lumMod val="65000"/>
+                    <a:lumOff val="35000"/>
+                  </a:schemeClr>
+                </a:solidFill>
+                <a:cs typeface="+mn-ea"/>
+                <a:sym typeface="+mn-lt"/>
+              </a:rPr>
+              <a:t>若該人物以建檔，可以正確的顯示出該人物的資料</a:t>
+            </a:r>
+            <a:endParaRPr lang="zh-CN" sz="1400" dirty="0">
+              <a:solidFill>
+                <a:schemeClr val="tx1">
+                  <a:lumMod val="65000"/>
+                  <a:lumOff val="35000"/>
+                </a:schemeClr>
+              </a:solidFill>
+              <a:cs typeface="+mn-ea"/>
+              <a:sym typeface="+mn-lt"/>
+            </a:endParaRPr>
+          </a:p>
+        </p:txBody>
+      </p:sp>
+      <p:sp>
+        <p:nvSpPr>
+          <p:cNvPr id="5" name="文字方塊 4">
+            <a:hlinkClick r:id="rId4"/>
+            <a:extLst>
+              <a:ext uri="{FF2B5EF4-FFF2-40B4-BE49-F238E27FC236}">
+                <a16:creationId xmlns:a16="http://schemas.microsoft.com/office/drawing/2014/main" id="{585DD4C5-2BD6-4CF9-AE92-9EA04C3762AD}"/>
               </a:ext>
             </a:extLst>
           </p:cNvPr>
@@ -15104,10 +14194,40 @@
           </a:p>
         </p:txBody>
       </p:sp>
+      <p:pic>
+        <p:nvPicPr>
+          <p:cNvPr id="13" name="圖片 12">
+            <a:extLst>
+              <a:ext uri="{FF2B5EF4-FFF2-40B4-BE49-F238E27FC236}">
+                <a16:creationId xmlns:a16="http://schemas.microsoft.com/office/drawing/2014/main" id="{022C4938-7206-47C4-A2E9-CD712EACBA30}"/>
+              </a:ext>
+            </a:extLst>
+          </p:cNvPr>
+          <p:cNvPicPr>
+            <a:picLocks noChangeAspect="1"/>
+          </p:cNvPicPr>
+          <p:nvPr/>
+        </p:nvPicPr>
+        <p:blipFill>
+          <a:blip r:embed="rId5"/>
+          <a:stretch>
+            <a:fillRect/>
+          </a:stretch>
+        </p:blipFill>
+        <p:spPr>
+          <a:xfrm>
+            <a:off x="349553" y="1775019"/>
+            <a:ext cx="5176953" cy="3106172"/>
+          </a:xfrm>
+          <a:prstGeom prst="rect">
+            <a:avLst/>
+          </a:prstGeom>
+        </p:spPr>
+      </p:pic>
     </p:spTree>
     <p:extLst>
       <p:ext uri="{BB962C8B-B14F-4D97-AF65-F5344CB8AC3E}">
-        <p14:creationId xmlns:p14="http://schemas.microsoft.com/office/powerpoint/2010/main" val="3733181228"/>
+        <p14:creationId xmlns:p14="http://schemas.microsoft.com/office/powerpoint/2010/main" val="249738229"/>
       </p:ext>
     </p:extLst>
   </p:cSld>
@@ -15130,856 +14250,6 @@
 </file>
 
 <file path=ppt/slides/slide6.xml><?xml version="1.0" encoding="utf-8"?>
-<p:sld xmlns:a="http://schemas.openxmlformats.org/drawingml/2006/main" xmlns:r="http://schemas.openxmlformats.org/officeDocument/2006/relationships" xmlns:p="http://schemas.openxmlformats.org/presentationml/2006/main">
-  <p:cSld>
-    <p:spTree>
-      <p:nvGrpSpPr>
-        <p:cNvPr id="1" name=""/>
-        <p:cNvGrpSpPr/>
-        <p:nvPr/>
-      </p:nvGrpSpPr>
-      <p:grpSpPr>
-        <a:xfrm>
-          <a:off x="0" y="0"/>
-          <a:ext cx="0" cy="0"/>
-          <a:chOff x="0" y="0"/>
-          <a:chExt cx="0" cy="0"/>
-        </a:xfrm>
-      </p:grpSpPr>
-      <p:pic>
-        <p:nvPicPr>
-          <p:cNvPr id="2" name="图片 1" descr="未标题-178"/>
-          <p:cNvPicPr>
-            <a:picLocks noChangeAspect="1"/>
-          </p:cNvPicPr>
-          <p:nvPr/>
-        </p:nvPicPr>
-        <p:blipFill>
-          <a:blip r:embed="rId2"/>
-          <a:srcRect t="3317" r="10893"/>
-          <a:stretch>
-            <a:fillRect/>
-          </a:stretch>
-        </p:blipFill>
-        <p:spPr>
-          <a:xfrm flipV="1">
-            <a:off x="10171430" y="5469890"/>
-            <a:ext cx="2020570" cy="1388110"/>
-          </a:xfrm>
-          <a:prstGeom prst="rect">
-            <a:avLst/>
-          </a:prstGeom>
-        </p:spPr>
-      </p:pic>
-      <p:pic>
-        <p:nvPicPr>
-          <p:cNvPr id="3" name="图片 2" descr="未标题-145"/>
-          <p:cNvPicPr>
-            <a:picLocks noChangeAspect="1"/>
-          </p:cNvPicPr>
-          <p:nvPr/>
-        </p:nvPicPr>
-        <p:blipFill>
-          <a:blip r:embed="rId3"/>
-          <a:stretch>
-            <a:fillRect/>
-          </a:stretch>
-        </p:blipFill>
-        <p:spPr>
-          <a:xfrm flipH="1" flipV="1">
-            <a:off x="0" y="0"/>
-            <a:ext cx="1360170" cy="775970"/>
-          </a:xfrm>
-          <a:prstGeom prst="rect">
-            <a:avLst/>
-          </a:prstGeom>
-        </p:spPr>
-      </p:pic>
-      <p:sp>
-        <p:nvSpPr>
-          <p:cNvPr id="6" name="文本框 5"/>
-          <p:cNvSpPr txBox="1"/>
-          <p:nvPr/>
-        </p:nvSpPr>
-        <p:spPr>
-          <a:xfrm>
-            <a:off x="1427480" y="158115"/>
-            <a:ext cx="3057247" cy="830997"/>
-          </a:xfrm>
-          <a:prstGeom prst="rect">
-            <a:avLst/>
-          </a:prstGeom>
-          <a:noFill/>
-        </p:spPr>
-        <p:txBody>
-          <a:bodyPr wrap="none" rtlCol="0">
-            <a:spAutoFit/>
-          </a:bodyPr>
-          <a:lstStyle/>
-          <a:p>
-            <a:pPr lvl="0"/>
-            <a:r>
-              <a:rPr lang="zh-TW" altLang="en-US" sz="2400" b="1" dirty="0">
-                <a:solidFill>
-                  <a:srgbClr val="DE7F7E"/>
-                </a:solidFill>
-                <a:cs typeface="+mn-ea"/>
-                <a:sym typeface="+mn-lt"/>
-              </a:rPr>
-              <a:t>專案需求描述</a:t>
-            </a:r>
-            <a:r>
-              <a:rPr lang="en-US" altLang="zh-TW" sz="2400" b="1" dirty="0">
-                <a:solidFill>
-                  <a:srgbClr val="DE7F7E"/>
-                </a:solidFill>
-                <a:cs typeface="+mn-ea"/>
-                <a:sym typeface="+mn-lt"/>
-              </a:rPr>
-              <a:t>-</a:t>
-            </a:r>
-            <a:r>
-              <a:rPr lang="zh-TW" altLang="en-US" b="1" dirty="0">
-                <a:solidFill>
-                  <a:srgbClr val="DE7F7E"/>
-                </a:solidFill>
-                <a:cs typeface="+mn-ea"/>
-                <a:sym typeface="+mn-lt"/>
-              </a:rPr>
-              <a:t>功能需求</a:t>
-            </a:r>
-            <a:endParaRPr lang="zh-CN" altLang="en-US" b="1" dirty="0">
-              <a:solidFill>
-                <a:srgbClr val="DE7F7E"/>
-              </a:solidFill>
-              <a:cs typeface="+mn-ea"/>
-              <a:sym typeface="+mn-lt"/>
-            </a:endParaRPr>
-          </a:p>
-          <a:p>
-            <a:endParaRPr lang="zh-CN" altLang="en-US" sz="2400" b="1" dirty="0">
-              <a:solidFill>
-                <a:srgbClr val="DE7F7E"/>
-              </a:solidFill>
-              <a:cs typeface="+mn-ea"/>
-              <a:sym typeface="+mn-lt"/>
-            </a:endParaRPr>
-          </a:p>
-        </p:txBody>
-      </p:sp>
-      <p:sp>
-        <p:nvSpPr>
-          <p:cNvPr id="52" name="文本框 51"/>
-          <p:cNvSpPr txBox="1"/>
-          <p:nvPr/>
-        </p:nvSpPr>
-        <p:spPr>
-          <a:xfrm>
-            <a:off x="6909435" y="1319139"/>
-            <a:ext cx="4548557" cy="954107"/>
-          </a:xfrm>
-          <a:prstGeom prst="rect">
-            <a:avLst/>
-          </a:prstGeom>
-          <a:noFill/>
-        </p:spPr>
-        <p:txBody>
-          <a:bodyPr wrap="square" rtlCol="0">
-            <a:spAutoFit/>
-          </a:bodyPr>
-          <a:lstStyle/>
-          <a:p>
-            <a:r>
-              <a:rPr lang="zh-TW" altLang="en-US" sz="2800" dirty="0">
-                <a:solidFill>
-                  <a:srgbClr val="D0CECE"/>
-                </a:solidFill>
-                <a:cs typeface="+mn-ea"/>
-                <a:sym typeface="+mn-lt"/>
-              </a:rPr>
-              <a:t>能正確抓取出影像內的人臉</a:t>
-            </a:r>
-            <a:endParaRPr lang="zh-CN" altLang="en-US" sz="2800" dirty="0">
-              <a:solidFill>
-                <a:srgbClr val="D0CECE"/>
-              </a:solidFill>
-              <a:cs typeface="+mn-ea"/>
-              <a:sym typeface="+mn-lt"/>
-            </a:endParaRPr>
-          </a:p>
-          <a:p>
-            <a:endParaRPr lang="zh-CN" altLang="en-US" sz="2800" dirty="0">
-              <a:solidFill>
-                <a:srgbClr val="D0CECE"/>
-              </a:solidFill>
-              <a:cs typeface="+mn-ea"/>
-              <a:sym typeface="+mn-lt"/>
-            </a:endParaRPr>
-          </a:p>
-        </p:txBody>
-      </p:sp>
-      <p:sp>
-        <p:nvSpPr>
-          <p:cNvPr id="59" name="文本框 48">
-            <a:extLst>
-              <a:ext uri="{FF2B5EF4-FFF2-40B4-BE49-F238E27FC236}">
-                <a16:creationId xmlns:a16="http://schemas.microsoft.com/office/drawing/2014/main" id="{F64D4190-E802-45E4-B875-BD3FB4475225}"/>
-              </a:ext>
-            </a:extLst>
-          </p:cNvPr>
-          <p:cNvSpPr txBox="1"/>
-          <p:nvPr/>
-        </p:nvSpPr>
-        <p:spPr>
-          <a:xfrm>
-            <a:off x="6909436" y="1775343"/>
-            <a:ext cx="3494197" cy="380810"/>
-          </a:xfrm>
-          <a:prstGeom prst="rect">
-            <a:avLst/>
-          </a:prstGeom>
-          <a:noFill/>
-        </p:spPr>
-        <p:txBody>
-          <a:bodyPr wrap="square" rtlCol="0">
-            <a:spAutoFit/>
-          </a:bodyPr>
-          <a:lstStyle/>
-          <a:p>
-            <a:pPr>
-              <a:lnSpc>
-                <a:spcPct val="130000"/>
-              </a:lnSpc>
-            </a:pPr>
-            <a:r>
-              <a:rPr lang="zh-TW" altLang="en-US" sz="1600" dirty="0">
-                <a:solidFill>
-                  <a:srgbClr val="D0CECE"/>
-                </a:solidFill>
-                <a:cs typeface="+mn-ea"/>
-                <a:sym typeface="+mn-lt"/>
-              </a:rPr>
-              <a:t>在抓取出影像中最像人臉的</a:t>
-            </a:r>
-            <a:r>
-              <a:rPr lang="en-US" altLang="zh-TW" sz="1600" dirty="0">
-                <a:solidFill>
-                  <a:srgbClr val="D0CECE"/>
-                </a:solidFill>
-                <a:cs typeface="+mn-ea"/>
-                <a:sym typeface="+mn-lt"/>
-              </a:rPr>
-              <a:t>3</a:t>
-            </a:r>
-            <a:r>
-              <a:rPr lang="zh-TW" altLang="en-US" sz="1600" dirty="0">
-                <a:solidFill>
-                  <a:srgbClr val="D0CECE"/>
-                </a:solidFill>
-                <a:cs typeface="+mn-ea"/>
-                <a:sym typeface="+mn-lt"/>
-              </a:rPr>
-              <a:t>個區塊</a:t>
-            </a:r>
-            <a:endParaRPr lang="zh-CN" sz="1600" dirty="0">
-              <a:solidFill>
-                <a:srgbClr val="D0CECE"/>
-              </a:solidFill>
-              <a:cs typeface="+mn-ea"/>
-              <a:sym typeface="+mn-lt"/>
-            </a:endParaRPr>
-          </a:p>
-        </p:txBody>
-      </p:sp>
-      <p:sp>
-        <p:nvSpPr>
-          <p:cNvPr id="9" name="椭圆 15">
-            <a:extLst>
-              <a:ext uri="{FF2B5EF4-FFF2-40B4-BE49-F238E27FC236}">
-                <a16:creationId xmlns:a16="http://schemas.microsoft.com/office/drawing/2014/main" id="{F01A4370-8D51-43AE-9339-70D3A8FDD6FC}"/>
-              </a:ext>
-            </a:extLst>
-          </p:cNvPr>
-          <p:cNvSpPr/>
-          <p:nvPr/>
-        </p:nvSpPr>
-        <p:spPr>
-          <a:xfrm>
-            <a:off x="5823284" y="2610529"/>
-            <a:ext cx="986589" cy="986589"/>
-          </a:xfrm>
-          <a:prstGeom prst="ellipse">
-            <a:avLst/>
-          </a:prstGeom>
-          <a:solidFill>
-            <a:schemeClr val="bg2">
-              <a:lumMod val="90000"/>
-            </a:schemeClr>
-          </a:solidFill>
-          <a:ln>
-            <a:noFill/>
-          </a:ln>
-        </p:spPr>
-        <p:style>
-          <a:lnRef idx="2">
-            <a:schemeClr val="accent1">
-              <a:shade val="50000"/>
-            </a:schemeClr>
-          </a:lnRef>
-          <a:fillRef idx="1">
-            <a:schemeClr val="accent1"/>
-          </a:fillRef>
-          <a:effectRef idx="0">
-            <a:schemeClr val="accent1"/>
-          </a:effectRef>
-          <a:fontRef idx="minor">
-            <a:schemeClr val="lt1"/>
-          </a:fontRef>
-        </p:style>
-        <p:txBody>
-          <a:bodyPr rtlCol="0" anchor="ctr"/>
-          <a:lstStyle/>
-          <a:p>
-            <a:pPr algn="ctr"/>
-            <a:r>
-              <a:rPr lang="en-US" altLang="zh-TW" sz="2800" dirty="0">
-                <a:cs typeface="+mn-ea"/>
-                <a:sym typeface="+mn-lt"/>
-              </a:rPr>
-              <a:t>2</a:t>
-            </a:r>
-            <a:endParaRPr lang="zh-CN" altLang="en-US" sz="2800" dirty="0">
-              <a:cs typeface="+mn-ea"/>
-              <a:sym typeface="+mn-lt"/>
-            </a:endParaRPr>
-          </a:p>
-        </p:txBody>
-      </p:sp>
-      <p:sp>
-        <p:nvSpPr>
-          <p:cNvPr id="10" name="文本框 51">
-            <a:extLst>
-              <a:ext uri="{FF2B5EF4-FFF2-40B4-BE49-F238E27FC236}">
-                <a16:creationId xmlns:a16="http://schemas.microsoft.com/office/drawing/2014/main" id="{9EFB75D6-2FF6-410D-AA7C-83EDEC6BB5E1}"/>
-              </a:ext>
-            </a:extLst>
-          </p:cNvPr>
-          <p:cNvSpPr txBox="1"/>
-          <p:nvPr/>
-        </p:nvSpPr>
-        <p:spPr>
-          <a:xfrm>
-            <a:off x="6909436" y="2666676"/>
-            <a:ext cx="3910963" cy="461665"/>
-          </a:xfrm>
-          <a:prstGeom prst="rect">
-            <a:avLst/>
-          </a:prstGeom>
-          <a:noFill/>
-        </p:spPr>
-        <p:txBody>
-          <a:bodyPr wrap="square" rtlCol="0">
-            <a:spAutoFit/>
-          </a:bodyPr>
-          <a:lstStyle/>
-          <a:p>
-            <a:r>
-              <a:rPr lang="zh-TW" altLang="en-US" sz="2400" dirty="0">
-                <a:solidFill>
-                  <a:srgbClr val="D0CECE"/>
-                </a:solidFill>
-                <a:cs typeface="+mn-ea"/>
-                <a:sym typeface="+mn-lt"/>
-              </a:rPr>
-              <a:t>能正確辨識已建檔的人物</a:t>
-            </a:r>
-          </a:p>
-        </p:txBody>
-      </p:sp>
-      <p:sp>
-        <p:nvSpPr>
-          <p:cNvPr id="11" name="文本框 48">
-            <a:extLst>
-              <a:ext uri="{FF2B5EF4-FFF2-40B4-BE49-F238E27FC236}">
-                <a16:creationId xmlns:a16="http://schemas.microsoft.com/office/drawing/2014/main" id="{5207F7D0-F809-4234-A62D-E6FD3BA6C489}"/>
-              </a:ext>
-            </a:extLst>
-          </p:cNvPr>
-          <p:cNvSpPr txBox="1"/>
-          <p:nvPr/>
-        </p:nvSpPr>
-        <p:spPr>
-          <a:xfrm>
-            <a:off x="6909437" y="3103823"/>
-            <a:ext cx="3614184" cy="624786"/>
-          </a:xfrm>
-          <a:prstGeom prst="rect">
-            <a:avLst/>
-          </a:prstGeom>
-          <a:noFill/>
-        </p:spPr>
-        <p:txBody>
-          <a:bodyPr wrap="square" rtlCol="0">
-            <a:spAutoFit/>
-          </a:bodyPr>
-          <a:lstStyle/>
-          <a:p>
-            <a:pPr>
-              <a:lnSpc>
-                <a:spcPct val="130000"/>
-              </a:lnSpc>
-            </a:pPr>
-            <a:r>
-              <a:rPr lang="zh-TW" altLang="en-US" sz="1400" dirty="0">
-                <a:solidFill>
-                  <a:srgbClr val="D0CECE"/>
-                </a:solidFill>
-                <a:cs typeface="+mn-ea"/>
-                <a:sym typeface="+mn-lt"/>
-              </a:rPr>
-              <a:t>若該人物以建檔，可以正確的顯示出該人物的資料</a:t>
-            </a:r>
-            <a:endParaRPr lang="zh-CN" sz="1400" dirty="0">
-              <a:solidFill>
-                <a:srgbClr val="D0CECE"/>
-              </a:solidFill>
-              <a:cs typeface="+mn-ea"/>
-              <a:sym typeface="+mn-lt"/>
-            </a:endParaRPr>
-          </a:p>
-        </p:txBody>
-      </p:sp>
-      <p:sp>
-        <p:nvSpPr>
-          <p:cNvPr id="12" name="文本框 51">
-            <a:extLst>
-              <a:ext uri="{FF2B5EF4-FFF2-40B4-BE49-F238E27FC236}">
-                <a16:creationId xmlns:a16="http://schemas.microsoft.com/office/drawing/2014/main" id="{28DCFE11-15A7-4A81-88DA-BB8E82BB41B6}"/>
-              </a:ext>
-            </a:extLst>
-          </p:cNvPr>
-          <p:cNvSpPr txBox="1"/>
-          <p:nvPr/>
-        </p:nvSpPr>
-        <p:spPr>
-          <a:xfrm>
-            <a:off x="6909436" y="3958067"/>
-            <a:ext cx="3910963" cy="461665"/>
-          </a:xfrm>
-          <a:prstGeom prst="rect">
-            <a:avLst/>
-          </a:prstGeom>
-          <a:noFill/>
-        </p:spPr>
-        <p:txBody>
-          <a:bodyPr wrap="square" rtlCol="0">
-            <a:spAutoFit/>
-          </a:bodyPr>
-          <a:lstStyle/>
-          <a:p>
-            <a:r>
-              <a:rPr lang="zh-TW" altLang="en-US" sz="2400" dirty="0">
-                <a:solidFill>
-                  <a:schemeClr val="tx1">
-                    <a:lumMod val="65000"/>
-                    <a:lumOff val="35000"/>
-                  </a:schemeClr>
-                </a:solidFill>
-                <a:cs typeface="+mn-ea"/>
-                <a:sym typeface="+mn-lt"/>
-              </a:rPr>
-              <a:t>可在</a:t>
-            </a:r>
-            <a:r>
-              <a:rPr lang="en-US" altLang="zh-TW" sz="2400" dirty="0">
-                <a:solidFill>
-                  <a:schemeClr val="tx1">
-                    <a:lumMod val="65000"/>
-                    <a:lumOff val="35000"/>
-                  </a:schemeClr>
-                </a:solidFill>
-                <a:cs typeface="+mn-ea"/>
-                <a:sym typeface="+mn-lt"/>
-              </a:rPr>
-              <a:t>1</a:t>
-            </a:r>
-            <a:r>
-              <a:rPr lang="zh-TW" altLang="en-US" sz="2400" dirty="0">
-                <a:solidFill>
-                  <a:schemeClr val="tx1">
-                    <a:lumMod val="65000"/>
-                    <a:lumOff val="35000"/>
-                  </a:schemeClr>
-                </a:solidFill>
-                <a:cs typeface="+mn-ea"/>
-                <a:sym typeface="+mn-lt"/>
-              </a:rPr>
-              <a:t>秒內完成辨識</a:t>
-            </a:r>
-          </a:p>
-        </p:txBody>
-      </p:sp>
-      <p:sp>
-        <p:nvSpPr>
-          <p:cNvPr id="14" name="文本框 48">
-            <a:extLst>
-              <a:ext uri="{FF2B5EF4-FFF2-40B4-BE49-F238E27FC236}">
-                <a16:creationId xmlns:a16="http://schemas.microsoft.com/office/drawing/2014/main" id="{2802AA55-B0B4-424F-B2E3-F3DF4D61C7A2}"/>
-              </a:ext>
-            </a:extLst>
-          </p:cNvPr>
-          <p:cNvSpPr txBox="1"/>
-          <p:nvPr/>
-        </p:nvSpPr>
-        <p:spPr>
-          <a:xfrm>
-            <a:off x="6909437" y="4395214"/>
-            <a:ext cx="3614184" cy="624786"/>
-          </a:xfrm>
-          <a:prstGeom prst="rect">
-            <a:avLst/>
-          </a:prstGeom>
-          <a:noFill/>
-        </p:spPr>
-        <p:txBody>
-          <a:bodyPr wrap="square" rtlCol="0">
-            <a:spAutoFit/>
-          </a:bodyPr>
-          <a:lstStyle/>
-          <a:p>
-            <a:pPr>
-              <a:lnSpc>
-                <a:spcPct val="130000"/>
-              </a:lnSpc>
-            </a:pPr>
-            <a:r>
-              <a:rPr lang="zh-TW" altLang="en-US" sz="1400" dirty="0">
-                <a:solidFill>
-                  <a:schemeClr val="tx1">
-                    <a:lumMod val="65000"/>
-                    <a:lumOff val="35000"/>
-                  </a:schemeClr>
-                </a:solidFill>
-                <a:cs typeface="+mn-ea"/>
-                <a:sym typeface="+mn-lt"/>
-              </a:rPr>
-              <a:t>利用</a:t>
-            </a:r>
-            <a:r>
-              <a:rPr lang="en-US" altLang="zh-TW" sz="1400" dirty="0">
-                <a:solidFill>
-                  <a:schemeClr val="tx1">
-                    <a:lumMod val="65000"/>
-                    <a:lumOff val="35000"/>
-                  </a:schemeClr>
-                </a:solidFill>
-                <a:cs typeface="+mn-ea"/>
-                <a:sym typeface="+mn-lt"/>
-              </a:rPr>
-              <a:t>2</a:t>
-            </a:r>
-            <a:r>
-              <a:rPr lang="zh-TW" altLang="en-US" sz="1400" dirty="0">
-                <a:solidFill>
-                  <a:schemeClr val="tx1">
-                    <a:lumMod val="65000"/>
-                    <a:lumOff val="35000"/>
-                  </a:schemeClr>
-                </a:solidFill>
-                <a:cs typeface="+mn-ea"/>
-                <a:sym typeface="+mn-lt"/>
-              </a:rPr>
-              <a:t>塊樹莓派分散式處理，並每秒更新辨識結果</a:t>
-            </a:r>
-            <a:endParaRPr lang="zh-CN" sz="1400" dirty="0">
-              <a:solidFill>
-                <a:schemeClr val="tx1">
-                  <a:lumMod val="65000"/>
-                  <a:lumOff val="35000"/>
-                </a:schemeClr>
-              </a:solidFill>
-              <a:cs typeface="+mn-ea"/>
-              <a:sym typeface="+mn-lt"/>
-            </a:endParaRPr>
-          </a:p>
-        </p:txBody>
-      </p:sp>
-      <p:sp>
-        <p:nvSpPr>
-          <p:cNvPr id="17" name="椭圆 15">
-            <a:extLst>
-              <a:ext uri="{FF2B5EF4-FFF2-40B4-BE49-F238E27FC236}">
-                <a16:creationId xmlns:a16="http://schemas.microsoft.com/office/drawing/2014/main" id="{A45A0549-F977-4CA3-85F0-C0EB75FF3DC5}"/>
-              </a:ext>
-            </a:extLst>
-          </p:cNvPr>
-          <p:cNvSpPr/>
-          <p:nvPr/>
-        </p:nvSpPr>
-        <p:spPr>
-          <a:xfrm>
-            <a:off x="5823284" y="1319139"/>
-            <a:ext cx="986589" cy="986589"/>
-          </a:xfrm>
-          <a:prstGeom prst="ellipse">
-            <a:avLst/>
-          </a:prstGeom>
-          <a:solidFill>
-            <a:srgbClr val="D0CECE"/>
-          </a:solidFill>
-          <a:ln>
-            <a:noFill/>
-          </a:ln>
-        </p:spPr>
-        <p:style>
-          <a:lnRef idx="2">
-            <a:schemeClr val="accent1">
-              <a:shade val="50000"/>
-            </a:schemeClr>
-          </a:lnRef>
-          <a:fillRef idx="1">
-            <a:schemeClr val="accent1"/>
-          </a:fillRef>
-          <a:effectRef idx="0">
-            <a:schemeClr val="accent1"/>
-          </a:effectRef>
-          <a:fontRef idx="minor">
-            <a:schemeClr val="lt1"/>
-          </a:fontRef>
-        </p:style>
-        <p:txBody>
-          <a:bodyPr rtlCol="0" anchor="ctr"/>
-          <a:lstStyle/>
-          <a:p>
-            <a:pPr algn="ctr"/>
-            <a:r>
-              <a:rPr lang="en-US" altLang="zh-TW" sz="2800" dirty="0">
-                <a:cs typeface="+mn-ea"/>
-                <a:sym typeface="+mn-lt"/>
-              </a:rPr>
-              <a:t>1</a:t>
-            </a:r>
-            <a:endParaRPr lang="zh-CN" altLang="en-US" sz="2800" dirty="0">
-              <a:cs typeface="+mn-ea"/>
-              <a:sym typeface="+mn-lt"/>
-            </a:endParaRPr>
-          </a:p>
-        </p:txBody>
-      </p:sp>
-      <p:sp>
-        <p:nvSpPr>
-          <p:cNvPr id="18" name="椭圆 15">
-            <a:extLst>
-              <a:ext uri="{FF2B5EF4-FFF2-40B4-BE49-F238E27FC236}">
-                <a16:creationId xmlns:a16="http://schemas.microsoft.com/office/drawing/2014/main" id="{2F48B1DB-FDE4-428E-A516-5B5242084535}"/>
-              </a:ext>
-            </a:extLst>
-          </p:cNvPr>
-          <p:cNvSpPr/>
-          <p:nvPr/>
-        </p:nvSpPr>
-        <p:spPr>
-          <a:xfrm>
-            <a:off x="5823284" y="3901919"/>
-            <a:ext cx="986589" cy="986589"/>
-          </a:xfrm>
-          <a:prstGeom prst="ellipse">
-            <a:avLst/>
-          </a:prstGeom>
-          <a:solidFill>
-            <a:srgbClr val="B18EBC"/>
-          </a:solidFill>
-          <a:ln>
-            <a:noFill/>
-          </a:ln>
-        </p:spPr>
-        <p:style>
-          <a:lnRef idx="2">
-            <a:schemeClr val="accent1">
-              <a:shade val="50000"/>
-            </a:schemeClr>
-          </a:lnRef>
-          <a:fillRef idx="1">
-            <a:schemeClr val="accent1"/>
-          </a:fillRef>
-          <a:effectRef idx="0">
-            <a:schemeClr val="accent1"/>
-          </a:effectRef>
-          <a:fontRef idx="minor">
-            <a:schemeClr val="lt1"/>
-          </a:fontRef>
-        </p:style>
-        <p:txBody>
-          <a:bodyPr rtlCol="0" anchor="ctr"/>
-          <a:lstStyle/>
-          <a:p>
-            <a:pPr algn="ctr"/>
-            <a:r>
-              <a:rPr lang="en-US" altLang="zh-TW" sz="2800" dirty="0">
-                <a:cs typeface="+mn-ea"/>
-                <a:sym typeface="+mn-lt"/>
-              </a:rPr>
-              <a:t>3</a:t>
-            </a:r>
-            <a:endParaRPr lang="zh-CN" altLang="en-US" sz="2800" dirty="0">
-              <a:cs typeface="+mn-ea"/>
-              <a:sym typeface="+mn-lt"/>
-            </a:endParaRPr>
-          </a:p>
-        </p:txBody>
-      </p:sp>
-      <p:pic>
-        <p:nvPicPr>
-          <p:cNvPr id="1026" name="Picture 2" descr="raspberry pi 树莓派4 入门- 系统安装以及不需要额外的显示器，鼠标和 ...">
-            <a:extLst>
-              <a:ext uri="{FF2B5EF4-FFF2-40B4-BE49-F238E27FC236}">
-                <a16:creationId xmlns:a16="http://schemas.microsoft.com/office/drawing/2014/main" id="{686490FC-9EA3-48B7-B157-6BC9E48967B2}"/>
-              </a:ext>
-            </a:extLst>
-          </p:cNvPr>
-          <p:cNvPicPr>
-            <a:picLocks noChangeAspect="1" noChangeArrowheads="1"/>
-          </p:cNvPicPr>
-          <p:nvPr/>
-        </p:nvPicPr>
-        <p:blipFill rotWithShape="1">
-          <a:blip r:embed="rId4" cstate="print">
-            <a:extLst>
-              <a:ext uri="{28A0092B-C50C-407E-A947-70E740481C1C}">
-                <a14:useLocalDpi xmlns:a14="http://schemas.microsoft.com/office/drawing/2010/main" val="0"/>
-              </a:ext>
-            </a:extLst>
-          </a:blip>
-          <a:srcRect l="10064" t="10513" r="11919" b="10544"/>
-          <a:stretch/>
-        </p:blipFill>
-        <p:spPr bwMode="auto">
-          <a:xfrm>
-            <a:off x="1788367" y="2305728"/>
-            <a:ext cx="1973507" cy="1123272"/>
-          </a:xfrm>
-          <a:prstGeom prst="rect">
-            <a:avLst/>
-          </a:prstGeom>
-          <a:noFill/>
-          <a:extLst>
-            <a:ext uri="{909E8E84-426E-40DD-AFC4-6F175D3DCCD1}">
-              <a14:hiddenFill xmlns:a14="http://schemas.microsoft.com/office/drawing/2010/main">
-                <a:solidFill>
-                  <a:srgbClr val="FFFFFF"/>
-                </a:solidFill>
-              </a14:hiddenFill>
-            </a:ext>
-          </a:extLst>
-        </p:spPr>
-      </p:pic>
-      <p:pic>
-        <p:nvPicPr>
-          <p:cNvPr id="20" name="Picture 2" descr="raspberry pi 树莓派4 入门- 系统安装以及不需要额外的显示器，鼠标和 ...">
-            <a:extLst>
-              <a:ext uri="{FF2B5EF4-FFF2-40B4-BE49-F238E27FC236}">
-                <a16:creationId xmlns:a16="http://schemas.microsoft.com/office/drawing/2014/main" id="{607B71F6-CDCC-4580-A1DD-23E511ADCB9E}"/>
-              </a:ext>
-            </a:extLst>
-          </p:cNvPr>
-          <p:cNvPicPr>
-            <a:picLocks noChangeAspect="1" noChangeArrowheads="1"/>
-          </p:cNvPicPr>
-          <p:nvPr/>
-        </p:nvPicPr>
-        <p:blipFill rotWithShape="1">
-          <a:blip r:embed="rId4" cstate="print">
-            <a:extLst>
-              <a:ext uri="{28A0092B-C50C-407E-A947-70E740481C1C}">
-                <a14:useLocalDpi xmlns:a14="http://schemas.microsoft.com/office/drawing/2010/main" val="0"/>
-              </a:ext>
-            </a:extLst>
-          </a:blip>
-          <a:srcRect l="10064" t="10513" r="11919" b="10544"/>
-          <a:stretch/>
-        </p:blipFill>
-        <p:spPr bwMode="auto">
-          <a:xfrm>
-            <a:off x="1788367" y="3858096"/>
-            <a:ext cx="1973507" cy="1123272"/>
-          </a:xfrm>
-          <a:prstGeom prst="rect">
-            <a:avLst/>
-          </a:prstGeom>
-          <a:noFill/>
-          <a:extLst>
-            <a:ext uri="{909E8E84-426E-40DD-AFC4-6F175D3DCCD1}">
-              <a14:hiddenFill xmlns:a14="http://schemas.microsoft.com/office/drawing/2010/main">
-                <a:solidFill>
-                  <a:srgbClr val="FFFFFF"/>
-                </a:solidFill>
-              </a14:hiddenFill>
-            </a:ext>
-          </a:extLst>
-        </p:spPr>
-      </p:pic>
-      <p:sp>
-        <p:nvSpPr>
-          <p:cNvPr id="21" name="文字方塊 20">
-            <a:hlinkClick r:id="rId5"/>
-            <a:extLst>
-              <a:ext uri="{FF2B5EF4-FFF2-40B4-BE49-F238E27FC236}">
-                <a16:creationId xmlns:a16="http://schemas.microsoft.com/office/drawing/2014/main" id="{786FD8EA-1790-46D0-8550-12341905594F}"/>
-              </a:ext>
-            </a:extLst>
-          </p:cNvPr>
-          <p:cNvSpPr txBox="1"/>
-          <p:nvPr/>
-        </p:nvSpPr>
-        <p:spPr>
-          <a:xfrm>
-            <a:off x="330724" y="6402743"/>
-            <a:ext cx="1107996" cy="369332"/>
-          </a:xfrm>
-          <a:prstGeom prst="rect">
-            <a:avLst/>
-          </a:prstGeom>
-          <a:noFill/>
-        </p:spPr>
-        <p:txBody>
-          <a:bodyPr wrap="none" rtlCol="0">
-            <a:spAutoFit/>
-          </a:bodyPr>
-          <a:lstStyle/>
-          <a:p>
-            <a:r>
-              <a:rPr lang="zh-TW" altLang="en-US" dirty="0"/>
-              <a:t>圖片來源</a:t>
-            </a:r>
-          </a:p>
-        </p:txBody>
-      </p:sp>
-    </p:spTree>
-    <p:extLst>
-      <p:ext uri="{BB962C8B-B14F-4D97-AF65-F5344CB8AC3E}">
-        <p14:creationId xmlns:p14="http://schemas.microsoft.com/office/powerpoint/2010/main" val="2699067495"/>
-      </p:ext>
-    </p:extLst>
-  </p:cSld>
-  <p:clrMapOvr>
-    <a:masterClrMapping/>
-  </p:clrMapOvr>
-  <mc:AlternateContent xmlns:mc="http://schemas.openxmlformats.org/markup-compatibility/2006" xmlns:p14="http://schemas.microsoft.com/office/powerpoint/2010/main">
-    <mc:Choice Requires="p14">
-      <p:transition spd="slow" p14:dur="1300">
-        <p14:pan dir="u"/>
-      </p:transition>
-    </mc:Choice>
-    <mc:Fallback xmlns="">
-      <p:transition spd="slow">
-        <p:fade/>
-      </p:transition>
-    </mc:Fallback>
-  </mc:AlternateContent>
-</p:sld>
-</file>
-
-<file path=ppt/slides/slide7.xml><?xml version="1.0" encoding="utf-8"?>
 <p:sld xmlns:a="http://schemas.openxmlformats.org/drawingml/2006/main" xmlns:r="http://schemas.openxmlformats.org/officeDocument/2006/relationships" xmlns:p="http://schemas.openxmlformats.org/presentationml/2006/main">
   <p:cSld>
     <p:spTree>
@@ -16916,7 +15186,7 @@
 </p:sld>
 </file>
 
-<file path=ppt/slides/slide8.xml><?xml version="1.0" encoding="utf-8"?>
+<file path=ppt/slides/slide7.xml><?xml version="1.0" encoding="utf-8"?>
 <p:sld xmlns:a="http://schemas.openxmlformats.org/drawingml/2006/main" xmlns:r="http://schemas.openxmlformats.org/officeDocument/2006/relationships" xmlns:p="http://schemas.openxmlformats.org/presentationml/2006/main">
   <p:cSld>
     <p:spTree>
@@ -17937,6 +16207,245 @@
 </p:sld>
 </file>
 
+<file path=ppt/slides/slide8.xml><?xml version="1.0" encoding="utf-8"?>
+<p:sld xmlns:a="http://schemas.openxmlformats.org/drawingml/2006/main" xmlns:r="http://schemas.openxmlformats.org/officeDocument/2006/relationships" xmlns:p="http://schemas.openxmlformats.org/presentationml/2006/main">
+  <p:cSld>
+    <p:spTree>
+      <p:nvGrpSpPr>
+        <p:cNvPr id="1" name=""/>
+        <p:cNvGrpSpPr/>
+        <p:nvPr/>
+      </p:nvGrpSpPr>
+      <p:grpSpPr>
+        <a:xfrm>
+          <a:off x="0" y="0"/>
+          <a:ext cx="0" cy="0"/>
+          <a:chOff x="0" y="0"/>
+          <a:chExt cx="0" cy="0"/>
+        </a:xfrm>
+      </p:grpSpPr>
+      <p:pic>
+        <p:nvPicPr>
+          <p:cNvPr id="2" name="图片 1" descr="未标题-178"/>
+          <p:cNvPicPr>
+            <a:picLocks noChangeAspect="1"/>
+          </p:cNvPicPr>
+          <p:nvPr/>
+        </p:nvPicPr>
+        <p:blipFill>
+          <a:blip r:embed="rId2"/>
+          <a:srcRect t="3317" r="10893"/>
+          <a:stretch>
+            <a:fillRect/>
+          </a:stretch>
+        </p:blipFill>
+        <p:spPr>
+          <a:xfrm flipV="1">
+            <a:off x="10171430" y="5469890"/>
+            <a:ext cx="2020570" cy="1388110"/>
+          </a:xfrm>
+          <a:prstGeom prst="rect">
+            <a:avLst/>
+          </a:prstGeom>
+        </p:spPr>
+      </p:pic>
+      <p:pic>
+        <p:nvPicPr>
+          <p:cNvPr id="3" name="图片 2" descr="未标题-145"/>
+          <p:cNvPicPr>
+            <a:picLocks noChangeAspect="1"/>
+          </p:cNvPicPr>
+          <p:nvPr/>
+        </p:nvPicPr>
+        <p:blipFill>
+          <a:blip r:embed="rId3"/>
+          <a:stretch>
+            <a:fillRect/>
+          </a:stretch>
+        </p:blipFill>
+        <p:spPr>
+          <a:xfrm flipH="1" flipV="1">
+            <a:off x="0" y="0"/>
+            <a:ext cx="1360170" cy="775970"/>
+          </a:xfrm>
+          <a:prstGeom prst="rect">
+            <a:avLst/>
+          </a:prstGeom>
+        </p:spPr>
+      </p:pic>
+      <p:sp>
+        <p:nvSpPr>
+          <p:cNvPr id="6" name="文本框 5"/>
+          <p:cNvSpPr txBox="1"/>
+          <p:nvPr/>
+        </p:nvSpPr>
+        <p:spPr>
+          <a:xfrm>
+            <a:off x="1427480" y="158115"/>
+            <a:ext cx="3057247" cy="461665"/>
+          </a:xfrm>
+          <a:prstGeom prst="rect">
+            <a:avLst/>
+          </a:prstGeom>
+          <a:noFill/>
+        </p:spPr>
+        <p:txBody>
+          <a:bodyPr wrap="none" rtlCol="0">
+            <a:spAutoFit/>
+          </a:bodyPr>
+          <a:lstStyle/>
+          <a:p>
+            <a:r>
+              <a:rPr lang="zh-TW" altLang="en-US" sz="2400" b="1" dirty="0">
+                <a:solidFill>
+                  <a:srgbClr val="DE7F7E"/>
+                </a:solidFill>
+                <a:cs typeface="+mn-ea"/>
+                <a:sym typeface="+mn-lt"/>
+              </a:rPr>
+              <a:t>專案需求描述</a:t>
+            </a:r>
+            <a:r>
+              <a:rPr lang="en-US" altLang="zh-TW" sz="2400" b="1" dirty="0">
+                <a:solidFill>
+                  <a:srgbClr val="DE7F7E"/>
+                </a:solidFill>
+                <a:cs typeface="+mn-ea"/>
+                <a:sym typeface="+mn-lt"/>
+              </a:rPr>
+              <a:t>-</a:t>
+            </a:r>
+            <a:r>
+              <a:rPr lang="zh-TW" altLang="en-US" b="1" dirty="0">
+                <a:solidFill>
+                  <a:srgbClr val="DE7F7E"/>
+                </a:solidFill>
+                <a:cs typeface="+mn-ea"/>
+                <a:sym typeface="+mn-lt"/>
+              </a:rPr>
+              <a:t>效能需求</a:t>
+            </a:r>
+            <a:endParaRPr lang="zh-CN" altLang="en-US" b="1" dirty="0">
+              <a:solidFill>
+                <a:srgbClr val="DE7F7E"/>
+              </a:solidFill>
+              <a:cs typeface="+mn-ea"/>
+              <a:sym typeface="+mn-lt"/>
+            </a:endParaRPr>
+          </a:p>
+        </p:txBody>
+      </p:sp>
+      <p:sp>
+        <p:nvSpPr>
+          <p:cNvPr id="7" name="文本框 51"/>
+          <p:cNvSpPr txBox="1"/>
+          <p:nvPr/>
+        </p:nvSpPr>
+        <p:spPr>
+          <a:xfrm>
+            <a:off x="1360170" y="2814686"/>
+            <a:ext cx="9420125" cy="1077218"/>
+          </a:xfrm>
+          <a:prstGeom prst="rect">
+            <a:avLst/>
+          </a:prstGeom>
+          <a:noFill/>
+        </p:spPr>
+        <p:txBody>
+          <a:bodyPr wrap="square" rtlCol="0">
+            <a:spAutoFit/>
+          </a:bodyPr>
+          <a:lstStyle/>
+          <a:p>
+            <a:pPr marL="457200" indent="-457200">
+              <a:buFont typeface="Arial" panose="020B0604020202020204" pitchFamily="34" charset="0"/>
+              <a:buChar char="•"/>
+            </a:pPr>
+            <a:r>
+              <a:rPr lang="zh-TW" altLang="en-US" sz="3200" dirty="0">
+                <a:solidFill>
+                  <a:schemeClr val="tx1">
+                    <a:lumMod val="75000"/>
+                    <a:lumOff val="25000"/>
+                  </a:schemeClr>
+                </a:solidFill>
+                <a:latin typeface="微軟正黑體" panose="020B0604030504040204" pitchFamily="34" charset="-120"/>
+                <a:ea typeface="微軟正黑體" panose="020B0604030504040204" pitchFamily="34" charset="-120"/>
+                <a:cs typeface="+mn-ea"/>
+                <a:sym typeface="+mn-lt"/>
+              </a:rPr>
+              <a:t>在影像未刻意干擾時，能在</a:t>
+            </a:r>
+            <a:r>
+              <a:rPr lang="en-US" altLang="zh-TW" sz="3200" dirty="0">
+                <a:solidFill>
+                  <a:schemeClr val="tx1">
+                    <a:lumMod val="75000"/>
+                    <a:lumOff val="25000"/>
+                  </a:schemeClr>
+                </a:solidFill>
+                <a:latin typeface="微軟正黑體" panose="020B0604030504040204" pitchFamily="34" charset="-120"/>
+                <a:ea typeface="微軟正黑體" panose="020B0604030504040204" pitchFamily="34" charset="-120"/>
+                <a:cs typeface="+mn-ea"/>
+                <a:sym typeface="+mn-lt"/>
+              </a:rPr>
+              <a:t>1</a:t>
+            </a:r>
+            <a:r>
+              <a:rPr lang="zh-TW" altLang="en-US" sz="3200" dirty="0">
+                <a:solidFill>
+                  <a:schemeClr val="tx1">
+                    <a:lumMod val="75000"/>
+                    <a:lumOff val="25000"/>
+                  </a:schemeClr>
+                </a:solidFill>
+                <a:latin typeface="微軟正黑體" panose="020B0604030504040204" pitchFamily="34" charset="-120"/>
+                <a:ea typeface="微軟正黑體" panose="020B0604030504040204" pitchFamily="34" charset="-120"/>
+                <a:cs typeface="+mn-ea"/>
+                <a:sym typeface="+mn-lt"/>
+              </a:rPr>
+              <a:t>秒內完成所有運算，達到可每秒更新辨識結果</a:t>
+            </a:r>
+            <a:endParaRPr lang="zh-CN" altLang="en-US" sz="3200" dirty="0">
+              <a:solidFill>
+                <a:schemeClr val="tx1">
+                  <a:lumMod val="75000"/>
+                  <a:lumOff val="25000"/>
+                </a:schemeClr>
+              </a:solidFill>
+              <a:latin typeface="微軟正黑體" panose="020B0604030504040204" pitchFamily="34" charset="-120"/>
+              <a:ea typeface="微軟正黑體" panose="020B0604030504040204" pitchFamily="34" charset="-120"/>
+              <a:cs typeface="+mn-ea"/>
+              <a:sym typeface="+mn-lt"/>
+            </a:endParaRPr>
+          </a:p>
+        </p:txBody>
+      </p:sp>
+    </p:spTree>
+    <p:extLst>
+      <p:ext uri="{BB962C8B-B14F-4D97-AF65-F5344CB8AC3E}">
+        <p14:creationId xmlns:p14="http://schemas.microsoft.com/office/powerpoint/2010/main" val="637610471"/>
+      </p:ext>
+    </p:extLst>
+  </p:cSld>
+  <p:clrMapOvr>
+    <a:masterClrMapping/>
+  </p:clrMapOvr>
+  <mc:AlternateContent xmlns:mc="http://schemas.openxmlformats.org/markup-compatibility/2006" xmlns:p14="http://schemas.microsoft.com/office/powerpoint/2010/main">
+    <mc:Choice Requires="p14">
+      <p:transition spd="slow" p14:dur="1300">
+        <p14:pan dir="u"/>
+      </p:transition>
+    </mc:Choice>
+    <mc:Fallback xmlns="">
+      <p:transition spd="slow">
+        <p:fade/>
+      </p:transition>
+    </mc:Fallback>
+  </mc:AlternateContent>
+</p:sld>
+</file>
+
 <file path=ppt/slides/slide9.xml><?xml version="1.0" encoding="utf-8"?>
 <p:sld xmlns:a="http://schemas.openxmlformats.org/drawingml/2006/main" xmlns:r="http://schemas.openxmlformats.org/officeDocument/2006/relationships" xmlns:p="http://schemas.openxmlformats.org/presentationml/2006/main">
   <p:cSld>
@@ -18053,7 +16562,7 @@
                 <a:cs typeface="+mn-ea"/>
                 <a:sym typeface="+mn-lt"/>
               </a:rPr>
-              <a:t>效能需求</a:t>
+              <a:t>限制需求</a:t>
             </a:r>
             <a:endParaRPr lang="zh-CN" altLang="en-US" b="1" dirty="0">
               <a:solidFill>
@@ -18073,8 +16582,8 @@
         </p:nvSpPr>
         <p:spPr>
           <a:xfrm>
-            <a:off x="1360170" y="2814686"/>
-            <a:ext cx="9420125" cy="1077218"/>
+            <a:off x="1427480" y="2295702"/>
+            <a:ext cx="6704509" cy="3785652"/>
           </a:xfrm>
           <a:prstGeom prst="rect">
             <a:avLst/>
@@ -18088,6 +16597,9 @@
           <a:lstStyle/>
           <a:p>
             <a:pPr marL="457200" indent="-457200">
+              <a:lnSpc>
+                <a:spcPct val="150000"/>
+              </a:lnSpc>
               <a:buFont typeface="Arial" panose="020B0604020202020204" pitchFamily="34" charset="0"/>
               <a:buChar char="•"/>
             </a:pPr>
@@ -18104,7 +16616,7 @@
                 <a:cs typeface="+mn-ea"/>
                 <a:sym typeface="+mn-lt"/>
               </a:rPr>
-              <a:t>在影像未刻意干擾時，能在</a:t>
+              <a:t>嵌入式平台</a:t>
             </a:r>
             <a:r>
               <a:rPr lang="en-US" altLang="zh-TW" sz="3200" dirty="0">
@@ -18119,7 +16631,7 @@
                 <a:cs typeface="+mn-ea"/>
                 <a:sym typeface="+mn-lt"/>
               </a:rPr>
-              <a:t>1</a:t>
+              <a:t>:</a:t>
             </a:r>
             <a:r>
               <a:rPr lang="zh-TW" altLang="en-US" sz="3200" dirty="0">
@@ -18134,9 +16646,298 @@
                 <a:cs typeface="+mn-ea"/>
                 <a:sym typeface="+mn-lt"/>
               </a:rPr>
-              <a:t>秒內完成所有運算，達到可每秒更新辨識結果</a:t>
-            </a:r>
-            <a:endParaRPr lang="zh-CN" altLang="en-US" sz="3200" dirty="0">
+              <a:t> 樹莓派 * </a:t>
+            </a:r>
+            <a:r>
+              <a:rPr lang="en-US" altLang="zh-TW" sz="3200" dirty="0">
+                <a:solidFill>
+                  <a:schemeClr val="tx1">
+                    <a:lumMod val="75000"/>
+                    <a:lumOff val="25000"/>
+                  </a:schemeClr>
+                </a:solidFill>
+                <a:latin typeface="微軟正黑體" panose="020B0604030504040204" pitchFamily="34" charset="-120"/>
+                <a:ea typeface="微軟正黑體" panose="020B0604030504040204" pitchFamily="34" charset="-120"/>
+                <a:cs typeface="+mn-ea"/>
+                <a:sym typeface="+mn-lt"/>
+              </a:rPr>
+              <a:t>2</a:t>
+            </a:r>
+          </a:p>
+          <a:p>
+            <a:pPr marL="457200" indent="-457200">
+              <a:lnSpc>
+                <a:spcPct val="150000"/>
+              </a:lnSpc>
+              <a:buFont typeface="Arial" panose="020B0604020202020204" pitchFamily="34" charset="0"/>
+              <a:buChar char="•"/>
+            </a:pPr>
+            <a:r>
+              <a:rPr lang="zh-TW" altLang="en-US" sz="3200" dirty="0">
+                <a:solidFill>
+                  <a:schemeClr val="tx1">
+                    <a:lumMod val="75000"/>
+                    <a:lumOff val="25000"/>
+                  </a:schemeClr>
+                </a:solidFill>
+                <a:latin typeface="微軟正黑體" panose="020B0604030504040204" pitchFamily="34" charset="-120"/>
+                <a:ea typeface="微軟正黑體" panose="020B0604030504040204" pitchFamily="34" charset="-120"/>
+                <a:cs typeface="+mn-ea"/>
+                <a:sym typeface="+mn-lt"/>
+              </a:rPr>
+              <a:t>作業系統</a:t>
+            </a:r>
+            <a:r>
+              <a:rPr lang="en-US" altLang="zh-TW" sz="3200" dirty="0">
+                <a:solidFill>
+                  <a:schemeClr val="tx1">
+                    <a:lumMod val="75000"/>
+                    <a:lumOff val="25000"/>
+                  </a:schemeClr>
+                </a:solidFill>
+                <a:latin typeface="微軟正黑體" panose="020B0604030504040204" pitchFamily="34" charset="-120"/>
+                <a:ea typeface="微軟正黑體" panose="020B0604030504040204" pitchFamily="34" charset="-120"/>
+                <a:cs typeface="+mn-ea"/>
+                <a:sym typeface="+mn-lt"/>
+              </a:rPr>
+              <a:t>:</a:t>
+            </a:r>
+            <a:r>
+              <a:rPr lang="zh-TW" altLang="en-US" sz="3200" dirty="0">
+                <a:solidFill>
+                  <a:schemeClr val="tx1">
+                    <a:lumMod val="75000"/>
+                    <a:lumOff val="25000"/>
+                  </a:schemeClr>
+                </a:solidFill>
+                <a:latin typeface="微軟正黑體" panose="020B0604030504040204" pitchFamily="34" charset="-120"/>
+                <a:ea typeface="微軟正黑體" panose="020B0604030504040204" pitchFamily="34" charset="-120"/>
+                <a:cs typeface="+mn-ea"/>
+                <a:sym typeface="+mn-lt"/>
+              </a:rPr>
+              <a:t> </a:t>
+            </a:r>
+            <a:r>
+              <a:rPr lang="en-US" altLang="zh-TW" sz="3200" dirty="0">
+                <a:solidFill>
+                  <a:schemeClr val="tx1">
+                    <a:lumMod val="75000"/>
+                    <a:lumOff val="25000"/>
+                  </a:schemeClr>
+                </a:solidFill>
+                <a:latin typeface="微軟正黑體" panose="020B0604030504040204" pitchFamily="34" charset="-120"/>
+                <a:ea typeface="微軟正黑體" panose="020B0604030504040204" pitchFamily="34" charset="-120"/>
+                <a:cs typeface="+mn-ea"/>
+                <a:sym typeface="+mn-lt"/>
+              </a:rPr>
+              <a:t>Ubuntu</a:t>
+            </a:r>
+          </a:p>
+          <a:p>
+            <a:pPr marL="457200" indent="-457200">
+              <a:lnSpc>
+                <a:spcPct val="150000"/>
+              </a:lnSpc>
+              <a:buFont typeface="Arial" panose="020B0604020202020204" pitchFamily="34" charset="0"/>
+              <a:buChar char="•"/>
+            </a:pPr>
+            <a:r>
+              <a:rPr lang="zh-TW" altLang="en-US" sz="3200" dirty="0">
+                <a:solidFill>
+                  <a:schemeClr val="tx1">
+                    <a:lumMod val="75000"/>
+                    <a:lumOff val="25000"/>
+                  </a:schemeClr>
+                </a:solidFill>
+                <a:latin typeface="微軟正黑體" panose="020B0604030504040204" pitchFamily="34" charset="-120"/>
+                <a:ea typeface="微軟正黑體" panose="020B0604030504040204" pitchFamily="34" charset="-120"/>
+                <a:cs typeface="+mn-ea"/>
+                <a:sym typeface="+mn-lt"/>
+              </a:rPr>
+              <a:t>軟體版本</a:t>
+            </a:r>
+            <a:r>
+              <a:rPr lang="en-US" altLang="zh-TW" sz="3200" dirty="0">
+                <a:solidFill>
+                  <a:schemeClr val="tx1">
+                    <a:lumMod val="75000"/>
+                    <a:lumOff val="25000"/>
+                  </a:schemeClr>
+                </a:solidFill>
+                <a:latin typeface="微軟正黑體" panose="020B0604030504040204" pitchFamily="34" charset="-120"/>
+                <a:ea typeface="微軟正黑體" panose="020B0604030504040204" pitchFamily="34" charset="-120"/>
+                <a:cs typeface="+mn-ea"/>
+                <a:sym typeface="+mn-lt"/>
+              </a:rPr>
+              <a:t>:</a:t>
+            </a:r>
+            <a:r>
+              <a:rPr lang="zh-TW" altLang="en-US" sz="3200" dirty="0">
+                <a:solidFill>
+                  <a:schemeClr val="tx1">
+                    <a:lumMod val="75000"/>
+                    <a:lumOff val="25000"/>
+                  </a:schemeClr>
+                </a:solidFill>
+                <a:latin typeface="微軟正黑體" panose="020B0604030504040204" pitchFamily="34" charset="-120"/>
+                <a:ea typeface="微軟正黑體" panose="020B0604030504040204" pitchFamily="34" charset="-120"/>
+                <a:cs typeface="+mn-ea"/>
+                <a:sym typeface="+mn-lt"/>
+              </a:rPr>
+              <a:t> </a:t>
+            </a:r>
+            <a:r>
+              <a:rPr lang="en-US" altLang="zh-TW" sz="3200" dirty="0">
+                <a:solidFill>
+                  <a:schemeClr val="tx1">
+                    <a:lumMod val="75000"/>
+                    <a:lumOff val="25000"/>
+                  </a:schemeClr>
+                </a:solidFill>
+                <a:latin typeface="微軟正黑體" panose="020B0604030504040204" pitchFamily="34" charset="-120"/>
+                <a:ea typeface="微軟正黑體" panose="020B0604030504040204" pitchFamily="34" charset="-120"/>
+                <a:cs typeface="+mn-ea"/>
+                <a:sym typeface="+mn-lt"/>
+              </a:rPr>
+              <a:t>python 3.6</a:t>
+            </a:r>
+          </a:p>
+          <a:p>
+            <a:pPr>
+              <a:lnSpc>
+                <a:spcPct val="150000"/>
+              </a:lnSpc>
+            </a:pPr>
+            <a:r>
+              <a:rPr lang="en-US" altLang="zh-TW" sz="3200" dirty="0">
+                <a:solidFill>
+                  <a:schemeClr val="tx1">
+                    <a:lumMod val="75000"/>
+                    <a:lumOff val="25000"/>
+                  </a:schemeClr>
+                </a:solidFill>
+                <a:latin typeface="微軟正黑體" panose="020B0604030504040204" pitchFamily="34" charset="-120"/>
+                <a:ea typeface="微軟正黑體" panose="020B0604030504040204" pitchFamily="34" charset="-120"/>
+                <a:cs typeface="+mn-ea"/>
+                <a:sym typeface="+mn-lt"/>
+              </a:rPr>
+              <a:t>		    </a:t>
+            </a:r>
+            <a:r>
+              <a:rPr lang="en-US" altLang="zh-TW" sz="3200" dirty="0" err="1">
+                <a:solidFill>
+                  <a:schemeClr val="tx1">
+                    <a:lumMod val="75000"/>
+                    <a:lumOff val="25000"/>
+                  </a:schemeClr>
+                </a:solidFill>
+                <a:latin typeface="微軟正黑體" panose="020B0604030504040204" pitchFamily="34" charset="-120"/>
+                <a:ea typeface="微軟正黑體" panose="020B0604030504040204" pitchFamily="34" charset="-120"/>
+                <a:cs typeface="+mn-ea"/>
+                <a:sym typeface="+mn-lt"/>
+              </a:rPr>
+              <a:t>opencv</a:t>
+            </a:r>
+            <a:r>
+              <a:rPr lang="en-US" altLang="zh-TW" sz="3200" dirty="0">
+                <a:solidFill>
+                  <a:schemeClr val="tx1">
+                    <a:lumMod val="75000"/>
+                    <a:lumOff val="25000"/>
+                  </a:schemeClr>
+                </a:solidFill>
+                <a:latin typeface="微軟正黑體" panose="020B0604030504040204" pitchFamily="34" charset="-120"/>
+                <a:ea typeface="微軟正黑體" panose="020B0604030504040204" pitchFamily="34" charset="-120"/>
+                <a:cs typeface="+mn-ea"/>
+                <a:sym typeface="+mn-lt"/>
+              </a:rPr>
+              <a:t> 3.4.2</a:t>
+            </a:r>
+          </a:p>
+          <a:p>
+            <a:pPr marL="457200" indent="-457200">
+              <a:lnSpc>
+                <a:spcPct val="150000"/>
+              </a:lnSpc>
+              <a:buFont typeface="Arial" panose="020B0604020202020204" pitchFamily="34" charset="0"/>
+              <a:buChar char="•"/>
+            </a:pPr>
+            <a:r>
+              <a:rPr lang="zh-TW" altLang="en-US" sz="3200" dirty="0">
+                <a:solidFill>
+                  <a:schemeClr val="tx1">
+                    <a:lumMod val="75000"/>
+                    <a:lumOff val="25000"/>
+                  </a:schemeClr>
+                </a:solidFill>
+                <a:latin typeface="微軟正黑體" panose="020B0604030504040204" pitchFamily="34" charset="-120"/>
+                <a:ea typeface="微軟正黑體" panose="020B0604030504040204" pitchFamily="34" charset="-120"/>
+                <a:cs typeface="+mn-ea"/>
+                <a:sym typeface="+mn-lt"/>
+              </a:rPr>
+              <a:t>擴充元件</a:t>
+            </a:r>
+            <a:r>
+              <a:rPr lang="en-US" altLang="zh-TW" sz="3200" dirty="0">
+                <a:solidFill>
+                  <a:schemeClr val="tx1">
+                    <a:lumMod val="75000"/>
+                    <a:lumOff val="25000"/>
+                  </a:schemeClr>
+                </a:solidFill>
+                <a:latin typeface="微軟正黑體" panose="020B0604030504040204" pitchFamily="34" charset="-120"/>
+                <a:ea typeface="微軟正黑體" panose="020B0604030504040204" pitchFamily="34" charset="-120"/>
+                <a:cs typeface="+mn-ea"/>
+                <a:sym typeface="+mn-lt"/>
+              </a:rPr>
+              <a:t>:</a:t>
+            </a:r>
+            <a:r>
+              <a:rPr lang="zh-TW" altLang="en-US" sz="3200" dirty="0">
+                <a:solidFill>
+                  <a:schemeClr val="tx1">
+                    <a:lumMod val="75000"/>
+                    <a:lumOff val="25000"/>
+                  </a:schemeClr>
+                </a:solidFill>
+                <a:latin typeface="微軟正黑體" panose="020B0604030504040204" pitchFamily="34" charset="-120"/>
+                <a:ea typeface="微軟正黑體" panose="020B0604030504040204" pitchFamily="34" charset="-120"/>
+                <a:cs typeface="+mn-ea"/>
+                <a:sym typeface="+mn-lt"/>
+              </a:rPr>
+              <a:t> </a:t>
+            </a:r>
+            <a:r>
+              <a:rPr lang="en-US" altLang="zh-TW" sz="3200" dirty="0" smtClean="0">
+                <a:solidFill>
+                  <a:schemeClr val="tx1">
+                    <a:lumMod val="75000"/>
+                    <a:lumOff val="25000"/>
+                  </a:schemeClr>
+                </a:solidFill>
+                <a:latin typeface="微軟正黑體" panose="020B0604030504040204" pitchFamily="34" charset="-120"/>
+                <a:ea typeface="微軟正黑體" panose="020B0604030504040204" pitchFamily="34" charset="-120"/>
+                <a:cs typeface="+mn-ea"/>
+                <a:sym typeface="+mn-lt"/>
+              </a:rPr>
+              <a:t>USB</a:t>
+            </a:r>
+            <a:r>
+              <a:rPr lang="zh-TW" altLang="en-US" sz="3200" dirty="0" smtClean="0">
+                <a:solidFill>
+                  <a:schemeClr val="tx1">
+                    <a:lumMod val="75000"/>
+                    <a:lumOff val="25000"/>
+                  </a:schemeClr>
+                </a:solidFill>
+                <a:latin typeface="微軟正黑體" panose="020B0604030504040204" pitchFamily="34" charset="-120"/>
+                <a:ea typeface="微軟正黑體" panose="020B0604030504040204" pitchFamily="34" charset="-120"/>
+                <a:cs typeface="+mn-ea"/>
+                <a:sym typeface="+mn-lt"/>
+              </a:rPr>
+              <a:t>攝影機</a:t>
+            </a:r>
+            <a:endParaRPr lang="en-US" altLang="zh-TW" sz="3200" dirty="0">
               <a:solidFill>
                 <a:schemeClr val="tx1">
                   <a:lumMod val="75000"/>
@@ -18154,7 +16955,7 @@
     </p:spTree>
     <p:extLst>
       <p:ext uri="{BB962C8B-B14F-4D97-AF65-F5344CB8AC3E}">
-        <p14:creationId xmlns:p14="http://schemas.microsoft.com/office/powerpoint/2010/main" val="637610471"/>
+        <p14:creationId xmlns:p14="http://schemas.microsoft.com/office/powerpoint/2010/main" val="1650368052"/>
       </p:ext>
     </p:extLst>
   </p:cSld>

--- a/IP_FRS.pptx
+++ b/IP_FRS.pptx
@@ -2897,78 +2897,78 @@
     </dgm:pt>
   </dgm:ptLst>
   <dgm:cxnLst>
+    <dgm:cxn modelId="{96023D78-F5FE-458A-9C77-BA782D9E34FB}" srcId="{C1995ACD-DEEA-4649-9190-0A2396D6DBA3}" destId="{6A60B06C-5221-4384-A9FB-3C2F40D70CFC}" srcOrd="2" destOrd="0" parTransId="{1D01C1D7-F99C-40D9-8169-9A3606FC3C22}" sibTransId="{CE8C7E41-6626-4993-84F7-230AABC742CC}"/>
+    <dgm:cxn modelId="{9935FD93-C4F2-4D60-8FD8-02DB113D79BC}" type="presOf" srcId="{7F7DDA6E-F3A1-4195-9D49-DD6A7A673A53}" destId="{1CACF2A5-9765-453F-9602-3749D63C20FF}" srcOrd="0" destOrd="0" presId="urn:microsoft.com/office/officeart/2005/8/layout/orgChart1"/>
+    <dgm:cxn modelId="{E083AA21-4155-48B2-8F94-BCB535ECC4E3}" type="presOf" srcId="{0CDD43BF-559F-46B2-A99A-AC0F2E14E16C}" destId="{E780AC31-68D7-4FDE-AB32-EFBB2D377EE9}" srcOrd="0" destOrd="0" presId="urn:microsoft.com/office/officeart/2005/8/layout/orgChart1"/>
+    <dgm:cxn modelId="{DC813085-6362-440A-A9A1-BE9DF2040FD9}" type="presOf" srcId="{D9741ECF-9D86-4A1C-8DF4-94C0D2567BD6}" destId="{C3DBE02B-4666-4866-AB49-9225C9F7E671}" srcOrd="1" destOrd="0" presId="urn:microsoft.com/office/officeart/2005/8/layout/orgChart1"/>
+    <dgm:cxn modelId="{0A001B7D-02A3-44E0-884E-6CD766446281}" srcId="{E7358108-83A8-42F1-84AF-1043344A61B4}" destId="{9D5DD00D-D723-41C3-A564-BE447082CEE3}" srcOrd="1" destOrd="0" parTransId="{7F7DDA6E-F3A1-4195-9D49-DD6A7A673A53}" sibTransId="{CC461DF6-266C-458F-8E69-C9749734EA70}"/>
+    <dgm:cxn modelId="{9E00E631-3A37-453D-8036-41BFD158F301}" srcId="{C1995ACD-DEEA-4649-9190-0A2396D6DBA3}" destId="{E7358108-83A8-42F1-84AF-1043344A61B4}" srcOrd="0" destOrd="0" parTransId="{69FD09DB-7D78-47CE-93D1-107E376A870E}" sibTransId="{1EE218E9-8B94-451F-A133-38BAF668B8B5}"/>
+    <dgm:cxn modelId="{AC8D643F-2F3D-4119-9CAE-EC9A6F0471FB}" type="presOf" srcId="{E75562FB-B070-41B3-8EF8-CB551DCB0DC5}" destId="{D223C34C-51A5-4CA5-8302-426A14A3C069}" srcOrd="1" destOrd="0" presId="urn:microsoft.com/office/officeart/2005/8/layout/orgChart1"/>
+    <dgm:cxn modelId="{076AD29A-7FEC-4388-8353-A4CBF00E6363}" srcId="{6A60B06C-5221-4384-A9FB-3C2F40D70CFC}" destId="{E75562FB-B070-41B3-8EF8-CB551DCB0DC5}" srcOrd="0" destOrd="0" parTransId="{6D45DEA0-D4D5-4F5A-B34F-FF0007B4D557}" sibTransId="{C45E83A9-31EF-4525-9EDB-CCA5F08C6693}"/>
+    <dgm:cxn modelId="{A22D7F34-B439-4CBC-B05B-B7928B3E9518}" type="presOf" srcId="{BB9FF21B-E75B-43A4-B03F-6C82A45E4511}" destId="{EA605843-84EA-4778-BB50-59415505C303}" srcOrd="0" destOrd="0" presId="urn:microsoft.com/office/officeart/2005/8/layout/orgChart1"/>
+    <dgm:cxn modelId="{C9E1A3AF-3029-4336-9E97-247571346B4D}" srcId="{6A60B06C-5221-4384-A9FB-3C2F40D70CFC}" destId="{173D0E01-5CCA-4DD5-8675-4848935F7747}" srcOrd="2" destOrd="0" parTransId="{55B79C09-F970-4D01-B0A7-8ACEF6E6AD89}" sibTransId="{E1E5182E-6650-442C-8A65-B508E3E2E2EE}"/>
+    <dgm:cxn modelId="{2A37767E-672C-464E-931A-BC8365AF4F05}" type="presOf" srcId="{AD32A085-D46D-4887-85FE-3881670D4ABC}" destId="{C609D8FB-3E78-41DF-97D1-426FFD67870A}" srcOrd="1" destOrd="0" presId="urn:microsoft.com/office/officeart/2005/8/layout/orgChart1"/>
+    <dgm:cxn modelId="{96D6EEE7-8235-4C17-9267-91757A269C8B}" type="presOf" srcId="{39BE0418-99C9-4A4C-9BB7-65D49A05BB31}" destId="{BC019BB1-5CF6-423B-ABA0-427EF99217C0}" srcOrd="1" destOrd="0" presId="urn:microsoft.com/office/officeart/2005/8/layout/orgChart1"/>
+    <dgm:cxn modelId="{468F5004-FAEB-4B83-ACBE-87CC0951A8B8}" type="presOf" srcId="{807A8DFA-5BDA-4B03-B801-660127571B99}" destId="{079241A2-20E2-4232-9D06-88AA9F82E25C}" srcOrd="1" destOrd="0" presId="urn:microsoft.com/office/officeart/2005/8/layout/orgChart1"/>
+    <dgm:cxn modelId="{5E40A485-E986-4DF1-9B84-9F421FDAB0BC}" type="presOf" srcId="{BA5BADE7-FE02-4E58-AED6-CA6877DD8C92}" destId="{2B8AB7A6-9DF3-44B8-A462-8360BF7B6F26}" srcOrd="0" destOrd="0" presId="urn:microsoft.com/office/officeart/2005/8/layout/orgChart1"/>
+    <dgm:cxn modelId="{E468E2C1-D5DC-4913-912C-4A712F294189}" type="presOf" srcId="{5E31DA61-BA7B-4CD0-B08B-CD683A1209DE}" destId="{5FA213B4-DAA0-4BB7-88F0-3CEC63244ACD}" srcOrd="1" destOrd="0" presId="urn:microsoft.com/office/officeart/2005/8/layout/orgChart1"/>
+    <dgm:cxn modelId="{2D0656AF-0273-4C6D-AC64-715F64FDF61C}" type="presOf" srcId="{AC3A9028-A893-43CC-B0AA-EFF03CAF6956}" destId="{CE0C6D92-1D52-4CC6-84E1-16B238E7C260}" srcOrd="1" destOrd="0" presId="urn:microsoft.com/office/officeart/2005/8/layout/orgChart1"/>
+    <dgm:cxn modelId="{03722BE0-8259-46A6-B008-EAB71F887898}" type="presOf" srcId="{173D0E01-5CCA-4DD5-8675-4848935F7747}" destId="{2ED1784F-575D-45D8-88D0-DAD0F7EA56B1}" srcOrd="1" destOrd="0" presId="urn:microsoft.com/office/officeart/2005/8/layout/orgChart1"/>
+    <dgm:cxn modelId="{56AC4AFB-311A-46F6-A4BB-99EDEE2BF2CF}" type="presOf" srcId="{5E31DA61-BA7B-4CD0-B08B-CD683A1209DE}" destId="{A6632A3E-C71E-4AE1-A356-3690361E8512}" srcOrd="0" destOrd="0" presId="urn:microsoft.com/office/officeart/2005/8/layout/orgChart1"/>
+    <dgm:cxn modelId="{26F9324B-44A5-4EE4-A830-EBDAA24A23BC}" type="presOf" srcId="{86D061FF-D2B9-4444-977F-ADD2F8B26F58}" destId="{DBAD3854-BABD-419A-91AD-A1E38A3CF09E}" srcOrd="1" destOrd="0" presId="urn:microsoft.com/office/officeart/2005/8/layout/orgChart1"/>
+    <dgm:cxn modelId="{657B40C3-3E57-4CCB-9E16-E70710592D61}" type="presOf" srcId="{45589563-E41B-44DB-8AFC-34EE8901D150}" destId="{31BD8C53-89B5-4F7C-9478-2F7EA5E507AF}" srcOrd="0" destOrd="0" presId="urn:microsoft.com/office/officeart/2005/8/layout/orgChart1"/>
+    <dgm:cxn modelId="{A474708C-9EBF-4ECD-BF09-326E10A1A9BC}" type="presOf" srcId="{B3FBE738-30A6-4B4A-9DB3-9AB2CC3B1641}" destId="{34F89FF5-4CE7-4557-94ED-372F163EBFBB}" srcOrd="0" destOrd="0" presId="urn:microsoft.com/office/officeart/2005/8/layout/orgChart1"/>
+    <dgm:cxn modelId="{934DDD9A-24FF-4BF0-940E-843BF0B8C4A9}" type="presOf" srcId="{39BE0418-99C9-4A4C-9BB7-65D49A05BB31}" destId="{A22D8479-F3B5-40E2-B47E-87AA623B4993}" srcOrd="0" destOrd="0" presId="urn:microsoft.com/office/officeart/2005/8/layout/orgChart1"/>
+    <dgm:cxn modelId="{78F39385-89B2-4678-B14C-4566B6C7C105}" type="presOf" srcId="{C1995ACD-DEEA-4649-9190-0A2396D6DBA3}" destId="{51FCB016-BDCC-466A-AEB8-2EA2F7D30621}" srcOrd="1" destOrd="0" presId="urn:microsoft.com/office/officeart/2005/8/layout/orgChart1"/>
+    <dgm:cxn modelId="{C211CE96-685E-4E45-B077-337E200B74C6}" type="presOf" srcId="{6A60B06C-5221-4384-A9FB-3C2F40D70CFC}" destId="{C7A39AEC-6CA1-4A35-BBFE-442C186C536B}" srcOrd="0" destOrd="0" presId="urn:microsoft.com/office/officeart/2005/8/layout/orgChart1"/>
+    <dgm:cxn modelId="{692C2E6B-BDFD-4010-A265-F8C30B20FA6C}" srcId="{86D061FF-D2B9-4444-977F-ADD2F8B26F58}" destId="{45589563-E41B-44DB-8AFC-34EE8901D150}" srcOrd="1" destOrd="0" parTransId="{56898A94-E574-4C74-BB23-528EED54EB78}" sibTransId="{9C579D39-AB85-41C8-8432-AFBFC00D9440}"/>
+    <dgm:cxn modelId="{EDDD4D9C-7009-4E90-A9EE-E3DD9DF935B6}" type="presOf" srcId="{C8AEE87B-F7A2-4CFA-BE00-6B9F721DFE96}" destId="{23546AB9-AA88-44E8-A74F-6A7DB71CEDFA}" srcOrd="1" destOrd="0" presId="urn:microsoft.com/office/officeart/2005/8/layout/orgChart1"/>
+    <dgm:cxn modelId="{74B08588-A8AA-40FE-A5B1-93EF0CF50E26}" type="presOf" srcId="{C8AEE87B-F7A2-4CFA-BE00-6B9F721DFE96}" destId="{9CB29694-F3D7-41DB-BEBC-33D5343BA11A}" srcOrd="0" destOrd="0" presId="urn:microsoft.com/office/officeart/2005/8/layout/orgChart1"/>
+    <dgm:cxn modelId="{EE5226F3-BDB5-4446-8FD2-352101F36877}" type="presOf" srcId="{6A60B06C-5221-4384-A9FB-3C2F40D70CFC}" destId="{55A8D0F4-35D7-4632-89EE-BB6F8E87DDB0}" srcOrd="1" destOrd="0" presId="urn:microsoft.com/office/officeart/2005/8/layout/orgChart1"/>
+    <dgm:cxn modelId="{4F0B0D3E-984D-49D4-BF42-B0C2A303B629}" type="presOf" srcId="{86D061FF-D2B9-4444-977F-ADD2F8B26F58}" destId="{027E1B34-93FE-4CE3-8A28-D69A90B48A09}" srcOrd="0" destOrd="0" presId="urn:microsoft.com/office/officeart/2005/8/layout/orgChart1"/>
+    <dgm:cxn modelId="{067C603F-91D6-450C-B790-42D6C288A3E5}" type="presOf" srcId="{173D0E01-5CCA-4DD5-8675-4848935F7747}" destId="{F408B408-E62C-4B71-97E3-A289C9A0B662}" srcOrd="0" destOrd="0" presId="urn:microsoft.com/office/officeart/2005/8/layout/orgChart1"/>
+    <dgm:cxn modelId="{5B2A6C7F-9AFC-4DAC-BABF-81E31DDE16BF}" type="presOf" srcId="{62CBE48F-EC59-4730-8AFF-764E8BD5E8AD}" destId="{81D60BD1-1DBC-4430-BF4F-3151B42A904C}" srcOrd="0" destOrd="0" presId="urn:microsoft.com/office/officeart/2005/8/layout/orgChart1"/>
+    <dgm:cxn modelId="{90BC6C25-1C2D-43DE-9E7E-C518D4EF859B}" srcId="{BB9FF21B-E75B-43A4-B03F-6C82A45E4511}" destId="{AC3A9028-A893-43CC-B0AA-EFF03CAF6956}" srcOrd="1" destOrd="0" parTransId="{6120E8A3-E282-411C-B7AF-52CB84C5223C}" sibTransId="{1697C4F1-C0E7-4E58-B3A5-D36654A6903E}"/>
+    <dgm:cxn modelId="{50F06AC8-64F8-4C55-973D-0D2D10892A1A}" type="presOf" srcId="{B429E2B1-9AB4-4DAF-A3D8-FAB2AEC20118}" destId="{AD91993C-55B9-441F-87C0-0719108305AF}" srcOrd="0" destOrd="0" presId="urn:microsoft.com/office/officeart/2005/8/layout/orgChart1"/>
+    <dgm:cxn modelId="{20309684-A762-44F5-84F3-A30330CCFCA8}" type="presOf" srcId="{0CF1DFD8-24BF-4C6B-BD01-BEBB8834C8DE}" destId="{D1B06913-B69F-4394-9B6A-75C451167FE8}" srcOrd="1" destOrd="0" presId="urn:microsoft.com/office/officeart/2005/8/layout/orgChart1"/>
+    <dgm:cxn modelId="{B570293E-A034-4184-8C6E-4316A0AFC6A7}" type="presOf" srcId="{6D45DEA0-D4D5-4F5A-B34F-FF0007B4D557}" destId="{BC0D907D-CEB2-4F4E-B6F3-5737303E1E5F}" srcOrd="0" destOrd="0" presId="urn:microsoft.com/office/officeart/2005/8/layout/orgChart1"/>
+    <dgm:cxn modelId="{828B6D54-699D-4E46-AD40-07C1A62B13D9}" srcId="{C1995ACD-DEEA-4649-9190-0A2396D6DBA3}" destId="{86D061FF-D2B9-4444-977F-ADD2F8B26F58}" srcOrd="3" destOrd="0" parTransId="{BA5BADE7-FE02-4E58-AED6-CA6877DD8C92}" sibTransId="{CFC98E5F-E976-47DE-BF3C-8D713A362CC8}"/>
+    <dgm:cxn modelId="{EB9B66F3-23F2-4335-87BC-8A49DAD1087A}" type="presOf" srcId="{55B79C09-F970-4D01-B0A7-8ACEF6E6AD89}" destId="{A71F2F49-1E59-48E8-99C8-67B0E3373751}" srcOrd="0" destOrd="0" presId="urn:microsoft.com/office/officeart/2005/8/layout/orgChart1"/>
+    <dgm:cxn modelId="{A8940652-5E36-4B09-BDC7-923AD7A2B90A}" type="presOf" srcId="{C1995ACD-DEEA-4649-9190-0A2396D6DBA3}" destId="{0F6EA74C-FEEA-4A60-8965-C249C259639B}" srcOrd="0" destOrd="0" presId="urn:microsoft.com/office/officeart/2005/8/layout/orgChart1"/>
+    <dgm:cxn modelId="{E4D8F05D-28B4-48A9-9BB5-6EE26DA1C4A4}" type="presOf" srcId="{CB39D681-7061-437F-A140-79E3079A753F}" destId="{E79A5832-DD8A-4441-B652-BD9EC8B7EED1}" srcOrd="0" destOrd="0" presId="urn:microsoft.com/office/officeart/2005/8/layout/orgChart1"/>
+    <dgm:cxn modelId="{97F9CF93-1ADD-4C27-A321-B36B3C7D5089}" srcId="{E7358108-83A8-42F1-84AF-1043344A61B4}" destId="{C8AEE87B-F7A2-4CFA-BE00-6B9F721DFE96}" srcOrd="0" destOrd="0" parTransId="{DBFF9E4D-F654-4E3E-A2C7-9EEF27EF4259}" sibTransId="{EC9178BF-E53B-4AAF-BF49-34A7F5D46978}"/>
+    <dgm:cxn modelId="{B0D333DA-4366-40E3-9447-D37D14EAA057}" type="presOf" srcId="{10800D79-C7F5-402B-9C15-F3A760B05058}" destId="{BDE2651E-B7D5-4C3D-AD07-DA19A512C3EE}" srcOrd="0" destOrd="0" presId="urn:microsoft.com/office/officeart/2005/8/layout/orgChart1"/>
+    <dgm:cxn modelId="{B024FF53-4887-4D94-A72D-4D97CAFD64F6}" type="presOf" srcId="{E7358108-83A8-42F1-84AF-1043344A61B4}" destId="{74E53E5B-7DCA-4C09-A9BF-327363D42547}" srcOrd="1" destOrd="0" presId="urn:microsoft.com/office/officeart/2005/8/layout/orgChart1"/>
+    <dgm:cxn modelId="{7A623373-9A1A-4AF6-9F21-420BD8CCA4D6}" type="presOf" srcId="{AC3A9028-A893-43CC-B0AA-EFF03CAF6956}" destId="{F395118E-6F8D-4111-995B-78F916EC69E4}" srcOrd="0" destOrd="0" presId="urn:microsoft.com/office/officeart/2005/8/layout/orgChart1"/>
+    <dgm:cxn modelId="{8DF793BF-2779-4364-8E86-AD0E5A6E0DE7}" srcId="{BB9FF21B-E75B-43A4-B03F-6C82A45E4511}" destId="{807A8DFA-5BDA-4B03-B801-660127571B99}" srcOrd="0" destOrd="0" parTransId="{CB39D681-7061-437F-A140-79E3079A753F}" sibTransId="{4527A35C-07AB-4D60-998A-707A1A9945D9}"/>
+    <dgm:cxn modelId="{95FBBB1B-BA8C-4D24-ACCC-619FCD002F1D}" srcId="{AD32A085-D46D-4887-85FE-3881670D4ABC}" destId="{62CBE48F-EC59-4730-8AFF-764E8BD5E8AD}" srcOrd="1" destOrd="0" parTransId="{C280D63C-71F5-492D-8B35-D8AC545A8FD6}" sibTransId="{D2980E21-5749-422D-848B-5FE4F350FA78}"/>
+    <dgm:cxn modelId="{5A2480C8-310C-440F-9E09-EB0FB3B9D5FD}" type="presOf" srcId="{62CBE48F-EC59-4730-8AFF-764E8BD5E8AD}" destId="{7AFA0562-599B-4AA7-9AC2-2C2B381E4C25}" srcOrd="1" destOrd="0" presId="urn:microsoft.com/office/officeart/2005/8/layout/orgChart1"/>
+    <dgm:cxn modelId="{8E30AF8B-B498-43A6-9E10-84E97522C64C}" type="presOf" srcId="{BB9FF21B-E75B-43A4-B03F-6C82A45E4511}" destId="{D8602253-5290-4E90-A5EF-32A901888DAC}" srcOrd="1" destOrd="0" presId="urn:microsoft.com/office/officeart/2005/8/layout/orgChart1"/>
+    <dgm:cxn modelId="{E6AE6DE8-C2C9-4981-9F67-AF4B7A61307E}" srcId="{BB9FF21B-E75B-43A4-B03F-6C82A45E4511}" destId="{D9741ECF-9D86-4A1C-8DF4-94C0D2567BD6}" srcOrd="2" destOrd="0" parTransId="{82C8B149-700F-4051-9983-87F5E03CFF7E}" sibTransId="{C4E1B7AB-6B1C-47EE-9CE3-BDA1128D49D0}"/>
+    <dgm:cxn modelId="{A8E79D71-C7DF-4296-A3C7-24AFAA6DE9C3}" srcId="{86D061FF-D2B9-4444-977F-ADD2F8B26F58}" destId="{0CF1DFD8-24BF-4C6B-BD01-BEBB8834C8DE}" srcOrd="0" destOrd="0" parTransId="{0CDD43BF-559F-46B2-A99A-AC0F2E14E16C}" sibTransId="{4F46DB3D-023A-410E-88AA-FB56A0D3206C}"/>
+    <dgm:cxn modelId="{FB4A1C85-F1E3-45BF-8CD8-8E9D3AE2F3BA}" type="presOf" srcId="{9D5DD00D-D723-41C3-A564-BE447082CEE3}" destId="{7877DBA2-C865-46EE-839A-1D3781B37466}" srcOrd="1" destOrd="0" presId="urn:microsoft.com/office/officeart/2005/8/layout/orgChart1"/>
+    <dgm:cxn modelId="{C47797F5-38B9-473C-BAF6-6BF13D809F75}" type="presOf" srcId="{D9741ECF-9D86-4A1C-8DF4-94C0D2567BD6}" destId="{05EDF6D9-342B-4E22-BFC6-FB63F8436FD9}" srcOrd="0" destOrd="0" presId="urn:microsoft.com/office/officeart/2005/8/layout/orgChart1"/>
+    <dgm:cxn modelId="{1E7CF7F4-880F-46A8-A683-3C17F8E77C97}" type="presOf" srcId="{AD32A085-D46D-4887-85FE-3881670D4ABC}" destId="{D6D7FEDC-5C4A-4464-B939-F0267B32F854}" srcOrd="0" destOrd="0" presId="urn:microsoft.com/office/officeart/2005/8/layout/orgChart1"/>
+    <dgm:cxn modelId="{DB594F0F-D2CE-46D6-8A71-32F88F2A750A}" type="presOf" srcId="{E7358108-83A8-42F1-84AF-1043344A61B4}" destId="{898283FA-7639-445A-95D5-432134CB6ADF}" srcOrd="0" destOrd="0" presId="urn:microsoft.com/office/officeart/2005/8/layout/orgChart1"/>
+    <dgm:cxn modelId="{367BD37E-38CF-4245-9EFA-D01B85B83BD9}" type="presOf" srcId="{56898A94-E574-4C74-BB23-528EED54EB78}" destId="{2D80F0C3-C504-4561-A084-06B66D39392D}" srcOrd="0" destOrd="0" presId="urn:microsoft.com/office/officeart/2005/8/layout/orgChart1"/>
+    <dgm:cxn modelId="{6AE5289E-380D-477A-8B3F-2DA1D4B51CB3}" srcId="{C1995ACD-DEEA-4649-9190-0A2396D6DBA3}" destId="{BB9FF21B-E75B-43A4-B03F-6C82A45E4511}" srcOrd="1" destOrd="0" parTransId="{B3FBE738-30A6-4B4A-9DB3-9AB2CC3B1641}" sibTransId="{02222961-B9DB-42C2-91C4-66DA7EA2366A}"/>
+    <dgm:cxn modelId="{50DAC207-194B-4522-8F60-70329D502C4A}" type="presOf" srcId="{DBFF9E4D-F654-4E3E-A2C7-9EEF27EF4259}" destId="{5F48F0E4-2C7E-480D-9A45-E44C79D6BEA5}" srcOrd="0" destOrd="0" presId="urn:microsoft.com/office/officeart/2005/8/layout/orgChart1"/>
+    <dgm:cxn modelId="{A5A6396D-90A6-4EAB-BD65-C6E3EB328989}" srcId="{6A60B06C-5221-4384-A9FB-3C2F40D70CFC}" destId="{5E31DA61-BA7B-4CD0-B08B-CD683A1209DE}" srcOrd="1" destOrd="0" parTransId="{B429E2B1-9AB4-4DAF-A3D8-FAB2AEC20118}" sibTransId="{EFD350DB-5014-47BD-802E-75E7FEB9EDCE}"/>
+    <dgm:cxn modelId="{86B0FB32-42C9-4162-91B1-FFC1DE8460AC}" type="presOf" srcId="{29EEBFE2-BEA6-4F35-8D1E-FF7000BD40D5}" destId="{764024E2-07FC-4A92-AB92-49DAE6C1E5A9}" srcOrd="0" destOrd="0" presId="urn:microsoft.com/office/officeart/2005/8/layout/orgChart1"/>
+    <dgm:cxn modelId="{D680EA26-5B15-420D-9FA0-DD0C5A469941}" srcId="{29EEBFE2-BEA6-4F35-8D1E-FF7000BD40D5}" destId="{C1995ACD-DEEA-4649-9190-0A2396D6DBA3}" srcOrd="0" destOrd="0" parTransId="{A5ED610D-3F11-454D-B28B-8E429C182DBB}" sibTransId="{CF4FC96D-3D22-44F0-A56F-5F48565B1343}"/>
+    <dgm:cxn modelId="{AB480F80-CE0A-4F95-916F-C7173772710C}" type="presOf" srcId="{9D5DD00D-D723-41C3-A564-BE447082CEE3}" destId="{DE79C5C0-52BB-4AB4-B9E4-4D482851A011}" srcOrd="0" destOrd="0" presId="urn:microsoft.com/office/officeart/2005/8/layout/orgChart1"/>
+    <dgm:cxn modelId="{0C378782-35EC-4245-8A15-5269519644AB}" type="presOf" srcId="{82C8B149-700F-4051-9983-87F5E03CFF7E}" destId="{6951BAB4-BE5B-4240-B59E-660738FB8C0A}" srcOrd="0" destOrd="0" presId="urn:microsoft.com/office/officeart/2005/8/layout/orgChart1"/>
+    <dgm:cxn modelId="{D693D372-7061-4242-B7FA-0922BF6D50B1}" srcId="{AD32A085-D46D-4887-85FE-3881670D4ABC}" destId="{39BE0418-99C9-4A4C-9BB7-65D49A05BB31}" srcOrd="0" destOrd="0" parTransId="{3F984D36-88C5-4802-A36C-73B6E41E1411}" sibTransId="{AADAA9E2-AA9B-4FCD-ACF3-BAF5F5DC6DE5}"/>
+    <dgm:cxn modelId="{ACBF2E96-571F-41C3-8588-71030E8562EF}" type="presOf" srcId="{E75562FB-B070-41B3-8EF8-CB551DCB0DC5}" destId="{6871A768-0DBE-4C41-BCFF-9B19A28A7E1D}" srcOrd="0" destOrd="0" presId="urn:microsoft.com/office/officeart/2005/8/layout/orgChart1"/>
     <dgm:cxn modelId="{0795BC80-BD44-4D5E-9628-A25590A3080E}" type="presOf" srcId="{C280D63C-71F5-492D-8B35-D8AC545A8FD6}" destId="{CBF5EDDE-F1AE-4D96-A868-C069E99404E1}" srcOrd="0" destOrd="0" presId="urn:microsoft.com/office/officeart/2005/8/layout/orgChart1"/>
-    <dgm:cxn modelId="{5A2480C8-310C-440F-9E09-EB0FB3B9D5FD}" type="presOf" srcId="{62CBE48F-EC59-4730-8AFF-764E8BD5E8AD}" destId="{7AFA0562-599B-4AA7-9AC2-2C2B381E4C25}" srcOrd="1" destOrd="0" presId="urn:microsoft.com/office/officeart/2005/8/layout/orgChart1"/>
-    <dgm:cxn modelId="{90BC6C25-1C2D-43DE-9E7E-C518D4EF859B}" srcId="{BB9FF21B-E75B-43A4-B03F-6C82A45E4511}" destId="{AC3A9028-A893-43CC-B0AA-EFF03CAF6956}" srcOrd="1" destOrd="0" parTransId="{6120E8A3-E282-411C-B7AF-52CB84C5223C}" sibTransId="{1697C4F1-C0E7-4E58-B3A5-D36654A6903E}"/>
-    <dgm:cxn modelId="{5B2A6C7F-9AFC-4DAC-BABF-81E31DDE16BF}" type="presOf" srcId="{62CBE48F-EC59-4730-8AFF-764E8BD5E8AD}" destId="{81D60BD1-1DBC-4430-BF4F-3151B42A904C}" srcOrd="0" destOrd="0" presId="urn:microsoft.com/office/officeart/2005/8/layout/orgChart1"/>
-    <dgm:cxn modelId="{367BD37E-38CF-4245-9EFA-D01B85B83BD9}" type="presOf" srcId="{56898A94-E574-4C74-BB23-528EED54EB78}" destId="{2D80F0C3-C504-4561-A084-06B66D39392D}" srcOrd="0" destOrd="0" presId="urn:microsoft.com/office/officeart/2005/8/layout/orgChart1"/>
-    <dgm:cxn modelId="{56AC4AFB-311A-46F6-A4BB-99EDEE2BF2CF}" type="presOf" srcId="{5E31DA61-BA7B-4CD0-B08B-CD683A1209DE}" destId="{A6632A3E-C71E-4AE1-A356-3690361E8512}" srcOrd="0" destOrd="0" presId="urn:microsoft.com/office/officeart/2005/8/layout/orgChart1"/>
-    <dgm:cxn modelId="{20309684-A762-44F5-84F3-A30330CCFCA8}" type="presOf" srcId="{0CF1DFD8-24BF-4C6B-BD01-BEBB8834C8DE}" destId="{D1B06913-B69F-4394-9B6A-75C451167FE8}" srcOrd="1" destOrd="0" presId="urn:microsoft.com/office/officeart/2005/8/layout/orgChart1"/>
-    <dgm:cxn modelId="{E4D8F05D-28B4-48A9-9BB5-6EE26DA1C4A4}" type="presOf" srcId="{CB39D681-7061-437F-A140-79E3079A753F}" destId="{E79A5832-DD8A-4441-B652-BD9EC8B7EED1}" srcOrd="0" destOrd="0" presId="urn:microsoft.com/office/officeart/2005/8/layout/orgChart1"/>
-    <dgm:cxn modelId="{EDDD4D9C-7009-4E90-A9EE-E3DD9DF935B6}" type="presOf" srcId="{C8AEE87B-F7A2-4CFA-BE00-6B9F721DFE96}" destId="{23546AB9-AA88-44E8-A74F-6A7DB71CEDFA}" srcOrd="1" destOrd="0" presId="urn:microsoft.com/office/officeart/2005/8/layout/orgChart1"/>
-    <dgm:cxn modelId="{067C603F-91D6-450C-B790-42D6C288A3E5}" type="presOf" srcId="{173D0E01-5CCA-4DD5-8675-4848935F7747}" destId="{F408B408-E62C-4B71-97E3-A289C9A0B662}" srcOrd="0" destOrd="0" presId="urn:microsoft.com/office/officeart/2005/8/layout/orgChart1"/>
-    <dgm:cxn modelId="{2A37767E-672C-464E-931A-BC8365AF4F05}" type="presOf" srcId="{AD32A085-D46D-4887-85FE-3881670D4ABC}" destId="{C609D8FB-3E78-41DF-97D1-426FFD67870A}" srcOrd="1" destOrd="0" presId="urn:microsoft.com/office/officeart/2005/8/layout/orgChart1"/>
-    <dgm:cxn modelId="{78F39385-89B2-4678-B14C-4566B6C7C105}" type="presOf" srcId="{C1995ACD-DEEA-4649-9190-0A2396D6DBA3}" destId="{51FCB016-BDCC-466A-AEB8-2EA2F7D30621}" srcOrd="1" destOrd="0" presId="urn:microsoft.com/office/officeart/2005/8/layout/orgChart1"/>
+    <dgm:cxn modelId="{3C253BA8-7896-442A-81B0-48358DFC481C}" type="presOf" srcId="{6120E8A3-E282-411C-B7AF-52CB84C5223C}" destId="{EFD32E61-B9DB-4382-8D7C-ED48B7A5E0C4}" srcOrd="0" destOrd="0" presId="urn:microsoft.com/office/officeart/2005/8/layout/orgChart1"/>
+    <dgm:cxn modelId="{80C4524F-4DF7-4799-946F-CCB503F3B731}" type="presOf" srcId="{3F984D36-88C5-4802-A36C-73B6E41E1411}" destId="{6A9A8A16-8F93-420D-8D9F-15BFBFA09642}" srcOrd="0" destOrd="0" presId="urn:microsoft.com/office/officeart/2005/8/layout/orgChart1"/>
+    <dgm:cxn modelId="{9F8086E4-200A-41A0-985F-6819AAD7FF3C}" srcId="{C1995ACD-DEEA-4649-9190-0A2396D6DBA3}" destId="{AD32A085-D46D-4887-85FE-3881670D4ABC}" srcOrd="4" destOrd="0" parTransId="{10800D79-C7F5-402B-9C15-F3A760B05058}" sibTransId="{B3F636BC-F4CF-43A1-A69B-8541CA9DB61A}"/>
+    <dgm:cxn modelId="{3AE07709-9EB4-4A95-9929-16AE08DFE16B}" type="presOf" srcId="{45589563-E41B-44DB-8AFC-34EE8901D150}" destId="{8CE4FFBF-227E-49C4-97D7-83977CD95846}" srcOrd="1" destOrd="0" presId="urn:microsoft.com/office/officeart/2005/8/layout/orgChart1"/>
+    <dgm:cxn modelId="{CF050829-6C9D-4F48-974B-656C1923992E}" type="presOf" srcId="{69FD09DB-7D78-47CE-93D1-107E376A870E}" destId="{0D5A4EFE-1C67-4062-B174-8A1DEA7885B2}" srcOrd="0" destOrd="0" presId="urn:microsoft.com/office/officeart/2005/8/layout/orgChart1"/>
+    <dgm:cxn modelId="{665D2C66-71F9-4798-AD7B-213B21EF38D4}" type="presOf" srcId="{0CF1DFD8-24BF-4C6B-BD01-BEBB8834C8DE}" destId="{FC2AA275-909E-47D7-A861-5FB840A38676}" srcOrd="0" destOrd="0" presId="urn:microsoft.com/office/officeart/2005/8/layout/orgChart1"/>
     <dgm:cxn modelId="{6C081070-BFA6-4451-8423-41FAADBD5092}" type="presOf" srcId="{807A8DFA-5BDA-4B03-B801-660127571B99}" destId="{B9F624FB-4B18-4FAE-BC1C-356832304C1D}" srcOrd="0" destOrd="0" presId="urn:microsoft.com/office/officeart/2005/8/layout/orgChart1"/>
-    <dgm:cxn modelId="{076AD29A-7FEC-4388-8353-A4CBF00E6363}" srcId="{6A60B06C-5221-4384-A9FB-3C2F40D70CFC}" destId="{E75562FB-B070-41B3-8EF8-CB551DCB0DC5}" srcOrd="0" destOrd="0" parTransId="{6D45DEA0-D4D5-4F5A-B34F-FF0007B4D557}" sibTransId="{C45E83A9-31EF-4525-9EDB-CCA5F08C6693}"/>
-    <dgm:cxn modelId="{50F06AC8-64F8-4C55-973D-0D2D10892A1A}" type="presOf" srcId="{B429E2B1-9AB4-4DAF-A3D8-FAB2AEC20118}" destId="{AD91993C-55B9-441F-87C0-0719108305AF}" srcOrd="0" destOrd="0" presId="urn:microsoft.com/office/officeart/2005/8/layout/orgChart1"/>
-    <dgm:cxn modelId="{97F9CF93-1ADD-4C27-A321-B36B3C7D5089}" srcId="{E7358108-83A8-42F1-84AF-1043344A61B4}" destId="{C8AEE87B-F7A2-4CFA-BE00-6B9F721DFE96}" srcOrd="0" destOrd="0" parTransId="{DBFF9E4D-F654-4E3E-A2C7-9EEF27EF4259}" sibTransId="{EC9178BF-E53B-4AAF-BF49-34A7F5D46978}"/>
-    <dgm:cxn modelId="{95FBBB1B-BA8C-4D24-ACCC-619FCD002F1D}" srcId="{AD32A085-D46D-4887-85FE-3881670D4ABC}" destId="{62CBE48F-EC59-4730-8AFF-764E8BD5E8AD}" srcOrd="1" destOrd="0" parTransId="{C280D63C-71F5-492D-8B35-D8AC545A8FD6}" sibTransId="{D2980E21-5749-422D-848B-5FE4F350FA78}"/>
-    <dgm:cxn modelId="{2D0656AF-0273-4C6D-AC64-715F64FDF61C}" type="presOf" srcId="{AC3A9028-A893-43CC-B0AA-EFF03CAF6956}" destId="{CE0C6D92-1D52-4CC6-84E1-16B238E7C260}" srcOrd="1" destOrd="0" presId="urn:microsoft.com/office/officeart/2005/8/layout/orgChart1"/>
-    <dgm:cxn modelId="{AC8D643F-2F3D-4119-9CAE-EC9A6F0471FB}" type="presOf" srcId="{E75562FB-B070-41B3-8EF8-CB551DCB0DC5}" destId="{D223C34C-51A5-4CA5-8302-426A14A3C069}" srcOrd="1" destOrd="0" presId="urn:microsoft.com/office/officeart/2005/8/layout/orgChart1"/>
-    <dgm:cxn modelId="{DC813085-6362-440A-A9A1-BE9DF2040FD9}" type="presOf" srcId="{D9741ECF-9D86-4A1C-8DF4-94C0D2567BD6}" destId="{C3DBE02B-4666-4866-AB49-9225C9F7E671}" srcOrd="1" destOrd="0" presId="urn:microsoft.com/office/officeart/2005/8/layout/orgChart1"/>
-    <dgm:cxn modelId="{8E30AF8B-B498-43A6-9E10-84E97522C64C}" type="presOf" srcId="{BB9FF21B-E75B-43A4-B03F-6C82A45E4511}" destId="{D8602253-5290-4E90-A5EF-32A901888DAC}" srcOrd="1" destOrd="0" presId="urn:microsoft.com/office/officeart/2005/8/layout/orgChart1"/>
-    <dgm:cxn modelId="{468F5004-FAEB-4B83-ACBE-87CC0951A8B8}" type="presOf" srcId="{807A8DFA-5BDA-4B03-B801-660127571B99}" destId="{079241A2-20E2-4232-9D06-88AA9F82E25C}" srcOrd="1" destOrd="0" presId="urn:microsoft.com/office/officeart/2005/8/layout/orgChart1"/>
-    <dgm:cxn modelId="{D693D372-7061-4242-B7FA-0922BF6D50B1}" srcId="{AD32A085-D46D-4887-85FE-3881670D4ABC}" destId="{39BE0418-99C9-4A4C-9BB7-65D49A05BB31}" srcOrd="0" destOrd="0" parTransId="{3F984D36-88C5-4802-A36C-73B6E41E1411}" sibTransId="{AADAA9E2-AA9B-4FCD-ACF3-BAF5F5DC6DE5}"/>
-    <dgm:cxn modelId="{828B6D54-699D-4E46-AD40-07C1A62B13D9}" srcId="{C1995ACD-DEEA-4649-9190-0A2396D6DBA3}" destId="{86D061FF-D2B9-4444-977F-ADD2F8B26F58}" srcOrd="3" destOrd="0" parTransId="{BA5BADE7-FE02-4E58-AED6-CA6877DD8C92}" sibTransId="{CFC98E5F-E976-47DE-BF3C-8D713A362CC8}"/>
-    <dgm:cxn modelId="{657B40C3-3E57-4CCB-9E16-E70710592D61}" type="presOf" srcId="{45589563-E41B-44DB-8AFC-34EE8901D150}" destId="{31BD8C53-89B5-4F7C-9478-2F7EA5E507AF}" srcOrd="0" destOrd="0" presId="urn:microsoft.com/office/officeart/2005/8/layout/orgChart1"/>
-    <dgm:cxn modelId="{A5A6396D-90A6-4EAB-BD65-C6E3EB328989}" srcId="{6A60B06C-5221-4384-A9FB-3C2F40D70CFC}" destId="{5E31DA61-BA7B-4CD0-B08B-CD683A1209DE}" srcOrd="1" destOrd="0" parTransId="{B429E2B1-9AB4-4DAF-A3D8-FAB2AEC20118}" sibTransId="{EFD350DB-5014-47BD-802E-75E7FEB9EDCE}"/>
-    <dgm:cxn modelId="{EE5226F3-BDB5-4446-8FD2-352101F36877}" type="presOf" srcId="{6A60B06C-5221-4384-A9FB-3C2F40D70CFC}" destId="{55A8D0F4-35D7-4632-89EE-BB6F8E87DDB0}" srcOrd="1" destOrd="0" presId="urn:microsoft.com/office/officeart/2005/8/layout/orgChart1"/>
-    <dgm:cxn modelId="{DB594F0F-D2CE-46D6-8A71-32F88F2A750A}" type="presOf" srcId="{E7358108-83A8-42F1-84AF-1043344A61B4}" destId="{898283FA-7639-445A-95D5-432134CB6ADF}" srcOrd="0" destOrd="0" presId="urn:microsoft.com/office/officeart/2005/8/layout/orgChart1"/>
-    <dgm:cxn modelId="{50DAC207-194B-4522-8F60-70329D502C4A}" type="presOf" srcId="{DBFF9E4D-F654-4E3E-A2C7-9EEF27EF4259}" destId="{5F48F0E4-2C7E-480D-9A45-E44C79D6BEA5}" srcOrd="0" destOrd="0" presId="urn:microsoft.com/office/officeart/2005/8/layout/orgChart1"/>
-    <dgm:cxn modelId="{26F9324B-44A5-4EE4-A830-EBDAA24A23BC}" type="presOf" srcId="{86D061FF-D2B9-4444-977F-ADD2F8B26F58}" destId="{DBAD3854-BABD-419A-91AD-A1E38A3CF09E}" srcOrd="1" destOrd="0" presId="urn:microsoft.com/office/officeart/2005/8/layout/orgChart1"/>
-    <dgm:cxn modelId="{A22D7F34-B439-4CBC-B05B-B7928B3E9518}" type="presOf" srcId="{BB9FF21B-E75B-43A4-B03F-6C82A45E4511}" destId="{EA605843-84EA-4778-BB50-59415505C303}" srcOrd="0" destOrd="0" presId="urn:microsoft.com/office/officeart/2005/8/layout/orgChart1"/>
-    <dgm:cxn modelId="{CF050829-6C9D-4F48-974B-656C1923992E}" type="presOf" srcId="{69FD09DB-7D78-47CE-93D1-107E376A870E}" destId="{0D5A4EFE-1C67-4062-B174-8A1DEA7885B2}" srcOrd="0" destOrd="0" presId="urn:microsoft.com/office/officeart/2005/8/layout/orgChart1"/>
-    <dgm:cxn modelId="{9E00E631-3A37-453D-8036-41BFD158F301}" srcId="{C1995ACD-DEEA-4649-9190-0A2396D6DBA3}" destId="{E7358108-83A8-42F1-84AF-1043344A61B4}" srcOrd="0" destOrd="0" parTransId="{69FD09DB-7D78-47CE-93D1-107E376A870E}" sibTransId="{1EE218E9-8B94-451F-A133-38BAF668B8B5}"/>
-    <dgm:cxn modelId="{E468E2C1-D5DC-4913-912C-4A712F294189}" type="presOf" srcId="{5E31DA61-BA7B-4CD0-B08B-CD683A1209DE}" destId="{5FA213B4-DAA0-4BB7-88F0-3CEC63244ACD}" srcOrd="1" destOrd="0" presId="urn:microsoft.com/office/officeart/2005/8/layout/orgChart1"/>
-    <dgm:cxn modelId="{7A623373-9A1A-4AF6-9F21-420BD8CCA4D6}" type="presOf" srcId="{AC3A9028-A893-43CC-B0AA-EFF03CAF6956}" destId="{F395118E-6F8D-4111-995B-78F916EC69E4}" srcOrd="0" destOrd="0" presId="urn:microsoft.com/office/officeart/2005/8/layout/orgChart1"/>
-    <dgm:cxn modelId="{5E40A485-E986-4DF1-9B84-9F421FDAB0BC}" type="presOf" srcId="{BA5BADE7-FE02-4E58-AED6-CA6877DD8C92}" destId="{2B8AB7A6-9DF3-44B8-A462-8360BF7B6F26}" srcOrd="0" destOrd="0" presId="urn:microsoft.com/office/officeart/2005/8/layout/orgChart1"/>
-    <dgm:cxn modelId="{74B08588-A8AA-40FE-A5B1-93EF0CF50E26}" type="presOf" srcId="{C8AEE87B-F7A2-4CFA-BE00-6B9F721DFE96}" destId="{9CB29694-F3D7-41DB-BEBC-33D5343BA11A}" srcOrd="0" destOrd="0" presId="urn:microsoft.com/office/officeart/2005/8/layout/orgChart1"/>
-    <dgm:cxn modelId="{03722BE0-8259-46A6-B008-EAB71F887898}" type="presOf" srcId="{173D0E01-5CCA-4DD5-8675-4848935F7747}" destId="{2ED1784F-575D-45D8-88D0-DAD0F7EA56B1}" srcOrd="1" destOrd="0" presId="urn:microsoft.com/office/officeart/2005/8/layout/orgChart1"/>
-    <dgm:cxn modelId="{D680EA26-5B15-420D-9FA0-DD0C5A469941}" srcId="{29EEBFE2-BEA6-4F35-8D1E-FF7000BD40D5}" destId="{C1995ACD-DEEA-4649-9190-0A2396D6DBA3}" srcOrd="0" destOrd="0" parTransId="{A5ED610D-3F11-454D-B28B-8E429C182DBB}" sibTransId="{CF4FC96D-3D22-44F0-A56F-5F48565B1343}"/>
-    <dgm:cxn modelId="{80C4524F-4DF7-4799-946F-CCB503F3B731}" type="presOf" srcId="{3F984D36-88C5-4802-A36C-73B6E41E1411}" destId="{6A9A8A16-8F93-420D-8D9F-15BFBFA09642}" srcOrd="0" destOrd="0" presId="urn:microsoft.com/office/officeart/2005/8/layout/orgChart1"/>
-    <dgm:cxn modelId="{FB4A1C85-F1E3-45BF-8CD8-8E9D3AE2F3BA}" type="presOf" srcId="{9D5DD00D-D723-41C3-A564-BE447082CEE3}" destId="{7877DBA2-C865-46EE-839A-1D3781B37466}" srcOrd="1" destOrd="0" presId="urn:microsoft.com/office/officeart/2005/8/layout/orgChart1"/>
-    <dgm:cxn modelId="{9935FD93-C4F2-4D60-8FD8-02DB113D79BC}" type="presOf" srcId="{7F7DDA6E-F3A1-4195-9D49-DD6A7A673A53}" destId="{1CACF2A5-9765-453F-9602-3749D63C20FF}" srcOrd="0" destOrd="0" presId="urn:microsoft.com/office/officeart/2005/8/layout/orgChart1"/>
-    <dgm:cxn modelId="{C9E1A3AF-3029-4336-9E97-247571346B4D}" srcId="{6A60B06C-5221-4384-A9FB-3C2F40D70CFC}" destId="{173D0E01-5CCA-4DD5-8675-4848935F7747}" srcOrd="2" destOrd="0" parTransId="{55B79C09-F970-4D01-B0A7-8ACEF6E6AD89}" sibTransId="{E1E5182E-6650-442C-8A65-B508E3E2E2EE}"/>
-    <dgm:cxn modelId="{4F0B0D3E-984D-49D4-BF42-B0C2A303B629}" type="presOf" srcId="{86D061FF-D2B9-4444-977F-ADD2F8B26F58}" destId="{027E1B34-93FE-4CE3-8A28-D69A90B48A09}" srcOrd="0" destOrd="0" presId="urn:microsoft.com/office/officeart/2005/8/layout/orgChart1"/>
-    <dgm:cxn modelId="{A8940652-5E36-4B09-BDC7-923AD7A2B90A}" type="presOf" srcId="{C1995ACD-DEEA-4649-9190-0A2396D6DBA3}" destId="{0F6EA74C-FEEA-4A60-8965-C249C259639B}" srcOrd="0" destOrd="0" presId="urn:microsoft.com/office/officeart/2005/8/layout/orgChart1"/>
-    <dgm:cxn modelId="{665D2C66-71F9-4798-AD7B-213B21EF38D4}" type="presOf" srcId="{0CF1DFD8-24BF-4C6B-BD01-BEBB8834C8DE}" destId="{FC2AA275-909E-47D7-A861-5FB840A38676}" srcOrd="0" destOrd="0" presId="urn:microsoft.com/office/officeart/2005/8/layout/orgChart1"/>
-    <dgm:cxn modelId="{934DDD9A-24FF-4BF0-940E-843BF0B8C4A9}" type="presOf" srcId="{39BE0418-99C9-4A4C-9BB7-65D49A05BB31}" destId="{A22D8479-F3B5-40E2-B47E-87AA623B4993}" srcOrd="0" destOrd="0" presId="urn:microsoft.com/office/officeart/2005/8/layout/orgChart1"/>
-    <dgm:cxn modelId="{B0D333DA-4366-40E3-9447-D37D14EAA057}" type="presOf" srcId="{10800D79-C7F5-402B-9C15-F3A760B05058}" destId="{BDE2651E-B7D5-4C3D-AD07-DA19A512C3EE}" srcOrd="0" destOrd="0" presId="urn:microsoft.com/office/officeart/2005/8/layout/orgChart1"/>
-    <dgm:cxn modelId="{96D6EEE7-8235-4C17-9267-91757A269C8B}" type="presOf" srcId="{39BE0418-99C9-4A4C-9BB7-65D49A05BB31}" destId="{BC019BB1-5CF6-423B-ABA0-427EF99217C0}" srcOrd="1" destOrd="0" presId="urn:microsoft.com/office/officeart/2005/8/layout/orgChart1"/>
-    <dgm:cxn modelId="{8DF793BF-2779-4364-8E86-AD0E5A6E0DE7}" srcId="{BB9FF21B-E75B-43A4-B03F-6C82A45E4511}" destId="{807A8DFA-5BDA-4B03-B801-660127571B99}" srcOrd="0" destOrd="0" parTransId="{CB39D681-7061-437F-A140-79E3079A753F}" sibTransId="{4527A35C-07AB-4D60-998A-707A1A9945D9}"/>
-    <dgm:cxn modelId="{E6AE6DE8-C2C9-4981-9F67-AF4B7A61307E}" srcId="{BB9FF21B-E75B-43A4-B03F-6C82A45E4511}" destId="{D9741ECF-9D86-4A1C-8DF4-94C0D2567BD6}" srcOrd="2" destOrd="0" parTransId="{82C8B149-700F-4051-9983-87F5E03CFF7E}" sibTransId="{C4E1B7AB-6B1C-47EE-9CE3-BDA1128D49D0}"/>
-    <dgm:cxn modelId="{0C378782-35EC-4245-8A15-5269519644AB}" type="presOf" srcId="{82C8B149-700F-4051-9983-87F5E03CFF7E}" destId="{6951BAB4-BE5B-4240-B59E-660738FB8C0A}" srcOrd="0" destOrd="0" presId="urn:microsoft.com/office/officeart/2005/8/layout/orgChart1"/>
-    <dgm:cxn modelId="{ACBF2E96-571F-41C3-8588-71030E8562EF}" type="presOf" srcId="{E75562FB-B070-41B3-8EF8-CB551DCB0DC5}" destId="{6871A768-0DBE-4C41-BCFF-9B19A28A7E1D}" srcOrd="0" destOrd="0" presId="urn:microsoft.com/office/officeart/2005/8/layout/orgChart1"/>
-    <dgm:cxn modelId="{E083AA21-4155-48B2-8F94-BCB535ECC4E3}" type="presOf" srcId="{0CDD43BF-559F-46B2-A99A-AC0F2E14E16C}" destId="{E780AC31-68D7-4FDE-AB32-EFBB2D377EE9}" srcOrd="0" destOrd="0" presId="urn:microsoft.com/office/officeart/2005/8/layout/orgChart1"/>
-    <dgm:cxn modelId="{B024FF53-4887-4D94-A72D-4D97CAFD64F6}" type="presOf" srcId="{E7358108-83A8-42F1-84AF-1043344A61B4}" destId="{74E53E5B-7DCA-4C09-A9BF-327363D42547}" srcOrd="1" destOrd="0" presId="urn:microsoft.com/office/officeart/2005/8/layout/orgChart1"/>
-    <dgm:cxn modelId="{3C253BA8-7896-442A-81B0-48358DFC481C}" type="presOf" srcId="{6120E8A3-E282-411C-B7AF-52CB84C5223C}" destId="{EFD32E61-B9DB-4382-8D7C-ED48B7A5E0C4}" srcOrd="0" destOrd="0" presId="urn:microsoft.com/office/officeart/2005/8/layout/orgChart1"/>
-    <dgm:cxn modelId="{AB480F80-CE0A-4F95-916F-C7173772710C}" type="presOf" srcId="{9D5DD00D-D723-41C3-A564-BE447082CEE3}" destId="{DE79C5C0-52BB-4AB4-B9E4-4D482851A011}" srcOrd="0" destOrd="0" presId="urn:microsoft.com/office/officeart/2005/8/layout/orgChart1"/>
-    <dgm:cxn modelId="{6AE5289E-380D-477A-8B3F-2DA1D4B51CB3}" srcId="{C1995ACD-DEEA-4649-9190-0A2396D6DBA3}" destId="{BB9FF21B-E75B-43A4-B03F-6C82A45E4511}" srcOrd="1" destOrd="0" parTransId="{B3FBE738-30A6-4B4A-9DB3-9AB2CC3B1641}" sibTransId="{02222961-B9DB-42C2-91C4-66DA7EA2366A}"/>
-    <dgm:cxn modelId="{3AE07709-9EB4-4A95-9929-16AE08DFE16B}" type="presOf" srcId="{45589563-E41B-44DB-8AFC-34EE8901D150}" destId="{8CE4FFBF-227E-49C4-97D7-83977CD95846}" srcOrd="1" destOrd="0" presId="urn:microsoft.com/office/officeart/2005/8/layout/orgChart1"/>
-    <dgm:cxn modelId="{B570293E-A034-4184-8C6E-4316A0AFC6A7}" type="presOf" srcId="{6D45DEA0-D4D5-4F5A-B34F-FF0007B4D557}" destId="{BC0D907D-CEB2-4F4E-B6F3-5737303E1E5F}" srcOrd="0" destOrd="0" presId="urn:microsoft.com/office/officeart/2005/8/layout/orgChart1"/>
-    <dgm:cxn modelId="{96023D78-F5FE-458A-9C77-BA782D9E34FB}" srcId="{C1995ACD-DEEA-4649-9190-0A2396D6DBA3}" destId="{6A60B06C-5221-4384-A9FB-3C2F40D70CFC}" srcOrd="2" destOrd="0" parTransId="{1D01C1D7-F99C-40D9-8169-9A3606FC3C22}" sibTransId="{CE8C7E41-6626-4993-84F7-230AABC742CC}"/>
-    <dgm:cxn modelId="{A474708C-9EBF-4ECD-BF09-326E10A1A9BC}" type="presOf" srcId="{B3FBE738-30A6-4B4A-9DB3-9AB2CC3B1641}" destId="{34F89FF5-4CE7-4557-94ED-372F163EBFBB}" srcOrd="0" destOrd="0" presId="urn:microsoft.com/office/officeart/2005/8/layout/orgChart1"/>
-    <dgm:cxn modelId="{C211CE96-685E-4E45-B077-337E200B74C6}" type="presOf" srcId="{6A60B06C-5221-4384-A9FB-3C2F40D70CFC}" destId="{C7A39AEC-6CA1-4A35-BBFE-442C186C536B}" srcOrd="0" destOrd="0" presId="urn:microsoft.com/office/officeart/2005/8/layout/orgChart1"/>
-    <dgm:cxn modelId="{EB9B66F3-23F2-4335-87BC-8A49DAD1087A}" type="presOf" srcId="{55B79C09-F970-4D01-B0A7-8ACEF6E6AD89}" destId="{A71F2F49-1E59-48E8-99C8-67B0E3373751}" srcOrd="0" destOrd="0" presId="urn:microsoft.com/office/officeart/2005/8/layout/orgChart1"/>
-    <dgm:cxn modelId="{A8E79D71-C7DF-4296-A3C7-24AFAA6DE9C3}" srcId="{86D061FF-D2B9-4444-977F-ADD2F8B26F58}" destId="{0CF1DFD8-24BF-4C6B-BD01-BEBB8834C8DE}" srcOrd="0" destOrd="0" parTransId="{0CDD43BF-559F-46B2-A99A-AC0F2E14E16C}" sibTransId="{4F46DB3D-023A-410E-88AA-FB56A0D3206C}"/>
-    <dgm:cxn modelId="{9F8086E4-200A-41A0-985F-6819AAD7FF3C}" srcId="{C1995ACD-DEEA-4649-9190-0A2396D6DBA3}" destId="{AD32A085-D46D-4887-85FE-3881670D4ABC}" srcOrd="4" destOrd="0" parTransId="{10800D79-C7F5-402B-9C15-F3A760B05058}" sibTransId="{B3F636BC-F4CF-43A1-A69B-8541CA9DB61A}"/>
-    <dgm:cxn modelId="{0A001B7D-02A3-44E0-884E-6CD766446281}" srcId="{E7358108-83A8-42F1-84AF-1043344A61B4}" destId="{9D5DD00D-D723-41C3-A564-BE447082CEE3}" srcOrd="1" destOrd="0" parTransId="{7F7DDA6E-F3A1-4195-9D49-DD6A7A673A53}" sibTransId="{CC461DF6-266C-458F-8E69-C9749734EA70}"/>
-    <dgm:cxn modelId="{1E7CF7F4-880F-46A8-A683-3C17F8E77C97}" type="presOf" srcId="{AD32A085-D46D-4887-85FE-3881670D4ABC}" destId="{D6D7FEDC-5C4A-4464-B939-F0267B32F854}" srcOrd="0" destOrd="0" presId="urn:microsoft.com/office/officeart/2005/8/layout/orgChart1"/>
     <dgm:cxn modelId="{25FEDA96-8575-46CC-B082-D473E4E69752}" type="presOf" srcId="{1D01C1D7-F99C-40D9-8169-9A3606FC3C22}" destId="{36FDDF0B-DA3B-4828-A65A-BF49F0C3EF85}" srcOrd="0" destOrd="0" presId="urn:microsoft.com/office/officeart/2005/8/layout/orgChart1"/>
-    <dgm:cxn modelId="{86B0FB32-42C9-4162-91B1-FFC1DE8460AC}" type="presOf" srcId="{29EEBFE2-BEA6-4F35-8D1E-FF7000BD40D5}" destId="{764024E2-07FC-4A92-AB92-49DAE6C1E5A9}" srcOrd="0" destOrd="0" presId="urn:microsoft.com/office/officeart/2005/8/layout/orgChart1"/>
-    <dgm:cxn modelId="{692C2E6B-BDFD-4010-A265-F8C30B20FA6C}" srcId="{86D061FF-D2B9-4444-977F-ADD2F8B26F58}" destId="{45589563-E41B-44DB-8AFC-34EE8901D150}" srcOrd="1" destOrd="0" parTransId="{56898A94-E574-4C74-BB23-528EED54EB78}" sibTransId="{9C579D39-AB85-41C8-8432-AFBFC00D9440}"/>
-    <dgm:cxn modelId="{C47797F5-38B9-473C-BAF6-6BF13D809F75}" type="presOf" srcId="{D9741ECF-9D86-4A1C-8DF4-94C0D2567BD6}" destId="{05EDF6D9-342B-4E22-BFC6-FB63F8436FD9}" srcOrd="0" destOrd="0" presId="urn:microsoft.com/office/officeart/2005/8/layout/orgChart1"/>
     <dgm:cxn modelId="{1043DBB4-3E98-4667-AFB0-FE1DD5F4D950}" type="presParOf" srcId="{764024E2-07FC-4A92-AB92-49DAE6C1E5A9}" destId="{341D0529-C993-485F-BFBA-73789AD13323}" srcOrd="0" destOrd="0" presId="urn:microsoft.com/office/officeart/2005/8/layout/orgChart1"/>
     <dgm:cxn modelId="{78CA9623-37D5-4F3C-B069-9D69DC2E1A4A}" type="presParOf" srcId="{341D0529-C993-485F-BFBA-73789AD13323}" destId="{A0EA6964-6D71-4BBB-BFE3-8CE8410BB988}" srcOrd="0" destOrd="0" presId="urn:microsoft.com/office/officeart/2005/8/layout/orgChart1"/>
     <dgm:cxn modelId="{3D3AE38E-E62B-4059-B79C-E624C48E1AEB}" type="presParOf" srcId="{A0EA6964-6D71-4BBB-BFE3-8CE8410BB988}" destId="{0F6EA74C-FEEA-4A60-8965-C249C259639B}" srcOrd="0" destOrd="0" presId="urn:microsoft.com/office/officeart/2005/8/layout/orgChart1"/>
@@ -16799,7 +16799,37 @@
                 <a:cs typeface="+mn-ea"/>
                 <a:sym typeface="+mn-lt"/>
               </a:rPr>
-              <a:t>python 3.6</a:t>
+              <a:t>P</a:t>
+            </a:r>
+            <a:r>
+              <a:rPr lang="en-US" altLang="zh-TW" sz="3200" dirty="0" smtClean="0">
+                <a:solidFill>
+                  <a:schemeClr val="tx1">
+                    <a:lumMod val="75000"/>
+                    <a:lumOff val="25000"/>
+                  </a:schemeClr>
+                </a:solidFill>
+                <a:latin typeface="微軟正黑體" panose="020B0604030504040204" pitchFamily="34" charset="-120"/>
+                <a:ea typeface="微軟正黑體" panose="020B0604030504040204" pitchFamily="34" charset="-120"/>
+                <a:cs typeface="+mn-ea"/>
+                <a:sym typeface="+mn-lt"/>
+              </a:rPr>
+              <a:t>ython </a:t>
+            </a:r>
+            <a:r>
+              <a:rPr lang="en-US" altLang="zh-TW" sz="3200" dirty="0">
+                <a:solidFill>
+                  <a:schemeClr val="tx1">
+                    <a:lumMod val="75000"/>
+                    <a:lumOff val="25000"/>
+                  </a:schemeClr>
+                </a:solidFill>
+                <a:latin typeface="微軟正黑體" panose="020B0604030504040204" pitchFamily="34" charset="-120"/>
+                <a:ea typeface="微軟正黑體" panose="020B0604030504040204" pitchFamily="34" charset="-120"/>
+                <a:cs typeface="+mn-ea"/>
+                <a:sym typeface="+mn-lt"/>
+              </a:rPr>
+              <a:t>3.6</a:t>
             </a:r>
           </a:p>
           <a:p>
@@ -16824,7 +16854,7 @@
               <a:t>		    </a:t>
             </a:r>
             <a:r>
-              <a:rPr lang="en-US" altLang="zh-TW" sz="3200" dirty="0" err="1">
+              <a:rPr lang="en-US" altLang="zh-TW" sz="3200" dirty="0" err="1" smtClean="0">
                 <a:solidFill>
                   <a:schemeClr val="tx1">
                     <a:lumMod val="75000"/>
@@ -16836,10 +16866,10 @@
                 <a:cs typeface="+mn-ea"/>
                 <a:sym typeface="+mn-lt"/>
               </a:rPr>
-              <a:t>opencv</a:t>
-            </a:r>
-            <a:r>
-              <a:rPr lang="en-US" altLang="zh-TW" sz="3200" dirty="0">
+              <a:t>OpenCV</a:t>
+            </a:r>
+            <a:r>
+              <a:rPr lang="en-US" altLang="zh-TW" sz="3200" dirty="0" smtClean="0">
                 <a:solidFill>
                   <a:schemeClr val="tx1">
                     <a:lumMod val="75000"/>
@@ -16851,7 +16881,22 @@
                 <a:cs typeface="+mn-ea"/>
                 <a:sym typeface="+mn-lt"/>
               </a:rPr>
-              <a:t> 3.4.2</a:t>
+              <a:t> </a:t>
+            </a:r>
+            <a:r>
+              <a:rPr lang="en-US" altLang="zh-TW" sz="3200" dirty="0">
+                <a:solidFill>
+                  <a:schemeClr val="tx1">
+                    <a:lumMod val="75000"/>
+                    <a:lumOff val="25000"/>
+                  </a:schemeClr>
+                </a:solidFill>
+                <a:latin typeface="微軟正黑體" panose="020B0604030504040204" pitchFamily="34" charset="-120"/>
+                <a:ea typeface="微軟正黑體" panose="020B0604030504040204" pitchFamily="34" charset="-120"/>
+                <a:cs typeface="+mn-ea"/>
+                <a:sym typeface="+mn-lt"/>
+              </a:rPr>
+              <a:t>3.4.2</a:t>
             </a:r>
           </a:p>
           <a:p>

--- a/IP_FRS.pptx
+++ b/IP_FRS.pptx
@@ -5,7 +5,7 @@
     <p:sldMasterId id="2147483648" r:id="rId1"/>
   </p:sldMasterIdLst>
   <p:notesMasterIdLst>
-    <p:notesMasterId r:id="rId12"/>
+    <p:notesMasterId r:id="rId18"/>
   </p:notesMasterIdLst>
   <p:sldIdLst>
     <p:sldId id="256" r:id="rId2"/>
@@ -18,6 +18,12 @@
     <p:sldId id="285" r:id="rId9"/>
     <p:sldId id="288" r:id="rId10"/>
     <p:sldId id="286" r:id="rId11"/>
+    <p:sldId id="321" r:id="rId12"/>
+    <p:sldId id="322" r:id="rId13"/>
+    <p:sldId id="323" r:id="rId14"/>
+    <p:sldId id="324" r:id="rId15"/>
+    <p:sldId id="325" r:id="rId16"/>
+    <p:sldId id="326" r:id="rId17"/>
   </p:sldIdLst>
   <p:sldSz cx="12192000" cy="6858000"/>
   <p:notesSz cx="7104063" cy="10234613"/>
@@ -1306,7 +1312,7 @@
         <a:lstStyle/>
         <a:p>
           <a:r>
-            <a:rPr lang="zh-TW" altLang="en-US" dirty="0" smtClean="0">
+            <a:rPr lang="zh-TW" altLang="en-US" dirty="0">
               <a:latin typeface="微軟正黑體" panose="020B0604030504040204" pitchFamily="34" charset="-120"/>
               <a:ea typeface="微軟正黑體" panose="020B0604030504040204" pitchFamily="34" charset="-120"/>
             </a:rPr>
@@ -1581,29 +1587,25 @@
         <a:lstStyle/>
         <a:p>
           <a:r>
-            <a:rPr lang="zh-TW" altLang="en-US" dirty="0" smtClean="0">
+            <a:rPr lang="zh-TW" altLang="en-US" dirty="0">
               <a:latin typeface="微軟正黑體" panose="020B0604030504040204" pitchFamily="34" charset="-120"/>
               <a:ea typeface="微軟正黑體" panose="020B0604030504040204" pitchFamily="34" charset="-120"/>
             </a:rPr>
             <a:t>建立特徵</a:t>
           </a:r>
-          <a:endParaRPr lang="en-US" altLang="zh-TW" dirty="0" smtClean="0">
+          <a:endParaRPr lang="en-US" altLang="zh-TW" dirty="0">
             <a:latin typeface="微軟正黑體" panose="020B0604030504040204" pitchFamily="34" charset="-120"/>
             <a:ea typeface="微軟正黑體" panose="020B0604030504040204" pitchFamily="34" charset="-120"/>
           </a:endParaRPr>
         </a:p>
         <a:p>
           <a:r>
-            <a:rPr lang="zh-TW" altLang="en-US" dirty="0" smtClean="0">
+            <a:rPr lang="zh-TW" altLang="en-US" dirty="0">
               <a:latin typeface="微軟正黑體" panose="020B0604030504040204" pitchFamily="34" charset="-120"/>
               <a:ea typeface="微軟正黑體" panose="020B0604030504040204" pitchFamily="34" charset="-120"/>
             </a:rPr>
             <a:t>資料庫</a:t>
           </a:r>
-          <a:endParaRPr lang="zh-TW" altLang="en-US" dirty="0">
-            <a:latin typeface="微軟正黑體" panose="020B0604030504040204" pitchFamily="34" charset="-120"/>
-            <a:ea typeface="微軟正黑體" panose="020B0604030504040204" pitchFamily="34" charset="-120"/>
-          </a:endParaRPr>
         </a:p>
       </dgm:t>
     </dgm:pt>
@@ -1872,13 +1874,6 @@
         </dgm:presLayoutVars>
       </dgm:prSet>
       <dgm:spPr/>
-      <dgm:t>
-        <a:bodyPr/>
-        <a:lstStyle/>
-        <a:p>
-          <a:endParaRPr lang="zh-TW" altLang="en-US"/>
-        </a:p>
-      </dgm:t>
     </dgm:pt>
     <dgm:pt modelId="{341D0529-C993-485F-BFBA-73789AD13323}" type="pres">
       <dgm:prSet presAssocID="{C1995ACD-DEEA-4649-9190-0A2396D6DBA3}" presName="hierRoot1" presStyleCnt="0">
@@ -1899,24 +1894,10 @@
         </dgm:presLayoutVars>
       </dgm:prSet>
       <dgm:spPr/>
-      <dgm:t>
-        <a:bodyPr/>
-        <a:lstStyle/>
-        <a:p>
-          <a:endParaRPr lang="zh-TW" altLang="en-US"/>
-        </a:p>
-      </dgm:t>
     </dgm:pt>
     <dgm:pt modelId="{51FCB016-BDCC-466A-AEB8-2EA2F7D30621}" type="pres">
       <dgm:prSet presAssocID="{C1995ACD-DEEA-4649-9190-0A2396D6DBA3}" presName="rootConnector1" presStyleLbl="node1" presStyleIdx="0" presStyleCnt="0"/>
       <dgm:spPr/>
-      <dgm:t>
-        <a:bodyPr/>
-        <a:lstStyle/>
-        <a:p>
-          <a:endParaRPr lang="zh-TW" altLang="en-US"/>
-        </a:p>
-      </dgm:t>
     </dgm:pt>
     <dgm:pt modelId="{70833F56-676C-4F4A-840C-BD3E2F8215EB}" type="pres">
       <dgm:prSet presAssocID="{C1995ACD-DEEA-4649-9190-0A2396D6DBA3}" presName="hierChild2" presStyleCnt="0"/>
@@ -1925,13 +1906,6 @@
     <dgm:pt modelId="{0D5A4EFE-1C67-4062-B174-8A1DEA7885B2}" type="pres">
       <dgm:prSet presAssocID="{69FD09DB-7D78-47CE-93D1-107E376A870E}" presName="Name37" presStyleLbl="parChTrans1D2" presStyleIdx="0" presStyleCnt="5"/>
       <dgm:spPr/>
-      <dgm:t>
-        <a:bodyPr/>
-        <a:lstStyle/>
-        <a:p>
-          <a:endParaRPr lang="zh-TW" altLang="en-US"/>
-        </a:p>
-      </dgm:t>
     </dgm:pt>
     <dgm:pt modelId="{DA6DE99B-499E-4D7B-B12E-6186C9E0DD80}" type="pres">
       <dgm:prSet presAssocID="{E7358108-83A8-42F1-84AF-1043344A61B4}" presName="hierRoot2" presStyleCnt="0">
@@ -1952,24 +1926,10 @@
         </dgm:presLayoutVars>
       </dgm:prSet>
       <dgm:spPr/>
-      <dgm:t>
-        <a:bodyPr/>
-        <a:lstStyle/>
-        <a:p>
-          <a:endParaRPr lang="zh-TW" altLang="en-US"/>
-        </a:p>
-      </dgm:t>
     </dgm:pt>
     <dgm:pt modelId="{74E53E5B-7DCA-4C09-A9BF-327363D42547}" type="pres">
       <dgm:prSet presAssocID="{E7358108-83A8-42F1-84AF-1043344A61B4}" presName="rootConnector" presStyleLbl="node2" presStyleIdx="0" presStyleCnt="5"/>
       <dgm:spPr/>
-      <dgm:t>
-        <a:bodyPr/>
-        <a:lstStyle/>
-        <a:p>
-          <a:endParaRPr lang="zh-TW" altLang="en-US"/>
-        </a:p>
-      </dgm:t>
     </dgm:pt>
     <dgm:pt modelId="{F19D0611-B84B-4FD7-BF2E-2DADD5D827ED}" type="pres">
       <dgm:prSet presAssocID="{E7358108-83A8-42F1-84AF-1043344A61B4}" presName="hierChild4" presStyleCnt="0"/>
@@ -1978,13 +1938,6 @@
     <dgm:pt modelId="{5F48F0E4-2C7E-480D-9A45-E44C79D6BEA5}" type="pres">
       <dgm:prSet presAssocID="{DBFF9E4D-F654-4E3E-A2C7-9EEF27EF4259}" presName="Name37" presStyleLbl="parChTrans1D3" presStyleIdx="0" presStyleCnt="12"/>
       <dgm:spPr/>
-      <dgm:t>
-        <a:bodyPr/>
-        <a:lstStyle/>
-        <a:p>
-          <a:endParaRPr lang="zh-TW" altLang="en-US"/>
-        </a:p>
-      </dgm:t>
     </dgm:pt>
     <dgm:pt modelId="{52A0685B-8E88-4949-BB15-552FEC72B4E8}" type="pres">
       <dgm:prSet presAssocID="{C8AEE87B-F7A2-4CFA-BE00-6B9F721DFE96}" presName="hierRoot2" presStyleCnt="0">
@@ -2005,24 +1958,10 @@
         </dgm:presLayoutVars>
       </dgm:prSet>
       <dgm:spPr/>
-      <dgm:t>
-        <a:bodyPr/>
-        <a:lstStyle/>
-        <a:p>
-          <a:endParaRPr lang="zh-TW" altLang="en-US"/>
-        </a:p>
-      </dgm:t>
     </dgm:pt>
     <dgm:pt modelId="{23546AB9-AA88-44E8-A74F-6A7DB71CEDFA}" type="pres">
       <dgm:prSet presAssocID="{C8AEE87B-F7A2-4CFA-BE00-6B9F721DFE96}" presName="rootConnector" presStyleLbl="node3" presStyleIdx="0" presStyleCnt="12"/>
       <dgm:spPr/>
-      <dgm:t>
-        <a:bodyPr/>
-        <a:lstStyle/>
-        <a:p>
-          <a:endParaRPr lang="zh-TW" altLang="en-US"/>
-        </a:p>
-      </dgm:t>
     </dgm:pt>
     <dgm:pt modelId="{939C9035-E800-4426-8773-B485420F1BE1}" type="pres">
       <dgm:prSet presAssocID="{C8AEE87B-F7A2-4CFA-BE00-6B9F721DFE96}" presName="hierChild4" presStyleCnt="0"/>
@@ -2035,13 +1974,6 @@
     <dgm:pt modelId="{1CACF2A5-9765-453F-9602-3749D63C20FF}" type="pres">
       <dgm:prSet presAssocID="{7F7DDA6E-F3A1-4195-9D49-DD6A7A673A53}" presName="Name37" presStyleLbl="parChTrans1D3" presStyleIdx="1" presStyleCnt="12"/>
       <dgm:spPr/>
-      <dgm:t>
-        <a:bodyPr/>
-        <a:lstStyle/>
-        <a:p>
-          <a:endParaRPr lang="zh-TW" altLang="en-US"/>
-        </a:p>
-      </dgm:t>
     </dgm:pt>
     <dgm:pt modelId="{797FA106-A9EF-4FA9-96A9-65973C18778A}" type="pres">
       <dgm:prSet presAssocID="{9D5DD00D-D723-41C3-A564-BE447082CEE3}" presName="hierRoot2" presStyleCnt="0">
@@ -2062,24 +1994,10 @@
         </dgm:presLayoutVars>
       </dgm:prSet>
       <dgm:spPr/>
-      <dgm:t>
-        <a:bodyPr/>
-        <a:lstStyle/>
-        <a:p>
-          <a:endParaRPr lang="zh-TW" altLang="en-US"/>
-        </a:p>
-      </dgm:t>
     </dgm:pt>
     <dgm:pt modelId="{7877DBA2-C865-46EE-839A-1D3781B37466}" type="pres">
       <dgm:prSet presAssocID="{9D5DD00D-D723-41C3-A564-BE447082CEE3}" presName="rootConnector" presStyleLbl="node3" presStyleIdx="1" presStyleCnt="12"/>
       <dgm:spPr/>
-      <dgm:t>
-        <a:bodyPr/>
-        <a:lstStyle/>
-        <a:p>
-          <a:endParaRPr lang="zh-TW" altLang="en-US"/>
-        </a:p>
-      </dgm:t>
     </dgm:pt>
     <dgm:pt modelId="{410DDF1F-9624-4ABA-AC0C-AF54B5CB8C95}" type="pres">
       <dgm:prSet presAssocID="{9D5DD00D-D723-41C3-A564-BE447082CEE3}" presName="hierChild4" presStyleCnt="0"/>
@@ -2096,13 +2014,6 @@
     <dgm:pt modelId="{34F89FF5-4CE7-4557-94ED-372F163EBFBB}" type="pres">
       <dgm:prSet presAssocID="{B3FBE738-30A6-4B4A-9DB3-9AB2CC3B1641}" presName="Name37" presStyleLbl="parChTrans1D2" presStyleIdx="1" presStyleCnt="5"/>
       <dgm:spPr/>
-      <dgm:t>
-        <a:bodyPr/>
-        <a:lstStyle/>
-        <a:p>
-          <a:endParaRPr lang="zh-TW" altLang="en-US"/>
-        </a:p>
-      </dgm:t>
     </dgm:pt>
     <dgm:pt modelId="{EBF4EF29-E177-4261-9BC5-8B137BDD078C}" type="pres">
       <dgm:prSet presAssocID="{BB9FF21B-E75B-43A4-B03F-6C82A45E4511}" presName="hierRoot2" presStyleCnt="0">
@@ -2123,24 +2034,10 @@
         </dgm:presLayoutVars>
       </dgm:prSet>
       <dgm:spPr/>
-      <dgm:t>
-        <a:bodyPr/>
-        <a:lstStyle/>
-        <a:p>
-          <a:endParaRPr lang="zh-TW" altLang="en-US"/>
-        </a:p>
-      </dgm:t>
     </dgm:pt>
     <dgm:pt modelId="{D8602253-5290-4E90-A5EF-32A901888DAC}" type="pres">
       <dgm:prSet presAssocID="{BB9FF21B-E75B-43A4-B03F-6C82A45E4511}" presName="rootConnector" presStyleLbl="node2" presStyleIdx="1" presStyleCnt="5"/>
       <dgm:spPr/>
-      <dgm:t>
-        <a:bodyPr/>
-        <a:lstStyle/>
-        <a:p>
-          <a:endParaRPr lang="zh-TW" altLang="en-US"/>
-        </a:p>
-      </dgm:t>
     </dgm:pt>
     <dgm:pt modelId="{701D8773-02D0-4A03-A1BE-6FAD4C78FAF5}" type="pres">
       <dgm:prSet presAssocID="{BB9FF21B-E75B-43A4-B03F-6C82A45E4511}" presName="hierChild4" presStyleCnt="0"/>
@@ -2149,13 +2046,6 @@
     <dgm:pt modelId="{E79A5832-DD8A-4441-B652-BD9EC8B7EED1}" type="pres">
       <dgm:prSet presAssocID="{CB39D681-7061-437F-A140-79E3079A753F}" presName="Name37" presStyleLbl="parChTrans1D3" presStyleIdx="2" presStyleCnt="12"/>
       <dgm:spPr/>
-      <dgm:t>
-        <a:bodyPr/>
-        <a:lstStyle/>
-        <a:p>
-          <a:endParaRPr lang="zh-TW" altLang="en-US"/>
-        </a:p>
-      </dgm:t>
     </dgm:pt>
     <dgm:pt modelId="{22CF63CF-F5C0-4CE0-B760-6F42ED2537CB}" type="pres">
       <dgm:prSet presAssocID="{807A8DFA-5BDA-4B03-B801-660127571B99}" presName="hierRoot2" presStyleCnt="0">
@@ -2176,24 +2066,10 @@
         </dgm:presLayoutVars>
       </dgm:prSet>
       <dgm:spPr/>
-      <dgm:t>
-        <a:bodyPr/>
-        <a:lstStyle/>
-        <a:p>
-          <a:endParaRPr lang="zh-TW" altLang="en-US"/>
-        </a:p>
-      </dgm:t>
     </dgm:pt>
     <dgm:pt modelId="{079241A2-20E2-4232-9D06-88AA9F82E25C}" type="pres">
       <dgm:prSet presAssocID="{807A8DFA-5BDA-4B03-B801-660127571B99}" presName="rootConnector" presStyleLbl="node3" presStyleIdx="2" presStyleCnt="12"/>
       <dgm:spPr/>
-      <dgm:t>
-        <a:bodyPr/>
-        <a:lstStyle/>
-        <a:p>
-          <a:endParaRPr lang="zh-TW" altLang="en-US"/>
-        </a:p>
-      </dgm:t>
     </dgm:pt>
     <dgm:pt modelId="{7A94D976-B90C-463C-B25C-11A096826D72}" type="pres">
       <dgm:prSet presAssocID="{807A8DFA-5BDA-4B03-B801-660127571B99}" presName="hierChild4" presStyleCnt="0"/>
@@ -2206,13 +2082,6 @@
     <dgm:pt modelId="{EFD32E61-B9DB-4382-8D7C-ED48B7A5E0C4}" type="pres">
       <dgm:prSet presAssocID="{6120E8A3-E282-411C-B7AF-52CB84C5223C}" presName="Name37" presStyleLbl="parChTrans1D3" presStyleIdx="3" presStyleCnt="12"/>
       <dgm:spPr/>
-      <dgm:t>
-        <a:bodyPr/>
-        <a:lstStyle/>
-        <a:p>
-          <a:endParaRPr lang="zh-TW" altLang="en-US"/>
-        </a:p>
-      </dgm:t>
     </dgm:pt>
     <dgm:pt modelId="{06C782C3-5EB5-4776-BDAF-8CFBB8CB421E}" type="pres">
       <dgm:prSet presAssocID="{AC3A9028-A893-43CC-B0AA-EFF03CAF6956}" presName="hierRoot2" presStyleCnt="0">
@@ -2233,24 +2102,10 @@
         </dgm:presLayoutVars>
       </dgm:prSet>
       <dgm:spPr/>
-      <dgm:t>
-        <a:bodyPr/>
-        <a:lstStyle/>
-        <a:p>
-          <a:endParaRPr lang="zh-TW" altLang="en-US"/>
-        </a:p>
-      </dgm:t>
     </dgm:pt>
     <dgm:pt modelId="{CE0C6D92-1D52-4CC6-84E1-16B238E7C260}" type="pres">
       <dgm:prSet presAssocID="{AC3A9028-A893-43CC-B0AA-EFF03CAF6956}" presName="rootConnector" presStyleLbl="node3" presStyleIdx="3" presStyleCnt="12"/>
       <dgm:spPr/>
-      <dgm:t>
-        <a:bodyPr/>
-        <a:lstStyle/>
-        <a:p>
-          <a:endParaRPr lang="zh-TW" altLang="en-US"/>
-        </a:p>
-      </dgm:t>
     </dgm:pt>
     <dgm:pt modelId="{AA1C0F8A-B12F-41A2-AD1F-00D0CD05FFB2}" type="pres">
       <dgm:prSet presAssocID="{AC3A9028-A893-43CC-B0AA-EFF03CAF6956}" presName="hierChild4" presStyleCnt="0"/>
@@ -2263,13 +2118,6 @@
     <dgm:pt modelId="{6951BAB4-BE5B-4240-B59E-660738FB8C0A}" type="pres">
       <dgm:prSet presAssocID="{82C8B149-700F-4051-9983-87F5E03CFF7E}" presName="Name37" presStyleLbl="parChTrans1D3" presStyleIdx="4" presStyleCnt="12"/>
       <dgm:spPr/>
-      <dgm:t>
-        <a:bodyPr/>
-        <a:lstStyle/>
-        <a:p>
-          <a:endParaRPr lang="zh-TW" altLang="en-US"/>
-        </a:p>
-      </dgm:t>
     </dgm:pt>
     <dgm:pt modelId="{DEBAC987-6CBE-49E7-9638-E133BAF10A95}" type="pres">
       <dgm:prSet presAssocID="{D9741ECF-9D86-4A1C-8DF4-94C0D2567BD6}" presName="hierRoot2" presStyleCnt="0">
@@ -2290,24 +2138,10 @@
         </dgm:presLayoutVars>
       </dgm:prSet>
       <dgm:spPr/>
-      <dgm:t>
-        <a:bodyPr/>
-        <a:lstStyle/>
-        <a:p>
-          <a:endParaRPr lang="zh-TW" altLang="en-US"/>
-        </a:p>
-      </dgm:t>
     </dgm:pt>
     <dgm:pt modelId="{C3DBE02B-4666-4866-AB49-9225C9F7E671}" type="pres">
       <dgm:prSet presAssocID="{D9741ECF-9D86-4A1C-8DF4-94C0D2567BD6}" presName="rootConnector" presStyleLbl="node3" presStyleIdx="4" presStyleCnt="12"/>
       <dgm:spPr/>
-      <dgm:t>
-        <a:bodyPr/>
-        <a:lstStyle/>
-        <a:p>
-          <a:endParaRPr lang="zh-TW" altLang="en-US"/>
-        </a:p>
-      </dgm:t>
     </dgm:pt>
     <dgm:pt modelId="{A1B0C664-58EB-40FF-BACD-2FF03D2DCC9B}" type="pres">
       <dgm:prSet presAssocID="{D9741ECF-9D86-4A1C-8DF4-94C0D2567BD6}" presName="hierChild4" presStyleCnt="0"/>
@@ -2324,13 +2158,6 @@
     <dgm:pt modelId="{36FDDF0B-DA3B-4828-A65A-BF49F0C3EF85}" type="pres">
       <dgm:prSet presAssocID="{1D01C1D7-F99C-40D9-8169-9A3606FC3C22}" presName="Name37" presStyleLbl="parChTrans1D2" presStyleIdx="2" presStyleCnt="5"/>
       <dgm:spPr/>
-      <dgm:t>
-        <a:bodyPr/>
-        <a:lstStyle/>
-        <a:p>
-          <a:endParaRPr lang="zh-TW" altLang="en-US"/>
-        </a:p>
-      </dgm:t>
     </dgm:pt>
     <dgm:pt modelId="{D3427503-A289-4F28-ABE6-DCD93066144E}" type="pres">
       <dgm:prSet presAssocID="{6A60B06C-5221-4384-A9FB-3C2F40D70CFC}" presName="hierRoot2" presStyleCnt="0">
@@ -2351,24 +2178,10 @@
         </dgm:presLayoutVars>
       </dgm:prSet>
       <dgm:spPr/>
-      <dgm:t>
-        <a:bodyPr/>
-        <a:lstStyle/>
-        <a:p>
-          <a:endParaRPr lang="zh-TW" altLang="en-US"/>
-        </a:p>
-      </dgm:t>
     </dgm:pt>
     <dgm:pt modelId="{55A8D0F4-35D7-4632-89EE-BB6F8E87DDB0}" type="pres">
       <dgm:prSet presAssocID="{6A60B06C-5221-4384-A9FB-3C2F40D70CFC}" presName="rootConnector" presStyleLbl="node2" presStyleIdx="2" presStyleCnt="5"/>
       <dgm:spPr/>
-      <dgm:t>
-        <a:bodyPr/>
-        <a:lstStyle/>
-        <a:p>
-          <a:endParaRPr lang="zh-TW" altLang="en-US"/>
-        </a:p>
-      </dgm:t>
     </dgm:pt>
     <dgm:pt modelId="{C85C4AEF-3588-4056-B85F-4D2FFD2F7CF6}" type="pres">
       <dgm:prSet presAssocID="{6A60B06C-5221-4384-A9FB-3C2F40D70CFC}" presName="hierChild4" presStyleCnt="0"/>
@@ -2377,13 +2190,6 @@
     <dgm:pt modelId="{BC0D907D-CEB2-4F4E-B6F3-5737303E1E5F}" type="pres">
       <dgm:prSet presAssocID="{6D45DEA0-D4D5-4F5A-B34F-FF0007B4D557}" presName="Name37" presStyleLbl="parChTrans1D3" presStyleIdx="5" presStyleCnt="12"/>
       <dgm:spPr/>
-      <dgm:t>
-        <a:bodyPr/>
-        <a:lstStyle/>
-        <a:p>
-          <a:endParaRPr lang="zh-TW" altLang="en-US"/>
-        </a:p>
-      </dgm:t>
     </dgm:pt>
     <dgm:pt modelId="{50440497-B0B6-44C0-98E2-BB7943182CF7}" type="pres">
       <dgm:prSet presAssocID="{E75562FB-B070-41B3-8EF8-CB551DCB0DC5}" presName="hierRoot2" presStyleCnt="0">
@@ -2404,24 +2210,10 @@
         </dgm:presLayoutVars>
       </dgm:prSet>
       <dgm:spPr/>
-      <dgm:t>
-        <a:bodyPr/>
-        <a:lstStyle/>
-        <a:p>
-          <a:endParaRPr lang="zh-TW" altLang="en-US"/>
-        </a:p>
-      </dgm:t>
     </dgm:pt>
     <dgm:pt modelId="{D223C34C-51A5-4CA5-8302-426A14A3C069}" type="pres">
       <dgm:prSet presAssocID="{E75562FB-B070-41B3-8EF8-CB551DCB0DC5}" presName="rootConnector" presStyleLbl="node3" presStyleIdx="5" presStyleCnt="12"/>
       <dgm:spPr/>
-      <dgm:t>
-        <a:bodyPr/>
-        <a:lstStyle/>
-        <a:p>
-          <a:endParaRPr lang="zh-TW" altLang="en-US"/>
-        </a:p>
-      </dgm:t>
     </dgm:pt>
     <dgm:pt modelId="{64A427A0-BD52-4A0F-B9FD-670345AC55D9}" type="pres">
       <dgm:prSet presAssocID="{E75562FB-B070-41B3-8EF8-CB551DCB0DC5}" presName="hierChild4" presStyleCnt="0"/>
@@ -2434,13 +2226,6 @@
     <dgm:pt modelId="{AD91993C-55B9-441F-87C0-0719108305AF}" type="pres">
       <dgm:prSet presAssocID="{B429E2B1-9AB4-4DAF-A3D8-FAB2AEC20118}" presName="Name37" presStyleLbl="parChTrans1D3" presStyleIdx="6" presStyleCnt="12"/>
       <dgm:spPr/>
-      <dgm:t>
-        <a:bodyPr/>
-        <a:lstStyle/>
-        <a:p>
-          <a:endParaRPr lang="zh-TW" altLang="en-US"/>
-        </a:p>
-      </dgm:t>
     </dgm:pt>
     <dgm:pt modelId="{04809DD7-0456-4040-AB6A-EF301CE687D7}" type="pres">
       <dgm:prSet presAssocID="{5E31DA61-BA7B-4CD0-B08B-CD683A1209DE}" presName="hierRoot2" presStyleCnt="0">
@@ -2461,24 +2246,10 @@
         </dgm:presLayoutVars>
       </dgm:prSet>
       <dgm:spPr/>
-      <dgm:t>
-        <a:bodyPr/>
-        <a:lstStyle/>
-        <a:p>
-          <a:endParaRPr lang="zh-TW" altLang="en-US"/>
-        </a:p>
-      </dgm:t>
     </dgm:pt>
     <dgm:pt modelId="{5FA213B4-DAA0-4BB7-88F0-3CEC63244ACD}" type="pres">
       <dgm:prSet presAssocID="{5E31DA61-BA7B-4CD0-B08B-CD683A1209DE}" presName="rootConnector" presStyleLbl="node3" presStyleIdx="6" presStyleCnt="12"/>
       <dgm:spPr/>
-      <dgm:t>
-        <a:bodyPr/>
-        <a:lstStyle/>
-        <a:p>
-          <a:endParaRPr lang="zh-TW" altLang="en-US"/>
-        </a:p>
-      </dgm:t>
     </dgm:pt>
     <dgm:pt modelId="{7A2CADE4-A621-4DF2-9FE5-4166F7A34B56}" type="pres">
       <dgm:prSet presAssocID="{5E31DA61-BA7B-4CD0-B08B-CD683A1209DE}" presName="hierChild4" presStyleCnt="0"/>
@@ -2491,13 +2262,6 @@
     <dgm:pt modelId="{A71F2F49-1E59-48E8-99C8-67B0E3373751}" type="pres">
       <dgm:prSet presAssocID="{55B79C09-F970-4D01-B0A7-8ACEF6E6AD89}" presName="Name37" presStyleLbl="parChTrans1D3" presStyleIdx="7" presStyleCnt="12"/>
       <dgm:spPr/>
-      <dgm:t>
-        <a:bodyPr/>
-        <a:lstStyle/>
-        <a:p>
-          <a:endParaRPr lang="zh-TW" altLang="en-US"/>
-        </a:p>
-      </dgm:t>
     </dgm:pt>
     <dgm:pt modelId="{0740F028-B681-4B48-A5AC-BEBF3374D706}" type="pres">
       <dgm:prSet presAssocID="{173D0E01-5CCA-4DD5-8675-4848935F7747}" presName="hierRoot2" presStyleCnt="0">
@@ -2518,24 +2282,10 @@
         </dgm:presLayoutVars>
       </dgm:prSet>
       <dgm:spPr/>
-      <dgm:t>
-        <a:bodyPr/>
-        <a:lstStyle/>
-        <a:p>
-          <a:endParaRPr lang="zh-TW" altLang="en-US"/>
-        </a:p>
-      </dgm:t>
     </dgm:pt>
     <dgm:pt modelId="{2ED1784F-575D-45D8-88D0-DAD0F7EA56B1}" type="pres">
       <dgm:prSet presAssocID="{173D0E01-5CCA-4DD5-8675-4848935F7747}" presName="rootConnector" presStyleLbl="node3" presStyleIdx="7" presStyleCnt="12"/>
       <dgm:spPr/>
-      <dgm:t>
-        <a:bodyPr/>
-        <a:lstStyle/>
-        <a:p>
-          <a:endParaRPr lang="zh-TW" altLang="en-US"/>
-        </a:p>
-      </dgm:t>
     </dgm:pt>
     <dgm:pt modelId="{47D1D3A5-91FC-48DB-990F-8397DCE7F17F}" type="pres">
       <dgm:prSet presAssocID="{173D0E01-5CCA-4DD5-8675-4848935F7747}" presName="hierChild4" presStyleCnt="0"/>
@@ -2552,13 +2302,6 @@
     <dgm:pt modelId="{2B8AB7A6-9DF3-44B8-A462-8360BF7B6F26}" type="pres">
       <dgm:prSet presAssocID="{BA5BADE7-FE02-4E58-AED6-CA6877DD8C92}" presName="Name37" presStyleLbl="parChTrans1D2" presStyleIdx="3" presStyleCnt="5"/>
       <dgm:spPr/>
-      <dgm:t>
-        <a:bodyPr/>
-        <a:lstStyle/>
-        <a:p>
-          <a:endParaRPr lang="zh-TW" altLang="en-US"/>
-        </a:p>
-      </dgm:t>
     </dgm:pt>
     <dgm:pt modelId="{21B06569-2508-486F-9FBB-07F2AAC6E739}" type="pres">
       <dgm:prSet presAssocID="{86D061FF-D2B9-4444-977F-ADD2F8B26F58}" presName="hierRoot2" presStyleCnt="0">
@@ -2579,24 +2322,10 @@
         </dgm:presLayoutVars>
       </dgm:prSet>
       <dgm:spPr/>
-      <dgm:t>
-        <a:bodyPr/>
-        <a:lstStyle/>
-        <a:p>
-          <a:endParaRPr lang="zh-TW" altLang="en-US"/>
-        </a:p>
-      </dgm:t>
     </dgm:pt>
     <dgm:pt modelId="{DBAD3854-BABD-419A-91AD-A1E38A3CF09E}" type="pres">
       <dgm:prSet presAssocID="{86D061FF-D2B9-4444-977F-ADD2F8B26F58}" presName="rootConnector" presStyleLbl="node2" presStyleIdx="3" presStyleCnt="5"/>
       <dgm:spPr/>
-      <dgm:t>
-        <a:bodyPr/>
-        <a:lstStyle/>
-        <a:p>
-          <a:endParaRPr lang="zh-TW" altLang="en-US"/>
-        </a:p>
-      </dgm:t>
     </dgm:pt>
     <dgm:pt modelId="{AF872535-12D7-4ACB-8C05-E0C9E46F7A5D}" type="pres">
       <dgm:prSet presAssocID="{86D061FF-D2B9-4444-977F-ADD2F8B26F58}" presName="hierChild4" presStyleCnt="0"/>
@@ -2605,13 +2334,6 @@
     <dgm:pt modelId="{E780AC31-68D7-4FDE-AB32-EFBB2D377EE9}" type="pres">
       <dgm:prSet presAssocID="{0CDD43BF-559F-46B2-A99A-AC0F2E14E16C}" presName="Name37" presStyleLbl="parChTrans1D3" presStyleIdx="8" presStyleCnt="12"/>
       <dgm:spPr/>
-      <dgm:t>
-        <a:bodyPr/>
-        <a:lstStyle/>
-        <a:p>
-          <a:endParaRPr lang="zh-TW" altLang="en-US"/>
-        </a:p>
-      </dgm:t>
     </dgm:pt>
     <dgm:pt modelId="{CC8D1D23-C19D-4599-B78F-69CF8D98A01C}" type="pres">
       <dgm:prSet presAssocID="{0CF1DFD8-24BF-4C6B-BD01-BEBB8834C8DE}" presName="hierRoot2" presStyleCnt="0">
@@ -2632,24 +2354,10 @@
         </dgm:presLayoutVars>
       </dgm:prSet>
       <dgm:spPr/>
-      <dgm:t>
-        <a:bodyPr/>
-        <a:lstStyle/>
-        <a:p>
-          <a:endParaRPr lang="zh-TW" altLang="en-US"/>
-        </a:p>
-      </dgm:t>
     </dgm:pt>
     <dgm:pt modelId="{D1B06913-B69F-4394-9B6A-75C451167FE8}" type="pres">
       <dgm:prSet presAssocID="{0CF1DFD8-24BF-4C6B-BD01-BEBB8834C8DE}" presName="rootConnector" presStyleLbl="node3" presStyleIdx="8" presStyleCnt="12"/>
       <dgm:spPr/>
-      <dgm:t>
-        <a:bodyPr/>
-        <a:lstStyle/>
-        <a:p>
-          <a:endParaRPr lang="zh-TW" altLang="en-US"/>
-        </a:p>
-      </dgm:t>
     </dgm:pt>
     <dgm:pt modelId="{A9FF0AF9-2690-4F87-A2D1-8CC1CE60737F}" type="pres">
       <dgm:prSet presAssocID="{0CF1DFD8-24BF-4C6B-BD01-BEBB8834C8DE}" presName="hierChild4" presStyleCnt="0"/>
@@ -2662,13 +2370,6 @@
     <dgm:pt modelId="{2D80F0C3-C504-4561-A084-06B66D39392D}" type="pres">
       <dgm:prSet presAssocID="{56898A94-E574-4C74-BB23-528EED54EB78}" presName="Name37" presStyleLbl="parChTrans1D3" presStyleIdx="9" presStyleCnt="12"/>
       <dgm:spPr/>
-      <dgm:t>
-        <a:bodyPr/>
-        <a:lstStyle/>
-        <a:p>
-          <a:endParaRPr lang="zh-TW" altLang="en-US"/>
-        </a:p>
-      </dgm:t>
     </dgm:pt>
     <dgm:pt modelId="{3D997989-D625-4CC3-A662-6369D61E2715}" type="pres">
       <dgm:prSet presAssocID="{45589563-E41B-44DB-8AFC-34EE8901D150}" presName="hierRoot2" presStyleCnt="0">
@@ -2689,24 +2390,10 @@
         </dgm:presLayoutVars>
       </dgm:prSet>
       <dgm:spPr/>
-      <dgm:t>
-        <a:bodyPr/>
-        <a:lstStyle/>
-        <a:p>
-          <a:endParaRPr lang="zh-TW" altLang="en-US"/>
-        </a:p>
-      </dgm:t>
     </dgm:pt>
     <dgm:pt modelId="{8CE4FFBF-227E-49C4-97D7-83977CD95846}" type="pres">
       <dgm:prSet presAssocID="{45589563-E41B-44DB-8AFC-34EE8901D150}" presName="rootConnector" presStyleLbl="node3" presStyleIdx="9" presStyleCnt="12"/>
       <dgm:spPr/>
-      <dgm:t>
-        <a:bodyPr/>
-        <a:lstStyle/>
-        <a:p>
-          <a:endParaRPr lang="zh-TW" altLang="en-US"/>
-        </a:p>
-      </dgm:t>
     </dgm:pt>
     <dgm:pt modelId="{EC817ADC-FFF2-4B36-B8D6-826AC4924E83}" type="pres">
       <dgm:prSet presAssocID="{45589563-E41B-44DB-8AFC-34EE8901D150}" presName="hierChild4" presStyleCnt="0"/>
@@ -2723,13 +2410,6 @@
     <dgm:pt modelId="{BDE2651E-B7D5-4C3D-AD07-DA19A512C3EE}" type="pres">
       <dgm:prSet presAssocID="{10800D79-C7F5-402B-9C15-F3A760B05058}" presName="Name37" presStyleLbl="parChTrans1D2" presStyleIdx="4" presStyleCnt="5"/>
       <dgm:spPr/>
-      <dgm:t>
-        <a:bodyPr/>
-        <a:lstStyle/>
-        <a:p>
-          <a:endParaRPr lang="zh-TW" altLang="en-US"/>
-        </a:p>
-      </dgm:t>
     </dgm:pt>
     <dgm:pt modelId="{68C645D7-DD34-4CEC-B0F6-54DC101682E9}" type="pres">
       <dgm:prSet presAssocID="{AD32A085-D46D-4887-85FE-3881670D4ABC}" presName="hierRoot2" presStyleCnt="0">
@@ -2750,24 +2430,10 @@
         </dgm:presLayoutVars>
       </dgm:prSet>
       <dgm:spPr/>
-      <dgm:t>
-        <a:bodyPr/>
-        <a:lstStyle/>
-        <a:p>
-          <a:endParaRPr lang="zh-TW" altLang="en-US"/>
-        </a:p>
-      </dgm:t>
     </dgm:pt>
     <dgm:pt modelId="{C609D8FB-3E78-41DF-97D1-426FFD67870A}" type="pres">
       <dgm:prSet presAssocID="{AD32A085-D46D-4887-85FE-3881670D4ABC}" presName="rootConnector" presStyleLbl="node2" presStyleIdx="4" presStyleCnt="5"/>
       <dgm:spPr/>
-      <dgm:t>
-        <a:bodyPr/>
-        <a:lstStyle/>
-        <a:p>
-          <a:endParaRPr lang="zh-TW" altLang="en-US"/>
-        </a:p>
-      </dgm:t>
     </dgm:pt>
     <dgm:pt modelId="{F0332430-2094-44BA-B3EC-33A2BD908B64}" type="pres">
       <dgm:prSet presAssocID="{AD32A085-D46D-4887-85FE-3881670D4ABC}" presName="hierChild4" presStyleCnt="0"/>
@@ -2776,13 +2442,6 @@
     <dgm:pt modelId="{6A9A8A16-8F93-420D-8D9F-15BFBFA09642}" type="pres">
       <dgm:prSet presAssocID="{3F984D36-88C5-4802-A36C-73B6E41E1411}" presName="Name37" presStyleLbl="parChTrans1D3" presStyleIdx="10" presStyleCnt="12"/>
       <dgm:spPr/>
-      <dgm:t>
-        <a:bodyPr/>
-        <a:lstStyle/>
-        <a:p>
-          <a:endParaRPr lang="zh-TW" altLang="en-US"/>
-        </a:p>
-      </dgm:t>
     </dgm:pt>
     <dgm:pt modelId="{6D6CECBC-E1EB-4041-B439-B36FA5E3387D}" type="pres">
       <dgm:prSet presAssocID="{39BE0418-99C9-4A4C-9BB7-65D49A05BB31}" presName="hierRoot2" presStyleCnt="0">
@@ -2803,24 +2462,10 @@
         </dgm:presLayoutVars>
       </dgm:prSet>
       <dgm:spPr/>
-      <dgm:t>
-        <a:bodyPr/>
-        <a:lstStyle/>
-        <a:p>
-          <a:endParaRPr lang="zh-TW" altLang="en-US"/>
-        </a:p>
-      </dgm:t>
     </dgm:pt>
     <dgm:pt modelId="{BC019BB1-5CF6-423B-ABA0-427EF99217C0}" type="pres">
       <dgm:prSet presAssocID="{39BE0418-99C9-4A4C-9BB7-65D49A05BB31}" presName="rootConnector" presStyleLbl="node3" presStyleIdx="10" presStyleCnt="12"/>
       <dgm:spPr/>
-      <dgm:t>
-        <a:bodyPr/>
-        <a:lstStyle/>
-        <a:p>
-          <a:endParaRPr lang="zh-TW" altLang="en-US"/>
-        </a:p>
-      </dgm:t>
     </dgm:pt>
     <dgm:pt modelId="{9DB1C866-67F8-4DB2-99E4-62C28D8B5F6A}" type="pres">
       <dgm:prSet presAssocID="{39BE0418-99C9-4A4C-9BB7-65D49A05BB31}" presName="hierChild4" presStyleCnt="0"/>
@@ -2833,13 +2478,6 @@
     <dgm:pt modelId="{CBF5EDDE-F1AE-4D96-A868-C069E99404E1}" type="pres">
       <dgm:prSet presAssocID="{C280D63C-71F5-492D-8B35-D8AC545A8FD6}" presName="Name37" presStyleLbl="parChTrans1D3" presStyleIdx="11" presStyleCnt="12"/>
       <dgm:spPr/>
-      <dgm:t>
-        <a:bodyPr/>
-        <a:lstStyle/>
-        <a:p>
-          <a:endParaRPr lang="zh-TW" altLang="en-US"/>
-        </a:p>
-      </dgm:t>
     </dgm:pt>
     <dgm:pt modelId="{CB37B3B1-62DE-41B7-9747-8792D8DC5003}" type="pres">
       <dgm:prSet presAssocID="{62CBE48F-EC59-4730-8AFF-764E8BD5E8AD}" presName="hierRoot2" presStyleCnt="0">
@@ -2860,24 +2498,10 @@
         </dgm:presLayoutVars>
       </dgm:prSet>
       <dgm:spPr/>
-      <dgm:t>
-        <a:bodyPr/>
-        <a:lstStyle/>
-        <a:p>
-          <a:endParaRPr lang="zh-TW" altLang="en-US"/>
-        </a:p>
-      </dgm:t>
     </dgm:pt>
     <dgm:pt modelId="{7AFA0562-599B-4AA7-9AC2-2C2B381E4C25}" type="pres">
       <dgm:prSet presAssocID="{62CBE48F-EC59-4730-8AFF-764E8BD5E8AD}" presName="rootConnector" presStyleLbl="node3" presStyleIdx="11" presStyleCnt="12"/>
       <dgm:spPr/>
-      <dgm:t>
-        <a:bodyPr/>
-        <a:lstStyle/>
-        <a:p>
-          <a:endParaRPr lang="zh-TW" altLang="en-US"/>
-        </a:p>
-      </dgm:t>
     </dgm:pt>
     <dgm:pt modelId="{D5D22431-71D9-43B7-9CE5-E8DAC3B33147}" type="pres">
       <dgm:prSet presAssocID="{62CBE48F-EC59-4730-8AFF-764E8BD5E8AD}" presName="hierChild4" presStyleCnt="0"/>
@@ -2897,78 +2521,78 @@
     </dgm:pt>
   </dgm:ptLst>
   <dgm:cxnLst>
+    <dgm:cxn modelId="{468F5004-FAEB-4B83-ACBE-87CC0951A8B8}" type="presOf" srcId="{807A8DFA-5BDA-4B03-B801-660127571B99}" destId="{079241A2-20E2-4232-9D06-88AA9F82E25C}" srcOrd="1" destOrd="0" presId="urn:microsoft.com/office/officeart/2005/8/layout/orgChart1"/>
+    <dgm:cxn modelId="{50DAC207-194B-4522-8F60-70329D502C4A}" type="presOf" srcId="{DBFF9E4D-F654-4E3E-A2C7-9EEF27EF4259}" destId="{5F48F0E4-2C7E-480D-9A45-E44C79D6BEA5}" srcOrd="0" destOrd="0" presId="urn:microsoft.com/office/officeart/2005/8/layout/orgChart1"/>
+    <dgm:cxn modelId="{3AE07709-9EB4-4A95-9929-16AE08DFE16B}" type="presOf" srcId="{45589563-E41B-44DB-8AFC-34EE8901D150}" destId="{8CE4FFBF-227E-49C4-97D7-83977CD95846}" srcOrd="1" destOrd="0" presId="urn:microsoft.com/office/officeart/2005/8/layout/orgChart1"/>
+    <dgm:cxn modelId="{DB594F0F-D2CE-46D6-8A71-32F88F2A750A}" type="presOf" srcId="{E7358108-83A8-42F1-84AF-1043344A61B4}" destId="{898283FA-7639-445A-95D5-432134CB6ADF}" srcOrd="0" destOrd="0" presId="urn:microsoft.com/office/officeart/2005/8/layout/orgChart1"/>
+    <dgm:cxn modelId="{95FBBB1B-BA8C-4D24-ACCC-619FCD002F1D}" srcId="{AD32A085-D46D-4887-85FE-3881670D4ABC}" destId="{62CBE48F-EC59-4730-8AFF-764E8BD5E8AD}" srcOrd="1" destOrd="0" parTransId="{C280D63C-71F5-492D-8B35-D8AC545A8FD6}" sibTransId="{D2980E21-5749-422D-848B-5FE4F350FA78}"/>
+    <dgm:cxn modelId="{E083AA21-4155-48B2-8F94-BCB535ECC4E3}" type="presOf" srcId="{0CDD43BF-559F-46B2-A99A-AC0F2E14E16C}" destId="{E780AC31-68D7-4FDE-AB32-EFBB2D377EE9}" srcOrd="0" destOrd="0" presId="urn:microsoft.com/office/officeart/2005/8/layout/orgChart1"/>
+    <dgm:cxn modelId="{90BC6C25-1C2D-43DE-9E7E-C518D4EF859B}" srcId="{BB9FF21B-E75B-43A4-B03F-6C82A45E4511}" destId="{AC3A9028-A893-43CC-B0AA-EFF03CAF6956}" srcOrd="1" destOrd="0" parTransId="{6120E8A3-E282-411C-B7AF-52CB84C5223C}" sibTransId="{1697C4F1-C0E7-4E58-B3A5-D36654A6903E}"/>
+    <dgm:cxn modelId="{D680EA26-5B15-420D-9FA0-DD0C5A469941}" srcId="{29EEBFE2-BEA6-4F35-8D1E-FF7000BD40D5}" destId="{C1995ACD-DEEA-4649-9190-0A2396D6DBA3}" srcOrd="0" destOrd="0" parTransId="{A5ED610D-3F11-454D-B28B-8E429C182DBB}" sibTransId="{CF4FC96D-3D22-44F0-A56F-5F48565B1343}"/>
+    <dgm:cxn modelId="{CF050829-6C9D-4F48-974B-656C1923992E}" type="presOf" srcId="{69FD09DB-7D78-47CE-93D1-107E376A870E}" destId="{0D5A4EFE-1C67-4062-B174-8A1DEA7885B2}" srcOrd="0" destOrd="0" presId="urn:microsoft.com/office/officeart/2005/8/layout/orgChart1"/>
+    <dgm:cxn modelId="{9E00E631-3A37-453D-8036-41BFD158F301}" srcId="{C1995ACD-DEEA-4649-9190-0A2396D6DBA3}" destId="{E7358108-83A8-42F1-84AF-1043344A61B4}" srcOrd="0" destOrd="0" parTransId="{69FD09DB-7D78-47CE-93D1-107E376A870E}" sibTransId="{1EE218E9-8B94-451F-A133-38BAF668B8B5}"/>
+    <dgm:cxn modelId="{86B0FB32-42C9-4162-91B1-FFC1DE8460AC}" type="presOf" srcId="{29EEBFE2-BEA6-4F35-8D1E-FF7000BD40D5}" destId="{764024E2-07FC-4A92-AB92-49DAE6C1E5A9}" srcOrd="0" destOrd="0" presId="urn:microsoft.com/office/officeart/2005/8/layout/orgChart1"/>
+    <dgm:cxn modelId="{A22D7F34-B439-4CBC-B05B-B7928B3E9518}" type="presOf" srcId="{BB9FF21B-E75B-43A4-B03F-6C82A45E4511}" destId="{EA605843-84EA-4778-BB50-59415505C303}" srcOrd="0" destOrd="0" presId="urn:microsoft.com/office/officeart/2005/8/layout/orgChart1"/>
+    <dgm:cxn modelId="{4F0B0D3E-984D-49D4-BF42-B0C2A303B629}" type="presOf" srcId="{86D061FF-D2B9-4444-977F-ADD2F8B26F58}" destId="{027E1B34-93FE-4CE3-8A28-D69A90B48A09}" srcOrd="0" destOrd="0" presId="urn:microsoft.com/office/officeart/2005/8/layout/orgChart1"/>
+    <dgm:cxn modelId="{B570293E-A034-4184-8C6E-4316A0AFC6A7}" type="presOf" srcId="{6D45DEA0-D4D5-4F5A-B34F-FF0007B4D557}" destId="{BC0D907D-CEB2-4F4E-B6F3-5737303E1E5F}" srcOrd="0" destOrd="0" presId="urn:microsoft.com/office/officeart/2005/8/layout/orgChart1"/>
+    <dgm:cxn modelId="{067C603F-91D6-450C-B790-42D6C288A3E5}" type="presOf" srcId="{173D0E01-5CCA-4DD5-8675-4848935F7747}" destId="{F408B408-E62C-4B71-97E3-A289C9A0B662}" srcOrd="0" destOrd="0" presId="urn:microsoft.com/office/officeart/2005/8/layout/orgChart1"/>
+    <dgm:cxn modelId="{AC8D643F-2F3D-4119-9CAE-EC9A6F0471FB}" type="presOf" srcId="{E75562FB-B070-41B3-8EF8-CB551DCB0DC5}" destId="{D223C34C-51A5-4CA5-8302-426A14A3C069}" srcOrd="1" destOrd="0" presId="urn:microsoft.com/office/officeart/2005/8/layout/orgChart1"/>
+    <dgm:cxn modelId="{E4D8F05D-28B4-48A9-9BB5-6EE26DA1C4A4}" type="presOf" srcId="{CB39D681-7061-437F-A140-79E3079A753F}" destId="{E79A5832-DD8A-4441-B652-BD9EC8B7EED1}" srcOrd="0" destOrd="0" presId="urn:microsoft.com/office/officeart/2005/8/layout/orgChart1"/>
+    <dgm:cxn modelId="{665D2C66-71F9-4798-AD7B-213B21EF38D4}" type="presOf" srcId="{0CF1DFD8-24BF-4C6B-BD01-BEBB8834C8DE}" destId="{FC2AA275-909E-47D7-A861-5FB840A38676}" srcOrd="0" destOrd="0" presId="urn:microsoft.com/office/officeart/2005/8/layout/orgChart1"/>
+    <dgm:cxn modelId="{692C2E6B-BDFD-4010-A265-F8C30B20FA6C}" srcId="{86D061FF-D2B9-4444-977F-ADD2F8B26F58}" destId="{45589563-E41B-44DB-8AFC-34EE8901D150}" srcOrd="1" destOrd="0" parTransId="{56898A94-E574-4C74-BB23-528EED54EB78}" sibTransId="{9C579D39-AB85-41C8-8432-AFBFC00D9440}"/>
+    <dgm:cxn modelId="{26F9324B-44A5-4EE4-A830-EBDAA24A23BC}" type="presOf" srcId="{86D061FF-D2B9-4444-977F-ADD2F8B26F58}" destId="{DBAD3854-BABD-419A-91AD-A1E38A3CF09E}" srcOrd="1" destOrd="0" presId="urn:microsoft.com/office/officeart/2005/8/layout/orgChart1"/>
+    <dgm:cxn modelId="{A5A6396D-90A6-4EAB-BD65-C6E3EB328989}" srcId="{6A60B06C-5221-4384-A9FB-3C2F40D70CFC}" destId="{5E31DA61-BA7B-4CD0-B08B-CD683A1209DE}" srcOrd="1" destOrd="0" parTransId="{B429E2B1-9AB4-4DAF-A3D8-FAB2AEC20118}" sibTransId="{EFD350DB-5014-47BD-802E-75E7FEB9EDCE}"/>
+    <dgm:cxn modelId="{80C4524F-4DF7-4799-946F-CCB503F3B731}" type="presOf" srcId="{3F984D36-88C5-4802-A36C-73B6E41E1411}" destId="{6A9A8A16-8F93-420D-8D9F-15BFBFA09642}" srcOrd="0" destOrd="0" presId="urn:microsoft.com/office/officeart/2005/8/layout/orgChart1"/>
+    <dgm:cxn modelId="{6C081070-BFA6-4451-8423-41FAADBD5092}" type="presOf" srcId="{807A8DFA-5BDA-4B03-B801-660127571B99}" destId="{B9F624FB-4B18-4FAE-BC1C-356832304C1D}" srcOrd="0" destOrd="0" presId="urn:microsoft.com/office/officeart/2005/8/layout/orgChart1"/>
+    <dgm:cxn modelId="{A8E79D71-C7DF-4296-A3C7-24AFAA6DE9C3}" srcId="{86D061FF-D2B9-4444-977F-ADD2F8B26F58}" destId="{0CF1DFD8-24BF-4C6B-BD01-BEBB8834C8DE}" srcOrd="0" destOrd="0" parTransId="{0CDD43BF-559F-46B2-A99A-AC0F2E14E16C}" sibTransId="{4F46DB3D-023A-410E-88AA-FB56A0D3206C}"/>
+    <dgm:cxn modelId="{A8940652-5E36-4B09-BDC7-923AD7A2B90A}" type="presOf" srcId="{C1995ACD-DEEA-4649-9190-0A2396D6DBA3}" destId="{0F6EA74C-FEEA-4A60-8965-C249C259639B}" srcOrd="0" destOrd="0" presId="urn:microsoft.com/office/officeart/2005/8/layout/orgChart1"/>
+    <dgm:cxn modelId="{D693D372-7061-4242-B7FA-0922BF6D50B1}" srcId="{AD32A085-D46D-4887-85FE-3881670D4ABC}" destId="{39BE0418-99C9-4A4C-9BB7-65D49A05BB31}" srcOrd="0" destOrd="0" parTransId="{3F984D36-88C5-4802-A36C-73B6E41E1411}" sibTransId="{AADAA9E2-AA9B-4FCD-ACF3-BAF5F5DC6DE5}"/>
+    <dgm:cxn modelId="{7A623373-9A1A-4AF6-9F21-420BD8CCA4D6}" type="presOf" srcId="{AC3A9028-A893-43CC-B0AA-EFF03CAF6956}" destId="{F395118E-6F8D-4111-995B-78F916EC69E4}" srcOrd="0" destOrd="0" presId="urn:microsoft.com/office/officeart/2005/8/layout/orgChart1"/>
+    <dgm:cxn modelId="{B024FF53-4887-4D94-A72D-4D97CAFD64F6}" type="presOf" srcId="{E7358108-83A8-42F1-84AF-1043344A61B4}" destId="{74E53E5B-7DCA-4C09-A9BF-327363D42547}" srcOrd="1" destOrd="0" presId="urn:microsoft.com/office/officeart/2005/8/layout/orgChart1"/>
+    <dgm:cxn modelId="{828B6D54-699D-4E46-AD40-07C1A62B13D9}" srcId="{C1995ACD-DEEA-4649-9190-0A2396D6DBA3}" destId="{86D061FF-D2B9-4444-977F-ADD2F8B26F58}" srcOrd="3" destOrd="0" parTransId="{BA5BADE7-FE02-4E58-AED6-CA6877DD8C92}" sibTransId="{CFC98E5F-E976-47DE-BF3C-8D713A362CC8}"/>
     <dgm:cxn modelId="{96023D78-F5FE-458A-9C77-BA782D9E34FB}" srcId="{C1995ACD-DEEA-4649-9190-0A2396D6DBA3}" destId="{6A60B06C-5221-4384-A9FB-3C2F40D70CFC}" srcOrd="2" destOrd="0" parTransId="{1D01C1D7-F99C-40D9-8169-9A3606FC3C22}" sibTransId="{CE8C7E41-6626-4993-84F7-230AABC742CC}"/>
+    <dgm:cxn modelId="{0A001B7D-02A3-44E0-884E-6CD766446281}" srcId="{E7358108-83A8-42F1-84AF-1043344A61B4}" destId="{9D5DD00D-D723-41C3-A564-BE447082CEE3}" srcOrd="1" destOrd="0" parTransId="{7F7DDA6E-F3A1-4195-9D49-DD6A7A673A53}" sibTransId="{CC461DF6-266C-458F-8E69-C9749734EA70}"/>
+    <dgm:cxn modelId="{2A37767E-672C-464E-931A-BC8365AF4F05}" type="presOf" srcId="{AD32A085-D46D-4887-85FE-3881670D4ABC}" destId="{C609D8FB-3E78-41DF-97D1-426FFD67870A}" srcOrd="1" destOrd="0" presId="urn:microsoft.com/office/officeart/2005/8/layout/orgChart1"/>
+    <dgm:cxn modelId="{367BD37E-38CF-4245-9EFA-D01B85B83BD9}" type="presOf" srcId="{56898A94-E574-4C74-BB23-528EED54EB78}" destId="{2D80F0C3-C504-4561-A084-06B66D39392D}" srcOrd="0" destOrd="0" presId="urn:microsoft.com/office/officeart/2005/8/layout/orgChart1"/>
+    <dgm:cxn modelId="{5B2A6C7F-9AFC-4DAC-BABF-81E31DDE16BF}" type="presOf" srcId="{62CBE48F-EC59-4730-8AFF-764E8BD5E8AD}" destId="{81D60BD1-1DBC-4430-BF4F-3151B42A904C}" srcOrd="0" destOrd="0" presId="urn:microsoft.com/office/officeart/2005/8/layout/orgChart1"/>
+    <dgm:cxn modelId="{AB480F80-CE0A-4F95-916F-C7173772710C}" type="presOf" srcId="{9D5DD00D-D723-41C3-A564-BE447082CEE3}" destId="{DE79C5C0-52BB-4AB4-B9E4-4D482851A011}" srcOrd="0" destOrd="0" presId="urn:microsoft.com/office/officeart/2005/8/layout/orgChart1"/>
+    <dgm:cxn modelId="{0795BC80-BD44-4D5E-9628-A25590A3080E}" type="presOf" srcId="{C280D63C-71F5-492D-8B35-D8AC545A8FD6}" destId="{CBF5EDDE-F1AE-4D96-A868-C069E99404E1}" srcOrd="0" destOrd="0" presId="urn:microsoft.com/office/officeart/2005/8/layout/orgChart1"/>
+    <dgm:cxn modelId="{0C378782-35EC-4245-8A15-5269519644AB}" type="presOf" srcId="{82C8B149-700F-4051-9983-87F5E03CFF7E}" destId="{6951BAB4-BE5B-4240-B59E-660738FB8C0A}" srcOrd="0" destOrd="0" presId="urn:microsoft.com/office/officeart/2005/8/layout/orgChart1"/>
+    <dgm:cxn modelId="{20309684-A762-44F5-84F3-A30330CCFCA8}" type="presOf" srcId="{0CF1DFD8-24BF-4C6B-BD01-BEBB8834C8DE}" destId="{D1B06913-B69F-4394-9B6A-75C451167FE8}" srcOrd="1" destOrd="0" presId="urn:microsoft.com/office/officeart/2005/8/layout/orgChart1"/>
+    <dgm:cxn modelId="{FB4A1C85-F1E3-45BF-8CD8-8E9D3AE2F3BA}" type="presOf" srcId="{9D5DD00D-D723-41C3-A564-BE447082CEE3}" destId="{7877DBA2-C865-46EE-839A-1D3781B37466}" srcOrd="1" destOrd="0" presId="urn:microsoft.com/office/officeart/2005/8/layout/orgChart1"/>
+    <dgm:cxn modelId="{DC813085-6362-440A-A9A1-BE9DF2040FD9}" type="presOf" srcId="{D9741ECF-9D86-4A1C-8DF4-94C0D2567BD6}" destId="{C3DBE02B-4666-4866-AB49-9225C9F7E671}" srcOrd="1" destOrd="0" presId="urn:microsoft.com/office/officeart/2005/8/layout/orgChart1"/>
+    <dgm:cxn modelId="{78F39385-89B2-4678-B14C-4566B6C7C105}" type="presOf" srcId="{C1995ACD-DEEA-4649-9190-0A2396D6DBA3}" destId="{51FCB016-BDCC-466A-AEB8-2EA2F7D30621}" srcOrd="1" destOrd="0" presId="urn:microsoft.com/office/officeart/2005/8/layout/orgChart1"/>
+    <dgm:cxn modelId="{5E40A485-E986-4DF1-9B84-9F421FDAB0BC}" type="presOf" srcId="{BA5BADE7-FE02-4E58-AED6-CA6877DD8C92}" destId="{2B8AB7A6-9DF3-44B8-A462-8360BF7B6F26}" srcOrd="0" destOrd="0" presId="urn:microsoft.com/office/officeart/2005/8/layout/orgChart1"/>
+    <dgm:cxn modelId="{74B08588-A8AA-40FE-A5B1-93EF0CF50E26}" type="presOf" srcId="{C8AEE87B-F7A2-4CFA-BE00-6B9F721DFE96}" destId="{9CB29694-F3D7-41DB-BEBC-33D5343BA11A}" srcOrd="0" destOrd="0" presId="urn:microsoft.com/office/officeart/2005/8/layout/orgChart1"/>
+    <dgm:cxn modelId="{8E30AF8B-B498-43A6-9E10-84E97522C64C}" type="presOf" srcId="{BB9FF21B-E75B-43A4-B03F-6C82A45E4511}" destId="{D8602253-5290-4E90-A5EF-32A901888DAC}" srcOrd="1" destOrd="0" presId="urn:microsoft.com/office/officeart/2005/8/layout/orgChart1"/>
+    <dgm:cxn modelId="{A474708C-9EBF-4ECD-BF09-326E10A1A9BC}" type="presOf" srcId="{B3FBE738-30A6-4B4A-9DB3-9AB2CC3B1641}" destId="{34F89FF5-4CE7-4557-94ED-372F163EBFBB}" srcOrd="0" destOrd="0" presId="urn:microsoft.com/office/officeart/2005/8/layout/orgChart1"/>
+    <dgm:cxn modelId="{97F9CF93-1ADD-4C27-A321-B36B3C7D5089}" srcId="{E7358108-83A8-42F1-84AF-1043344A61B4}" destId="{C8AEE87B-F7A2-4CFA-BE00-6B9F721DFE96}" srcOrd="0" destOrd="0" parTransId="{DBFF9E4D-F654-4E3E-A2C7-9EEF27EF4259}" sibTransId="{EC9178BF-E53B-4AAF-BF49-34A7F5D46978}"/>
     <dgm:cxn modelId="{9935FD93-C4F2-4D60-8FD8-02DB113D79BC}" type="presOf" srcId="{7F7DDA6E-F3A1-4195-9D49-DD6A7A673A53}" destId="{1CACF2A5-9765-453F-9602-3749D63C20FF}" srcOrd="0" destOrd="0" presId="urn:microsoft.com/office/officeart/2005/8/layout/orgChart1"/>
-    <dgm:cxn modelId="{E083AA21-4155-48B2-8F94-BCB535ECC4E3}" type="presOf" srcId="{0CDD43BF-559F-46B2-A99A-AC0F2E14E16C}" destId="{E780AC31-68D7-4FDE-AB32-EFBB2D377EE9}" srcOrd="0" destOrd="0" presId="urn:microsoft.com/office/officeart/2005/8/layout/orgChart1"/>
-    <dgm:cxn modelId="{DC813085-6362-440A-A9A1-BE9DF2040FD9}" type="presOf" srcId="{D9741ECF-9D86-4A1C-8DF4-94C0D2567BD6}" destId="{C3DBE02B-4666-4866-AB49-9225C9F7E671}" srcOrd="1" destOrd="0" presId="urn:microsoft.com/office/officeart/2005/8/layout/orgChart1"/>
-    <dgm:cxn modelId="{0A001B7D-02A3-44E0-884E-6CD766446281}" srcId="{E7358108-83A8-42F1-84AF-1043344A61B4}" destId="{9D5DD00D-D723-41C3-A564-BE447082CEE3}" srcOrd="1" destOrd="0" parTransId="{7F7DDA6E-F3A1-4195-9D49-DD6A7A673A53}" sibTransId="{CC461DF6-266C-458F-8E69-C9749734EA70}"/>
-    <dgm:cxn modelId="{9E00E631-3A37-453D-8036-41BFD158F301}" srcId="{C1995ACD-DEEA-4649-9190-0A2396D6DBA3}" destId="{E7358108-83A8-42F1-84AF-1043344A61B4}" srcOrd="0" destOrd="0" parTransId="{69FD09DB-7D78-47CE-93D1-107E376A870E}" sibTransId="{1EE218E9-8B94-451F-A133-38BAF668B8B5}"/>
-    <dgm:cxn modelId="{AC8D643F-2F3D-4119-9CAE-EC9A6F0471FB}" type="presOf" srcId="{E75562FB-B070-41B3-8EF8-CB551DCB0DC5}" destId="{D223C34C-51A5-4CA5-8302-426A14A3C069}" srcOrd="1" destOrd="0" presId="urn:microsoft.com/office/officeart/2005/8/layout/orgChart1"/>
+    <dgm:cxn modelId="{ACBF2E96-571F-41C3-8588-71030E8562EF}" type="presOf" srcId="{E75562FB-B070-41B3-8EF8-CB551DCB0DC5}" destId="{6871A768-0DBE-4C41-BCFF-9B19A28A7E1D}" srcOrd="0" destOrd="0" presId="urn:microsoft.com/office/officeart/2005/8/layout/orgChart1"/>
+    <dgm:cxn modelId="{C211CE96-685E-4E45-B077-337E200B74C6}" type="presOf" srcId="{6A60B06C-5221-4384-A9FB-3C2F40D70CFC}" destId="{C7A39AEC-6CA1-4A35-BBFE-442C186C536B}" srcOrd="0" destOrd="0" presId="urn:microsoft.com/office/officeart/2005/8/layout/orgChart1"/>
+    <dgm:cxn modelId="{25FEDA96-8575-46CC-B082-D473E4E69752}" type="presOf" srcId="{1D01C1D7-F99C-40D9-8169-9A3606FC3C22}" destId="{36FDDF0B-DA3B-4828-A65A-BF49F0C3EF85}" srcOrd="0" destOrd="0" presId="urn:microsoft.com/office/officeart/2005/8/layout/orgChart1"/>
     <dgm:cxn modelId="{076AD29A-7FEC-4388-8353-A4CBF00E6363}" srcId="{6A60B06C-5221-4384-A9FB-3C2F40D70CFC}" destId="{E75562FB-B070-41B3-8EF8-CB551DCB0DC5}" srcOrd="0" destOrd="0" parTransId="{6D45DEA0-D4D5-4F5A-B34F-FF0007B4D557}" sibTransId="{C45E83A9-31EF-4525-9EDB-CCA5F08C6693}"/>
-    <dgm:cxn modelId="{A22D7F34-B439-4CBC-B05B-B7928B3E9518}" type="presOf" srcId="{BB9FF21B-E75B-43A4-B03F-6C82A45E4511}" destId="{EA605843-84EA-4778-BB50-59415505C303}" srcOrd="0" destOrd="0" presId="urn:microsoft.com/office/officeart/2005/8/layout/orgChart1"/>
+    <dgm:cxn modelId="{934DDD9A-24FF-4BF0-940E-843BF0B8C4A9}" type="presOf" srcId="{39BE0418-99C9-4A4C-9BB7-65D49A05BB31}" destId="{A22D8479-F3B5-40E2-B47E-87AA623B4993}" srcOrd="0" destOrd="0" presId="urn:microsoft.com/office/officeart/2005/8/layout/orgChart1"/>
+    <dgm:cxn modelId="{EDDD4D9C-7009-4E90-A9EE-E3DD9DF935B6}" type="presOf" srcId="{C8AEE87B-F7A2-4CFA-BE00-6B9F721DFE96}" destId="{23546AB9-AA88-44E8-A74F-6A7DB71CEDFA}" srcOrd="1" destOrd="0" presId="urn:microsoft.com/office/officeart/2005/8/layout/orgChart1"/>
+    <dgm:cxn modelId="{6AE5289E-380D-477A-8B3F-2DA1D4B51CB3}" srcId="{C1995ACD-DEEA-4649-9190-0A2396D6DBA3}" destId="{BB9FF21B-E75B-43A4-B03F-6C82A45E4511}" srcOrd="1" destOrd="0" parTransId="{B3FBE738-30A6-4B4A-9DB3-9AB2CC3B1641}" sibTransId="{02222961-B9DB-42C2-91C4-66DA7EA2366A}"/>
+    <dgm:cxn modelId="{3C253BA8-7896-442A-81B0-48358DFC481C}" type="presOf" srcId="{6120E8A3-E282-411C-B7AF-52CB84C5223C}" destId="{EFD32E61-B9DB-4382-8D7C-ED48B7A5E0C4}" srcOrd="0" destOrd="0" presId="urn:microsoft.com/office/officeart/2005/8/layout/orgChart1"/>
+    <dgm:cxn modelId="{2D0656AF-0273-4C6D-AC64-715F64FDF61C}" type="presOf" srcId="{AC3A9028-A893-43CC-B0AA-EFF03CAF6956}" destId="{CE0C6D92-1D52-4CC6-84E1-16B238E7C260}" srcOrd="1" destOrd="0" presId="urn:microsoft.com/office/officeart/2005/8/layout/orgChart1"/>
     <dgm:cxn modelId="{C9E1A3AF-3029-4336-9E97-247571346B4D}" srcId="{6A60B06C-5221-4384-A9FB-3C2F40D70CFC}" destId="{173D0E01-5CCA-4DD5-8675-4848935F7747}" srcOrd="2" destOrd="0" parTransId="{55B79C09-F970-4D01-B0A7-8ACEF6E6AD89}" sibTransId="{E1E5182E-6650-442C-8A65-B508E3E2E2EE}"/>
-    <dgm:cxn modelId="{2A37767E-672C-464E-931A-BC8365AF4F05}" type="presOf" srcId="{AD32A085-D46D-4887-85FE-3881670D4ABC}" destId="{C609D8FB-3E78-41DF-97D1-426FFD67870A}" srcOrd="1" destOrd="0" presId="urn:microsoft.com/office/officeart/2005/8/layout/orgChart1"/>
+    <dgm:cxn modelId="{8DF793BF-2779-4364-8E86-AD0E5A6E0DE7}" srcId="{BB9FF21B-E75B-43A4-B03F-6C82A45E4511}" destId="{807A8DFA-5BDA-4B03-B801-660127571B99}" srcOrd="0" destOrd="0" parTransId="{CB39D681-7061-437F-A140-79E3079A753F}" sibTransId="{4527A35C-07AB-4D60-998A-707A1A9945D9}"/>
+    <dgm:cxn modelId="{E468E2C1-D5DC-4913-912C-4A712F294189}" type="presOf" srcId="{5E31DA61-BA7B-4CD0-B08B-CD683A1209DE}" destId="{5FA213B4-DAA0-4BB7-88F0-3CEC63244ACD}" srcOrd="1" destOrd="0" presId="urn:microsoft.com/office/officeart/2005/8/layout/orgChart1"/>
+    <dgm:cxn modelId="{657B40C3-3E57-4CCB-9E16-E70710592D61}" type="presOf" srcId="{45589563-E41B-44DB-8AFC-34EE8901D150}" destId="{31BD8C53-89B5-4F7C-9478-2F7EA5E507AF}" srcOrd="0" destOrd="0" presId="urn:microsoft.com/office/officeart/2005/8/layout/orgChart1"/>
+    <dgm:cxn modelId="{50F06AC8-64F8-4C55-973D-0D2D10892A1A}" type="presOf" srcId="{B429E2B1-9AB4-4DAF-A3D8-FAB2AEC20118}" destId="{AD91993C-55B9-441F-87C0-0719108305AF}" srcOrd="0" destOrd="0" presId="urn:microsoft.com/office/officeart/2005/8/layout/orgChart1"/>
+    <dgm:cxn modelId="{5A2480C8-310C-440F-9E09-EB0FB3B9D5FD}" type="presOf" srcId="{62CBE48F-EC59-4730-8AFF-764E8BD5E8AD}" destId="{7AFA0562-599B-4AA7-9AC2-2C2B381E4C25}" srcOrd="1" destOrd="0" presId="urn:microsoft.com/office/officeart/2005/8/layout/orgChart1"/>
+    <dgm:cxn modelId="{B0D333DA-4366-40E3-9447-D37D14EAA057}" type="presOf" srcId="{10800D79-C7F5-402B-9C15-F3A760B05058}" destId="{BDE2651E-B7D5-4C3D-AD07-DA19A512C3EE}" srcOrd="0" destOrd="0" presId="urn:microsoft.com/office/officeart/2005/8/layout/orgChart1"/>
+    <dgm:cxn modelId="{03722BE0-8259-46A6-B008-EAB71F887898}" type="presOf" srcId="{173D0E01-5CCA-4DD5-8675-4848935F7747}" destId="{2ED1784F-575D-45D8-88D0-DAD0F7EA56B1}" srcOrd="1" destOrd="0" presId="urn:microsoft.com/office/officeart/2005/8/layout/orgChart1"/>
+    <dgm:cxn modelId="{9F8086E4-200A-41A0-985F-6819AAD7FF3C}" srcId="{C1995ACD-DEEA-4649-9190-0A2396D6DBA3}" destId="{AD32A085-D46D-4887-85FE-3881670D4ABC}" srcOrd="4" destOrd="0" parTransId="{10800D79-C7F5-402B-9C15-F3A760B05058}" sibTransId="{B3F636BC-F4CF-43A1-A69B-8541CA9DB61A}"/>
     <dgm:cxn modelId="{96D6EEE7-8235-4C17-9267-91757A269C8B}" type="presOf" srcId="{39BE0418-99C9-4A4C-9BB7-65D49A05BB31}" destId="{BC019BB1-5CF6-423B-ABA0-427EF99217C0}" srcOrd="1" destOrd="0" presId="urn:microsoft.com/office/officeart/2005/8/layout/orgChart1"/>
-    <dgm:cxn modelId="{468F5004-FAEB-4B83-ACBE-87CC0951A8B8}" type="presOf" srcId="{807A8DFA-5BDA-4B03-B801-660127571B99}" destId="{079241A2-20E2-4232-9D06-88AA9F82E25C}" srcOrd="1" destOrd="0" presId="urn:microsoft.com/office/officeart/2005/8/layout/orgChart1"/>
-    <dgm:cxn modelId="{5E40A485-E986-4DF1-9B84-9F421FDAB0BC}" type="presOf" srcId="{BA5BADE7-FE02-4E58-AED6-CA6877DD8C92}" destId="{2B8AB7A6-9DF3-44B8-A462-8360BF7B6F26}" srcOrd="0" destOrd="0" presId="urn:microsoft.com/office/officeart/2005/8/layout/orgChart1"/>
-    <dgm:cxn modelId="{E468E2C1-D5DC-4913-912C-4A712F294189}" type="presOf" srcId="{5E31DA61-BA7B-4CD0-B08B-CD683A1209DE}" destId="{5FA213B4-DAA0-4BB7-88F0-3CEC63244ACD}" srcOrd="1" destOrd="0" presId="urn:microsoft.com/office/officeart/2005/8/layout/orgChart1"/>
-    <dgm:cxn modelId="{2D0656AF-0273-4C6D-AC64-715F64FDF61C}" type="presOf" srcId="{AC3A9028-A893-43CC-B0AA-EFF03CAF6956}" destId="{CE0C6D92-1D52-4CC6-84E1-16B238E7C260}" srcOrd="1" destOrd="0" presId="urn:microsoft.com/office/officeart/2005/8/layout/orgChart1"/>
-    <dgm:cxn modelId="{03722BE0-8259-46A6-B008-EAB71F887898}" type="presOf" srcId="{173D0E01-5CCA-4DD5-8675-4848935F7747}" destId="{2ED1784F-575D-45D8-88D0-DAD0F7EA56B1}" srcOrd="1" destOrd="0" presId="urn:microsoft.com/office/officeart/2005/8/layout/orgChart1"/>
+    <dgm:cxn modelId="{E6AE6DE8-C2C9-4981-9F67-AF4B7A61307E}" srcId="{BB9FF21B-E75B-43A4-B03F-6C82A45E4511}" destId="{D9741ECF-9D86-4A1C-8DF4-94C0D2567BD6}" srcOrd="2" destOrd="0" parTransId="{82C8B149-700F-4051-9983-87F5E03CFF7E}" sibTransId="{C4E1B7AB-6B1C-47EE-9CE3-BDA1128D49D0}"/>
+    <dgm:cxn modelId="{EE5226F3-BDB5-4446-8FD2-352101F36877}" type="presOf" srcId="{6A60B06C-5221-4384-A9FB-3C2F40D70CFC}" destId="{55A8D0F4-35D7-4632-89EE-BB6F8E87DDB0}" srcOrd="1" destOrd="0" presId="urn:microsoft.com/office/officeart/2005/8/layout/orgChart1"/>
+    <dgm:cxn modelId="{EB9B66F3-23F2-4335-87BC-8A49DAD1087A}" type="presOf" srcId="{55B79C09-F970-4D01-B0A7-8ACEF6E6AD89}" destId="{A71F2F49-1E59-48E8-99C8-67B0E3373751}" srcOrd="0" destOrd="0" presId="urn:microsoft.com/office/officeart/2005/8/layout/orgChart1"/>
+    <dgm:cxn modelId="{1E7CF7F4-880F-46A8-A683-3C17F8E77C97}" type="presOf" srcId="{AD32A085-D46D-4887-85FE-3881670D4ABC}" destId="{D6D7FEDC-5C4A-4464-B939-F0267B32F854}" srcOrd="0" destOrd="0" presId="urn:microsoft.com/office/officeart/2005/8/layout/orgChart1"/>
+    <dgm:cxn modelId="{C47797F5-38B9-473C-BAF6-6BF13D809F75}" type="presOf" srcId="{D9741ECF-9D86-4A1C-8DF4-94C0D2567BD6}" destId="{05EDF6D9-342B-4E22-BFC6-FB63F8436FD9}" srcOrd="0" destOrd="0" presId="urn:microsoft.com/office/officeart/2005/8/layout/orgChart1"/>
     <dgm:cxn modelId="{56AC4AFB-311A-46F6-A4BB-99EDEE2BF2CF}" type="presOf" srcId="{5E31DA61-BA7B-4CD0-B08B-CD683A1209DE}" destId="{A6632A3E-C71E-4AE1-A356-3690361E8512}" srcOrd="0" destOrd="0" presId="urn:microsoft.com/office/officeart/2005/8/layout/orgChart1"/>
-    <dgm:cxn modelId="{26F9324B-44A5-4EE4-A830-EBDAA24A23BC}" type="presOf" srcId="{86D061FF-D2B9-4444-977F-ADD2F8B26F58}" destId="{DBAD3854-BABD-419A-91AD-A1E38A3CF09E}" srcOrd="1" destOrd="0" presId="urn:microsoft.com/office/officeart/2005/8/layout/orgChart1"/>
-    <dgm:cxn modelId="{657B40C3-3E57-4CCB-9E16-E70710592D61}" type="presOf" srcId="{45589563-E41B-44DB-8AFC-34EE8901D150}" destId="{31BD8C53-89B5-4F7C-9478-2F7EA5E507AF}" srcOrd="0" destOrd="0" presId="urn:microsoft.com/office/officeart/2005/8/layout/orgChart1"/>
-    <dgm:cxn modelId="{A474708C-9EBF-4ECD-BF09-326E10A1A9BC}" type="presOf" srcId="{B3FBE738-30A6-4B4A-9DB3-9AB2CC3B1641}" destId="{34F89FF5-4CE7-4557-94ED-372F163EBFBB}" srcOrd="0" destOrd="0" presId="urn:microsoft.com/office/officeart/2005/8/layout/orgChart1"/>
-    <dgm:cxn modelId="{934DDD9A-24FF-4BF0-940E-843BF0B8C4A9}" type="presOf" srcId="{39BE0418-99C9-4A4C-9BB7-65D49A05BB31}" destId="{A22D8479-F3B5-40E2-B47E-87AA623B4993}" srcOrd="0" destOrd="0" presId="urn:microsoft.com/office/officeart/2005/8/layout/orgChart1"/>
-    <dgm:cxn modelId="{78F39385-89B2-4678-B14C-4566B6C7C105}" type="presOf" srcId="{C1995ACD-DEEA-4649-9190-0A2396D6DBA3}" destId="{51FCB016-BDCC-466A-AEB8-2EA2F7D30621}" srcOrd="1" destOrd="0" presId="urn:microsoft.com/office/officeart/2005/8/layout/orgChart1"/>
-    <dgm:cxn modelId="{C211CE96-685E-4E45-B077-337E200B74C6}" type="presOf" srcId="{6A60B06C-5221-4384-A9FB-3C2F40D70CFC}" destId="{C7A39AEC-6CA1-4A35-BBFE-442C186C536B}" srcOrd="0" destOrd="0" presId="urn:microsoft.com/office/officeart/2005/8/layout/orgChart1"/>
-    <dgm:cxn modelId="{692C2E6B-BDFD-4010-A265-F8C30B20FA6C}" srcId="{86D061FF-D2B9-4444-977F-ADD2F8B26F58}" destId="{45589563-E41B-44DB-8AFC-34EE8901D150}" srcOrd="1" destOrd="0" parTransId="{56898A94-E574-4C74-BB23-528EED54EB78}" sibTransId="{9C579D39-AB85-41C8-8432-AFBFC00D9440}"/>
-    <dgm:cxn modelId="{EDDD4D9C-7009-4E90-A9EE-E3DD9DF935B6}" type="presOf" srcId="{C8AEE87B-F7A2-4CFA-BE00-6B9F721DFE96}" destId="{23546AB9-AA88-44E8-A74F-6A7DB71CEDFA}" srcOrd="1" destOrd="0" presId="urn:microsoft.com/office/officeart/2005/8/layout/orgChart1"/>
-    <dgm:cxn modelId="{74B08588-A8AA-40FE-A5B1-93EF0CF50E26}" type="presOf" srcId="{C8AEE87B-F7A2-4CFA-BE00-6B9F721DFE96}" destId="{9CB29694-F3D7-41DB-BEBC-33D5343BA11A}" srcOrd="0" destOrd="0" presId="urn:microsoft.com/office/officeart/2005/8/layout/orgChart1"/>
-    <dgm:cxn modelId="{EE5226F3-BDB5-4446-8FD2-352101F36877}" type="presOf" srcId="{6A60B06C-5221-4384-A9FB-3C2F40D70CFC}" destId="{55A8D0F4-35D7-4632-89EE-BB6F8E87DDB0}" srcOrd="1" destOrd="0" presId="urn:microsoft.com/office/officeart/2005/8/layout/orgChart1"/>
-    <dgm:cxn modelId="{4F0B0D3E-984D-49D4-BF42-B0C2A303B629}" type="presOf" srcId="{86D061FF-D2B9-4444-977F-ADD2F8B26F58}" destId="{027E1B34-93FE-4CE3-8A28-D69A90B48A09}" srcOrd="0" destOrd="0" presId="urn:microsoft.com/office/officeart/2005/8/layout/orgChart1"/>
-    <dgm:cxn modelId="{067C603F-91D6-450C-B790-42D6C288A3E5}" type="presOf" srcId="{173D0E01-5CCA-4DD5-8675-4848935F7747}" destId="{F408B408-E62C-4B71-97E3-A289C9A0B662}" srcOrd="0" destOrd="0" presId="urn:microsoft.com/office/officeart/2005/8/layout/orgChart1"/>
-    <dgm:cxn modelId="{5B2A6C7F-9AFC-4DAC-BABF-81E31DDE16BF}" type="presOf" srcId="{62CBE48F-EC59-4730-8AFF-764E8BD5E8AD}" destId="{81D60BD1-1DBC-4430-BF4F-3151B42A904C}" srcOrd="0" destOrd="0" presId="urn:microsoft.com/office/officeart/2005/8/layout/orgChart1"/>
-    <dgm:cxn modelId="{90BC6C25-1C2D-43DE-9E7E-C518D4EF859B}" srcId="{BB9FF21B-E75B-43A4-B03F-6C82A45E4511}" destId="{AC3A9028-A893-43CC-B0AA-EFF03CAF6956}" srcOrd="1" destOrd="0" parTransId="{6120E8A3-E282-411C-B7AF-52CB84C5223C}" sibTransId="{1697C4F1-C0E7-4E58-B3A5-D36654A6903E}"/>
-    <dgm:cxn modelId="{50F06AC8-64F8-4C55-973D-0D2D10892A1A}" type="presOf" srcId="{B429E2B1-9AB4-4DAF-A3D8-FAB2AEC20118}" destId="{AD91993C-55B9-441F-87C0-0719108305AF}" srcOrd="0" destOrd="0" presId="urn:microsoft.com/office/officeart/2005/8/layout/orgChart1"/>
-    <dgm:cxn modelId="{20309684-A762-44F5-84F3-A30330CCFCA8}" type="presOf" srcId="{0CF1DFD8-24BF-4C6B-BD01-BEBB8834C8DE}" destId="{D1B06913-B69F-4394-9B6A-75C451167FE8}" srcOrd="1" destOrd="0" presId="urn:microsoft.com/office/officeart/2005/8/layout/orgChart1"/>
-    <dgm:cxn modelId="{B570293E-A034-4184-8C6E-4316A0AFC6A7}" type="presOf" srcId="{6D45DEA0-D4D5-4F5A-B34F-FF0007B4D557}" destId="{BC0D907D-CEB2-4F4E-B6F3-5737303E1E5F}" srcOrd="0" destOrd="0" presId="urn:microsoft.com/office/officeart/2005/8/layout/orgChart1"/>
-    <dgm:cxn modelId="{828B6D54-699D-4E46-AD40-07C1A62B13D9}" srcId="{C1995ACD-DEEA-4649-9190-0A2396D6DBA3}" destId="{86D061FF-D2B9-4444-977F-ADD2F8B26F58}" srcOrd="3" destOrd="0" parTransId="{BA5BADE7-FE02-4E58-AED6-CA6877DD8C92}" sibTransId="{CFC98E5F-E976-47DE-BF3C-8D713A362CC8}"/>
-    <dgm:cxn modelId="{EB9B66F3-23F2-4335-87BC-8A49DAD1087A}" type="presOf" srcId="{55B79C09-F970-4D01-B0A7-8ACEF6E6AD89}" destId="{A71F2F49-1E59-48E8-99C8-67B0E3373751}" srcOrd="0" destOrd="0" presId="urn:microsoft.com/office/officeart/2005/8/layout/orgChart1"/>
-    <dgm:cxn modelId="{A8940652-5E36-4B09-BDC7-923AD7A2B90A}" type="presOf" srcId="{C1995ACD-DEEA-4649-9190-0A2396D6DBA3}" destId="{0F6EA74C-FEEA-4A60-8965-C249C259639B}" srcOrd="0" destOrd="0" presId="urn:microsoft.com/office/officeart/2005/8/layout/orgChart1"/>
-    <dgm:cxn modelId="{E4D8F05D-28B4-48A9-9BB5-6EE26DA1C4A4}" type="presOf" srcId="{CB39D681-7061-437F-A140-79E3079A753F}" destId="{E79A5832-DD8A-4441-B652-BD9EC8B7EED1}" srcOrd="0" destOrd="0" presId="urn:microsoft.com/office/officeart/2005/8/layout/orgChart1"/>
-    <dgm:cxn modelId="{97F9CF93-1ADD-4C27-A321-B36B3C7D5089}" srcId="{E7358108-83A8-42F1-84AF-1043344A61B4}" destId="{C8AEE87B-F7A2-4CFA-BE00-6B9F721DFE96}" srcOrd="0" destOrd="0" parTransId="{DBFF9E4D-F654-4E3E-A2C7-9EEF27EF4259}" sibTransId="{EC9178BF-E53B-4AAF-BF49-34A7F5D46978}"/>
-    <dgm:cxn modelId="{B0D333DA-4366-40E3-9447-D37D14EAA057}" type="presOf" srcId="{10800D79-C7F5-402B-9C15-F3A760B05058}" destId="{BDE2651E-B7D5-4C3D-AD07-DA19A512C3EE}" srcOrd="0" destOrd="0" presId="urn:microsoft.com/office/officeart/2005/8/layout/orgChart1"/>
-    <dgm:cxn modelId="{B024FF53-4887-4D94-A72D-4D97CAFD64F6}" type="presOf" srcId="{E7358108-83A8-42F1-84AF-1043344A61B4}" destId="{74E53E5B-7DCA-4C09-A9BF-327363D42547}" srcOrd="1" destOrd="0" presId="urn:microsoft.com/office/officeart/2005/8/layout/orgChart1"/>
-    <dgm:cxn modelId="{7A623373-9A1A-4AF6-9F21-420BD8CCA4D6}" type="presOf" srcId="{AC3A9028-A893-43CC-B0AA-EFF03CAF6956}" destId="{F395118E-6F8D-4111-995B-78F916EC69E4}" srcOrd="0" destOrd="0" presId="urn:microsoft.com/office/officeart/2005/8/layout/orgChart1"/>
-    <dgm:cxn modelId="{8DF793BF-2779-4364-8E86-AD0E5A6E0DE7}" srcId="{BB9FF21B-E75B-43A4-B03F-6C82A45E4511}" destId="{807A8DFA-5BDA-4B03-B801-660127571B99}" srcOrd="0" destOrd="0" parTransId="{CB39D681-7061-437F-A140-79E3079A753F}" sibTransId="{4527A35C-07AB-4D60-998A-707A1A9945D9}"/>
-    <dgm:cxn modelId="{95FBBB1B-BA8C-4D24-ACCC-619FCD002F1D}" srcId="{AD32A085-D46D-4887-85FE-3881670D4ABC}" destId="{62CBE48F-EC59-4730-8AFF-764E8BD5E8AD}" srcOrd="1" destOrd="0" parTransId="{C280D63C-71F5-492D-8B35-D8AC545A8FD6}" sibTransId="{D2980E21-5749-422D-848B-5FE4F350FA78}"/>
-    <dgm:cxn modelId="{5A2480C8-310C-440F-9E09-EB0FB3B9D5FD}" type="presOf" srcId="{62CBE48F-EC59-4730-8AFF-764E8BD5E8AD}" destId="{7AFA0562-599B-4AA7-9AC2-2C2B381E4C25}" srcOrd="1" destOrd="0" presId="urn:microsoft.com/office/officeart/2005/8/layout/orgChart1"/>
-    <dgm:cxn modelId="{8E30AF8B-B498-43A6-9E10-84E97522C64C}" type="presOf" srcId="{BB9FF21B-E75B-43A4-B03F-6C82A45E4511}" destId="{D8602253-5290-4E90-A5EF-32A901888DAC}" srcOrd="1" destOrd="0" presId="urn:microsoft.com/office/officeart/2005/8/layout/orgChart1"/>
-    <dgm:cxn modelId="{E6AE6DE8-C2C9-4981-9F67-AF4B7A61307E}" srcId="{BB9FF21B-E75B-43A4-B03F-6C82A45E4511}" destId="{D9741ECF-9D86-4A1C-8DF4-94C0D2567BD6}" srcOrd="2" destOrd="0" parTransId="{82C8B149-700F-4051-9983-87F5E03CFF7E}" sibTransId="{C4E1B7AB-6B1C-47EE-9CE3-BDA1128D49D0}"/>
-    <dgm:cxn modelId="{A8E79D71-C7DF-4296-A3C7-24AFAA6DE9C3}" srcId="{86D061FF-D2B9-4444-977F-ADD2F8B26F58}" destId="{0CF1DFD8-24BF-4C6B-BD01-BEBB8834C8DE}" srcOrd="0" destOrd="0" parTransId="{0CDD43BF-559F-46B2-A99A-AC0F2E14E16C}" sibTransId="{4F46DB3D-023A-410E-88AA-FB56A0D3206C}"/>
-    <dgm:cxn modelId="{FB4A1C85-F1E3-45BF-8CD8-8E9D3AE2F3BA}" type="presOf" srcId="{9D5DD00D-D723-41C3-A564-BE447082CEE3}" destId="{7877DBA2-C865-46EE-839A-1D3781B37466}" srcOrd="1" destOrd="0" presId="urn:microsoft.com/office/officeart/2005/8/layout/orgChart1"/>
-    <dgm:cxn modelId="{C47797F5-38B9-473C-BAF6-6BF13D809F75}" type="presOf" srcId="{D9741ECF-9D86-4A1C-8DF4-94C0D2567BD6}" destId="{05EDF6D9-342B-4E22-BFC6-FB63F8436FD9}" srcOrd="0" destOrd="0" presId="urn:microsoft.com/office/officeart/2005/8/layout/orgChart1"/>
-    <dgm:cxn modelId="{1E7CF7F4-880F-46A8-A683-3C17F8E77C97}" type="presOf" srcId="{AD32A085-D46D-4887-85FE-3881670D4ABC}" destId="{D6D7FEDC-5C4A-4464-B939-F0267B32F854}" srcOrd="0" destOrd="0" presId="urn:microsoft.com/office/officeart/2005/8/layout/orgChart1"/>
-    <dgm:cxn modelId="{DB594F0F-D2CE-46D6-8A71-32F88F2A750A}" type="presOf" srcId="{E7358108-83A8-42F1-84AF-1043344A61B4}" destId="{898283FA-7639-445A-95D5-432134CB6ADF}" srcOrd="0" destOrd="0" presId="urn:microsoft.com/office/officeart/2005/8/layout/orgChart1"/>
-    <dgm:cxn modelId="{367BD37E-38CF-4245-9EFA-D01B85B83BD9}" type="presOf" srcId="{56898A94-E574-4C74-BB23-528EED54EB78}" destId="{2D80F0C3-C504-4561-A084-06B66D39392D}" srcOrd="0" destOrd="0" presId="urn:microsoft.com/office/officeart/2005/8/layout/orgChart1"/>
-    <dgm:cxn modelId="{6AE5289E-380D-477A-8B3F-2DA1D4B51CB3}" srcId="{C1995ACD-DEEA-4649-9190-0A2396D6DBA3}" destId="{BB9FF21B-E75B-43A4-B03F-6C82A45E4511}" srcOrd="1" destOrd="0" parTransId="{B3FBE738-30A6-4B4A-9DB3-9AB2CC3B1641}" sibTransId="{02222961-B9DB-42C2-91C4-66DA7EA2366A}"/>
-    <dgm:cxn modelId="{50DAC207-194B-4522-8F60-70329D502C4A}" type="presOf" srcId="{DBFF9E4D-F654-4E3E-A2C7-9EEF27EF4259}" destId="{5F48F0E4-2C7E-480D-9A45-E44C79D6BEA5}" srcOrd="0" destOrd="0" presId="urn:microsoft.com/office/officeart/2005/8/layout/orgChart1"/>
-    <dgm:cxn modelId="{A5A6396D-90A6-4EAB-BD65-C6E3EB328989}" srcId="{6A60B06C-5221-4384-A9FB-3C2F40D70CFC}" destId="{5E31DA61-BA7B-4CD0-B08B-CD683A1209DE}" srcOrd="1" destOrd="0" parTransId="{B429E2B1-9AB4-4DAF-A3D8-FAB2AEC20118}" sibTransId="{EFD350DB-5014-47BD-802E-75E7FEB9EDCE}"/>
-    <dgm:cxn modelId="{86B0FB32-42C9-4162-91B1-FFC1DE8460AC}" type="presOf" srcId="{29EEBFE2-BEA6-4F35-8D1E-FF7000BD40D5}" destId="{764024E2-07FC-4A92-AB92-49DAE6C1E5A9}" srcOrd="0" destOrd="0" presId="urn:microsoft.com/office/officeart/2005/8/layout/orgChart1"/>
-    <dgm:cxn modelId="{D680EA26-5B15-420D-9FA0-DD0C5A469941}" srcId="{29EEBFE2-BEA6-4F35-8D1E-FF7000BD40D5}" destId="{C1995ACD-DEEA-4649-9190-0A2396D6DBA3}" srcOrd="0" destOrd="0" parTransId="{A5ED610D-3F11-454D-B28B-8E429C182DBB}" sibTransId="{CF4FC96D-3D22-44F0-A56F-5F48565B1343}"/>
-    <dgm:cxn modelId="{AB480F80-CE0A-4F95-916F-C7173772710C}" type="presOf" srcId="{9D5DD00D-D723-41C3-A564-BE447082CEE3}" destId="{DE79C5C0-52BB-4AB4-B9E4-4D482851A011}" srcOrd="0" destOrd="0" presId="urn:microsoft.com/office/officeart/2005/8/layout/orgChart1"/>
-    <dgm:cxn modelId="{0C378782-35EC-4245-8A15-5269519644AB}" type="presOf" srcId="{82C8B149-700F-4051-9983-87F5E03CFF7E}" destId="{6951BAB4-BE5B-4240-B59E-660738FB8C0A}" srcOrd="0" destOrd="0" presId="urn:microsoft.com/office/officeart/2005/8/layout/orgChart1"/>
-    <dgm:cxn modelId="{D693D372-7061-4242-B7FA-0922BF6D50B1}" srcId="{AD32A085-D46D-4887-85FE-3881670D4ABC}" destId="{39BE0418-99C9-4A4C-9BB7-65D49A05BB31}" srcOrd="0" destOrd="0" parTransId="{3F984D36-88C5-4802-A36C-73B6E41E1411}" sibTransId="{AADAA9E2-AA9B-4FCD-ACF3-BAF5F5DC6DE5}"/>
-    <dgm:cxn modelId="{ACBF2E96-571F-41C3-8588-71030E8562EF}" type="presOf" srcId="{E75562FB-B070-41B3-8EF8-CB551DCB0DC5}" destId="{6871A768-0DBE-4C41-BCFF-9B19A28A7E1D}" srcOrd="0" destOrd="0" presId="urn:microsoft.com/office/officeart/2005/8/layout/orgChart1"/>
-    <dgm:cxn modelId="{0795BC80-BD44-4D5E-9628-A25590A3080E}" type="presOf" srcId="{C280D63C-71F5-492D-8B35-D8AC545A8FD6}" destId="{CBF5EDDE-F1AE-4D96-A868-C069E99404E1}" srcOrd="0" destOrd="0" presId="urn:microsoft.com/office/officeart/2005/8/layout/orgChart1"/>
-    <dgm:cxn modelId="{3C253BA8-7896-442A-81B0-48358DFC481C}" type="presOf" srcId="{6120E8A3-E282-411C-B7AF-52CB84C5223C}" destId="{EFD32E61-B9DB-4382-8D7C-ED48B7A5E0C4}" srcOrd="0" destOrd="0" presId="urn:microsoft.com/office/officeart/2005/8/layout/orgChart1"/>
-    <dgm:cxn modelId="{80C4524F-4DF7-4799-946F-CCB503F3B731}" type="presOf" srcId="{3F984D36-88C5-4802-A36C-73B6E41E1411}" destId="{6A9A8A16-8F93-420D-8D9F-15BFBFA09642}" srcOrd="0" destOrd="0" presId="urn:microsoft.com/office/officeart/2005/8/layout/orgChart1"/>
-    <dgm:cxn modelId="{9F8086E4-200A-41A0-985F-6819AAD7FF3C}" srcId="{C1995ACD-DEEA-4649-9190-0A2396D6DBA3}" destId="{AD32A085-D46D-4887-85FE-3881670D4ABC}" srcOrd="4" destOrd="0" parTransId="{10800D79-C7F5-402B-9C15-F3A760B05058}" sibTransId="{B3F636BC-F4CF-43A1-A69B-8541CA9DB61A}"/>
-    <dgm:cxn modelId="{3AE07709-9EB4-4A95-9929-16AE08DFE16B}" type="presOf" srcId="{45589563-E41B-44DB-8AFC-34EE8901D150}" destId="{8CE4FFBF-227E-49C4-97D7-83977CD95846}" srcOrd="1" destOrd="0" presId="urn:microsoft.com/office/officeart/2005/8/layout/orgChart1"/>
-    <dgm:cxn modelId="{CF050829-6C9D-4F48-974B-656C1923992E}" type="presOf" srcId="{69FD09DB-7D78-47CE-93D1-107E376A870E}" destId="{0D5A4EFE-1C67-4062-B174-8A1DEA7885B2}" srcOrd="0" destOrd="0" presId="urn:microsoft.com/office/officeart/2005/8/layout/orgChart1"/>
-    <dgm:cxn modelId="{665D2C66-71F9-4798-AD7B-213B21EF38D4}" type="presOf" srcId="{0CF1DFD8-24BF-4C6B-BD01-BEBB8834C8DE}" destId="{FC2AA275-909E-47D7-A861-5FB840A38676}" srcOrd="0" destOrd="0" presId="urn:microsoft.com/office/officeart/2005/8/layout/orgChart1"/>
-    <dgm:cxn modelId="{6C081070-BFA6-4451-8423-41FAADBD5092}" type="presOf" srcId="{807A8DFA-5BDA-4B03-B801-660127571B99}" destId="{B9F624FB-4B18-4FAE-BC1C-356832304C1D}" srcOrd="0" destOrd="0" presId="urn:microsoft.com/office/officeart/2005/8/layout/orgChart1"/>
-    <dgm:cxn modelId="{25FEDA96-8575-46CC-B082-D473E4E69752}" type="presOf" srcId="{1D01C1D7-F99C-40D9-8169-9A3606FC3C22}" destId="{36FDDF0B-DA3B-4828-A65A-BF49F0C3EF85}" srcOrd="0" destOrd="0" presId="urn:microsoft.com/office/officeart/2005/8/layout/orgChart1"/>
     <dgm:cxn modelId="{1043DBB4-3E98-4667-AFB0-FE1DD5F4D950}" type="presParOf" srcId="{764024E2-07FC-4A92-AB92-49DAE6C1E5A9}" destId="{341D0529-C993-485F-BFBA-73789AD13323}" srcOrd="0" destOrd="0" presId="urn:microsoft.com/office/officeart/2005/8/layout/orgChart1"/>
     <dgm:cxn modelId="{78CA9623-37D5-4F3C-B069-9D69DC2E1A4A}" type="presParOf" srcId="{341D0529-C993-485F-BFBA-73789AD13323}" destId="{A0EA6964-6D71-4BBB-BFE3-8CE8410BB988}" srcOrd="0" destOrd="0" presId="urn:microsoft.com/office/officeart/2005/8/layout/orgChart1"/>
     <dgm:cxn modelId="{3D3AE38E-E62B-4059-B79C-E624C48E1AEB}" type="presParOf" srcId="{A0EA6964-6D71-4BBB-BFE3-8CE8410BB988}" destId="{0F6EA74C-FEEA-4A60-8965-C249C259639B}" srcOrd="0" destOrd="0" presId="urn:microsoft.com/office/officeart/2005/8/layout/orgChart1"/>
@@ -4181,7 +3805,7 @@
         </a:bodyPr>
         <a:lstStyle/>
         <a:p>
-          <a:pPr lvl="0" algn="ctr" defTabSz="1066800">
+          <a:pPr marL="0" lvl="0" indent="0" algn="ctr" defTabSz="1066800">
             <a:lnSpc>
               <a:spcPct val="90000"/>
             </a:lnSpc>
@@ -4191,6 +3815,7 @@
             <a:spcAft>
               <a:spcPct val="35000"/>
             </a:spcAft>
+            <a:buNone/>
           </a:pPr>
           <a:r>
             <a:rPr lang="en-US" altLang="zh-TW" sz="2400" kern="1200" dirty="0">
@@ -4266,7 +3891,7 @@
         </a:bodyPr>
         <a:lstStyle/>
         <a:p>
-          <a:pPr lvl="0" algn="ctr" defTabSz="1066800">
+          <a:pPr marL="0" lvl="0" indent="0" algn="ctr" defTabSz="1066800">
             <a:lnSpc>
               <a:spcPct val="90000"/>
             </a:lnSpc>
@@ -4276,6 +3901,7 @@
             <a:spcAft>
               <a:spcPct val="35000"/>
             </a:spcAft>
+            <a:buNone/>
           </a:pPr>
           <a:r>
             <a:rPr lang="zh-TW" altLang="en-US" sz="2400" kern="1200" dirty="0">
@@ -4347,7 +3973,7 @@
         </a:bodyPr>
         <a:lstStyle/>
         <a:p>
-          <a:pPr lvl="0" algn="ctr" defTabSz="666750">
+          <a:pPr marL="0" lvl="0" indent="0" algn="ctr" defTabSz="666750">
             <a:lnSpc>
               <a:spcPct val="90000"/>
             </a:lnSpc>
@@ -4357,6 +3983,7 @@
             <a:spcAft>
               <a:spcPct val="35000"/>
             </a:spcAft>
+            <a:buNone/>
           </a:pPr>
           <a:r>
             <a:rPr lang="zh-TW" altLang="en-US" sz="1500" kern="1200" dirty="0">
@@ -4428,7 +4055,7 @@
         </a:bodyPr>
         <a:lstStyle/>
         <a:p>
-          <a:pPr lvl="0" algn="ctr" defTabSz="666750">
+          <a:pPr marL="0" lvl="0" indent="0" algn="ctr" defTabSz="666750">
             <a:lnSpc>
               <a:spcPct val="90000"/>
             </a:lnSpc>
@@ -4438,9 +4065,10 @@
             <a:spcAft>
               <a:spcPct val="35000"/>
             </a:spcAft>
+            <a:buNone/>
           </a:pPr>
           <a:r>
-            <a:rPr lang="zh-TW" altLang="en-US" sz="1500" kern="1200" dirty="0" smtClean="0">
+            <a:rPr lang="zh-TW" altLang="en-US" sz="1500" kern="1200" dirty="0">
               <a:latin typeface="微軟正黑體" panose="020B0604030504040204" pitchFamily="34" charset="-120"/>
               <a:ea typeface="微軟正黑體" panose="020B0604030504040204" pitchFamily="34" charset="-120"/>
             </a:rPr>
@@ -4514,7 +4142,7 @@
         </a:bodyPr>
         <a:lstStyle/>
         <a:p>
-          <a:pPr lvl="0" algn="ctr" defTabSz="1066800">
+          <a:pPr marL="0" lvl="0" indent="0" algn="ctr" defTabSz="1066800">
             <a:lnSpc>
               <a:spcPct val="90000"/>
             </a:lnSpc>
@@ -4524,6 +4152,7 @@
             <a:spcAft>
               <a:spcPct val="35000"/>
             </a:spcAft>
+            <a:buNone/>
           </a:pPr>
           <a:r>
             <a:rPr lang="zh-TW" altLang="en-US" sz="2400" kern="1200" dirty="0">
@@ -4595,7 +4224,7 @@
         </a:bodyPr>
         <a:lstStyle/>
         <a:p>
-          <a:pPr lvl="0" algn="ctr" defTabSz="666750">
+          <a:pPr marL="0" lvl="0" indent="0" algn="ctr" defTabSz="666750">
             <a:lnSpc>
               <a:spcPct val="90000"/>
             </a:lnSpc>
@@ -4605,6 +4234,7 @@
             <a:spcAft>
               <a:spcPct val="35000"/>
             </a:spcAft>
+            <a:buNone/>
           </a:pPr>
           <a:r>
             <a:rPr lang="zh-TW" altLang="en-US" sz="1500" kern="1200" dirty="0">
@@ -4676,7 +4306,7 @@
         </a:bodyPr>
         <a:lstStyle/>
         <a:p>
-          <a:pPr lvl="0" algn="ctr" defTabSz="666750">
+          <a:pPr marL="0" lvl="0" indent="0" algn="ctr" defTabSz="666750">
             <a:lnSpc>
               <a:spcPct val="90000"/>
             </a:lnSpc>
@@ -4686,6 +4316,7 @@
             <a:spcAft>
               <a:spcPct val="35000"/>
             </a:spcAft>
+            <a:buNone/>
           </a:pPr>
           <a:r>
             <a:rPr lang="zh-TW" altLang="en-US" sz="1500" b="0" kern="1200" dirty="0">
@@ -4757,7 +4388,7 @@
         </a:bodyPr>
         <a:lstStyle/>
         <a:p>
-          <a:pPr lvl="0" algn="ctr" defTabSz="666750">
+          <a:pPr marL="0" lvl="0" indent="0" algn="ctr" defTabSz="666750">
             <a:lnSpc>
               <a:spcPct val="90000"/>
             </a:lnSpc>
@@ -4767,6 +4398,7 @@
             <a:spcAft>
               <a:spcPct val="35000"/>
             </a:spcAft>
+            <a:buNone/>
           </a:pPr>
           <a:r>
             <a:rPr lang="zh-TW" altLang="en-US" sz="1500" kern="1200" dirty="0">
@@ -4838,7 +4470,7 @@
         </a:bodyPr>
         <a:lstStyle/>
         <a:p>
-          <a:pPr lvl="0" algn="ctr" defTabSz="1066800">
+          <a:pPr marL="0" lvl="0" indent="0" algn="ctr" defTabSz="1066800">
             <a:lnSpc>
               <a:spcPct val="90000"/>
             </a:lnSpc>
@@ -4848,6 +4480,7 @@
             <a:spcAft>
               <a:spcPct val="35000"/>
             </a:spcAft>
+            <a:buNone/>
           </a:pPr>
           <a:r>
             <a:rPr lang="zh-TW" altLang="en-US" sz="2400" kern="1200" dirty="0">
@@ -4919,7 +4552,7 @@
         </a:bodyPr>
         <a:lstStyle/>
         <a:p>
-          <a:pPr lvl="0" algn="ctr" defTabSz="666750">
+          <a:pPr marL="0" lvl="0" indent="0" algn="ctr" defTabSz="666750">
             <a:lnSpc>
               <a:spcPct val="90000"/>
             </a:lnSpc>
@@ -4929,6 +4562,7 @@
             <a:spcAft>
               <a:spcPct val="35000"/>
             </a:spcAft>
+            <a:buNone/>
           </a:pPr>
           <a:r>
             <a:rPr lang="zh-TW" altLang="en-US" sz="1500" kern="1200" dirty="0">
@@ -5000,7 +4634,7 @@
         </a:bodyPr>
         <a:lstStyle/>
         <a:p>
-          <a:pPr lvl="0" algn="ctr" defTabSz="666750">
+          <a:pPr marL="0" lvl="0" indent="0" algn="ctr" defTabSz="666750">
             <a:lnSpc>
               <a:spcPct val="90000"/>
             </a:lnSpc>
@@ -5010,21 +4644,22 @@
             <a:spcAft>
               <a:spcPct val="35000"/>
             </a:spcAft>
+            <a:buNone/>
           </a:pPr>
           <a:r>
-            <a:rPr lang="zh-TW" altLang="en-US" sz="1500" kern="1200" dirty="0" smtClean="0">
+            <a:rPr lang="zh-TW" altLang="en-US" sz="1500" kern="1200" dirty="0">
               <a:latin typeface="微軟正黑體" panose="020B0604030504040204" pitchFamily="34" charset="-120"/>
               <a:ea typeface="微軟正黑體" panose="020B0604030504040204" pitchFamily="34" charset="-120"/>
             </a:rPr>
             <a:t>建立特徵</a:t>
           </a:r>
-          <a:endParaRPr lang="en-US" altLang="zh-TW" sz="1500" kern="1200" dirty="0" smtClean="0">
+          <a:endParaRPr lang="en-US" altLang="zh-TW" sz="1500" kern="1200" dirty="0">
             <a:latin typeface="微軟正黑體" panose="020B0604030504040204" pitchFamily="34" charset="-120"/>
             <a:ea typeface="微軟正黑體" panose="020B0604030504040204" pitchFamily="34" charset="-120"/>
           </a:endParaRPr>
         </a:p>
         <a:p>
-          <a:pPr lvl="0" algn="ctr" defTabSz="666750">
+          <a:pPr marL="0" lvl="0" indent="0" algn="ctr" defTabSz="666750">
             <a:lnSpc>
               <a:spcPct val="90000"/>
             </a:lnSpc>
@@ -5034,18 +4669,15 @@
             <a:spcAft>
               <a:spcPct val="35000"/>
             </a:spcAft>
+            <a:buNone/>
           </a:pPr>
           <a:r>
-            <a:rPr lang="zh-TW" altLang="en-US" sz="1500" kern="1200" dirty="0" smtClean="0">
+            <a:rPr lang="zh-TW" altLang="en-US" sz="1500" kern="1200" dirty="0">
               <a:latin typeface="微軟正黑體" panose="020B0604030504040204" pitchFamily="34" charset="-120"/>
               <a:ea typeface="微軟正黑體" panose="020B0604030504040204" pitchFamily="34" charset="-120"/>
             </a:rPr>
             <a:t>資料庫</a:t>
           </a:r>
-          <a:endParaRPr lang="zh-TW" altLang="en-US" sz="1500" kern="1200" dirty="0">
-            <a:latin typeface="微軟正黑體" panose="020B0604030504040204" pitchFamily="34" charset="-120"/>
-            <a:ea typeface="微軟正黑體" panose="020B0604030504040204" pitchFamily="34" charset="-120"/>
-          </a:endParaRPr>
         </a:p>
       </dsp:txBody>
       <dsp:txXfrm>
@@ -5109,7 +4741,7 @@
         </a:bodyPr>
         <a:lstStyle/>
         <a:p>
-          <a:pPr lvl="0" algn="ctr" defTabSz="666750">
+          <a:pPr marL="0" lvl="0" indent="0" algn="ctr" defTabSz="666750">
             <a:lnSpc>
               <a:spcPct val="90000"/>
             </a:lnSpc>
@@ -5119,6 +4751,7 @@
             <a:spcAft>
               <a:spcPct val="35000"/>
             </a:spcAft>
+            <a:buNone/>
           </a:pPr>
           <a:r>
             <a:rPr lang="zh-TW" altLang="en-US" sz="1500" kern="1200" dirty="0">
@@ -5190,7 +4823,7 @@
         </a:bodyPr>
         <a:lstStyle/>
         <a:p>
-          <a:pPr lvl="0" algn="ctr" defTabSz="1066800">
+          <a:pPr marL="0" lvl="0" indent="0" algn="ctr" defTabSz="1066800">
             <a:lnSpc>
               <a:spcPct val="90000"/>
             </a:lnSpc>
@@ -5200,6 +4833,7 @@
             <a:spcAft>
               <a:spcPct val="35000"/>
             </a:spcAft>
+            <a:buNone/>
           </a:pPr>
           <a:r>
             <a:rPr lang="zh-TW" altLang="en-US" sz="2400" kern="1200" dirty="0">
@@ -5271,7 +4905,7 @@
         </a:bodyPr>
         <a:lstStyle/>
         <a:p>
-          <a:pPr lvl="0" algn="ctr" defTabSz="666750">
+          <a:pPr marL="0" lvl="0" indent="0" algn="ctr" defTabSz="666750">
             <a:lnSpc>
               <a:spcPct val="90000"/>
             </a:lnSpc>
@@ -5281,6 +4915,7 @@
             <a:spcAft>
               <a:spcPct val="35000"/>
             </a:spcAft>
+            <a:buNone/>
           </a:pPr>
           <a:r>
             <a:rPr lang="zh-TW" altLang="en-US" sz="1500" kern="1200" dirty="0">
@@ -5352,7 +4987,7 @@
         </a:bodyPr>
         <a:lstStyle/>
         <a:p>
-          <a:pPr lvl="0" algn="ctr" defTabSz="666750">
+          <a:pPr marL="0" lvl="0" indent="0" algn="ctr" defTabSz="666750">
             <a:lnSpc>
               <a:spcPct val="90000"/>
             </a:lnSpc>
@@ -5362,6 +4997,7 @@
             <a:spcAft>
               <a:spcPct val="35000"/>
             </a:spcAft>
+            <a:buNone/>
           </a:pPr>
           <a:r>
             <a:rPr lang="zh-TW" altLang="en-US" sz="1500" kern="1200" dirty="0">
@@ -5433,7 +5069,7 @@
         </a:bodyPr>
         <a:lstStyle/>
         <a:p>
-          <a:pPr lvl="0" algn="ctr" defTabSz="1066800">
+          <a:pPr marL="0" lvl="0" indent="0" algn="ctr" defTabSz="1066800">
             <a:lnSpc>
               <a:spcPct val="90000"/>
             </a:lnSpc>
@@ -5443,6 +5079,7 @@
             <a:spcAft>
               <a:spcPct val="35000"/>
             </a:spcAft>
+            <a:buNone/>
           </a:pPr>
           <a:r>
             <a:rPr lang="zh-TW" altLang="en-US" sz="2400" kern="1200" dirty="0">
@@ -5514,7 +5151,7 @@
         </a:bodyPr>
         <a:lstStyle/>
         <a:p>
-          <a:pPr lvl="0" algn="ctr" defTabSz="666750">
+          <a:pPr marL="0" lvl="0" indent="0" algn="ctr" defTabSz="666750">
             <a:lnSpc>
               <a:spcPct val="90000"/>
             </a:lnSpc>
@@ -5524,6 +5161,7 @@
             <a:spcAft>
               <a:spcPct val="35000"/>
             </a:spcAft>
+            <a:buNone/>
           </a:pPr>
           <a:r>
             <a:rPr lang="zh-TW" altLang="en-US" sz="1500" kern="1200" dirty="0">
@@ -5595,7 +5233,7 @@
         </a:bodyPr>
         <a:lstStyle/>
         <a:p>
-          <a:pPr lvl="0" algn="ctr" defTabSz="666750">
+          <a:pPr marL="0" lvl="0" indent="0" algn="ctr" defTabSz="666750">
             <a:lnSpc>
               <a:spcPct val="90000"/>
             </a:lnSpc>
@@ -5605,6 +5243,7 @@
             <a:spcAft>
               <a:spcPct val="35000"/>
             </a:spcAft>
+            <a:buNone/>
           </a:pPr>
           <a:r>
             <a:rPr lang="zh-TW" altLang="en-US" sz="1500" kern="1200" dirty="0">
@@ -7886,7 +7525,7 @@
           <a:p>
             <a:fld id="{6F94AA58-72FF-427F-B51D-D5ADB9A967C4}" type="datetimeFigureOut">
               <a:rPr lang="zh-CN" altLang="en-US" smtClean="0"/>
-              <a:t>2020/5/27</a:t>
+              <a:t>2020/6/1</a:t>
             </a:fld>
             <a:endParaRPr lang="zh-CN" altLang="en-US"/>
           </a:p>
@@ -8282,7 +7921,7 @@
           <a:p>
             <a:fld id="{82F288E0-7875-42C4-84C8-98DBBD3BF4D2}" type="datetimeFigureOut">
               <a:rPr lang="zh-CN" altLang="en-US" smtClean="0"/>
-              <a:t>2020/5/27</a:t>
+              <a:t>2020/6/1</a:t>
             </a:fld>
             <a:endParaRPr lang="zh-CN" altLang="en-US"/>
           </a:p>
@@ -8428,7 +8067,7 @@
           <a:p>
             <a:fld id="{82F288E0-7875-42C4-84C8-98DBBD3BF4D2}" type="datetimeFigureOut">
               <a:rPr lang="zh-CN" altLang="en-US" smtClean="0"/>
-              <a:t>2020/5/27</a:t>
+              <a:t>2020/6/1</a:t>
             </a:fld>
             <a:endParaRPr lang="zh-CN" altLang="en-US"/>
           </a:p>
@@ -8591,7 +8230,7 @@
           <a:p>
             <a:fld id="{82F288E0-7875-42C4-84C8-98DBBD3BF4D2}" type="datetimeFigureOut">
               <a:rPr lang="zh-CN" altLang="en-US" smtClean="0"/>
-              <a:t>2020/5/27</a:t>
+              <a:t>2020/6/1</a:t>
             </a:fld>
             <a:endParaRPr lang="zh-CN" altLang="en-US"/>
           </a:p>
@@ -8831,7 +8470,7 @@
           <a:p>
             <a:fld id="{82F288E0-7875-42C4-84C8-98DBBD3BF4D2}" type="datetimeFigureOut">
               <a:rPr lang="zh-CN" altLang="en-US" smtClean="0"/>
-              <a:t>2020/5/27</a:t>
+              <a:t>2020/6/1</a:t>
             </a:fld>
             <a:endParaRPr lang="zh-CN" altLang="en-US"/>
           </a:p>
@@ -9055,7 +8694,7 @@
           <a:p>
             <a:fld id="{82F288E0-7875-42C4-84C8-98DBBD3BF4D2}" type="datetimeFigureOut">
               <a:rPr lang="zh-CN" altLang="en-US" smtClean="0"/>
-              <a:t>2020/5/27</a:t>
+              <a:t>2020/6/1</a:t>
             </a:fld>
             <a:endParaRPr lang="zh-CN" altLang="en-US"/>
           </a:p>
@@ -9414,7 +9053,7 @@
           <a:p>
             <a:fld id="{82F288E0-7875-42C4-84C8-98DBBD3BF4D2}" type="datetimeFigureOut">
               <a:rPr lang="zh-CN" altLang="en-US" smtClean="0"/>
-              <a:t>2020/5/27</a:t>
+              <a:t>2020/6/1</a:t>
             </a:fld>
             <a:endParaRPr lang="zh-CN" altLang="en-US"/>
           </a:p>
@@ -9526,7 +9165,7 @@
           <a:p>
             <a:fld id="{82F288E0-7875-42C4-84C8-98DBBD3BF4D2}" type="datetimeFigureOut">
               <a:rPr lang="zh-CN" altLang="en-US" smtClean="0"/>
-              <a:t>2020/5/27</a:t>
+              <a:t>2020/6/1</a:t>
             </a:fld>
             <a:endParaRPr lang="zh-CN" altLang="en-US"/>
           </a:p>
@@ -9616,7 +9255,7 @@
           <a:p>
             <a:fld id="{82F288E0-7875-42C4-84C8-98DBBD3BF4D2}" type="datetimeFigureOut">
               <a:rPr lang="zh-CN" altLang="en-US" smtClean="0"/>
-              <a:t>2020/5/27</a:t>
+              <a:t>2020/6/1</a:t>
             </a:fld>
             <a:endParaRPr lang="zh-CN" altLang="en-US"/>
           </a:p>
@@ -9863,7 +9502,7 @@
           <a:p>
             <a:fld id="{82F288E0-7875-42C4-84C8-98DBBD3BF4D2}" type="datetimeFigureOut">
               <a:rPr lang="zh-CN" altLang="en-US" smtClean="0"/>
-              <a:t>2020/5/27</a:t>
+              <a:t>2020/6/1</a:t>
             </a:fld>
             <a:endParaRPr lang="zh-CN" altLang="en-US"/>
           </a:p>
@@ -10036,7 +9675,7 @@
           <a:p>
             <a:fld id="{82F288E0-7875-42C4-84C8-98DBBD3BF4D2}" type="datetimeFigureOut">
               <a:rPr lang="zh-CN" altLang="en-US" smtClean="0"/>
-              <a:t>2020/5/27</a:t>
+              <a:t>2020/6/1</a:t>
             </a:fld>
             <a:endParaRPr lang="zh-CN" altLang="en-US"/>
           </a:p>
@@ -10242,7 +9881,7 @@
           <a:p>
             <a:fld id="{82F288E0-7875-42C4-84C8-98DBBD3BF4D2}" type="datetimeFigureOut">
               <a:rPr lang="zh-CN" altLang="en-US" smtClean="0"/>
-              <a:t>2020/5/27</a:t>
+              <a:t>2020/6/1</a:t>
             </a:fld>
             <a:endParaRPr lang="zh-CN" altLang="en-US"/>
           </a:p>
@@ -11348,6 +10987,8483 @@
 </p:sld>
 </file>
 
+<file path=ppt/slides/slide11.xml><?xml version="1.0" encoding="utf-8"?>
+<p:sld xmlns:a="http://schemas.openxmlformats.org/drawingml/2006/main" xmlns:r="http://schemas.openxmlformats.org/officeDocument/2006/relationships" xmlns:p="http://schemas.openxmlformats.org/presentationml/2006/main">
+  <p:cSld>
+    <p:spTree>
+      <p:nvGrpSpPr>
+        <p:cNvPr id="1" name=""/>
+        <p:cNvGrpSpPr/>
+        <p:nvPr/>
+      </p:nvGrpSpPr>
+      <p:grpSpPr>
+        <a:xfrm>
+          <a:off x="0" y="0"/>
+          <a:ext cx="0" cy="0"/>
+          <a:chOff x="0" y="0"/>
+          <a:chExt cx="0" cy="0"/>
+        </a:xfrm>
+      </p:grpSpPr>
+      <p:pic>
+        <p:nvPicPr>
+          <p:cNvPr id="2" name="图片 1" descr="未标题-178"/>
+          <p:cNvPicPr>
+            <a:picLocks noChangeAspect="1"/>
+          </p:cNvPicPr>
+          <p:nvPr/>
+        </p:nvPicPr>
+        <p:blipFill>
+          <a:blip r:embed="rId2"/>
+          <a:srcRect t="3317" r="10893"/>
+          <a:stretch>
+            <a:fillRect/>
+          </a:stretch>
+        </p:blipFill>
+        <p:spPr>
+          <a:xfrm flipV="1">
+            <a:off x="10171430" y="5469890"/>
+            <a:ext cx="2020570" cy="1388110"/>
+          </a:xfrm>
+          <a:prstGeom prst="rect">
+            <a:avLst/>
+          </a:prstGeom>
+        </p:spPr>
+      </p:pic>
+      <p:pic>
+        <p:nvPicPr>
+          <p:cNvPr id="3" name="图片 2" descr="未标题-145"/>
+          <p:cNvPicPr>
+            <a:picLocks noChangeAspect="1"/>
+          </p:cNvPicPr>
+          <p:nvPr/>
+        </p:nvPicPr>
+        <p:blipFill>
+          <a:blip r:embed="rId3"/>
+          <a:stretch>
+            <a:fillRect/>
+          </a:stretch>
+        </p:blipFill>
+        <p:spPr>
+          <a:xfrm flipH="1" flipV="1">
+            <a:off x="0" y="0"/>
+            <a:ext cx="1360170" cy="775970"/>
+          </a:xfrm>
+          <a:prstGeom prst="rect">
+            <a:avLst/>
+          </a:prstGeom>
+        </p:spPr>
+      </p:pic>
+      <p:sp>
+        <p:nvSpPr>
+          <p:cNvPr id="6" name="文本框 5"/>
+          <p:cNvSpPr txBox="1"/>
+          <p:nvPr/>
+        </p:nvSpPr>
+        <p:spPr>
+          <a:xfrm>
+            <a:off x="1427480" y="158115"/>
+            <a:ext cx="1415772" cy="461665"/>
+          </a:xfrm>
+          <a:prstGeom prst="rect">
+            <a:avLst/>
+          </a:prstGeom>
+          <a:noFill/>
+        </p:spPr>
+        <p:txBody>
+          <a:bodyPr wrap="none" rtlCol="0">
+            <a:spAutoFit/>
+          </a:bodyPr>
+          <a:lstStyle/>
+          <a:p>
+            <a:r>
+              <a:rPr lang="zh-TW" altLang="en-US" sz="2400" b="1" dirty="0">
+                <a:solidFill>
+                  <a:srgbClr val="DE7F7E"/>
+                </a:solidFill>
+                <a:cs typeface="+mn-ea"/>
+                <a:sym typeface="+mn-lt"/>
+              </a:rPr>
+              <a:t>專案設計</a:t>
+            </a:r>
+            <a:endParaRPr lang="zh-CN" altLang="en-US" b="1" dirty="0">
+              <a:solidFill>
+                <a:srgbClr val="DE7F7E"/>
+              </a:solidFill>
+              <a:cs typeface="+mn-ea"/>
+              <a:sym typeface="+mn-lt"/>
+            </a:endParaRPr>
+          </a:p>
+        </p:txBody>
+      </p:sp>
+      <p:sp>
+        <p:nvSpPr>
+          <p:cNvPr id="5" name="矩形 4">
+            <a:extLst>
+              <a:ext uri="{FF2B5EF4-FFF2-40B4-BE49-F238E27FC236}">
+                <a16:creationId xmlns:a16="http://schemas.microsoft.com/office/drawing/2014/main" id="{66F99CA9-7671-4C95-9702-7B6F69AADC1A}"/>
+              </a:ext>
+            </a:extLst>
+          </p:cNvPr>
+          <p:cNvSpPr/>
+          <p:nvPr/>
+        </p:nvSpPr>
+        <p:spPr>
+          <a:xfrm>
+            <a:off x="4604084" y="1784684"/>
+            <a:ext cx="1844842" cy="1082842"/>
+          </a:xfrm>
+          <a:prstGeom prst="rect">
+            <a:avLst/>
+          </a:prstGeom>
+        </p:spPr>
+        <p:style>
+          <a:lnRef idx="2">
+            <a:schemeClr val="accent1">
+              <a:shade val="50000"/>
+            </a:schemeClr>
+          </a:lnRef>
+          <a:fillRef idx="1">
+            <a:schemeClr val="accent1"/>
+          </a:fillRef>
+          <a:effectRef idx="0">
+            <a:schemeClr val="accent1"/>
+          </a:effectRef>
+          <a:fontRef idx="minor">
+            <a:schemeClr val="lt1"/>
+          </a:fontRef>
+        </p:style>
+        <p:txBody>
+          <a:bodyPr rtlCol="0" anchor="ctr"/>
+          <a:lstStyle/>
+          <a:p>
+            <a:pPr algn="ctr"/>
+            <a:r>
+              <a:rPr lang="zh-TW" altLang="en-US" dirty="0"/>
+              <a:t>視窗介面</a:t>
+            </a:r>
+          </a:p>
+        </p:txBody>
+      </p:sp>
+      <p:sp>
+        <p:nvSpPr>
+          <p:cNvPr id="7" name="矩形 6">
+            <a:extLst>
+              <a:ext uri="{FF2B5EF4-FFF2-40B4-BE49-F238E27FC236}">
+                <a16:creationId xmlns:a16="http://schemas.microsoft.com/office/drawing/2014/main" id="{E8187B2D-C729-49D4-BE80-A2657D7DA3E3}"/>
+              </a:ext>
+            </a:extLst>
+          </p:cNvPr>
+          <p:cNvSpPr/>
+          <p:nvPr/>
+        </p:nvSpPr>
+        <p:spPr>
+          <a:xfrm>
+            <a:off x="7780688" y="1784684"/>
+            <a:ext cx="1844842" cy="1082842"/>
+          </a:xfrm>
+          <a:prstGeom prst="rect">
+            <a:avLst/>
+          </a:prstGeom>
+        </p:spPr>
+        <p:style>
+          <a:lnRef idx="2">
+            <a:schemeClr val="accent1">
+              <a:shade val="50000"/>
+            </a:schemeClr>
+          </a:lnRef>
+          <a:fillRef idx="1">
+            <a:schemeClr val="accent1"/>
+          </a:fillRef>
+          <a:effectRef idx="0">
+            <a:schemeClr val="accent1"/>
+          </a:effectRef>
+          <a:fontRef idx="minor">
+            <a:schemeClr val="lt1"/>
+          </a:fontRef>
+        </p:style>
+        <p:txBody>
+          <a:bodyPr rtlCol="0" anchor="ctr"/>
+          <a:lstStyle/>
+          <a:p>
+            <a:pPr algn="ctr"/>
+            <a:r>
+              <a:rPr lang="zh-TW" altLang="en-US" dirty="0"/>
+              <a:t>人臉偵測</a:t>
+            </a:r>
+          </a:p>
+        </p:txBody>
+      </p:sp>
+      <p:sp>
+        <p:nvSpPr>
+          <p:cNvPr id="8" name="矩形 7">
+            <a:extLst>
+              <a:ext uri="{FF2B5EF4-FFF2-40B4-BE49-F238E27FC236}">
+                <a16:creationId xmlns:a16="http://schemas.microsoft.com/office/drawing/2014/main" id="{DA9BDF08-F2CF-44F4-BCE2-E7377583AB7D}"/>
+              </a:ext>
+            </a:extLst>
+          </p:cNvPr>
+          <p:cNvSpPr/>
+          <p:nvPr/>
+        </p:nvSpPr>
+        <p:spPr>
+          <a:xfrm>
+            <a:off x="7780688" y="4531895"/>
+            <a:ext cx="1844842" cy="1082842"/>
+          </a:xfrm>
+          <a:prstGeom prst="rect">
+            <a:avLst/>
+          </a:prstGeom>
+        </p:spPr>
+        <p:style>
+          <a:lnRef idx="2">
+            <a:schemeClr val="accent1">
+              <a:shade val="50000"/>
+            </a:schemeClr>
+          </a:lnRef>
+          <a:fillRef idx="1">
+            <a:schemeClr val="accent1"/>
+          </a:fillRef>
+          <a:effectRef idx="0">
+            <a:schemeClr val="accent1"/>
+          </a:effectRef>
+          <a:fontRef idx="minor">
+            <a:schemeClr val="lt1"/>
+          </a:fontRef>
+        </p:style>
+        <p:txBody>
+          <a:bodyPr rtlCol="0" anchor="ctr"/>
+          <a:lstStyle/>
+          <a:p>
+            <a:pPr algn="ctr"/>
+            <a:r>
+              <a:rPr lang="zh-TW" altLang="en-US" dirty="0">
+                <a:latin typeface="微軟正黑體" panose="020B0604030504040204" pitchFamily="34" charset="-120"/>
+                <a:ea typeface="微軟正黑體" panose="020B0604030504040204" pitchFamily="34" charset="-120"/>
+              </a:rPr>
+              <a:t>圖片像素</a:t>
+            </a:r>
+          </a:p>
+          <a:p>
+            <a:pPr algn="ctr"/>
+            <a:r>
+              <a:rPr lang="zh-TW" altLang="en-US" dirty="0">
+                <a:latin typeface="微軟正黑體" panose="020B0604030504040204" pitchFamily="34" charset="-120"/>
+                <a:ea typeface="微軟正黑體" panose="020B0604030504040204" pitchFamily="34" charset="-120"/>
+              </a:rPr>
+              <a:t>統一</a:t>
+            </a:r>
+          </a:p>
+        </p:txBody>
+      </p:sp>
+      <p:sp>
+        <p:nvSpPr>
+          <p:cNvPr id="9" name="矩形 8">
+            <a:extLst>
+              <a:ext uri="{FF2B5EF4-FFF2-40B4-BE49-F238E27FC236}">
+                <a16:creationId xmlns:a16="http://schemas.microsoft.com/office/drawing/2014/main" id="{DB57530F-C888-4106-BA05-CC55898430B4}"/>
+              </a:ext>
+            </a:extLst>
+          </p:cNvPr>
+          <p:cNvSpPr/>
+          <p:nvPr/>
+        </p:nvSpPr>
+        <p:spPr>
+          <a:xfrm>
+            <a:off x="4604084" y="4531895"/>
+            <a:ext cx="1844842" cy="1082842"/>
+          </a:xfrm>
+          <a:prstGeom prst="rect">
+            <a:avLst/>
+          </a:prstGeom>
+        </p:spPr>
+        <p:style>
+          <a:lnRef idx="2">
+            <a:schemeClr val="accent1">
+              <a:shade val="50000"/>
+            </a:schemeClr>
+          </a:lnRef>
+          <a:fillRef idx="1">
+            <a:schemeClr val="accent1"/>
+          </a:fillRef>
+          <a:effectRef idx="0">
+            <a:schemeClr val="accent1"/>
+          </a:effectRef>
+          <a:fontRef idx="minor">
+            <a:schemeClr val="lt1"/>
+          </a:fontRef>
+        </p:style>
+        <p:txBody>
+          <a:bodyPr rtlCol="0" anchor="ctr"/>
+          <a:lstStyle/>
+          <a:p>
+            <a:pPr algn="ctr"/>
+            <a:r>
+              <a:rPr lang="zh-TW" altLang="en-US" dirty="0"/>
+              <a:t>特徵擷取</a:t>
+            </a:r>
+          </a:p>
+        </p:txBody>
+      </p:sp>
+      <p:sp>
+        <p:nvSpPr>
+          <p:cNvPr id="10" name="矩形 9">
+            <a:extLst>
+              <a:ext uri="{FF2B5EF4-FFF2-40B4-BE49-F238E27FC236}">
+                <a16:creationId xmlns:a16="http://schemas.microsoft.com/office/drawing/2014/main" id="{CC621556-3BBD-4FC0-A01D-74E6694B007F}"/>
+              </a:ext>
+            </a:extLst>
+          </p:cNvPr>
+          <p:cNvSpPr/>
+          <p:nvPr/>
+        </p:nvSpPr>
+        <p:spPr>
+          <a:xfrm>
+            <a:off x="1427480" y="4531895"/>
+            <a:ext cx="1844842" cy="1082842"/>
+          </a:xfrm>
+          <a:prstGeom prst="rect">
+            <a:avLst/>
+          </a:prstGeom>
+        </p:spPr>
+        <p:style>
+          <a:lnRef idx="2">
+            <a:schemeClr val="accent1">
+              <a:shade val="50000"/>
+            </a:schemeClr>
+          </a:lnRef>
+          <a:fillRef idx="1">
+            <a:schemeClr val="accent1"/>
+          </a:fillRef>
+          <a:effectRef idx="0">
+            <a:schemeClr val="accent1"/>
+          </a:effectRef>
+          <a:fontRef idx="minor">
+            <a:schemeClr val="lt1"/>
+          </a:fontRef>
+        </p:style>
+        <p:txBody>
+          <a:bodyPr rtlCol="0" anchor="ctr"/>
+          <a:lstStyle/>
+          <a:p>
+            <a:pPr algn="ctr"/>
+            <a:r>
+              <a:rPr lang="zh-TW" altLang="en-US" dirty="0"/>
+              <a:t>人臉辨識模型</a:t>
+            </a:r>
+          </a:p>
+        </p:txBody>
+      </p:sp>
+      <p:cxnSp>
+        <p:nvCxnSpPr>
+          <p:cNvPr id="12" name="直線單箭頭接點 11">
+            <a:extLst>
+              <a:ext uri="{FF2B5EF4-FFF2-40B4-BE49-F238E27FC236}">
+                <a16:creationId xmlns:a16="http://schemas.microsoft.com/office/drawing/2014/main" id="{149A8D69-7154-494F-8F22-6A54153AB842}"/>
+              </a:ext>
+            </a:extLst>
+          </p:cNvPr>
+          <p:cNvCxnSpPr>
+            <a:cxnSpLocks/>
+          </p:cNvCxnSpPr>
+          <p:nvPr/>
+        </p:nvCxnSpPr>
+        <p:spPr>
+          <a:xfrm>
+            <a:off x="3272322" y="1981200"/>
+            <a:ext cx="1331762" cy="0"/>
+          </a:xfrm>
+          <a:prstGeom prst="straightConnector1">
+            <a:avLst/>
+          </a:prstGeom>
+          <a:ln w="38100">
+            <a:tailEnd type="triangle"/>
+          </a:ln>
+        </p:spPr>
+        <p:style>
+          <a:lnRef idx="1">
+            <a:schemeClr val="accent1"/>
+          </a:lnRef>
+          <a:fillRef idx="0">
+            <a:schemeClr val="accent1"/>
+          </a:fillRef>
+          <a:effectRef idx="0">
+            <a:schemeClr val="accent1"/>
+          </a:effectRef>
+          <a:fontRef idx="minor">
+            <a:schemeClr val="tx1"/>
+          </a:fontRef>
+        </p:style>
+      </p:cxnSp>
+      <p:cxnSp>
+        <p:nvCxnSpPr>
+          <p:cNvPr id="14" name="直線單箭頭接點 13">
+            <a:extLst>
+              <a:ext uri="{FF2B5EF4-FFF2-40B4-BE49-F238E27FC236}">
+                <a16:creationId xmlns:a16="http://schemas.microsoft.com/office/drawing/2014/main" id="{1705C6D3-3690-4DCD-9989-5F774E558C36}"/>
+              </a:ext>
+            </a:extLst>
+          </p:cNvPr>
+          <p:cNvCxnSpPr>
+            <a:cxnSpLocks/>
+          </p:cNvCxnSpPr>
+          <p:nvPr/>
+        </p:nvCxnSpPr>
+        <p:spPr>
+          <a:xfrm>
+            <a:off x="3272322" y="2366211"/>
+            <a:ext cx="1331762" cy="0"/>
+          </a:xfrm>
+          <a:prstGeom prst="straightConnector1">
+            <a:avLst/>
+          </a:prstGeom>
+          <a:ln w="38100">
+            <a:tailEnd type="triangle"/>
+          </a:ln>
+        </p:spPr>
+        <p:style>
+          <a:lnRef idx="1">
+            <a:schemeClr val="accent1"/>
+          </a:lnRef>
+          <a:fillRef idx="0">
+            <a:schemeClr val="accent1"/>
+          </a:fillRef>
+          <a:effectRef idx="0">
+            <a:schemeClr val="accent1"/>
+          </a:effectRef>
+          <a:fontRef idx="minor">
+            <a:schemeClr val="tx1"/>
+          </a:fontRef>
+        </p:style>
+      </p:cxnSp>
+      <p:sp>
+        <p:nvSpPr>
+          <p:cNvPr id="15" name="文字方塊 14">
+            <a:extLst>
+              <a:ext uri="{FF2B5EF4-FFF2-40B4-BE49-F238E27FC236}">
+                <a16:creationId xmlns:a16="http://schemas.microsoft.com/office/drawing/2014/main" id="{44E3FB08-8EE2-44B3-92C7-385AFD4C6466}"/>
+              </a:ext>
+            </a:extLst>
+          </p:cNvPr>
+          <p:cNvSpPr txBox="1"/>
+          <p:nvPr/>
+        </p:nvSpPr>
+        <p:spPr>
+          <a:xfrm>
+            <a:off x="2266919" y="1586141"/>
+            <a:ext cx="1005403" cy="369332"/>
+          </a:xfrm>
+          <a:prstGeom prst="rect">
+            <a:avLst/>
+          </a:prstGeom>
+          <a:noFill/>
+        </p:spPr>
+        <p:txBody>
+          <a:bodyPr wrap="none" rtlCol="0">
+            <a:spAutoFit/>
+          </a:bodyPr>
+          <a:lstStyle/>
+          <a:p>
+            <a:r>
+              <a:rPr lang="en-US" altLang="zh-TW" dirty="0"/>
+              <a:t>Camera</a:t>
+            </a:r>
+            <a:endParaRPr lang="zh-TW" altLang="en-US" dirty="0"/>
+          </a:p>
+        </p:txBody>
+      </p:sp>
+      <p:sp>
+        <p:nvSpPr>
+          <p:cNvPr id="16" name="文字方塊 15">
+            <a:extLst>
+              <a:ext uri="{FF2B5EF4-FFF2-40B4-BE49-F238E27FC236}">
+                <a16:creationId xmlns:a16="http://schemas.microsoft.com/office/drawing/2014/main" id="{31F687A6-BC13-4200-A963-EDD6FA2B3D1C}"/>
+              </a:ext>
+            </a:extLst>
+          </p:cNvPr>
+          <p:cNvSpPr txBox="1"/>
+          <p:nvPr/>
+        </p:nvSpPr>
+        <p:spPr>
+          <a:xfrm>
+            <a:off x="2293628" y="2013455"/>
+            <a:ext cx="2326278" cy="369332"/>
+          </a:xfrm>
+          <a:prstGeom prst="rect">
+            <a:avLst/>
+          </a:prstGeom>
+          <a:noFill/>
+        </p:spPr>
+        <p:txBody>
+          <a:bodyPr wrap="none" rtlCol="0">
+            <a:spAutoFit/>
+          </a:bodyPr>
+          <a:lstStyle/>
+          <a:p>
+            <a:r>
+              <a:rPr lang="en-US" altLang="zh-TW" dirty="0"/>
+              <a:t>Personal information</a:t>
+            </a:r>
+            <a:endParaRPr lang="zh-TW" altLang="en-US" dirty="0"/>
+          </a:p>
+        </p:txBody>
+      </p:sp>
+      <p:cxnSp>
+        <p:nvCxnSpPr>
+          <p:cNvPr id="20" name="直線單箭頭接點 19">
+            <a:extLst>
+              <a:ext uri="{FF2B5EF4-FFF2-40B4-BE49-F238E27FC236}">
+                <a16:creationId xmlns:a16="http://schemas.microsoft.com/office/drawing/2014/main" id="{A9C0F4D9-BEE0-48A7-A6A9-26CFCA0A4EEE}"/>
+              </a:ext>
+            </a:extLst>
+          </p:cNvPr>
+          <p:cNvCxnSpPr>
+            <a:cxnSpLocks/>
+            <a:stCxn id="5" idx="3"/>
+            <a:endCxn id="7" idx="1"/>
+          </p:cNvCxnSpPr>
+          <p:nvPr/>
+        </p:nvCxnSpPr>
+        <p:spPr>
+          <a:xfrm>
+            <a:off x="6448926" y="2326105"/>
+            <a:ext cx="1331762" cy="0"/>
+          </a:xfrm>
+          <a:prstGeom prst="straightConnector1">
+            <a:avLst/>
+          </a:prstGeom>
+          <a:ln w="38100">
+            <a:tailEnd type="triangle"/>
+          </a:ln>
+        </p:spPr>
+        <p:style>
+          <a:lnRef idx="1">
+            <a:schemeClr val="accent1"/>
+          </a:lnRef>
+          <a:fillRef idx="0">
+            <a:schemeClr val="accent1"/>
+          </a:fillRef>
+          <a:effectRef idx="0">
+            <a:schemeClr val="accent1"/>
+          </a:effectRef>
+          <a:fontRef idx="minor">
+            <a:schemeClr val="tx1"/>
+          </a:fontRef>
+        </p:style>
+      </p:cxnSp>
+      <p:sp>
+        <p:nvSpPr>
+          <p:cNvPr id="24" name="文字方塊 23">
+            <a:extLst>
+              <a:ext uri="{FF2B5EF4-FFF2-40B4-BE49-F238E27FC236}">
+                <a16:creationId xmlns:a16="http://schemas.microsoft.com/office/drawing/2014/main" id="{2C24038C-CDB7-4862-9D75-397BA4A8538A}"/>
+              </a:ext>
+            </a:extLst>
+          </p:cNvPr>
+          <p:cNvSpPr txBox="1"/>
+          <p:nvPr/>
+        </p:nvSpPr>
+        <p:spPr>
+          <a:xfrm>
+            <a:off x="6694675" y="1796534"/>
+            <a:ext cx="825867" cy="369332"/>
+          </a:xfrm>
+          <a:prstGeom prst="rect">
+            <a:avLst/>
+          </a:prstGeom>
+          <a:noFill/>
+        </p:spPr>
+        <p:txBody>
+          <a:bodyPr wrap="none" rtlCol="0">
+            <a:spAutoFit/>
+          </a:bodyPr>
+          <a:lstStyle/>
+          <a:p>
+            <a:r>
+              <a:rPr lang="en-US" altLang="zh-TW" dirty="0"/>
+              <a:t>Image</a:t>
+            </a:r>
+            <a:endParaRPr lang="zh-TW" altLang="en-US" dirty="0"/>
+          </a:p>
+        </p:txBody>
+      </p:sp>
+      <p:cxnSp>
+        <p:nvCxnSpPr>
+          <p:cNvPr id="25" name="直線單箭頭接點 24">
+            <a:extLst>
+              <a:ext uri="{FF2B5EF4-FFF2-40B4-BE49-F238E27FC236}">
+                <a16:creationId xmlns:a16="http://schemas.microsoft.com/office/drawing/2014/main" id="{D81CF14E-C983-4864-BDE3-EEA6C1CBE7A9}"/>
+              </a:ext>
+            </a:extLst>
+          </p:cNvPr>
+          <p:cNvCxnSpPr>
+            <a:cxnSpLocks/>
+            <a:stCxn id="7" idx="2"/>
+            <a:endCxn id="8" idx="0"/>
+          </p:cNvCxnSpPr>
+          <p:nvPr/>
+        </p:nvCxnSpPr>
+        <p:spPr>
+          <a:xfrm>
+            <a:off x="8703109" y="2867526"/>
+            <a:ext cx="0" cy="1664369"/>
+          </a:xfrm>
+          <a:prstGeom prst="straightConnector1">
+            <a:avLst/>
+          </a:prstGeom>
+          <a:ln w="38100">
+            <a:tailEnd type="triangle"/>
+          </a:ln>
+        </p:spPr>
+        <p:style>
+          <a:lnRef idx="1">
+            <a:schemeClr val="accent1"/>
+          </a:lnRef>
+          <a:fillRef idx="0">
+            <a:schemeClr val="accent1"/>
+          </a:fillRef>
+          <a:effectRef idx="0">
+            <a:schemeClr val="accent1"/>
+          </a:effectRef>
+          <a:fontRef idx="minor">
+            <a:schemeClr val="tx1"/>
+          </a:fontRef>
+        </p:style>
+      </p:cxnSp>
+      <p:sp>
+        <p:nvSpPr>
+          <p:cNvPr id="28" name="文字方塊 27">
+            <a:extLst>
+              <a:ext uri="{FF2B5EF4-FFF2-40B4-BE49-F238E27FC236}">
+                <a16:creationId xmlns:a16="http://schemas.microsoft.com/office/drawing/2014/main" id="{32B86074-218E-47B8-8ED2-4420D69BA522}"/>
+              </a:ext>
+            </a:extLst>
+          </p:cNvPr>
+          <p:cNvSpPr txBox="1"/>
+          <p:nvPr/>
+        </p:nvSpPr>
+        <p:spPr>
+          <a:xfrm>
+            <a:off x="8870895" y="3429000"/>
+            <a:ext cx="1390124" cy="369332"/>
+          </a:xfrm>
+          <a:prstGeom prst="rect">
+            <a:avLst/>
+          </a:prstGeom>
+          <a:noFill/>
+        </p:spPr>
+        <p:txBody>
+          <a:bodyPr wrap="none" rtlCol="0">
+            <a:spAutoFit/>
+          </a:bodyPr>
+          <a:lstStyle/>
+          <a:p>
+            <a:r>
+              <a:rPr lang="en-US" altLang="zh-TW" dirty="0"/>
+              <a:t>Face image</a:t>
+            </a:r>
+            <a:endParaRPr lang="zh-TW" altLang="en-US" dirty="0"/>
+          </a:p>
+        </p:txBody>
+      </p:sp>
+      <p:sp>
+        <p:nvSpPr>
+          <p:cNvPr id="29" name="文字方塊 28">
+            <a:extLst>
+              <a:ext uri="{FF2B5EF4-FFF2-40B4-BE49-F238E27FC236}">
+                <a16:creationId xmlns:a16="http://schemas.microsoft.com/office/drawing/2014/main" id="{947A44CC-400C-40ED-8AFC-F9C4BA5B9138}"/>
+              </a:ext>
+            </a:extLst>
+          </p:cNvPr>
+          <p:cNvSpPr txBox="1"/>
+          <p:nvPr/>
+        </p:nvSpPr>
+        <p:spPr>
+          <a:xfrm>
+            <a:off x="6398104" y="4617940"/>
+            <a:ext cx="1433406" cy="369332"/>
+          </a:xfrm>
+          <a:prstGeom prst="rect">
+            <a:avLst/>
+          </a:prstGeom>
+          <a:noFill/>
+        </p:spPr>
+        <p:txBody>
+          <a:bodyPr wrap="none" rtlCol="0">
+            <a:spAutoFit/>
+          </a:bodyPr>
+          <a:lstStyle/>
+          <a:p>
+            <a:r>
+              <a:rPr lang="en-US" altLang="zh-TW" dirty="0"/>
+              <a:t>Face image’</a:t>
+            </a:r>
+            <a:endParaRPr lang="zh-TW" altLang="en-US" dirty="0"/>
+          </a:p>
+        </p:txBody>
+      </p:sp>
+      <p:cxnSp>
+        <p:nvCxnSpPr>
+          <p:cNvPr id="30" name="直線單箭頭接點 29">
+            <a:extLst>
+              <a:ext uri="{FF2B5EF4-FFF2-40B4-BE49-F238E27FC236}">
+                <a16:creationId xmlns:a16="http://schemas.microsoft.com/office/drawing/2014/main" id="{9ED0B63C-20AE-4AEB-95A6-7F8E1864D604}"/>
+              </a:ext>
+            </a:extLst>
+          </p:cNvPr>
+          <p:cNvCxnSpPr>
+            <a:cxnSpLocks/>
+            <a:stCxn id="8" idx="1"/>
+            <a:endCxn id="9" idx="3"/>
+          </p:cNvCxnSpPr>
+          <p:nvPr/>
+        </p:nvCxnSpPr>
+        <p:spPr>
+          <a:xfrm flipH="1">
+            <a:off x="6448926" y="5073316"/>
+            <a:ext cx="1331762" cy="0"/>
+          </a:xfrm>
+          <a:prstGeom prst="straightConnector1">
+            <a:avLst/>
+          </a:prstGeom>
+          <a:ln w="38100">
+            <a:tailEnd type="triangle"/>
+          </a:ln>
+        </p:spPr>
+        <p:style>
+          <a:lnRef idx="1">
+            <a:schemeClr val="accent1"/>
+          </a:lnRef>
+          <a:fillRef idx="0">
+            <a:schemeClr val="accent1"/>
+          </a:fillRef>
+          <a:effectRef idx="0">
+            <a:schemeClr val="accent1"/>
+          </a:effectRef>
+          <a:fontRef idx="minor">
+            <a:schemeClr val="tx1"/>
+          </a:fontRef>
+        </p:style>
+      </p:cxnSp>
+      <p:cxnSp>
+        <p:nvCxnSpPr>
+          <p:cNvPr id="33" name="直線單箭頭接點 32">
+            <a:extLst>
+              <a:ext uri="{FF2B5EF4-FFF2-40B4-BE49-F238E27FC236}">
+                <a16:creationId xmlns:a16="http://schemas.microsoft.com/office/drawing/2014/main" id="{F78B425C-86C5-4F9D-AC4E-AE7D1651A360}"/>
+              </a:ext>
+            </a:extLst>
+          </p:cNvPr>
+          <p:cNvCxnSpPr>
+            <a:cxnSpLocks/>
+            <a:stCxn id="9" idx="1"/>
+            <a:endCxn id="10" idx="3"/>
+          </p:cNvCxnSpPr>
+          <p:nvPr/>
+        </p:nvCxnSpPr>
+        <p:spPr>
+          <a:xfrm flipH="1">
+            <a:off x="3272322" y="5073316"/>
+            <a:ext cx="1331762" cy="0"/>
+          </a:xfrm>
+          <a:prstGeom prst="straightConnector1">
+            <a:avLst/>
+          </a:prstGeom>
+          <a:ln w="38100">
+            <a:tailEnd type="triangle"/>
+          </a:ln>
+        </p:spPr>
+        <p:style>
+          <a:lnRef idx="1">
+            <a:schemeClr val="accent1"/>
+          </a:lnRef>
+          <a:fillRef idx="0">
+            <a:schemeClr val="accent1"/>
+          </a:fillRef>
+          <a:effectRef idx="0">
+            <a:schemeClr val="accent1"/>
+          </a:effectRef>
+          <a:fontRef idx="minor">
+            <a:schemeClr val="tx1"/>
+          </a:fontRef>
+        </p:style>
+      </p:cxnSp>
+      <p:sp>
+        <p:nvSpPr>
+          <p:cNvPr id="36" name="矩形 35">
+            <a:extLst>
+              <a:ext uri="{FF2B5EF4-FFF2-40B4-BE49-F238E27FC236}">
+                <a16:creationId xmlns:a16="http://schemas.microsoft.com/office/drawing/2014/main" id="{026C14B8-3958-43F8-B6DD-2257FF978135}"/>
+              </a:ext>
+            </a:extLst>
+          </p:cNvPr>
+          <p:cNvSpPr/>
+          <p:nvPr/>
+        </p:nvSpPr>
+        <p:spPr>
+          <a:xfrm>
+            <a:off x="3486797" y="4567810"/>
+            <a:ext cx="979755" cy="369332"/>
+          </a:xfrm>
+          <a:prstGeom prst="rect">
+            <a:avLst/>
+          </a:prstGeom>
+        </p:spPr>
+        <p:txBody>
+          <a:bodyPr wrap="none">
+            <a:spAutoFit/>
+          </a:bodyPr>
+          <a:lstStyle/>
+          <a:p>
+            <a:r>
+              <a:rPr lang="en-US" altLang="zh-TW" dirty="0"/>
+              <a:t>F</a:t>
+            </a:r>
+            <a:r>
+              <a:rPr lang="zh-TW" altLang="en-US" dirty="0"/>
+              <a:t>eature</a:t>
+            </a:r>
+          </a:p>
+        </p:txBody>
+      </p:sp>
+      <p:cxnSp>
+        <p:nvCxnSpPr>
+          <p:cNvPr id="38" name="接點: 肘形 37">
+            <a:extLst>
+              <a:ext uri="{FF2B5EF4-FFF2-40B4-BE49-F238E27FC236}">
+                <a16:creationId xmlns:a16="http://schemas.microsoft.com/office/drawing/2014/main" id="{C38D2605-E8E4-4283-B485-720B7D397E05}"/>
+              </a:ext>
+            </a:extLst>
+          </p:cNvPr>
+          <p:cNvCxnSpPr>
+            <a:cxnSpLocks/>
+            <a:stCxn id="10" idx="0"/>
+          </p:cNvCxnSpPr>
+          <p:nvPr/>
+        </p:nvCxnSpPr>
+        <p:spPr>
+          <a:xfrm rot="5400000" flipH="1" flipV="1">
+            <a:off x="2585653" y="2513463"/>
+            <a:ext cx="1782680" cy="2254185"/>
+          </a:xfrm>
+          <a:prstGeom prst="bentConnector2">
+            <a:avLst/>
+          </a:prstGeom>
+          <a:ln w="38100">
+            <a:tailEnd type="triangle"/>
+          </a:ln>
+        </p:spPr>
+        <p:style>
+          <a:lnRef idx="1">
+            <a:schemeClr val="accent1"/>
+          </a:lnRef>
+          <a:fillRef idx="0">
+            <a:schemeClr val="accent1"/>
+          </a:fillRef>
+          <a:effectRef idx="0">
+            <a:schemeClr val="accent1"/>
+          </a:effectRef>
+          <a:fontRef idx="minor">
+            <a:schemeClr val="tx1"/>
+          </a:fontRef>
+        </p:style>
+      </p:cxnSp>
+      <p:sp>
+        <p:nvSpPr>
+          <p:cNvPr id="39" name="矩形 38">
+            <a:extLst>
+              <a:ext uri="{FF2B5EF4-FFF2-40B4-BE49-F238E27FC236}">
+                <a16:creationId xmlns:a16="http://schemas.microsoft.com/office/drawing/2014/main" id="{ABFC51CA-F231-4DBD-909D-54A3A2E33C67}"/>
+              </a:ext>
+            </a:extLst>
+          </p:cNvPr>
+          <p:cNvSpPr/>
+          <p:nvPr/>
+        </p:nvSpPr>
+        <p:spPr>
+          <a:xfrm>
+            <a:off x="2293628" y="2379883"/>
+            <a:ext cx="838691" cy="369332"/>
+          </a:xfrm>
+          <a:prstGeom prst="rect">
+            <a:avLst/>
+          </a:prstGeom>
+        </p:spPr>
+        <p:txBody>
+          <a:bodyPr wrap="none">
+            <a:spAutoFit/>
+          </a:bodyPr>
+          <a:lstStyle/>
+          <a:p>
+            <a:r>
+              <a:rPr lang="en-US" altLang="zh-TW" dirty="0"/>
+              <a:t>Result</a:t>
+            </a:r>
+            <a:endParaRPr lang="zh-TW" altLang="en-US" dirty="0"/>
+          </a:p>
+        </p:txBody>
+      </p:sp>
+    </p:spTree>
+    <p:extLst>
+      <p:ext uri="{BB962C8B-B14F-4D97-AF65-F5344CB8AC3E}">
+        <p14:creationId xmlns:p14="http://schemas.microsoft.com/office/powerpoint/2010/main" val="995036981"/>
+      </p:ext>
+    </p:extLst>
+  </p:cSld>
+  <p:clrMapOvr>
+    <a:masterClrMapping/>
+  </p:clrMapOvr>
+  <mc:AlternateContent xmlns:mc="http://schemas.openxmlformats.org/markup-compatibility/2006" xmlns:p14="http://schemas.microsoft.com/office/powerpoint/2010/main">
+    <mc:Choice Requires="p14">
+      <p:transition spd="slow" p14:dur="1300">
+        <p14:pan dir="u"/>
+      </p:transition>
+    </mc:Choice>
+    <mc:Fallback xmlns="">
+      <p:transition spd="slow">
+        <p:fade/>
+      </p:transition>
+    </mc:Fallback>
+  </mc:AlternateContent>
+</p:sld>
+</file>
+
+<file path=ppt/slides/slide12.xml><?xml version="1.0" encoding="utf-8"?>
+<p:sld xmlns:a="http://schemas.openxmlformats.org/drawingml/2006/main" xmlns:r="http://schemas.openxmlformats.org/officeDocument/2006/relationships" xmlns:p="http://schemas.openxmlformats.org/presentationml/2006/main">
+  <p:cSld>
+    <p:spTree>
+      <p:nvGrpSpPr>
+        <p:cNvPr id="1" name=""/>
+        <p:cNvGrpSpPr/>
+        <p:nvPr/>
+      </p:nvGrpSpPr>
+      <p:grpSpPr>
+        <a:xfrm>
+          <a:off x="0" y="0"/>
+          <a:ext cx="0" cy="0"/>
+          <a:chOff x="0" y="0"/>
+          <a:chExt cx="0" cy="0"/>
+        </a:xfrm>
+      </p:grpSpPr>
+      <p:pic>
+        <p:nvPicPr>
+          <p:cNvPr id="2" name="图片 1" descr="未标题-178"/>
+          <p:cNvPicPr>
+            <a:picLocks noChangeAspect="1"/>
+          </p:cNvPicPr>
+          <p:nvPr/>
+        </p:nvPicPr>
+        <p:blipFill>
+          <a:blip r:embed="rId2"/>
+          <a:srcRect t="3317" r="10893"/>
+          <a:stretch>
+            <a:fillRect/>
+          </a:stretch>
+        </p:blipFill>
+        <p:spPr>
+          <a:xfrm flipV="1">
+            <a:off x="10171430" y="5469890"/>
+            <a:ext cx="2020570" cy="1388110"/>
+          </a:xfrm>
+          <a:prstGeom prst="rect">
+            <a:avLst/>
+          </a:prstGeom>
+        </p:spPr>
+      </p:pic>
+      <p:pic>
+        <p:nvPicPr>
+          <p:cNvPr id="3" name="图片 2" descr="未标题-145"/>
+          <p:cNvPicPr>
+            <a:picLocks noChangeAspect="1"/>
+          </p:cNvPicPr>
+          <p:nvPr/>
+        </p:nvPicPr>
+        <p:blipFill>
+          <a:blip r:embed="rId3"/>
+          <a:stretch>
+            <a:fillRect/>
+          </a:stretch>
+        </p:blipFill>
+        <p:spPr>
+          <a:xfrm flipH="1" flipV="1">
+            <a:off x="0" y="0"/>
+            <a:ext cx="1360170" cy="775970"/>
+          </a:xfrm>
+          <a:prstGeom prst="rect">
+            <a:avLst/>
+          </a:prstGeom>
+        </p:spPr>
+      </p:pic>
+      <p:sp>
+        <p:nvSpPr>
+          <p:cNvPr id="6" name="文本框 5"/>
+          <p:cNvSpPr txBox="1"/>
+          <p:nvPr/>
+        </p:nvSpPr>
+        <p:spPr>
+          <a:xfrm>
+            <a:off x="1427480" y="158115"/>
+            <a:ext cx="1415772" cy="461665"/>
+          </a:xfrm>
+          <a:prstGeom prst="rect">
+            <a:avLst/>
+          </a:prstGeom>
+          <a:noFill/>
+        </p:spPr>
+        <p:txBody>
+          <a:bodyPr wrap="none" rtlCol="0">
+            <a:spAutoFit/>
+          </a:bodyPr>
+          <a:lstStyle/>
+          <a:p>
+            <a:r>
+              <a:rPr lang="zh-TW" altLang="en-US" sz="2400" b="1" dirty="0">
+                <a:solidFill>
+                  <a:srgbClr val="DE7F7E"/>
+                </a:solidFill>
+                <a:cs typeface="+mn-ea"/>
+                <a:sym typeface="+mn-lt"/>
+              </a:rPr>
+              <a:t>專案設計</a:t>
+            </a:r>
+            <a:endParaRPr lang="zh-CN" altLang="en-US" b="1" dirty="0">
+              <a:solidFill>
+                <a:srgbClr val="DE7F7E"/>
+              </a:solidFill>
+              <a:cs typeface="+mn-ea"/>
+              <a:sym typeface="+mn-lt"/>
+            </a:endParaRPr>
+          </a:p>
+        </p:txBody>
+      </p:sp>
+      <p:sp>
+        <p:nvSpPr>
+          <p:cNvPr id="5" name="矩形 4">
+            <a:extLst>
+              <a:ext uri="{FF2B5EF4-FFF2-40B4-BE49-F238E27FC236}">
+                <a16:creationId xmlns:a16="http://schemas.microsoft.com/office/drawing/2014/main" id="{66F99CA9-7671-4C95-9702-7B6F69AADC1A}"/>
+              </a:ext>
+            </a:extLst>
+          </p:cNvPr>
+          <p:cNvSpPr/>
+          <p:nvPr/>
+        </p:nvSpPr>
+        <p:spPr>
+          <a:xfrm>
+            <a:off x="4992027" y="1614418"/>
+            <a:ext cx="1178828" cy="627466"/>
+          </a:xfrm>
+          <a:prstGeom prst="rect">
+            <a:avLst/>
+          </a:prstGeom>
+          <a:ln>
+            <a:noFill/>
+          </a:ln>
+        </p:spPr>
+        <p:style>
+          <a:lnRef idx="2">
+            <a:schemeClr val="accent1">
+              <a:shade val="50000"/>
+            </a:schemeClr>
+          </a:lnRef>
+          <a:fillRef idx="1">
+            <a:schemeClr val="accent1"/>
+          </a:fillRef>
+          <a:effectRef idx="0">
+            <a:schemeClr val="accent1"/>
+          </a:effectRef>
+          <a:fontRef idx="minor">
+            <a:schemeClr val="lt1"/>
+          </a:fontRef>
+        </p:style>
+        <p:txBody>
+          <a:bodyPr rtlCol="0" anchor="ctr"/>
+          <a:lstStyle/>
+          <a:p>
+            <a:pPr algn="ctr"/>
+            <a:r>
+              <a:rPr lang="zh-TW" altLang="en-US" dirty="0"/>
+              <a:t>視窗介面</a:t>
+            </a:r>
+          </a:p>
+        </p:txBody>
+      </p:sp>
+      <p:sp>
+        <p:nvSpPr>
+          <p:cNvPr id="7" name="矩形 6">
+            <a:extLst>
+              <a:ext uri="{FF2B5EF4-FFF2-40B4-BE49-F238E27FC236}">
+                <a16:creationId xmlns:a16="http://schemas.microsoft.com/office/drawing/2014/main" id="{E8187B2D-C729-49D4-BE80-A2657D7DA3E3}"/>
+              </a:ext>
+            </a:extLst>
+          </p:cNvPr>
+          <p:cNvSpPr/>
+          <p:nvPr/>
+        </p:nvSpPr>
+        <p:spPr>
+          <a:xfrm>
+            <a:off x="7082618" y="1620251"/>
+            <a:ext cx="1178828" cy="627466"/>
+          </a:xfrm>
+          <a:prstGeom prst="rect">
+            <a:avLst/>
+          </a:prstGeom>
+          <a:solidFill>
+            <a:srgbClr val="D0CECE"/>
+          </a:solidFill>
+          <a:ln>
+            <a:noFill/>
+          </a:ln>
+        </p:spPr>
+        <p:style>
+          <a:lnRef idx="2">
+            <a:schemeClr val="accent1">
+              <a:shade val="50000"/>
+            </a:schemeClr>
+          </a:lnRef>
+          <a:fillRef idx="1">
+            <a:schemeClr val="accent1"/>
+          </a:fillRef>
+          <a:effectRef idx="0">
+            <a:schemeClr val="accent1"/>
+          </a:effectRef>
+          <a:fontRef idx="minor">
+            <a:schemeClr val="lt1"/>
+          </a:fontRef>
+        </p:style>
+        <p:txBody>
+          <a:bodyPr rtlCol="0" anchor="ctr"/>
+          <a:lstStyle/>
+          <a:p>
+            <a:pPr algn="ctr"/>
+            <a:r>
+              <a:rPr lang="zh-TW" altLang="en-US" dirty="0"/>
+              <a:t>人臉偵測</a:t>
+            </a:r>
+          </a:p>
+        </p:txBody>
+      </p:sp>
+      <p:sp>
+        <p:nvSpPr>
+          <p:cNvPr id="8" name="矩形 7">
+            <a:extLst>
+              <a:ext uri="{FF2B5EF4-FFF2-40B4-BE49-F238E27FC236}">
+                <a16:creationId xmlns:a16="http://schemas.microsoft.com/office/drawing/2014/main" id="{DA9BDF08-F2CF-44F4-BCE2-E7377583AB7D}"/>
+              </a:ext>
+            </a:extLst>
+          </p:cNvPr>
+          <p:cNvSpPr/>
+          <p:nvPr/>
+        </p:nvSpPr>
+        <p:spPr>
+          <a:xfrm>
+            <a:off x="7082618" y="2858957"/>
+            <a:ext cx="1178828" cy="627466"/>
+          </a:xfrm>
+          <a:prstGeom prst="rect">
+            <a:avLst/>
+          </a:prstGeom>
+          <a:solidFill>
+            <a:srgbClr val="D0CECE"/>
+          </a:solidFill>
+          <a:ln>
+            <a:noFill/>
+          </a:ln>
+        </p:spPr>
+        <p:style>
+          <a:lnRef idx="2">
+            <a:schemeClr val="accent1">
+              <a:shade val="50000"/>
+            </a:schemeClr>
+          </a:lnRef>
+          <a:fillRef idx="1">
+            <a:schemeClr val="accent1"/>
+          </a:fillRef>
+          <a:effectRef idx="0">
+            <a:schemeClr val="accent1"/>
+          </a:effectRef>
+          <a:fontRef idx="minor">
+            <a:schemeClr val="lt1"/>
+          </a:fontRef>
+        </p:style>
+        <p:txBody>
+          <a:bodyPr rtlCol="0" anchor="ctr"/>
+          <a:lstStyle/>
+          <a:p>
+            <a:pPr algn="ctr"/>
+            <a:r>
+              <a:rPr lang="zh-TW" altLang="en-US" dirty="0">
+                <a:latin typeface="微軟正黑體" panose="020B0604030504040204" pitchFamily="34" charset="-120"/>
+                <a:ea typeface="微軟正黑體" panose="020B0604030504040204" pitchFamily="34" charset="-120"/>
+              </a:rPr>
+              <a:t>圖片像素</a:t>
+            </a:r>
+          </a:p>
+          <a:p>
+            <a:pPr algn="ctr"/>
+            <a:r>
+              <a:rPr lang="zh-TW" altLang="en-US" dirty="0">
+                <a:latin typeface="微軟正黑體" panose="020B0604030504040204" pitchFamily="34" charset="-120"/>
+                <a:ea typeface="微軟正黑體" panose="020B0604030504040204" pitchFamily="34" charset="-120"/>
+              </a:rPr>
+              <a:t>統一</a:t>
+            </a:r>
+          </a:p>
+        </p:txBody>
+      </p:sp>
+      <p:sp>
+        <p:nvSpPr>
+          <p:cNvPr id="9" name="矩形 8">
+            <a:extLst>
+              <a:ext uri="{FF2B5EF4-FFF2-40B4-BE49-F238E27FC236}">
+                <a16:creationId xmlns:a16="http://schemas.microsoft.com/office/drawing/2014/main" id="{DB57530F-C888-4106-BA05-CC55898430B4}"/>
+              </a:ext>
+            </a:extLst>
+          </p:cNvPr>
+          <p:cNvSpPr/>
+          <p:nvPr/>
+        </p:nvSpPr>
+        <p:spPr>
+          <a:xfrm>
+            <a:off x="5007849" y="2858957"/>
+            <a:ext cx="1178828" cy="627466"/>
+          </a:xfrm>
+          <a:prstGeom prst="rect">
+            <a:avLst/>
+          </a:prstGeom>
+          <a:solidFill>
+            <a:srgbClr val="D0CECE"/>
+          </a:solidFill>
+          <a:ln>
+            <a:noFill/>
+          </a:ln>
+        </p:spPr>
+        <p:style>
+          <a:lnRef idx="2">
+            <a:schemeClr val="accent1">
+              <a:shade val="50000"/>
+            </a:schemeClr>
+          </a:lnRef>
+          <a:fillRef idx="1">
+            <a:schemeClr val="accent1"/>
+          </a:fillRef>
+          <a:effectRef idx="0">
+            <a:schemeClr val="accent1"/>
+          </a:effectRef>
+          <a:fontRef idx="minor">
+            <a:schemeClr val="lt1"/>
+          </a:fontRef>
+        </p:style>
+        <p:txBody>
+          <a:bodyPr rtlCol="0" anchor="ctr"/>
+          <a:lstStyle/>
+          <a:p>
+            <a:pPr algn="ctr"/>
+            <a:r>
+              <a:rPr lang="zh-TW" altLang="en-US" dirty="0"/>
+              <a:t>特徵擷取</a:t>
+            </a:r>
+          </a:p>
+        </p:txBody>
+      </p:sp>
+      <p:sp>
+        <p:nvSpPr>
+          <p:cNvPr id="10" name="矩形 9">
+            <a:extLst>
+              <a:ext uri="{FF2B5EF4-FFF2-40B4-BE49-F238E27FC236}">
+                <a16:creationId xmlns:a16="http://schemas.microsoft.com/office/drawing/2014/main" id="{CC621556-3BBD-4FC0-A01D-74E6694B007F}"/>
+              </a:ext>
+            </a:extLst>
+          </p:cNvPr>
+          <p:cNvSpPr/>
+          <p:nvPr/>
+        </p:nvSpPr>
+        <p:spPr>
+          <a:xfrm>
+            <a:off x="2887076" y="2851119"/>
+            <a:ext cx="1178828" cy="627466"/>
+          </a:xfrm>
+          <a:prstGeom prst="rect">
+            <a:avLst/>
+          </a:prstGeom>
+          <a:solidFill>
+            <a:srgbClr val="D0CECE"/>
+          </a:solidFill>
+          <a:ln>
+            <a:noFill/>
+          </a:ln>
+        </p:spPr>
+        <p:style>
+          <a:lnRef idx="2">
+            <a:schemeClr val="accent1">
+              <a:shade val="50000"/>
+            </a:schemeClr>
+          </a:lnRef>
+          <a:fillRef idx="1">
+            <a:schemeClr val="accent1"/>
+          </a:fillRef>
+          <a:effectRef idx="0">
+            <a:schemeClr val="accent1"/>
+          </a:effectRef>
+          <a:fontRef idx="minor">
+            <a:schemeClr val="lt1"/>
+          </a:fontRef>
+        </p:style>
+        <p:txBody>
+          <a:bodyPr rtlCol="0" anchor="ctr"/>
+          <a:lstStyle/>
+          <a:p>
+            <a:pPr algn="ctr"/>
+            <a:r>
+              <a:rPr lang="zh-TW" altLang="en-US" dirty="0"/>
+              <a:t>人臉辨識模型</a:t>
+            </a:r>
+          </a:p>
+        </p:txBody>
+      </p:sp>
+      <p:cxnSp>
+        <p:nvCxnSpPr>
+          <p:cNvPr id="12" name="直線單箭頭接點 11">
+            <a:extLst>
+              <a:ext uri="{FF2B5EF4-FFF2-40B4-BE49-F238E27FC236}">
+                <a16:creationId xmlns:a16="http://schemas.microsoft.com/office/drawing/2014/main" id="{149A8D69-7154-494F-8F22-6A54153AB842}"/>
+              </a:ext>
+            </a:extLst>
+          </p:cNvPr>
+          <p:cNvCxnSpPr>
+            <a:cxnSpLocks/>
+          </p:cNvCxnSpPr>
+          <p:nvPr/>
+        </p:nvCxnSpPr>
+        <p:spPr>
+          <a:xfrm>
+            <a:off x="3645905" y="1689410"/>
+            <a:ext cx="1331762" cy="0"/>
+          </a:xfrm>
+          <a:prstGeom prst="straightConnector1">
+            <a:avLst/>
+          </a:prstGeom>
+          <a:ln w="38100">
+            <a:tailEnd type="triangle"/>
+          </a:ln>
+        </p:spPr>
+        <p:style>
+          <a:lnRef idx="1">
+            <a:schemeClr val="accent1"/>
+          </a:lnRef>
+          <a:fillRef idx="0">
+            <a:schemeClr val="accent1"/>
+          </a:fillRef>
+          <a:effectRef idx="0">
+            <a:schemeClr val="accent1"/>
+          </a:effectRef>
+          <a:fontRef idx="minor">
+            <a:schemeClr val="tx1"/>
+          </a:fontRef>
+        </p:style>
+      </p:cxnSp>
+      <p:cxnSp>
+        <p:nvCxnSpPr>
+          <p:cNvPr id="14" name="直線單箭頭接點 13">
+            <a:extLst>
+              <a:ext uri="{FF2B5EF4-FFF2-40B4-BE49-F238E27FC236}">
+                <a16:creationId xmlns:a16="http://schemas.microsoft.com/office/drawing/2014/main" id="{1705C6D3-3690-4DCD-9989-5F774E558C36}"/>
+              </a:ext>
+            </a:extLst>
+          </p:cNvPr>
+          <p:cNvCxnSpPr>
+            <a:cxnSpLocks/>
+          </p:cNvCxnSpPr>
+          <p:nvPr/>
+        </p:nvCxnSpPr>
+        <p:spPr>
+          <a:xfrm>
+            <a:off x="3645905" y="1910737"/>
+            <a:ext cx="1331762" cy="0"/>
+          </a:xfrm>
+          <a:prstGeom prst="straightConnector1">
+            <a:avLst/>
+          </a:prstGeom>
+          <a:ln w="38100">
+            <a:tailEnd type="triangle"/>
+          </a:ln>
+        </p:spPr>
+        <p:style>
+          <a:lnRef idx="1">
+            <a:schemeClr val="accent1"/>
+          </a:lnRef>
+          <a:fillRef idx="0">
+            <a:schemeClr val="accent1"/>
+          </a:fillRef>
+          <a:effectRef idx="0">
+            <a:schemeClr val="accent1"/>
+          </a:effectRef>
+          <a:fontRef idx="minor">
+            <a:schemeClr val="tx1"/>
+          </a:fontRef>
+        </p:style>
+      </p:cxnSp>
+      <p:sp>
+        <p:nvSpPr>
+          <p:cNvPr id="15" name="文字方塊 14">
+            <a:extLst>
+              <a:ext uri="{FF2B5EF4-FFF2-40B4-BE49-F238E27FC236}">
+                <a16:creationId xmlns:a16="http://schemas.microsoft.com/office/drawing/2014/main" id="{44E3FB08-8EE2-44B3-92C7-385AFD4C6466}"/>
+              </a:ext>
+            </a:extLst>
+          </p:cNvPr>
+          <p:cNvSpPr txBox="1"/>
+          <p:nvPr/>
+        </p:nvSpPr>
+        <p:spPr>
+          <a:xfrm>
+            <a:off x="2570276" y="1440509"/>
+            <a:ext cx="1005403" cy="369332"/>
+          </a:xfrm>
+          <a:prstGeom prst="rect">
+            <a:avLst/>
+          </a:prstGeom>
+          <a:noFill/>
+        </p:spPr>
+        <p:txBody>
+          <a:bodyPr wrap="square" rtlCol="0">
+            <a:spAutoFit/>
+          </a:bodyPr>
+          <a:lstStyle/>
+          <a:p>
+            <a:r>
+              <a:rPr lang="en-US" altLang="zh-TW" dirty="0"/>
+              <a:t>Camera</a:t>
+            </a:r>
+            <a:endParaRPr lang="zh-TW" altLang="en-US" dirty="0"/>
+          </a:p>
+        </p:txBody>
+      </p:sp>
+      <p:sp>
+        <p:nvSpPr>
+          <p:cNvPr id="16" name="文字方塊 15">
+            <a:extLst>
+              <a:ext uri="{FF2B5EF4-FFF2-40B4-BE49-F238E27FC236}">
+                <a16:creationId xmlns:a16="http://schemas.microsoft.com/office/drawing/2014/main" id="{31F687A6-BC13-4200-A963-EDD6FA2B3D1C}"/>
+              </a:ext>
+            </a:extLst>
+          </p:cNvPr>
+          <p:cNvSpPr txBox="1"/>
+          <p:nvPr/>
+        </p:nvSpPr>
+        <p:spPr>
+          <a:xfrm>
+            <a:off x="1360170" y="1665347"/>
+            <a:ext cx="2326278" cy="369332"/>
+          </a:xfrm>
+          <a:prstGeom prst="rect">
+            <a:avLst/>
+          </a:prstGeom>
+          <a:noFill/>
+        </p:spPr>
+        <p:txBody>
+          <a:bodyPr wrap="square" rtlCol="0">
+            <a:spAutoFit/>
+          </a:bodyPr>
+          <a:lstStyle/>
+          <a:p>
+            <a:r>
+              <a:rPr lang="en-US" altLang="zh-TW" dirty="0"/>
+              <a:t>Personal information</a:t>
+            </a:r>
+            <a:endParaRPr lang="zh-TW" altLang="en-US" dirty="0"/>
+          </a:p>
+        </p:txBody>
+      </p:sp>
+      <p:cxnSp>
+        <p:nvCxnSpPr>
+          <p:cNvPr id="20" name="直線單箭頭接點 19">
+            <a:extLst>
+              <a:ext uri="{FF2B5EF4-FFF2-40B4-BE49-F238E27FC236}">
+                <a16:creationId xmlns:a16="http://schemas.microsoft.com/office/drawing/2014/main" id="{A9C0F4D9-BEE0-48A7-A6A9-26CFCA0A4EEE}"/>
+              </a:ext>
+            </a:extLst>
+          </p:cNvPr>
+          <p:cNvCxnSpPr>
+            <a:cxnSpLocks/>
+            <a:stCxn id="5" idx="3"/>
+            <a:endCxn id="7" idx="1"/>
+          </p:cNvCxnSpPr>
+          <p:nvPr/>
+        </p:nvCxnSpPr>
+        <p:spPr>
+          <a:xfrm>
+            <a:off x="6170855" y="1928151"/>
+            <a:ext cx="911763" cy="5833"/>
+          </a:xfrm>
+          <a:prstGeom prst="straightConnector1">
+            <a:avLst/>
+          </a:prstGeom>
+          <a:ln w="38100">
+            <a:tailEnd type="triangle"/>
+          </a:ln>
+        </p:spPr>
+        <p:style>
+          <a:lnRef idx="1">
+            <a:schemeClr val="accent1"/>
+          </a:lnRef>
+          <a:fillRef idx="0">
+            <a:schemeClr val="accent1"/>
+          </a:fillRef>
+          <a:effectRef idx="0">
+            <a:schemeClr val="accent1"/>
+          </a:effectRef>
+          <a:fontRef idx="minor">
+            <a:schemeClr val="tx1"/>
+          </a:fontRef>
+        </p:style>
+      </p:cxnSp>
+      <p:sp>
+        <p:nvSpPr>
+          <p:cNvPr id="24" name="文字方塊 23">
+            <a:extLst>
+              <a:ext uri="{FF2B5EF4-FFF2-40B4-BE49-F238E27FC236}">
+                <a16:creationId xmlns:a16="http://schemas.microsoft.com/office/drawing/2014/main" id="{2C24038C-CDB7-4862-9D75-397BA4A8538A}"/>
+              </a:ext>
+            </a:extLst>
+          </p:cNvPr>
+          <p:cNvSpPr txBox="1"/>
+          <p:nvPr/>
+        </p:nvSpPr>
+        <p:spPr>
+          <a:xfrm>
+            <a:off x="6230066" y="1480681"/>
+            <a:ext cx="825867" cy="369332"/>
+          </a:xfrm>
+          <a:prstGeom prst="rect">
+            <a:avLst/>
+          </a:prstGeom>
+          <a:noFill/>
+        </p:spPr>
+        <p:txBody>
+          <a:bodyPr wrap="square" rtlCol="0">
+            <a:spAutoFit/>
+          </a:bodyPr>
+          <a:lstStyle/>
+          <a:p>
+            <a:r>
+              <a:rPr lang="en-US" altLang="zh-TW" dirty="0"/>
+              <a:t>Image</a:t>
+            </a:r>
+            <a:endParaRPr lang="zh-TW" altLang="en-US" dirty="0"/>
+          </a:p>
+        </p:txBody>
+      </p:sp>
+      <p:cxnSp>
+        <p:nvCxnSpPr>
+          <p:cNvPr id="25" name="直線單箭頭接點 24">
+            <a:extLst>
+              <a:ext uri="{FF2B5EF4-FFF2-40B4-BE49-F238E27FC236}">
+                <a16:creationId xmlns:a16="http://schemas.microsoft.com/office/drawing/2014/main" id="{D81CF14E-C983-4864-BDE3-EEA6C1CBE7A9}"/>
+              </a:ext>
+            </a:extLst>
+          </p:cNvPr>
+          <p:cNvCxnSpPr>
+            <a:cxnSpLocks/>
+            <a:stCxn id="7" idx="2"/>
+            <a:endCxn id="8" idx="0"/>
+          </p:cNvCxnSpPr>
+          <p:nvPr/>
+        </p:nvCxnSpPr>
+        <p:spPr>
+          <a:xfrm>
+            <a:off x="7672032" y="2247717"/>
+            <a:ext cx="0" cy="611240"/>
+          </a:xfrm>
+          <a:prstGeom prst="straightConnector1">
+            <a:avLst/>
+          </a:prstGeom>
+          <a:ln w="38100">
+            <a:solidFill>
+              <a:srgbClr val="D0CECE"/>
+            </a:solidFill>
+            <a:tailEnd type="triangle"/>
+          </a:ln>
+        </p:spPr>
+        <p:style>
+          <a:lnRef idx="1">
+            <a:schemeClr val="accent1"/>
+          </a:lnRef>
+          <a:fillRef idx="0">
+            <a:schemeClr val="accent1"/>
+          </a:fillRef>
+          <a:effectRef idx="0">
+            <a:schemeClr val="accent1"/>
+          </a:effectRef>
+          <a:fontRef idx="minor">
+            <a:schemeClr val="tx1"/>
+          </a:fontRef>
+        </p:style>
+      </p:cxnSp>
+      <p:sp>
+        <p:nvSpPr>
+          <p:cNvPr id="28" name="文字方塊 27">
+            <a:extLst>
+              <a:ext uri="{FF2B5EF4-FFF2-40B4-BE49-F238E27FC236}">
+                <a16:creationId xmlns:a16="http://schemas.microsoft.com/office/drawing/2014/main" id="{32B86074-218E-47B8-8ED2-4420D69BA522}"/>
+              </a:ext>
+            </a:extLst>
+          </p:cNvPr>
+          <p:cNvSpPr txBox="1"/>
+          <p:nvPr/>
+        </p:nvSpPr>
+        <p:spPr>
+          <a:xfrm>
+            <a:off x="7750132" y="2378427"/>
+            <a:ext cx="1390124" cy="369332"/>
+          </a:xfrm>
+          <a:prstGeom prst="rect">
+            <a:avLst/>
+          </a:prstGeom>
+          <a:noFill/>
+        </p:spPr>
+        <p:txBody>
+          <a:bodyPr wrap="square" rtlCol="0">
+            <a:spAutoFit/>
+          </a:bodyPr>
+          <a:lstStyle/>
+          <a:p>
+            <a:r>
+              <a:rPr lang="en-US" altLang="zh-TW" dirty="0">
+                <a:solidFill>
+                  <a:schemeClr val="bg1">
+                    <a:lumMod val="85000"/>
+                  </a:schemeClr>
+                </a:solidFill>
+              </a:rPr>
+              <a:t>Face image</a:t>
+            </a:r>
+            <a:endParaRPr lang="zh-TW" altLang="en-US" dirty="0">
+              <a:solidFill>
+                <a:schemeClr val="bg1">
+                  <a:lumMod val="85000"/>
+                </a:schemeClr>
+              </a:solidFill>
+            </a:endParaRPr>
+          </a:p>
+        </p:txBody>
+      </p:sp>
+      <p:sp>
+        <p:nvSpPr>
+          <p:cNvPr id="29" name="文字方塊 28">
+            <a:extLst>
+              <a:ext uri="{FF2B5EF4-FFF2-40B4-BE49-F238E27FC236}">
+                <a16:creationId xmlns:a16="http://schemas.microsoft.com/office/drawing/2014/main" id="{947A44CC-400C-40ED-8AFC-F9C4BA5B9138}"/>
+              </a:ext>
+            </a:extLst>
+          </p:cNvPr>
+          <p:cNvSpPr txBox="1"/>
+          <p:nvPr/>
+        </p:nvSpPr>
+        <p:spPr>
+          <a:xfrm>
+            <a:off x="6221290" y="2568451"/>
+            <a:ext cx="1109601" cy="646331"/>
+          </a:xfrm>
+          <a:prstGeom prst="rect">
+            <a:avLst/>
+          </a:prstGeom>
+          <a:noFill/>
+          <a:ln>
+            <a:noFill/>
+          </a:ln>
+        </p:spPr>
+        <p:txBody>
+          <a:bodyPr wrap="square" rtlCol="0">
+            <a:spAutoFit/>
+          </a:bodyPr>
+          <a:lstStyle/>
+          <a:p>
+            <a:r>
+              <a:rPr lang="en-US" altLang="zh-TW" dirty="0">
+                <a:solidFill>
+                  <a:schemeClr val="bg1">
+                    <a:lumMod val="85000"/>
+                  </a:schemeClr>
+                </a:solidFill>
+              </a:rPr>
+              <a:t>Face image’</a:t>
+            </a:r>
+            <a:endParaRPr lang="zh-TW" altLang="en-US" dirty="0">
+              <a:solidFill>
+                <a:schemeClr val="bg1">
+                  <a:lumMod val="85000"/>
+                </a:schemeClr>
+              </a:solidFill>
+            </a:endParaRPr>
+          </a:p>
+        </p:txBody>
+      </p:sp>
+      <p:cxnSp>
+        <p:nvCxnSpPr>
+          <p:cNvPr id="30" name="直線單箭頭接點 29">
+            <a:extLst>
+              <a:ext uri="{FF2B5EF4-FFF2-40B4-BE49-F238E27FC236}">
+                <a16:creationId xmlns:a16="http://schemas.microsoft.com/office/drawing/2014/main" id="{9ED0B63C-20AE-4AEB-95A6-7F8E1864D604}"/>
+              </a:ext>
+            </a:extLst>
+          </p:cNvPr>
+          <p:cNvCxnSpPr>
+            <a:cxnSpLocks/>
+            <a:stCxn id="8" idx="1"/>
+            <a:endCxn id="9" idx="3"/>
+          </p:cNvCxnSpPr>
+          <p:nvPr/>
+        </p:nvCxnSpPr>
+        <p:spPr>
+          <a:xfrm flipH="1">
+            <a:off x="6186677" y="3172690"/>
+            <a:ext cx="895941" cy="0"/>
+          </a:xfrm>
+          <a:prstGeom prst="straightConnector1">
+            <a:avLst/>
+          </a:prstGeom>
+          <a:ln w="38100">
+            <a:solidFill>
+              <a:srgbClr val="D0CECE"/>
+            </a:solidFill>
+            <a:tailEnd type="triangle"/>
+          </a:ln>
+        </p:spPr>
+        <p:style>
+          <a:lnRef idx="1">
+            <a:schemeClr val="accent1"/>
+          </a:lnRef>
+          <a:fillRef idx="0">
+            <a:schemeClr val="accent1"/>
+          </a:fillRef>
+          <a:effectRef idx="0">
+            <a:schemeClr val="accent1"/>
+          </a:effectRef>
+          <a:fontRef idx="minor">
+            <a:schemeClr val="tx1"/>
+          </a:fontRef>
+        </p:style>
+      </p:cxnSp>
+      <p:cxnSp>
+        <p:nvCxnSpPr>
+          <p:cNvPr id="33" name="直線單箭頭接點 32">
+            <a:extLst>
+              <a:ext uri="{FF2B5EF4-FFF2-40B4-BE49-F238E27FC236}">
+                <a16:creationId xmlns:a16="http://schemas.microsoft.com/office/drawing/2014/main" id="{F78B425C-86C5-4F9D-AC4E-AE7D1651A360}"/>
+              </a:ext>
+            </a:extLst>
+          </p:cNvPr>
+          <p:cNvCxnSpPr>
+            <a:cxnSpLocks/>
+            <a:stCxn id="9" idx="1"/>
+            <a:endCxn id="10" idx="3"/>
+          </p:cNvCxnSpPr>
+          <p:nvPr/>
+        </p:nvCxnSpPr>
+        <p:spPr>
+          <a:xfrm flipH="1" flipV="1">
+            <a:off x="4065904" y="3164852"/>
+            <a:ext cx="941945" cy="7838"/>
+          </a:xfrm>
+          <a:prstGeom prst="straightConnector1">
+            <a:avLst/>
+          </a:prstGeom>
+          <a:ln w="38100">
+            <a:solidFill>
+              <a:srgbClr val="D0CECE"/>
+            </a:solidFill>
+            <a:tailEnd type="triangle"/>
+          </a:ln>
+        </p:spPr>
+        <p:style>
+          <a:lnRef idx="1">
+            <a:schemeClr val="accent1"/>
+          </a:lnRef>
+          <a:fillRef idx="0">
+            <a:schemeClr val="accent1"/>
+          </a:fillRef>
+          <a:effectRef idx="0">
+            <a:schemeClr val="accent1"/>
+          </a:effectRef>
+          <a:fontRef idx="minor">
+            <a:schemeClr val="tx1"/>
+          </a:fontRef>
+        </p:style>
+      </p:cxnSp>
+      <p:sp>
+        <p:nvSpPr>
+          <p:cNvPr id="36" name="矩形 35">
+            <a:extLst>
+              <a:ext uri="{FF2B5EF4-FFF2-40B4-BE49-F238E27FC236}">
+                <a16:creationId xmlns:a16="http://schemas.microsoft.com/office/drawing/2014/main" id="{026C14B8-3958-43F8-B6DD-2257FF978135}"/>
+              </a:ext>
+            </a:extLst>
+          </p:cNvPr>
+          <p:cNvSpPr/>
+          <p:nvPr/>
+        </p:nvSpPr>
+        <p:spPr>
+          <a:xfrm>
+            <a:off x="4036961" y="2787683"/>
+            <a:ext cx="979755" cy="369332"/>
+          </a:xfrm>
+          <a:prstGeom prst="rect">
+            <a:avLst/>
+          </a:prstGeom>
+        </p:spPr>
+        <p:txBody>
+          <a:bodyPr wrap="square">
+            <a:spAutoFit/>
+          </a:bodyPr>
+          <a:lstStyle/>
+          <a:p>
+            <a:r>
+              <a:rPr lang="en-US" altLang="zh-TW" dirty="0">
+                <a:solidFill>
+                  <a:schemeClr val="bg1">
+                    <a:lumMod val="85000"/>
+                  </a:schemeClr>
+                </a:solidFill>
+              </a:rPr>
+              <a:t>F</a:t>
+            </a:r>
+            <a:r>
+              <a:rPr lang="zh-TW" altLang="en-US" dirty="0">
+                <a:solidFill>
+                  <a:schemeClr val="bg1">
+                    <a:lumMod val="85000"/>
+                  </a:schemeClr>
+                </a:solidFill>
+              </a:rPr>
+              <a:t>eature</a:t>
+            </a:r>
+          </a:p>
+        </p:txBody>
+      </p:sp>
+      <p:cxnSp>
+        <p:nvCxnSpPr>
+          <p:cNvPr id="38" name="接點: 肘形 37">
+            <a:extLst>
+              <a:ext uri="{FF2B5EF4-FFF2-40B4-BE49-F238E27FC236}">
+                <a16:creationId xmlns:a16="http://schemas.microsoft.com/office/drawing/2014/main" id="{C38D2605-E8E4-4283-B485-720B7D397E05}"/>
+              </a:ext>
+            </a:extLst>
+          </p:cNvPr>
+          <p:cNvCxnSpPr>
+            <a:cxnSpLocks/>
+            <a:stCxn id="10" idx="0"/>
+          </p:cNvCxnSpPr>
+          <p:nvPr/>
+        </p:nvCxnSpPr>
+        <p:spPr>
+          <a:xfrm rot="5400000" flipH="1" flipV="1">
+            <a:off x="3863305" y="1736758"/>
+            <a:ext cx="727546" cy="1501177"/>
+          </a:xfrm>
+          <a:prstGeom prst="bentConnector2">
+            <a:avLst/>
+          </a:prstGeom>
+          <a:ln w="38100">
+            <a:solidFill>
+              <a:schemeClr val="accent1"/>
+            </a:solidFill>
+            <a:tailEnd type="triangle"/>
+          </a:ln>
+        </p:spPr>
+        <p:style>
+          <a:lnRef idx="1">
+            <a:schemeClr val="accent1"/>
+          </a:lnRef>
+          <a:fillRef idx="0">
+            <a:schemeClr val="accent1"/>
+          </a:fillRef>
+          <a:effectRef idx="0">
+            <a:schemeClr val="accent1"/>
+          </a:effectRef>
+          <a:fontRef idx="minor">
+            <a:schemeClr val="tx1"/>
+          </a:fontRef>
+        </p:style>
+      </p:cxnSp>
+      <p:sp>
+        <p:nvSpPr>
+          <p:cNvPr id="39" name="矩形 38">
+            <a:extLst>
+              <a:ext uri="{FF2B5EF4-FFF2-40B4-BE49-F238E27FC236}">
+                <a16:creationId xmlns:a16="http://schemas.microsoft.com/office/drawing/2014/main" id="{ABFC51CA-F231-4DBD-909D-54A3A2E33C67}"/>
+              </a:ext>
+            </a:extLst>
+          </p:cNvPr>
+          <p:cNvSpPr/>
+          <p:nvPr/>
+        </p:nvSpPr>
+        <p:spPr>
+          <a:xfrm>
+            <a:off x="2555477" y="1934800"/>
+            <a:ext cx="838691" cy="369332"/>
+          </a:xfrm>
+          <a:prstGeom prst="rect">
+            <a:avLst/>
+          </a:prstGeom>
+        </p:spPr>
+        <p:txBody>
+          <a:bodyPr wrap="square">
+            <a:spAutoFit/>
+          </a:bodyPr>
+          <a:lstStyle/>
+          <a:p>
+            <a:r>
+              <a:rPr lang="en-US" altLang="zh-TW" dirty="0"/>
+              <a:t>Result</a:t>
+            </a:r>
+            <a:endParaRPr lang="zh-TW" altLang="en-US" dirty="0"/>
+          </a:p>
+        </p:txBody>
+      </p:sp>
+      <p:graphicFrame>
+        <p:nvGraphicFramePr>
+          <p:cNvPr id="51" name="表格 51">
+            <a:extLst>
+              <a:ext uri="{FF2B5EF4-FFF2-40B4-BE49-F238E27FC236}">
+                <a16:creationId xmlns:a16="http://schemas.microsoft.com/office/drawing/2014/main" id="{4ABD8DF4-E164-46AD-B31D-C3BA556AC2FC}"/>
+              </a:ext>
+            </a:extLst>
+          </p:cNvPr>
+          <p:cNvGraphicFramePr>
+            <a:graphicFrameLocks noGrp="1"/>
+          </p:cNvGraphicFramePr>
+          <p:nvPr>
+            <p:extLst>
+              <p:ext uri="{D42A27DB-BD31-4B8C-83A1-F6EECF244321}">
+                <p14:modId xmlns:p14="http://schemas.microsoft.com/office/powerpoint/2010/main" val="440895437"/>
+              </p:ext>
+            </p:extLst>
+          </p:nvPr>
+        </p:nvGraphicFramePr>
+        <p:xfrm>
+          <a:off x="572169" y="4137025"/>
+          <a:ext cx="5411532" cy="2026920"/>
+        </p:xfrm>
+        <a:graphic>
+          <a:graphicData uri="http://schemas.openxmlformats.org/drawingml/2006/table">
+            <a:tbl>
+              <a:tblPr firstRow="1" bandRow="1">
+                <a:tableStyleId>{5C22544A-7EE6-4342-B048-85BDC9FD1C3A}</a:tableStyleId>
+              </a:tblPr>
+              <a:tblGrid>
+                <a:gridCol w="2705766">
+                  <a:extLst>
+                    <a:ext uri="{9D8B030D-6E8A-4147-A177-3AD203B41FA5}">
+                      <a16:colId xmlns:a16="http://schemas.microsoft.com/office/drawing/2014/main" val="1756241634"/>
+                    </a:ext>
+                  </a:extLst>
+                </a:gridCol>
+                <a:gridCol w="2705766">
+                  <a:extLst>
+                    <a:ext uri="{9D8B030D-6E8A-4147-A177-3AD203B41FA5}">
+                      <a16:colId xmlns:a16="http://schemas.microsoft.com/office/drawing/2014/main" val="2797482735"/>
+                    </a:ext>
+                  </a:extLst>
+                </a:gridCol>
+              </a:tblGrid>
+              <a:tr h="370840">
+                <a:tc>
+                  <a:txBody>
+                    <a:bodyPr/>
+                    <a:lstStyle/>
+                    <a:p>
+                      <a:r>
+                        <a:rPr lang="en-US" altLang="zh-TW" dirty="0"/>
+                        <a:t>Input</a:t>
+                      </a:r>
+                      <a:endParaRPr lang="zh-TW" altLang="en-US" dirty="0"/>
+                    </a:p>
+                  </a:txBody>
+                  <a:tcPr/>
+                </a:tc>
+                <a:tc>
+                  <a:txBody>
+                    <a:bodyPr/>
+                    <a:lstStyle/>
+                    <a:p>
+                      <a:r>
+                        <a:rPr lang="en-US" altLang="zh-TW" dirty="0"/>
+                        <a:t>Data structure</a:t>
+                      </a:r>
+                      <a:endParaRPr lang="zh-TW" altLang="en-US" dirty="0"/>
+                    </a:p>
+                  </a:txBody>
+                  <a:tcPr/>
+                </a:tc>
+                <a:extLst>
+                  <a:ext uri="{0D108BD9-81ED-4DB2-BD59-A6C34878D82A}">
+                    <a16:rowId xmlns:a16="http://schemas.microsoft.com/office/drawing/2014/main" val="266759645"/>
+                  </a:ext>
+                </a:extLst>
+              </a:tr>
+              <a:tr h="370840">
+                <a:tc>
+                  <a:txBody>
+                    <a:bodyPr/>
+                    <a:lstStyle/>
+                    <a:p>
+                      <a:r>
+                        <a:rPr lang="en-US" altLang="zh-TW" dirty="0">
+                          <a:solidFill>
+                            <a:schemeClr val="accent2">
+                              <a:lumMod val="75000"/>
+                            </a:schemeClr>
+                          </a:solidFill>
+                        </a:rPr>
+                        <a:t>Video </a:t>
+                      </a:r>
+                      <a:endParaRPr lang="zh-TW" altLang="en-US" dirty="0"/>
+                    </a:p>
+                  </a:txBody>
+                  <a:tcPr/>
+                </a:tc>
+                <a:tc>
+                  <a:txBody>
+                    <a:bodyPr/>
+                    <a:lstStyle/>
+                    <a:p>
+                      <a:pPr marL="0" marR="0" lvl="0" indent="0" algn="l" defTabSz="914400" rtl="0" eaLnBrk="1" fontAlgn="auto" latinLnBrk="0" hangingPunct="1">
+                        <a:lnSpc>
+                          <a:spcPct val="100000"/>
+                        </a:lnSpc>
+                        <a:spcBef>
+                          <a:spcPts val="0"/>
+                        </a:spcBef>
+                        <a:spcAft>
+                          <a:spcPts val="0"/>
+                        </a:spcAft>
+                        <a:buClrTx/>
+                        <a:buSzTx/>
+                        <a:buFontTx/>
+                        <a:buNone/>
+                        <a:tabLst/>
+                        <a:defRPr/>
+                      </a:pPr>
+                      <a:r>
+                        <a:rPr lang="en-US" altLang="zh-TW" dirty="0">
+                          <a:solidFill>
+                            <a:schemeClr val="accent1">
+                              <a:lumMod val="75000"/>
+                            </a:schemeClr>
+                          </a:solidFill>
+                        </a:rPr>
+                        <a:t>int</a:t>
+                      </a:r>
+                      <a:r>
+                        <a:rPr lang="en-US" altLang="zh-TW" dirty="0">
+                          <a:solidFill>
+                            <a:schemeClr val="accent6">
+                              <a:lumMod val="50000"/>
+                            </a:schemeClr>
+                          </a:solidFill>
+                        </a:rPr>
+                        <a:t> 1280</a:t>
+                      </a:r>
+                      <a:r>
+                        <a:rPr lang="en-US" altLang="zh-TW" dirty="0"/>
+                        <a:t>p*</a:t>
+                      </a:r>
+                      <a:r>
+                        <a:rPr lang="en-US" altLang="zh-TW" dirty="0">
+                          <a:solidFill>
+                            <a:schemeClr val="accent6">
+                              <a:lumMod val="50000"/>
+                            </a:schemeClr>
+                          </a:solidFill>
+                        </a:rPr>
+                        <a:t>720</a:t>
+                      </a:r>
+                      <a:r>
+                        <a:rPr lang="en-US" altLang="zh-TW" dirty="0"/>
+                        <a:t>p*</a:t>
+                      </a:r>
+                      <a:r>
+                        <a:rPr lang="en-US" altLang="zh-TW" dirty="0">
+                          <a:solidFill>
+                            <a:schemeClr val="accent6">
+                              <a:lumMod val="50000"/>
+                            </a:schemeClr>
+                          </a:solidFill>
+                        </a:rPr>
+                        <a:t>3</a:t>
+                      </a:r>
+                      <a:r>
+                        <a:rPr lang="en-US" altLang="zh-TW" dirty="0"/>
+                        <a:t>ch*</a:t>
+                      </a:r>
+                      <a:r>
+                        <a:rPr lang="en-US" altLang="zh-TW" dirty="0">
+                          <a:solidFill>
+                            <a:schemeClr val="accent6">
+                              <a:lumMod val="50000"/>
+                            </a:schemeClr>
+                          </a:solidFill>
+                        </a:rPr>
+                        <a:t>60</a:t>
+                      </a:r>
+                      <a:r>
+                        <a:rPr lang="en-US" altLang="zh-TW" dirty="0"/>
+                        <a:t>/s</a:t>
+                      </a:r>
+                    </a:p>
+                  </a:txBody>
+                  <a:tcPr/>
+                </a:tc>
+                <a:extLst>
+                  <a:ext uri="{0D108BD9-81ED-4DB2-BD59-A6C34878D82A}">
+                    <a16:rowId xmlns:a16="http://schemas.microsoft.com/office/drawing/2014/main" val="2052349725"/>
+                  </a:ext>
+                </a:extLst>
+              </a:tr>
+              <a:tr h="370840">
+                <a:tc>
+                  <a:txBody>
+                    <a:bodyPr/>
+                    <a:lstStyle/>
+                    <a:p>
+                      <a:r>
+                        <a:rPr lang="en-US" altLang="zh-TW" dirty="0">
+                          <a:solidFill>
+                            <a:schemeClr val="accent2">
+                              <a:lumMod val="75000"/>
+                            </a:schemeClr>
+                          </a:solidFill>
+                        </a:rPr>
+                        <a:t>Personal information </a:t>
+                      </a:r>
+                      <a:endParaRPr lang="zh-TW" altLang="en-US" dirty="0"/>
+                    </a:p>
+                  </a:txBody>
+                  <a:tcPr/>
+                </a:tc>
+                <a:tc>
+                  <a:txBody>
+                    <a:bodyPr/>
+                    <a:lstStyle/>
+                    <a:p>
+                      <a:pPr marL="0" marR="0" lvl="0" indent="0" algn="l" defTabSz="914400" rtl="0" eaLnBrk="1" fontAlgn="auto" latinLnBrk="0" hangingPunct="1">
+                        <a:lnSpc>
+                          <a:spcPct val="100000"/>
+                        </a:lnSpc>
+                        <a:spcBef>
+                          <a:spcPts val="0"/>
+                        </a:spcBef>
+                        <a:spcAft>
+                          <a:spcPts val="0"/>
+                        </a:spcAft>
+                        <a:buClrTx/>
+                        <a:buSzTx/>
+                        <a:buFontTx/>
+                        <a:buNone/>
+                        <a:tabLst/>
+                        <a:defRPr/>
+                      </a:pPr>
+                      <a:r>
+                        <a:rPr lang="en-US" altLang="zh-TW" dirty="0">
+                          <a:solidFill>
+                            <a:srgbClr val="0070C0"/>
+                          </a:solidFill>
+                        </a:rPr>
+                        <a:t>char</a:t>
+                      </a:r>
+                      <a:r>
+                        <a:rPr lang="en-US" altLang="zh-TW" dirty="0"/>
+                        <a:t> name </a:t>
+                      </a:r>
+                      <a:r>
+                        <a:rPr lang="en-US" altLang="zh-TW" dirty="0">
+                          <a:solidFill>
+                            <a:schemeClr val="accent6">
+                              <a:lumMod val="50000"/>
+                            </a:schemeClr>
+                          </a:solidFill>
+                        </a:rPr>
+                        <a:t>8</a:t>
+                      </a:r>
+                      <a:r>
+                        <a:rPr lang="en-US" altLang="zh-TW" dirty="0"/>
+                        <a:t>B*</a:t>
+                      </a:r>
+                      <a:r>
+                        <a:rPr lang="en-US" altLang="zh-TW" dirty="0">
+                          <a:solidFill>
+                            <a:schemeClr val="accent6">
+                              <a:lumMod val="50000"/>
+                            </a:schemeClr>
+                          </a:solidFill>
+                        </a:rPr>
+                        <a:t>3</a:t>
+                      </a:r>
+                      <a:r>
+                        <a:rPr lang="en-US" altLang="zh-TW" dirty="0"/>
+                        <a:t>*k</a:t>
+                      </a:r>
+                    </a:p>
+                    <a:p>
+                      <a:r>
+                        <a:rPr lang="en-US" altLang="zh-TW" dirty="0">
+                          <a:solidFill>
+                            <a:srgbClr val="0070C0"/>
+                          </a:solidFill>
+                        </a:rPr>
+                        <a:t>char</a:t>
+                      </a:r>
+                      <a:r>
+                        <a:rPr lang="en-US" altLang="zh-TW" dirty="0"/>
+                        <a:t> class </a:t>
+                      </a:r>
+                      <a:r>
+                        <a:rPr lang="en-US" altLang="zh-TW" dirty="0">
+                          <a:solidFill>
+                            <a:schemeClr val="accent6">
+                              <a:lumMod val="50000"/>
+                            </a:schemeClr>
+                          </a:solidFill>
+                        </a:rPr>
+                        <a:t>8</a:t>
+                      </a:r>
+                      <a:r>
+                        <a:rPr lang="en-US" altLang="zh-TW" dirty="0"/>
+                        <a:t>B*</a:t>
+                      </a:r>
+                      <a:r>
+                        <a:rPr lang="en-US" altLang="zh-TW" dirty="0">
+                          <a:solidFill>
+                            <a:schemeClr val="accent6">
+                              <a:lumMod val="50000"/>
+                            </a:schemeClr>
+                          </a:solidFill>
+                        </a:rPr>
+                        <a:t>4</a:t>
+                      </a:r>
+                      <a:r>
+                        <a:rPr lang="en-US" altLang="zh-TW" dirty="0"/>
+                        <a:t>*k</a:t>
+                      </a:r>
+                    </a:p>
+                    <a:p>
+                      <a:r>
+                        <a:rPr lang="en-US" altLang="zh-TW" dirty="0">
+                          <a:solidFill>
+                            <a:srgbClr val="0070C0"/>
+                          </a:solidFill>
+                        </a:rPr>
+                        <a:t>Int </a:t>
+                      </a:r>
+                      <a:r>
+                        <a:rPr lang="en-US" altLang="zh-TW" dirty="0"/>
+                        <a:t>ID </a:t>
+                      </a:r>
+                      <a:r>
+                        <a:rPr lang="en-US" altLang="zh-TW" dirty="0">
+                          <a:solidFill>
+                            <a:schemeClr val="accent6">
+                              <a:lumMod val="50000"/>
+                            </a:schemeClr>
+                          </a:solidFill>
+                        </a:rPr>
+                        <a:t>4</a:t>
+                      </a:r>
+                      <a:r>
+                        <a:rPr lang="en-US" altLang="zh-TW" dirty="0"/>
+                        <a:t>B*</a:t>
+                      </a:r>
+                      <a:r>
+                        <a:rPr lang="en-US" altLang="zh-TW" dirty="0">
+                          <a:solidFill>
+                            <a:schemeClr val="accent6">
+                              <a:lumMod val="50000"/>
+                            </a:schemeClr>
+                          </a:solidFill>
+                        </a:rPr>
+                        <a:t>7</a:t>
+                      </a:r>
+                      <a:r>
+                        <a:rPr lang="en-US" altLang="zh-TW" dirty="0"/>
+                        <a:t>*k </a:t>
+                      </a:r>
+                    </a:p>
+                  </a:txBody>
+                  <a:tcPr/>
+                </a:tc>
+                <a:extLst>
+                  <a:ext uri="{0D108BD9-81ED-4DB2-BD59-A6C34878D82A}">
+                    <a16:rowId xmlns:a16="http://schemas.microsoft.com/office/drawing/2014/main" val="1908825323"/>
+                  </a:ext>
+                </a:extLst>
+              </a:tr>
+              <a:tr h="370840">
+                <a:tc>
+                  <a:txBody>
+                    <a:bodyPr/>
+                    <a:lstStyle/>
+                    <a:p>
+                      <a:r>
+                        <a:rPr lang="en-US" altLang="zh-TW" dirty="0">
+                          <a:solidFill>
+                            <a:schemeClr val="accent2">
+                              <a:lumMod val="75000"/>
+                            </a:schemeClr>
+                          </a:solidFill>
+                        </a:rPr>
+                        <a:t>Result</a:t>
+                      </a:r>
+                      <a:endParaRPr lang="zh-TW" altLang="en-US" dirty="0"/>
+                    </a:p>
+                  </a:txBody>
+                  <a:tcPr/>
+                </a:tc>
+                <a:tc>
+                  <a:txBody>
+                    <a:bodyPr/>
+                    <a:lstStyle/>
+                    <a:p>
+                      <a:r>
+                        <a:rPr lang="en-US" altLang="zh-TW" dirty="0">
+                          <a:solidFill>
+                            <a:schemeClr val="accent1">
+                              <a:lumMod val="75000"/>
+                            </a:schemeClr>
+                          </a:solidFill>
+                        </a:rPr>
+                        <a:t>Boolean </a:t>
+                      </a:r>
+                      <a:r>
+                        <a:rPr lang="en-US" altLang="zh-TW" dirty="0"/>
+                        <a:t>k</a:t>
+                      </a:r>
+                      <a:endParaRPr lang="zh-TW" altLang="en-US" dirty="0">
+                        <a:solidFill>
+                          <a:schemeClr val="accent1">
+                            <a:lumMod val="75000"/>
+                          </a:schemeClr>
+                        </a:solidFill>
+                      </a:endParaRPr>
+                    </a:p>
+                  </a:txBody>
+                  <a:tcPr/>
+                </a:tc>
+                <a:extLst>
+                  <a:ext uri="{0D108BD9-81ED-4DB2-BD59-A6C34878D82A}">
+                    <a16:rowId xmlns:a16="http://schemas.microsoft.com/office/drawing/2014/main" val="343931970"/>
+                  </a:ext>
+                </a:extLst>
+              </a:tr>
+            </a:tbl>
+          </a:graphicData>
+        </a:graphic>
+      </p:graphicFrame>
+      <p:graphicFrame>
+        <p:nvGraphicFramePr>
+          <p:cNvPr id="53" name="表格 51">
+            <a:extLst>
+              <a:ext uri="{FF2B5EF4-FFF2-40B4-BE49-F238E27FC236}">
+                <a16:creationId xmlns:a16="http://schemas.microsoft.com/office/drawing/2014/main" id="{712E65C8-333D-4812-89B1-7977BEC40033}"/>
+              </a:ext>
+            </a:extLst>
+          </p:cNvPr>
+          <p:cNvGraphicFramePr>
+            <a:graphicFrameLocks noGrp="1"/>
+          </p:cNvGraphicFramePr>
+          <p:nvPr>
+            <p:extLst>
+              <p:ext uri="{D42A27DB-BD31-4B8C-83A1-F6EECF244321}">
+                <p14:modId xmlns:p14="http://schemas.microsoft.com/office/powerpoint/2010/main" val="1267457107"/>
+              </p:ext>
+            </p:extLst>
+          </p:nvPr>
+        </p:nvGraphicFramePr>
+        <p:xfrm>
+          <a:off x="6206867" y="4148808"/>
+          <a:ext cx="5411532" cy="741680"/>
+        </p:xfrm>
+        <a:graphic>
+          <a:graphicData uri="http://schemas.openxmlformats.org/drawingml/2006/table">
+            <a:tbl>
+              <a:tblPr firstRow="1" bandRow="1">
+                <a:tableStyleId>{073A0DAA-6AF3-43AB-8588-CEC1D06C72B9}</a:tableStyleId>
+              </a:tblPr>
+              <a:tblGrid>
+                <a:gridCol w="2705766">
+                  <a:extLst>
+                    <a:ext uri="{9D8B030D-6E8A-4147-A177-3AD203B41FA5}">
+                      <a16:colId xmlns:a16="http://schemas.microsoft.com/office/drawing/2014/main" val="1756241634"/>
+                    </a:ext>
+                  </a:extLst>
+                </a:gridCol>
+                <a:gridCol w="2705766">
+                  <a:extLst>
+                    <a:ext uri="{9D8B030D-6E8A-4147-A177-3AD203B41FA5}">
+                      <a16:colId xmlns:a16="http://schemas.microsoft.com/office/drawing/2014/main" val="2797482735"/>
+                    </a:ext>
+                  </a:extLst>
+                </a:gridCol>
+              </a:tblGrid>
+              <a:tr h="370840">
+                <a:tc>
+                  <a:txBody>
+                    <a:bodyPr/>
+                    <a:lstStyle/>
+                    <a:p>
+                      <a:r>
+                        <a:rPr lang="en-US" altLang="zh-TW" dirty="0"/>
+                        <a:t>Output</a:t>
+                      </a:r>
+                      <a:endParaRPr lang="zh-TW" altLang="en-US" dirty="0"/>
+                    </a:p>
+                  </a:txBody>
+                  <a:tcPr/>
+                </a:tc>
+                <a:tc>
+                  <a:txBody>
+                    <a:bodyPr/>
+                    <a:lstStyle/>
+                    <a:p>
+                      <a:r>
+                        <a:rPr lang="en-US" altLang="zh-TW" dirty="0"/>
+                        <a:t>Data structure</a:t>
+                      </a:r>
+                      <a:endParaRPr lang="zh-TW" altLang="en-US" dirty="0"/>
+                    </a:p>
+                  </a:txBody>
+                  <a:tcPr/>
+                </a:tc>
+                <a:extLst>
+                  <a:ext uri="{0D108BD9-81ED-4DB2-BD59-A6C34878D82A}">
+                    <a16:rowId xmlns:a16="http://schemas.microsoft.com/office/drawing/2014/main" val="266759645"/>
+                  </a:ext>
+                </a:extLst>
+              </a:tr>
+              <a:tr h="370840">
+                <a:tc>
+                  <a:txBody>
+                    <a:bodyPr/>
+                    <a:lstStyle/>
+                    <a:p>
+                      <a:r>
+                        <a:rPr lang="en-US" altLang="zh-TW" dirty="0">
+                          <a:solidFill>
+                            <a:schemeClr val="accent2">
+                              <a:lumMod val="75000"/>
+                            </a:schemeClr>
+                          </a:solidFill>
+                        </a:rPr>
+                        <a:t>Image</a:t>
+                      </a:r>
+                      <a:endParaRPr lang="zh-TW" altLang="en-US" dirty="0">
+                        <a:solidFill>
+                          <a:schemeClr val="accent2">
+                            <a:lumMod val="75000"/>
+                          </a:schemeClr>
+                        </a:solidFill>
+                      </a:endParaRPr>
+                    </a:p>
+                  </a:txBody>
+                  <a:tcPr/>
+                </a:tc>
+                <a:tc>
+                  <a:txBody>
+                    <a:bodyPr/>
+                    <a:lstStyle/>
+                    <a:p>
+                      <a:pPr marL="0" marR="0" lvl="0" indent="0" algn="l" defTabSz="914400" rtl="0" eaLnBrk="1" fontAlgn="auto" latinLnBrk="0" hangingPunct="1">
+                        <a:lnSpc>
+                          <a:spcPct val="100000"/>
+                        </a:lnSpc>
+                        <a:spcBef>
+                          <a:spcPts val="0"/>
+                        </a:spcBef>
+                        <a:spcAft>
+                          <a:spcPts val="0"/>
+                        </a:spcAft>
+                        <a:buClrTx/>
+                        <a:buSzTx/>
+                        <a:buFontTx/>
+                        <a:buNone/>
+                        <a:tabLst/>
+                        <a:defRPr/>
+                      </a:pPr>
+                      <a:r>
+                        <a:rPr lang="en-US" altLang="zh-TW" dirty="0">
+                          <a:solidFill>
+                            <a:schemeClr val="accent1">
+                              <a:lumMod val="75000"/>
+                            </a:schemeClr>
+                          </a:solidFill>
+                        </a:rPr>
+                        <a:t>Int</a:t>
+                      </a:r>
+                      <a:r>
+                        <a:rPr lang="en-US" altLang="zh-TW" dirty="0"/>
+                        <a:t> </a:t>
+                      </a:r>
+                      <a:r>
+                        <a:rPr lang="en-US" altLang="zh-TW" dirty="0">
+                          <a:solidFill>
+                            <a:schemeClr val="accent6">
+                              <a:lumMod val="50000"/>
+                            </a:schemeClr>
+                          </a:solidFill>
+                        </a:rPr>
+                        <a:t>1280</a:t>
+                      </a:r>
+                      <a:r>
+                        <a:rPr lang="en-US" altLang="zh-TW" dirty="0">
+                          <a:solidFill>
+                            <a:schemeClr val="tx1"/>
+                          </a:solidFill>
+                        </a:rPr>
+                        <a:t>p</a:t>
+                      </a:r>
+                      <a:r>
+                        <a:rPr lang="en-US" altLang="zh-TW" dirty="0"/>
+                        <a:t>*</a:t>
+                      </a:r>
+                      <a:r>
+                        <a:rPr lang="en-US" altLang="zh-TW" dirty="0">
+                          <a:solidFill>
+                            <a:schemeClr val="accent6">
+                              <a:lumMod val="50000"/>
+                            </a:schemeClr>
+                          </a:solidFill>
+                        </a:rPr>
+                        <a:t>720</a:t>
+                      </a:r>
+                      <a:r>
+                        <a:rPr lang="en-US" altLang="zh-TW" dirty="0">
+                          <a:solidFill>
+                            <a:schemeClr val="tx1"/>
+                          </a:solidFill>
+                        </a:rPr>
+                        <a:t>p</a:t>
+                      </a:r>
+                      <a:r>
+                        <a:rPr lang="en-US" altLang="zh-TW" dirty="0"/>
+                        <a:t>*</a:t>
+                      </a:r>
+                      <a:r>
+                        <a:rPr lang="en-US" altLang="zh-TW" dirty="0">
+                          <a:solidFill>
+                            <a:schemeClr val="accent6">
+                              <a:lumMod val="50000"/>
+                            </a:schemeClr>
+                          </a:solidFill>
+                        </a:rPr>
+                        <a:t>1</a:t>
+                      </a:r>
+                      <a:r>
+                        <a:rPr lang="en-US" altLang="zh-TW" dirty="0"/>
+                        <a:t>ch</a:t>
+                      </a:r>
+                    </a:p>
+                  </a:txBody>
+                  <a:tcPr/>
+                </a:tc>
+                <a:extLst>
+                  <a:ext uri="{0D108BD9-81ED-4DB2-BD59-A6C34878D82A}">
+                    <a16:rowId xmlns:a16="http://schemas.microsoft.com/office/drawing/2014/main" val="2052349725"/>
+                  </a:ext>
+                </a:extLst>
+              </a:tr>
+            </a:tbl>
+          </a:graphicData>
+        </a:graphic>
+      </p:graphicFrame>
+    </p:spTree>
+    <p:extLst>
+      <p:ext uri="{BB962C8B-B14F-4D97-AF65-F5344CB8AC3E}">
+        <p14:creationId xmlns:p14="http://schemas.microsoft.com/office/powerpoint/2010/main" val="1739883277"/>
+      </p:ext>
+    </p:extLst>
+  </p:cSld>
+  <p:clrMapOvr>
+    <a:masterClrMapping/>
+  </p:clrMapOvr>
+  <mc:AlternateContent xmlns:mc="http://schemas.openxmlformats.org/markup-compatibility/2006" xmlns:p14="http://schemas.microsoft.com/office/powerpoint/2010/main">
+    <mc:Choice Requires="p14">
+      <p:transition spd="slow" p14:dur="1300">
+        <p14:pan dir="u"/>
+      </p:transition>
+    </mc:Choice>
+    <mc:Fallback xmlns="">
+      <p:transition spd="slow">
+        <p:fade/>
+      </p:transition>
+    </mc:Fallback>
+  </mc:AlternateContent>
+</p:sld>
+</file>
+
+<file path=ppt/slides/slide13.xml><?xml version="1.0" encoding="utf-8"?>
+<p:sld xmlns:a="http://schemas.openxmlformats.org/drawingml/2006/main" xmlns:r="http://schemas.openxmlformats.org/officeDocument/2006/relationships" xmlns:p="http://schemas.openxmlformats.org/presentationml/2006/main">
+  <p:cSld>
+    <p:spTree>
+      <p:nvGrpSpPr>
+        <p:cNvPr id="1" name=""/>
+        <p:cNvGrpSpPr/>
+        <p:nvPr/>
+      </p:nvGrpSpPr>
+      <p:grpSpPr>
+        <a:xfrm>
+          <a:off x="0" y="0"/>
+          <a:ext cx="0" cy="0"/>
+          <a:chOff x="0" y="0"/>
+          <a:chExt cx="0" cy="0"/>
+        </a:xfrm>
+      </p:grpSpPr>
+      <p:pic>
+        <p:nvPicPr>
+          <p:cNvPr id="2" name="图片 1" descr="未标题-178"/>
+          <p:cNvPicPr>
+            <a:picLocks noChangeAspect="1"/>
+          </p:cNvPicPr>
+          <p:nvPr/>
+        </p:nvPicPr>
+        <p:blipFill>
+          <a:blip r:embed="rId2"/>
+          <a:srcRect t="3317" r="10893"/>
+          <a:stretch>
+            <a:fillRect/>
+          </a:stretch>
+        </p:blipFill>
+        <p:spPr>
+          <a:xfrm flipV="1">
+            <a:off x="10171430" y="5469890"/>
+            <a:ext cx="2020570" cy="1388110"/>
+          </a:xfrm>
+          <a:prstGeom prst="rect">
+            <a:avLst/>
+          </a:prstGeom>
+        </p:spPr>
+      </p:pic>
+      <p:pic>
+        <p:nvPicPr>
+          <p:cNvPr id="3" name="图片 2" descr="未标题-145"/>
+          <p:cNvPicPr>
+            <a:picLocks noChangeAspect="1"/>
+          </p:cNvPicPr>
+          <p:nvPr/>
+        </p:nvPicPr>
+        <p:blipFill>
+          <a:blip r:embed="rId3"/>
+          <a:stretch>
+            <a:fillRect/>
+          </a:stretch>
+        </p:blipFill>
+        <p:spPr>
+          <a:xfrm flipH="1" flipV="1">
+            <a:off x="0" y="0"/>
+            <a:ext cx="1360170" cy="775970"/>
+          </a:xfrm>
+          <a:prstGeom prst="rect">
+            <a:avLst/>
+          </a:prstGeom>
+        </p:spPr>
+      </p:pic>
+      <p:sp>
+        <p:nvSpPr>
+          <p:cNvPr id="6" name="文本框 5"/>
+          <p:cNvSpPr txBox="1"/>
+          <p:nvPr/>
+        </p:nvSpPr>
+        <p:spPr>
+          <a:xfrm>
+            <a:off x="1427480" y="158115"/>
+            <a:ext cx="1415772" cy="461665"/>
+          </a:xfrm>
+          <a:prstGeom prst="rect">
+            <a:avLst/>
+          </a:prstGeom>
+          <a:noFill/>
+        </p:spPr>
+        <p:txBody>
+          <a:bodyPr wrap="none" rtlCol="0">
+            <a:spAutoFit/>
+          </a:bodyPr>
+          <a:lstStyle/>
+          <a:p>
+            <a:r>
+              <a:rPr lang="zh-TW" altLang="en-US" sz="2400" b="1" dirty="0">
+                <a:solidFill>
+                  <a:srgbClr val="DE7F7E"/>
+                </a:solidFill>
+                <a:cs typeface="+mn-ea"/>
+                <a:sym typeface="+mn-lt"/>
+              </a:rPr>
+              <a:t>專案設計</a:t>
+            </a:r>
+            <a:endParaRPr lang="zh-CN" altLang="en-US" b="1" dirty="0">
+              <a:solidFill>
+                <a:srgbClr val="DE7F7E"/>
+              </a:solidFill>
+              <a:cs typeface="+mn-ea"/>
+              <a:sym typeface="+mn-lt"/>
+            </a:endParaRPr>
+          </a:p>
+        </p:txBody>
+      </p:sp>
+      <p:sp>
+        <p:nvSpPr>
+          <p:cNvPr id="5" name="矩形 4">
+            <a:extLst>
+              <a:ext uri="{FF2B5EF4-FFF2-40B4-BE49-F238E27FC236}">
+                <a16:creationId xmlns:a16="http://schemas.microsoft.com/office/drawing/2014/main" id="{66F99CA9-7671-4C95-9702-7B6F69AADC1A}"/>
+              </a:ext>
+            </a:extLst>
+          </p:cNvPr>
+          <p:cNvSpPr/>
+          <p:nvPr/>
+        </p:nvSpPr>
+        <p:spPr>
+          <a:xfrm>
+            <a:off x="4992027" y="1614418"/>
+            <a:ext cx="1178828" cy="627466"/>
+          </a:xfrm>
+          <a:prstGeom prst="rect">
+            <a:avLst/>
+          </a:prstGeom>
+          <a:solidFill>
+            <a:srgbClr val="D0CECE"/>
+          </a:solidFill>
+          <a:ln>
+            <a:noFill/>
+          </a:ln>
+        </p:spPr>
+        <p:style>
+          <a:lnRef idx="2">
+            <a:schemeClr val="accent1">
+              <a:shade val="50000"/>
+            </a:schemeClr>
+          </a:lnRef>
+          <a:fillRef idx="1">
+            <a:schemeClr val="accent1"/>
+          </a:fillRef>
+          <a:effectRef idx="0">
+            <a:schemeClr val="accent1"/>
+          </a:effectRef>
+          <a:fontRef idx="minor">
+            <a:schemeClr val="lt1"/>
+          </a:fontRef>
+        </p:style>
+        <p:txBody>
+          <a:bodyPr rtlCol="0" anchor="ctr"/>
+          <a:lstStyle/>
+          <a:p>
+            <a:pPr algn="ctr"/>
+            <a:r>
+              <a:rPr lang="zh-TW" altLang="en-US" dirty="0"/>
+              <a:t>視窗介面</a:t>
+            </a:r>
+          </a:p>
+        </p:txBody>
+      </p:sp>
+      <p:sp>
+        <p:nvSpPr>
+          <p:cNvPr id="7" name="矩形 6">
+            <a:extLst>
+              <a:ext uri="{FF2B5EF4-FFF2-40B4-BE49-F238E27FC236}">
+                <a16:creationId xmlns:a16="http://schemas.microsoft.com/office/drawing/2014/main" id="{E8187B2D-C729-49D4-BE80-A2657D7DA3E3}"/>
+              </a:ext>
+            </a:extLst>
+          </p:cNvPr>
+          <p:cNvSpPr/>
+          <p:nvPr/>
+        </p:nvSpPr>
+        <p:spPr>
+          <a:xfrm>
+            <a:off x="7082618" y="1620251"/>
+            <a:ext cx="1178828" cy="627466"/>
+          </a:xfrm>
+          <a:prstGeom prst="rect">
+            <a:avLst/>
+          </a:prstGeom>
+          <a:solidFill>
+            <a:schemeClr val="accent1"/>
+          </a:solidFill>
+          <a:ln>
+            <a:noFill/>
+          </a:ln>
+        </p:spPr>
+        <p:style>
+          <a:lnRef idx="2">
+            <a:schemeClr val="accent1">
+              <a:shade val="50000"/>
+            </a:schemeClr>
+          </a:lnRef>
+          <a:fillRef idx="1">
+            <a:schemeClr val="accent1"/>
+          </a:fillRef>
+          <a:effectRef idx="0">
+            <a:schemeClr val="accent1"/>
+          </a:effectRef>
+          <a:fontRef idx="minor">
+            <a:schemeClr val="lt1"/>
+          </a:fontRef>
+        </p:style>
+        <p:txBody>
+          <a:bodyPr rtlCol="0" anchor="ctr"/>
+          <a:lstStyle/>
+          <a:p>
+            <a:pPr algn="ctr"/>
+            <a:r>
+              <a:rPr lang="zh-TW" altLang="en-US" dirty="0"/>
+              <a:t>人臉偵測</a:t>
+            </a:r>
+          </a:p>
+        </p:txBody>
+      </p:sp>
+      <p:sp>
+        <p:nvSpPr>
+          <p:cNvPr id="8" name="矩形 7">
+            <a:extLst>
+              <a:ext uri="{FF2B5EF4-FFF2-40B4-BE49-F238E27FC236}">
+                <a16:creationId xmlns:a16="http://schemas.microsoft.com/office/drawing/2014/main" id="{DA9BDF08-F2CF-44F4-BCE2-E7377583AB7D}"/>
+              </a:ext>
+            </a:extLst>
+          </p:cNvPr>
+          <p:cNvSpPr/>
+          <p:nvPr/>
+        </p:nvSpPr>
+        <p:spPr>
+          <a:xfrm>
+            <a:off x="7082618" y="2858957"/>
+            <a:ext cx="1178828" cy="627466"/>
+          </a:xfrm>
+          <a:prstGeom prst="rect">
+            <a:avLst/>
+          </a:prstGeom>
+          <a:solidFill>
+            <a:srgbClr val="D0CECE"/>
+          </a:solidFill>
+          <a:ln>
+            <a:noFill/>
+          </a:ln>
+        </p:spPr>
+        <p:style>
+          <a:lnRef idx="2">
+            <a:schemeClr val="accent1">
+              <a:shade val="50000"/>
+            </a:schemeClr>
+          </a:lnRef>
+          <a:fillRef idx="1">
+            <a:schemeClr val="accent1"/>
+          </a:fillRef>
+          <a:effectRef idx="0">
+            <a:schemeClr val="accent1"/>
+          </a:effectRef>
+          <a:fontRef idx="minor">
+            <a:schemeClr val="lt1"/>
+          </a:fontRef>
+        </p:style>
+        <p:txBody>
+          <a:bodyPr rtlCol="0" anchor="ctr"/>
+          <a:lstStyle/>
+          <a:p>
+            <a:pPr algn="ctr"/>
+            <a:r>
+              <a:rPr lang="zh-TW" altLang="en-US" dirty="0">
+                <a:latin typeface="微軟正黑體" panose="020B0604030504040204" pitchFamily="34" charset="-120"/>
+                <a:ea typeface="微軟正黑體" panose="020B0604030504040204" pitchFamily="34" charset="-120"/>
+              </a:rPr>
+              <a:t>圖片像素</a:t>
+            </a:r>
+          </a:p>
+          <a:p>
+            <a:pPr algn="ctr"/>
+            <a:r>
+              <a:rPr lang="zh-TW" altLang="en-US" dirty="0">
+                <a:latin typeface="微軟正黑體" panose="020B0604030504040204" pitchFamily="34" charset="-120"/>
+                <a:ea typeface="微軟正黑體" panose="020B0604030504040204" pitchFamily="34" charset="-120"/>
+              </a:rPr>
+              <a:t>統一</a:t>
+            </a:r>
+          </a:p>
+        </p:txBody>
+      </p:sp>
+      <p:sp>
+        <p:nvSpPr>
+          <p:cNvPr id="9" name="矩形 8">
+            <a:extLst>
+              <a:ext uri="{FF2B5EF4-FFF2-40B4-BE49-F238E27FC236}">
+                <a16:creationId xmlns:a16="http://schemas.microsoft.com/office/drawing/2014/main" id="{DB57530F-C888-4106-BA05-CC55898430B4}"/>
+              </a:ext>
+            </a:extLst>
+          </p:cNvPr>
+          <p:cNvSpPr/>
+          <p:nvPr/>
+        </p:nvSpPr>
+        <p:spPr>
+          <a:xfrm>
+            <a:off x="5007849" y="2858957"/>
+            <a:ext cx="1178828" cy="627466"/>
+          </a:xfrm>
+          <a:prstGeom prst="rect">
+            <a:avLst/>
+          </a:prstGeom>
+          <a:solidFill>
+            <a:srgbClr val="D0CECE"/>
+          </a:solidFill>
+          <a:ln>
+            <a:noFill/>
+          </a:ln>
+        </p:spPr>
+        <p:style>
+          <a:lnRef idx="2">
+            <a:schemeClr val="accent1">
+              <a:shade val="50000"/>
+            </a:schemeClr>
+          </a:lnRef>
+          <a:fillRef idx="1">
+            <a:schemeClr val="accent1"/>
+          </a:fillRef>
+          <a:effectRef idx="0">
+            <a:schemeClr val="accent1"/>
+          </a:effectRef>
+          <a:fontRef idx="minor">
+            <a:schemeClr val="lt1"/>
+          </a:fontRef>
+        </p:style>
+        <p:txBody>
+          <a:bodyPr rtlCol="0" anchor="ctr"/>
+          <a:lstStyle/>
+          <a:p>
+            <a:pPr algn="ctr"/>
+            <a:r>
+              <a:rPr lang="zh-TW" altLang="en-US" dirty="0"/>
+              <a:t>特徵擷取</a:t>
+            </a:r>
+          </a:p>
+        </p:txBody>
+      </p:sp>
+      <p:sp>
+        <p:nvSpPr>
+          <p:cNvPr id="10" name="矩形 9">
+            <a:extLst>
+              <a:ext uri="{FF2B5EF4-FFF2-40B4-BE49-F238E27FC236}">
+                <a16:creationId xmlns:a16="http://schemas.microsoft.com/office/drawing/2014/main" id="{CC621556-3BBD-4FC0-A01D-74E6694B007F}"/>
+              </a:ext>
+            </a:extLst>
+          </p:cNvPr>
+          <p:cNvSpPr/>
+          <p:nvPr/>
+        </p:nvSpPr>
+        <p:spPr>
+          <a:xfrm>
+            <a:off x="2887076" y="2851119"/>
+            <a:ext cx="1178828" cy="627466"/>
+          </a:xfrm>
+          <a:prstGeom prst="rect">
+            <a:avLst/>
+          </a:prstGeom>
+          <a:solidFill>
+            <a:srgbClr val="D0CECE"/>
+          </a:solidFill>
+          <a:ln>
+            <a:noFill/>
+          </a:ln>
+        </p:spPr>
+        <p:style>
+          <a:lnRef idx="2">
+            <a:schemeClr val="accent1">
+              <a:shade val="50000"/>
+            </a:schemeClr>
+          </a:lnRef>
+          <a:fillRef idx="1">
+            <a:schemeClr val="accent1"/>
+          </a:fillRef>
+          <a:effectRef idx="0">
+            <a:schemeClr val="accent1"/>
+          </a:effectRef>
+          <a:fontRef idx="minor">
+            <a:schemeClr val="lt1"/>
+          </a:fontRef>
+        </p:style>
+        <p:txBody>
+          <a:bodyPr rtlCol="0" anchor="ctr"/>
+          <a:lstStyle/>
+          <a:p>
+            <a:pPr algn="ctr"/>
+            <a:r>
+              <a:rPr lang="zh-TW" altLang="en-US" dirty="0"/>
+              <a:t>人臉辨識模型</a:t>
+            </a:r>
+          </a:p>
+        </p:txBody>
+      </p:sp>
+      <p:cxnSp>
+        <p:nvCxnSpPr>
+          <p:cNvPr id="12" name="直線單箭頭接點 11">
+            <a:extLst>
+              <a:ext uri="{FF2B5EF4-FFF2-40B4-BE49-F238E27FC236}">
+                <a16:creationId xmlns:a16="http://schemas.microsoft.com/office/drawing/2014/main" id="{149A8D69-7154-494F-8F22-6A54153AB842}"/>
+              </a:ext>
+            </a:extLst>
+          </p:cNvPr>
+          <p:cNvCxnSpPr>
+            <a:cxnSpLocks/>
+          </p:cNvCxnSpPr>
+          <p:nvPr/>
+        </p:nvCxnSpPr>
+        <p:spPr>
+          <a:xfrm>
+            <a:off x="3645905" y="1689410"/>
+            <a:ext cx="1331762" cy="0"/>
+          </a:xfrm>
+          <a:prstGeom prst="straightConnector1">
+            <a:avLst/>
+          </a:prstGeom>
+          <a:ln w="38100">
+            <a:solidFill>
+              <a:schemeClr val="bg1">
+                <a:lumMod val="85000"/>
+              </a:schemeClr>
+            </a:solidFill>
+            <a:tailEnd type="triangle"/>
+          </a:ln>
+        </p:spPr>
+        <p:style>
+          <a:lnRef idx="1">
+            <a:schemeClr val="accent1"/>
+          </a:lnRef>
+          <a:fillRef idx="0">
+            <a:schemeClr val="accent1"/>
+          </a:fillRef>
+          <a:effectRef idx="0">
+            <a:schemeClr val="accent1"/>
+          </a:effectRef>
+          <a:fontRef idx="minor">
+            <a:schemeClr val="tx1"/>
+          </a:fontRef>
+        </p:style>
+      </p:cxnSp>
+      <p:cxnSp>
+        <p:nvCxnSpPr>
+          <p:cNvPr id="14" name="直線單箭頭接點 13">
+            <a:extLst>
+              <a:ext uri="{FF2B5EF4-FFF2-40B4-BE49-F238E27FC236}">
+                <a16:creationId xmlns:a16="http://schemas.microsoft.com/office/drawing/2014/main" id="{1705C6D3-3690-4DCD-9989-5F774E558C36}"/>
+              </a:ext>
+            </a:extLst>
+          </p:cNvPr>
+          <p:cNvCxnSpPr>
+            <a:cxnSpLocks/>
+          </p:cNvCxnSpPr>
+          <p:nvPr/>
+        </p:nvCxnSpPr>
+        <p:spPr>
+          <a:xfrm>
+            <a:off x="3645905" y="1910737"/>
+            <a:ext cx="1331762" cy="0"/>
+          </a:xfrm>
+          <a:prstGeom prst="straightConnector1">
+            <a:avLst/>
+          </a:prstGeom>
+          <a:ln w="38100">
+            <a:solidFill>
+              <a:schemeClr val="bg1">
+                <a:lumMod val="85000"/>
+              </a:schemeClr>
+            </a:solidFill>
+            <a:tailEnd type="triangle"/>
+          </a:ln>
+        </p:spPr>
+        <p:style>
+          <a:lnRef idx="1">
+            <a:schemeClr val="accent1"/>
+          </a:lnRef>
+          <a:fillRef idx="0">
+            <a:schemeClr val="accent1"/>
+          </a:fillRef>
+          <a:effectRef idx="0">
+            <a:schemeClr val="accent1"/>
+          </a:effectRef>
+          <a:fontRef idx="minor">
+            <a:schemeClr val="tx1"/>
+          </a:fontRef>
+        </p:style>
+      </p:cxnSp>
+      <p:sp>
+        <p:nvSpPr>
+          <p:cNvPr id="15" name="文字方塊 14">
+            <a:extLst>
+              <a:ext uri="{FF2B5EF4-FFF2-40B4-BE49-F238E27FC236}">
+                <a16:creationId xmlns:a16="http://schemas.microsoft.com/office/drawing/2014/main" id="{44E3FB08-8EE2-44B3-92C7-385AFD4C6466}"/>
+              </a:ext>
+            </a:extLst>
+          </p:cNvPr>
+          <p:cNvSpPr txBox="1"/>
+          <p:nvPr/>
+        </p:nvSpPr>
+        <p:spPr>
+          <a:xfrm>
+            <a:off x="2570276" y="1440509"/>
+            <a:ext cx="1005403" cy="369332"/>
+          </a:xfrm>
+          <a:prstGeom prst="rect">
+            <a:avLst/>
+          </a:prstGeom>
+          <a:noFill/>
+        </p:spPr>
+        <p:txBody>
+          <a:bodyPr wrap="square" rtlCol="0">
+            <a:spAutoFit/>
+          </a:bodyPr>
+          <a:lstStyle/>
+          <a:p>
+            <a:r>
+              <a:rPr lang="en-US" altLang="zh-TW" dirty="0">
+                <a:solidFill>
+                  <a:schemeClr val="bg1">
+                    <a:lumMod val="75000"/>
+                  </a:schemeClr>
+                </a:solidFill>
+              </a:rPr>
+              <a:t>Camera</a:t>
+            </a:r>
+            <a:endParaRPr lang="zh-TW" altLang="en-US" dirty="0">
+              <a:solidFill>
+                <a:schemeClr val="bg1">
+                  <a:lumMod val="75000"/>
+                </a:schemeClr>
+              </a:solidFill>
+            </a:endParaRPr>
+          </a:p>
+        </p:txBody>
+      </p:sp>
+      <p:sp>
+        <p:nvSpPr>
+          <p:cNvPr id="16" name="文字方塊 15">
+            <a:extLst>
+              <a:ext uri="{FF2B5EF4-FFF2-40B4-BE49-F238E27FC236}">
+                <a16:creationId xmlns:a16="http://schemas.microsoft.com/office/drawing/2014/main" id="{31F687A6-BC13-4200-A963-EDD6FA2B3D1C}"/>
+              </a:ext>
+            </a:extLst>
+          </p:cNvPr>
+          <p:cNvSpPr txBox="1"/>
+          <p:nvPr/>
+        </p:nvSpPr>
+        <p:spPr>
+          <a:xfrm>
+            <a:off x="1360170" y="1665347"/>
+            <a:ext cx="2326278" cy="369332"/>
+          </a:xfrm>
+          <a:prstGeom prst="rect">
+            <a:avLst/>
+          </a:prstGeom>
+          <a:noFill/>
+        </p:spPr>
+        <p:txBody>
+          <a:bodyPr wrap="square" rtlCol="0">
+            <a:spAutoFit/>
+          </a:bodyPr>
+          <a:lstStyle/>
+          <a:p>
+            <a:r>
+              <a:rPr lang="en-US" altLang="zh-TW" dirty="0">
+                <a:solidFill>
+                  <a:schemeClr val="bg1">
+                    <a:lumMod val="75000"/>
+                  </a:schemeClr>
+                </a:solidFill>
+              </a:rPr>
+              <a:t>Personal information</a:t>
+            </a:r>
+            <a:endParaRPr lang="zh-TW" altLang="en-US" dirty="0">
+              <a:solidFill>
+                <a:schemeClr val="bg1">
+                  <a:lumMod val="75000"/>
+                </a:schemeClr>
+              </a:solidFill>
+            </a:endParaRPr>
+          </a:p>
+        </p:txBody>
+      </p:sp>
+      <p:cxnSp>
+        <p:nvCxnSpPr>
+          <p:cNvPr id="20" name="直線單箭頭接點 19">
+            <a:extLst>
+              <a:ext uri="{FF2B5EF4-FFF2-40B4-BE49-F238E27FC236}">
+                <a16:creationId xmlns:a16="http://schemas.microsoft.com/office/drawing/2014/main" id="{A9C0F4D9-BEE0-48A7-A6A9-26CFCA0A4EEE}"/>
+              </a:ext>
+            </a:extLst>
+          </p:cNvPr>
+          <p:cNvCxnSpPr>
+            <a:cxnSpLocks/>
+            <a:stCxn id="5" idx="3"/>
+            <a:endCxn id="7" idx="1"/>
+          </p:cNvCxnSpPr>
+          <p:nvPr/>
+        </p:nvCxnSpPr>
+        <p:spPr>
+          <a:xfrm>
+            <a:off x="6170855" y="1928151"/>
+            <a:ext cx="911763" cy="5833"/>
+          </a:xfrm>
+          <a:prstGeom prst="straightConnector1">
+            <a:avLst/>
+          </a:prstGeom>
+          <a:ln w="38100">
+            <a:solidFill>
+              <a:schemeClr val="accent1"/>
+            </a:solidFill>
+            <a:tailEnd type="triangle"/>
+          </a:ln>
+        </p:spPr>
+        <p:style>
+          <a:lnRef idx="1">
+            <a:schemeClr val="accent1"/>
+          </a:lnRef>
+          <a:fillRef idx="0">
+            <a:schemeClr val="accent1"/>
+          </a:fillRef>
+          <a:effectRef idx="0">
+            <a:schemeClr val="accent1"/>
+          </a:effectRef>
+          <a:fontRef idx="minor">
+            <a:schemeClr val="tx1"/>
+          </a:fontRef>
+        </p:style>
+      </p:cxnSp>
+      <p:sp>
+        <p:nvSpPr>
+          <p:cNvPr id="24" name="文字方塊 23">
+            <a:extLst>
+              <a:ext uri="{FF2B5EF4-FFF2-40B4-BE49-F238E27FC236}">
+                <a16:creationId xmlns:a16="http://schemas.microsoft.com/office/drawing/2014/main" id="{2C24038C-CDB7-4862-9D75-397BA4A8538A}"/>
+              </a:ext>
+            </a:extLst>
+          </p:cNvPr>
+          <p:cNvSpPr txBox="1"/>
+          <p:nvPr/>
+        </p:nvSpPr>
+        <p:spPr>
+          <a:xfrm>
+            <a:off x="6230066" y="1480681"/>
+            <a:ext cx="825867" cy="369332"/>
+          </a:xfrm>
+          <a:prstGeom prst="rect">
+            <a:avLst/>
+          </a:prstGeom>
+          <a:noFill/>
+        </p:spPr>
+        <p:txBody>
+          <a:bodyPr wrap="square" rtlCol="0">
+            <a:spAutoFit/>
+          </a:bodyPr>
+          <a:lstStyle/>
+          <a:p>
+            <a:r>
+              <a:rPr lang="en-US" altLang="zh-TW" dirty="0"/>
+              <a:t>Image</a:t>
+            </a:r>
+            <a:endParaRPr lang="zh-TW" altLang="en-US" dirty="0"/>
+          </a:p>
+        </p:txBody>
+      </p:sp>
+      <p:cxnSp>
+        <p:nvCxnSpPr>
+          <p:cNvPr id="25" name="直線單箭頭接點 24">
+            <a:extLst>
+              <a:ext uri="{FF2B5EF4-FFF2-40B4-BE49-F238E27FC236}">
+                <a16:creationId xmlns:a16="http://schemas.microsoft.com/office/drawing/2014/main" id="{D81CF14E-C983-4864-BDE3-EEA6C1CBE7A9}"/>
+              </a:ext>
+            </a:extLst>
+          </p:cNvPr>
+          <p:cNvCxnSpPr>
+            <a:cxnSpLocks/>
+            <a:stCxn id="7" idx="2"/>
+            <a:endCxn id="8" idx="0"/>
+          </p:cNvCxnSpPr>
+          <p:nvPr/>
+        </p:nvCxnSpPr>
+        <p:spPr>
+          <a:xfrm>
+            <a:off x="7672032" y="2247717"/>
+            <a:ext cx="0" cy="611240"/>
+          </a:xfrm>
+          <a:prstGeom prst="straightConnector1">
+            <a:avLst/>
+          </a:prstGeom>
+          <a:ln w="38100">
+            <a:solidFill>
+              <a:schemeClr val="accent1"/>
+            </a:solidFill>
+            <a:tailEnd type="triangle"/>
+          </a:ln>
+        </p:spPr>
+        <p:style>
+          <a:lnRef idx="1">
+            <a:schemeClr val="accent1"/>
+          </a:lnRef>
+          <a:fillRef idx="0">
+            <a:schemeClr val="accent1"/>
+          </a:fillRef>
+          <a:effectRef idx="0">
+            <a:schemeClr val="accent1"/>
+          </a:effectRef>
+          <a:fontRef idx="minor">
+            <a:schemeClr val="tx1"/>
+          </a:fontRef>
+        </p:style>
+      </p:cxnSp>
+      <p:sp>
+        <p:nvSpPr>
+          <p:cNvPr id="28" name="文字方塊 27">
+            <a:extLst>
+              <a:ext uri="{FF2B5EF4-FFF2-40B4-BE49-F238E27FC236}">
+                <a16:creationId xmlns:a16="http://schemas.microsoft.com/office/drawing/2014/main" id="{32B86074-218E-47B8-8ED2-4420D69BA522}"/>
+              </a:ext>
+            </a:extLst>
+          </p:cNvPr>
+          <p:cNvSpPr txBox="1"/>
+          <p:nvPr/>
+        </p:nvSpPr>
+        <p:spPr>
+          <a:xfrm>
+            <a:off x="7750132" y="2378427"/>
+            <a:ext cx="1390124" cy="369332"/>
+          </a:xfrm>
+          <a:prstGeom prst="rect">
+            <a:avLst/>
+          </a:prstGeom>
+          <a:noFill/>
+        </p:spPr>
+        <p:txBody>
+          <a:bodyPr wrap="square" rtlCol="0">
+            <a:spAutoFit/>
+          </a:bodyPr>
+          <a:lstStyle/>
+          <a:p>
+            <a:r>
+              <a:rPr lang="en-US" altLang="zh-TW" dirty="0"/>
+              <a:t>Face image</a:t>
+            </a:r>
+            <a:endParaRPr lang="zh-TW" altLang="en-US" dirty="0"/>
+          </a:p>
+        </p:txBody>
+      </p:sp>
+      <p:sp>
+        <p:nvSpPr>
+          <p:cNvPr id="29" name="文字方塊 28">
+            <a:extLst>
+              <a:ext uri="{FF2B5EF4-FFF2-40B4-BE49-F238E27FC236}">
+                <a16:creationId xmlns:a16="http://schemas.microsoft.com/office/drawing/2014/main" id="{947A44CC-400C-40ED-8AFC-F9C4BA5B9138}"/>
+              </a:ext>
+            </a:extLst>
+          </p:cNvPr>
+          <p:cNvSpPr txBox="1"/>
+          <p:nvPr/>
+        </p:nvSpPr>
+        <p:spPr>
+          <a:xfrm>
+            <a:off x="6221290" y="2568451"/>
+            <a:ext cx="1109601" cy="646331"/>
+          </a:xfrm>
+          <a:prstGeom prst="rect">
+            <a:avLst/>
+          </a:prstGeom>
+          <a:noFill/>
+          <a:ln>
+            <a:noFill/>
+          </a:ln>
+        </p:spPr>
+        <p:txBody>
+          <a:bodyPr wrap="square" rtlCol="0">
+            <a:spAutoFit/>
+          </a:bodyPr>
+          <a:lstStyle/>
+          <a:p>
+            <a:r>
+              <a:rPr lang="en-US" altLang="zh-TW" dirty="0">
+                <a:solidFill>
+                  <a:schemeClr val="bg1">
+                    <a:lumMod val="85000"/>
+                  </a:schemeClr>
+                </a:solidFill>
+              </a:rPr>
+              <a:t>Face image’</a:t>
+            </a:r>
+            <a:endParaRPr lang="zh-TW" altLang="en-US" dirty="0">
+              <a:solidFill>
+                <a:schemeClr val="bg1">
+                  <a:lumMod val="85000"/>
+                </a:schemeClr>
+              </a:solidFill>
+            </a:endParaRPr>
+          </a:p>
+        </p:txBody>
+      </p:sp>
+      <p:cxnSp>
+        <p:nvCxnSpPr>
+          <p:cNvPr id="30" name="直線單箭頭接點 29">
+            <a:extLst>
+              <a:ext uri="{FF2B5EF4-FFF2-40B4-BE49-F238E27FC236}">
+                <a16:creationId xmlns:a16="http://schemas.microsoft.com/office/drawing/2014/main" id="{9ED0B63C-20AE-4AEB-95A6-7F8E1864D604}"/>
+              </a:ext>
+            </a:extLst>
+          </p:cNvPr>
+          <p:cNvCxnSpPr>
+            <a:cxnSpLocks/>
+            <a:stCxn id="8" idx="1"/>
+            <a:endCxn id="9" idx="3"/>
+          </p:cNvCxnSpPr>
+          <p:nvPr/>
+        </p:nvCxnSpPr>
+        <p:spPr>
+          <a:xfrm flipH="1">
+            <a:off x="6186677" y="3172690"/>
+            <a:ext cx="895941" cy="0"/>
+          </a:xfrm>
+          <a:prstGeom prst="straightConnector1">
+            <a:avLst/>
+          </a:prstGeom>
+          <a:ln w="38100">
+            <a:solidFill>
+              <a:srgbClr val="D0CECE"/>
+            </a:solidFill>
+            <a:tailEnd type="triangle"/>
+          </a:ln>
+        </p:spPr>
+        <p:style>
+          <a:lnRef idx="1">
+            <a:schemeClr val="accent1"/>
+          </a:lnRef>
+          <a:fillRef idx="0">
+            <a:schemeClr val="accent1"/>
+          </a:fillRef>
+          <a:effectRef idx="0">
+            <a:schemeClr val="accent1"/>
+          </a:effectRef>
+          <a:fontRef idx="minor">
+            <a:schemeClr val="tx1"/>
+          </a:fontRef>
+        </p:style>
+      </p:cxnSp>
+      <p:cxnSp>
+        <p:nvCxnSpPr>
+          <p:cNvPr id="33" name="直線單箭頭接點 32">
+            <a:extLst>
+              <a:ext uri="{FF2B5EF4-FFF2-40B4-BE49-F238E27FC236}">
+                <a16:creationId xmlns:a16="http://schemas.microsoft.com/office/drawing/2014/main" id="{F78B425C-86C5-4F9D-AC4E-AE7D1651A360}"/>
+              </a:ext>
+            </a:extLst>
+          </p:cNvPr>
+          <p:cNvCxnSpPr>
+            <a:cxnSpLocks/>
+            <a:stCxn id="9" idx="1"/>
+            <a:endCxn id="10" idx="3"/>
+          </p:cNvCxnSpPr>
+          <p:nvPr/>
+        </p:nvCxnSpPr>
+        <p:spPr>
+          <a:xfrm flipH="1" flipV="1">
+            <a:off x="4065904" y="3164852"/>
+            <a:ext cx="941945" cy="7838"/>
+          </a:xfrm>
+          <a:prstGeom prst="straightConnector1">
+            <a:avLst/>
+          </a:prstGeom>
+          <a:ln w="38100">
+            <a:solidFill>
+              <a:srgbClr val="D0CECE"/>
+            </a:solidFill>
+            <a:tailEnd type="triangle"/>
+          </a:ln>
+        </p:spPr>
+        <p:style>
+          <a:lnRef idx="1">
+            <a:schemeClr val="accent1"/>
+          </a:lnRef>
+          <a:fillRef idx="0">
+            <a:schemeClr val="accent1"/>
+          </a:fillRef>
+          <a:effectRef idx="0">
+            <a:schemeClr val="accent1"/>
+          </a:effectRef>
+          <a:fontRef idx="minor">
+            <a:schemeClr val="tx1"/>
+          </a:fontRef>
+        </p:style>
+      </p:cxnSp>
+      <p:sp>
+        <p:nvSpPr>
+          <p:cNvPr id="36" name="矩形 35">
+            <a:extLst>
+              <a:ext uri="{FF2B5EF4-FFF2-40B4-BE49-F238E27FC236}">
+                <a16:creationId xmlns:a16="http://schemas.microsoft.com/office/drawing/2014/main" id="{026C14B8-3958-43F8-B6DD-2257FF978135}"/>
+              </a:ext>
+            </a:extLst>
+          </p:cNvPr>
+          <p:cNvSpPr/>
+          <p:nvPr/>
+        </p:nvSpPr>
+        <p:spPr>
+          <a:xfrm>
+            <a:off x="4036961" y="2787683"/>
+            <a:ext cx="979755" cy="369332"/>
+          </a:xfrm>
+          <a:prstGeom prst="rect">
+            <a:avLst/>
+          </a:prstGeom>
+        </p:spPr>
+        <p:txBody>
+          <a:bodyPr wrap="square">
+            <a:spAutoFit/>
+          </a:bodyPr>
+          <a:lstStyle/>
+          <a:p>
+            <a:r>
+              <a:rPr lang="en-US" altLang="zh-TW" dirty="0">
+                <a:solidFill>
+                  <a:schemeClr val="bg1">
+                    <a:lumMod val="85000"/>
+                  </a:schemeClr>
+                </a:solidFill>
+              </a:rPr>
+              <a:t>F</a:t>
+            </a:r>
+            <a:r>
+              <a:rPr lang="zh-TW" altLang="en-US" dirty="0">
+                <a:solidFill>
+                  <a:schemeClr val="bg1">
+                    <a:lumMod val="85000"/>
+                  </a:schemeClr>
+                </a:solidFill>
+              </a:rPr>
+              <a:t>eature</a:t>
+            </a:r>
+          </a:p>
+        </p:txBody>
+      </p:sp>
+      <p:cxnSp>
+        <p:nvCxnSpPr>
+          <p:cNvPr id="38" name="接點: 肘形 37">
+            <a:extLst>
+              <a:ext uri="{FF2B5EF4-FFF2-40B4-BE49-F238E27FC236}">
+                <a16:creationId xmlns:a16="http://schemas.microsoft.com/office/drawing/2014/main" id="{C38D2605-E8E4-4283-B485-720B7D397E05}"/>
+              </a:ext>
+            </a:extLst>
+          </p:cNvPr>
+          <p:cNvCxnSpPr>
+            <a:cxnSpLocks/>
+            <a:stCxn id="10" idx="0"/>
+          </p:cNvCxnSpPr>
+          <p:nvPr/>
+        </p:nvCxnSpPr>
+        <p:spPr>
+          <a:xfrm rot="5400000" flipH="1" flipV="1">
+            <a:off x="3863305" y="1736758"/>
+            <a:ext cx="727546" cy="1501177"/>
+          </a:xfrm>
+          <a:prstGeom prst="bentConnector2">
+            <a:avLst/>
+          </a:prstGeom>
+          <a:ln w="38100">
+            <a:solidFill>
+              <a:schemeClr val="bg1">
+                <a:lumMod val="85000"/>
+              </a:schemeClr>
+            </a:solidFill>
+            <a:tailEnd type="triangle"/>
+          </a:ln>
+        </p:spPr>
+        <p:style>
+          <a:lnRef idx="1">
+            <a:schemeClr val="accent1"/>
+          </a:lnRef>
+          <a:fillRef idx="0">
+            <a:schemeClr val="accent1"/>
+          </a:fillRef>
+          <a:effectRef idx="0">
+            <a:schemeClr val="accent1"/>
+          </a:effectRef>
+          <a:fontRef idx="minor">
+            <a:schemeClr val="tx1"/>
+          </a:fontRef>
+        </p:style>
+      </p:cxnSp>
+      <p:sp>
+        <p:nvSpPr>
+          <p:cNvPr id="39" name="矩形 38">
+            <a:extLst>
+              <a:ext uri="{FF2B5EF4-FFF2-40B4-BE49-F238E27FC236}">
+                <a16:creationId xmlns:a16="http://schemas.microsoft.com/office/drawing/2014/main" id="{ABFC51CA-F231-4DBD-909D-54A3A2E33C67}"/>
+              </a:ext>
+            </a:extLst>
+          </p:cNvPr>
+          <p:cNvSpPr/>
+          <p:nvPr/>
+        </p:nvSpPr>
+        <p:spPr>
+          <a:xfrm>
+            <a:off x="2555477" y="1934800"/>
+            <a:ext cx="838691" cy="369332"/>
+          </a:xfrm>
+          <a:prstGeom prst="rect">
+            <a:avLst/>
+          </a:prstGeom>
+        </p:spPr>
+        <p:txBody>
+          <a:bodyPr wrap="square">
+            <a:spAutoFit/>
+          </a:bodyPr>
+          <a:lstStyle/>
+          <a:p>
+            <a:r>
+              <a:rPr lang="en-US" altLang="zh-TW" dirty="0">
+                <a:solidFill>
+                  <a:schemeClr val="bg1">
+                    <a:lumMod val="75000"/>
+                  </a:schemeClr>
+                </a:solidFill>
+              </a:rPr>
+              <a:t>Result</a:t>
+            </a:r>
+            <a:endParaRPr lang="zh-TW" altLang="en-US" dirty="0">
+              <a:solidFill>
+                <a:schemeClr val="bg1">
+                  <a:lumMod val="75000"/>
+                </a:schemeClr>
+              </a:solidFill>
+            </a:endParaRPr>
+          </a:p>
+        </p:txBody>
+      </p:sp>
+      <p:graphicFrame>
+        <p:nvGraphicFramePr>
+          <p:cNvPr id="51" name="表格 51">
+            <a:extLst>
+              <a:ext uri="{FF2B5EF4-FFF2-40B4-BE49-F238E27FC236}">
+                <a16:creationId xmlns:a16="http://schemas.microsoft.com/office/drawing/2014/main" id="{4ABD8DF4-E164-46AD-B31D-C3BA556AC2FC}"/>
+              </a:ext>
+            </a:extLst>
+          </p:cNvPr>
+          <p:cNvGraphicFramePr>
+            <a:graphicFrameLocks noGrp="1"/>
+          </p:cNvGraphicFramePr>
+          <p:nvPr>
+            <p:extLst>
+              <p:ext uri="{D42A27DB-BD31-4B8C-83A1-F6EECF244321}">
+                <p14:modId xmlns:p14="http://schemas.microsoft.com/office/powerpoint/2010/main" val="1391836885"/>
+              </p:ext>
+            </p:extLst>
+          </p:nvPr>
+        </p:nvGraphicFramePr>
+        <p:xfrm>
+          <a:off x="572169" y="4137025"/>
+          <a:ext cx="5411532" cy="741680"/>
+        </p:xfrm>
+        <a:graphic>
+          <a:graphicData uri="http://schemas.openxmlformats.org/drawingml/2006/table">
+            <a:tbl>
+              <a:tblPr firstRow="1" bandRow="1">
+                <a:tableStyleId>{5C22544A-7EE6-4342-B048-85BDC9FD1C3A}</a:tableStyleId>
+              </a:tblPr>
+              <a:tblGrid>
+                <a:gridCol w="2705766">
+                  <a:extLst>
+                    <a:ext uri="{9D8B030D-6E8A-4147-A177-3AD203B41FA5}">
+                      <a16:colId xmlns:a16="http://schemas.microsoft.com/office/drawing/2014/main" val="1756241634"/>
+                    </a:ext>
+                  </a:extLst>
+                </a:gridCol>
+                <a:gridCol w="2705766">
+                  <a:extLst>
+                    <a:ext uri="{9D8B030D-6E8A-4147-A177-3AD203B41FA5}">
+                      <a16:colId xmlns:a16="http://schemas.microsoft.com/office/drawing/2014/main" val="2797482735"/>
+                    </a:ext>
+                  </a:extLst>
+                </a:gridCol>
+              </a:tblGrid>
+              <a:tr h="370840">
+                <a:tc>
+                  <a:txBody>
+                    <a:bodyPr/>
+                    <a:lstStyle/>
+                    <a:p>
+                      <a:r>
+                        <a:rPr lang="en-US" altLang="zh-TW" dirty="0"/>
+                        <a:t>Input</a:t>
+                      </a:r>
+                      <a:endParaRPr lang="zh-TW" altLang="en-US" dirty="0"/>
+                    </a:p>
+                  </a:txBody>
+                  <a:tcPr/>
+                </a:tc>
+                <a:tc>
+                  <a:txBody>
+                    <a:bodyPr/>
+                    <a:lstStyle/>
+                    <a:p>
+                      <a:r>
+                        <a:rPr lang="en-US" altLang="zh-TW" dirty="0"/>
+                        <a:t>Data structure</a:t>
+                      </a:r>
+                      <a:endParaRPr lang="zh-TW" altLang="en-US" dirty="0"/>
+                    </a:p>
+                  </a:txBody>
+                  <a:tcPr/>
+                </a:tc>
+                <a:extLst>
+                  <a:ext uri="{0D108BD9-81ED-4DB2-BD59-A6C34878D82A}">
+                    <a16:rowId xmlns:a16="http://schemas.microsoft.com/office/drawing/2014/main" val="266759645"/>
+                  </a:ext>
+                </a:extLst>
+              </a:tr>
+              <a:tr h="370840">
+                <a:tc>
+                  <a:txBody>
+                    <a:bodyPr/>
+                    <a:lstStyle/>
+                    <a:p>
+                      <a:r>
+                        <a:rPr lang="en-US" altLang="zh-TW" dirty="0">
+                          <a:solidFill>
+                            <a:schemeClr val="accent2">
+                              <a:lumMod val="75000"/>
+                            </a:schemeClr>
+                          </a:solidFill>
+                        </a:rPr>
+                        <a:t>Image</a:t>
+                      </a:r>
+                      <a:endParaRPr lang="zh-TW" altLang="en-US" dirty="0">
+                        <a:solidFill>
+                          <a:schemeClr val="accent2">
+                            <a:lumMod val="75000"/>
+                          </a:schemeClr>
+                        </a:solidFill>
+                      </a:endParaRPr>
+                    </a:p>
+                  </a:txBody>
+                  <a:tcPr/>
+                </a:tc>
+                <a:tc>
+                  <a:txBody>
+                    <a:bodyPr/>
+                    <a:lstStyle/>
+                    <a:p>
+                      <a:pPr marL="0" marR="0" lvl="0" indent="0" algn="l" defTabSz="914400" rtl="0" eaLnBrk="1" fontAlgn="auto" latinLnBrk="0" hangingPunct="1">
+                        <a:lnSpc>
+                          <a:spcPct val="100000"/>
+                        </a:lnSpc>
+                        <a:spcBef>
+                          <a:spcPts val="0"/>
+                        </a:spcBef>
+                        <a:spcAft>
+                          <a:spcPts val="0"/>
+                        </a:spcAft>
+                        <a:buClrTx/>
+                        <a:buSzTx/>
+                        <a:buFontTx/>
+                        <a:buNone/>
+                        <a:tabLst/>
+                        <a:defRPr/>
+                      </a:pPr>
+                      <a:r>
+                        <a:rPr lang="en-US" altLang="zh-TW" dirty="0">
+                          <a:solidFill>
+                            <a:schemeClr val="accent1">
+                              <a:lumMod val="75000"/>
+                            </a:schemeClr>
+                          </a:solidFill>
+                        </a:rPr>
+                        <a:t>Int</a:t>
+                      </a:r>
+                      <a:r>
+                        <a:rPr lang="en-US" altLang="zh-TW" dirty="0"/>
+                        <a:t> </a:t>
+                      </a:r>
+                      <a:r>
+                        <a:rPr lang="en-US" altLang="zh-TW" dirty="0">
+                          <a:solidFill>
+                            <a:schemeClr val="accent6">
+                              <a:lumMod val="50000"/>
+                            </a:schemeClr>
+                          </a:solidFill>
+                        </a:rPr>
+                        <a:t>1280</a:t>
+                      </a:r>
+                      <a:r>
+                        <a:rPr lang="en-US" altLang="zh-TW" dirty="0">
+                          <a:solidFill>
+                            <a:schemeClr val="tx1"/>
+                          </a:solidFill>
+                        </a:rPr>
+                        <a:t>p</a:t>
+                      </a:r>
+                      <a:r>
+                        <a:rPr lang="en-US" altLang="zh-TW" dirty="0"/>
+                        <a:t>*</a:t>
+                      </a:r>
+                      <a:r>
+                        <a:rPr lang="en-US" altLang="zh-TW" dirty="0">
+                          <a:solidFill>
+                            <a:schemeClr val="accent6">
+                              <a:lumMod val="50000"/>
+                            </a:schemeClr>
+                          </a:solidFill>
+                        </a:rPr>
+                        <a:t>720</a:t>
+                      </a:r>
+                      <a:r>
+                        <a:rPr lang="en-US" altLang="zh-TW" dirty="0">
+                          <a:solidFill>
+                            <a:schemeClr val="tx1"/>
+                          </a:solidFill>
+                        </a:rPr>
+                        <a:t>p</a:t>
+                      </a:r>
+                      <a:r>
+                        <a:rPr lang="en-US" altLang="zh-TW" dirty="0"/>
+                        <a:t>*</a:t>
+                      </a:r>
+                      <a:r>
+                        <a:rPr lang="en-US" altLang="zh-TW" dirty="0">
+                          <a:solidFill>
+                            <a:schemeClr val="accent6">
+                              <a:lumMod val="50000"/>
+                            </a:schemeClr>
+                          </a:solidFill>
+                        </a:rPr>
+                        <a:t>1</a:t>
+                      </a:r>
+                      <a:r>
+                        <a:rPr lang="en-US" altLang="zh-TW" dirty="0"/>
+                        <a:t>ch</a:t>
+                      </a:r>
+                    </a:p>
+                  </a:txBody>
+                  <a:tcPr/>
+                </a:tc>
+                <a:extLst>
+                  <a:ext uri="{0D108BD9-81ED-4DB2-BD59-A6C34878D82A}">
+                    <a16:rowId xmlns:a16="http://schemas.microsoft.com/office/drawing/2014/main" val="2052349725"/>
+                  </a:ext>
+                </a:extLst>
+              </a:tr>
+            </a:tbl>
+          </a:graphicData>
+        </a:graphic>
+      </p:graphicFrame>
+      <p:graphicFrame>
+        <p:nvGraphicFramePr>
+          <p:cNvPr id="53" name="表格 51">
+            <a:extLst>
+              <a:ext uri="{FF2B5EF4-FFF2-40B4-BE49-F238E27FC236}">
+                <a16:creationId xmlns:a16="http://schemas.microsoft.com/office/drawing/2014/main" id="{712E65C8-333D-4812-89B1-7977BEC40033}"/>
+              </a:ext>
+            </a:extLst>
+          </p:cNvPr>
+          <p:cNvGraphicFramePr>
+            <a:graphicFrameLocks noGrp="1"/>
+          </p:cNvGraphicFramePr>
+          <p:nvPr>
+            <p:extLst>
+              <p:ext uri="{D42A27DB-BD31-4B8C-83A1-F6EECF244321}">
+                <p14:modId xmlns:p14="http://schemas.microsoft.com/office/powerpoint/2010/main" val="1174824642"/>
+              </p:ext>
+            </p:extLst>
+          </p:nvPr>
+        </p:nvGraphicFramePr>
+        <p:xfrm>
+          <a:off x="6206867" y="4148808"/>
+          <a:ext cx="5411532" cy="741680"/>
+        </p:xfrm>
+        <a:graphic>
+          <a:graphicData uri="http://schemas.openxmlformats.org/drawingml/2006/table">
+            <a:tbl>
+              <a:tblPr firstRow="1" bandRow="1">
+                <a:tableStyleId>{073A0DAA-6AF3-43AB-8588-CEC1D06C72B9}</a:tableStyleId>
+              </a:tblPr>
+              <a:tblGrid>
+                <a:gridCol w="2705766">
+                  <a:extLst>
+                    <a:ext uri="{9D8B030D-6E8A-4147-A177-3AD203B41FA5}">
+                      <a16:colId xmlns:a16="http://schemas.microsoft.com/office/drawing/2014/main" val="1756241634"/>
+                    </a:ext>
+                  </a:extLst>
+                </a:gridCol>
+                <a:gridCol w="2705766">
+                  <a:extLst>
+                    <a:ext uri="{9D8B030D-6E8A-4147-A177-3AD203B41FA5}">
+                      <a16:colId xmlns:a16="http://schemas.microsoft.com/office/drawing/2014/main" val="2797482735"/>
+                    </a:ext>
+                  </a:extLst>
+                </a:gridCol>
+              </a:tblGrid>
+              <a:tr h="370840">
+                <a:tc>
+                  <a:txBody>
+                    <a:bodyPr/>
+                    <a:lstStyle/>
+                    <a:p>
+                      <a:r>
+                        <a:rPr lang="en-US" altLang="zh-TW" dirty="0"/>
+                        <a:t>Output</a:t>
+                      </a:r>
+                      <a:endParaRPr lang="zh-TW" altLang="en-US" dirty="0"/>
+                    </a:p>
+                  </a:txBody>
+                  <a:tcPr/>
+                </a:tc>
+                <a:tc>
+                  <a:txBody>
+                    <a:bodyPr/>
+                    <a:lstStyle/>
+                    <a:p>
+                      <a:r>
+                        <a:rPr lang="en-US" altLang="zh-TW" dirty="0"/>
+                        <a:t>Data structure</a:t>
+                      </a:r>
+                      <a:endParaRPr lang="zh-TW" altLang="en-US" dirty="0"/>
+                    </a:p>
+                  </a:txBody>
+                  <a:tcPr/>
+                </a:tc>
+                <a:extLst>
+                  <a:ext uri="{0D108BD9-81ED-4DB2-BD59-A6C34878D82A}">
+                    <a16:rowId xmlns:a16="http://schemas.microsoft.com/office/drawing/2014/main" val="266759645"/>
+                  </a:ext>
+                </a:extLst>
+              </a:tr>
+              <a:tr h="370840">
+                <a:tc>
+                  <a:txBody>
+                    <a:bodyPr/>
+                    <a:lstStyle/>
+                    <a:p>
+                      <a:r>
+                        <a:rPr lang="en-US" altLang="zh-TW" dirty="0">
+                          <a:solidFill>
+                            <a:schemeClr val="accent2">
+                              <a:lumMod val="75000"/>
+                            </a:schemeClr>
+                          </a:solidFill>
+                        </a:rPr>
+                        <a:t>Face image</a:t>
+                      </a:r>
+                    </a:p>
+                  </a:txBody>
+                  <a:tcPr/>
+                </a:tc>
+                <a:tc>
+                  <a:txBody>
+                    <a:bodyPr/>
+                    <a:lstStyle/>
+                    <a:p>
+                      <a:pPr marL="0" marR="0" lvl="0" indent="0" algn="l" defTabSz="914400" rtl="0" eaLnBrk="1" fontAlgn="auto" latinLnBrk="0" hangingPunct="1">
+                        <a:lnSpc>
+                          <a:spcPct val="100000"/>
+                        </a:lnSpc>
+                        <a:spcBef>
+                          <a:spcPts val="0"/>
+                        </a:spcBef>
+                        <a:spcAft>
+                          <a:spcPts val="0"/>
+                        </a:spcAft>
+                        <a:buClrTx/>
+                        <a:buSzTx/>
+                        <a:buFontTx/>
+                        <a:buNone/>
+                        <a:tabLst/>
+                        <a:defRPr/>
+                      </a:pPr>
+                      <a:r>
+                        <a:rPr lang="en-US" altLang="zh-TW" dirty="0">
+                          <a:solidFill>
+                            <a:schemeClr val="accent1">
+                              <a:lumMod val="75000"/>
+                            </a:schemeClr>
+                          </a:solidFill>
+                        </a:rPr>
+                        <a:t>Int</a:t>
+                      </a:r>
+                      <a:r>
+                        <a:rPr lang="en-US" altLang="zh-TW" dirty="0"/>
+                        <a:t> </a:t>
+                      </a:r>
+                      <a:r>
+                        <a:rPr lang="en-US" altLang="zh-TW" dirty="0">
+                          <a:solidFill>
+                            <a:schemeClr val="accent6">
+                              <a:lumMod val="50000"/>
+                            </a:schemeClr>
+                          </a:solidFill>
+                        </a:rPr>
+                        <a:t>64</a:t>
+                      </a:r>
+                      <a:r>
+                        <a:rPr lang="en-US" altLang="zh-TW" baseline="30000" dirty="0">
+                          <a:solidFill>
+                            <a:schemeClr val="accent6">
+                              <a:lumMod val="50000"/>
+                            </a:schemeClr>
+                          </a:solidFill>
+                        </a:rPr>
+                        <a:t>+</a:t>
+                      </a:r>
+                      <a:r>
+                        <a:rPr lang="en-US" altLang="zh-TW" dirty="0">
+                          <a:solidFill>
+                            <a:schemeClr val="tx1"/>
+                          </a:solidFill>
+                        </a:rPr>
+                        <a:t>p</a:t>
+                      </a:r>
+                      <a:r>
+                        <a:rPr lang="en-US" altLang="zh-TW" dirty="0"/>
+                        <a:t>*</a:t>
+                      </a:r>
+                      <a:r>
+                        <a:rPr lang="en-US" altLang="zh-TW" dirty="0">
+                          <a:solidFill>
+                            <a:schemeClr val="accent6">
+                              <a:lumMod val="50000"/>
+                            </a:schemeClr>
+                          </a:solidFill>
+                        </a:rPr>
+                        <a:t>64</a:t>
+                      </a:r>
+                      <a:r>
+                        <a:rPr lang="en-US" altLang="zh-TW" baseline="30000" dirty="0">
+                          <a:solidFill>
+                            <a:schemeClr val="accent6">
+                              <a:lumMod val="50000"/>
+                            </a:schemeClr>
+                          </a:solidFill>
+                        </a:rPr>
+                        <a:t>+</a:t>
+                      </a:r>
+                      <a:r>
+                        <a:rPr lang="en-US" altLang="zh-TW" dirty="0">
+                          <a:solidFill>
+                            <a:schemeClr val="tx1"/>
+                          </a:solidFill>
+                        </a:rPr>
+                        <a:t>p</a:t>
+                      </a:r>
+                      <a:r>
+                        <a:rPr lang="en-US" altLang="zh-TW" dirty="0"/>
+                        <a:t>*</a:t>
+                      </a:r>
+                      <a:r>
+                        <a:rPr lang="en-US" altLang="zh-TW" dirty="0">
+                          <a:solidFill>
+                            <a:schemeClr val="accent6">
+                              <a:lumMod val="50000"/>
+                            </a:schemeClr>
+                          </a:solidFill>
+                        </a:rPr>
+                        <a:t>1</a:t>
+                      </a:r>
+                      <a:r>
+                        <a:rPr lang="en-US" altLang="zh-TW" dirty="0"/>
+                        <a:t>ch*k</a:t>
+                      </a:r>
+                    </a:p>
+                  </a:txBody>
+                  <a:tcPr/>
+                </a:tc>
+                <a:extLst>
+                  <a:ext uri="{0D108BD9-81ED-4DB2-BD59-A6C34878D82A}">
+                    <a16:rowId xmlns:a16="http://schemas.microsoft.com/office/drawing/2014/main" val="2052349725"/>
+                  </a:ext>
+                </a:extLst>
+              </a:tr>
+            </a:tbl>
+          </a:graphicData>
+        </a:graphic>
+      </p:graphicFrame>
+    </p:spTree>
+    <p:extLst>
+      <p:ext uri="{BB962C8B-B14F-4D97-AF65-F5344CB8AC3E}">
+        <p14:creationId xmlns:p14="http://schemas.microsoft.com/office/powerpoint/2010/main" val="1540303292"/>
+      </p:ext>
+    </p:extLst>
+  </p:cSld>
+  <p:clrMapOvr>
+    <a:masterClrMapping/>
+  </p:clrMapOvr>
+  <mc:AlternateContent xmlns:mc="http://schemas.openxmlformats.org/markup-compatibility/2006" xmlns:p14="http://schemas.microsoft.com/office/powerpoint/2010/main">
+    <mc:Choice Requires="p14">
+      <p:transition spd="slow" p14:dur="1300">
+        <p14:pan dir="u"/>
+      </p:transition>
+    </mc:Choice>
+    <mc:Fallback xmlns="">
+      <p:transition spd="slow">
+        <p:fade/>
+      </p:transition>
+    </mc:Fallback>
+  </mc:AlternateContent>
+</p:sld>
+</file>
+
+<file path=ppt/slides/slide14.xml><?xml version="1.0" encoding="utf-8"?>
+<p:sld xmlns:a="http://schemas.openxmlformats.org/drawingml/2006/main" xmlns:r="http://schemas.openxmlformats.org/officeDocument/2006/relationships" xmlns:p="http://schemas.openxmlformats.org/presentationml/2006/main">
+  <p:cSld>
+    <p:spTree>
+      <p:nvGrpSpPr>
+        <p:cNvPr id="1" name=""/>
+        <p:cNvGrpSpPr/>
+        <p:nvPr/>
+      </p:nvGrpSpPr>
+      <p:grpSpPr>
+        <a:xfrm>
+          <a:off x="0" y="0"/>
+          <a:ext cx="0" cy="0"/>
+          <a:chOff x="0" y="0"/>
+          <a:chExt cx="0" cy="0"/>
+        </a:xfrm>
+      </p:grpSpPr>
+      <p:pic>
+        <p:nvPicPr>
+          <p:cNvPr id="2" name="图片 1" descr="未标题-178"/>
+          <p:cNvPicPr>
+            <a:picLocks noChangeAspect="1"/>
+          </p:cNvPicPr>
+          <p:nvPr/>
+        </p:nvPicPr>
+        <p:blipFill>
+          <a:blip r:embed="rId2"/>
+          <a:srcRect t="3317" r="10893"/>
+          <a:stretch>
+            <a:fillRect/>
+          </a:stretch>
+        </p:blipFill>
+        <p:spPr>
+          <a:xfrm flipV="1">
+            <a:off x="10171430" y="5469890"/>
+            <a:ext cx="2020570" cy="1388110"/>
+          </a:xfrm>
+          <a:prstGeom prst="rect">
+            <a:avLst/>
+          </a:prstGeom>
+        </p:spPr>
+      </p:pic>
+      <p:pic>
+        <p:nvPicPr>
+          <p:cNvPr id="3" name="图片 2" descr="未标题-145"/>
+          <p:cNvPicPr>
+            <a:picLocks noChangeAspect="1"/>
+          </p:cNvPicPr>
+          <p:nvPr/>
+        </p:nvPicPr>
+        <p:blipFill>
+          <a:blip r:embed="rId3"/>
+          <a:stretch>
+            <a:fillRect/>
+          </a:stretch>
+        </p:blipFill>
+        <p:spPr>
+          <a:xfrm flipH="1" flipV="1">
+            <a:off x="0" y="0"/>
+            <a:ext cx="1360170" cy="775970"/>
+          </a:xfrm>
+          <a:prstGeom prst="rect">
+            <a:avLst/>
+          </a:prstGeom>
+        </p:spPr>
+      </p:pic>
+      <p:sp>
+        <p:nvSpPr>
+          <p:cNvPr id="6" name="文本框 5"/>
+          <p:cNvSpPr txBox="1"/>
+          <p:nvPr/>
+        </p:nvSpPr>
+        <p:spPr>
+          <a:xfrm>
+            <a:off x="1427480" y="158115"/>
+            <a:ext cx="1415772" cy="461665"/>
+          </a:xfrm>
+          <a:prstGeom prst="rect">
+            <a:avLst/>
+          </a:prstGeom>
+          <a:noFill/>
+        </p:spPr>
+        <p:txBody>
+          <a:bodyPr wrap="none" rtlCol="0">
+            <a:spAutoFit/>
+          </a:bodyPr>
+          <a:lstStyle/>
+          <a:p>
+            <a:r>
+              <a:rPr lang="zh-TW" altLang="en-US" sz="2400" b="1" dirty="0">
+                <a:solidFill>
+                  <a:srgbClr val="DE7F7E"/>
+                </a:solidFill>
+                <a:cs typeface="+mn-ea"/>
+                <a:sym typeface="+mn-lt"/>
+              </a:rPr>
+              <a:t>專案設計</a:t>
+            </a:r>
+            <a:endParaRPr lang="zh-CN" altLang="en-US" b="1" dirty="0">
+              <a:solidFill>
+                <a:srgbClr val="DE7F7E"/>
+              </a:solidFill>
+              <a:cs typeface="+mn-ea"/>
+              <a:sym typeface="+mn-lt"/>
+            </a:endParaRPr>
+          </a:p>
+        </p:txBody>
+      </p:sp>
+      <p:sp>
+        <p:nvSpPr>
+          <p:cNvPr id="5" name="矩形 4">
+            <a:extLst>
+              <a:ext uri="{FF2B5EF4-FFF2-40B4-BE49-F238E27FC236}">
+                <a16:creationId xmlns:a16="http://schemas.microsoft.com/office/drawing/2014/main" id="{66F99CA9-7671-4C95-9702-7B6F69AADC1A}"/>
+              </a:ext>
+            </a:extLst>
+          </p:cNvPr>
+          <p:cNvSpPr/>
+          <p:nvPr/>
+        </p:nvSpPr>
+        <p:spPr>
+          <a:xfrm>
+            <a:off x="4992027" y="1614418"/>
+            <a:ext cx="1178828" cy="627466"/>
+          </a:xfrm>
+          <a:prstGeom prst="rect">
+            <a:avLst/>
+          </a:prstGeom>
+          <a:solidFill>
+            <a:srgbClr val="D0CECE"/>
+          </a:solidFill>
+          <a:ln>
+            <a:noFill/>
+          </a:ln>
+        </p:spPr>
+        <p:style>
+          <a:lnRef idx="2">
+            <a:schemeClr val="accent1">
+              <a:shade val="50000"/>
+            </a:schemeClr>
+          </a:lnRef>
+          <a:fillRef idx="1">
+            <a:schemeClr val="accent1"/>
+          </a:fillRef>
+          <a:effectRef idx="0">
+            <a:schemeClr val="accent1"/>
+          </a:effectRef>
+          <a:fontRef idx="minor">
+            <a:schemeClr val="lt1"/>
+          </a:fontRef>
+        </p:style>
+        <p:txBody>
+          <a:bodyPr rtlCol="0" anchor="ctr"/>
+          <a:lstStyle/>
+          <a:p>
+            <a:pPr algn="ctr"/>
+            <a:r>
+              <a:rPr lang="zh-TW" altLang="en-US" dirty="0"/>
+              <a:t>視窗介面</a:t>
+            </a:r>
+          </a:p>
+        </p:txBody>
+      </p:sp>
+      <p:sp>
+        <p:nvSpPr>
+          <p:cNvPr id="7" name="矩形 6">
+            <a:extLst>
+              <a:ext uri="{FF2B5EF4-FFF2-40B4-BE49-F238E27FC236}">
+                <a16:creationId xmlns:a16="http://schemas.microsoft.com/office/drawing/2014/main" id="{E8187B2D-C729-49D4-BE80-A2657D7DA3E3}"/>
+              </a:ext>
+            </a:extLst>
+          </p:cNvPr>
+          <p:cNvSpPr/>
+          <p:nvPr/>
+        </p:nvSpPr>
+        <p:spPr>
+          <a:xfrm>
+            <a:off x="7082618" y="1620251"/>
+            <a:ext cx="1178828" cy="627466"/>
+          </a:xfrm>
+          <a:prstGeom prst="rect">
+            <a:avLst/>
+          </a:prstGeom>
+          <a:solidFill>
+            <a:schemeClr val="bg1">
+              <a:lumMod val="85000"/>
+            </a:schemeClr>
+          </a:solidFill>
+          <a:ln>
+            <a:noFill/>
+          </a:ln>
+        </p:spPr>
+        <p:style>
+          <a:lnRef idx="2">
+            <a:schemeClr val="accent1">
+              <a:shade val="50000"/>
+            </a:schemeClr>
+          </a:lnRef>
+          <a:fillRef idx="1">
+            <a:schemeClr val="accent1"/>
+          </a:fillRef>
+          <a:effectRef idx="0">
+            <a:schemeClr val="accent1"/>
+          </a:effectRef>
+          <a:fontRef idx="minor">
+            <a:schemeClr val="lt1"/>
+          </a:fontRef>
+        </p:style>
+        <p:txBody>
+          <a:bodyPr rtlCol="0" anchor="ctr"/>
+          <a:lstStyle/>
+          <a:p>
+            <a:pPr algn="ctr"/>
+            <a:r>
+              <a:rPr lang="zh-TW" altLang="en-US" dirty="0"/>
+              <a:t>人臉偵測</a:t>
+            </a:r>
+          </a:p>
+        </p:txBody>
+      </p:sp>
+      <p:sp>
+        <p:nvSpPr>
+          <p:cNvPr id="8" name="矩形 7">
+            <a:extLst>
+              <a:ext uri="{FF2B5EF4-FFF2-40B4-BE49-F238E27FC236}">
+                <a16:creationId xmlns:a16="http://schemas.microsoft.com/office/drawing/2014/main" id="{DA9BDF08-F2CF-44F4-BCE2-E7377583AB7D}"/>
+              </a:ext>
+            </a:extLst>
+          </p:cNvPr>
+          <p:cNvSpPr/>
+          <p:nvPr/>
+        </p:nvSpPr>
+        <p:spPr>
+          <a:xfrm>
+            <a:off x="7082618" y="2858957"/>
+            <a:ext cx="1178828" cy="627466"/>
+          </a:xfrm>
+          <a:prstGeom prst="rect">
+            <a:avLst/>
+          </a:prstGeom>
+          <a:solidFill>
+            <a:schemeClr val="accent1"/>
+          </a:solidFill>
+          <a:ln>
+            <a:noFill/>
+          </a:ln>
+        </p:spPr>
+        <p:style>
+          <a:lnRef idx="2">
+            <a:schemeClr val="accent1">
+              <a:shade val="50000"/>
+            </a:schemeClr>
+          </a:lnRef>
+          <a:fillRef idx="1">
+            <a:schemeClr val="accent1"/>
+          </a:fillRef>
+          <a:effectRef idx="0">
+            <a:schemeClr val="accent1"/>
+          </a:effectRef>
+          <a:fontRef idx="minor">
+            <a:schemeClr val="lt1"/>
+          </a:fontRef>
+        </p:style>
+        <p:txBody>
+          <a:bodyPr rtlCol="0" anchor="ctr"/>
+          <a:lstStyle/>
+          <a:p>
+            <a:pPr algn="ctr"/>
+            <a:r>
+              <a:rPr lang="zh-TW" altLang="en-US" dirty="0">
+                <a:latin typeface="微軟正黑體" panose="020B0604030504040204" pitchFamily="34" charset="-120"/>
+                <a:ea typeface="微軟正黑體" panose="020B0604030504040204" pitchFamily="34" charset="-120"/>
+              </a:rPr>
+              <a:t>圖片像素</a:t>
+            </a:r>
+          </a:p>
+          <a:p>
+            <a:pPr algn="ctr"/>
+            <a:r>
+              <a:rPr lang="zh-TW" altLang="en-US" dirty="0">
+                <a:latin typeface="微軟正黑體" panose="020B0604030504040204" pitchFamily="34" charset="-120"/>
+                <a:ea typeface="微軟正黑體" panose="020B0604030504040204" pitchFamily="34" charset="-120"/>
+              </a:rPr>
+              <a:t>統一</a:t>
+            </a:r>
+          </a:p>
+        </p:txBody>
+      </p:sp>
+      <p:sp>
+        <p:nvSpPr>
+          <p:cNvPr id="9" name="矩形 8">
+            <a:extLst>
+              <a:ext uri="{FF2B5EF4-FFF2-40B4-BE49-F238E27FC236}">
+                <a16:creationId xmlns:a16="http://schemas.microsoft.com/office/drawing/2014/main" id="{DB57530F-C888-4106-BA05-CC55898430B4}"/>
+              </a:ext>
+            </a:extLst>
+          </p:cNvPr>
+          <p:cNvSpPr/>
+          <p:nvPr/>
+        </p:nvSpPr>
+        <p:spPr>
+          <a:xfrm>
+            <a:off x="5007849" y="2858957"/>
+            <a:ext cx="1178828" cy="627466"/>
+          </a:xfrm>
+          <a:prstGeom prst="rect">
+            <a:avLst/>
+          </a:prstGeom>
+          <a:solidFill>
+            <a:srgbClr val="D0CECE"/>
+          </a:solidFill>
+          <a:ln>
+            <a:noFill/>
+          </a:ln>
+        </p:spPr>
+        <p:style>
+          <a:lnRef idx="2">
+            <a:schemeClr val="accent1">
+              <a:shade val="50000"/>
+            </a:schemeClr>
+          </a:lnRef>
+          <a:fillRef idx="1">
+            <a:schemeClr val="accent1"/>
+          </a:fillRef>
+          <a:effectRef idx="0">
+            <a:schemeClr val="accent1"/>
+          </a:effectRef>
+          <a:fontRef idx="minor">
+            <a:schemeClr val="lt1"/>
+          </a:fontRef>
+        </p:style>
+        <p:txBody>
+          <a:bodyPr rtlCol="0" anchor="ctr"/>
+          <a:lstStyle/>
+          <a:p>
+            <a:pPr algn="ctr"/>
+            <a:r>
+              <a:rPr lang="zh-TW" altLang="en-US" dirty="0"/>
+              <a:t>特徵擷取</a:t>
+            </a:r>
+          </a:p>
+        </p:txBody>
+      </p:sp>
+      <p:sp>
+        <p:nvSpPr>
+          <p:cNvPr id="10" name="矩形 9">
+            <a:extLst>
+              <a:ext uri="{FF2B5EF4-FFF2-40B4-BE49-F238E27FC236}">
+                <a16:creationId xmlns:a16="http://schemas.microsoft.com/office/drawing/2014/main" id="{CC621556-3BBD-4FC0-A01D-74E6694B007F}"/>
+              </a:ext>
+            </a:extLst>
+          </p:cNvPr>
+          <p:cNvSpPr/>
+          <p:nvPr/>
+        </p:nvSpPr>
+        <p:spPr>
+          <a:xfrm>
+            <a:off x="2887076" y="2851119"/>
+            <a:ext cx="1178828" cy="627466"/>
+          </a:xfrm>
+          <a:prstGeom prst="rect">
+            <a:avLst/>
+          </a:prstGeom>
+          <a:solidFill>
+            <a:srgbClr val="D0CECE"/>
+          </a:solidFill>
+          <a:ln>
+            <a:noFill/>
+          </a:ln>
+        </p:spPr>
+        <p:style>
+          <a:lnRef idx="2">
+            <a:schemeClr val="accent1">
+              <a:shade val="50000"/>
+            </a:schemeClr>
+          </a:lnRef>
+          <a:fillRef idx="1">
+            <a:schemeClr val="accent1"/>
+          </a:fillRef>
+          <a:effectRef idx="0">
+            <a:schemeClr val="accent1"/>
+          </a:effectRef>
+          <a:fontRef idx="minor">
+            <a:schemeClr val="lt1"/>
+          </a:fontRef>
+        </p:style>
+        <p:txBody>
+          <a:bodyPr rtlCol="0" anchor="ctr"/>
+          <a:lstStyle/>
+          <a:p>
+            <a:pPr algn="ctr"/>
+            <a:r>
+              <a:rPr lang="zh-TW" altLang="en-US" dirty="0"/>
+              <a:t>人臉辨識模型</a:t>
+            </a:r>
+          </a:p>
+        </p:txBody>
+      </p:sp>
+      <p:cxnSp>
+        <p:nvCxnSpPr>
+          <p:cNvPr id="12" name="直線單箭頭接點 11">
+            <a:extLst>
+              <a:ext uri="{FF2B5EF4-FFF2-40B4-BE49-F238E27FC236}">
+                <a16:creationId xmlns:a16="http://schemas.microsoft.com/office/drawing/2014/main" id="{149A8D69-7154-494F-8F22-6A54153AB842}"/>
+              </a:ext>
+            </a:extLst>
+          </p:cNvPr>
+          <p:cNvCxnSpPr>
+            <a:cxnSpLocks/>
+          </p:cNvCxnSpPr>
+          <p:nvPr/>
+        </p:nvCxnSpPr>
+        <p:spPr>
+          <a:xfrm>
+            <a:off x="3645905" y="1689410"/>
+            <a:ext cx="1331762" cy="0"/>
+          </a:xfrm>
+          <a:prstGeom prst="straightConnector1">
+            <a:avLst/>
+          </a:prstGeom>
+          <a:ln w="38100">
+            <a:solidFill>
+              <a:schemeClr val="bg1">
+                <a:lumMod val="85000"/>
+              </a:schemeClr>
+            </a:solidFill>
+            <a:tailEnd type="triangle"/>
+          </a:ln>
+        </p:spPr>
+        <p:style>
+          <a:lnRef idx="1">
+            <a:schemeClr val="accent1"/>
+          </a:lnRef>
+          <a:fillRef idx="0">
+            <a:schemeClr val="accent1"/>
+          </a:fillRef>
+          <a:effectRef idx="0">
+            <a:schemeClr val="accent1"/>
+          </a:effectRef>
+          <a:fontRef idx="minor">
+            <a:schemeClr val="tx1"/>
+          </a:fontRef>
+        </p:style>
+      </p:cxnSp>
+      <p:cxnSp>
+        <p:nvCxnSpPr>
+          <p:cNvPr id="14" name="直線單箭頭接點 13">
+            <a:extLst>
+              <a:ext uri="{FF2B5EF4-FFF2-40B4-BE49-F238E27FC236}">
+                <a16:creationId xmlns:a16="http://schemas.microsoft.com/office/drawing/2014/main" id="{1705C6D3-3690-4DCD-9989-5F774E558C36}"/>
+              </a:ext>
+            </a:extLst>
+          </p:cNvPr>
+          <p:cNvCxnSpPr>
+            <a:cxnSpLocks/>
+          </p:cNvCxnSpPr>
+          <p:nvPr/>
+        </p:nvCxnSpPr>
+        <p:spPr>
+          <a:xfrm>
+            <a:off x="3645905" y="1910737"/>
+            <a:ext cx="1331762" cy="0"/>
+          </a:xfrm>
+          <a:prstGeom prst="straightConnector1">
+            <a:avLst/>
+          </a:prstGeom>
+          <a:ln w="38100">
+            <a:solidFill>
+              <a:schemeClr val="bg1">
+                <a:lumMod val="85000"/>
+              </a:schemeClr>
+            </a:solidFill>
+            <a:tailEnd type="triangle"/>
+          </a:ln>
+        </p:spPr>
+        <p:style>
+          <a:lnRef idx="1">
+            <a:schemeClr val="accent1"/>
+          </a:lnRef>
+          <a:fillRef idx="0">
+            <a:schemeClr val="accent1"/>
+          </a:fillRef>
+          <a:effectRef idx="0">
+            <a:schemeClr val="accent1"/>
+          </a:effectRef>
+          <a:fontRef idx="minor">
+            <a:schemeClr val="tx1"/>
+          </a:fontRef>
+        </p:style>
+      </p:cxnSp>
+      <p:sp>
+        <p:nvSpPr>
+          <p:cNvPr id="15" name="文字方塊 14">
+            <a:extLst>
+              <a:ext uri="{FF2B5EF4-FFF2-40B4-BE49-F238E27FC236}">
+                <a16:creationId xmlns:a16="http://schemas.microsoft.com/office/drawing/2014/main" id="{44E3FB08-8EE2-44B3-92C7-385AFD4C6466}"/>
+              </a:ext>
+            </a:extLst>
+          </p:cNvPr>
+          <p:cNvSpPr txBox="1"/>
+          <p:nvPr/>
+        </p:nvSpPr>
+        <p:spPr>
+          <a:xfrm>
+            <a:off x="2570276" y="1440509"/>
+            <a:ext cx="1005403" cy="369332"/>
+          </a:xfrm>
+          <a:prstGeom prst="rect">
+            <a:avLst/>
+          </a:prstGeom>
+          <a:noFill/>
+        </p:spPr>
+        <p:txBody>
+          <a:bodyPr wrap="square" rtlCol="0">
+            <a:spAutoFit/>
+          </a:bodyPr>
+          <a:lstStyle/>
+          <a:p>
+            <a:r>
+              <a:rPr lang="en-US" altLang="zh-TW" dirty="0">
+                <a:solidFill>
+                  <a:schemeClr val="bg1">
+                    <a:lumMod val="75000"/>
+                  </a:schemeClr>
+                </a:solidFill>
+              </a:rPr>
+              <a:t>Camera</a:t>
+            </a:r>
+            <a:endParaRPr lang="zh-TW" altLang="en-US" dirty="0">
+              <a:solidFill>
+                <a:schemeClr val="bg1">
+                  <a:lumMod val="75000"/>
+                </a:schemeClr>
+              </a:solidFill>
+            </a:endParaRPr>
+          </a:p>
+        </p:txBody>
+      </p:sp>
+      <p:sp>
+        <p:nvSpPr>
+          <p:cNvPr id="16" name="文字方塊 15">
+            <a:extLst>
+              <a:ext uri="{FF2B5EF4-FFF2-40B4-BE49-F238E27FC236}">
+                <a16:creationId xmlns:a16="http://schemas.microsoft.com/office/drawing/2014/main" id="{31F687A6-BC13-4200-A963-EDD6FA2B3D1C}"/>
+              </a:ext>
+            </a:extLst>
+          </p:cNvPr>
+          <p:cNvSpPr txBox="1"/>
+          <p:nvPr/>
+        </p:nvSpPr>
+        <p:spPr>
+          <a:xfrm>
+            <a:off x="1360170" y="1665347"/>
+            <a:ext cx="2326278" cy="369332"/>
+          </a:xfrm>
+          <a:prstGeom prst="rect">
+            <a:avLst/>
+          </a:prstGeom>
+          <a:noFill/>
+        </p:spPr>
+        <p:txBody>
+          <a:bodyPr wrap="square" rtlCol="0">
+            <a:spAutoFit/>
+          </a:bodyPr>
+          <a:lstStyle/>
+          <a:p>
+            <a:r>
+              <a:rPr lang="en-US" altLang="zh-TW" dirty="0">
+                <a:solidFill>
+                  <a:schemeClr val="bg1">
+                    <a:lumMod val="75000"/>
+                  </a:schemeClr>
+                </a:solidFill>
+              </a:rPr>
+              <a:t>Personal information</a:t>
+            </a:r>
+            <a:endParaRPr lang="zh-TW" altLang="en-US" dirty="0">
+              <a:solidFill>
+                <a:schemeClr val="bg1">
+                  <a:lumMod val="75000"/>
+                </a:schemeClr>
+              </a:solidFill>
+            </a:endParaRPr>
+          </a:p>
+        </p:txBody>
+      </p:sp>
+      <p:cxnSp>
+        <p:nvCxnSpPr>
+          <p:cNvPr id="20" name="直線單箭頭接點 19">
+            <a:extLst>
+              <a:ext uri="{FF2B5EF4-FFF2-40B4-BE49-F238E27FC236}">
+                <a16:creationId xmlns:a16="http://schemas.microsoft.com/office/drawing/2014/main" id="{A9C0F4D9-BEE0-48A7-A6A9-26CFCA0A4EEE}"/>
+              </a:ext>
+            </a:extLst>
+          </p:cNvPr>
+          <p:cNvCxnSpPr>
+            <a:cxnSpLocks/>
+            <a:stCxn id="5" idx="3"/>
+            <a:endCxn id="7" idx="1"/>
+          </p:cNvCxnSpPr>
+          <p:nvPr/>
+        </p:nvCxnSpPr>
+        <p:spPr>
+          <a:xfrm>
+            <a:off x="6170855" y="1928151"/>
+            <a:ext cx="911763" cy="5833"/>
+          </a:xfrm>
+          <a:prstGeom prst="straightConnector1">
+            <a:avLst/>
+          </a:prstGeom>
+          <a:ln w="38100">
+            <a:solidFill>
+              <a:srgbClr val="D0CECE"/>
+            </a:solidFill>
+            <a:tailEnd type="triangle"/>
+          </a:ln>
+        </p:spPr>
+        <p:style>
+          <a:lnRef idx="1">
+            <a:schemeClr val="accent1"/>
+          </a:lnRef>
+          <a:fillRef idx="0">
+            <a:schemeClr val="accent1"/>
+          </a:fillRef>
+          <a:effectRef idx="0">
+            <a:schemeClr val="accent1"/>
+          </a:effectRef>
+          <a:fontRef idx="minor">
+            <a:schemeClr val="tx1"/>
+          </a:fontRef>
+        </p:style>
+      </p:cxnSp>
+      <p:sp>
+        <p:nvSpPr>
+          <p:cNvPr id="24" name="文字方塊 23">
+            <a:extLst>
+              <a:ext uri="{FF2B5EF4-FFF2-40B4-BE49-F238E27FC236}">
+                <a16:creationId xmlns:a16="http://schemas.microsoft.com/office/drawing/2014/main" id="{2C24038C-CDB7-4862-9D75-397BA4A8538A}"/>
+              </a:ext>
+            </a:extLst>
+          </p:cNvPr>
+          <p:cNvSpPr txBox="1"/>
+          <p:nvPr/>
+        </p:nvSpPr>
+        <p:spPr>
+          <a:xfrm>
+            <a:off x="6230066" y="1480681"/>
+            <a:ext cx="825867" cy="369332"/>
+          </a:xfrm>
+          <a:prstGeom prst="rect">
+            <a:avLst/>
+          </a:prstGeom>
+          <a:noFill/>
+        </p:spPr>
+        <p:txBody>
+          <a:bodyPr wrap="square" rtlCol="0">
+            <a:spAutoFit/>
+          </a:bodyPr>
+          <a:lstStyle/>
+          <a:p>
+            <a:r>
+              <a:rPr lang="en-US" altLang="zh-TW" dirty="0">
+                <a:solidFill>
+                  <a:schemeClr val="bg1">
+                    <a:lumMod val="85000"/>
+                  </a:schemeClr>
+                </a:solidFill>
+              </a:rPr>
+              <a:t>Image</a:t>
+            </a:r>
+            <a:endParaRPr lang="zh-TW" altLang="en-US" dirty="0">
+              <a:solidFill>
+                <a:schemeClr val="bg1">
+                  <a:lumMod val="85000"/>
+                </a:schemeClr>
+              </a:solidFill>
+            </a:endParaRPr>
+          </a:p>
+        </p:txBody>
+      </p:sp>
+      <p:cxnSp>
+        <p:nvCxnSpPr>
+          <p:cNvPr id="25" name="直線單箭頭接點 24">
+            <a:extLst>
+              <a:ext uri="{FF2B5EF4-FFF2-40B4-BE49-F238E27FC236}">
+                <a16:creationId xmlns:a16="http://schemas.microsoft.com/office/drawing/2014/main" id="{D81CF14E-C983-4864-BDE3-EEA6C1CBE7A9}"/>
+              </a:ext>
+            </a:extLst>
+          </p:cNvPr>
+          <p:cNvCxnSpPr>
+            <a:cxnSpLocks/>
+            <a:stCxn id="7" idx="2"/>
+            <a:endCxn id="8" idx="0"/>
+          </p:cNvCxnSpPr>
+          <p:nvPr/>
+        </p:nvCxnSpPr>
+        <p:spPr>
+          <a:xfrm>
+            <a:off x="7672032" y="2247717"/>
+            <a:ext cx="0" cy="611240"/>
+          </a:xfrm>
+          <a:prstGeom prst="straightConnector1">
+            <a:avLst/>
+          </a:prstGeom>
+          <a:ln w="38100">
+            <a:solidFill>
+              <a:schemeClr val="accent1"/>
+            </a:solidFill>
+            <a:tailEnd type="triangle"/>
+          </a:ln>
+        </p:spPr>
+        <p:style>
+          <a:lnRef idx="1">
+            <a:schemeClr val="accent1"/>
+          </a:lnRef>
+          <a:fillRef idx="0">
+            <a:schemeClr val="accent1"/>
+          </a:fillRef>
+          <a:effectRef idx="0">
+            <a:schemeClr val="accent1"/>
+          </a:effectRef>
+          <a:fontRef idx="minor">
+            <a:schemeClr val="tx1"/>
+          </a:fontRef>
+        </p:style>
+      </p:cxnSp>
+      <p:sp>
+        <p:nvSpPr>
+          <p:cNvPr id="28" name="文字方塊 27">
+            <a:extLst>
+              <a:ext uri="{FF2B5EF4-FFF2-40B4-BE49-F238E27FC236}">
+                <a16:creationId xmlns:a16="http://schemas.microsoft.com/office/drawing/2014/main" id="{32B86074-218E-47B8-8ED2-4420D69BA522}"/>
+              </a:ext>
+            </a:extLst>
+          </p:cNvPr>
+          <p:cNvSpPr txBox="1"/>
+          <p:nvPr/>
+        </p:nvSpPr>
+        <p:spPr>
+          <a:xfrm>
+            <a:off x="7750132" y="2378427"/>
+            <a:ext cx="1390124" cy="369332"/>
+          </a:xfrm>
+          <a:prstGeom prst="rect">
+            <a:avLst/>
+          </a:prstGeom>
+          <a:noFill/>
+        </p:spPr>
+        <p:txBody>
+          <a:bodyPr wrap="square" rtlCol="0">
+            <a:spAutoFit/>
+          </a:bodyPr>
+          <a:lstStyle/>
+          <a:p>
+            <a:r>
+              <a:rPr lang="en-US" altLang="zh-TW" dirty="0"/>
+              <a:t>Face image</a:t>
+            </a:r>
+            <a:endParaRPr lang="zh-TW" altLang="en-US" dirty="0"/>
+          </a:p>
+        </p:txBody>
+      </p:sp>
+      <p:sp>
+        <p:nvSpPr>
+          <p:cNvPr id="29" name="文字方塊 28">
+            <a:extLst>
+              <a:ext uri="{FF2B5EF4-FFF2-40B4-BE49-F238E27FC236}">
+                <a16:creationId xmlns:a16="http://schemas.microsoft.com/office/drawing/2014/main" id="{947A44CC-400C-40ED-8AFC-F9C4BA5B9138}"/>
+              </a:ext>
+            </a:extLst>
+          </p:cNvPr>
+          <p:cNvSpPr txBox="1"/>
+          <p:nvPr/>
+        </p:nvSpPr>
+        <p:spPr>
+          <a:xfrm>
+            <a:off x="6221290" y="2568451"/>
+            <a:ext cx="1109601" cy="646331"/>
+          </a:xfrm>
+          <a:prstGeom prst="rect">
+            <a:avLst/>
+          </a:prstGeom>
+          <a:noFill/>
+          <a:ln>
+            <a:noFill/>
+          </a:ln>
+        </p:spPr>
+        <p:txBody>
+          <a:bodyPr wrap="square" rtlCol="0">
+            <a:spAutoFit/>
+          </a:bodyPr>
+          <a:lstStyle/>
+          <a:p>
+            <a:r>
+              <a:rPr lang="en-US" altLang="zh-TW" dirty="0"/>
+              <a:t>Face image’</a:t>
+            </a:r>
+            <a:endParaRPr lang="zh-TW" altLang="en-US" dirty="0"/>
+          </a:p>
+        </p:txBody>
+      </p:sp>
+      <p:cxnSp>
+        <p:nvCxnSpPr>
+          <p:cNvPr id="30" name="直線單箭頭接點 29">
+            <a:extLst>
+              <a:ext uri="{FF2B5EF4-FFF2-40B4-BE49-F238E27FC236}">
+                <a16:creationId xmlns:a16="http://schemas.microsoft.com/office/drawing/2014/main" id="{9ED0B63C-20AE-4AEB-95A6-7F8E1864D604}"/>
+              </a:ext>
+            </a:extLst>
+          </p:cNvPr>
+          <p:cNvCxnSpPr>
+            <a:cxnSpLocks/>
+            <a:stCxn id="8" idx="1"/>
+            <a:endCxn id="9" idx="3"/>
+          </p:cNvCxnSpPr>
+          <p:nvPr/>
+        </p:nvCxnSpPr>
+        <p:spPr>
+          <a:xfrm flipH="1">
+            <a:off x="6186677" y="3172690"/>
+            <a:ext cx="895941" cy="0"/>
+          </a:xfrm>
+          <a:prstGeom prst="straightConnector1">
+            <a:avLst/>
+          </a:prstGeom>
+          <a:ln w="38100">
+            <a:solidFill>
+              <a:schemeClr val="accent1"/>
+            </a:solidFill>
+            <a:tailEnd type="triangle"/>
+          </a:ln>
+        </p:spPr>
+        <p:style>
+          <a:lnRef idx="1">
+            <a:schemeClr val="accent1"/>
+          </a:lnRef>
+          <a:fillRef idx="0">
+            <a:schemeClr val="accent1"/>
+          </a:fillRef>
+          <a:effectRef idx="0">
+            <a:schemeClr val="accent1"/>
+          </a:effectRef>
+          <a:fontRef idx="minor">
+            <a:schemeClr val="tx1"/>
+          </a:fontRef>
+        </p:style>
+      </p:cxnSp>
+      <p:cxnSp>
+        <p:nvCxnSpPr>
+          <p:cNvPr id="33" name="直線單箭頭接點 32">
+            <a:extLst>
+              <a:ext uri="{FF2B5EF4-FFF2-40B4-BE49-F238E27FC236}">
+                <a16:creationId xmlns:a16="http://schemas.microsoft.com/office/drawing/2014/main" id="{F78B425C-86C5-4F9D-AC4E-AE7D1651A360}"/>
+              </a:ext>
+            </a:extLst>
+          </p:cNvPr>
+          <p:cNvCxnSpPr>
+            <a:cxnSpLocks/>
+            <a:stCxn id="9" idx="1"/>
+            <a:endCxn id="10" idx="3"/>
+          </p:cNvCxnSpPr>
+          <p:nvPr/>
+        </p:nvCxnSpPr>
+        <p:spPr>
+          <a:xfrm flipH="1" flipV="1">
+            <a:off x="4065904" y="3164852"/>
+            <a:ext cx="941945" cy="7838"/>
+          </a:xfrm>
+          <a:prstGeom prst="straightConnector1">
+            <a:avLst/>
+          </a:prstGeom>
+          <a:ln w="38100">
+            <a:solidFill>
+              <a:srgbClr val="D0CECE"/>
+            </a:solidFill>
+            <a:tailEnd type="triangle"/>
+          </a:ln>
+        </p:spPr>
+        <p:style>
+          <a:lnRef idx="1">
+            <a:schemeClr val="accent1"/>
+          </a:lnRef>
+          <a:fillRef idx="0">
+            <a:schemeClr val="accent1"/>
+          </a:fillRef>
+          <a:effectRef idx="0">
+            <a:schemeClr val="accent1"/>
+          </a:effectRef>
+          <a:fontRef idx="minor">
+            <a:schemeClr val="tx1"/>
+          </a:fontRef>
+        </p:style>
+      </p:cxnSp>
+      <p:sp>
+        <p:nvSpPr>
+          <p:cNvPr id="36" name="矩形 35">
+            <a:extLst>
+              <a:ext uri="{FF2B5EF4-FFF2-40B4-BE49-F238E27FC236}">
+                <a16:creationId xmlns:a16="http://schemas.microsoft.com/office/drawing/2014/main" id="{026C14B8-3958-43F8-B6DD-2257FF978135}"/>
+              </a:ext>
+            </a:extLst>
+          </p:cNvPr>
+          <p:cNvSpPr/>
+          <p:nvPr/>
+        </p:nvSpPr>
+        <p:spPr>
+          <a:xfrm>
+            <a:off x="4036961" y="2787683"/>
+            <a:ext cx="979755" cy="369332"/>
+          </a:xfrm>
+          <a:prstGeom prst="rect">
+            <a:avLst/>
+          </a:prstGeom>
+        </p:spPr>
+        <p:txBody>
+          <a:bodyPr wrap="square">
+            <a:spAutoFit/>
+          </a:bodyPr>
+          <a:lstStyle/>
+          <a:p>
+            <a:r>
+              <a:rPr lang="en-US" altLang="zh-TW" dirty="0">
+                <a:solidFill>
+                  <a:schemeClr val="bg1">
+                    <a:lumMod val="85000"/>
+                  </a:schemeClr>
+                </a:solidFill>
+              </a:rPr>
+              <a:t>F</a:t>
+            </a:r>
+            <a:r>
+              <a:rPr lang="zh-TW" altLang="en-US" dirty="0">
+                <a:solidFill>
+                  <a:schemeClr val="bg1">
+                    <a:lumMod val="85000"/>
+                  </a:schemeClr>
+                </a:solidFill>
+              </a:rPr>
+              <a:t>eature</a:t>
+            </a:r>
+          </a:p>
+        </p:txBody>
+      </p:sp>
+      <p:cxnSp>
+        <p:nvCxnSpPr>
+          <p:cNvPr id="38" name="接點: 肘形 37">
+            <a:extLst>
+              <a:ext uri="{FF2B5EF4-FFF2-40B4-BE49-F238E27FC236}">
+                <a16:creationId xmlns:a16="http://schemas.microsoft.com/office/drawing/2014/main" id="{C38D2605-E8E4-4283-B485-720B7D397E05}"/>
+              </a:ext>
+            </a:extLst>
+          </p:cNvPr>
+          <p:cNvCxnSpPr>
+            <a:cxnSpLocks/>
+            <a:stCxn id="10" idx="0"/>
+          </p:cNvCxnSpPr>
+          <p:nvPr/>
+        </p:nvCxnSpPr>
+        <p:spPr>
+          <a:xfrm rot="5400000" flipH="1" flipV="1">
+            <a:off x="3863305" y="1736758"/>
+            <a:ext cx="727546" cy="1501177"/>
+          </a:xfrm>
+          <a:prstGeom prst="bentConnector2">
+            <a:avLst/>
+          </a:prstGeom>
+          <a:ln w="38100">
+            <a:solidFill>
+              <a:schemeClr val="bg1">
+                <a:lumMod val="85000"/>
+              </a:schemeClr>
+            </a:solidFill>
+            <a:tailEnd type="triangle"/>
+          </a:ln>
+        </p:spPr>
+        <p:style>
+          <a:lnRef idx="1">
+            <a:schemeClr val="accent1"/>
+          </a:lnRef>
+          <a:fillRef idx="0">
+            <a:schemeClr val="accent1"/>
+          </a:fillRef>
+          <a:effectRef idx="0">
+            <a:schemeClr val="accent1"/>
+          </a:effectRef>
+          <a:fontRef idx="minor">
+            <a:schemeClr val="tx1"/>
+          </a:fontRef>
+        </p:style>
+      </p:cxnSp>
+      <p:sp>
+        <p:nvSpPr>
+          <p:cNvPr id="39" name="矩形 38">
+            <a:extLst>
+              <a:ext uri="{FF2B5EF4-FFF2-40B4-BE49-F238E27FC236}">
+                <a16:creationId xmlns:a16="http://schemas.microsoft.com/office/drawing/2014/main" id="{ABFC51CA-F231-4DBD-909D-54A3A2E33C67}"/>
+              </a:ext>
+            </a:extLst>
+          </p:cNvPr>
+          <p:cNvSpPr/>
+          <p:nvPr/>
+        </p:nvSpPr>
+        <p:spPr>
+          <a:xfrm>
+            <a:off x="2555477" y="1934800"/>
+            <a:ext cx="838691" cy="369332"/>
+          </a:xfrm>
+          <a:prstGeom prst="rect">
+            <a:avLst/>
+          </a:prstGeom>
+        </p:spPr>
+        <p:txBody>
+          <a:bodyPr wrap="square">
+            <a:spAutoFit/>
+          </a:bodyPr>
+          <a:lstStyle/>
+          <a:p>
+            <a:r>
+              <a:rPr lang="en-US" altLang="zh-TW" dirty="0">
+                <a:solidFill>
+                  <a:schemeClr val="bg1">
+                    <a:lumMod val="75000"/>
+                  </a:schemeClr>
+                </a:solidFill>
+              </a:rPr>
+              <a:t>Result</a:t>
+            </a:r>
+            <a:endParaRPr lang="zh-TW" altLang="en-US" dirty="0">
+              <a:solidFill>
+                <a:schemeClr val="bg1">
+                  <a:lumMod val="75000"/>
+                </a:schemeClr>
+              </a:solidFill>
+            </a:endParaRPr>
+          </a:p>
+        </p:txBody>
+      </p:sp>
+      <p:graphicFrame>
+        <p:nvGraphicFramePr>
+          <p:cNvPr id="51" name="表格 51">
+            <a:extLst>
+              <a:ext uri="{FF2B5EF4-FFF2-40B4-BE49-F238E27FC236}">
+                <a16:creationId xmlns:a16="http://schemas.microsoft.com/office/drawing/2014/main" id="{4ABD8DF4-E164-46AD-B31D-C3BA556AC2FC}"/>
+              </a:ext>
+            </a:extLst>
+          </p:cNvPr>
+          <p:cNvGraphicFramePr>
+            <a:graphicFrameLocks noGrp="1"/>
+          </p:cNvGraphicFramePr>
+          <p:nvPr>
+            <p:extLst>
+              <p:ext uri="{D42A27DB-BD31-4B8C-83A1-F6EECF244321}">
+                <p14:modId xmlns:p14="http://schemas.microsoft.com/office/powerpoint/2010/main" val="3190752805"/>
+              </p:ext>
+            </p:extLst>
+          </p:nvPr>
+        </p:nvGraphicFramePr>
+        <p:xfrm>
+          <a:off x="572169" y="4137025"/>
+          <a:ext cx="5411532" cy="741680"/>
+        </p:xfrm>
+        <a:graphic>
+          <a:graphicData uri="http://schemas.openxmlformats.org/drawingml/2006/table">
+            <a:tbl>
+              <a:tblPr firstRow="1" bandRow="1">
+                <a:tableStyleId>{5C22544A-7EE6-4342-B048-85BDC9FD1C3A}</a:tableStyleId>
+              </a:tblPr>
+              <a:tblGrid>
+                <a:gridCol w="2705766">
+                  <a:extLst>
+                    <a:ext uri="{9D8B030D-6E8A-4147-A177-3AD203B41FA5}">
+                      <a16:colId xmlns:a16="http://schemas.microsoft.com/office/drawing/2014/main" val="1756241634"/>
+                    </a:ext>
+                  </a:extLst>
+                </a:gridCol>
+                <a:gridCol w="2705766">
+                  <a:extLst>
+                    <a:ext uri="{9D8B030D-6E8A-4147-A177-3AD203B41FA5}">
+                      <a16:colId xmlns:a16="http://schemas.microsoft.com/office/drawing/2014/main" val="2797482735"/>
+                    </a:ext>
+                  </a:extLst>
+                </a:gridCol>
+              </a:tblGrid>
+              <a:tr h="370840">
+                <a:tc>
+                  <a:txBody>
+                    <a:bodyPr/>
+                    <a:lstStyle/>
+                    <a:p>
+                      <a:r>
+                        <a:rPr lang="en-US" altLang="zh-TW" dirty="0"/>
+                        <a:t>Input</a:t>
+                      </a:r>
+                      <a:endParaRPr lang="zh-TW" altLang="en-US" dirty="0"/>
+                    </a:p>
+                  </a:txBody>
+                  <a:tcPr/>
+                </a:tc>
+                <a:tc>
+                  <a:txBody>
+                    <a:bodyPr/>
+                    <a:lstStyle/>
+                    <a:p>
+                      <a:r>
+                        <a:rPr lang="en-US" altLang="zh-TW" dirty="0"/>
+                        <a:t>Data structure</a:t>
+                      </a:r>
+                      <a:endParaRPr lang="zh-TW" altLang="en-US" dirty="0"/>
+                    </a:p>
+                  </a:txBody>
+                  <a:tcPr/>
+                </a:tc>
+                <a:extLst>
+                  <a:ext uri="{0D108BD9-81ED-4DB2-BD59-A6C34878D82A}">
+                    <a16:rowId xmlns:a16="http://schemas.microsoft.com/office/drawing/2014/main" val="266759645"/>
+                  </a:ext>
+                </a:extLst>
+              </a:tr>
+              <a:tr h="370840">
+                <a:tc>
+                  <a:txBody>
+                    <a:bodyPr/>
+                    <a:lstStyle/>
+                    <a:p>
+                      <a:r>
+                        <a:rPr lang="en-US" altLang="zh-TW" dirty="0">
+                          <a:solidFill>
+                            <a:schemeClr val="accent2">
+                              <a:lumMod val="75000"/>
+                            </a:schemeClr>
+                          </a:solidFill>
+                        </a:rPr>
+                        <a:t>Face image</a:t>
+                      </a:r>
+                    </a:p>
+                  </a:txBody>
+                  <a:tcPr/>
+                </a:tc>
+                <a:tc>
+                  <a:txBody>
+                    <a:bodyPr/>
+                    <a:lstStyle/>
+                    <a:p>
+                      <a:pPr marL="0" marR="0" lvl="0" indent="0" algn="l" defTabSz="914400" rtl="0" eaLnBrk="1" fontAlgn="auto" latinLnBrk="0" hangingPunct="1">
+                        <a:lnSpc>
+                          <a:spcPct val="100000"/>
+                        </a:lnSpc>
+                        <a:spcBef>
+                          <a:spcPts val="0"/>
+                        </a:spcBef>
+                        <a:spcAft>
+                          <a:spcPts val="0"/>
+                        </a:spcAft>
+                        <a:buClrTx/>
+                        <a:buSzTx/>
+                        <a:buFontTx/>
+                        <a:buNone/>
+                        <a:tabLst/>
+                        <a:defRPr/>
+                      </a:pPr>
+                      <a:r>
+                        <a:rPr lang="en-US" altLang="zh-TW" dirty="0">
+                          <a:solidFill>
+                            <a:schemeClr val="accent1">
+                              <a:lumMod val="75000"/>
+                            </a:schemeClr>
+                          </a:solidFill>
+                        </a:rPr>
+                        <a:t>Int</a:t>
+                      </a:r>
+                      <a:r>
+                        <a:rPr lang="en-US" altLang="zh-TW" dirty="0"/>
+                        <a:t> </a:t>
+                      </a:r>
+                      <a:r>
+                        <a:rPr lang="en-US" altLang="zh-TW" dirty="0">
+                          <a:solidFill>
+                            <a:schemeClr val="accent6">
+                              <a:lumMod val="50000"/>
+                            </a:schemeClr>
+                          </a:solidFill>
+                        </a:rPr>
+                        <a:t>64</a:t>
+                      </a:r>
+                      <a:r>
+                        <a:rPr lang="en-US" altLang="zh-TW" baseline="30000" dirty="0">
+                          <a:solidFill>
+                            <a:schemeClr val="accent6">
+                              <a:lumMod val="50000"/>
+                            </a:schemeClr>
+                          </a:solidFill>
+                        </a:rPr>
+                        <a:t>+</a:t>
+                      </a:r>
+                      <a:r>
+                        <a:rPr lang="en-US" altLang="zh-TW" dirty="0">
+                          <a:solidFill>
+                            <a:schemeClr val="tx1"/>
+                          </a:solidFill>
+                        </a:rPr>
+                        <a:t>p</a:t>
+                      </a:r>
+                      <a:r>
+                        <a:rPr lang="en-US" altLang="zh-TW" dirty="0"/>
+                        <a:t>*</a:t>
+                      </a:r>
+                      <a:r>
+                        <a:rPr lang="en-US" altLang="zh-TW" dirty="0">
+                          <a:solidFill>
+                            <a:schemeClr val="accent6">
+                              <a:lumMod val="50000"/>
+                            </a:schemeClr>
+                          </a:solidFill>
+                        </a:rPr>
+                        <a:t>64</a:t>
+                      </a:r>
+                      <a:r>
+                        <a:rPr lang="en-US" altLang="zh-TW" baseline="30000" dirty="0">
+                          <a:solidFill>
+                            <a:schemeClr val="accent6">
+                              <a:lumMod val="50000"/>
+                            </a:schemeClr>
+                          </a:solidFill>
+                        </a:rPr>
+                        <a:t>+</a:t>
+                      </a:r>
+                      <a:r>
+                        <a:rPr lang="en-US" altLang="zh-TW" dirty="0">
+                          <a:solidFill>
+                            <a:schemeClr val="tx1"/>
+                          </a:solidFill>
+                        </a:rPr>
+                        <a:t>p</a:t>
+                      </a:r>
+                      <a:r>
+                        <a:rPr lang="en-US" altLang="zh-TW" dirty="0"/>
+                        <a:t>*</a:t>
+                      </a:r>
+                      <a:r>
+                        <a:rPr lang="en-US" altLang="zh-TW" dirty="0">
+                          <a:solidFill>
+                            <a:schemeClr val="accent6">
+                              <a:lumMod val="50000"/>
+                            </a:schemeClr>
+                          </a:solidFill>
+                        </a:rPr>
+                        <a:t>1</a:t>
+                      </a:r>
+                      <a:r>
+                        <a:rPr lang="en-US" altLang="zh-TW" dirty="0"/>
+                        <a:t>ch*k</a:t>
+                      </a:r>
+                    </a:p>
+                  </a:txBody>
+                  <a:tcPr/>
+                </a:tc>
+                <a:extLst>
+                  <a:ext uri="{0D108BD9-81ED-4DB2-BD59-A6C34878D82A}">
+                    <a16:rowId xmlns:a16="http://schemas.microsoft.com/office/drawing/2014/main" val="2052349725"/>
+                  </a:ext>
+                </a:extLst>
+              </a:tr>
+            </a:tbl>
+          </a:graphicData>
+        </a:graphic>
+      </p:graphicFrame>
+      <p:graphicFrame>
+        <p:nvGraphicFramePr>
+          <p:cNvPr id="53" name="表格 51">
+            <a:extLst>
+              <a:ext uri="{FF2B5EF4-FFF2-40B4-BE49-F238E27FC236}">
+                <a16:creationId xmlns:a16="http://schemas.microsoft.com/office/drawing/2014/main" id="{712E65C8-333D-4812-89B1-7977BEC40033}"/>
+              </a:ext>
+            </a:extLst>
+          </p:cNvPr>
+          <p:cNvGraphicFramePr>
+            <a:graphicFrameLocks noGrp="1"/>
+          </p:cNvGraphicFramePr>
+          <p:nvPr>
+            <p:extLst>
+              <p:ext uri="{D42A27DB-BD31-4B8C-83A1-F6EECF244321}">
+                <p14:modId xmlns:p14="http://schemas.microsoft.com/office/powerpoint/2010/main" val="3700752795"/>
+              </p:ext>
+            </p:extLst>
+          </p:nvPr>
+        </p:nvGraphicFramePr>
+        <p:xfrm>
+          <a:off x="6206867" y="4148808"/>
+          <a:ext cx="5411532" cy="741680"/>
+        </p:xfrm>
+        <a:graphic>
+          <a:graphicData uri="http://schemas.openxmlformats.org/drawingml/2006/table">
+            <a:tbl>
+              <a:tblPr firstRow="1" bandRow="1">
+                <a:tableStyleId>{073A0DAA-6AF3-43AB-8588-CEC1D06C72B9}</a:tableStyleId>
+              </a:tblPr>
+              <a:tblGrid>
+                <a:gridCol w="2705766">
+                  <a:extLst>
+                    <a:ext uri="{9D8B030D-6E8A-4147-A177-3AD203B41FA5}">
+                      <a16:colId xmlns:a16="http://schemas.microsoft.com/office/drawing/2014/main" val="1756241634"/>
+                    </a:ext>
+                  </a:extLst>
+                </a:gridCol>
+                <a:gridCol w="2705766">
+                  <a:extLst>
+                    <a:ext uri="{9D8B030D-6E8A-4147-A177-3AD203B41FA5}">
+                      <a16:colId xmlns:a16="http://schemas.microsoft.com/office/drawing/2014/main" val="2797482735"/>
+                    </a:ext>
+                  </a:extLst>
+                </a:gridCol>
+              </a:tblGrid>
+              <a:tr h="370840">
+                <a:tc>
+                  <a:txBody>
+                    <a:bodyPr/>
+                    <a:lstStyle/>
+                    <a:p>
+                      <a:r>
+                        <a:rPr lang="en-US" altLang="zh-TW" dirty="0"/>
+                        <a:t>Output</a:t>
+                      </a:r>
+                      <a:endParaRPr lang="zh-TW" altLang="en-US" dirty="0"/>
+                    </a:p>
+                  </a:txBody>
+                  <a:tcPr/>
+                </a:tc>
+                <a:tc>
+                  <a:txBody>
+                    <a:bodyPr/>
+                    <a:lstStyle/>
+                    <a:p>
+                      <a:r>
+                        <a:rPr lang="en-US" altLang="zh-TW" dirty="0"/>
+                        <a:t>Data structure</a:t>
+                      </a:r>
+                      <a:endParaRPr lang="zh-TW" altLang="en-US" dirty="0"/>
+                    </a:p>
+                  </a:txBody>
+                  <a:tcPr/>
+                </a:tc>
+                <a:extLst>
+                  <a:ext uri="{0D108BD9-81ED-4DB2-BD59-A6C34878D82A}">
+                    <a16:rowId xmlns:a16="http://schemas.microsoft.com/office/drawing/2014/main" val="266759645"/>
+                  </a:ext>
+                </a:extLst>
+              </a:tr>
+              <a:tr h="370840">
+                <a:tc>
+                  <a:txBody>
+                    <a:bodyPr/>
+                    <a:lstStyle/>
+                    <a:p>
+                      <a:r>
+                        <a:rPr lang="en-US" altLang="zh-TW" dirty="0">
+                          <a:solidFill>
+                            <a:schemeClr val="accent2">
+                              <a:lumMod val="75000"/>
+                            </a:schemeClr>
+                          </a:solidFill>
+                        </a:rPr>
+                        <a:t>Face image</a:t>
+                      </a:r>
+                    </a:p>
+                  </a:txBody>
+                  <a:tcPr/>
+                </a:tc>
+                <a:tc>
+                  <a:txBody>
+                    <a:bodyPr/>
+                    <a:lstStyle/>
+                    <a:p>
+                      <a:pPr marL="0" marR="0" lvl="0" indent="0" algn="l" defTabSz="914400" rtl="0" eaLnBrk="1" fontAlgn="auto" latinLnBrk="0" hangingPunct="1">
+                        <a:lnSpc>
+                          <a:spcPct val="100000"/>
+                        </a:lnSpc>
+                        <a:spcBef>
+                          <a:spcPts val="0"/>
+                        </a:spcBef>
+                        <a:spcAft>
+                          <a:spcPts val="0"/>
+                        </a:spcAft>
+                        <a:buClrTx/>
+                        <a:buSzTx/>
+                        <a:buFontTx/>
+                        <a:buNone/>
+                        <a:tabLst/>
+                        <a:defRPr/>
+                      </a:pPr>
+                      <a:r>
+                        <a:rPr lang="en-US" altLang="zh-TW" dirty="0">
+                          <a:solidFill>
+                            <a:schemeClr val="accent1">
+                              <a:lumMod val="75000"/>
+                            </a:schemeClr>
+                          </a:solidFill>
+                        </a:rPr>
+                        <a:t>Int</a:t>
+                      </a:r>
+                      <a:r>
+                        <a:rPr lang="en-US" altLang="zh-TW" dirty="0"/>
+                        <a:t> </a:t>
+                      </a:r>
+                      <a:r>
+                        <a:rPr lang="en-US" altLang="zh-TW" dirty="0">
+                          <a:solidFill>
+                            <a:schemeClr val="accent6">
+                              <a:lumMod val="50000"/>
+                            </a:schemeClr>
+                          </a:solidFill>
+                        </a:rPr>
+                        <a:t>64</a:t>
+                      </a:r>
+                      <a:r>
+                        <a:rPr lang="en-US" altLang="zh-TW" dirty="0">
+                          <a:solidFill>
+                            <a:schemeClr val="tx1"/>
+                          </a:solidFill>
+                        </a:rPr>
+                        <a:t>p</a:t>
+                      </a:r>
+                      <a:r>
+                        <a:rPr lang="en-US" altLang="zh-TW" dirty="0"/>
+                        <a:t>*</a:t>
+                      </a:r>
+                      <a:r>
+                        <a:rPr lang="en-US" altLang="zh-TW" dirty="0">
+                          <a:solidFill>
+                            <a:schemeClr val="accent6">
+                              <a:lumMod val="50000"/>
+                            </a:schemeClr>
+                          </a:solidFill>
+                        </a:rPr>
+                        <a:t>64</a:t>
+                      </a:r>
+                      <a:r>
+                        <a:rPr lang="en-US" altLang="zh-TW" dirty="0">
+                          <a:solidFill>
+                            <a:schemeClr val="tx1"/>
+                          </a:solidFill>
+                        </a:rPr>
+                        <a:t>p</a:t>
+                      </a:r>
+                      <a:r>
+                        <a:rPr lang="en-US" altLang="zh-TW" dirty="0"/>
+                        <a:t>*</a:t>
+                      </a:r>
+                      <a:r>
+                        <a:rPr lang="en-US" altLang="zh-TW" dirty="0">
+                          <a:solidFill>
+                            <a:schemeClr val="accent6">
+                              <a:lumMod val="50000"/>
+                            </a:schemeClr>
+                          </a:solidFill>
+                        </a:rPr>
+                        <a:t>1</a:t>
+                      </a:r>
+                      <a:r>
+                        <a:rPr lang="en-US" altLang="zh-TW" dirty="0"/>
+                        <a:t>ch*k</a:t>
+                      </a:r>
+                    </a:p>
+                  </a:txBody>
+                  <a:tcPr/>
+                </a:tc>
+                <a:extLst>
+                  <a:ext uri="{0D108BD9-81ED-4DB2-BD59-A6C34878D82A}">
+                    <a16:rowId xmlns:a16="http://schemas.microsoft.com/office/drawing/2014/main" val="2052349725"/>
+                  </a:ext>
+                </a:extLst>
+              </a:tr>
+            </a:tbl>
+          </a:graphicData>
+        </a:graphic>
+      </p:graphicFrame>
+    </p:spTree>
+    <p:extLst>
+      <p:ext uri="{BB962C8B-B14F-4D97-AF65-F5344CB8AC3E}">
+        <p14:creationId xmlns:p14="http://schemas.microsoft.com/office/powerpoint/2010/main" val="1439154000"/>
+      </p:ext>
+    </p:extLst>
+  </p:cSld>
+  <p:clrMapOvr>
+    <a:masterClrMapping/>
+  </p:clrMapOvr>
+  <mc:AlternateContent xmlns:mc="http://schemas.openxmlformats.org/markup-compatibility/2006" xmlns:p14="http://schemas.microsoft.com/office/powerpoint/2010/main">
+    <mc:Choice Requires="p14">
+      <p:transition spd="slow" p14:dur="1300">
+        <p14:pan dir="u"/>
+      </p:transition>
+    </mc:Choice>
+    <mc:Fallback xmlns="">
+      <p:transition spd="slow">
+        <p:fade/>
+      </p:transition>
+    </mc:Fallback>
+  </mc:AlternateContent>
+</p:sld>
+</file>
+
+<file path=ppt/slides/slide15.xml><?xml version="1.0" encoding="utf-8"?>
+<p:sld xmlns:a="http://schemas.openxmlformats.org/drawingml/2006/main" xmlns:r="http://schemas.openxmlformats.org/officeDocument/2006/relationships" xmlns:p="http://schemas.openxmlformats.org/presentationml/2006/main">
+  <p:cSld>
+    <p:spTree>
+      <p:nvGrpSpPr>
+        <p:cNvPr id="1" name=""/>
+        <p:cNvGrpSpPr/>
+        <p:nvPr/>
+      </p:nvGrpSpPr>
+      <p:grpSpPr>
+        <a:xfrm>
+          <a:off x="0" y="0"/>
+          <a:ext cx="0" cy="0"/>
+          <a:chOff x="0" y="0"/>
+          <a:chExt cx="0" cy="0"/>
+        </a:xfrm>
+      </p:grpSpPr>
+      <p:pic>
+        <p:nvPicPr>
+          <p:cNvPr id="2" name="图片 1" descr="未标题-178"/>
+          <p:cNvPicPr>
+            <a:picLocks noChangeAspect="1"/>
+          </p:cNvPicPr>
+          <p:nvPr/>
+        </p:nvPicPr>
+        <p:blipFill>
+          <a:blip r:embed="rId2"/>
+          <a:srcRect t="3317" r="10893"/>
+          <a:stretch>
+            <a:fillRect/>
+          </a:stretch>
+        </p:blipFill>
+        <p:spPr>
+          <a:xfrm flipV="1">
+            <a:off x="10171430" y="5469890"/>
+            <a:ext cx="2020570" cy="1388110"/>
+          </a:xfrm>
+          <a:prstGeom prst="rect">
+            <a:avLst/>
+          </a:prstGeom>
+        </p:spPr>
+      </p:pic>
+      <p:pic>
+        <p:nvPicPr>
+          <p:cNvPr id="3" name="图片 2" descr="未标题-145"/>
+          <p:cNvPicPr>
+            <a:picLocks noChangeAspect="1"/>
+          </p:cNvPicPr>
+          <p:nvPr/>
+        </p:nvPicPr>
+        <p:blipFill>
+          <a:blip r:embed="rId3"/>
+          <a:stretch>
+            <a:fillRect/>
+          </a:stretch>
+        </p:blipFill>
+        <p:spPr>
+          <a:xfrm flipH="1" flipV="1">
+            <a:off x="0" y="0"/>
+            <a:ext cx="1360170" cy="775970"/>
+          </a:xfrm>
+          <a:prstGeom prst="rect">
+            <a:avLst/>
+          </a:prstGeom>
+        </p:spPr>
+      </p:pic>
+      <p:sp>
+        <p:nvSpPr>
+          <p:cNvPr id="6" name="文本框 5"/>
+          <p:cNvSpPr txBox="1"/>
+          <p:nvPr/>
+        </p:nvSpPr>
+        <p:spPr>
+          <a:xfrm>
+            <a:off x="1427480" y="158115"/>
+            <a:ext cx="1415772" cy="461665"/>
+          </a:xfrm>
+          <a:prstGeom prst="rect">
+            <a:avLst/>
+          </a:prstGeom>
+          <a:noFill/>
+        </p:spPr>
+        <p:txBody>
+          <a:bodyPr wrap="none" rtlCol="0">
+            <a:spAutoFit/>
+          </a:bodyPr>
+          <a:lstStyle/>
+          <a:p>
+            <a:r>
+              <a:rPr lang="zh-TW" altLang="en-US" sz="2400" b="1" dirty="0">
+                <a:solidFill>
+                  <a:srgbClr val="DE7F7E"/>
+                </a:solidFill>
+                <a:cs typeface="+mn-ea"/>
+                <a:sym typeface="+mn-lt"/>
+              </a:rPr>
+              <a:t>專案設計</a:t>
+            </a:r>
+            <a:endParaRPr lang="zh-CN" altLang="en-US" b="1" dirty="0">
+              <a:solidFill>
+                <a:srgbClr val="DE7F7E"/>
+              </a:solidFill>
+              <a:cs typeface="+mn-ea"/>
+              <a:sym typeface="+mn-lt"/>
+            </a:endParaRPr>
+          </a:p>
+        </p:txBody>
+      </p:sp>
+      <p:sp>
+        <p:nvSpPr>
+          <p:cNvPr id="5" name="矩形 4">
+            <a:extLst>
+              <a:ext uri="{FF2B5EF4-FFF2-40B4-BE49-F238E27FC236}">
+                <a16:creationId xmlns:a16="http://schemas.microsoft.com/office/drawing/2014/main" id="{66F99CA9-7671-4C95-9702-7B6F69AADC1A}"/>
+              </a:ext>
+            </a:extLst>
+          </p:cNvPr>
+          <p:cNvSpPr/>
+          <p:nvPr/>
+        </p:nvSpPr>
+        <p:spPr>
+          <a:xfrm>
+            <a:off x="4992027" y="1614418"/>
+            <a:ext cx="1178828" cy="627466"/>
+          </a:xfrm>
+          <a:prstGeom prst="rect">
+            <a:avLst/>
+          </a:prstGeom>
+          <a:solidFill>
+            <a:srgbClr val="D0CECE"/>
+          </a:solidFill>
+          <a:ln>
+            <a:noFill/>
+          </a:ln>
+        </p:spPr>
+        <p:style>
+          <a:lnRef idx="2">
+            <a:schemeClr val="accent1">
+              <a:shade val="50000"/>
+            </a:schemeClr>
+          </a:lnRef>
+          <a:fillRef idx="1">
+            <a:schemeClr val="accent1"/>
+          </a:fillRef>
+          <a:effectRef idx="0">
+            <a:schemeClr val="accent1"/>
+          </a:effectRef>
+          <a:fontRef idx="minor">
+            <a:schemeClr val="lt1"/>
+          </a:fontRef>
+        </p:style>
+        <p:txBody>
+          <a:bodyPr rtlCol="0" anchor="ctr"/>
+          <a:lstStyle/>
+          <a:p>
+            <a:pPr algn="ctr"/>
+            <a:r>
+              <a:rPr lang="zh-TW" altLang="en-US" dirty="0"/>
+              <a:t>視窗介面</a:t>
+            </a:r>
+          </a:p>
+        </p:txBody>
+      </p:sp>
+      <p:sp>
+        <p:nvSpPr>
+          <p:cNvPr id="7" name="矩形 6">
+            <a:extLst>
+              <a:ext uri="{FF2B5EF4-FFF2-40B4-BE49-F238E27FC236}">
+                <a16:creationId xmlns:a16="http://schemas.microsoft.com/office/drawing/2014/main" id="{E8187B2D-C729-49D4-BE80-A2657D7DA3E3}"/>
+              </a:ext>
+            </a:extLst>
+          </p:cNvPr>
+          <p:cNvSpPr/>
+          <p:nvPr/>
+        </p:nvSpPr>
+        <p:spPr>
+          <a:xfrm>
+            <a:off x="7082618" y="1620251"/>
+            <a:ext cx="1178828" cy="627466"/>
+          </a:xfrm>
+          <a:prstGeom prst="rect">
+            <a:avLst/>
+          </a:prstGeom>
+          <a:solidFill>
+            <a:schemeClr val="bg1">
+              <a:lumMod val="85000"/>
+            </a:schemeClr>
+          </a:solidFill>
+          <a:ln>
+            <a:noFill/>
+          </a:ln>
+        </p:spPr>
+        <p:style>
+          <a:lnRef idx="2">
+            <a:schemeClr val="accent1">
+              <a:shade val="50000"/>
+            </a:schemeClr>
+          </a:lnRef>
+          <a:fillRef idx="1">
+            <a:schemeClr val="accent1"/>
+          </a:fillRef>
+          <a:effectRef idx="0">
+            <a:schemeClr val="accent1"/>
+          </a:effectRef>
+          <a:fontRef idx="minor">
+            <a:schemeClr val="lt1"/>
+          </a:fontRef>
+        </p:style>
+        <p:txBody>
+          <a:bodyPr rtlCol="0" anchor="ctr"/>
+          <a:lstStyle/>
+          <a:p>
+            <a:pPr algn="ctr"/>
+            <a:r>
+              <a:rPr lang="zh-TW" altLang="en-US" dirty="0"/>
+              <a:t>人臉偵測</a:t>
+            </a:r>
+          </a:p>
+        </p:txBody>
+      </p:sp>
+      <p:sp>
+        <p:nvSpPr>
+          <p:cNvPr id="8" name="矩形 7">
+            <a:extLst>
+              <a:ext uri="{FF2B5EF4-FFF2-40B4-BE49-F238E27FC236}">
+                <a16:creationId xmlns:a16="http://schemas.microsoft.com/office/drawing/2014/main" id="{DA9BDF08-F2CF-44F4-BCE2-E7377583AB7D}"/>
+              </a:ext>
+            </a:extLst>
+          </p:cNvPr>
+          <p:cNvSpPr/>
+          <p:nvPr/>
+        </p:nvSpPr>
+        <p:spPr>
+          <a:xfrm>
+            <a:off x="7082618" y="2858957"/>
+            <a:ext cx="1178828" cy="627466"/>
+          </a:xfrm>
+          <a:prstGeom prst="rect">
+            <a:avLst/>
+          </a:prstGeom>
+          <a:solidFill>
+            <a:schemeClr val="bg2">
+              <a:lumMod val="90000"/>
+            </a:schemeClr>
+          </a:solidFill>
+          <a:ln>
+            <a:noFill/>
+          </a:ln>
+        </p:spPr>
+        <p:style>
+          <a:lnRef idx="2">
+            <a:schemeClr val="accent1">
+              <a:shade val="50000"/>
+            </a:schemeClr>
+          </a:lnRef>
+          <a:fillRef idx="1">
+            <a:schemeClr val="accent1"/>
+          </a:fillRef>
+          <a:effectRef idx="0">
+            <a:schemeClr val="accent1"/>
+          </a:effectRef>
+          <a:fontRef idx="minor">
+            <a:schemeClr val="lt1"/>
+          </a:fontRef>
+        </p:style>
+        <p:txBody>
+          <a:bodyPr rtlCol="0" anchor="ctr"/>
+          <a:lstStyle/>
+          <a:p>
+            <a:pPr algn="ctr"/>
+            <a:r>
+              <a:rPr lang="zh-TW" altLang="en-US" dirty="0">
+                <a:latin typeface="微軟正黑體" panose="020B0604030504040204" pitchFamily="34" charset="-120"/>
+                <a:ea typeface="微軟正黑體" panose="020B0604030504040204" pitchFamily="34" charset="-120"/>
+              </a:rPr>
+              <a:t>圖片像素</a:t>
+            </a:r>
+          </a:p>
+          <a:p>
+            <a:pPr algn="ctr"/>
+            <a:r>
+              <a:rPr lang="zh-TW" altLang="en-US" dirty="0">
+                <a:latin typeface="微軟正黑體" panose="020B0604030504040204" pitchFamily="34" charset="-120"/>
+                <a:ea typeface="微軟正黑體" panose="020B0604030504040204" pitchFamily="34" charset="-120"/>
+              </a:rPr>
+              <a:t>統一</a:t>
+            </a:r>
+          </a:p>
+        </p:txBody>
+      </p:sp>
+      <p:sp>
+        <p:nvSpPr>
+          <p:cNvPr id="9" name="矩形 8">
+            <a:extLst>
+              <a:ext uri="{FF2B5EF4-FFF2-40B4-BE49-F238E27FC236}">
+                <a16:creationId xmlns:a16="http://schemas.microsoft.com/office/drawing/2014/main" id="{DB57530F-C888-4106-BA05-CC55898430B4}"/>
+              </a:ext>
+            </a:extLst>
+          </p:cNvPr>
+          <p:cNvSpPr/>
+          <p:nvPr/>
+        </p:nvSpPr>
+        <p:spPr>
+          <a:xfrm>
+            <a:off x="5007849" y="2858957"/>
+            <a:ext cx="1178828" cy="627466"/>
+          </a:xfrm>
+          <a:prstGeom prst="rect">
+            <a:avLst/>
+          </a:prstGeom>
+          <a:solidFill>
+            <a:schemeClr val="accent1"/>
+          </a:solidFill>
+          <a:ln>
+            <a:noFill/>
+          </a:ln>
+        </p:spPr>
+        <p:style>
+          <a:lnRef idx="2">
+            <a:schemeClr val="accent1">
+              <a:shade val="50000"/>
+            </a:schemeClr>
+          </a:lnRef>
+          <a:fillRef idx="1">
+            <a:schemeClr val="accent1"/>
+          </a:fillRef>
+          <a:effectRef idx="0">
+            <a:schemeClr val="accent1"/>
+          </a:effectRef>
+          <a:fontRef idx="minor">
+            <a:schemeClr val="lt1"/>
+          </a:fontRef>
+        </p:style>
+        <p:txBody>
+          <a:bodyPr rtlCol="0" anchor="ctr"/>
+          <a:lstStyle/>
+          <a:p>
+            <a:pPr algn="ctr"/>
+            <a:r>
+              <a:rPr lang="zh-TW" altLang="en-US" dirty="0"/>
+              <a:t>特徵擷取</a:t>
+            </a:r>
+          </a:p>
+        </p:txBody>
+      </p:sp>
+      <p:sp>
+        <p:nvSpPr>
+          <p:cNvPr id="10" name="矩形 9">
+            <a:extLst>
+              <a:ext uri="{FF2B5EF4-FFF2-40B4-BE49-F238E27FC236}">
+                <a16:creationId xmlns:a16="http://schemas.microsoft.com/office/drawing/2014/main" id="{CC621556-3BBD-4FC0-A01D-74E6694B007F}"/>
+              </a:ext>
+            </a:extLst>
+          </p:cNvPr>
+          <p:cNvSpPr/>
+          <p:nvPr/>
+        </p:nvSpPr>
+        <p:spPr>
+          <a:xfrm>
+            <a:off x="2887076" y="2851119"/>
+            <a:ext cx="1178828" cy="627466"/>
+          </a:xfrm>
+          <a:prstGeom prst="rect">
+            <a:avLst/>
+          </a:prstGeom>
+          <a:solidFill>
+            <a:srgbClr val="D0CECE"/>
+          </a:solidFill>
+          <a:ln>
+            <a:noFill/>
+          </a:ln>
+        </p:spPr>
+        <p:style>
+          <a:lnRef idx="2">
+            <a:schemeClr val="accent1">
+              <a:shade val="50000"/>
+            </a:schemeClr>
+          </a:lnRef>
+          <a:fillRef idx="1">
+            <a:schemeClr val="accent1"/>
+          </a:fillRef>
+          <a:effectRef idx="0">
+            <a:schemeClr val="accent1"/>
+          </a:effectRef>
+          <a:fontRef idx="minor">
+            <a:schemeClr val="lt1"/>
+          </a:fontRef>
+        </p:style>
+        <p:txBody>
+          <a:bodyPr rtlCol="0" anchor="ctr"/>
+          <a:lstStyle/>
+          <a:p>
+            <a:pPr algn="ctr"/>
+            <a:r>
+              <a:rPr lang="zh-TW" altLang="en-US" dirty="0"/>
+              <a:t>人臉辨識模型</a:t>
+            </a:r>
+          </a:p>
+        </p:txBody>
+      </p:sp>
+      <p:cxnSp>
+        <p:nvCxnSpPr>
+          <p:cNvPr id="12" name="直線單箭頭接點 11">
+            <a:extLst>
+              <a:ext uri="{FF2B5EF4-FFF2-40B4-BE49-F238E27FC236}">
+                <a16:creationId xmlns:a16="http://schemas.microsoft.com/office/drawing/2014/main" id="{149A8D69-7154-494F-8F22-6A54153AB842}"/>
+              </a:ext>
+            </a:extLst>
+          </p:cNvPr>
+          <p:cNvCxnSpPr>
+            <a:cxnSpLocks/>
+          </p:cNvCxnSpPr>
+          <p:nvPr/>
+        </p:nvCxnSpPr>
+        <p:spPr>
+          <a:xfrm>
+            <a:off x="3645905" y="1689410"/>
+            <a:ext cx="1331762" cy="0"/>
+          </a:xfrm>
+          <a:prstGeom prst="straightConnector1">
+            <a:avLst/>
+          </a:prstGeom>
+          <a:ln w="38100">
+            <a:solidFill>
+              <a:schemeClr val="bg1">
+                <a:lumMod val="85000"/>
+              </a:schemeClr>
+            </a:solidFill>
+            <a:tailEnd type="triangle"/>
+          </a:ln>
+        </p:spPr>
+        <p:style>
+          <a:lnRef idx="1">
+            <a:schemeClr val="accent1"/>
+          </a:lnRef>
+          <a:fillRef idx="0">
+            <a:schemeClr val="accent1"/>
+          </a:fillRef>
+          <a:effectRef idx="0">
+            <a:schemeClr val="accent1"/>
+          </a:effectRef>
+          <a:fontRef idx="minor">
+            <a:schemeClr val="tx1"/>
+          </a:fontRef>
+        </p:style>
+      </p:cxnSp>
+      <p:cxnSp>
+        <p:nvCxnSpPr>
+          <p:cNvPr id="14" name="直線單箭頭接點 13">
+            <a:extLst>
+              <a:ext uri="{FF2B5EF4-FFF2-40B4-BE49-F238E27FC236}">
+                <a16:creationId xmlns:a16="http://schemas.microsoft.com/office/drawing/2014/main" id="{1705C6D3-3690-4DCD-9989-5F774E558C36}"/>
+              </a:ext>
+            </a:extLst>
+          </p:cNvPr>
+          <p:cNvCxnSpPr>
+            <a:cxnSpLocks/>
+          </p:cNvCxnSpPr>
+          <p:nvPr/>
+        </p:nvCxnSpPr>
+        <p:spPr>
+          <a:xfrm>
+            <a:off x="3645905" y="1910737"/>
+            <a:ext cx="1331762" cy="0"/>
+          </a:xfrm>
+          <a:prstGeom prst="straightConnector1">
+            <a:avLst/>
+          </a:prstGeom>
+          <a:ln w="38100">
+            <a:solidFill>
+              <a:schemeClr val="bg1">
+                <a:lumMod val="85000"/>
+              </a:schemeClr>
+            </a:solidFill>
+            <a:tailEnd type="triangle"/>
+          </a:ln>
+        </p:spPr>
+        <p:style>
+          <a:lnRef idx="1">
+            <a:schemeClr val="accent1"/>
+          </a:lnRef>
+          <a:fillRef idx="0">
+            <a:schemeClr val="accent1"/>
+          </a:fillRef>
+          <a:effectRef idx="0">
+            <a:schemeClr val="accent1"/>
+          </a:effectRef>
+          <a:fontRef idx="minor">
+            <a:schemeClr val="tx1"/>
+          </a:fontRef>
+        </p:style>
+      </p:cxnSp>
+      <p:sp>
+        <p:nvSpPr>
+          <p:cNvPr id="15" name="文字方塊 14">
+            <a:extLst>
+              <a:ext uri="{FF2B5EF4-FFF2-40B4-BE49-F238E27FC236}">
+                <a16:creationId xmlns:a16="http://schemas.microsoft.com/office/drawing/2014/main" id="{44E3FB08-8EE2-44B3-92C7-385AFD4C6466}"/>
+              </a:ext>
+            </a:extLst>
+          </p:cNvPr>
+          <p:cNvSpPr txBox="1"/>
+          <p:nvPr/>
+        </p:nvSpPr>
+        <p:spPr>
+          <a:xfrm>
+            <a:off x="2570276" y="1440509"/>
+            <a:ext cx="1005403" cy="369332"/>
+          </a:xfrm>
+          <a:prstGeom prst="rect">
+            <a:avLst/>
+          </a:prstGeom>
+          <a:noFill/>
+        </p:spPr>
+        <p:txBody>
+          <a:bodyPr wrap="square" rtlCol="0">
+            <a:spAutoFit/>
+          </a:bodyPr>
+          <a:lstStyle/>
+          <a:p>
+            <a:r>
+              <a:rPr lang="en-US" altLang="zh-TW" dirty="0">
+                <a:solidFill>
+                  <a:schemeClr val="bg1">
+                    <a:lumMod val="75000"/>
+                  </a:schemeClr>
+                </a:solidFill>
+              </a:rPr>
+              <a:t>Camera</a:t>
+            </a:r>
+            <a:endParaRPr lang="zh-TW" altLang="en-US" dirty="0">
+              <a:solidFill>
+                <a:schemeClr val="bg1">
+                  <a:lumMod val="75000"/>
+                </a:schemeClr>
+              </a:solidFill>
+            </a:endParaRPr>
+          </a:p>
+        </p:txBody>
+      </p:sp>
+      <p:sp>
+        <p:nvSpPr>
+          <p:cNvPr id="16" name="文字方塊 15">
+            <a:extLst>
+              <a:ext uri="{FF2B5EF4-FFF2-40B4-BE49-F238E27FC236}">
+                <a16:creationId xmlns:a16="http://schemas.microsoft.com/office/drawing/2014/main" id="{31F687A6-BC13-4200-A963-EDD6FA2B3D1C}"/>
+              </a:ext>
+            </a:extLst>
+          </p:cNvPr>
+          <p:cNvSpPr txBox="1"/>
+          <p:nvPr/>
+        </p:nvSpPr>
+        <p:spPr>
+          <a:xfrm>
+            <a:off x="1360170" y="1665347"/>
+            <a:ext cx="2326278" cy="369332"/>
+          </a:xfrm>
+          <a:prstGeom prst="rect">
+            <a:avLst/>
+          </a:prstGeom>
+          <a:noFill/>
+        </p:spPr>
+        <p:txBody>
+          <a:bodyPr wrap="square" rtlCol="0">
+            <a:spAutoFit/>
+          </a:bodyPr>
+          <a:lstStyle/>
+          <a:p>
+            <a:r>
+              <a:rPr lang="en-US" altLang="zh-TW" dirty="0">
+                <a:solidFill>
+                  <a:schemeClr val="bg1">
+                    <a:lumMod val="75000"/>
+                  </a:schemeClr>
+                </a:solidFill>
+              </a:rPr>
+              <a:t>Personal information</a:t>
+            </a:r>
+            <a:endParaRPr lang="zh-TW" altLang="en-US" dirty="0">
+              <a:solidFill>
+                <a:schemeClr val="bg1">
+                  <a:lumMod val="75000"/>
+                </a:schemeClr>
+              </a:solidFill>
+            </a:endParaRPr>
+          </a:p>
+        </p:txBody>
+      </p:sp>
+      <p:cxnSp>
+        <p:nvCxnSpPr>
+          <p:cNvPr id="20" name="直線單箭頭接點 19">
+            <a:extLst>
+              <a:ext uri="{FF2B5EF4-FFF2-40B4-BE49-F238E27FC236}">
+                <a16:creationId xmlns:a16="http://schemas.microsoft.com/office/drawing/2014/main" id="{A9C0F4D9-BEE0-48A7-A6A9-26CFCA0A4EEE}"/>
+              </a:ext>
+            </a:extLst>
+          </p:cNvPr>
+          <p:cNvCxnSpPr>
+            <a:cxnSpLocks/>
+            <a:stCxn id="5" idx="3"/>
+            <a:endCxn id="7" idx="1"/>
+          </p:cNvCxnSpPr>
+          <p:nvPr/>
+        </p:nvCxnSpPr>
+        <p:spPr>
+          <a:xfrm>
+            <a:off x="6170855" y="1928151"/>
+            <a:ext cx="911763" cy="5833"/>
+          </a:xfrm>
+          <a:prstGeom prst="straightConnector1">
+            <a:avLst/>
+          </a:prstGeom>
+          <a:ln w="38100">
+            <a:solidFill>
+              <a:srgbClr val="D0CECE"/>
+            </a:solidFill>
+            <a:tailEnd type="triangle"/>
+          </a:ln>
+        </p:spPr>
+        <p:style>
+          <a:lnRef idx="1">
+            <a:schemeClr val="accent1"/>
+          </a:lnRef>
+          <a:fillRef idx="0">
+            <a:schemeClr val="accent1"/>
+          </a:fillRef>
+          <a:effectRef idx="0">
+            <a:schemeClr val="accent1"/>
+          </a:effectRef>
+          <a:fontRef idx="minor">
+            <a:schemeClr val="tx1"/>
+          </a:fontRef>
+        </p:style>
+      </p:cxnSp>
+      <p:sp>
+        <p:nvSpPr>
+          <p:cNvPr id="24" name="文字方塊 23">
+            <a:extLst>
+              <a:ext uri="{FF2B5EF4-FFF2-40B4-BE49-F238E27FC236}">
+                <a16:creationId xmlns:a16="http://schemas.microsoft.com/office/drawing/2014/main" id="{2C24038C-CDB7-4862-9D75-397BA4A8538A}"/>
+              </a:ext>
+            </a:extLst>
+          </p:cNvPr>
+          <p:cNvSpPr txBox="1"/>
+          <p:nvPr/>
+        </p:nvSpPr>
+        <p:spPr>
+          <a:xfrm>
+            <a:off x="6230066" y="1480681"/>
+            <a:ext cx="825867" cy="369332"/>
+          </a:xfrm>
+          <a:prstGeom prst="rect">
+            <a:avLst/>
+          </a:prstGeom>
+          <a:noFill/>
+        </p:spPr>
+        <p:txBody>
+          <a:bodyPr wrap="square" rtlCol="0">
+            <a:spAutoFit/>
+          </a:bodyPr>
+          <a:lstStyle/>
+          <a:p>
+            <a:r>
+              <a:rPr lang="en-US" altLang="zh-TW" dirty="0">
+                <a:solidFill>
+                  <a:schemeClr val="bg1">
+                    <a:lumMod val="85000"/>
+                  </a:schemeClr>
+                </a:solidFill>
+              </a:rPr>
+              <a:t>Image</a:t>
+            </a:r>
+            <a:endParaRPr lang="zh-TW" altLang="en-US" dirty="0">
+              <a:solidFill>
+                <a:schemeClr val="bg1">
+                  <a:lumMod val="85000"/>
+                </a:schemeClr>
+              </a:solidFill>
+            </a:endParaRPr>
+          </a:p>
+        </p:txBody>
+      </p:sp>
+      <p:cxnSp>
+        <p:nvCxnSpPr>
+          <p:cNvPr id="25" name="直線單箭頭接點 24">
+            <a:extLst>
+              <a:ext uri="{FF2B5EF4-FFF2-40B4-BE49-F238E27FC236}">
+                <a16:creationId xmlns:a16="http://schemas.microsoft.com/office/drawing/2014/main" id="{D81CF14E-C983-4864-BDE3-EEA6C1CBE7A9}"/>
+              </a:ext>
+            </a:extLst>
+          </p:cNvPr>
+          <p:cNvCxnSpPr>
+            <a:cxnSpLocks/>
+            <a:stCxn id="7" idx="2"/>
+            <a:endCxn id="8" idx="0"/>
+          </p:cNvCxnSpPr>
+          <p:nvPr/>
+        </p:nvCxnSpPr>
+        <p:spPr>
+          <a:xfrm>
+            <a:off x="7672032" y="2247717"/>
+            <a:ext cx="0" cy="611240"/>
+          </a:xfrm>
+          <a:prstGeom prst="straightConnector1">
+            <a:avLst/>
+          </a:prstGeom>
+          <a:ln w="38100">
+            <a:solidFill>
+              <a:schemeClr val="tx2">
+                <a:lumMod val="20000"/>
+                <a:lumOff val="80000"/>
+              </a:schemeClr>
+            </a:solidFill>
+            <a:tailEnd type="triangle"/>
+          </a:ln>
+        </p:spPr>
+        <p:style>
+          <a:lnRef idx="1">
+            <a:schemeClr val="accent1"/>
+          </a:lnRef>
+          <a:fillRef idx="0">
+            <a:schemeClr val="accent1"/>
+          </a:fillRef>
+          <a:effectRef idx="0">
+            <a:schemeClr val="accent1"/>
+          </a:effectRef>
+          <a:fontRef idx="minor">
+            <a:schemeClr val="tx1"/>
+          </a:fontRef>
+        </p:style>
+      </p:cxnSp>
+      <p:sp>
+        <p:nvSpPr>
+          <p:cNvPr id="28" name="文字方塊 27">
+            <a:extLst>
+              <a:ext uri="{FF2B5EF4-FFF2-40B4-BE49-F238E27FC236}">
+                <a16:creationId xmlns:a16="http://schemas.microsoft.com/office/drawing/2014/main" id="{32B86074-218E-47B8-8ED2-4420D69BA522}"/>
+              </a:ext>
+            </a:extLst>
+          </p:cNvPr>
+          <p:cNvSpPr txBox="1"/>
+          <p:nvPr/>
+        </p:nvSpPr>
+        <p:spPr>
+          <a:xfrm>
+            <a:off x="7750132" y="2378427"/>
+            <a:ext cx="1390124" cy="369332"/>
+          </a:xfrm>
+          <a:prstGeom prst="rect">
+            <a:avLst/>
+          </a:prstGeom>
+          <a:noFill/>
+        </p:spPr>
+        <p:txBody>
+          <a:bodyPr wrap="square" rtlCol="0">
+            <a:spAutoFit/>
+          </a:bodyPr>
+          <a:lstStyle/>
+          <a:p>
+            <a:r>
+              <a:rPr lang="en-US" altLang="zh-TW" dirty="0">
+                <a:solidFill>
+                  <a:schemeClr val="bg2">
+                    <a:lumMod val="90000"/>
+                  </a:schemeClr>
+                </a:solidFill>
+              </a:rPr>
+              <a:t>Face image</a:t>
+            </a:r>
+            <a:endParaRPr lang="zh-TW" altLang="en-US" dirty="0">
+              <a:solidFill>
+                <a:schemeClr val="bg2">
+                  <a:lumMod val="90000"/>
+                </a:schemeClr>
+              </a:solidFill>
+            </a:endParaRPr>
+          </a:p>
+        </p:txBody>
+      </p:sp>
+      <p:sp>
+        <p:nvSpPr>
+          <p:cNvPr id="29" name="文字方塊 28">
+            <a:extLst>
+              <a:ext uri="{FF2B5EF4-FFF2-40B4-BE49-F238E27FC236}">
+                <a16:creationId xmlns:a16="http://schemas.microsoft.com/office/drawing/2014/main" id="{947A44CC-400C-40ED-8AFC-F9C4BA5B9138}"/>
+              </a:ext>
+            </a:extLst>
+          </p:cNvPr>
+          <p:cNvSpPr txBox="1"/>
+          <p:nvPr/>
+        </p:nvSpPr>
+        <p:spPr>
+          <a:xfrm>
+            <a:off x="6221290" y="2568451"/>
+            <a:ext cx="1109601" cy="646331"/>
+          </a:xfrm>
+          <a:prstGeom prst="rect">
+            <a:avLst/>
+          </a:prstGeom>
+          <a:noFill/>
+          <a:ln>
+            <a:noFill/>
+          </a:ln>
+        </p:spPr>
+        <p:txBody>
+          <a:bodyPr wrap="square" rtlCol="0">
+            <a:spAutoFit/>
+          </a:bodyPr>
+          <a:lstStyle/>
+          <a:p>
+            <a:r>
+              <a:rPr lang="en-US" altLang="zh-TW" dirty="0"/>
+              <a:t>Face image’</a:t>
+            </a:r>
+            <a:endParaRPr lang="zh-TW" altLang="en-US" dirty="0"/>
+          </a:p>
+        </p:txBody>
+      </p:sp>
+      <p:cxnSp>
+        <p:nvCxnSpPr>
+          <p:cNvPr id="30" name="直線單箭頭接點 29">
+            <a:extLst>
+              <a:ext uri="{FF2B5EF4-FFF2-40B4-BE49-F238E27FC236}">
+                <a16:creationId xmlns:a16="http://schemas.microsoft.com/office/drawing/2014/main" id="{9ED0B63C-20AE-4AEB-95A6-7F8E1864D604}"/>
+              </a:ext>
+            </a:extLst>
+          </p:cNvPr>
+          <p:cNvCxnSpPr>
+            <a:cxnSpLocks/>
+            <a:stCxn id="8" idx="1"/>
+            <a:endCxn id="9" idx="3"/>
+          </p:cNvCxnSpPr>
+          <p:nvPr/>
+        </p:nvCxnSpPr>
+        <p:spPr>
+          <a:xfrm flipH="1">
+            <a:off x="6186677" y="3172690"/>
+            <a:ext cx="895941" cy="0"/>
+          </a:xfrm>
+          <a:prstGeom prst="straightConnector1">
+            <a:avLst/>
+          </a:prstGeom>
+          <a:ln w="38100">
+            <a:solidFill>
+              <a:schemeClr val="accent1"/>
+            </a:solidFill>
+            <a:tailEnd type="triangle"/>
+          </a:ln>
+        </p:spPr>
+        <p:style>
+          <a:lnRef idx="1">
+            <a:schemeClr val="accent1"/>
+          </a:lnRef>
+          <a:fillRef idx="0">
+            <a:schemeClr val="accent1"/>
+          </a:fillRef>
+          <a:effectRef idx="0">
+            <a:schemeClr val="accent1"/>
+          </a:effectRef>
+          <a:fontRef idx="minor">
+            <a:schemeClr val="tx1"/>
+          </a:fontRef>
+        </p:style>
+      </p:cxnSp>
+      <p:cxnSp>
+        <p:nvCxnSpPr>
+          <p:cNvPr id="33" name="直線單箭頭接點 32">
+            <a:extLst>
+              <a:ext uri="{FF2B5EF4-FFF2-40B4-BE49-F238E27FC236}">
+                <a16:creationId xmlns:a16="http://schemas.microsoft.com/office/drawing/2014/main" id="{F78B425C-86C5-4F9D-AC4E-AE7D1651A360}"/>
+              </a:ext>
+            </a:extLst>
+          </p:cNvPr>
+          <p:cNvCxnSpPr>
+            <a:cxnSpLocks/>
+            <a:stCxn id="9" idx="1"/>
+            <a:endCxn id="10" idx="3"/>
+          </p:cNvCxnSpPr>
+          <p:nvPr/>
+        </p:nvCxnSpPr>
+        <p:spPr>
+          <a:xfrm flipH="1" flipV="1">
+            <a:off x="4065904" y="3164852"/>
+            <a:ext cx="941945" cy="7838"/>
+          </a:xfrm>
+          <a:prstGeom prst="straightConnector1">
+            <a:avLst/>
+          </a:prstGeom>
+          <a:ln w="38100">
+            <a:solidFill>
+              <a:schemeClr val="accent1"/>
+            </a:solidFill>
+            <a:tailEnd type="triangle"/>
+          </a:ln>
+        </p:spPr>
+        <p:style>
+          <a:lnRef idx="1">
+            <a:schemeClr val="accent1"/>
+          </a:lnRef>
+          <a:fillRef idx="0">
+            <a:schemeClr val="accent1"/>
+          </a:fillRef>
+          <a:effectRef idx="0">
+            <a:schemeClr val="accent1"/>
+          </a:effectRef>
+          <a:fontRef idx="minor">
+            <a:schemeClr val="tx1"/>
+          </a:fontRef>
+        </p:style>
+      </p:cxnSp>
+      <p:sp>
+        <p:nvSpPr>
+          <p:cNvPr id="36" name="矩形 35">
+            <a:extLst>
+              <a:ext uri="{FF2B5EF4-FFF2-40B4-BE49-F238E27FC236}">
+                <a16:creationId xmlns:a16="http://schemas.microsoft.com/office/drawing/2014/main" id="{026C14B8-3958-43F8-B6DD-2257FF978135}"/>
+              </a:ext>
+            </a:extLst>
+          </p:cNvPr>
+          <p:cNvSpPr/>
+          <p:nvPr/>
+        </p:nvSpPr>
+        <p:spPr>
+          <a:xfrm>
+            <a:off x="4036961" y="2787683"/>
+            <a:ext cx="979755" cy="369332"/>
+          </a:xfrm>
+          <a:prstGeom prst="rect">
+            <a:avLst/>
+          </a:prstGeom>
+        </p:spPr>
+        <p:txBody>
+          <a:bodyPr wrap="square">
+            <a:spAutoFit/>
+          </a:bodyPr>
+          <a:lstStyle/>
+          <a:p>
+            <a:r>
+              <a:rPr lang="en-US" altLang="zh-TW" dirty="0"/>
+              <a:t>F</a:t>
+            </a:r>
+            <a:r>
+              <a:rPr lang="zh-TW" altLang="en-US" dirty="0"/>
+              <a:t>eature</a:t>
+            </a:r>
+          </a:p>
+        </p:txBody>
+      </p:sp>
+      <p:cxnSp>
+        <p:nvCxnSpPr>
+          <p:cNvPr id="38" name="接點: 肘形 37">
+            <a:extLst>
+              <a:ext uri="{FF2B5EF4-FFF2-40B4-BE49-F238E27FC236}">
+                <a16:creationId xmlns:a16="http://schemas.microsoft.com/office/drawing/2014/main" id="{C38D2605-E8E4-4283-B485-720B7D397E05}"/>
+              </a:ext>
+            </a:extLst>
+          </p:cNvPr>
+          <p:cNvCxnSpPr>
+            <a:cxnSpLocks/>
+            <a:stCxn id="10" idx="0"/>
+          </p:cNvCxnSpPr>
+          <p:nvPr/>
+        </p:nvCxnSpPr>
+        <p:spPr>
+          <a:xfrm rot="5400000" flipH="1" flipV="1">
+            <a:off x="3863305" y="1736758"/>
+            <a:ext cx="727546" cy="1501177"/>
+          </a:xfrm>
+          <a:prstGeom prst="bentConnector2">
+            <a:avLst/>
+          </a:prstGeom>
+          <a:ln w="38100">
+            <a:solidFill>
+              <a:schemeClr val="bg1">
+                <a:lumMod val="85000"/>
+              </a:schemeClr>
+            </a:solidFill>
+            <a:tailEnd type="triangle"/>
+          </a:ln>
+        </p:spPr>
+        <p:style>
+          <a:lnRef idx="1">
+            <a:schemeClr val="accent1"/>
+          </a:lnRef>
+          <a:fillRef idx="0">
+            <a:schemeClr val="accent1"/>
+          </a:fillRef>
+          <a:effectRef idx="0">
+            <a:schemeClr val="accent1"/>
+          </a:effectRef>
+          <a:fontRef idx="minor">
+            <a:schemeClr val="tx1"/>
+          </a:fontRef>
+        </p:style>
+      </p:cxnSp>
+      <p:sp>
+        <p:nvSpPr>
+          <p:cNvPr id="39" name="矩形 38">
+            <a:extLst>
+              <a:ext uri="{FF2B5EF4-FFF2-40B4-BE49-F238E27FC236}">
+                <a16:creationId xmlns:a16="http://schemas.microsoft.com/office/drawing/2014/main" id="{ABFC51CA-F231-4DBD-909D-54A3A2E33C67}"/>
+              </a:ext>
+            </a:extLst>
+          </p:cNvPr>
+          <p:cNvSpPr/>
+          <p:nvPr/>
+        </p:nvSpPr>
+        <p:spPr>
+          <a:xfrm>
+            <a:off x="2555477" y="1934800"/>
+            <a:ext cx="838691" cy="369332"/>
+          </a:xfrm>
+          <a:prstGeom prst="rect">
+            <a:avLst/>
+          </a:prstGeom>
+        </p:spPr>
+        <p:txBody>
+          <a:bodyPr wrap="square">
+            <a:spAutoFit/>
+          </a:bodyPr>
+          <a:lstStyle/>
+          <a:p>
+            <a:r>
+              <a:rPr lang="en-US" altLang="zh-TW" dirty="0">
+                <a:solidFill>
+                  <a:schemeClr val="bg1">
+                    <a:lumMod val="75000"/>
+                  </a:schemeClr>
+                </a:solidFill>
+              </a:rPr>
+              <a:t>Result</a:t>
+            </a:r>
+            <a:endParaRPr lang="zh-TW" altLang="en-US" dirty="0">
+              <a:solidFill>
+                <a:schemeClr val="bg1">
+                  <a:lumMod val="75000"/>
+                </a:schemeClr>
+              </a:solidFill>
+            </a:endParaRPr>
+          </a:p>
+        </p:txBody>
+      </p:sp>
+      <p:graphicFrame>
+        <p:nvGraphicFramePr>
+          <p:cNvPr id="51" name="表格 51">
+            <a:extLst>
+              <a:ext uri="{FF2B5EF4-FFF2-40B4-BE49-F238E27FC236}">
+                <a16:creationId xmlns:a16="http://schemas.microsoft.com/office/drawing/2014/main" id="{4ABD8DF4-E164-46AD-B31D-C3BA556AC2FC}"/>
+              </a:ext>
+            </a:extLst>
+          </p:cNvPr>
+          <p:cNvGraphicFramePr>
+            <a:graphicFrameLocks noGrp="1"/>
+          </p:cNvGraphicFramePr>
+          <p:nvPr>
+            <p:extLst>
+              <p:ext uri="{D42A27DB-BD31-4B8C-83A1-F6EECF244321}">
+                <p14:modId xmlns:p14="http://schemas.microsoft.com/office/powerpoint/2010/main" val="4132185797"/>
+              </p:ext>
+            </p:extLst>
+          </p:nvPr>
+        </p:nvGraphicFramePr>
+        <p:xfrm>
+          <a:off x="572169" y="4137025"/>
+          <a:ext cx="5411532" cy="741680"/>
+        </p:xfrm>
+        <a:graphic>
+          <a:graphicData uri="http://schemas.openxmlformats.org/drawingml/2006/table">
+            <a:tbl>
+              <a:tblPr firstRow="1" bandRow="1">
+                <a:tableStyleId>{5C22544A-7EE6-4342-B048-85BDC9FD1C3A}</a:tableStyleId>
+              </a:tblPr>
+              <a:tblGrid>
+                <a:gridCol w="2705766">
+                  <a:extLst>
+                    <a:ext uri="{9D8B030D-6E8A-4147-A177-3AD203B41FA5}">
+                      <a16:colId xmlns:a16="http://schemas.microsoft.com/office/drawing/2014/main" val="1756241634"/>
+                    </a:ext>
+                  </a:extLst>
+                </a:gridCol>
+                <a:gridCol w="2705766">
+                  <a:extLst>
+                    <a:ext uri="{9D8B030D-6E8A-4147-A177-3AD203B41FA5}">
+                      <a16:colId xmlns:a16="http://schemas.microsoft.com/office/drawing/2014/main" val="2797482735"/>
+                    </a:ext>
+                  </a:extLst>
+                </a:gridCol>
+              </a:tblGrid>
+              <a:tr h="370840">
+                <a:tc>
+                  <a:txBody>
+                    <a:bodyPr/>
+                    <a:lstStyle/>
+                    <a:p>
+                      <a:r>
+                        <a:rPr lang="en-US" altLang="zh-TW" dirty="0"/>
+                        <a:t>Input</a:t>
+                      </a:r>
+                      <a:endParaRPr lang="zh-TW" altLang="en-US" dirty="0"/>
+                    </a:p>
+                  </a:txBody>
+                  <a:tcPr/>
+                </a:tc>
+                <a:tc>
+                  <a:txBody>
+                    <a:bodyPr/>
+                    <a:lstStyle/>
+                    <a:p>
+                      <a:r>
+                        <a:rPr lang="en-US" altLang="zh-TW" dirty="0"/>
+                        <a:t>Data structure</a:t>
+                      </a:r>
+                      <a:endParaRPr lang="zh-TW" altLang="en-US" dirty="0"/>
+                    </a:p>
+                  </a:txBody>
+                  <a:tcPr/>
+                </a:tc>
+                <a:extLst>
+                  <a:ext uri="{0D108BD9-81ED-4DB2-BD59-A6C34878D82A}">
+                    <a16:rowId xmlns:a16="http://schemas.microsoft.com/office/drawing/2014/main" val="266759645"/>
+                  </a:ext>
+                </a:extLst>
+              </a:tr>
+              <a:tr h="370840">
+                <a:tc>
+                  <a:txBody>
+                    <a:bodyPr/>
+                    <a:lstStyle/>
+                    <a:p>
+                      <a:r>
+                        <a:rPr lang="en-US" altLang="zh-TW" dirty="0">
+                          <a:solidFill>
+                            <a:schemeClr val="accent2">
+                              <a:lumMod val="75000"/>
+                            </a:schemeClr>
+                          </a:solidFill>
+                        </a:rPr>
+                        <a:t>Face image</a:t>
+                      </a:r>
+                    </a:p>
+                  </a:txBody>
+                  <a:tcPr/>
+                </a:tc>
+                <a:tc>
+                  <a:txBody>
+                    <a:bodyPr/>
+                    <a:lstStyle/>
+                    <a:p>
+                      <a:pPr marL="0" marR="0" lvl="0" indent="0" algn="l" defTabSz="914400" rtl="0" eaLnBrk="1" fontAlgn="auto" latinLnBrk="0" hangingPunct="1">
+                        <a:lnSpc>
+                          <a:spcPct val="100000"/>
+                        </a:lnSpc>
+                        <a:spcBef>
+                          <a:spcPts val="0"/>
+                        </a:spcBef>
+                        <a:spcAft>
+                          <a:spcPts val="0"/>
+                        </a:spcAft>
+                        <a:buClrTx/>
+                        <a:buSzTx/>
+                        <a:buFontTx/>
+                        <a:buNone/>
+                        <a:tabLst/>
+                        <a:defRPr/>
+                      </a:pPr>
+                      <a:r>
+                        <a:rPr lang="en-US" altLang="zh-TW" dirty="0">
+                          <a:solidFill>
+                            <a:schemeClr val="accent1">
+                              <a:lumMod val="75000"/>
+                            </a:schemeClr>
+                          </a:solidFill>
+                        </a:rPr>
+                        <a:t>Int</a:t>
+                      </a:r>
+                      <a:r>
+                        <a:rPr lang="en-US" altLang="zh-TW" dirty="0"/>
+                        <a:t> </a:t>
+                      </a:r>
+                      <a:r>
+                        <a:rPr lang="en-US" altLang="zh-TW" dirty="0">
+                          <a:solidFill>
+                            <a:schemeClr val="accent6">
+                              <a:lumMod val="50000"/>
+                            </a:schemeClr>
+                          </a:solidFill>
+                        </a:rPr>
+                        <a:t>64</a:t>
+                      </a:r>
+                      <a:r>
+                        <a:rPr lang="en-US" altLang="zh-TW" dirty="0">
+                          <a:solidFill>
+                            <a:schemeClr val="tx1"/>
+                          </a:solidFill>
+                        </a:rPr>
+                        <a:t>p</a:t>
+                      </a:r>
+                      <a:r>
+                        <a:rPr lang="en-US" altLang="zh-TW" dirty="0"/>
+                        <a:t>*</a:t>
+                      </a:r>
+                      <a:r>
+                        <a:rPr lang="en-US" altLang="zh-TW" dirty="0">
+                          <a:solidFill>
+                            <a:schemeClr val="accent6">
+                              <a:lumMod val="50000"/>
+                            </a:schemeClr>
+                          </a:solidFill>
+                        </a:rPr>
+                        <a:t>64</a:t>
+                      </a:r>
+                      <a:r>
+                        <a:rPr lang="en-US" altLang="zh-TW" dirty="0">
+                          <a:solidFill>
+                            <a:schemeClr val="tx1"/>
+                          </a:solidFill>
+                        </a:rPr>
+                        <a:t>p</a:t>
+                      </a:r>
+                      <a:r>
+                        <a:rPr lang="en-US" altLang="zh-TW" dirty="0"/>
+                        <a:t>*</a:t>
+                      </a:r>
+                      <a:r>
+                        <a:rPr lang="en-US" altLang="zh-TW" dirty="0">
+                          <a:solidFill>
+                            <a:schemeClr val="accent6">
+                              <a:lumMod val="50000"/>
+                            </a:schemeClr>
+                          </a:solidFill>
+                        </a:rPr>
+                        <a:t>1</a:t>
+                      </a:r>
+                      <a:r>
+                        <a:rPr lang="en-US" altLang="zh-TW" dirty="0"/>
+                        <a:t>ch*k</a:t>
+                      </a:r>
+                    </a:p>
+                  </a:txBody>
+                  <a:tcPr/>
+                </a:tc>
+                <a:extLst>
+                  <a:ext uri="{0D108BD9-81ED-4DB2-BD59-A6C34878D82A}">
+                    <a16:rowId xmlns:a16="http://schemas.microsoft.com/office/drawing/2014/main" val="2052349725"/>
+                  </a:ext>
+                </a:extLst>
+              </a:tr>
+            </a:tbl>
+          </a:graphicData>
+        </a:graphic>
+      </p:graphicFrame>
+      <p:graphicFrame>
+        <p:nvGraphicFramePr>
+          <p:cNvPr id="53" name="表格 51">
+            <a:extLst>
+              <a:ext uri="{FF2B5EF4-FFF2-40B4-BE49-F238E27FC236}">
+                <a16:creationId xmlns:a16="http://schemas.microsoft.com/office/drawing/2014/main" id="{712E65C8-333D-4812-89B1-7977BEC40033}"/>
+              </a:ext>
+            </a:extLst>
+          </p:cNvPr>
+          <p:cNvGraphicFramePr>
+            <a:graphicFrameLocks noGrp="1"/>
+          </p:cNvGraphicFramePr>
+          <p:nvPr>
+            <p:extLst>
+              <p:ext uri="{D42A27DB-BD31-4B8C-83A1-F6EECF244321}">
+                <p14:modId xmlns:p14="http://schemas.microsoft.com/office/powerpoint/2010/main" val="2008274653"/>
+              </p:ext>
+            </p:extLst>
+          </p:nvPr>
+        </p:nvGraphicFramePr>
+        <p:xfrm>
+          <a:off x="6206867" y="4148808"/>
+          <a:ext cx="5411532" cy="741680"/>
+        </p:xfrm>
+        <a:graphic>
+          <a:graphicData uri="http://schemas.openxmlformats.org/drawingml/2006/table">
+            <a:tbl>
+              <a:tblPr firstRow="1" bandRow="1">
+                <a:tableStyleId>{073A0DAA-6AF3-43AB-8588-CEC1D06C72B9}</a:tableStyleId>
+              </a:tblPr>
+              <a:tblGrid>
+                <a:gridCol w="2705766">
+                  <a:extLst>
+                    <a:ext uri="{9D8B030D-6E8A-4147-A177-3AD203B41FA5}">
+                      <a16:colId xmlns:a16="http://schemas.microsoft.com/office/drawing/2014/main" val="1756241634"/>
+                    </a:ext>
+                  </a:extLst>
+                </a:gridCol>
+                <a:gridCol w="2705766">
+                  <a:extLst>
+                    <a:ext uri="{9D8B030D-6E8A-4147-A177-3AD203B41FA5}">
+                      <a16:colId xmlns:a16="http://schemas.microsoft.com/office/drawing/2014/main" val="2797482735"/>
+                    </a:ext>
+                  </a:extLst>
+                </a:gridCol>
+              </a:tblGrid>
+              <a:tr h="370840">
+                <a:tc>
+                  <a:txBody>
+                    <a:bodyPr/>
+                    <a:lstStyle/>
+                    <a:p>
+                      <a:r>
+                        <a:rPr lang="en-US" altLang="zh-TW" dirty="0"/>
+                        <a:t>Output</a:t>
+                      </a:r>
+                      <a:endParaRPr lang="zh-TW" altLang="en-US" dirty="0"/>
+                    </a:p>
+                  </a:txBody>
+                  <a:tcPr/>
+                </a:tc>
+                <a:tc>
+                  <a:txBody>
+                    <a:bodyPr/>
+                    <a:lstStyle/>
+                    <a:p>
+                      <a:r>
+                        <a:rPr lang="en-US" altLang="zh-TW" dirty="0"/>
+                        <a:t>Data structure</a:t>
+                      </a:r>
+                      <a:endParaRPr lang="zh-TW" altLang="en-US" dirty="0"/>
+                    </a:p>
+                  </a:txBody>
+                  <a:tcPr/>
+                </a:tc>
+                <a:extLst>
+                  <a:ext uri="{0D108BD9-81ED-4DB2-BD59-A6C34878D82A}">
+                    <a16:rowId xmlns:a16="http://schemas.microsoft.com/office/drawing/2014/main" val="266759645"/>
+                  </a:ext>
+                </a:extLst>
+              </a:tr>
+              <a:tr h="370840">
+                <a:tc>
+                  <a:txBody>
+                    <a:bodyPr/>
+                    <a:lstStyle/>
+                    <a:p>
+                      <a:r>
+                        <a:rPr lang="en-US" altLang="zh-TW" dirty="0">
+                          <a:solidFill>
+                            <a:schemeClr val="accent2">
+                              <a:lumMod val="75000"/>
+                            </a:schemeClr>
+                          </a:solidFill>
+                        </a:rPr>
+                        <a:t>Feature</a:t>
+                      </a:r>
+                    </a:p>
+                  </a:txBody>
+                  <a:tcPr/>
+                </a:tc>
+                <a:tc>
+                  <a:txBody>
+                    <a:bodyPr/>
+                    <a:lstStyle/>
+                    <a:p>
+                      <a:pPr marL="0" marR="0" lvl="0" indent="0" algn="l" defTabSz="914400" rtl="0" eaLnBrk="1" fontAlgn="auto" latinLnBrk="0" hangingPunct="1">
+                        <a:lnSpc>
+                          <a:spcPct val="100000"/>
+                        </a:lnSpc>
+                        <a:spcBef>
+                          <a:spcPts val="0"/>
+                        </a:spcBef>
+                        <a:spcAft>
+                          <a:spcPts val="0"/>
+                        </a:spcAft>
+                        <a:buClrTx/>
+                        <a:buSzTx/>
+                        <a:buFontTx/>
+                        <a:buNone/>
+                        <a:tabLst/>
+                        <a:defRPr/>
+                      </a:pPr>
+                      <a:r>
+                        <a:rPr lang="en-US" altLang="zh-TW" dirty="0">
+                          <a:solidFill>
+                            <a:schemeClr val="accent1">
+                              <a:lumMod val="75000"/>
+                            </a:schemeClr>
+                          </a:solidFill>
+                        </a:rPr>
+                        <a:t>Float</a:t>
+                      </a:r>
+                      <a:r>
+                        <a:rPr lang="en-US" altLang="zh-TW" dirty="0"/>
+                        <a:t> </a:t>
+                      </a:r>
+                      <a:r>
+                        <a:rPr lang="en-US" altLang="zh-TW" dirty="0">
+                          <a:solidFill>
+                            <a:schemeClr val="accent6">
+                              <a:lumMod val="50000"/>
+                            </a:schemeClr>
+                          </a:solidFill>
+                        </a:rPr>
+                        <a:t>4</a:t>
+                      </a:r>
+                      <a:r>
+                        <a:rPr lang="en-US" altLang="zh-TW" dirty="0">
+                          <a:solidFill>
+                            <a:schemeClr val="tx1"/>
+                          </a:solidFill>
+                        </a:rPr>
+                        <a:t>B</a:t>
+                      </a:r>
+                      <a:r>
+                        <a:rPr lang="en-US" altLang="zh-TW" dirty="0"/>
+                        <a:t>*</a:t>
+                      </a:r>
+                      <a:r>
+                        <a:rPr lang="en-US" altLang="zh-TW" dirty="0">
+                          <a:solidFill>
+                            <a:schemeClr val="accent6">
+                              <a:lumMod val="50000"/>
+                            </a:schemeClr>
+                          </a:solidFill>
+                        </a:rPr>
+                        <a:t>68</a:t>
+                      </a:r>
+                      <a:r>
+                        <a:rPr lang="en-US" altLang="zh-TW" dirty="0"/>
+                        <a:t>*k</a:t>
+                      </a:r>
+                    </a:p>
+                  </a:txBody>
+                  <a:tcPr/>
+                </a:tc>
+                <a:extLst>
+                  <a:ext uri="{0D108BD9-81ED-4DB2-BD59-A6C34878D82A}">
+                    <a16:rowId xmlns:a16="http://schemas.microsoft.com/office/drawing/2014/main" val="2052349725"/>
+                  </a:ext>
+                </a:extLst>
+              </a:tr>
+            </a:tbl>
+          </a:graphicData>
+        </a:graphic>
+      </p:graphicFrame>
+    </p:spTree>
+    <p:extLst>
+      <p:ext uri="{BB962C8B-B14F-4D97-AF65-F5344CB8AC3E}">
+        <p14:creationId xmlns:p14="http://schemas.microsoft.com/office/powerpoint/2010/main" val="3844029869"/>
+      </p:ext>
+    </p:extLst>
+  </p:cSld>
+  <p:clrMapOvr>
+    <a:masterClrMapping/>
+  </p:clrMapOvr>
+  <mc:AlternateContent xmlns:mc="http://schemas.openxmlformats.org/markup-compatibility/2006" xmlns:p14="http://schemas.microsoft.com/office/powerpoint/2010/main">
+    <mc:Choice Requires="p14">
+      <p:transition spd="slow" p14:dur="1300">
+        <p14:pan dir="u"/>
+      </p:transition>
+    </mc:Choice>
+    <mc:Fallback xmlns="">
+      <p:transition spd="slow">
+        <p:fade/>
+      </p:transition>
+    </mc:Fallback>
+  </mc:AlternateContent>
+</p:sld>
+</file>
+
+<file path=ppt/slides/slide16.xml><?xml version="1.0" encoding="utf-8"?>
+<p:sld xmlns:a="http://schemas.openxmlformats.org/drawingml/2006/main" xmlns:r="http://schemas.openxmlformats.org/officeDocument/2006/relationships" xmlns:p="http://schemas.openxmlformats.org/presentationml/2006/main">
+  <p:cSld>
+    <p:spTree>
+      <p:nvGrpSpPr>
+        <p:cNvPr id="1" name=""/>
+        <p:cNvGrpSpPr/>
+        <p:nvPr/>
+      </p:nvGrpSpPr>
+      <p:grpSpPr>
+        <a:xfrm>
+          <a:off x="0" y="0"/>
+          <a:ext cx="0" cy="0"/>
+          <a:chOff x="0" y="0"/>
+          <a:chExt cx="0" cy="0"/>
+        </a:xfrm>
+      </p:grpSpPr>
+      <p:pic>
+        <p:nvPicPr>
+          <p:cNvPr id="2" name="图片 1" descr="未标题-178"/>
+          <p:cNvPicPr>
+            <a:picLocks noChangeAspect="1"/>
+          </p:cNvPicPr>
+          <p:nvPr/>
+        </p:nvPicPr>
+        <p:blipFill>
+          <a:blip r:embed="rId2"/>
+          <a:srcRect t="3317" r="10893"/>
+          <a:stretch>
+            <a:fillRect/>
+          </a:stretch>
+        </p:blipFill>
+        <p:spPr>
+          <a:xfrm flipV="1">
+            <a:off x="10171430" y="5469890"/>
+            <a:ext cx="2020570" cy="1388110"/>
+          </a:xfrm>
+          <a:prstGeom prst="rect">
+            <a:avLst/>
+          </a:prstGeom>
+        </p:spPr>
+      </p:pic>
+      <p:pic>
+        <p:nvPicPr>
+          <p:cNvPr id="3" name="图片 2" descr="未标题-145"/>
+          <p:cNvPicPr>
+            <a:picLocks noChangeAspect="1"/>
+          </p:cNvPicPr>
+          <p:nvPr/>
+        </p:nvPicPr>
+        <p:blipFill>
+          <a:blip r:embed="rId3"/>
+          <a:stretch>
+            <a:fillRect/>
+          </a:stretch>
+        </p:blipFill>
+        <p:spPr>
+          <a:xfrm flipH="1" flipV="1">
+            <a:off x="0" y="0"/>
+            <a:ext cx="1360170" cy="775970"/>
+          </a:xfrm>
+          <a:prstGeom prst="rect">
+            <a:avLst/>
+          </a:prstGeom>
+        </p:spPr>
+      </p:pic>
+      <p:sp>
+        <p:nvSpPr>
+          <p:cNvPr id="6" name="文本框 5"/>
+          <p:cNvSpPr txBox="1"/>
+          <p:nvPr/>
+        </p:nvSpPr>
+        <p:spPr>
+          <a:xfrm>
+            <a:off x="1427480" y="158115"/>
+            <a:ext cx="1415772" cy="461665"/>
+          </a:xfrm>
+          <a:prstGeom prst="rect">
+            <a:avLst/>
+          </a:prstGeom>
+          <a:noFill/>
+        </p:spPr>
+        <p:txBody>
+          <a:bodyPr wrap="none" rtlCol="0">
+            <a:spAutoFit/>
+          </a:bodyPr>
+          <a:lstStyle/>
+          <a:p>
+            <a:r>
+              <a:rPr lang="zh-TW" altLang="en-US" sz="2400" b="1" dirty="0">
+                <a:solidFill>
+                  <a:srgbClr val="DE7F7E"/>
+                </a:solidFill>
+                <a:cs typeface="+mn-ea"/>
+                <a:sym typeface="+mn-lt"/>
+              </a:rPr>
+              <a:t>專案設計</a:t>
+            </a:r>
+            <a:endParaRPr lang="zh-CN" altLang="en-US" b="1" dirty="0">
+              <a:solidFill>
+                <a:srgbClr val="DE7F7E"/>
+              </a:solidFill>
+              <a:cs typeface="+mn-ea"/>
+              <a:sym typeface="+mn-lt"/>
+            </a:endParaRPr>
+          </a:p>
+        </p:txBody>
+      </p:sp>
+      <p:sp>
+        <p:nvSpPr>
+          <p:cNvPr id="5" name="矩形 4">
+            <a:extLst>
+              <a:ext uri="{FF2B5EF4-FFF2-40B4-BE49-F238E27FC236}">
+                <a16:creationId xmlns:a16="http://schemas.microsoft.com/office/drawing/2014/main" id="{66F99CA9-7671-4C95-9702-7B6F69AADC1A}"/>
+              </a:ext>
+            </a:extLst>
+          </p:cNvPr>
+          <p:cNvSpPr/>
+          <p:nvPr/>
+        </p:nvSpPr>
+        <p:spPr>
+          <a:xfrm>
+            <a:off x="4992027" y="1614418"/>
+            <a:ext cx="1178828" cy="627466"/>
+          </a:xfrm>
+          <a:prstGeom prst="rect">
+            <a:avLst/>
+          </a:prstGeom>
+          <a:solidFill>
+            <a:srgbClr val="D0CECE"/>
+          </a:solidFill>
+          <a:ln>
+            <a:noFill/>
+          </a:ln>
+        </p:spPr>
+        <p:style>
+          <a:lnRef idx="2">
+            <a:schemeClr val="accent1">
+              <a:shade val="50000"/>
+            </a:schemeClr>
+          </a:lnRef>
+          <a:fillRef idx="1">
+            <a:schemeClr val="accent1"/>
+          </a:fillRef>
+          <a:effectRef idx="0">
+            <a:schemeClr val="accent1"/>
+          </a:effectRef>
+          <a:fontRef idx="minor">
+            <a:schemeClr val="lt1"/>
+          </a:fontRef>
+        </p:style>
+        <p:txBody>
+          <a:bodyPr rtlCol="0" anchor="ctr"/>
+          <a:lstStyle/>
+          <a:p>
+            <a:pPr algn="ctr"/>
+            <a:r>
+              <a:rPr lang="zh-TW" altLang="en-US" dirty="0"/>
+              <a:t>視窗介面</a:t>
+            </a:r>
+          </a:p>
+        </p:txBody>
+      </p:sp>
+      <p:sp>
+        <p:nvSpPr>
+          <p:cNvPr id="7" name="矩形 6">
+            <a:extLst>
+              <a:ext uri="{FF2B5EF4-FFF2-40B4-BE49-F238E27FC236}">
+                <a16:creationId xmlns:a16="http://schemas.microsoft.com/office/drawing/2014/main" id="{E8187B2D-C729-49D4-BE80-A2657D7DA3E3}"/>
+              </a:ext>
+            </a:extLst>
+          </p:cNvPr>
+          <p:cNvSpPr/>
+          <p:nvPr/>
+        </p:nvSpPr>
+        <p:spPr>
+          <a:xfrm>
+            <a:off x="7082618" y="1620251"/>
+            <a:ext cx="1178828" cy="627466"/>
+          </a:xfrm>
+          <a:prstGeom prst="rect">
+            <a:avLst/>
+          </a:prstGeom>
+          <a:solidFill>
+            <a:schemeClr val="bg1">
+              <a:lumMod val="85000"/>
+            </a:schemeClr>
+          </a:solidFill>
+          <a:ln>
+            <a:noFill/>
+          </a:ln>
+        </p:spPr>
+        <p:style>
+          <a:lnRef idx="2">
+            <a:schemeClr val="accent1">
+              <a:shade val="50000"/>
+            </a:schemeClr>
+          </a:lnRef>
+          <a:fillRef idx="1">
+            <a:schemeClr val="accent1"/>
+          </a:fillRef>
+          <a:effectRef idx="0">
+            <a:schemeClr val="accent1"/>
+          </a:effectRef>
+          <a:fontRef idx="minor">
+            <a:schemeClr val="lt1"/>
+          </a:fontRef>
+        </p:style>
+        <p:txBody>
+          <a:bodyPr rtlCol="0" anchor="ctr"/>
+          <a:lstStyle/>
+          <a:p>
+            <a:pPr algn="ctr"/>
+            <a:r>
+              <a:rPr lang="zh-TW" altLang="en-US" dirty="0"/>
+              <a:t>人臉偵測</a:t>
+            </a:r>
+          </a:p>
+        </p:txBody>
+      </p:sp>
+      <p:sp>
+        <p:nvSpPr>
+          <p:cNvPr id="8" name="矩形 7">
+            <a:extLst>
+              <a:ext uri="{FF2B5EF4-FFF2-40B4-BE49-F238E27FC236}">
+                <a16:creationId xmlns:a16="http://schemas.microsoft.com/office/drawing/2014/main" id="{DA9BDF08-F2CF-44F4-BCE2-E7377583AB7D}"/>
+              </a:ext>
+            </a:extLst>
+          </p:cNvPr>
+          <p:cNvSpPr/>
+          <p:nvPr/>
+        </p:nvSpPr>
+        <p:spPr>
+          <a:xfrm>
+            <a:off x="7082618" y="2858957"/>
+            <a:ext cx="1178828" cy="627466"/>
+          </a:xfrm>
+          <a:prstGeom prst="rect">
+            <a:avLst/>
+          </a:prstGeom>
+          <a:solidFill>
+            <a:schemeClr val="bg2">
+              <a:lumMod val="90000"/>
+            </a:schemeClr>
+          </a:solidFill>
+          <a:ln>
+            <a:noFill/>
+          </a:ln>
+        </p:spPr>
+        <p:style>
+          <a:lnRef idx="2">
+            <a:schemeClr val="accent1">
+              <a:shade val="50000"/>
+            </a:schemeClr>
+          </a:lnRef>
+          <a:fillRef idx="1">
+            <a:schemeClr val="accent1"/>
+          </a:fillRef>
+          <a:effectRef idx="0">
+            <a:schemeClr val="accent1"/>
+          </a:effectRef>
+          <a:fontRef idx="minor">
+            <a:schemeClr val="lt1"/>
+          </a:fontRef>
+        </p:style>
+        <p:txBody>
+          <a:bodyPr rtlCol="0" anchor="ctr"/>
+          <a:lstStyle/>
+          <a:p>
+            <a:pPr algn="ctr"/>
+            <a:r>
+              <a:rPr lang="zh-TW" altLang="en-US" dirty="0">
+                <a:latin typeface="微軟正黑體" panose="020B0604030504040204" pitchFamily="34" charset="-120"/>
+                <a:ea typeface="微軟正黑體" panose="020B0604030504040204" pitchFamily="34" charset="-120"/>
+              </a:rPr>
+              <a:t>圖片像素</a:t>
+            </a:r>
+          </a:p>
+          <a:p>
+            <a:pPr algn="ctr"/>
+            <a:r>
+              <a:rPr lang="zh-TW" altLang="en-US" dirty="0">
+                <a:latin typeface="微軟正黑體" panose="020B0604030504040204" pitchFamily="34" charset="-120"/>
+                <a:ea typeface="微軟正黑體" panose="020B0604030504040204" pitchFamily="34" charset="-120"/>
+              </a:rPr>
+              <a:t>統一</a:t>
+            </a:r>
+          </a:p>
+        </p:txBody>
+      </p:sp>
+      <p:sp>
+        <p:nvSpPr>
+          <p:cNvPr id="9" name="矩形 8">
+            <a:extLst>
+              <a:ext uri="{FF2B5EF4-FFF2-40B4-BE49-F238E27FC236}">
+                <a16:creationId xmlns:a16="http://schemas.microsoft.com/office/drawing/2014/main" id="{DB57530F-C888-4106-BA05-CC55898430B4}"/>
+              </a:ext>
+            </a:extLst>
+          </p:cNvPr>
+          <p:cNvSpPr/>
+          <p:nvPr/>
+        </p:nvSpPr>
+        <p:spPr>
+          <a:xfrm>
+            <a:off x="5007849" y="2858957"/>
+            <a:ext cx="1178828" cy="627466"/>
+          </a:xfrm>
+          <a:prstGeom prst="rect">
+            <a:avLst/>
+          </a:prstGeom>
+          <a:solidFill>
+            <a:schemeClr val="bg2">
+              <a:lumMod val="90000"/>
+            </a:schemeClr>
+          </a:solidFill>
+          <a:ln>
+            <a:noFill/>
+          </a:ln>
+        </p:spPr>
+        <p:style>
+          <a:lnRef idx="2">
+            <a:schemeClr val="accent1">
+              <a:shade val="50000"/>
+            </a:schemeClr>
+          </a:lnRef>
+          <a:fillRef idx="1">
+            <a:schemeClr val="accent1"/>
+          </a:fillRef>
+          <a:effectRef idx="0">
+            <a:schemeClr val="accent1"/>
+          </a:effectRef>
+          <a:fontRef idx="minor">
+            <a:schemeClr val="lt1"/>
+          </a:fontRef>
+        </p:style>
+        <p:txBody>
+          <a:bodyPr rtlCol="0" anchor="ctr"/>
+          <a:lstStyle/>
+          <a:p>
+            <a:pPr algn="ctr"/>
+            <a:r>
+              <a:rPr lang="zh-TW" altLang="en-US" dirty="0"/>
+              <a:t>特徵擷取</a:t>
+            </a:r>
+          </a:p>
+        </p:txBody>
+      </p:sp>
+      <p:sp>
+        <p:nvSpPr>
+          <p:cNvPr id="10" name="矩形 9">
+            <a:extLst>
+              <a:ext uri="{FF2B5EF4-FFF2-40B4-BE49-F238E27FC236}">
+                <a16:creationId xmlns:a16="http://schemas.microsoft.com/office/drawing/2014/main" id="{CC621556-3BBD-4FC0-A01D-74E6694B007F}"/>
+              </a:ext>
+            </a:extLst>
+          </p:cNvPr>
+          <p:cNvSpPr/>
+          <p:nvPr/>
+        </p:nvSpPr>
+        <p:spPr>
+          <a:xfrm>
+            <a:off x="2887076" y="2851119"/>
+            <a:ext cx="1178828" cy="627466"/>
+          </a:xfrm>
+          <a:prstGeom prst="rect">
+            <a:avLst/>
+          </a:prstGeom>
+          <a:solidFill>
+            <a:schemeClr val="accent1"/>
+          </a:solidFill>
+          <a:ln>
+            <a:noFill/>
+          </a:ln>
+        </p:spPr>
+        <p:style>
+          <a:lnRef idx="2">
+            <a:schemeClr val="accent1">
+              <a:shade val="50000"/>
+            </a:schemeClr>
+          </a:lnRef>
+          <a:fillRef idx="1">
+            <a:schemeClr val="accent1"/>
+          </a:fillRef>
+          <a:effectRef idx="0">
+            <a:schemeClr val="accent1"/>
+          </a:effectRef>
+          <a:fontRef idx="minor">
+            <a:schemeClr val="lt1"/>
+          </a:fontRef>
+        </p:style>
+        <p:txBody>
+          <a:bodyPr rtlCol="0" anchor="ctr"/>
+          <a:lstStyle/>
+          <a:p>
+            <a:pPr algn="ctr"/>
+            <a:r>
+              <a:rPr lang="zh-TW" altLang="en-US" dirty="0"/>
+              <a:t>人臉辨識模型</a:t>
+            </a:r>
+          </a:p>
+        </p:txBody>
+      </p:sp>
+      <p:cxnSp>
+        <p:nvCxnSpPr>
+          <p:cNvPr id="12" name="直線單箭頭接點 11">
+            <a:extLst>
+              <a:ext uri="{FF2B5EF4-FFF2-40B4-BE49-F238E27FC236}">
+                <a16:creationId xmlns:a16="http://schemas.microsoft.com/office/drawing/2014/main" id="{149A8D69-7154-494F-8F22-6A54153AB842}"/>
+              </a:ext>
+            </a:extLst>
+          </p:cNvPr>
+          <p:cNvCxnSpPr>
+            <a:cxnSpLocks/>
+          </p:cNvCxnSpPr>
+          <p:nvPr/>
+        </p:nvCxnSpPr>
+        <p:spPr>
+          <a:xfrm>
+            <a:off x="3645905" y="1689410"/>
+            <a:ext cx="1331762" cy="0"/>
+          </a:xfrm>
+          <a:prstGeom prst="straightConnector1">
+            <a:avLst/>
+          </a:prstGeom>
+          <a:ln w="38100">
+            <a:solidFill>
+              <a:schemeClr val="bg1">
+                <a:lumMod val="85000"/>
+              </a:schemeClr>
+            </a:solidFill>
+            <a:tailEnd type="triangle"/>
+          </a:ln>
+        </p:spPr>
+        <p:style>
+          <a:lnRef idx="1">
+            <a:schemeClr val="accent1"/>
+          </a:lnRef>
+          <a:fillRef idx="0">
+            <a:schemeClr val="accent1"/>
+          </a:fillRef>
+          <a:effectRef idx="0">
+            <a:schemeClr val="accent1"/>
+          </a:effectRef>
+          <a:fontRef idx="minor">
+            <a:schemeClr val="tx1"/>
+          </a:fontRef>
+        </p:style>
+      </p:cxnSp>
+      <p:cxnSp>
+        <p:nvCxnSpPr>
+          <p:cNvPr id="14" name="直線單箭頭接點 13">
+            <a:extLst>
+              <a:ext uri="{FF2B5EF4-FFF2-40B4-BE49-F238E27FC236}">
+                <a16:creationId xmlns:a16="http://schemas.microsoft.com/office/drawing/2014/main" id="{1705C6D3-3690-4DCD-9989-5F774E558C36}"/>
+              </a:ext>
+            </a:extLst>
+          </p:cNvPr>
+          <p:cNvCxnSpPr>
+            <a:cxnSpLocks/>
+          </p:cNvCxnSpPr>
+          <p:nvPr/>
+        </p:nvCxnSpPr>
+        <p:spPr>
+          <a:xfrm>
+            <a:off x="3645905" y="1910737"/>
+            <a:ext cx="1331762" cy="0"/>
+          </a:xfrm>
+          <a:prstGeom prst="straightConnector1">
+            <a:avLst/>
+          </a:prstGeom>
+          <a:ln w="38100">
+            <a:solidFill>
+              <a:schemeClr val="bg1">
+                <a:lumMod val="85000"/>
+              </a:schemeClr>
+            </a:solidFill>
+            <a:tailEnd type="triangle"/>
+          </a:ln>
+        </p:spPr>
+        <p:style>
+          <a:lnRef idx="1">
+            <a:schemeClr val="accent1"/>
+          </a:lnRef>
+          <a:fillRef idx="0">
+            <a:schemeClr val="accent1"/>
+          </a:fillRef>
+          <a:effectRef idx="0">
+            <a:schemeClr val="accent1"/>
+          </a:effectRef>
+          <a:fontRef idx="minor">
+            <a:schemeClr val="tx1"/>
+          </a:fontRef>
+        </p:style>
+      </p:cxnSp>
+      <p:sp>
+        <p:nvSpPr>
+          <p:cNvPr id="15" name="文字方塊 14">
+            <a:extLst>
+              <a:ext uri="{FF2B5EF4-FFF2-40B4-BE49-F238E27FC236}">
+                <a16:creationId xmlns:a16="http://schemas.microsoft.com/office/drawing/2014/main" id="{44E3FB08-8EE2-44B3-92C7-385AFD4C6466}"/>
+              </a:ext>
+            </a:extLst>
+          </p:cNvPr>
+          <p:cNvSpPr txBox="1"/>
+          <p:nvPr/>
+        </p:nvSpPr>
+        <p:spPr>
+          <a:xfrm>
+            <a:off x="2570276" y="1440509"/>
+            <a:ext cx="1005403" cy="369332"/>
+          </a:xfrm>
+          <a:prstGeom prst="rect">
+            <a:avLst/>
+          </a:prstGeom>
+          <a:noFill/>
+        </p:spPr>
+        <p:txBody>
+          <a:bodyPr wrap="square" rtlCol="0">
+            <a:spAutoFit/>
+          </a:bodyPr>
+          <a:lstStyle/>
+          <a:p>
+            <a:r>
+              <a:rPr lang="en-US" altLang="zh-TW" dirty="0">
+                <a:solidFill>
+                  <a:schemeClr val="bg1">
+                    <a:lumMod val="75000"/>
+                  </a:schemeClr>
+                </a:solidFill>
+              </a:rPr>
+              <a:t>Camera</a:t>
+            </a:r>
+            <a:endParaRPr lang="zh-TW" altLang="en-US" dirty="0">
+              <a:solidFill>
+                <a:schemeClr val="bg1">
+                  <a:lumMod val="75000"/>
+                </a:schemeClr>
+              </a:solidFill>
+            </a:endParaRPr>
+          </a:p>
+        </p:txBody>
+      </p:sp>
+      <p:sp>
+        <p:nvSpPr>
+          <p:cNvPr id="16" name="文字方塊 15">
+            <a:extLst>
+              <a:ext uri="{FF2B5EF4-FFF2-40B4-BE49-F238E27FC236}">
+                <a16:creationId xmlns:a16="http://schemas.microsoft.com/office/drawing/2014/main" id="{31F687A6-BC13-4200-A963-EDD6FA2B3D1C}"/>
+              </a:ext>
+            </a:extLst>
+          </p:cNvPr>
+          <p:cNvSpPr txBox="1"/>
+          <p:nvPr/>
+        </p:nvSpPr>
+        <p:spPr>
+          <a:xfrm>
+            <a:off x="1360170" y="1665347"/>
+            <a:ext cx="2326278" cy="369332"/>
+          </a:xfrm>
+          <a:prstGeom prst="rect">
+            <a:avLst/>
+          </a:prstGeom>
+          <a:noFill/>
+        </p:spPr>
+        <p:txBody>
+          <a:bodyPr wrap="square" rtlCol="0">
+            <a:spAutoFit/>
+          </a:bodyPr>
+          <a:lstStyle/>
+          <a:p>
+            <a:r>
+              <a:rPr lang="en-US" altLang="zh-TW" dirty="0">
+                <a:solidFill>
+                  <a:schemeClr val="bg1">
+                    <a:lumMod val="75000"/>
+                  </a:schemeClr>
+                </a:solidFill>
+              </a:rPr>
+              <a:t>Personal information</a:t>
+            </a:r>
+            <a:endParaRPr lang="zh-TW" altLang="en-US" dirty="0">
+              <a:solidFill>
+                <a:schemeClr val="bg1">
+                  <a:lumMod val="75000"/>
+                </a:schemeClr>
+              </a:solidFill>
+            </a:endParaRPr>
+          </a:p>
+        </p:txBody>
+      </p:sp>
+      <p:cxnSp>
+        <p:nvCxnSpPr>
+          <p:cNvPr id="20" name="直線單箭頭接點 19">
+            <a:extLst>
+              <a:ext uri="{FF2B5EF4-FFF2-40B4-BE49-F238E27FC236}">
+                <a16:creationId xmlns:a16="http://schemas.microsoft.com/office/drawing/2014/main" id="{A9C0F4D9-BEE0-48A7-A6A9-26CFCA0A4EEE}"/>
+              </a:ext>
+            </a:extLst>
+          </p:cNvPr>
+          <p:cNvCxnSpPr>
+            <a:cxnSpLocks/>
+            <a:stCxn id="5" idx="3"/>
+            <a:endCxn id="7" idx="1"/>
+          </p:cNvCxnSpPr>
+          <p:nvPr/>
+        </p:nvCxnSpPr>
+        <p:spPr>
+          <a:xfrm>
+            <a:off x="6170855" y="1928151"/>
+            <a:ext cx="911763" cy="5833"/>
+          </a:xfrm>
+          <a:prstGeom prst="straightConnector1">
+            <a:avLst/>
+          </a:prstGeom>
+          <a:ln w="38100">
+            <a:solidFill>
+              <a:srgbClr val="D0CECE"/>
+            </a:solidFill>
+            <a:tailEnd type="triangle"/>
+          </a:ln>
+        </p:spPr>
+        <p:style>
+          <a:lnRef idx="1">
+            <a:schemeClr val="accent1"/>
+          </a:lnRef>
+          <a:fillRef idx="0">
+            <a:schemeClr val="accent1"/>
+          </a:fillRef>
+          <a:effectRef idx="0">
+            <a:schemeClr val="accent1"/>
+          </a:effectRef>
+          <a:fontRef idx="minor">
+            <a:schemeClr val="tx1"/>
+          </a:fontRef>
+        </p:style>
+      </p:cxnSp>
+      <p:sp>
+        <p:nvSpPr>
+          <p:cNvPr id="24" name="文字方塊 23">
+            <a:extLst>
+              <a:ext uri="{FF2B5EF4-FFF2-40B4-BE49-F238E27FC236}">
+                <a16:creationId xmlns:a16="http://schemas.microsoft.com/office/drawing/2014/main" id="{2C24038C-CDB7-4862-9D75-397BA4A8538A}"/>
+              </a:ext>
+            </a:extLst>
+          </p:cNvPr>
+          <p:cNvSpPr txBox="1"/>
+          <p:nvPr/>
+        </p:nvSpPr>
+        <p:spPr>
+          <a:xfrm>
+            <a:off x="6230066" y="1480681"/>
+            <a:ext cx="825867" cy="369332"/>
+          </a:xfrm>
+          <a:prstGeom prst="rect">
+            <a:avLst/>
+          </a:prstGeom>
+          <a:noFill/>
+        </p:spPr>
+        <p:txBody>
+          <a:bodyPr wrap="square" rtlCol="0">
+            <a:spAutoFit/>
+          </a:bodyPr>
+          <a:lstStyle/>
+          <a:p>
+            <a:r>
+              <a:rPr lang="en-US" altLang="zh-TW" dirty="0">
+                <a:solidFill>
+                  <a:schemeClr val="bg1">
+                    <a:lumMod val="85000"/>
+                  </a:schemeClr>
+                </a:solidFill>
+              </a:rPr>
+              <a:t>Image</a:t>
+            </a:r>
+            <a:endParaRPr lang="zh-TW" altLang="en-US" dirty="0">
+              <a:solidFill>
+                <a:schemeClr val="bg1">
+                  <a:lumMod val="85000"/>
+                </a:schemeClr>
+              </a:solidFill>
+            </a:endParaRPr>
+          </a:p>
+        </p:txBody>
+      </p:sp>
+      <p:cxnSp>
+        <p:nvCxnSpPr>
+          <p:cNvPr id="25" name="直線單箭頭接點 24">
+            <a:extLst>
+              <a:ext uri="{FF2B5EF4-FFF2-40B4-BE49-F238E27FC236}">
+                <a16:creationId xmlns:a16="http://schemas.microsoft.com/office/drawing/2014/main" id="{D81CF14E-C983-4864-BDE3-EEA6C1CBE7A9}"/>
+              </a:ext>
+            </a:extLst>
+          </p:cNvPr>
+          <p:cNvCxnSpPr>
+            <a:cxnSpLocks/>
+            <a:stCxn id="7" idx="2"/>
+            <a:endCxn id="8" idx="0"/>
+          </p:cNvCxnSpPr>
+          <p:nvPr/>
+        </p:nvCxnSpPr>
+        <p:spPr>
+          <a:xfrm>
+            <a:off x="7672032" y="2247717"/>
+            <a:ext cx="0" cy="611240"/>
+          </a:xfrm>
+          <a:prstGeom prst="straightConnector1">
+            <a:avLst/>
+          </a:prstGeom>
+          <a:ln w="38100">
+            <a:solidFill>
+              <a:schemeClr val="tx2">
+                <a:lumMod val="20000"/>
+                <a:lumOff val="80000"/>
+              </a:schemeClr>
+            </a:solidFill>
+            <a:tailEnd type="triangle"/>
+          </a:ln>
+        </p:spPr>
+        <p:style>
+          <a:lnRef idx="1">
+            <a:schemeClr val="accent1"/>
+          </a:lnRef>
+          <a:fillRef idx="0">
+            <a:schemeClr val="accent1"/>
+          </a:fillRef>
+          <a:effectRef idx="0">
+            <a:schemeClr val="accent1"/>
+          </a:effectRef>
+          <a:fontRef idx="minor">
+            <a:schemeClr val="tx1"/>
+          </a:fontRef>
+        </p:style>
+      </p:cxnSp>
+      <p:sp>
+        <p:nvSpPr>
+          <p:cNvPr id="28" name="文字方塊 27">
+            <a:extLst>
+              <a:ext uri="{FF2B5EF4-FFF2-40B4-BE49-F238E27FC236}">
+                <a16:creationId xmlns:a16="http://schemas.microsoft.com/office/drawing/2014/main" id="{32B86074-218E-47B8-8ED2-4420D69BA522}"/>
+              </a:ext>
+            </a:extLst>
+          </p:cNvPr>
+          <p:cNvSpPr txBox="1"/>
+          <p:nvPr/>
+        </p:nvSpPr>
+        <p:spPr>
+          <a:xfrm>
+            <a:off x="7750132" y="2378427"/>
+            <a:ext cx="1390124" cy="369332"/>
+          </a:xfrm>
+          <a:prstGeom prst="rect">
+            <a:avLst/>
+          </a:prstGeom>
+          <a:noFill/>
+        </p:spPr>
+        <p:txBody>
+          <a:bodyPr wrap="square" rtlCol="0">
+            <a:spAutoFit/>
+          </a:bodyPr>
+          <a:lstStyle/>
+          <a:p>
+            <a:r>
+              <a:rPr lang="en-US" altLang="zh-TW" dirty="0">
+                <a:solidFill>
+                  <a:schemeClr val="bg2">
+                    <a:lumMod val="90000"/>
+                  </a:schemeClr>
+                </a:solidFill>
+              </a:rPr>
+              <a:t>Face image</a:t>
+            </a:r>
+            <a:endParaRPr lang="zh-TW" altLang="en-US" dirty="0">
+              <a:solidFill>
+                <a:schemeClr val="bg2">
+                  <a:lumMod val="90000"/>
+                </a:schemeClr>
+              </a:solidFill>
+            </a:endParaRPr>
+          </a:p>
+        </p:txBody>
+      </p:sp>
+      <p:sp>
+        <p:nvSpPr>
+          <p:cNvPr id="29" name="文字方塊 28">
+            <a:extLst>
+              <a:ext uri="{FF2B5EF4-FFF2-40B4-BE49-F238E27FC236}">
+                <a16:creationId xmlns:a16="http://schemas.microsoft.com/office/drawing/2014/main" id="{947A44CC-400C-40ED-8AFC-F9C4BA5B9138}"/>
+              </a:ext>
+            </a:extLst>
+          </p:cNvPr>
+          <p:cNvSpPr txBox="1"/>
+          <p:nvPr/>
+        </p:nvSpPr>
+        <p:spPr>
+          <a:xfrm>
+            <a:off x="6221290" y="2568451"/>
+            <a:ext cx="1109601" cy="646331"/>
+          </a:xfrm>
+          <a:prstGeom prst="rect">
+            <a:avLst/>
+          </a:prstGeom>
+          <a:noFill/>
+          <a:ln>
+            <a:noFill/>
+          </a:ln>
+        </p:spPr>
+        <p:txBody>
+          <a:bodyPr wrap="square" rtlCol="0">
+            <a:spAutoFit/>
+          </a:bodyPr>
+          <a:lstStyle/>
+          <a:p>
+            <a:r>
+              <a:rPr lang="en-US" altLang="zh-TW" dirty="0">
+                <a:solidFill>
+                  <a:schemeClr val="bg2">
+                    <a:lumMod val="90000"/>
+                  </a:schemeClr>
+                </a:solidFill>
+              </a:rPr>
+              <a:t>Face image’</a:t>
+            </a:r>
+            <a:endParaRPr lang="zh-TW" altLang="en-US" dirty="0">
+              <a:solidFill>
+                <a:schemeClr val="bg2">
+                  <a:lumMod val="90000"/>
+                </a:schemeClr>
+              </a:solidFill>
+            </a:endParaRPr>
+          </a:p>
+        </p:txBody>
+      </p:sp>
+      <p:cxnSp>
+        <p:nvCxnSpPr>
+          <p:cNvPr id="30" name="直線單箭頭接點 29">
+            <a:extLst>
+              <a:ext uri="{FF2B5EF4-FFF2-40B4-BE49-F238E27FC236}">
+                <a16:creationId xmlns:a16="http://schemas.microsoft.com/office/drawing/2014/main" id="{9ED0B63C-20AE-4AEB-95A6-7F8E1864D604}"/>
+              </a:ext>
+            </a:extLst>
+          </p:cNvPr>
+          <p:cNvCxnSpPr>
+            <a:cxnSpLocks/>
+            <a:stCxn id="8" idx="1"/>
+            <a:endCxn id="9" idx="3"/>
+          </p:cNvCxnSpPr>
+          <p:nvPr/>
+        </p:nvCxnSpPr>
+        <p:spPr>
+          <a:xfrm flipH="1">
+            <a:off x="6186677" y="3172690"/>
+            <a:ext cx="895941" cy="0"/>
+          </a:xfrm>
+          <a:prstGeom prst="straightConnector1">
+            <a:avLst/>
+          </a:prstGeom>
+          <a:ln w="38100">
+            <a:solidFill>
+              <a:schemeClr val="bg2">
+                <a:lumMod val="90000"/>
+              </a:schemeClr>
+            </a:solidFill>
+            <a:tailEnd type="triangle"/>
+          </a:ln>
+        </p:spPr>
+        <p:style>
+          <a:lnRef idx="1">
+            <a:schemeClr val="accent1"/>
+          </a:lnRef>
+          <a:fillRef idx="0">
+            <a:schemeClr val="accent1"/>
+          </a:fillRef>
+          <a:effectRef idx="0">
+            <a:schemeClr val="accent1"/>
+          </a:effectRef>
+          <a:fontRef idx="minor">
+            <a:schemeClr val="tx1"/>
+          </a:fontRef>
+        </p:style>
+      </p:cxnSp>
+      <p:cxnSp>
+        <p:nvCxnSpPr>
+          <p:cNvPr id="33" name="直線單箭頭接點 32">
+            <a:extLst>
+              <a:ext uri="{FF2B5EF4-FFF2-40B4-BE49-F238E27FC236}">
+                <a16:creationId xmlns:a16="http://schemas.microsoft.com/office/drawing/2014/main" id="{F78B425C-86C5-4F9D-AC4E-AE7D1651A360}"/>
+              </a:ext>
+            </a:extLst>
+          </p:cNvPr>
+          <p:cNvCxnSpPr>
+            <a:cxnSpLocks/>
+            <a:stCxn id="9" idx="1"/>
+            <a:endCxn id="10" idx="3"/>
+          </p:cNvCxnSpPr>
+          <p:nvPr/>
+        </p:nvCxnSpPr>
+        <p:spPr>
+          <a:xfrm flipH="1" flipV="1">
+            <a:off x="4065904" y="3164852"/>
+            <a:ext cx="941945" cy="7838"/>
+          </a:xfrm>
+          <a:prstGeom prst="straightConnector1">
+            <a:avLst/>
+          </a:prstGeom>
+          <a:ln w="38100">
+            <a:solidFill>
+              <a:schemeClr val="accent1"/>
+            </a:solidFill>
+            <a:tailEnd type="triangle"/>
+          </a:ln>
+        </p:spPr>
+        <p:style>
+          <a:lnRef idx="1">
+            <a:schemeClr val="accent1"/>
+          </a:lnRef>
+          <a:fillRef idx="0">
+            <a:schemeClr val="accent1"/>
+          </a:fillRef>
+          <a:effectRef idx="0">
+            <a:schemeClr val="accent1"/>
+          </a:effectRef>
+          <a:fontRef idx="minor">
+            <a:schemeClr val="tx1"/>
+          </a:fontRef>
+        </p:style>
+      </p:cxnSp>
+      <p:sp>
+        <p:nvSpPr>
+          <p:cNvPr id="36" name="矩形 35">
+            <a:extLst>
+              <a:ext uri="{FF2B5EF4-FFF2-40B4-BE49-F238E27FC236}">
+                <a16:creationId xmlns:a16="http://schemas.microsoft.com/office/drawing/2014/main" id="{026C14B8-3958-43F8-B6DD-2257FF978135}"/>
+              </a:ext>
+            </a:extLst>
+          </p:cNvPr>
+          <p:cNvSpPr/>
+          <p:nvPr/>
+        </p:nvSpPr>
+        <p:spPr>
+          <a:xfrm>
+            <a:off x="4036961" y="2787683"/>
+            <a:ext cx="979755" cy="369332"/>
+          </a:xfrm>
+          <a:prstGeom prst="rect">
+            <a:avLst/>
+          </a:prstGeom>
+        </p:spPr>
+        <p:txBody>
+          <a:bodyPr wrap="square">
+            <a:spAutoFit/>
+          </a:bodyPr>
+          <a:lstStyle/>
+          <a:p>
+            <a:r>
+              <a:rPr lang="en-US" altLang="zh-TW" dirty="0"/>
+              <a:t>F</a:t>
+            </a:r>
+            <a:r>
+              <a:rPr lang="zh-TW" altLang="en-US" dirty="0"/>
+              <a:t>eature</a:t>
+            </a:r>
+          </a:p>
+        </p:txBody>
+      </p:sp>
+      <p:cxnSp>
+        <p:nvCxnSpPr>
+          <p:cNvPr id="38" name="接點: 肘形 37">
+            <a:extLst>
+              <a:ext uri="{FF2B5EF4-FFF2-40B4-BE49-F238E27FC236}">
+                <a16:creationId xmlns:a16="http://schemas.microsoft.com/office/drawing/2014/main" id="{C38D2605-E8E4-4283-B485-720B7D397E05}"/>
+              </a:ext>
+            </a:extLst>
+          </p:cNvPr>
+          <p:cNvCxnSpPr>
+            <a:cxnSpLocks/>
+            <a:stCxn id="10" idx="0"/>
+          </p:cNvCxnSpPr>
+          <p:nvPr/>
+        </p:nvCxnSpPr>
+        <p:spPr>
+          <a:xfrm rot="5400000" flipH="1" flipV="1">
+            <a:off x="3863305" y="1736758"/>
+            <a:ext cx="727546" cy="1501177"/>
+          </a:xfrm>
+          <a:prstGeom prst="bentConnector2">
+            <a:avLst/>
+          </a:prstGeom>
+          <a:ln w="38100">
+            <a:solidFill>
+              <a:schemeClr val="accent1"/>
+            </a:solidFill>
+            <a:tailEnd type="triangle"/>
+          </a:ln>
+        </p:spPr>
+        <p:style>
+          <a:lnRef idx="1">
+            <a:schemeClr val="accent1"/>
+          </a:lnRef>
+          <a:fillRef idx="0">
+            <a:schemeClr val="accent1"/>
+          </a:fillRef>
+          <a:effectRef idx="0">
+            <a:schemeClr val="accent1"/>
+          </a:effectRef>
+          <a:fontRef idx="minor">
+            <a:schemeClr val="tx1"/>
+          </a:fontRef>
+        </p:style>
+      </p:cxnSp>
+      <p:sp>
+        <p:nvSpPr>
+          <p:cNvPr id="39" name="矩形 38">
+            <a:extLst>
+              <a:ext uri="{FF2B5EF4-FFF2-40B4-BE49-F238E27FC236}">
+                <a16:creationId xmlns:a16="http://schemas.microsoft.com/office/drawing/2014/main" id="{ABFC51CA-F231-4DBD-909D-54A3A2E33C67}"/>
+              </a:ext>
+            </a:extLst>
+          </p:cNvPr>
+          <p:cNvSpPr/>
+          <p:nvPr/>
+        </p:nvSpPr>
+        <p:spPr>
+          <a:xfrm>
+            <a:off x="2555477" y="1934800"/>
+            <a:ext cx="838691" cy="369332"/>
+          </a:xfrm>
+          <a:prstGeom prst="rect">
+            <a:avLst/>
+          </a:prstGeom>
+        </p:spPr>
+        <p:txBody>
+          <a:bodyPr wrap="square">
+            <a:spAutoFit/>
+          </a:bodyPr>
+          <a:lstStyle/>
+          <a:p>
+            <a:r>
+              <a:rPr lang="en-US" altLang="zh-TW" dirty="0"/>
+              <a:t>Result</a:t>
+            </a:r>
+            <a:endParaRPr lang="zh-TW" altLang="en-US" dirty="0"/>
+          </a:p>
+        </p:txBody>
+      </p:sp>
+      <p:graphicFrame>
+        <p:nvGraphicFramePr>
+          <p:cNvPr id="51" name="表格 51">
+            <a:extLst>
+              <a:ext uri="{FF2B5EF4-FFF2-40B4-BE49-F238E27FC236}">
+                <a16:creationId xmlns:a16="http://schemas.microsoft.com/office/drawing/2014/main" id="{4ABD8DF4-E164-46AD-B31D-C3BA556AC2FC}"/>
+              </a:ext>
+            </a:extLst>
+          </p:cNvPr>
+          <p:cNvGraphicFramePr>
+            <a:graphicFrameLocks noGrp="1"/>
+          </p:cNvGraphicFramePr>
+          <p:nvPr>
+            <p:extLst>
+              <p:ext uri="{D42A27DB-BD31-4B8C-83A1-F6EECF244321}">
+                <p14:modId xmlns:p14="http://schemas.microsoft.com/office/powerpoint/2010/main" val="1336610987"/>
+              </p:ext>
+            </p:extLst>
+          </p:nvPr>
+        </p:nvGraphicFramePr>
+        <p:xfrm>
+          <a:off x="572169" y="4137025"/>
+          <a:ext cx="5411532" cy="741680"/>
+        </p:xfrm>
+        <a:graphic>
+          <a:graphicData uri="http://schemas.openxmlformats.org/drawingml/2006/table">
+            <a:tbl>
+              <a:tblPr firstRow="1" bandRow="1">
+                <a:tableStyleId>{5C22544A-7EE6-4342-B048-85BDC9FD1C3A}</a:tableStyleId>
+              </a:tblPr>
+              <a:tblGrid>
+                <a:gridCol w="2705766">
+                  <a:extLst>
+                    <a:ext uri="{9D8B030D-6E8A-4147-A177-3AD203B41FA5}">
+                      <a16:colId xmlns:a16="http://schemas.microsoft.com/office/drawing/2014/main" val="1756241634"/>
+                    </a:ext>
+                  </a:extLst>
+                </a:gridCol>
+                <a:gridCol w="2705766">
+                  <a:extLst>
+                    <a:ext uri="{9D8B030D-6E8A-4147-A177-3AD203B41FA5}">
+                      <a16:colId xmlns:a16="http://schemas.microsoft.com/office/drawing/2014/main" val="2797482735"/>
+                    </a:ext>
+                  </a:extLst>
+                </a:gridCol>
+              </a:tblGrid>
+              <a:tr h="370840">
+                <a:tc>
+                  <a:txBody>
+                    <a:bodyPr/>
+                    <a:lstStyle/>
+                    <a:p>
+                      <a:r>
+                        <a:rPr lang="en-US" altLang="zh-TW" dirty="0"/>
+                        <a:t>Input</a:t>
+                      </a:r>
+                      <a:endParaRPr lang="zh-TW" altLang="en-US" dirty="0"/>
+                    </a:p>
+                  </a:txBody>
+                  <a:tcPr/>
+                </a:tc>
+                <a:tc>
+                  <a:txBody>
+                    <a:bodyPr/>
+                    <a:lstStyle/>
+                    <a:p>
+                      <a:r>
+                        <a:rPr lang="en-US" altLang="zh-TW" dirty="0"/>
+                        <a:t>Data structure</a:t>
+                      </a:r>
+                      <a:endParaRPr lang="zh-TW" altLang="en-US" dirty="0"/>
+                    </a:p>
+                  </a:txBody>
+                  <a:tcPr/>
+                </a:tc>
+                <a:extLst>
+                  <a:ext uri="{0D108BD9-81ED-4DB2-BD59-A6C34878D82A}">
+                    <a16:rowId xmlns:a16="http://schemas.microsoft.com/office/drawing/2014/main" val="266759645"/>
+                  </a:ext>
+                </a:extLst>
+              </a:tr>
+              <a:tr h="370840">
+                <a:tc>
+                  <a:txBody>
+                    <a:bodyPr/>
+                    <a:lstStyle/>
+                    <a:p>
+                      <a:r>
+                        <a:rPr lang="en-US" altLang="zh-TW" dirty="0">
+                          <a:solidFill>
+                            <a:schemeClr val="accent2">
+                              <a:lumMod val="75000"/>
+                            </a:schemeClr>
+                          </a:solidFill>
+                        </a:rPr>
+                        <a:t>Feature</a:t>
+                      </a:r>
+                    </a:p>
+                  </a:txBody>
+                  <a:tcPr/>
+                </a:tc>
+                <a:tc>
+                  <a:txBody>
+                    <a:bodyPr/>
+                    <a:lstStyle/>
+                    <a:p>
+                      <a:pPr marL="0" marR="0" lvl="0" indent="0" algn="l" defTabSz="914400" rtl="0" eaLnBrk="1" fontAlgn="auto" latinLnBrk="0" hangingPunct="1">
+                        <a:lnSpc>
+                          <a:spcPct val="100000"/>
+                        </a:lnSpc>
+                        <a:spcBef>
+                          <a:spcPts val="0"/>
+                        </a:spcBef>
+                        <a:spcAft>
+                          <a:spcPts val="0"/>
+                        </a:spcAft>
+                        <a:buClrTx/>
+                        <a:buSzTx/>
+                        <a:buFontTx/>
+                        <a:buNone/>
+                        <a:tabLst/>
+                        <a:defRPr/>
+                      </a:pPr>
+                      <a:r>
+                        <a:rPr lang="en-US" altLang="zh-TW" dirty="0">
+                          <a:solidFill>
+                            <a:schemeClr val="accent1">
+                              <a:lumMod val="75000"/>
+                            </a:schemeClr>
+                          </a:solidFill>
+                        </a:rPr>
+                        <a:t>Float</a:t>
+                      </a:r>
+                      <a:r>
+                        <a:rPr lang="en-US" altLang="zh-TW" dirty="0"/>
+                        <a:t> </a:t>
+                      </a:r>
+                      <a:r>
+                        <a:rPr lang="en-US" altLang="zh-TW" dirty="0">
+                          <a:solidFill>
+                            <a:schemeClr val="accent6">
+                              <a:lumMod val="50000"/>
+                            </a:schemeClr>
+                          </a:solidFill>
+                        </a:rPr>
+                        <a:t>4</a:t>
+                      </a:r>
+                      <a:r>
+                        <a:rPr lang="en-US" altLang="zh-TW" dirty="0">
+                          <a:solidFill>
+                            <a:schemeClr val="tx1"/>
+                          </a:solidFill>
+                        </a:rPr>
+                        <a:t>B</a:t>
+                      </a:r>
+                      <a:r>
+                        <a:rPr lang="en-US" altLang="zh-TW" dirty="0"/>
+                        <a:t>*</a:t>
+                      </a:r>
+                      <a:r>
+                        <a:rPr lang="en-US" altLang="zh-TW" dirty="0">
+                          <a:solidFill>
+                            <a:schemeClr val="accent6">
+                              <a:lumMod val="50000"/>
+                            </a:schemeClr>
+                          </a:solidFill>
+                        </a:rPr>
+                        <a:t>68</a:t>
+                      </a:r>
+                      <a:r>
+                        <a:rPr lang="en-US" altLang="zh-TW" dirty="0"/>
+                        <a:t>*k</a:t>
+                      </a:r>
+                    </a:p>
+                  </a:txBody>
+                  <a:tcPr/>
+                </a:tc>
+                <a:extLst>
+                  <a:ext uri="{0D108BD9-81ED-4DB2-BD59-A6C34878D82A}">
+                    <a16:rowId xmlns:a16="http://schemas.microsoft.com/office/drawing/2014/main" val="2052349725"/>
+                  </a:ext>
+                </a:extLst>
+              </a:tr>
+            </a:tbl>
+          </a:graphicData>
+        </a:graphic>
+      </p:graphicFrame>
+      <p:graphicFrame>
+        <p:nvGraphicFramePr>
+          <p:cNvPr id="53" name="表格 51">
+            <a:extLst>
+              <a:ext uri="{FF2B5EF4-FFF2-40B4-BE49-F238E27FC236}">
+                <a16:creationId xmlns:a16="http://schemas.microsoft.com/office/drawing/2014/main" id="{712E65C8-333D-4812-89B1-7977BEC40033}"/>
+              </a:ext>
+            </a:extLst>
+          </p:cNvPr>
+          <p:cNvGraphicFramePr>
+            <a:graphicFrameLocks noGrp="1"/>
+          </p:cNvGraphicFramePr>
+          <p:nvPr>
+            <p:extLst>
+              <p:ext uri="{D42A27DB-BD31-4B8C-83A1-F6EECF244321}">
+                <p14:modId xmlns:p14="http://schemas.microsoft.com/office/powerpoint/2010/main" val="781966758"/>
+              </p:ext>
+            </p:extLst>
+          </p:nvPr>
+        </p:nvGraphicFramePr>
+        <p:xfrm>
+          <a:off x="6206867" y="4148808"/>
+          <a:ext cx="5411532" cy="741680"/>
+        </p:xfrm>
+        <a:graphic>
+          <a:graphicData uri="http://schemas.openxmlformats.org/drawingml/2006/table">
+            <a:tbl>
+              <a:tblPr firstRow="1" bandRow="1">
+                <a:tableStyleId>{073A0DAA-6AF3-43AB-8588-CEC1D06C72B9}</a:tableStyleId>
+              </a:tblPr>
+              <a:tblGrid>
+                <a:gridCol w="2705766">
+                  <a:extLst>
+                    <a:ext uri="{9D8B030D-6E8A-4147-A177-3AD203B41FA5}">
+                      <a16:colId xmlns:a16="http://schemas.microsoft.com/office/drawing/2014/main" val="1756241634"/>
+                    </a:ext>
+                  </a:extLst>
+                </a:gridCol>
+                <a:gridCol w="2705766">
+                  <a:extLst>
+                    <a:ext uri="{9D8B030D-6E8A-4147-A177-3AD203B41FA5}">
+                      <a16:colId xmlns:a16="http://schemas.microsoft.com/office/drawing/2014/main" val="2797482735"/>
+                    </a:ext>
+                  </a:extLst>
+                </a:gridCol>
+              </a:tblGrid>
+              <a:tr h="370840">
+                <a:tc>
+                  <a:txBody>
+                    <a:bodyPr/>
+                    <a:lstStyle/>
+                    <a:p>
+                      <a:r>
+                        <a:rPr lang="en-US" altLang="zh-TW" dirty="0"/>
+                        <a:t>Output</a:t>
+                      </a:r>
+                      <a:endParaRPr lang="zh-TW" altLang="en-US" dirty="0"/>
+                    </a:p>
+                  </a:txBody>
+                  <a:tcPr/>
+                </a:tc>
+                <a:tc>
+                  <a:txBody>
+                    <a:bodyPr/>
+                    <a:lstStyle/>
+                    <a:p>
+                      <a:r>
+                        <a:rPr lang="en-US" altLang="zh-TW" dirty="0"/>
+                        <a:t>Data structure</a:t>
+                      </a:r>
+                      <a:endParaRPr lang="zh-TW" altLang="en-US" dirty="0"/>
+                    </a:p>
+                  </a:txBody>
+                  <a:tcPr/>
+                </a:tc>
+                <a:extLst>
+                  <a:ext uri="{0D108BD9-81ED-4DB2-BD59-A6C34878D82A}">
+                    <a16:rowId xmlns:a16="http://schemas.microsoft.com/office/drawing/2014/main" val="266759645"/>
+                  </a:ext>
+                </a:extLst>
+              </a:tr>
+              <a:tr h="370840">
+                <a:tc>
+                  <a:txBody>
+                    <a:bodyPr/>
+                    <a:lstStyle/>
+                    <a:p>
+                      <a:r>
+                        <a:rPr lang="en-US" altLang="zh-TW" dirty="0">
+                          <a:solidFill>
+                            <a:schemeClr val="accent2">
+                              <a:lumMod val="75000"/>
+                            </a:schemeClr>
+                          </a:solidFill>
+                        </a:rPr>
+                        <a:t>Result</a:t>
+                      </a:r>
+                    </a:p>
+                  </a:txBody>
+                  <a:tcPr/>
+                </a:tc>
+                <a:tc>
+                  <a:txBody>
+                    <a:bodyPr/>
+                    <a:lstStyle/>
+                    <a:p>
+                      <a:r>
+                        <a:rPr lang="en-US" altLang="zh-TW" dirty="0">
+                          <a:solidFill>
+                            <a:schemeClr val="accent1">
+                              <a:lumMod val="75000"/>
+                            </a:schemeClr>
+                          </a:solidFill>
+                        </a:rPr>
+                        <a:t>Boolean </a:t>
+                      </a:r>
+                      <a:r>
+                        <a:rPr lang="en-US" altLang="zh-TW" dirty="0"/>
+                        <a:t>k</a:t>
+                      </a:r>
+                      <a:endParaRPr lang="zh-TW" altLang="en-US" dirty="0">
+                        <a:solidFill>
+                          <a:schemeClr val="accent1">
+                            <a:lumMod val="75000"/>
+                          </a:schemeClr>
+                        </a:solidFill>
+                      </a:endParaRPr>
+                    </a:p>
+                  </a:txBody>
+                  <a:tcPr/>
+                </a:tc>
+                <a:extLst>
+                  <a:ext uri="{0D108BD9-81ED-4DB2-BD59-A6C34878D82A}">
+                    <a16:rowId xmlns:a16="http://schemas.microsoft.com/office/drawing/2014/main" val="2052349725"/>
+                  </a:ext>
+                </a:extLst>
+              </a:tr>
+            </a:tbl>
+          </a:graphicData>
+        </a:graphic>
+      </p:graphicFrame>
+    </p:spTree>
+    <p:extLst>
+      <p:ext uri="{BB962C8B-B14F-4D97-AF65-F5344CB8AC3E}">
+        <p14:creationId xmlns:p14="http://schemas.microsoft.com/office/powerpoint/2010/main" val="370615556"/>
+      </p:ext>
+    </p:extLst>
+  </p:cSld>
+  <p:clrMapOvr>
+    <a:masterClrMapping/>
+  </p:clrMapOvr>
+  <mc:AlternateContent xmlns:mc="http://schemas.openxmlformats.org/markup-compatibility/2006" xmlns:p14="http://schemas.microsoft.com/office/powerpoint/2010/main">
+    <mc:Choice Requires="p14">
+      <p:transition spd="slow" p14:dur="1300">
+        <p14:pan dir="u"/>
+      </p:transition>
+    </mc:Choice>
+    <mc:Fallback xmlns="">
+      <p:transition spd="slow">
+        <p:fade/>
+      </p:transition>
+    </mc:Fallback>
+  </mc:AlternateContent>
+</p:sld>
+</file>
+
 <file path=ppt/slides/slide2.xml><?xml version="1.0" encoding="utf-8"?>
 <p:sld xmlns:a="http://schemas.openxmlformats.org/drawingml/2006/main" xmlns:r="http://schemas.openxmlformats.org/officeDocument/2006/relationships" xmlns:p="http://schemas.openxmlformats.org/presentationml/2006/main">
   <p:cSld>
@@ -16799,37 +24915,7 @@
                 <a:cs typeface="+mn-ea"/>
                 <a:sym typeface="+mn-lt"/>
               </a:rPr>
-              <a:t>P</a:t>
-            </a:r>
-            <a:r>
-              <a:rPr lang="en-US" altLang="zh-TW" sz="3200" dirty="0" smtClean="0">
-                <a:solidFill>
-                  <a:schemeClr val="tx1">
-                    <a:lumMod val="75000"/>
-                    <a:lumOff val="25000"/>
-                  </a:schemeClr>
-                </a:solidFill>
-                <a:latin typeface="微軟正黑體" panose="020B0604030504040204" pitchFamily="34" charset="-120"/>
-                <a:ea typeface="微軟正黑體" panose="020B0604030504040204" pitchFamily="34" charset="-120"/>
-                <a:cs typeface="+mn-ea"/>
-                <a:sym typeface="+mn-lt"/>
-              </a:rPr>
-              <a:t>ython </a:t>
-            </a:r>
-            <a:r>
-              <a:rPr lang="en-US" altLang="zh-TW" sz="3200" dirty="0">
-                <a:solidFill>
-                  <a:schemeClr val="tx1">
-                    <a:lumMod val="75000"/>
-                    <a:lumOff val="25000"/>
-                  </a:schemeClr>
-                </a:solidFill>
-                <a:latin typeface="微軟正黑體" panose="020B0604030504040204" pitchFamily="34" charset="-120"/>
-                <a:ea typeface="微軟正黑體" panose="020B0604030504040204" pitchFamily="34" charset="-120"/>
-                <a:cs typeface="+mn-ea"/>
-                <a:sym typeface="+mn-lt"/>
-              </a:rPr>
-              <a:t>3.6</a:t>
+              <a:t>Python 3.6</a:t>
             </a:r>
           </a:p>
           <a:p>
@@ -16854,7 +24940,7 @@
               <a:t>		    </a:t>
             </a:r>
             <a:r>
-              <a:rPr lang="en-US" altLang="zh-TW" sz="3200" dirty="0" err="1" smtClean="0">
+              <a:rPr lang="en-US" altLang="zh-TW" sz="3200" dirty="0" err="1">
                 <a:solidFill>
                   <a:schemeClr val="tx1">
                     <a:lumMod val="75000"/>
@@ -16869,21 +24955,6 @@
               <a:t>OpenCV</a:t>
             </a:r>
             <a:r>
-              <a:rPr lang="en-US" altLang="zh-TW" sz="3200" dirty="0" smtClean="0">
-                <a:solidFill>
-                  <a:schemeClr val="tx1">
-                    <a:lumMod val="75000"/>
-                    <a:lumOff val="25000"/>
-                  </a:schemeClr>
-                </a:solidFill>
-                <a:latin typeface="微軟正黑體" panose="020B0604030504040204" pitchFamily="34" charset="-120"/>
-                <a:ea typeface="微軟正黑體" panose="020B0604030504040204" pitchFamily="34" charset="-120"/>
-                <a:cs typeface="+mn-ea"/>
-                <a:sym typeface="+mn-lt"/>
-              </a:rPr>
-              <a:t> </a:t>
-            </a:r>
-            <a:r>
               <a:rPr lang="en-US" altLang="zh-TW" sz="3200" dirty="0">
                 <a:solidFill>
                   <a:schemeClr val="tx1">
@@ -16896,7 +24967,7 @@
                 <a:cs typeface="+mn-ea"/>
                 <a:sym typeface="+mn-lt"/>
               </a:rPr>
-              <a:t>3.4.2</a:t>
+              <a:t> 3.4.2</a:t>
             </a:r>
           </a:p>
           <a:p>
@@ -16953,7 +25024,7 @@
               <a:t> </a:t>
             </a:r>
             <a:r>
-              <a:rPr lang="en-US" altLang="zh-TW" sz="3200" dirty="0" smtClean="0">
+              <a:rPr lang="en-US" altLang="zh-TW" sz="3200" dirty="0">
                 <a:solidFill>
                   <a:schemeClr val="tx1">
                     <a:lumMod val="75000"/>
@@ -16968,7 +25039,7 @@
               <a:t>USB</a:t>
             </a:r>
             <a:r>
-              <a:rPr lang="zh-TW" altLang="en-US" sz="3200" dirty="0" smtClean="0">
+              <a:rPr lang="zh-TW" altLang="en-US" sz="3200" dirty="0">
                 <a:solidFill>
                   <a:schemeClr val="tx1">
                     <a:lumMod val="75000"/>

--- a/IP_FRS.pptx
+++ b/IP_FRS.pptx
@@ -23,7 +23,7 @@
     <p:sldId id="323" r:id="rId14"/>
     <p:sldId id="324" r:id="rId15"/>
     <p:sldId id="325" r:id="rId16"/>
-    <p:sldId id="326" r:id="rId17"/>
+    <p:sldId id="327" r:id="rId17"/>
   </p:sldIdLst>
   <p:sldSz cx="12192000" cy="6858000"/>
   <p:notesSz cx="7104063" cy="10234613"/>
@@ -7525,7 +7525,7 @@
           <a:p>
             <a:fld id="{6F94AA58-72FF-427F-B51D-D5ADB9A967C4}" type="datetimeFigureOut">
               <a:rPr lang="zh-CN" altLang="en-US" smtClean="0"/>
-              <a:t>2020/6/1</a:t>
+              <a:t>2020/6/15</a:t>
             </a:fld>
             <a:endParaRPr lang="zh-CN" altLang="en-US"/>
           </a:p>
@@ -7921,7 +7921,7 @@
           <a:p>
             <a:fld id="{82F288E0-7875-42C4-84C8-98DBBD3BF4D2}" type="datetimeFigureOut">
               <a:rPr lang="zh-CN" altLang="en-US" smtClean="0"/>
-              <a:t>2020/6/1</a:t>
+              <a:t>2020/6/15</a:t>
             </a:fld>
             <a:endParaRPr lang="zh-CN" altLang="en-US"/>
           </a:p>
@@ -8067,7 +8067,7 @@
           <a:p>
             <a:fld id="{82F288E0-7875-42C4-84C8-98DBBD3BF4D2}" type="datetimeFigureOut">
               <a:rPr lang="zh-CN" altLang="en-US" smtClean="0"/>
-              <a:t>2020/6/1</a:t>
+              <a:t>2020/6/15</a:t>
             </a:fld>
             <a:endParaRPr lang="zh-CN" altLang="en-US"/>
           </a:p>
@@ -8230,7 +8230,7 @@
           <a:p>
             <a:fld id="{82F288E0-7875-42C4-84C8-98DBBD3BF4D2}" type="datetimeFigureOut">
               <a:rPr lang="zh-CN" altLang="en-US" smtClean="0"/>
-              <a:t>2020/6/1</a:t>
+              <a:t>2020/6/15</a:t>
             </a:fld>
             <a:endParaRPr lang="zh-CN" altLang="en-US"/>
           </a:p>
@@ -8470,7 +8470,7 @@
           <a:p>
             <a:fld id="{82F288E0-7875-42C4-84C8-98DBBD3BF4D2}" type="datetimeFigureOut">
               <a:rPr lang="zh-CN" altLang="en-US" smtClean="0"/>
-              <a:t>2020/6/1</a:t>
+              <a:t>2020/6/15</a:t>
             </a:fld>
             <a:endParaRPr lang="zh-CN" altLang="en-US"/>
           </a:p>
@@ -8694,7 +8694,7 @@
           <a:p>
             <a:fld id="{82F288E0-7875-42C4-84C8-98DBBD3BF4D2}" type="datetimeFigureOut">
               <a:rPr lang="zh-CN" altLang="en-US" smtClean="0"/>
-              <a:t>2020/6/1</a:t>
+              <a:t>2020/6/15</a:t>
             </a:fld>
             <a:endParaRPr lang="zh-CN" altLang="en-US"/>
           </a:p>
@@ -9053,7 +9053,7 @@
           <a:p>
             <a:fld id="{82F288E0-7875-42C4-84C8-98DBBD3BF4D2}" type="datetimeFigureOut">
               <a:rPr lang="zh-CN" altLang="en-US" smtClean="0"/>
-              <a:t>2020/6/1</a:t>
+              <a:t>2020/6/15</a:t>
             </a:fld>
             <a:endParaRPr lang="zh-CN" altLang="en-US"/>
           </a:p>
@@ -9165,7 +9165,7 @@
           <a:p>
             <a:fld id="{82F288E0-7875-42C4-84C8-98DBBD3BF4D2}" type="datetimeFigureOut">
               <a:rPr lang="zh-CN" altLang="en-US" smtClean="0"/>
-              <a:t>2020/6/1</a:t>
+              <a:t>2020/6/15</a:t>
             </a:fld>
             <a:endParaRPr lang="zh-CN" altLang="en-US"/>
           </a:p>
@@ -9255,7 +9255,7 @@
           <a:p>
             <a:fld id="{82F288E0-7875-42C4-84C8-98DBBD3BF4D2}" type="datetimeFigureOut">
               <a:rPr lang="zh-CN" altLang="en-US" smtClean="0"/>
-              <a:t>2020/6/1</a:t>
+              <a:t>2020/6/15</a:t>
             </a:fld>
             <a:endParaRPr lang="zh-CN" altLang="en-US"/>
           </a:p>
@@ -9502,7 +9502,7 @@
           <a:p>
             <a:fld id="{82F288E0-7875-42C4-84C8-98DBBD3BF4D2}" type="datetimeFigureOut">
               <a:rPr lang="zh-CN" altLang="en-US" smtClean="0"/>
-              <a:t>2020/6/1</a:t>
+              <a:t>2020/6/15</a:t>
             </a:fld>
             <a:endParaRPr lang="zh-CN" altLang="en-US"/>
           </a:p>
@@ -9675,7 +9675,7 @@
           <a:p>
             <a:fld id="{82F288E0-7875-42C4-84C8-98DBBD3BF4D2}" type="datetimeFigureOut">
               <a:rPr lang="zh-CN" altLang="en-US" smtClean="0"/>
-              <a:t>2020/6/1</a:t>
+              <a:t>2020/6/15</a:t>
             </a:fld>
             <a:endParaRPr lang="zh-CN" altLang="en-US"/>
           </a:p>
@@ -9881,7 +9881,7 @@
           <a:p>
             <a:fld id="{82F288E0-7875-42C4-84C8-98DBBD3BF4D2}" type="datetimeFigureOut">
               <a:rPr lang="zh-CN" altLang="en-US" smtClean="0"/>
-              <a:t>2020/6/1</a:t>
+              <a:t>2020/6/15</a:t>
             </a:fld>
             <a:endParaRPr lang="zh-CN" altLang="en-US"/>
           </a:p>
@@ -11004,6 +11004,58 @@
           <a:chExt cx="0" cy="0"/>
         </a:xfrm>
       </p:grpSpPr>
+      <p:sp>
+        <p:nvSpPr>
+          <p:cNvPr id="44" name="矩形 43">
+            <a:extLst>
+              <a:ext uri="{FF2B5EF4-FFF2-40B4-BE49-F238E27FC236}">
+                <a16:creationId xmlns:a16="http://schemas.microsoft.com/office/drawing/2014/main" id="{586E72CD-D3C5-4D49-A3A5-7A1BC6B23771}"/>
+              </a:ext>
+            </a:extLst>
+          </p:cNvPr>
+          <p:cNvSpPr/>
+          <p:nvPr/>
+        </p:nvSpPr>
+        <p:spPr>
+          <a:xfrm>
+            <a:off x="1456426" y="3785937"/>
+            <a:ext cx="9901385" cy="2614863"/>
+          </a:xfrm>
+          <a:prstGeom prst="rect">
+            <a:avLst/>
+          </a:prstGeom>
+          <a:solidFill>
+            <a:schemeClr val="accent1">
+              <a:lumMod val="20000"/>
+              <a:lumOff val="80000"/>
+            </a:schemeClr>
+          </a:solidFill>
+        </p:spPr>
+        <p:style>
+          <a:lnRef idx="2">
+            <a:schemeClr val="accent1">
+              <a:shade val="50000"/>
+            </a:schemeClr>
+          </a:lnRef>
+          <a:fillRef idx="1">
+            <a:schemeClr val="accent1"/>
+          </a:fillRef>
+          <a:effectRef idx="0">
+            <a:schemeClr val="accent1"/>
+          </a:effectRef>
+          <a:fontRef idx="minor">
+            <a:schemeClr val="lt1"/>
+          </a:fontRef>
+        </p:style>
+        <p:txBody>
+          <a:bodyPr rtlCol="0" anchor="ctr"/>
+          <a:lstStyle/>
+          <a:p>
+            <a:pPr algn="ctr"/>
+            <a:endParaRPr lang="zh-TW" altLang="en-US"/>
+          </a:p>
+        </p:txBody>
+      </p:sp>
       <p:pic>
         <p:nvPicPr>
           <p:cNvPr id="2" name="图片 1" descr="未标题-178"/>
@@ -11115,6 +11167,14 @@
           <a:prstGeom prst="rect">
             <a:avLst/>
           </a:prstGeom>
+          <a:solidFill>
+            <a:srgbClr val="E48684"/>
+          </a:solidFill>
+          <a:ln>
+            <a:solidFill>
+              <a:schemeClr val="tx1"/>
+            </a:solidFill>
+          </a:ln>
         </p:spPr>
         <p:style>
           <a:lnRef idx="2">
@@ -11158,7 +11218,7 @@
         </p:nvSpPr>
         <p:spPr>
           <a:xfrm>
-            <a:off x="7780688" y="1784684"/>
+            <a:off x="8890732" y="4562731"/>
             <a:ext cx="1844842" cy="1082842"/>
           </a:xfrm>
           <a:prstGeom prst="rect">
@@ -11207,7 +11267,7 @@
         </p:nvSpPr>
         <p:spPr>
           <a:xfrm>
-            <a:off x="7780688" y="4531895"/>
+            <a:off x="5675700" y="4561258"/>
             <a:ext cx="1844842" cy="1082842"/>
           </a:xfrm>
           <a:prstGeom prst="rect">
@@ -11269,7 +11329,7 @@
         </p:nvSpPr>
         <p:spPr>
           <a:xfrm>
-            <a:off x="4604084" y="4531895"/>
+            <a:off x="2378847" y="4561258"/>
             <a:ext cx="1844842" cy="1082842"/>
           </a:xfrm>
           <a:prstGeom prst="rect">
@@ -11298,58 +11358,10 @@
           <a:p>
             <a:pPr algn="ctr"/>
             <a:r>
-              <a:rPr lang="zh-TW" altLang="en-US" dirty="0"/>
-              <a:t>特徵擷取</a:t>
-            </a:r>
-          </a:p>
-        </p:txBody>
-      </p:sp>
-      <p:sp>
-        <p:nvSpPr>
-          <p:cNvPr id="10" name="矩形 9">
-            <a:extLst>
-              <a:ext uri="{FF2B5EF4-FFF2-40B4-BE49-F238E27FC236}">
-                <a16:creationId xmlns:a16="http://schemas.microsoft.com/office/drawing/2014/main" id="{CC621556-3BBD-4FC0-A01D-74E6694B007F}"/>
-              </a:ext>
-            </a:extLst>
-          </p:cNvPr>
-          <p:cNvSpPr/>
-          <p:nvPr/>
-        </p:nvSpPr>
-        <p:spPr>
-          <a:xfrm>
-            <a:off x="1427480" y="4531895"/>
-            <a:ext cx="1844842" cy="1082842"/>
-          </a:xfrm>
-          <a:prstGeom prst="rect">
-            <a:avLst/>
-          </a:prstGeom>
-        </p:spPr>
-        <p:style>
-          <a:lnRef idx="2">
-            <a:schemeClr val="accent1">
-              <a:shade val="50000"/>
-            </a:schemeClr>
-          </a:lnRef>
-          <a:fillRef idx="1">
-            <a:schemeClr val="accent1"/>
-          </a:fillRef>
-          <a:effectRef idx="0">
-            <a:schemeClr val="accent1"/>
-          </a:effectRef>
-          <a:fontRef idx="minor">
-            <a:schemeClr val="lt1"/>
-          </a:fontRef>
-        </p:style>
-        <p:txBody>
-          <a:bodyPr rtlCol="0" anchor="ctr"/>
-          <a:lstStyle/>
-          <a:p>
-            <a:pPr algn="ctr"/>
-            <a:r>
-              <a:rPr lang="zh-TW" altLang="en-US" dirty="0"/>
-              <a:t>人臉辨識模型</a:t>
-            </a:r>
+              <a:rPr lang="en-US" altLang="zh-TW" dirty="0"/>
+              <a:t>CNN</a:t>
+            </a:r>
+            <a:endParaRPr lang="zh-TW" altLang="en-US" dirty="0"/>
           </a:p>
         </p:txBody>
       </p:sp>
@@ -11507,49 +11519,6 @@
           </a:p>
         </p:txBody>
       </p:sp>
-      <p:cxnSp>
-        <p:nvCxnSpPr>
-          <p:cNvPr id="20" name="直線單箭頭接點 19">
-            <a:extLst>
-              <a:ext uri="{FF2B5EF4-FFF2-40B4-BE49-F238E27FC236}">
-                <a16:creationId xmlns:a16="http://schemas.microsoft.com/office/drawing/2014/main" id="{A9C0F4D9-BEE0-48A7-A6A9-26CFCA0A4EEE}"/>
-              </a:ext>
-            </a:extLst>
-          </p:cNvPr>
-          <p:cNvCxnSpPr>
-            <a:cxnSpLocks/>
-            <a:stCxn id="5" idx="3"/>
-            <a:endCxn id="7" idx="1"/>
-          </p:cNvCxnSpPr>
-          <p:nvPr/>
-        </p:nvCxnSpPr>
-        <p:spPr>
-          <a:xfrm>
-            <a:off x="6448926" y="2326105"/>
-            <a:ext cx="1331762" cy="0"/>
-          </a:xfrm>
-          <a:prstGeom prst="straightConnector1">
-            <a:avLst/>
-          </a:prstGeom>
-          <a:ln w="38100">
-            <a:tailEnd type="triangle"/>
-          </a:ln>
-        </p:spPr>
-        <p:style>
-          <a:lnRef idx="1">
-            <a:schemeClr val="accent1"/>
-          </a:lnRef>
-          <a:fillRef idx="0">
-            <a:schemeClr val="accent1"/>
-          </a:fillRef>
-          <a:effectRef idx="0">
-            <a:schemeClr val="accent1"/>
-          </a:effectRef>
-          <a:fontRef idx="minor">
-            <a:schemeClr val="tx1"/>
-          </a:fontRef>
-        </p:style>
-      </p:cxnSp>
       <p:sp>
         <p:nvSpPr>
           <p:cNvPr id="24" name="文字方塊 23">
@@ -11597,15 +11566,15 @@
           </p:cNvPr>
           <p:cNvCxnSpPr>
             <a:cxnSpLocks/>
-            <a:stCxn id="7" idx="2"/>
-            <a:endCxn id="8" idx="0"/>
+            <a:stCxn id="7" idx="1"/>
+            <a:endCxn id="8" idx="3"/>
           </p:cNvCxnSpPr>
           <p:nvPr/>
         </p:nvCxnSpPr>
         <p:spPr>
-          <a:xfrm>
-            <a:off x="8703109" y="2867526"/>
-            <a:ext cx="0" cy="1664369"/>
+          <a:xfrm flipH="1" flipV="1">
+            <a:off x="7520542" y="5102679"/>
+            <a:ext cx="1370190" cy="1473"/>
           </a:xfrm>
           <a:prstGeom prst="straightConnector1">
             <a:avLst/>
@@ -11643,8 +11612,8 @@
         </p:nvSpPr>
         <p:spPr>
           <a:xfrm>
-            <a:off x="8870895" y="3429000"/>
-            <a:ext cx="1390124" cy="369332"/>
+            <a:off x="7831092" y="4363256"/>
+            <a:ext cx="813043" cy="646331"/>
           </a:xfrm>
           <a:prstGeom prst="rect">
             <a:avLst/>
@@ -11659,7 +11628,13 @@
           <a:p>
             <a:r>
               <a:rPr lang="en-US" altLang="zh-TW" dirty="0"/>
-              <a:t>Face image</a:t>
+              <a:t>Face </a:t>
+            </a:r>
+          </a:p>
+          <a:p>
+            <a:r>
+              <a:rPr lang="en-US" altLang="zh-TW" dirty="0"/>
+              <a:t>image</a:t>
             </a:r>
             <a:endParaRPr lang="zh-TW" altLang="en-US" dirty="0"/>
           </a:p>
@@ -11679,8 +11654,8 @@
         </p:nvSpPr>
         <p:spPr>
           <a:xfrm>
-            <a:off x="6398104" y="4617940"/>
-            <a:ext cx="1433406" cy="369332"/>
+            <a:off x="4670077" y="4327358"/>
+            <a:ext cx="864339" cy="646331"/>
           </a:xfrm>
           <a:prstGeom prst="rect">
             <a:avLst/>
@@ -11695,7 +11670,13 @@
           <a:p>
             <a:r>
               <a:rPr lang="en-US" altLang="zh-TW" dirty="0"/>
-              <a:t>Face image’</a:t>
+              <a:t>Face </a:t>
+            </a:r>
+          </a:p>
+          <a:p>
+            <a:r>
+              <a:rPr lang="en-US" altLang="zh-TW" dirty="0"/>
+              <a:t>image’</a:t>
             </a:r>
             <a:endParaRPr lang="zh-TW" altLang="en-US" dirty="0"/>
           </a:p>
@@ -11719,8 +11700,8 @@
         </p:nvCxnSpPr>
         <p:spPr>
           <a:xfrm flipH="1">
-            <a:off x="6448926" y="5073316"/>
-            <a:ext cx="1331762" cy="0"/>
+            <a:off x="4223689" y="5102679"/>
+            <a:ext cx="1452011" cy="0"/>
           </a:xfrm>
           <a:prstGeom prst="straightConnector1">
             <a:avLst/>
@@ -11746,87 +11727,6 @@
       </p:cxnSp>
       <p:cxnSp>
         <p:nvCxnSpPr>
-          <p:cNvPr id="33" name="直線單箭頭接點 32">
-            <a:extLst>
-              <a:ext uri="{FF2B5EF4-FFF2-40B4-BE49-F238E27FC236}">
-                <a16:creationId xmlns:a16="http://schemas.microsoft.com/office/drawing/2014/main" id="{F78B425C-86C5-4F9D-AC4E-AE7D1651A360}"/>
-              </a:ext>
-            </a:extLst>
-          </p:cNvPr>
-          <p:cNvCxnSpPr>
-            <a:cxnSpLocks/>
-            <a:stCxn id="9" idx="1"/>
-            <a:endCxn id="10" idx="3"/>
-          </p:cNvCxnSpPr>
-          <p:nvPr/>
-        </p:nvCxnSpPr>
-        <p:spPr>
-          <a:xfrm flipH="1">
-            <a:off x="3272322" y="5073316"/>
-            <a:ext cx="1331762" cy="0"/>
-          </a:xfrm>
-          <a:prstGeom prst="straightConnector1">
-            <a:avLst/>
-          </a:prstGeom>
-          <a:ln w="38100">
-            <a:tailEnd type="triangle"/>
-          </a:ln>
-        </p:spPr>
-        <p:style>
-          <a:lnRef idx="1">
-            <a:schemeClr val="accent1"/>
-          </a:lnRef>
-          <a:fillRef idx="0">
-            <a:schemeClr val="accent1"/>
-          </a:fillRef>
-          <a:effectRef idx="0">
-            <a:schemeClr val="accent1"/>
-          </a:effectRef>
-          <a:fontRef idx="minor">
-            <a:schemeClr val="tx1"/>
-          </a:fontRef>
-        </p:style>
-      </p:cxnSp>
-      <p:sp>
-        <p:nvSpPr>
-          <p:cNvPr id="36" name="矩形 35">
-            <a:extLst>
-              <a:ext uri="{FF2B5EF4-FFF2-40B4-BE49-F238E27FC236}">
-                <a16:creationId xmlns:a16="http://schemas.microsoft.com/office/drawing/2014/main" id="{026C14B8-3958-43F8-B6DD-2257FF978135}"/>
-              </a:ext>
-            </a:extLst>
-          </p:cNvPr>
-          <p:cNvSpPr/>
-          <p:nvPr/>
-        </p:nvSpPr>
-        <p:spPr>
-          <a:xfrm>
-            <a:off x="3486797" y="4567810"/>
-            <a:ext cx="979755" cy="369332"/>
-          </a:xfrm>
-          <a:prstGeom prst="rect">
-            <a:avLst/>
-          </a:prstGeom>
-        </p:spPr>
-        <p:txBody>
-          <a:bodyPr wrap="none">
-            <a:spAutoFit/>
-          </a:bodyPr>
-          <a:lstStyle/>
-          <a:p>
-            <a:r>
-              <a:rPr lang="en-US" altLang="zh-TW" dirty="0"/>
-              <a:t>F</a:t>
-            </a:r>
-            <a:r>
-              <a:rPr lang="zh-TW" altLang="en-US" dirty="0"/>
-              <a:t>eature</a:t>
-            </a:r>
-          </a:p>
-        </p:txBody>
-      </p:sp>
-      <p:cxnSp>
-        <p:nvCxnSpPr>
           <p:cNvPr id="38" name="接點: 肘形 37">
             <a:extLst>
               <a:ext uri="{FF2B5EF4-FFF2-40B4-BE49-F238E27FC236}">
@@ -11836,17 +11736,18 @@
           </p:cNvPr>
           <p:cNvCxnSpPr>
             <a:cxnSpLocks/>
-            <a:stCxn id="10" idx="0"/>
           </p:cNvCxnSpPr>
           <p:nvPr/>
         </p:nvCxnSpPr>
         <p:spPr>
           <a:xfrm rot="5400000" flipH="1" flipV="1">
-            <a:off x="2585653" y="2513463"/>
-            <a:ext cx="1782680" cy="2254185"/>
+            <a:off x="2984654" y="2924395"/>
+            <a:ext cx="1828615" cy="1445113"/>
           </a:xfrm>
-          <a:prstGeom prst="bentConnector2">
-            <a:avLst/>
+          <a:prstGeom prst="bentConnector3">
+            <a:avLst>
+              <a:gd name="adj1" fmla="val 99566"/>
+            </a:avLst>
           </a:prstGeom>
           <a:ln w="38100">
             <a:tailEnd type="triangle"/>
@@ -11898,6 +11799,133 @@
               <a:rPr lang="en-US" altLang="zh-TW" dirty="0"/>
               <a:t>Result</a:t>
             </a:r>
+            <a:endParaRPr lang="zh-TW" altLang="en-US" dirty="0"/>
+          </a:p>
+        </p:txBody>
+      </p:sp>
+      <p:cxnSp>
+        <p:nvCxnSpPr>
+          <p:cNvPr id="27" name="接點: 肘形 26">
+            <a:extLst>
+              <a:ext uri="{FF2B5EF4-FFF2-40B4-BE49-F238E27FC236}">
+                <a16:creationId xmlns:a16="http://schemas.microsoft.com/office/drawing/2014/main" id="{F899DF47-012C-407A-88F5-FCB5338338B5}"/>
+              </a:ext>
+            </a:extLst>
+          </p:cNvPr>
+          <p:cNvCxnSpPr>
+            <a:stCxn id="5" idx="3"/>
+            <a:endCxn id="7" idx="0"/>
+          </p:cNvCxnSpPr>
+          <p:nvPr/>
+        </p:nvCxnSpPr>
+        <p:spPr>
+          <a:xfrm>
+            <a:off x="6448926" y="2326105"/>
+            <a:ext cx="3364227" cy="2236626"/>
+          </a:xfrm>
+          <a:prstGeom prst="bentConnector2">
+            <a:avLst/>
+          </a:prstGeom>
+          <a:ln w="38100">
+            <a:tailEnd type="triangle"/>
+          </a:ln>
+        </p:spPr>
+        <p:style>
+          <a:lnRef idx="1">
+            <a:schemeClr val="accent1"/>
+          </a:lnRef>
+          <a:fillRef idx="0">
+            <a:schemeClr val="accent1"/>
+          </a:fillRef>
+          <a:effectRef idx="0">
+            <a:schemeClr val="accent1"/>
+          </a:effectRef>
+          <a:fontRef idx="minor">
+            <a:schemeClr val="tx1"/>
+          </a:fontRef>
+        </p:style>
+      </p:cxnSp>
+      <p:sp>
+        <p:nvSpPr>
+          <p:cNvPr id="45" name="文字方塊 44">
+            <a:extLst>
+              <a:ext uri="{FF2B5EF4-FFF2-40B4-BE49-F238E27FC236}">
+                <a16:creationId xmlns:a16="http://schemas.microsoft.com/office/drawing/2014/main" id="{73012656-AB90-4B59-A864-0C1ABAD45D0E}"/>
+              </a:ext>
+            </a:extLst>
+          </p:cNvPr>
+          <p:cNvSpPr txBox="1"/>
+          <p:nvPr/>
+        </p:nvSpPr>
+        <p:spPr>
+          <a:xfrm>
+            <a:off x="5423232" y="3423153"/>
+            <a:ext cx="947375" cy="369332"/>
+          </a:xfrm>
+          <a:prstGeom prst="rect">
+            <a:avLst/>
+          </a:prstGeom>
+          <a:noFill/>
+        </p:spPr>
+        <p:txBody>
+          <a:bodyPr wrap="none" rtlCol="0">
+            <a:spAutoFit/>
+          </a:bodyPr>
+          <a:lstStyle/>
+          <a:p>
+            <a:r>
+              <a:rPr lang="en-US" altLang="zh-TW" dirty="0">
+                <a:solidFill>
+                  <a:schemeClr val="tx1">
+                    <a:lumMod val="75000"/>
+                    <a:lumOff val="25000"/>
+                  </a:schemeClr>
+                </a:solidFill>
+                <a:latin typeface="微軟正黑體" panose="020B0604030504040204" pitchFamily="34" charset="-120"/>
+                <a:ea typeface="微軟正黑體" panose="020B0604030504040204" pitchFamily="34" charset="-120"/>
+                <a:cs typeface="+mn-ea"/>
+                <a:sym typeface="+mn-lt"/>
+              </a:rPr>
+              <a:t>Laptop</a:t>
+            </a:r>
+            <a:endParaRPr lang="zh-TW" altLang="en-US" dirty="0"/>
+          </a:p>
+        </p:txBody>
+      </p:sp>
+      <p:sp>
+        <p:nvSpPr>
+          <p:cNvPr id="46" name="文字方塊 45">
+            <a:extLst>
+              <a:ext uri="{FF2B5EF4-FFF2-40B4-BE49-F238E27FC236}">
+                <a16:creationId xmlns:a16="http://schemas.microsoft.com/office/drawing/2014/main" id="{B4F70D7B-3136-43F2-BA23-E9DA4698A777}"/>
+              </a:ext>
+            </a:extLst>
+          </p:cNvPr>
+          <p:cNvSpPr txBox="1"/>
+          <p:nvPr/>
+        </p:nvSpPr>
+        <p:spPr>
+          <a:xfrm>
+            <a:off x="4791291" y="1387581"/>
+            <a:ext cx="1518364" cy="646331"/>
+          </a:xfrm>
+          <a:prstGeom prst="rect">
+            <a:avLst/>
+          </a:prstGeom>
+          <a:noFill/>
+        </p:spPr>
+        <p:txBody>
+          <a:bodyPr wrap="none" rtlCol="0">
+            <a:spAutoFit/>
+          </a:bodyPr>
+          <a:lstStyle/>
+          <a:p>
+            <a:r>
+              <a:rPr lang="en-US" altLang="zh-TW" dirty="0"/>
+              <a:t>Raspberry Pi</a:t>
+            </a:r>
+          </a:p>
+          <a:p>
             <a:endParaRPr lang="zh-TW" altLang="en-US" dirty="0"/>
           </a:p>
         </p:txBody>
@@ -12212,10 +12240,10 @@
       </p:sp>
       <p:sp>
         <p:nvSpPr>
-          <p:cNvPr id="9" name="矩形 8">
+          <p:cNvPr id="10" name="矩形 9">
             <a:extLst>
               <a:ext uri="{FF2B5EF4-FFF2-40B4-BE49-F238E27FC236}">
-                <a16:creationId xmlns:a16="http://schemas.microsoft.com/office/drawing/2014/main" id="{DB57530F-C888-4106-BA05-CC55898430B4}"/>
+                <a16:creationId xmlns:a16="http://schemas.microsoft.com/office/drawing/2014/main" id="{CC621556-3BBD-4FC0-A01D-74E6694B007F}"/>
               </a:ext>
             </a:extLst>
           </p:cNvPr>
@@ -12224,7 +12252,7 @@
         </p:nvSpPr>
         <p:spPr>
           <a:xfrm>
-            <a:off x="5007849" y="2858957"/>
+            <a:off x="2882853" y="2851119"/>
             <a:ext cx="1178828" cy="627466"/>
           </a:xfrm>
           <a:prstGeom prst="rect">
@@ -12259,64 +12287,10 @@
           <a:p>
             <a:pPr algn="ctr"/>
             <a:r>
-              <a:rPr lang="zh-TW" altLang="en-US" dirty="0"/>
-              <a:t>特徵擷取</a:t>
-            </a:r>
-          </a:p>
-        </p:txBody>
-      </p:sp>
-      <p:sp>
-        <p:nvSpPr>
-          <p:cNvPr id="10" name="矩形 9">
-            <a:extLst>
-              <a:ext uri="{FF2B5EF4-FFF2-40B4-BE49-F238E27FC236}">
-                <a16:creationId xmlns:a16="http://schemas.microsoft.com/office/drawing/2014/main" id="{CC621556-3BBD-4FC0-A01D-74E6694B007F}"/>
-              </a:ext>
-            </a:extLst>
-          </p:cNvPr>
-          <p:cNvSpPr/>
-          <p:nvPr/>
-        </p:nvSpPr>
-        <p:spPr>
-          <a:xfrm>
-            <a:off x="2887076" y="2851119"/>
-            <a:ext cx="1178828" cy="627466"/>
-          </a:xfrm>
-          <a:prstGeom prst="rect">
-            <a:avLst/>
-          </a:prstGeom>
-          <a:solidFill>
-            <a:srgbClr val="D0CECE"/>
-          </a:solidFill>
-          <a:ln>
-            <a:noFill/>
-          </a:ln>
-        </p:spPr>
-        <p:style>
-          <a:lnRef idx="2">
-            <a:schemeClr val="accent1">
-              <a:shade val="50000"/>
-            </a:schemeClr>
-          </a:lnRef>
-          <a:fillRef idx="1">
-            <a:schemeClr val="accent1"/>
-          </a:fillRef>
-          <a:effectRef idx="0">
-            <a:schemeClr val="accent1"/>
-          </a:effectRef>
-          <a:fontRef idx="minor">
-            <a:schemeClr val="lt1"/>
-          </a:fontRef>
-        </p:style>
-        <p:txBody>
-          <a:bodyPr rtlCol="0" anchor="ctr"/>
-          <a:lstStyle/>
-          <a:p>
-            <a:pPr algn="ctr"/>
-            <a:r>
-              <a:rPr lang="zh-TW" altLang="en-US" dirty="0"/>
-              <a:t>人臉辨識模型</a:t>
-            </a:r>
+              <a:rPr lang="en-US" altLang="zh-TW" dirty="0"/>
+              <a:t>CNN</a:t>
+            </a:r>
+            <a:endParaRPr lang="zh-TW" altLang="en-US" dirty="0"/>
           </a:p>
         </p:txBody>
       </p:sp>
@@ -12661,7 +12635,7 @@
         </p:nvSpPr>
         <p:spPr>
           <a:xfrm>
-            <a:off x="6221290" y="2568451"/>
+            <a:off x="5180635" y="2581103"/>
             <a:ext cx="1109601" cy="646331"/>
           </a:xfrm>
           <a:prstGeom prst="rect">
@@ -12710,14 +12684,14 @@
           <p:cNvCxnSpPr>
             <a:cxnSpLocks/>
             <a:stCxn id="8" idx="1"/>
-            <a:endCxn id="9" idx="3"/>
+            <a:endCxn id="10" idx="3"/>
           </p:cNvCxnSpPr>
           <p:nvPr/>
         </p:nvCxnSpPr>
         <p:spPr>
-          <a:xfrm flipH="1">
-            <a:off x="6186677" y="3172690"/>
-            <a:ext cx="895941" cy="0"/>
+          <a:xfrm flipH="1" flipV="1">
+            <a:off x="4061681" y="3164852"/>
+            <a:ext cx="3020937" cy="7838"/>
           </a:xfrm>
           <a:prstGeom prst="straightConnector1">
             <a:avLst/>
@@ -12746,102 +12720,6 @@
       </p:cxnSp>
       <p:cxnSp>
         <p:nvCxnSpPr>
-          <p:cNvPr id="33" name="直線單箭頭接點 32">
-            <a:extLst>
-              <a:ext uri="{FF2B5EF4-FFF2-40B4-BE49-F238E27FC236}">
-                <a16:creationId xmlns:a16="http://schemas.microsoft.com/office/drawing/2014/main" id="{F78B425C-86C5-4F9D-AC4E-AE7D1651A360}"/>
-              </a:ext>
-            </a:extLst>
-          </p:cNvPr>
-          <p:cNvCxnSpPr>
-            <a:cxnSpLocks/>
-            <a:stCxn id="9" idx="1"/>
-            <a:endCxn id="10" idx="3"/>
-          </p:cNvCxnSpPr>
-          <p:nvPr/>
-        </p:nvCxnSpPr>
-        <p:spPr>
-          <a:xfrm flipH="1" flipV="1">
-            <a:off x="4065904" y="3164852"/>
-            <a:ext cx="941945" cy="7838"/>
-          </a:xfrm>
-          <a:prstGeom prst="straightConnector1">
-            <a:avLst/>
-          </a:prstGeom>
-          <a:ln w="38100">
-            <a:solidFill>
-              <a:srgbClr val="D0CECE"/>
-            </a:solidFill>
-            <a:tailEnd type="triangle"/>
-          </a:ln>
-        </p:spPr>
-        <p:style>
-          <a:lnRef idx="1">
-            <a:schemeClr val="accent1"/>
-          </a:lnRef>
-          <a:fillRef idx="0">
-            <a:schemeClr val="accent1"/>
-          </a:fillRef>
-          <a:effectRef idx="0">
-            <a:schemeClr val="accent1"/>
-          </a:effectRef>
-          <a:fontRef idx="minor">
-            <a:schemeClr val="tx1"/>
-          </a:fontRef>
-        </p:style>
-      </p:cxnSp>
-      <p:sp>
-        <p:nvSpPr>
-          <p:cNvPr id="36" name="矩形 35">
-            <a:extLst>
-              <a:ext uri="{FF2B5EF4-FFF2-40B4-BE49-F238E27FC236}">
-                <a16:creationId xmlns:a16="http://schemas.microsoft.com/office/drawing/2014/main" id="{026C14B8-3958-43F8-B6DD-2257FF978135}"/>
-              </a:ext>
-            </a:extLst>
-          </p:cNvPr>
-          <p:cNvSpPr/>
-          <p:nvPr/>
-        </p:nvSpPr>
-        <p:spPr>
-          <a:xfrm>
-            <a:off x="4036961" y="2787683"/>
-            <a:ext cx="979755" cy="369332"/>
-          </a:xfrm>
-          <a:prstGeom prst="rect">
-            <a:avLst/>
-          </a:prstGeom>
-        </p:spPr>
-        <p:txBody>
-          <a:bodyPr wrap="square">
-            <a:spAutoFit/>
-          </a:bodyPr>
-          <a:lstStyle/>
-          <a:p>
-            <a:r>
-              <a:rPr lang="en-US" altLang="zh-TW" dirty="0">
-                <a:solidFill>
-                  <a:schemeClr val="bg1">
-                    <a:lumMod val="85000"/>
-                  </a:schemeClr>
-                </a:solidFill>
-              </a:rPr>
-              <a:t>F</a:t>
-            </a:r>
-            <a:r>
-              <a:rPr lang="zh-TW" altLang="en-US" dirty="0">
-                <a:solidFill>
-                  <a:schemeClr val="bg1">
-                    <a:lumMod val="85000"/>
-                  </a:schemeClr>
-                </a:solidFill>
-              </a:rPr>
-              <a:t>eature</a:t>
-            </a:r>
-          </a:p>
-        </p:txBody>
-      </p:sp>
-      <p:cxnSp>
-        <p:nvCxnSpPr>
           <p:cNvPr id="38" name="接點: 肘形 37">
             <a:extLst>
               <a:ext uri="{FF2B5EF4-FFF2-40B4-BE49-F238E27FC236}">
@@ -12857,7 +12735,7 @@
         </p:nvCxnSpPr>
         <p:spPr>
           <a:xfrm rot="5400000" flipH="1" flipV="1">
-            <a:off x="3863305" y="1736758"/>
+            <a:off x="3859082" y="1736758"/>
             <a:ext cx="727546" cy="1501177"/>
           </a:xfrm>
           <a:prstGeom prst="bentConnector2">
@@ -13887,61 +13765,6 @@
       </p:sp>
       <p:sp>
         <p:nvSpPr>
-          <p:cNvPr id="9" name="矩形 8">
-            <a:extLst>
-              <a:ext uri="{FF2B5EF4-FFF2-40B4-BE49-F238E27FC236}">
-                <a16:creationId xmlns:a16="http://schemas.microsoft.com/office/drawing/2014/main" id="{DB57530F-C888-4106-BA05-CC55898430B4}"/>
-              </a:ext>
-            </a:extLst>
-          </p:cNvPr>
-          <p:cNvSpPr/>
-          <p:nvPr/>
-        </p:nvSpPr>
-        <p:spPr>
-          <a:xfrm>
-            <a:off x="5007849" y="2858957"/>
-            <a:ext cx="1178828" cy="627466"/>
-          </a:xfrm>
-          <a:prstGeom prst="rect">
-            <a:avLst/>
-          </a:prstGeom>
-          <a:solidFill>
-            <a:srgbClr val="D0CECE"/>
-          </a:solidFill>
-          <a:ln>
-            <a:noFill/>
-          </a:ln>
-        </p:spPr>
-        <p:style>
-          <a:lnRef idx="2">
-            <a:schemeClr val="accent1">
-              <a:shade val="50000"/>
-            </a:schemeClr>
-          </a:lnRef>
-          <a:fillRef idx="1">
-            <a:schemeClr val="accent1"/>
-          </a:fillRef>
-          <a:effectRef idx="0">
-            <a:schemeClr val="accent1"/>
-          </a:effectRef>
-          <a:fontRef idx="minor">
-            <a:schemeClr val="lt1"/>
-          </a:fontRef>
-        </p:style>
-        <p:txBody>
-          <a:bodyPr rtlCol="0" anchor="ctr"/>
-          <a:lstStyle/>
-          <a:p>
-            <a:pPr algn="ctr"/>
-            <a:r>
-              <a:rPr lang="zh-TW" altLang="en-US" dirty="0"/>
-              <a:t>特徵擷取</a:t>
-            </a:r>
-          </a:p>
-        </p:txBody>
-      </p:sp>
-      <p:sp>
-        <p:nvSpPr>
           <p:cNvPr id="10" name="矩形 9">
             <a:extLst>
               <a:ext uri="{FF2B5EF4-FFF2-40B4-BE49-F238E27FC236}">
@@ -13989,9 +13812,10 @@
           <a:p>
             <a:pPr algn="ctr"/>
             <a:r>
-              <a:rPr lang="zh-TW" altLang="en-US" dirty="0"/>
-              <a:t>人臉辨識模型</a:t>
-            </a:r>
+              <a:rPr lang="en-US" altLang="zh-TW" dirty="0"/>
+              <a:t>CNN</a:t>
+            </a:r>
+            <a:endParaRPr lang="zh-TW" altLang="en-US" dirty="0"/>
           </a:p>
         </p:txBody>
       </p:sp>
@@ -14400,24 +14224,23 @@
       </p:sp>
       <p:cxnSp>
         <p:nvCxnSpPr>
-          <p:cNvPr id="30" name="直線單箭頭接點 29">
+          <p:cNvPr id="33" name="直線單箭頭接點 32">
             <a:extLst>
               <a:ext uri="{FF2B5EF4-FFF2-40B4-BE49-F238E27FC236}">
-                <a16:creationId xmlns:a16="http://schemas.microsoft.com/office/drawing/2014/main" id="{9ED0B63C-20AE-4AEB-95A6-7F8E1864D604}"/>
+                <a16:creationId xmlns:a16="http://schemas.microsoft.com/office/drawing/2014/main" id="{F78B425C-86C5-4F9D-AC4E-AE7D1651A360}"/>
               </a:ext>
             </a:extLst>
           </p:cNvPr>
           <p:cNvCxnSpPr>
             <a:cxnSpLocks/>
-            <a:stCxn id="8" idx="1"/>
-            <a:endCxn id="9" idx="3"/>
+            <a:endCxn id="10" idx="3"/>
           </p:cNvCxnSpPr>
           <p:nvPr/>
         </p:nvCxnSpPr>
         <p:spPr>
           <a:xfrm flipH="1">
-            <a:off x="6186677" y="3172690"/>
-            <a:ext cx="895941" cy="0"/>
+            <a:off x="4065904" y="3164852"/>
+            <a:ext cx="3016714" cy="0"/>
           </a:xfrm>
           <a:prstGeom prst="straightConnector1">
             <a:avLst/>
@@ -14444,102 +14267,6 @@
           </a:fontRef>
         </p:style>
       </p:cxnSp>
-      <p:cxnSp>
-        <p:nvCxnSpPr>
-          <p:cNvPr id="33" name="直線單箭頭接點 32">
-            <a:extLst>
-              <a:ext uri="{FF2B5EF4-FFF2-40B4-BE49-F238E27FC236}">
-                <a16:creationId xmlns:a16="http://schemas.microsoft.com/office/drawing/2014/main" id="{F78B425C-86C5-4F9D-AC4E-AE7D1651A360}"/>
-              </a:ext>
-            </a:extLst>
-          </p:cNvPr>
-          <p:cNvCxnSpPr>
-            <a:cxnSpLocks/>
-            <a:stCxn id="9" idx="1"/>
-            <a:endCxn id="10" idx="3"/>
-          </p:cNvCxnSpPr>
-          <p:nvPr/>
-        </p:nvCxnSpPr>
-        <p:spPr>
-          <a:xfrm flipH="1" flipV="1">
-            <a:off x="4065904" y="3164852"/>
-            <a:ext cx="941945" cy="7838"/>
-          </a:xfrm>
-          <a:prstGeom prst="straightConnector1">
-            <a:avLst/>
-          </a:prstGeom>
-          <a:ln w="38100">
-            <a:solidFill>
-              <a:srgbClr val="D0CECE"/>
-            </a:solidFill>
-            <a:tailEnd type="triangle"/>
-          </a:ln>
-        </p:spPr>
-        <p:style>
-          <a:lnRef idx="1">
-            <a:schemeClr val="accent1"/>
-          </a:lnRef>
-          <a:fillRef idx="0">
-            <a:schemeClr val="accent1"/>
-          </a:fillRef>
-          <a:effectRef idx="0">
-            <a:schemeClr val="accent1"/>
-          </a:effectRef>
-          <a:fontRef idx="minor">
-            <a:schemeClr val="tx1"/>
-          </a:fontRef>
-        </p:style>
-      </p:cxnSp>
-      <p:sp>
-        <p:nvSpPr>
-          <p:cNvPr id="36" name="矩形 35">
-            <a:extLst>
-              <a:ext uri="{FF2B5EF4-FFF2-40B4-BE49-F238E27FC236}">
-                <a16:creationId xmlns:a16="http://schemas.microsoft.com/office/drawing/2014/main" id="{026C14B8-3958-43F8-B6DD-2257FF978135}"/>
-              </a:ext>
-            </a:extLst>
-          </p:cNvPr>
-          <p:cNvSpPr/>
-          <p:nvPr/>
-        </p:nvSpPr>
-        <p:spPr>
-          <a:xfrm>
-            <a:off x="4036961" y="2787683"/>
-            <a:ext cx="979755" cy="369332"/>
-          </a:xfrm>
-          <a:prstGeom prst="rect">
-            <a:avLst/>
-          </a:prstGeom>
-        </p:spPr>
-        <p:txBody>
-          <a:bodyPr wrap="square">
-            <a:spAutoFit/>
-          </a:bodyPr>
-          <a:lstStyle/>
-          <a:p>
-            <a:r>
-              <a:rPr lang="en-US" altLang="zh-TW" dirty="0">
-                <a:solidFill>
-                  <a:schemeClr val="bg1">
-                    <a:lumMod val="85000"/>
-                  </a:schemeClr>
-                </a:solidFill>
-              </a:rPr>
-              <a:t>F</a:t>
-            </a:r>
-            <a:r>
-              <a:rPr lang="zh-TW" altLang="en-US" dirty="0">
-                <a:solidFill>
-                  <a:schemeClr val="bg1">
-                    <a:lumMod val="85000"/>
-                  </a:schemeClr>
-                </a:solidFill>
-              </a:rPr>
-              <a:t>eature</a:t>
-            </a:r>
-          </a:p>
-        </p:txBody>
-      </p:sp>
       <p:cxnSp>
         <p:nvCxnSpPr>
           <p:cNvPr id="38" name="接點: 肘形 37">
@@ -15394,61 +15121,6 @@
       </p:sp>
       <p:sp>
         <p:nvSpPr>
-          <p:cNvPr id="9" name="矩形 8">
-            <a:extLst>
-              <a:ext uri="{FF2B5EF4-FFF2-40B4-BE49-F238E27FC236}">
-                <a16:creationId xmlns:a16="http://schemas.microsoft.com/office/drawing/2014/main" id="{DB57530F-C888-4106-BA05-CC55898430B4}"/>
-              </a:ext>
-            </a:extLst>
-          </p:cNvPr>
-          <p:cNvSpPr/>
-          <p:nvPr/>
-        </p:nvSpPr>
-        <p:spPr>
-          <a:xfrm>
-            <a:off x="5007849" y="2858957"/>
-            <a:ext cx="1178828" cy="627466"/>
-          </a:xfrm>
-          <a:prstGeom prst="rect">
-            <a:avLst/>
-          </a:prstGeom>
-          <a:solidFill>
-            <a:srgbClr val="D0CECE"/>
-          </a:solidFill>
-          <a:ln>
-            <a:noFill/>
-          </a:ln>
-        </p:spPr>
-        <p:style>
-          <a:lnRef idx="2">
-            <a:schemeClr val="accent1">
-              <a:shade val="50000"/>
-            </a:schemeClr>
-          </a:lnRef>
-          <a:fillRef idx="1">
-            <a:schemeClr val="accent1"/>
-          </a:fillRef>
-          <a:effectRef idx="0">
-            <a:schemeClr val="accent1"/>
-          </a:effectRef>
-          <a:fontRef idx="minor">
-            <a:schemeClr val="lt1"/>
-          </a:fontRef>
-        </p:style>
-        <p:txBody>
-          <a:bodyPr rtlCol="0" anchor="ctr"/>
-          <a:lstStyle/>
-          <a:p>
-            <a:pPr algn="ctr"/>
-            <a:r>
-              <a:rPr lang="zh-TW" altLang="en-US" dirty="0"/>
-              <a:t>特徵擷取</a:t>
-            </a:r>
-          </a:p>
-        </p:txBody>
-      </p:sp>
-      <p:sp>
-        <p:nvSpPr>
           <p:cNvPr id="10" name="矩形 9">
             <a:extLst>
               <a:ext uri="{FF2B5EF4-FFF2-40B4-BE49-F238E27FC236}">
@@ -15496,9 +15168,10 @@
           <a:p>
             <a:pPr algn="ctr"/>
             <a:r>
-              <a:rPr lang="zh-TW" altLang="en-US" dirty="0"/>
-              <a:t>人臉辨識模型</a:t>
-            </a:r>
+              <a:rPr lang="en-US" altLang="zh-TW" dirty="0"/>
+              <a:t>CNN</a:t>
+            </a:r>
+            <a:endParaRPr lang="zh-TW" altLang="en-US" dirty="0"/>
           </a:p>
         </p:txBody>
       </p:sp>
@@ -15917,14 +15590,14 @@
           <p:cNvCxnSpPr>
             <a:cxnSpLocks/>
             <a:stCxn id="8" idx="1"/>
-            <a:endCxn id="9" idx="3"/>
+            <a:endCxn id="10" idx="3"/>
           </p:cNvCxnSpPr>
           <p:nvPr/>
         </p:nvCxnSpPr>
         <p:spPr>
-          <a:xfrm flipH="1">
-            <a:off x="6186677" y="3172690"/>
-            <a:ext cx="895941" cy="0"/>
+          <a:xfrm flipH="1" flipV="1">
+            <a:off x="4065904" y="3164852"/>
+            <a:ext cx="3016714" cy="7838"/>
           </a:xfrm>
           <a:prstGeom prst="straightConnector1">
             <a:avLst/>
@@ -15951,102 +15624,6 @@
           </a:fontRef>
         </p:style>
       </p:cxnSp>
-      <p:cxnSp>
-        <p:nvCxnSpPr>
-          <p:cNvPr id="33" name="直線單箭頭接點 32">
-            <a:extLst>
-              <a:ext uri="{FF2B5EF4-FFF2-40B4-BE49-F238E27FC236}">
-                <a16:creationId xmlns:a16="http://schemas.microsoft.com/office/drawing/2014/main" id="{F78B425C-86C5-4F9D-AC4E-AE7D1651A360}"/>
-              </a:ext>
-            </a:extLst>
-          </p:cNvPr>
-          <p:cNvCxnSpPr>
-            <a:cxnSpLocks/>
-            <a:stCxn id="9" idx="1"/>
-            <a:endCxn id="10" idx="3"/>
-          </p:cNvCxnSpPr>
-          <p:nvPr/>
-        </p:nvCxnSpPr>
-        <p:spPr>
-          <a:xfrm flipH="1" flipV="1">
-            <a:off x="4065904" y="3164852"/>
-            <a:ext cx="941945" cy="7838"/>
-          </a:xfrm>
-          <a:prstGeom prst="straightConnector1">
-            <a:avLst/>
-          </a:prstGeom>
-          <a:ln w="38100">
-            <a:solidFill>
-              <a:srgbClr val="D0CECE"/>
-            </a:solidFill>
-            <a:tailEnd type="triangle"/>
-          </a:ln>
-        </p:spPr>
-        <p:style>
-          <a:lnRef idx="1">
-            <a:schemeClr val="accent1"/>
-          </a:lnRef>
-          <a:fillRef idx="0">
-            <a:schemeClr val="accent1"/>
-          </a:fillRef>
-          <a:effectRef idx="0">
-            <a:schemeClr val="accent1"/>
-          </a:effectRef>
-          <a:fontRef idx="minor">
-            <a:schemeClr val="tx1"/>
-          </a:fontRef>
-        </p:style>
-      </p:cxnSp>
-      <p:sp>
-        <p:nvSpPr>
-          <p:cNvPr id="36" name="矩形 35">
-            <a:extLst>
-              <a:ext uri="{FF2B5EF4-FFF2-40B4-BE49-F238E27FC236}">
-                <a16:creationId xmlns:a16="http://schemas.microsoft.com/office/drawing/2014/main" id="{026C14B8-3958-43F8-B6DD-2257FF978135}"/>
-              </a:ext>
-            </a:extLst>
-          </p:cNvPr>
-          <p:cNvSpPr/>
-          <p:nvPr/>
-        </p:nvSpPr>
-        <p:spPr>
-          <a:xfrm>
-            <a:off x="4036961" y="2787683"/>
-            <a:ext cx="979755" cy="369332"/>
-          </a:xfrm>
-          <a:prstGeom prst="rect">
-            <a:avLst/>
-          </a:prstGeom>
-        </p:spPr>
-        <p:txBody>
-          <a:bodyPr wrap="square">
-            <a:spAutoFit/>
-          </a:bodyPr>
-          <a:lstStyle/>
-          <a:p>
-            <a:r>
-              <a:rPr lang="en-US" altLang="zh-TW" dirty="0">
-                <a:solidFill>
-                  <a:schemeClr val="bg1">
-                    <a:lumMod val="85000"/>
-                  </a:schemeClr>
-                </a:solidFill>
-              </a:rPr>
-              <a:t>F</a:t>
-            </a:r>
-            <a:r>
-              <a:rPr lang="zh-TW" altLang="en-US" dirty="0">
-                <a:solidFill>
-                  <a:schemeClr val="bg1">
-                    <a:lumMod val="85000"/>
-                  </a:schemeClr>
-                </a:solidFill>
-              </a:rPr>
-              <a:t>eature</a:t>
-            </a:r>
-          </a:p>
-        </p:txBody>
-      </p:sp>
       <p:cxnSp>
         <p:nvCxnSpPr>
           <p:cNvPr id="38" name="接點: 肘形 37">
@@ -16908,7 +16485,7 @@
         </p:nvSpPr>
         <p:spPr>
           <a:xfrm>
-            <a:off x="5007849" y="2858957"/>
+            <a:off x="2887075" y="2858957"/>
             <a:ext cx="1178828" cy="627466"/>
           </a:xfrm>
           <a:prstGeom prst="rect">
@@ -16943,64 +16520,10 @@
           <a:p>
             <a:pPr algn="ctr"/>
             <a:r>
-              <a:rPr lang="zh-TW" altLang="en-US" dirty="0"/>
-              <a:t>特徵擷取</a:t>
-            </a:r>
-          </a:p>
-        </p:txBody>
-      </p:sp>
-      <p:sp>
-        <p:nvSpPr>
-          <p:cNvPr id="10" name="矩形 9">
-            <a:extLst>
-              <a:ext uri="{FF2B5EF4-FFF2-40B4-BE49-F238E27FC236}">
-                <a16:creationId xmlns:a16="http://schemas.microsoft.com/office/drawing/2014/main" id="{CC621556-3BBD-4FC0-A01D-74E6694B007F}"/>
-              </a:ext>
-            </a:extLst>
-          </p:cNvPr>
-          <p:cNvSpPr/>
-          <p:nvPr/>
-        </p:nvSpPr>
-        <p:spPr>
-          <a:xfrm>
-            <a:off x="2887076" y="2851119"/>
-            <a:ext cx="1178828" cy="627466"/>
-          </a:xfrm>
-          <a:prstGeom prst="rect">
-            <a:avLst/>
-          </a:prstGeom>
-          <a:solidFill>
-            <a:srgbClr val="D0CECE"/>
-          </a:solidFill>
-          <a:ln>
-            <a:noFill/>
-          </a:ln>
-        </p:spPr>
-        <p:style>
-          <a:lnRef idx="2">
-            <a:schemeClr val="accent1">
-              <a:shade val="50000"/>
-            </a:schemeClr>
-          </a:lnRef>
-          <a:fillRef idx="1">
-            <a:schemeClr val="accent1"/>
-          </a:fillRef>
-          <a:effectRef idx="0">
-            <a:schemeClr val="accent1"/>
-          </a:effectRef>
-          <a:fontRef idx="minor">
-            <a:schemeClr val="lt1"/>
-          </a:fontRef>
-        </p:style>
-        <p:txBody>
-          <a:bodyPr rtlCol="0" anchor="ctr"/>
-          <a:lstStyle/>
-          <a:p>
-            <a:pPr algn="ctr"/>
-            <a:r>
-              <a:rPr lang="zh-TW" altLang="en-US" dirty="0"/>
-              <a:t>人臉辨識模型</a:t>
-            </a:r>
+              <a:rPr lang="en-US" altLang="zh-TW" dirty="0"/>
+              <a:t>CNN</a:t>
+            </a:r>
+            <a:endParaRPr lang="zh-TW" altLang="en-US" dirty="0"/>
           </a:p>
         </p:txBody>
       </p:sp>
@@ -17397,7 +16920,7 @@
         </p:nvSpPr>
         <p:spPr>
           <a:xfrm>
-            <a:off x="6221290" y="2568451"/>
+            <a:off x="6104734" y="2561450"/>
             <a:ext cx="1109601" cy="646331"/>
           </a:xfrm>
           <a:prstGeom prst="rect">
@@ -17440,8 +16963,8 @@
         </p:nvCxnSpPr>
         <p:spPr>
           <a:xfrm flipH="1">
-            <a:off x="6186677" y="3172690"/>
-            <a:ext cx="895941" cy="0"/>
+            <a:off x="4065903" y="3172690"/>
+            <a:ext cx="3016715" cy="0"/>
           </a:xfrm>
           <a:prstGeom prst="straightConnector1">
             <a:avLst/>
@@ -17470,90 +16993,6 @@
       </p:cxnSp>
       <p:cxnSp>
         <p:nvCxnSpPr>
-          <p:cNvPr id="33" name="直線單箭頭接點 32">
-            <a:extLst>
-              <a:ext uri="{FF2B5EF4-FFF2-40B4-BE49-F238E27FC236}">
-                <a16:creationId xmlns:a16="http://schemas.microsoft.com/office/drawing/2014/main" id="{F78B425C-86C5-4F9D-AC4E-AE7D1651A360}"/>
-              </a:ext>
-            </a:extLst>
-          </p:cNvPr>
-          <p:cNvCxnSpPr>
-            <a:cxnSpLocks/>
-            <a:stCxn id="9" idx="1"/>
-            <a:endCxn id="10" idx="3"/>
-          </p:cNvCxnSpPr>
-          <p:nvPr/>
-        </p:nvCxnSpPr>
-        <p:spPr>
-          <a:xfrm flipH="1" flipV="1">
-            <a:off x="4065904" y="3164852"/>
-            <a:ext cx="941945" cy="7838"/>
-          </a:xfrm>
-          <a:prstGeom prst="straightConnector1">
-            <a:avLst/>
-          </a:prstGeom>
-          <a:ln w="38100">
-            <a:solidFill>
-              <a:schemeClr val="accent1"/>
-            </a:solidFill>
-            <a:tailEnd type="triangle"/>
-          </a:ln>
-        </p:spPr>
-        <p:style>
-          <a:lnRef idx="1">
-            <a:schemeClr val="accent1"/>
-          </a:lnRef>
-          <a:fillRef idx="0">
-            <a:schemeClr val="accent1"/>
-          </a:fillRef>
-          <a:effectRef idx="0">
-            <a:schemeClr val="accent1"/>
-          </a:effectRef>
-          <a:fontRef idx="minor">
-            <a:schemeClr val="tx1"/>
-          </a:fontRef>
-        </p:style>
-      </p:cxnSp>
-      <p:sp>
-        <p:nvSpPr>
-          <p:cNvPr id="36" name="矩形 35">
-            <a:extLst>
-              <a:ext uri="{FF2B5EF4-FFF2-40B4-BE49-F238E27FC236}">
-                <a16:creationId xmlns:a16="http://schemas.microsoft.com/office/drawing/2014/main" id="{026C14B8-3958-43F8-B6DD-2257FF978135}"/>
-              </a:ext>
-            </a:extLst>
-          </p:cNvPr>
-          <p:cNvSpPr/>
-          <p:nvPr/>
-        </p:nvSpPr>
-        <p:spPr>
-          <a:xfrm>
-            <a:off x="4036961" y="2787683"/>
-            <a:ext cx="979755" cy="369332"/>
-          </a:xfrm>
-          <a:prstGeom prst="rect">
-            <a:avLst/>
-          </a:prstGeom>
-        </p:spPr>
-        <p:txBody>
-          <a:bodyPr wrap="square">
-            <a:spAutoFit/>
-          </a:bodyPr>
-          <a:lstStyle/>
-          <a:p>
-            <a:r>
-              <a:rPr lang="en-US" altLang="zh-TW" dirty="0"/>
-              <a:t>F</a:t>
-            </a:r>
-            <a:r>
-              <a:rPr lang="zh-TW" altLang="en-US" dirty="0"/>
-              <a:t>eature</a:t>
-            </a:r>
-          </a:p>
-        </p:txBody>
-      </p:sp>
-      <p:cxnSp>
-        <p:nvCxnSpPr>
           <p:cNvPr id="38" name="接點: 肘形 37">
             <a:extLst>
               <a:ext uri="{FF2B5EF4-FFF2-40B4-BE49-F238E27FC236}">
@@ -17563,7 +17002,6 @@
           </p:cNvPr>
           <p:cNvCxnSpPr>
             <a:cxnSpLocks/>
-            <a:stCxn id="10" idx="0"/>
           </p:cNvCxnSpPr>
           <p:nvPr/>
         </p:nvCxnSpPr>
@@ -17577,9 +17015,7 @@
           </a:prstGeom>
           <a:ln w="38100">
             <a:solidFill>
-              <a:schemeClr val="bg1">
-                <a:lumMod val="85000"/>
-              </a:schemeClr>
+              <a:schemeClr val="accent1"/>
             </a:solidFill>
             <a:tailEnd type="triangle"/>
           </a:ln>
@@ -17857,10 +17293,10 @@
       </p:graphicFrame>
       <p:graphicFrame>
         <p:nvGraphicFramePr>
-          <p:cNvPr id="53" name="表格 51">
+          <p:cNvPr id="27" name="表格 51">
             <a:extLst>
               <a:ext uri="{FF2B5EF4-FFF2-40B4-BE49-F238E27FC236}">
-                <a16:creationId xmlns:a16="http://schemas.microsoft.com/office/drawing/2014/main" id="{712E65C8-333D-4812-89B1-7977BEC40033}"/>
+                <a16:creationId xmlns:a16="http://schemas.microsoft.com/office/drawing/2014/main" id="{1D360659-C38F-479C-81D1-B0A161FF27A0}"/>
               </a:ext>
             </a:extLst>
           </p:cNvPr>
@@ -17870,1457 +17306,14 @@
           <p:nvPr>
             <p:extLst>
               <p:ext uri="{D42A27DB-BD31-4B8C-83A1-F6EECF244321}">
-                <p14:modId xmlns:p14="http://schemas.microsoft.com/office/powerpoint/2010/main" val="2008274653"/>
+                <p14:modId xmlns:p14="http://schemas.microsoft.com/office/powerpoint/2010/main" val="3523463754"/>
               </p:ext>
             </p:extLst>
           </p:nvPr>
         </p:nvGraphicFramePr>
         <p:xfrm>
           <a:off x="6206867" y="4148808"/>
-          <a:ext cx="5411532" cy="741680"/>
-        </p:xfrm>
-        <a:graphic>
-          <a:graphicData uri="http://schemas.openxmlformats.org/drawingml/2006/table">
-            <a:tbl>
-              <a:tblPr firstRow="1" bandRow="1">
-                <a:tableStyleId>{073A0DAA-6AF3-43AB-8588-CEC1D06C72B9}</a:tableStyleId>
-              </a:tblPr>
-              <a:tblGrid>
-                <a:gridCol w="2705766">
-                  <a:extLst>
-                    <a:ext uri="{9D8B030D-6E8A-4147-A177-3AD203B41FA5}">
-                      <a16:colId xmlns:a16="http://schemas.microsoft.com/office/drawing/2014/main" val="1756241634"/>
-                    </a:ext>
-                  </a:extLst>
-                </a:gridCol>
-                <a:gridCol w="2705766">
-                  <a:extLst>
-                    <a:ext uri="{9D8B030D-6E8A-4147-A177-3AD203B41FA5}">
-                      <a16:colId xmlns:a16="http://schemas.microsoft.com/office/drawing/2014/main" val="2797482735"/>
-                    </a:ext>
-                  </a:extLst>
-                </a:gridCol>
-              </a:tblGrid>
-              <a:tr h="370840">
-                <a:tc>
-                  <a:txBody>
-                    <a:bodyPr/>
-                    <a:lstStyle/>
-                    <a:p>
-                      <a:r>
-                        <a:rPr lang="en-US" altLang="zh-TW" dirty="0"/>
-                        <a:t>Output</a:t>
-                      </a:r>
-                      <a:endParaRPr lang="zh-TW" altLang="en-US" dirty="0"/>
-                    </a:p>
-                  </a:txBody>
-                  <a:tcPr/>
-                </a:tc>
-                <a:tc>
-                  <a:txBody>
-                    <a:bodyPr/>
-                    <a:lstStyle/>
-                    <a:p>
-                      <a:r>
-                        <a:rPr lang="en-US" altLang="zh-TW" dirty="0"/>
-                        <a:t>Data structure</a:t>
-                      </a:r>
-                      <a:endParaRPr lang="zh-TW" altLang="en-US" dirty="0"/>
-                    </a:p>
-                  </a:txBody>
-                  <a:tcPr/>
-                </a:tc>
-                <a:extLst>
-                  <a:ext uri="{0D108BD9-81ED-4DB2-BD59-A6C34878D82A}">
-                    <a16:rowId xmlns:a16="http://schemas.microsoft.com/office/drawing/2014/main" val="266759645"/>
-                  </a:ext>
-                </a:extLst>
-              </a:tr>
-              <a:tr h="370840">
-                <a:tc>
-                  <a:txBody>
-                    <a:bodyPr/>
-                    <a:lstStyle/>
-                    <a:p>
-                      <a:r>
-                        <a:rPr lang="en-US" altLang="zh-TW" dirty="0">
-                          <a:solidFill>
-                            <a:schemeClr val="accent2">
-                              <a:lumMod val="75000"/>
-                            </a:schemeClr>
-                          </a:solidFill>
-                        </a:rPr>
-                        <a:t>Feature</a:t>
-                      </a:r>
-                    </a:p>
-                  </a:txBody>
-                  <a:tcPr/>
-                </a:tc>
-                <a:tc>
-                  <a:txBody>
-                    <a:bodyPr/>
-                    <a:lstStyle/>
-                    <a:p>
-                      <a:pPr marL="0" marR="0" lvl="0" indent="0" algn="l" defTabSz="914400" rtl="0" eaLnBrk="1" fontAlgn="auto" latinLnBrk="0" hangingPunct="1">
-                        <a:lnSpc>
-                          <a:spcPct val="100000"/>
-                        </a:lnSpc>
-                        <a:spcBef>
-                          <a:spcPts val="0"/>
-                        </a:spcBef>
-                        <a:spcAft>
-                          <a:spcPts val="0"/>
-                        </a:spcAft>
-                        <a:buClrTx/>
-                        <a:buSzTx/>
-                        <a:buFontTx/>
-                        <a:buNone/>
-                        <a:tabLst/>
-                        <a:defRPr/>
-                      </a:pPr>
-                      <a:r>
-                        <a:rPr lang="en-US" altLang="zh-TW" dirty="0">
-                          <a:solidFill>
-                            <a:schemeClr val="accent1">
-                              <a:lumMod val="75000"/>
-                            </a:schemeClr>
-                          </a:solidFill>
-                        </a:rPr>
-                        <a:t>Float</a:t>
-                      </a:r>
-                      <a:r>
-                        <a:rPr lang="en-US" altLang="zh-TW" dirty="0"/>
-                        <a:t> </a:t>
-                      </a:r>
-                      <a:r>
-                        <a:rPr lang="en-US" altLang="zh-TW" dirty="0">
-                          <a:solidFill>
-                            <a:schemeClr val="accent6">
-                              <a:lumMod val="50000"/>
-                            </a:schemeClr>
-                          </a:solidFill>
-                        </a:rPr>
-                        <a:t>4</a:t>
-                      </a:r>
-                      <a:r>
-                        <a:rPr lang="en-US" altLang="zh-TW" dirty="0">
-                          <a:solidFill>
-                            <a:schemeClr val="tx1"/>
-                          </a:solidFill>
-                        </a:rPr>
-                        <a:t>B</a:t>
-                      </a:r>
-                      <a:r>
-                        <a:rPr lang="en-US" altLang="zh-TW" dirty="0"/>
-                        <a:t>*</a:t>
-                      </a:r>
-                      <a:r>
-                        <a:rPr lang="en-US" altLang="zh-TW" dirty="0">
-                          <a:solidFill>
-                            <a:schemeClr val="accent6">
-                              <a:lumMod val="50000"/>
-                            </a:schemeClr>
-                          </a:solidFill>
-                        </a:rPr>
-                        <a:t>68</a:t>
-                      </a:r>
-                      <a:r>
-                        <a:rPr lang="en-US" altLang="zh-TW" dirty="0"/>
-                        <a:t>*k</a:t>
-                      </a:r>
-                    </a:p>
-                  </a:txBody>
-                  <a:tcPr/>
-                </a:tc>
-                <a:extLst>
-                  <a:ext uri="{0D108BD9-81ED-4DB2-BD59-A6C34878D82A}">
-                    <a16:rowId xmlns:a16="http://schemas.microsoft.com/office/drawing/2014/main" val="2052349725"/>
-                  </a:ext>
-                </a:extLst>
-              </a:tr>
-            </a:tbl>
-          </a:graphicData>
-        </a:graphic>
-      </p:graphicFrame>
-    </p:spTree>
-    <p:extLst>
-      <p:ext uri="{BB962C8B-B14F-4D97-AF65-F5344CB8AC3E}">
-        <p14:creationId xmlns:p14="http://schemas.microsoft.com/office/powerpoint/2010/main" val="3844029869"/>
-      </p:ext>
-    </p:extLst>
-  </p:cSld>
-  <p:clrMapOvr>
-    <a:masterClrMapping/>
-  </p:clrMapOvr>
-  <mc:AlternateContent xmlns:mc="http://schemas.openxmlformats.org/markup-compatibility/2006" xmlns:p14="http://schemas.microsoft.com/office/powerpoint/2010/main">
-    <mc:Choice Requires="p14">
-      <p:transition spd="slow" p14:dur="1300">
-        <p14:pan dir="u"/>
-      </p:transition>
-    </mc:Choice>
-    <mc:Fallback xmlns="">
-      <p:transition spd="slow">
-        <p:fade/>
-      </p:transition>
-    </mc:Fallback>
-  </mc:AlternateContent>
-</p:sld>
-</file>
-
-<file path=ppt/slides/slide16.xml><?xml version="1.0" encoding="utf-8"?>
-<p:sld xmlns:a="http://schemas.openxmlformats.org/drawingml/2006/main" xmlns:r="http://schemas.openxmlformats.org/officeDocument/2006/relationships" xmlns:p="http://schemas.openxmlformats.org/presentationml/2006/main">
-  <p:cSld>
-    <p:spTree>
-      <p:nvGrpSpPr>
-        <p:cNvPr id="1" name=""/>
-        <p:cNvGrpSpPr/>
-        <p:nvPr/>
-      </p:nvGrpSpPr>
-      <p:grpSpPr>
-        <a:xfrm>
-          <a:off x="0" y="0"/>
-          <a:ext cx="0" cy="0"/>
-          <a:chOff x="0" y="0"/>
-          <a:chExt cx="0" cy="0"/>
-        </a:xfrm>
-      </p:grpSpPr>
-      <p:pic>
-        <p:nvPicPr>
-          <p:cNvPr id="2" name="图片 1" descr="未标题-178"/>
-          <p:cNvPicPr>
-            <a:picLocks noChangeAspect="1"/>
-          </p:cNvPicPr>
-          <p:nvPr/>
-        </p:nvPicPr>
-        <p:blipFill>
-          <a:blip r:embed="rId2"/>
-          <a:srcRect t="3317" r="10893"/>
-          <a:stretch>
-            <a:fillRect/>
-          </a:stretch>
-        </p:blipFill>
-        <p:spPr>
-          <a:xfrm flipV="1">
-            <a:off x="10171430" y="5469890"/>
-            <a:ext cx="2020570" cy="1388110"/>
-          </a:xfrm>
-          <a:prstGeom prst="rect">
-            <a:avLst/>
-          </a:prstGeom>
-        </p:spPr>
-      </p:pic>
-      <p:pic>
-        <p:nvPicPr>
-          <p:cNvPr id="3" name="图片 2" descr="未标题-145"/>
-          <p:cNvPicPr>
-            <a:picLocks noChangeAspect="1"/>
-          </p:cNvPicPr>
-          <p:nvPr/>
-        </p:nvPicPr>
-        <p:blipFill>
-          <a:blip r:embed="rId3"/>
-          <a:stretch>
-            <a:fillRect/>
-          </a:stretch>
-        </p:blipFill>
-        <p:spPr>
-          <a:xfrm flipH="1" flipV="1">
-            <a:off x="0" y="0"/>
-            <a:ext cx="1360170" cy="775970"/>
-          </a:xfrm>
-          <a:prstGeom prst="rect">
-            <a:avLst/>
-          </a:prstGeom>
-        </p:spPr>
-      </p:pic>
-      <p:sp>
-        <p:nvSpPr>
-          <p:cNvPr id="6" name="文本框 5"/>
-          <p:cNvSpPr txBox="1"/>
-          <p:nvPr/>
-        </p:nvSpPr>
-        <p:spPr>
-          <a:xfrm>
-            <a:off x="1427480" y="158115"/>
-            <a:ext cx="1415772" cy="461665"/>
-          </a:xfrm>
-          <a:prstGeom prst="rect">
-            <a:avLst/>
-          </a:prstGeom>
-          <a:noFill/>
-        </p:spPr>
-        <p:txBody>
-          <a:bodyPr wrap="none" rtlCol="0">
-            <a:spAutoFit/>
-          </a:bodyPr>
-          <a:lstStyle/>
-          <a:p>
-            <a:r>
-              <a:rPr lang="zh-TW" altLang="en-US" sz="2400" b="1" dirty="0">
-                <a:solidFill>
-                  <a:srgbClr val="DE7F7E"/>
-                </a:solidFill>
-                <a:cs typeface="+mn-ea"/>
-                <a:sym typeface="+mn-lt"/>
-              </a:rPr>
-              <a:t>專案設計</a:t>
-            </a:r>
-            <a:endParaRPr lang="zh-CN" altLang="en-US" b="1" dirty="0">
-              <a:solidFill>
-                <a:srgbClr val="DE7F7E"/>
-              </a:solidFill>
-              <a:cs typeface="+mn-ea"/>
-              <a:sym typeface="+mn-lt"/>
-            </a:endParaRPr>
-          </a:p>
-        </p:txBody>
-      </p:sp>
-      <p:sp>
-        <p:nvSpPr>
-          <p:cNvPr id="5" name="矩形 4">
-            <a:extLst>
-              <a:ext uri="{FF2B5EF4-FFF2-40B4-BE49-F238E27FC236}">
-                <a16:creationId xmlns:a16="http://schemas.microsoft.com/office/drawing/2014/main" id="{66F99CA9-7671-4C95-9702-7B6F69AADC1A}"/>
-              </a:ext>
-            </a:extLst>
-          </p:cNvPr>
-          <p:cNvSpPr/>
-          <p:nvPr/>
-        </p:nvSpPr>
-        <p:spPr>
-          <a:xfrm>
-            <a:off x="4992027" y="1614418"/>
-            <a:ext cx="1178828" cy="627466"/>
-          </a:xfrm>
-          <a:prstGeom prst="rect">
-            <a:avLst/>
-          </a:prstGeom>
-          <a:solidFill>
-            <a:srgbClr val="D0CECE"/>
-          </a:solidFill>
-          <a:ln>
-            <a:noFill/>
-          </a:ln>
-        </p:spPr>
-        <p:style>
-          <a:lnRef idx="2">
-            <a:schemeClr val="accent1">
-              <a:shade val="50000"/>
-            </a:schemeClr>
-          </a:lnRef>
-          <a:fillRef idx="1">
-            <a:schemeClr val="accent1"/>
-          </a:fillRef>
-          <a:effectRef idx="0">
-            <a:schemeClr val="accent1"/>
-          </a:effectRef>
-          <a:fontRef idx="minor">
-            <a:schemeClr val="lt1"/>
-          </a:fontRef>
-        </p:style>
-        <p:txBody>
-          <a:bodyPr rtlCol="0" anchor="ctr"/>
-          <a:lstStyle/>
-          <a:p>
-            <a:pPr algn="ctr"/>
-            <a:r>
-              <a:rPr lang="zh-TW" altLang="en-US" dirty="0"/>
-              <a:t>視窗介面</a:t>
-            </a:r>
-          </a:p>
-        </p:txBody>
-      </p:sp>
-      <p:sp>
-        <p:nvSpPr>
-          <p:cNvPr id="7" name="矩形 6">
-            <a:extLst>
-              <a:ext uri="{FF2B5EF4-FFF2-40B4-BE49-F238E27FC236}">
-                <a16:creationId xmlns:a16="http://schemas.microsoft.com/office/drawing/2014/main" id="{E8187B2D-C729-49D4-BE80-A2657D7DA3E3}"/>
-              </a:ext>
-            </a:extLst>
-          </p:cNvPr>
-          <p:cNvSpPr/>
-          <p:nvPr/>
-        </p:nvSpPr>
-        <p:spPr>
-          <a:xfrm>
-            <a:off x="7082618" y="1620251"/>
-            <a:ext cx="1178828" cy="627466"/>
-          </a:xfrm>
-          <a:prstGeom prst="rect">
-            <a:avLst/>
-          </a:prstGeom>
-          <a:solidFill>
-            <a:schemeClr val="bg1">
-              <a:lumMod val="85000"/>
-            </a:schemeClr>
-          </a:solidFill>
-          <a:ln>
-            <a:noFill/>
-          </a:ln>
-        </p:spPr>
-        <p:style>
-          <a:lnRef idx="2">
-            <a:schemeClr val="accent1">
-              <a:shade val="50000"/>
-            </a:schemeClr>
-          </a:lnRef>
-          <a:fillRef idx="1">
-            <a:schemeClr val="accent1"/>
-          </a:fillRef>
-          <a:effectRef idx="0">
-            <a:schemeClr val="accent1"/>
-          </a:effectRef>
-          <a:fontRef idx="minor">
-            <a:schemeClr val="lt1"/>
-          </a:fontRef>
-        </p:style>
-        <p:txBody>
-          <a:bodyPr rtlCol="0" anchor="ctr"/>
-          <a:lstStyle/>
-          <a:p>
-            <a:pPr algn="ctr"/>
-            <a:r>
-              <a:rPr lang="zh-TW" altLang="en-US" dirty="0"/>
-              <a:t>人臉偵測</a:t>
-            </a:r>
-          </a:p>
-        </p:txBody>
-      </p:sp>
-      <p:sp>
-        <p:nvSpPr>
-          <p:cNvPr id="8" name="矩形 7">
-            <a:extLst>
-              <a:ext uri="{FF2B5EF4-FFF2-40B4-BE49-F238E27FC236}">
-                <a16:creationId xmlns:a16="http://schemas.microsoft.com/office/drawing/2014/main" id="{DA9BDF08-F2CF-44F4-BCE2-E7377583AB7D}"/>
-              </a:ext>
-            </a:extLst>
-          </p:cNvPr>
-          <p:cNvSpPr/>
-          <p:nvPr/>
-        </p:nvSpPr>
-        <p:spPr>
-          <a:xfrm>
-            <a:off x="7082618" y="2858957"/>
-            <a:ext cx="1178828" cy="627466"/>
-          </a:xfrm>
-          <a:prstGeom prst="rect">
-            <a:avLst/>
-          </a:prstGeom>
-          <a:solidFill>
-            <a:schemeClr val="bg2">
-              <a:lumMod val="90000"/>
-            </a:schemeClr>
-          </a:solidFill>
-          <a:ln>
-            <a:noFill/>
-          </a:ln>
-        </p:spPr>
-        <p:style>
-          <a:lnRef idx="2">
-            <a:schemeClr val="accent1">
-              <a:shade val="50000"/>
-            </a:schemeClr>
-          </a:lnRef>
-          <a:fillRef idx="1">
-            <a:schemeClr val="accent1"/>
-          </a:fillRef>
-          <a:effectRef idx="0">
-            <a:schemeClr val="accent1"/>
-          </a:effectRef>
-          <a:fontRef idx="minor">
-            <a:schemeClr val="lt1"/>
-          </a:fontRef>
-        </p:style>
-        <p:txBody>
-          <a:bodyPr rtlCol="0" anchor="ctr"/>
-          <a:lstStyle/>
-          <a:p>
-            <a:pPr algn="ctr"/>
-            <a:r>
-              <a:rPr lang="zh-TW" altLang="en-US" dirty="0">
-                <a:latin typeface="微軟正黑體" panose="020B0604030504040204" pitchFamily="34" charset="-120"/>
-                <a:ea typeface="微軟正黑體" panose="020B0604030504040204" pitchFamily="34" charset="-120"/>
-              </a:rPr>
-              <a:t>圖片像素</a:t>
-            </a:r>
-          </a:p>
-          <a:p>
-            <a:pPr algn="ctr"/>
-            <a:r>
-              <a:rPr lang="zh-TW" altLang="en-US" dirty="0">
-                <a:latin typeface="微軟正黑體" panose="020B0604030504040204" pitchFamily="34" charset="-120"/>
-                <a:ea typeface="微軟正黑體" panose="020B0604030504040204" pitchFamily="34" charset="-120"/>
-              </a:rPr>
-              <a:t>統一</a:t>
-            </a:r>
-          </a:p>
-        </p:txBody>
-      </p:sp>
-      <p:sp>
-        <p:nvSpPr>
-          <p:cNvPr id="9" name="矩形 8">
-            <a:extLst>
-              <a:ext uri="{FF2B5EF4-FFF2-40B4-BE49-F238E27FC236}">
-                <a16:creationId xmlns:a16="http://schemas.microsoft.com/office/drawing/2014/main" id="{DB57530F-C888-4106-BA05-CC55898430B4}"/>
-              </a:ext>
-            </a:extLst>
-          </p:cNvPr>
-          <p:cNvSpPr/>
-          <p:nvPr/>
-        </p:nvSpPr>
-        <p:spPr>
-          <a:xfrm>
-            <a:off x="5007849" y="2858957"/>
-            <a:ext cx="1178828" cy="627466"/>
-          </a:xfrm>
-          <a:prstGeom prst="rect">
-            <a:avLst/>
-          </a:prstGeom>
-          <a:solidFill>
-            <a:schemeClr val="bg2">
-              <a:lumMod val="90000"/>
-            </a:schemeClr>
-          </a:solidFill>
-          <a:ln>
-            <a:noFill/>
-          </a:ln>
-        </p:spPr>
-        <p:style>
-          <a:lnRef idx="2">
-            <a:schemeClr val="accent1">
-              <a:shade val="50000"/>
-            </a:schemeClr>
-          </a:lnRef>
-          <a:fillRef idx="1">
-            <a:schemeClr val="accent1"/>
-          </a:fillRef>
-          <a:effectRef idx="0">
-            <a:schemeClr val="accent1"/>
-          </a:effectRef>
-          <a:fontRef idx="minor">
-            <a:schemeClr val="lt1"/>
-          </a:fontRef>
-        </p:style>
-        <p:txBody>
-          <a:bodyPr rtlCol="0" anchor="ctr"/>
-          <a:lstStyle/>
-          <a:p>
-            <a:pPr algn="ctr"/>
-            <a:r>
-              <a:rPr lang="zh-TW" altLang="en-US" dirty="0"/>
-              <a:t>特徵擷取</a:t>
-            </a:r>
-          </a:p>
-        </p:txBody>
-      </p:sp>
-      <p:sp>
-        <p:nvSpPr>
-          <p:cNvPr id="10" name="矩形 9">
-            <a:extLst>
-              <a:ext uri="{FF2B5EF4-FFF2-40B4-BE49-F238E27FC236}">
-                <a16:creationId xmlns:a16="http://schemas.microsoft.com/office/drawing/2014/main" id="{CC621556-3BBD-4FC0-A01D-74E6694B007F}"/>
-              </a:ext>
-            </a:extLst>
-          </p:cNvPr>
-          <p:cNvSpPr/>
-          <p:nvPr/>
-        </p:nvSpPr>
-        <p:spPr>
-          <a:xfrm>
-            <a:off x="2887076" y="2851119"/>
-            <a:ext cx="1178828" cy="627466"/>
-          </a:xfrm>
-          <a:prstGeom prst="rect">
-            <a:avLst/>
-          </a:prstGeom>
-          <a:solidFill>
-            <a:schemeClr val="accent1"/>
-          </a:solidFill>
-          <a:ln>
-            <a:noFill/>
-          </a:ln>
-        </p:spPr>
-        <p:style>
-          <a:lnRef idx="2">
-            <a:schemeClr val="accent1">
-              <a:shade val="50000"/>
-            </a:schemeClr>
-          </a:lnRef>
-          <a:fillRef idx="1">
-            <a:schemeClr val="accent1"/>
-          </a:fillRef>
-          <a:effectRef idx="0">
-            <a:schemeClr val="accent1"/>
-          </a:effectRef>
-          <a:fontRef idx="minor">
-            <a:schemeClr val="lt1"/>
-          </a:fontRef>
-        </p:style>
-        <p:txBody>
-          <a:bodyPr rtlCol="0" anchor="ctr"/>
-          <a:lstStyle/>
-          <a:p>
-            <a:pPr algn="ctr"/>
-            <a:r>
-              <a:rPr lang="zh-TW" altLang="en-US" dirty="0"/>
-              <a:t>人臉辨識模型</a:t>
-            </a:r>
-          </a:p>
-        </p:txBody>
-      </p:sp>
-      <p:cxnSp>
-        <p:nvCxnSpPr>
-          <p:cNvPr id="12" name="直線單箭頭接點 11">
-            <a:extLst>
-              <a:ext uri="{FF2B5EF4-FFF2-40B4-BE49-F238E27FC236}">
-                <a16:creationId xmlns:a16="http://schemas.microsoft.com/office/drawing/2014/main" id="{149A8D69-7154-494F-8F22-6A54153AB842}"/>
-              </a:ext>
-            </a:extLst>
-          </p:cNvPr>
-          <p:cNvCxnSpPr>
-            <a:cxnSpLocks/>
-          </p:cNvCxnSpPr>
-          <p:nvPr/>
-        </p:nvCxnSpPr>
-        <p:spPr>
-          <a:xfrm>
-            <a:off x="3645905" y="1689410"/>
-            <a:ext cx="1331762" cy="0"/>
-          </a:xfrm>
-          <a:prstGeom prst="straightConnector1">
-            <a:avLst/>
-          </a:prstGeom>
-          <a:ln w="38100">
-            <a:solidFill>
-              <a:schemeClr val="bg1">
-                <a:lumMod val="85000"/>
-              </a:schemeClr>
-            </a:solidFill>
-            <a:tailEnd type="triangle"/>
-          </a:ln>
-        </p:spPr>
-        <p:style>
-          <a:lnRef idx="1">
-            <a:schemeClr val="accent1"/>
-          </a:lnRef>
-          <a:fillRef idx="0">
-            <a:schemeClr val="accent1"/>
-          </a:fillRef>
-          <a:effectRef idx="0">
-            <a:schemeClr val="accent1"/>
-          </a:effectRef>
-          <a:fontRef idx="minor">
-            <a:schemeClr val="tx1"/>
-          </a:fontRef>
-        </p:style>
-      </p:cxnSp>
-      <p:cxnSp>
-        <p:nvCxnSpPr>
-          <p:cNvPr id="14" name="直線單箭頭接點 13">
-            <a:extLst>
-              <a:ext uri="{FF2B5EF4-FFF2-40B4-BE49-F238E27FC236}">
-                <a16:creationId xmlns:a16="http://schemas.microsoft.com/office/drawing/2014/main" id="{1705C6D3-3690-4DCD-9989-5F774E558C36}"/>
-              </a:ext>
-            </a:extLst>
-          </p:cNvPr>
-          <p:cNvCxnSpPr>
-            <a:cxnSpLocks/>
-          </p:cNvCxnSpPr>
-          <p:nvPr/>
-        </p:nvCxnSpPr>
-        <p:spPr>
-          <a:xfrm>
-            <a:off x="3645905" y="1910737"/>
-            <a:ext cx="1331762" cy="0"/>
-          </a:xfrm>
-          <a:prstGeom prst="straightConnector1">
-            <a:avLst/>
-          </a:prstGeom>
-          <a:ln w="38100">
-            <a:solidFill>
-              <a:schemeClr val="bg1">
-                <a:lumMod val="85000"/>
-              </a:schemeClr>
-            </a:solidFill>
-            <a:tailEnd type="triangle"/>
-          </a:ln>
-        </p:spPr>
-        <p:style>
-          <a:lnRef idx="1">
-            <a:schemeClr val="accent1"/>
-          </a:lnRef>
-          <a:fillRef idx="0">
-            <a:schemeClr val="accent1"/>
-          </a:fillRef>
-          <a:effectRef idx="0">
-            <a:schemeClr val="accent1"/>
-          </a:effectRef>
-          <a:fontRef idx="minor">
-            <a:schemeClr val="tx1"/>
-          </a:fontRef>
-        </p:style>
-      </p:cxnSp>
-      <p:sp>
-        <p:nvSpPr>
-          <p:cNvPr id="15" name="文字方塊 14">
-            <a:extLst>
-              <a:ext uri="{FF2B5EF4-FFF2-40B4-BE49-F238E27FC236}">
-                <a16:creationId xmlns:a16="http://schemas.microsoft.com/office/drawing/2014/main" id="{44E3FB08-8EE2-44B3-92C7-385AFD4C6466}"/>
-              </a:ext>
-            </a:extLst>
-          </p:cNvPr>
-          <p:cNvSpPr txBox="1"/>
-          <p:nvPr/>
-        </p:nvSpPr>
-        <p:spPr>
-          <a:xfrm>
-            <a:off x="2570276" y="1440509"/>
-            <a:ext cx="1005403" cy="369332"/>
-          </a:xfrm>
-          <a:prstGeom prst="rect">
-            <a:avLst/>
-          </a:prstGeom>
-          <a:noFill/>
-        </p:spPr>
-        <p:txBody>
-          <a:bodyPr wrap="square" rtlCol="0">
-            <a:spAutoFit/>
-          </a:bodyPr>
-          <a:lstStyle/>
-          <a:p>
-            <a:r>
-              <a:rPr lang="en-US" altLang="zh-TW" dirty="0">
-                <a:solidFill>
-                  <a:schemeClr val="bg1">
-                    <a:lumMod val="75000"/>
-                  </a:schemeClr>
-                </a:solidFill>
-              </a:rPr>
-              <a:t>Camera</a:t>
-            </a:r>
-            <a:endParaRPr lang="zh-TW" altLang="en-US" dirty="0">
-              <a:solidFill>
-                <a:schemeClr val="bg1">
-                  <a:lumMod val="75000"/>
-                </a:schemeClr>
-              </a:solidFill>
-            </a:endParaRPr>
-          </a:p>
-        </p:txBody>
-      </p:sp>
-      <p:sp>
-        <p:nvSpPr>
-          <p:cNvPr id="16" name="文字方塊 15">
-            <a:extLst>
-              <a:ext uri="{FF2B5EF4-FFF2-40B4-BE49-F238E27FC236}">
-                <a16:creationId xmlns:a16="http://schemas.microsoft.com/office/drawing/2014/main" id="{31F687A6-BC13-4200-A963-EDD6FA2B3D1C}"/>
-              </a:ext>
-            </a:extLst>
-          </p:cNvPr>
-          <p:cNvSpPr txBox="1"/>
-          <p:nvPr/>
-        </p:nvSpPr>
-        <p:spPr>
-          <a:xfrm>
-            <a:off x="1360170" y="1665347"/>
-            <a:ext cx="2326278" cy="369332"/>
-          </a:xfrm>
-          <a:prstGeom prst="rect">
-            <a:avLst/>
-          </a:prstGeom>
-          <a:noFill/>
-        </p:spPr>
-        <p:txBody>
-          <a:bodyPr wrap="square" rtlCol="0">
-            <a:spAutoFit/>
-          </a:bodyPr>
-          <a:lstStyle/>
-          <a:p>
-            <a:r>
-              <a:rPr lang="en-US" altLang="zh-TW" dirty="0">
-                <a:solidFill>
-                  <a:schemeClr val="bg1">
-                    <a:lumMod val="75000"/>
-                  </a:schemeClr>
-                </a:solidFill>
-              </a:rPr>
-              <a:t>Personal information</a:t>
-            </a:r>
-            <a:endParaRPr lang="zh-TW" altLang="en-US" dirty="0">
-              <a:solidFill>
-                <a:schemeClr val="bg1">
-                  <a:lumMod val="75000"/>
-                </a:schemeClr>
-              </a:solidFill>
-            </a:endParaRPr>
-          </a:p>
-        </p:txBody>
-      </p:sp>
-      <p:cxnSp>
-        <p:nvCxnSpPr>
-          <p:cNvPr id="20" name="直線單箭頭接點 19">
-            <a:extLst>
-              <a:ext uri="{FF2B5EF4-FFF2-40B4-BE49-F238E27FC236}">
-                <a16:creationId xmlns:a16="http://schemas.microsoft.com/office/drawing/2014/main" id="{A9C0F4D9-BEE0-48A7-A6A9-26CFCA0A4EEE}"/>
-              </a:ext>
-            </a:extLst>
-          </p:cNvPr>
-          <p:cNvCxnSpPr>
-            <a:cxnSpLocks/>
-            <a:stCxn id="5" idx="3"/>
-            <a:endCxn id="7" idx="1"/>
-          </p:cNvCxnSpPr>
-          <p:nvPr/>
-        </p:nvCxnSpPr>
-        <p:spPr>
-          <a:xfrm>
-            <a:off x="6170855" y="1928151"/>
-            <a:ext cx="911763" cy="5833"/>
-          </a:xfrm>
-          <a:prstGeom prst="straightConnector1">
-            <a:avLst/>
-          </a:prstGeom>
-          <a:ln w="38100">
-            <a:solidFill>
-              <a:srgbClr val="D0CECE"/>
-            </a:solidFill>
-            <a:tailEnd type="triangle"/>
-          </a:ln>
-        </p:spPr>
-        <p:style>
-          <a:lnRef idx="1">
-            <a:schemeClr val="accent1"/>
-          </a:lnRef>
-          <a:fillRef idx="0">
-            <a:schemeClr val="accent1"/>
-          </a:fillRef>
-          <a:effectRef idx="0">
-            <a:schemeClr val="accent1"/>
-          </a:effectRef>
-          <a:fontRef idx="minor">
-            <a:schemeClr val="tx1"/>
-          </a:fontRef>
-        </p:style>
-      </p:cxnSp>
-      <p:sp>
-        <p:nvSpPr>
-          <p:cNvPr id="24" name="文字方塊 23">
-            <a:extLst>
-              <a:ext uri="{FF2B5EF4-FFF2-40B4-BE49-F238E27FC236}">
-                <a16:creationId xmlns:a16="http://schemas.microsoft.com/office/drawing/2014/main" id="{2C24038C-CDB7-4862-9D75-397BA4A8538A}"/>
-              </a:ext>
-            </a:extLst>
-          </p:cNvPr>
-          <p:cNvSpPr txBox="1"/>
-          <p:nvPr/>
-        </p:nvSpPr>
-        <p:spPr>
-          <a:xfrm>
-            <a:off x="6230066" y="1480681"/>
-            <a:ext cx="825867" cy="369332"/>
-          </a:xfrm>
-          <a:prstGeom prst="rect">
-            <a:avLst/>
-          </a:prstGeom>
-          <a:noFill/>
-        </p:spPr>
-        <p:txBody>
-          <a:bodyPr wrap="square" rtlCol="0">
-            <a:spAutoFit/>
-          </a:bodyPr>
-          <a:lstStyle/>
-          <a:p>
-            <a:r>
-              <a:rPr lang="en-US" altLang="zh-TW" dirty="0">
-                <a:solidFill>
-                  <a:schemeClr val="bg1">
-                    <a:lumMod val="85000"/>
-                  </a:schemeClr>
-                </a:solidFill>
-              </a:rPr>
-              <a:t>Image</a:t>
-            </a:r>
-            <a:endParaRPr lang="zh-TW" altLang="en-US" dirty="0">
-              <a:solidFill>
-                <a:schemeClr val="bg1">
-                  <a:lumMod val="85000"/>
-                </a:schemeClr>
-              </a:solidFill>
-            </a:endParaRPr>
-          </a:p>
-        </p:txBody>
-      </p:sp>
-      <p:cxnSp>
-        <p:nvCxnSpPr>
-          <p:cNvPr id="25" name="直線單箭頭接點 24">
-            <a:extLst>
-              <a:ext uri="{FF2B5EF4-FFF2-40B4-BE49-F238E27FC236}">
-                <a16:creationId xmlns:a16="http://schemas.microsoft.com/office/drawing/2014/main" id="{D81CF14E-C983-4864-BDE3-EEA6C1CBE7A9}"/>
-              </a:ext>
-            </a:extLst>
-          </p:cNvPr>
-          <p:cNvCxnSpPr>
-            <a:cxnSpLocks/>
-            <a:stCxn id="7" idx="2"/>
-            <a:endCxn id="8" idx="0"/>
-          </p:cNvCxnSpPr>
-          <p:nvPr/>
-        </p:nvCxnSpPr>
-        <p:spPr>
-          <a:xfrm>
-            <a:off x="7672032" y="2247717"/>
-            <a:ext cx="0" cy="611240"/>
-          </a:xfrm>
-          <a:prstGeom prst="straightConnector1">
-            <a:avLst/>
-          </a:prstGeom>
-          <a:ln w="38100">
-            <a:solidFill>
-              <a:schemeClr val="tx2">
-                <a:lumMod val="20000"/>
-                <a:lumOff val="80000"/>
-              </a:schemeClr>
-            </a:solidFill>
-            <a:tailEnd type="triangle"/>
-          </a:ln>
-        </p:spPr>
-        <p:style>
-          <a:lnRef idx="1">
-            <a:schemeClr val="accent1"/>
-          </a:lnRef>
-          <a:fillRef idx="0">
-            <a:schemeClr val="accent1"/>
-          </a:fillRef>
-          <a:effectRef idx="0">
-            <a:schemeClr val="accent1"/>
-          </a:effectRef>
-          <a:fontRef idx="minor">
-            <a:schemeClr val="tx1"/>
-          </a:fontRef>
-        </p:style>
-      </p:cxnSp>
-      <p:sp>
-        <p:nvSpPr>
-          <p:cNvPr id="28" name="文字方塊 27">
-            <a:extLst>
-              <a:ext uri="{FF2B5EF4-FFF2-40B4-BE49-F238E27FC236}">
-                <a16:creationId xmlns:a16="http://schemas.microsoft.com/office/drawing/2014/main" id="{32B86074-218E-47B8-8ED2-4420D69BA522}"/>
-              </a:ext>
-            </a:extLst>
-          </p:cNvPr>
-          <p:cNvSpPr txBox="1"/>
-          <p:nvPr/>
-        </p:nvSpPr>
-        <p:spPr>
-          <a:xfrm>
-            <a:off x="7750132" y="2378427"/>
-            <a:ext cx="1390124" cy="369332"/>
-          </a:xfrm>
-          <a:prstGeom prst="rect">
-            <a:avLst/>
-          </a:prstGeom>
-          <a:noFill/>
-        </p:spPr>
-        <p:txBody>
-          <a:bodyPr wrap="square" rtlCol="0">
-            <a:spAutoFit/>
-          </a:bodyPr>
-          <a:lstStyle/>
-          <a:p>
-            <a:r>
-              <a:rPr lang="en-US" altLang="zh-TW" dirty="0">
-                <a:solidFill>
-                  <a:schemeClr val="bg2">
-                    <a:lumMod val="90000"/>
-                  </a:schemeClr>
-                </a:solidFill>
-              </a:rPr>
-              <a:t>Face image</a:t>
-            </a:r>
-            <a:endParaRPr lang="zh-TW" altLang="en-US" dirty="0">
-              <a:solidFill>
-                <a:schemeClr val="bg2">
-                  <a:lumMod val="90000"/>
-                </a:schemeClr>
-              </a:solidFill>
-            </a:endParaRPr>
-          </a:p>
-        </p:txBody>
-      </p:sp>
-      <p:sp>
-        <p:nvSpPr>
-          <p:cNvPr id="29" name="文字方塊 28">
-            <a:extLst>
-              <a:ext uri="{FF2B5EF4-FFF2-40B4-BE49-F238E27FC236}">
-                <a16:creationId xmlns:a16="http://schemas.microsoft.com/office/drawing/2014/main" id="{947A44CC-400C-40ED-8AFC-F9C4BA5B9138}"/>
-              </a:ext>
-            </a:extLst>
-          </p:cNvPr>
-          <p:cNvSpPr txBox="1"/>
-          <p:nvPr/>
-        </p:nvSpPr>
-        <p:spPr>
-          <a:xfrm>
-            <a:off x="6221290" y="2568451"/>
-            <a:ext cx="1109601" cy="646331"/>
-          </a:xfrm>
-          <a:prstGeom prst="rect">
-            <a:avLst/>
-          </a:prstGeom>
-          <a:noFill/>
-          <a:ln>
-            <a:noFill/>
-          </a:ln>
-        </p:spPr>
-        <p:txBody>
-          <a:bodyPr wrap="square" rtlCol="0">
-            <a:spAutoFit/>
-          </a:bodyPr>
-          <a:lstStyle/>
-          <a:p>
-            <a:r>
-              <a:rPr lang="en-US" altLang="zh-TW" dirty="0">
-                <a:solidFill>
-                  <a:schemeClr val="bg2">
-                    <a:lumMod val="90000"/>
-                  </a:schemeClr>
-                </a:solidFill>
-              </a:rPr>
-              <a:t>Face image’</a:t>
-            </a:r>
-            <a:endParaRPr lang="zh-TW" altLang="en-US" dirty="0">
-              <a:solidFill>
-                <a:schemeClr val="bg2">
-                  <a:lumMod val="90000"/>
-                </a:schemeClr>
-              </a:solidFill>
-            </a:endParaRPr>
-          </a:p>
-        </p:txBody>
-      </p:sp>
-      <p:cxnSp>
-        <p:nvCxnSpPr>
-          <p:cNvPr id="30" name="直線單箭頭接點 29">
-            <a:extLst>
-              <a:ext uri="{FF2B5EF4-FFF2-40B4-BE49-F238E27FC236}">
-                <a16:creationId xmlns:a16="http://schemas.microsoft.com/office/drawing/2014/main" id="{9ED0B63C-20AE-4AEB-95A6-7F8E1864D604}"/>
-              </a:ext>
-            </a:extLst>
-          </p:cNvPr>
-          <p:cNvCxnSpPr>
-            <a:cxnSpLocks/>
-            <a:stCxn id="8" idx="1"/>
-            <a:endCxn id="9" idx="3"/>
-          </p:cNvCxnSpPr>
-          <p:nvPr/>
-        </p:nvCxnSpPr>
-        <p:spPr>
-          <a:xfrm flipH="1">
-            <a:off x="6186677" y="3172690"/>
-            <a:ext cx="895941" cy="0"/>
-          </a:xfrm>
-          <a:prstGeom prst="straightConnector1">
-            <a:avLst/>
-          </a:prstGeom>
-          <a:ln w="38100">
-            <a:solidFill>
-              <a:schemeClr val="bg2">
-                <a:lumMod val="90000"/>
-              </a:schemeClr>
-            </a:solidFill>
-            <a:tailEnd type="triangle"/>
-          </a:ln>
-        </p:spPr>
-        <p:style>
-          <a:lnRef idx="1">
-            <a:schemeClr val="accent1"/>
-          </a:lnRef>
-          <a:fillRef idx="0">
-            <a:schemeClr val="accent1"/>
-          </a:fillRef>
-          <a:effectRef idx="0">
-            <a:schemeClr val="accent1"/>
-          </a:effectRef>
-          <a:fontRef idx="minor">
-            <a:schemeClr val="tx1"/>
-          </a:fontRef>
-        </p:style>
-      </p:cxnSp>
-      <p:cxnSp>
-        <p:nvCxnSpPr>
-          <p:cNvPr id="33" name="直線單箭頭接點 32">
-            <a:extLst>
-              <a:ext uri="{FF2B5EF4-FFF2-40B4-BE49-F238E27FC236}">
-                <a16:creationId xmlns:a16="http://schemas.microsoft.com/office/drawing/2014/main" id="{F78B425C-86C5-4F9D-AC4E-AE7D1651A360}"/>
-              </a:ext>
-            </a:extLst>
-          </p:cNvPr>
-          <p:cNvCxnSpPr>
-            <a:cxnSpLocks/>
-            <a:stCxn id="9" idx="1"/>
-            <a:endCxn id="10" idx="3"/>
-          </p:cNvCxnSpPr>
-          <p:nvPr/>
-        </p:nvCxnSpPr>
-        <p:spPr>
-          <a:xfrm flipH="1" flipV="1">
-            <a:off x="4065904" y="3164852"/>
-            <a:ext cx="941945" cy="7838"/>
-          </a:xfrm>
-          <a:prstGeom prst="straightConnector1">
-            <a:avLst/>
-          </a:prstGeom>
-          <a:ln w="38100">
-            <a:solidFill>
-              <a:schemeClr val="accent1"/>
-            </a:solidFill>
-            <a:tailEnd type="triangle"/>
-          </a:ln>
-        </p:spPr>
-        <p:style>
-          <a:lnRef idx="1">
-            <a:schemeClr val="accent1"/>
-          </a:lnRef>
-          <a:fillRef idx="0">
-            <a:schemeClr val="accent1"/>
-          </a:fillRef>
-          <a:effectRef idx="0">
-            <a:schemeClr val="accent1"/>
-          </a:effectRef>
-          <a:fontRef idx="minor">
-            <a:schemeClr val="tx1"/>
-          </a:fontRef>
-        </p:style>
-      </p:cxnSp>
-      <p:sp>
-        <p:nvSpPr>
-          <p:cNvPr id="36" name="矩形 35">
-            <a:extLst>
-              <a:ext uri="{FF2B5EF4-FFF2-40B4-BE49-F238E27FC236}">
-                <a16:creationId xmlns:a16="http://schemas.microsoft.com/office/drawing/2014/main" id="{026C14B8-3958-43F8-B6DD-2257FF978135}"/>
-              </a:ext>
-            </a:extLst>
-          </p:cNvPr>
-          <p:cNvSpPr/>
-          <p:nvPr/>
-        </p:nvSpPr>
-        <p:spPr>
-          <a:xfrm>
-            <a:off x="4036961" y="2787683"/>
-            <a:ext cx="979755" cy="369332"/>
-          </a:xfrm>
-          <a:prstGeom prst="rect">
-            <a:avLst/>
-          </a:prstGeom>
-        </p:spPr>
-        <p:txBody>
-          <a:bodyPr wrap="square">
-            <a:spAutoFit/>
-          </a:bodyPr>
-          <a:lstStyle/>
-          <a:p>
-            <a:r>
-              <a:rPr lang="en-US" altLang="zh-TW" dirty="0"/>
-              <a:t>F</a:t>
-            </a:r>
-            <a:r>
-              <a:rPr lang="zh-TW" altLang="en-US" dirty="0"/>
-              <a:t>eature</a:t>
-            </a:r>
-          </a:p>
-        </p:txBody>
-      </p:sp>
-      <p:cxnSp>
-        <p:nvCxnSpPr>
-          <p:cNvPr id="38" name="接點: 肘形 37">
-            <a:extLst>
-              <a:ext uri="{FF2B5EF4-FFF2-40B4-BE49-F238E27FC236}">
-                <a16:creationId xmlns:a16="http://schemas.microsoft.com/office/drawing/2014/main" id="{C38D2605-E8E4-4283-B485-720B7D397E05}"/>
-              </a:ext>
-            </a:extLst>
-          </p:cNvPr>
-          <p:cNvCxnSpPr>
-            <a:cxnSpLocks/>
-            <a:stCxn id="10" idx="0"/>
-          </p:cNvCxnSpPr>
-          <p:nvPr/>
-        </p:nvCxnSpPr>
-        <p:spPr>
-          <a:xfrm rot="5400000" flipH="1" flipV="1">
-            <a:off x="3863305" y="1736758"/>
-            <a:ext cx="727546" cy="1501177"/>
-          </a:xfrm>
-          <a:prstGeom prst="bentConnector2">
-            <a:avLst/>
-          </a:prstGeom>
-          <a:ln w="38100">
-            <a:solidFill>
-              <a:schemeClr val="accent1"/>
-            </a:solidFill>
-            <a:tailEnd type="triangle"/>
-          </a:ln>
-        </p:spPr>
-        <p:style>
-          <a:lnRef idx="1">
-            <a:schemeClr val="accent1"/>
-          </a:lnRef>
-          <a:fillRef idx="0">
-            <a:schemeClr val="accent1"/>
-          </a:fillRef>
-          <a:effectRef idx="0">
-            <a:schemeClr val="accent1"/>
-          </a:effectRef>
-          <a:fontRef idx="minor">
-            <a:schemeClr val="tx1"/>
-          </a:fontRef>
-        </p:style>
-      </p:cxnSp>
-      <p:sp>
-        <p:nvSpPr>
-          <p:cNvPr id="39" name="矩形 38">
-            <a:extLst>
-              <a:ext uri="{FF2B5EF4-FFF2-40B4-BE49-F238E27FC236}">
-                <a16:creationId xmlns:a16="http://schemas.microsoft.com/office/drawing/2014/main" id="{ABFC51CA-F231-4DBD-909D-54A3A2E33C67}"/>
-              </a:ext>
-            </a:extLst>
-          </p:cNvPr>
-          <p:cNvSpPr/>
-          <p:nvPr/>
-        </p:nvSpPr>
-        <p:spPr>
-          <a:xfrm>
-            <a:off x="2555477" y="1934800"/>
-            <a:ext cx="838691" cy="369332"/>
-          </a:xfrm>
-          <a:prstGeom prst="rect">
-            <a:avLst/>
-          </a:prstGeom>
-        </p:spPr>
-        <p:txBody>
-          <a:bodyPr wrap="square">
-            <a:spAutoFit/>
-          </a:bodyPr>
-          <a:lstStyle/>
-          <a:p>
-            <a:r>
-              <a:rPr lang="en-US" altLang="zh-TW" dirty="0"/>
-              <a:t>Result</a:t>
-            </a:r>
-            <a:endParaRPr lang="zh-TW" altLang="en-US" dirty="0"/>
-          </a:p>
-        </p:txBody>
-      </p:sp>
-      <p:graphicFrame>
-        <p:nvGraphicFramePr>
-          <p:cNvPr id="51" name="表格 51">
-            <a:extLst>
-              <a:ext uri="{FF2B5EF4-FFF2-40B4-BE49-F238E27FC236}">
-                <a16:creationId xmlns:a16="http://schemas.microsoft.com/office/drawing/2014/main" id="{4ABD8DF4-E164-46AD-B31D-C3BA556AC2FC}"/>
-              </a:ext>
-            </a:extLst>
-          </p:cNvPr>
-          <p:cNvGraphicFramePr>
-            <a:graphicFrameLocks noGrp="1"/>
-          </p:cNvGraphicFramePr>
-          <p:nvPr>
-            <p:extLst>
-              <p:ext uri="{D42A27DB-BD31-4B8C-83A1-F6EECF244321}">
-                <p14:modId xmlns:p14="http://schemas.microsoft.com/office/powerpoint/2010/main" val="1336610987"/>
-              </p:ext>
-            </p:extLst>
-          </p:nvPr>
-        </p:nvGraphicFramePr>
-        <p:xfrm>
-          <a:off x="572169" y="4137025"/>
-          <a:ext cx="5411532" cy="741680"/>
-        </p:xfrm>
-        <a:graphic>
-          <a:graphicData uri="http://schemas.openxmlformats.org/drawingml/2006/table">
-            <a:tbl>
-              <a:tblPr firstRow="1" bandRow="1">
-                <a:tableStyleId>{5C22544A-7EE6-4342-B048-85BDC9FD1C3A}</a:tableStyleId>
-              </a:tblPr>
-              <a:tblGrid>
-                <a:gridCol w="2705766">
-                  <a:extLst>
-                    <a:ext uri="{9D8B030D-6E8A-4147-A177-3AD203B41FA5}">
-                      <a16:colId xmlns:a16="http://schemas.microsoft.com/office/drawing/2014/main" val="1756241634"/>
-                    </a:ext>
-                  </a:extLst>
-                </a:gridCol>
-                <a:gridCol w="2705766">
-                  <a:extLst>
-                    <a:ext uri="{9D8B030D-6E8A-4147-A177-3AD203B41FA5}">
-                      <a16:colId xmlns:a16="http://schemas.microsoft.com/office/drawing/2014/main" val="2797482735"/>
-                    </a:ext>
-                  </a:extLst>
-                </a:gridCol>
-              </a:tblGrid>
-              <a:tr h="370840">
-                <a:tc>
-                  <a:txBody>
-                    <a:bodyPr/>
-                    <a:lstStyle/>
-                    <a:p>
-                      <a:r>
-                        <a:rPr lang="en-US" altLang="zh-TW" dirty="0"/>
-                        <a:t>Input</a:t>
-                      </a:r>
-                      <a:endParaRPr lang="zh-TW" altLang="en-US" dirty="0"/>
-                    </a:p>
-                  </a:txBody>
-                  <a:tcPr/>
-                </a:tc>
-                <a:tc>
-                  <a:txBody>
-                    <a:bodyPr/>
-                    <a:lstStyle/>
-                    <a:p>
-                      <a:r>
-                        <a:rPr lang="en-US" altLang="zh-TW" dirty="0"/>
-                        <a:t>Data structure</a:t>
-                      </a:r>
-                      <a:endParaRPr lang="zh-TW" altLang="en-US" dirty="0"/>
-                    </a:p>
-                  </a:txBody>
-                  <a:tcPr/>
-                </a:tc>
-                <a:extLst>
-                  <a:ext uri="{0D108BD9-81ED-4DB2-BD59-A6C34878D82A}">
-                    <a16:rowId xmlns:a16="http://schemas.microsoft.com/office/drawing/2014/main" val="266759645"/>
-                  </a:ext>
-                </a:extLst>
-              </a:tr>
-              <a:tr h="370840">
-                <a:tc>
-                  <a:txBody>
-                    <a:bodyPr/>
-                    <a:lstStyle/>
-                    <a:p>
-                      <a:r>
-                        <a:rPr lang="en-US" altLang="zh-TW" dirty="0">
-                          <a:solidFill>
-                            <a:schemeClr val="accent2">
-                              <a:lumMod val="75000"/>
-                            </a:schemeClr>
-                          </a:solidFill>
-                        </a:rPr>
-                        <a:t>Feature</a:t>
-                      </a:r>
-                    </a:p>
-                  </a:txBody>
-                  <a:tcPr/>
-                </a:tc>
-                <a:tc>
-                  <a:txBody>
-                    <a:bodyPr/>
-                    <a:lstStyle/>
-                    <a:p>
-                      <a:pPr marL="0" marR="0" lvl="0" indent="0" algn="l" defTabSz="914400" rtl="0" eaLnBrk="1" fontAlgn="auto" latinLnBrk="0" hangingPunct="1">
-                        <a:lnSpc>
-                          <a:spcPct val="100000"/>
-                        </a:lnSpc>
-                        <a:spcBef>
-                          <a:spcPts val="0"/>
-                        </a:spcBef>
-                        <a:spcAft>
-                          <a:spcPts val="0"/>
-                        </a:spcAft>
-                        <a:buClrTx/>
-                        <a:buSzTx/>
-                        <a:buFontTx/>
-                        <a:buNone/>
-                        <a:tabLst/>
-                        <a:defRPr/>
-                      </a:pPr>
-                      <a:r>
-                        <a:rPr lang="en-US" altLang="zh-TW" dirty="0">
-                          <a:solidFill>
-                            <a:schemeClr val="accent1">
-                              <a:lumMod val="75000"/>
-                            </a:schemeClr>
-                          </a:solidFill>
-                        </a:rPr>
-                        <a:t>Float</a:t>
-                      </a:r>
-                      <a:r>
-                        <a:rPr lang="en-US" altLang="zh-TW" dirty="0"/>
-                        <a:t> </a:t>
-                      </a:r>
-                      <a:r>
-                        <a:rPr lang="en-US" altLang="zh-TW" dirty="0">
-                          <a:solidFill>
-                            <a:schemeClr val="accent6">
-                              <a:lumMod val="50000"/>
-                            </a:schemeClr>
-                          </a:solidFill>
-                        </a:rPr>
-                        <a:t>4</a:t>
-                      </a:r>
-                      <a:r>
-                        <a:rPr lang="en-US" altLang="zh-TW" dirty="0">
-                          <a:solidFill>
-                            <a:schemeClr val="tx1"/>
-                          </a:solidFill>
-                        </a:rPr>
-                        <a:t>B</a:t>
-                      </a:r>
-                      <a:r>
-                        <a:rPr lang="en-US" altLang="zh-TW" dirty="0"/>
-                        <a:t>*</a:t>
-                      </a:r>
-                      <a:r>
-                        <a:rPr lang="en-US" altLang="zh-TW" dirty="0">
-                          <a:solidFill>
-                            <a:schemeClr val="accent6">
-                              <a:lumMod val="50000"/>
-                            </a:schemeClr>
-                          </a:solidFill>
-                        </a:rPr>
-                        <a:t>68</a:t>
-                      </a:r>
-                      <a:r>
-                        <a:rPr lang="en-US" altLang="zh-TW" dirty="0"/>
-                        <a:t>*k</a:t>
-                      </a:r>
-                    </a:p>
-                  </a:txBody>
-                  <a:tcPr/>
-                </a:tc>
-                <a:extLst>
-                  <a:ext uri="{0D108BD9-81ED-4DB2-BD59-A6C34878D82A}">
-                    <a16:rowId xmlns:a16="http://schemas.microsoft.com/office/drawing/2014/main" val="2052349725"/>
-                  </a:ext>
-                </a:extLst>
-              </a:tr>
-            </a:tbl>
-          </a:graphicData>
-        </a:graphic>
-      </p:graphicFrame>
-      <p:graphicFrame>
-        <p:nvGraphicFramePr>
-          <p:cNvPr id="53" name="表格 51">
-            <a:extLst>
-              <a:ext uri="{FF2B5EF4-FFF2-40B4-BE49-F238E27FC236}">
-                <a16:creationId xmlns:a16="http://schemas.microsoft.com/office/drawing/2014/main" id="{712E65C8-333D-4812-89B1-7977BEC40033}"/>
-              </a:ext>
-            </a:extLst>
-          </p:cNvPr>
-          <p:cNvGraphicFramePr>
-            <a:graphicFrameLocks noGrp="1"/>
-          </p:cNvGraphicFramePr>
-          <p:nvPr>
-            <p:extLst>
-              <p:ext uri="{D42A27DB-BD31-4B8C-83A1-F6EECF244321}">
-                <p14:modId xmlns:p14="http://schemas.microsoft.com/office/powerpoint/2010/main" val="781966758"/>
-              </p:ext>
-            </p:extLst>
-          </p:nvPr>
-        </p:nvGraphicFramePr>
-        <p:xfrm>
-          <a:off x="6206867" y="4148808"/>
-          <a:ext cx="5411532" cy="741680"/>
+          <a:ext cx="5411532" cy="1010920"/>
         </p:xfrm>
         <a:graphic>
           <a:graphicData uri="http://schemas.openxmlformats.org/drawingml/2006/table">
@@ -19416,15 +17409,79 @@
                       </a:r>
                       <a:r>
                         <a:rPr lang="en-US" altLang="zh-TW" dirty="0"/>
-                        <a:t>k</a:t>
+                        <a:t>k </a:t>
                       </a:r>
-                      <a:endParaRPr lang="zh-TW" altLang="en-US" dirty="0">
-                        <a:solidFill>
-                          <a:schemeClr val="accent1">
-                            <a:lumMod val="75000"/>
-                          </a:schemeClr>
-                        </a:solidFill>
-                      </a:endParaRPr>
+                    </a:p>
+                    <a:p>
+                      <a:pPr marL="0" marR="0" lvl="0" indent="0" algn="l" defTabSz="914400" rtl="0" eaLnBrk="1" fontAlgn="auto" latinLnBrk="0" hangingPunct="1">
+                        <a:lnSpc>
+                          <a:spcPct val="100000"/>
+                        </a:lnSpc>
+                        <a:spcBef>
+                          <a:spcPts val="0"/>
+                        </a:spcBef>
+                        <a:spcAft>
+                          <a:spcPts val="0"/>
+                        </a:spcAft>
+                        <a:buClrTx/>
+                        <a:buSzTx/>
+                        <a:buFontTx/>
+                        <a:buNone/>
+                        <a:tabLst/>
+                        <a:defRPr/>
+                      </a:pPr>
+                      <a:r>
+                        <a:rPr lang="en-US" altLang="zh-TW" dirty="0">
+                          <a:solidFill>
+                            <a:schemeClr val="accent1">
+                              <a:lumMod val="75000"/>
+                            </a:schemeClr>
+                          </a:solidFill>
+                        </a:rPr>
+                        <a:t>int</a:t>
+                      </a:r>
+                      <a:r>
+                        <a:rPr lang="en-US" altLang="zh-TW" dirty="0">
+                          <a:solidFill>
+                            <a:schemeClr val="accent6">
+                              <a:lumMod val="50000"/>
+                            </a:schemeClr>
+                          </a:solidFill>
+                        </a:rPr>
+                        <a:t> 1280</a:t>
+                      </a:r>
+                      <a:r>
+                        <a:rPr lang="en-US" altLang="zh-TW" dirty="0"/>
+                        <a:t>p*</a:t>
+                      </a:r>
+                      <a:r>
+                        <a:rPr lang="en-US" altLang="zh-TW" dirty="0">
+                          <a:solidFill>
+                            <a:schemeClr val="accent6">
+                              <a:lumMod val="50000"/>
+                            </a:schemeClr>
+                          </a:solidFill>
+                        </a:rPr>
+                        <a:t>720</a:t>
+                      </a:r>
+                      <a:r>
+                        <a:rPr lang="en-US" altLang="zh-TW" dirty="0"/>
+                        <a:t>p*</a:t>
+                      </a:r>
+                      <a:r>
+                        <a:rPr lang="en-US" altLang="zh-TW" dirty="0">
+                          <a:solidFill>
+                            <a:schemeClr val="accent6">
+                              <a:lumMod val="50000"/>
+                            </a:schemeClr>
+                          </a:solidFill>
+                        </a:rPr>
+                        <a:t>3</a:t>
+                      </a:r>
+                      <a:r>
+                        <a:rPr lang="en-US" altLang="zh-TW" dirty="0"/>
+                        <a:t>ch</a:t>
+                      </a:r>
                     </a:p>
                   </a:txBody>
                   <a:tcPr/>
@@ -19442,7 +17499,985 @@
     </p:spTree>
     <p:extLst>
       <p:ext uri="{BB962C8B-B14F-4D97-AF65-F5344CB8AC3E}">
-        <p14:creationId xmlns:p14="http://schemas.microsoft.com/office/powerpoint/2010/main" val="370615556"/>
+        <p14:creationId xmlns:p14="http://schemas.microsoft.com/office/powerpoint/2010/main" val="3844029869"/>
+      </p:ext>
+    </p:extLst>
+  </p:cSld>
+  <p:clrMapOvr>
+    <a:masterClrMapping/>
+  </p:clrMapOvr>
+  <mc:AlternateContent xmlns:mc="http://schemas.openxmlformats.org/markup-compatibility/2006" xmlns:p14="http://schemas.microsoft.com/office/powerpoint/2010/main">
+    <mc:Choice Requires="p14">
+      <p:transition spd="slow" p14:dur="1300">
+        <p14:pan dir="u"/>
+      </p:transition>
+    </mc:Choice>
+    <mc:Fallback xmlns="">
+      <p:transition spd="slow">
+        <p:fade/>
+      </p:transition>
+    </mc:Fallback>
+  </mc:AlternateContent>
+</p:sld>
+</file>
+
+<file path=ppt/slides/slide16.xml><?xml version="1.0" encoding="utf-8"?>
+<p:sld xmlns:a="http://schemas.openxmlformats.org/drawingml/2006/main" xmlns:r="http://schemas.openxmlformats.org/officeDocument/2006/relationships" xmlns:p="http://schemas.openxmlformats.org/presentationml/2006/main">
+  <p:cSld>
+    <p:spTree>
+      <p:nvGrpSpPr>
+        <p:cNvPr id="1" name=""/>
+        <p:cNvGrpSpPr/>
+        <p:nvPr/>
+      </p:nvGrpSpPr>
+      <p:grpSpPr>
+        <a:xfrm>
+          <a:off x="0" y="0"/>
+          <a:ext cx="0" cy="0"/>
+          <a:chOff x="0" y="0"/>
+          <a:chExt cx="0" cy="0"/>
+        </a:xfrm>
+      </p:grpSpPr>
+      <p:pic>
+        <p:nvPicPr>
+          <p:cNvPr id="1026" name="Picture 2" descr="M.C. Shih · BLOG">
+            <a:extLst>
+              <a:ext uri="{FF2B5EF4-FFF2-40B4-BE49-F238E27FC236}">
+                <a16:creationId xmlns:a16="http://schemas.microsoft.com/office/drawing/2014/main" id="{F6DCD211-A729-47F9-AE9C-F2A0D701BB89}"/>
+              </a:ext>
+            </a:extLst>
+          </p:cNvPr>
+          <p:cNvPicPr>
+            <a:picLocks noChangeAspect="1" noChangeArrowheads="1"/>
+          </p:cNvPicPr>
+          <p:nvPr/>
+        </p:nvPicPr>
+        <p:blipFill>
+          <a:blip r:embed="rId2" cstate="print">
+            <a:extLst>
+              <a:ext uri="{28A0092B-C50C-407E-A947-70E740481C1C}">
+                <a14:useLocalDpi xmlns:a14="http://schemas.microsoft.com/office/drawing/2010/main" val="0"/>
+              </a:ext>
+            </a:extLst>
+          </a:blip>
+          <a:srcRect/>
+          <a:stretch>
+            <a:fillRect/>
+          </a:stretch>
+        </p:blipFill>
+        <p:spPr bwMode="auto">
+          <a:xfrm>
+            <a:off x="5350484" y="12284"/>
+            <a:ext cx="6648075" cy="2694721"/>
+          </a:xfrm>
+          <a:prstGeom prst="rect">
+            <a:avLst/>
+          </a:prstGeom>
+          <a:noFill/>
+          <a:extLst>
+            <a:ext uri="{909E8E84-426E-40DD-AFC4-6F175D3DCCD1}">
+              <a14:hiddenFill xmlns:a14="http://schemas.microsoft.com/office/drawing/2010/main">
+                <a:solidFill>
+                  <a:srgbClr val="FFFFFF"/>
+                </a:solidFill>
+              </a14:hiddenFill>
+            </a:ext>
+          </a:extLst>
+        </p:spPr>
+      </p:pic>
+      <p:graphicFrame>
+        <p:nvGraphicFramePr>
+          <p:cNvPr id="19" name="表格 20">
+            <a:extLst>
+              <a:ext uri="{FF2B5EF4-FFF2-40B4-BE49-F238E27FC236}">
+                <a16:creationId xmlns:a16="http://schemas.microsoft.com/office/drawing/2014/main" id="{A6A5E8DD-2DCA-48E7-B54D-182B8798E924}"/>
+              </a:ext>
+            </a:extLst>
+          </p:cNvPr>
+          <p:cNvGraphicFramePr>
+            <a:graphicFrameLocks noGrp="1"/>
+          </p:cNvGraphicFramePr>
+          <p:nvPr>
+            <p:extLst>
+              <p:ext uri="{D42A27DB-BD31-4B8C-83A1-F6EECF244321}">
+                <p14:modId xmlns:p14="http://schemas.microsoft.com/office/powerpoint/2010/main" val="4237502498"/>
+              </p:ext>
+            </p:extLst>
+          </p:nvPr>
+        </p:nvGraphicFramePr>
+        <p:xfrm>
+          <a:off x="372979" y="2707005"/>
+          <a:ext cx="7676147" cy="3992880"/>
+        </p:xfrm>
+        <a:graphic>
+          <a:graphicData uri="http://schemas.openxmlformats.org/drawingml/2006/table">
+            <a:tbl>
+              <a:tblPr firstRow="1" bandRow="1">
+                <a:tableStyleId>{5C22544A-7EE6-4342-B048-85BDC9FD1C3A}</a:tableStyleId>
+              </a:tblPr>
+              <a:tblGrid>
+                <a:gridCol w="2414337">
+                  <a:extLst>
+                    <a:ext uri="{9D8B030D-6E8A-4147-A177-3AD203B41FA5}">
+                      <a16:colId xmlns:a16="http://schemas.microsoft.com/office/drawing/2014/main" val="1292118453"/>
+                    </a:ext>
+                  </a:extLst>
+                </a:gridCol>
+                <a:gridCol w="3023936">
+                  <a:extLst>
+                    <a:ext uri="{9D8B030D-6E8A-4147-A177-3AD203B41FA5}">
+                      <a16:colId xmlns:a16="http://schemas.microsoft.com/office/drawing/2014/main" val="1117782562"/>
+                    </a:ext>
+                  </a:extLst>
+                </a:gridCol>
+                <a:gridCol w="2237874">
+                  <a:extLst>
+                    <a:ext uri="{9D8B030D-6E8A-4147-A177-3AD203B41FA5}">
+                      <a16:colId xmlns:a16="http://schemas.microsoft.com/office/drawing/2014/main" val="2231687629"/>
+                    </a:ext>
+                  </a:extLst>
+                </a:gridCol>
+              </a:tblGrid>
+              <a:tr h="325521">
+                <a:tc>
+                  <a:txBody>
+                    <a:bodyPr/>
+                    <a:lstStyle/>
+                    <a:p>
+                      <a:endParaRPr lang="zh-TW" altLang="en-US" sz="1600" dirty="0"/>
+                    </a:p>
+                  </a:txBody>
+                  <a:tcPr/>
+                </a:tc>
+                <a:tc>
+                  <a:txBody>
+                    <a:bodyPr/>
+                    <a:lstStyle/>
+                    <a:p>
+                      <a:r>
+                        <a:rPr lang="en-US" altLang="zh-TW" sz="1600" dirty="0"/>
+                        <a:t>method</a:t>
+                      </a:r>
+                      <a:endParaRPr lang="zh-TW" altLang="en-US" sz="1600" dirty="0"/>
+                    </a:p>
+                  </a:txBody>
+                  <a:tcPr/>
+                </a:tc>
+                <a:tc>
+                  <a:txBody>
+                    <a:bodyPr/>
+                    <a:lstStyle/>
+                    <a:p>
+                      <a:r>
+                        <a:rPr lang="en-US" altLang="zh-TW" sz="1600" dirty="0"/>
+                        <a:t>parameter</a:t>
+                      </a:r>
+                      <a:endParaRPr lang="zh-TW" altLang="en-US" sz="1600" dirty="0"/>
+                    </a:p>
+                  </a:txBody>
+                  <a:tcPr/>
+                </a:tc>
+                <a:extLst>
+                  <a:ext uri="{0D108BD9-81ED-4DB2-BD59-A6C34878D82A}">
+                    <a16:rowId xmlns:a16="http://schemas.microsoft.com/office/drawing/2014/main" val="1839362362"/>
+                  </a:ext>
+                </a:extLst>
+              </a:tr>
+              <a:tr h="325521">
+                <a:tc>
+                  <a:txBody>
+                    <a:bodyPr/>
+                    <a:lstStyle/>
+                    <a:p>
+                      <a:r>
+                        <a:rPr lang="en-US" altLang="zh-TW" sz="1600" dirty="0"/>
+                        <a:t>Input</a:t>
+                      </a:r>
+                      <a:endParaRPr lang="zh-TW" altLang="en-US" sz="1600" dirty="0"/>
+                    </a:p>
+                  </a:txBody>
+                  <a:tcPr/>
+                </a:tc>
+                <a:tc>
+                  <a:txBody>
+                    <a:bodyPr/>
+                    <a:lstStyle/>
+                    <a:p>
+                      <a:endParaRPr lang="zh-TW" altLang="en-US" sz="1600" dirty="0"/>
+                    </a:p>
+                  </a:txBody>
+                  <a:tcPr/>
+                </a:tc>
+                <a:tc>
+                  <a:txBody>
+                    <a:bodyPr/>
+                    <a:lstStyle/>
+                    <a:p>
+                      <a:r>
+                        <a:rPr lang="en-US" altLang="zh-TW" sz="1600" dirty="0"/>
+                        <a:t>64*64</a:t>
+                      </a:r>
+                      <a:endParaRPr lang="zh-TW" altLang="en-US" sz="1600" dirty="0"/>
+                    </a:p>
+                  </a:txBody>
+                  <a:tcPr/>
+                </a:tc>
+                <a:extLst>
+                  <a:ext uri="{0D108BD9-81ED-4DB2-BD59-A6C34878D82A}">
+                    <a16:rowId xmlns:a16="http://schemas.microsoft.com/office/drawing/2014/main" val="3347987365"/>
+                  </a:ext>
+                </a:extLst>
+              </a:tr>
+              <a:tr h="813803">
+                <a:tc>
+                  <a:txBody>
+                    <a:bodyPr/>
+                    <a:lstStyle/>
+                    <a:p>
+                      <a:pPr marL="0" marR="0" lvl="0" indent="0" algn="l" defTabSz="914400" rtl="0" eaLnBrk="1" fontAlgn="auto" latinLnBrk="0" hangingPunct="1">
+                        <a:lnSpc>
+                          <a:spcPct val="100000"/>
+                        </a:lnSpc>
+                        <a:spcBef>
+                          <a:spcPts val="0"/>
+                        </a:spcBef>
+                        <a:spcAft>
+                          <a:spcPts val="0"/>
+                        </a:spcAft>
+                        <a:buClrTx/>
+                        <a:buSzTx/>
+                        <a:buFontTx/>
+                        <a:buNone/>
+                        <a:tabLst/>
+                        <a:defRPr/>
+                      </a:pPr>
+                      <a:r>
+                        <a:rPr lang="en-US" altLang="zh-TW" sz="1600" dirty="0"/>
+                        <a:t>Convolutional layer1</a:t>
+                      </a:r>
+                      <a:endParaRPr lang="zh-TW" altLang="en-US" sz="1600" dirty="0"/>
+                    </a:p>
+                  </a:txBody>
+                  <a:tcPr/>
+                </a:tc>
+                <a:tc>
+                  <a:txBody>
+                    <a:bodyPr/>
+                    <a:lstStyle/>
+                    <a:p>
+                      <a:r>
+                        <a:rPr lang="en-US" altLang="zh-TW" sz="1600" b="0" i="0" kern="1200" dirty="0">
+                          <a:solidFill>
+                            <a:schemeClr val="dk1"/>
+                          </a:solidFill>
+                          <a:effectLst/>
+                          <a:latin typeface="+mn-lt"/>
+                          <a:ea typeface="+mn-ea"/>
+                          <a:cs typeface="+mn-cs"/>
+                        </a:rPr>
+                        <a:t>Activation = </a:t>
+                      </a:r>
+                      <a:r>
+                        <a:rPr lang="en-US" altLang="zh-TW" sz="1600" b="0" i="0" kern="1200" dirty="0" err="1">
+                          <a:solidFill>
+                            <a:schemeClr val="dk1"/>
+                          </a:solidFill>
+                          <a:effectLst/>
+                          <a:latin typeface="+mn-lt"/>
+                          <a:ea typeface="+mn-ea"/>
+                          <a:cs typeface="+mn-cs"/>
+                        </a:rPr>
+                        <a:t>relu</a:t>
+                      </a:r>
+                      <a:r>
+                        <a:rPr lang="en-US" altLang="zh-TW" sz="1600" b="0" i="0" kern="1200" dirty="0">
+                          <a:solidFill>
+                            <a:schemeClr val="dk1"/>
+                          </a:solidFill>
+                          <a:effectLst/>
+                          <a:latin typeface="+mn-lt"/>
+                          <a:ea typeface="+mn-ea"/>
+                          <a:cs typeface="+mn-cs"/>
+                        </a:rPr>
+                        <a:t> </a:t>
+                      </a:r>
+                      <a:endParaRPr lang="zh-TW" altLang="en-US" sz="1600" dirty="0"/>
+                    </a:p>
+                  </a:txBody>
+                  <a:tcPr/>
+                </a:tc>
+                <a:tc>
+                  <a:txBody>
+                    <a:bodyPr/>
+                    <a:lstStyle/>
+                    <a:p>
+                      <a:r>
+                        <a:rPr lang="en-US" altLang="zh-TW" sz="1600" b="0" i="0" kern="1200" dirty="0">
+                          <a:solidFill>
+                            <a:schemeClr val="dk1"/>
+                          </a:solidFill>
+                          <a:effectLst/>
+                          <a:latin typeface="+mn-lt"/>
+                          <a:ea typeface="+mn-ea"/>
+                          <a:cs typeface="+mn-cs"/>
+                        </a:rPr>
+                        <a:t>Filter = 32</a:t>
+                      </a:r>
+                    </a:p>
+                    <a:p>
+                      <a:r>
+                        <a:rPr lang="en-US" altLang="zh-TW" sz="1600" b="0" i="0" kern="1200" dirty="0">
+                          <a:solidFill>
+                            <a:schemeClr val="dk1"/>
+                          </a:solidFill>
+                          <a:effectLst/>
+                          <a:latin typeface="+mn-lt"/>
+                          <a:ea typeface="+mn-ea"/>
+                          <a:cs typeface="+mn-cs"/>
+                        </a:rPr>
+                        <a:t>Kernel = 3</a:t>
+                      </a:r>
+                      <a:r>
+                        <a:rPr lang="zh-TW" altLang="en-US" sz="1600" b="0" i="0" kern="1200" dirty="0">
+                          <a:solidFill>
+                            <a:schemeClr val="dk1"/>
+                          </a:solidFill>
+                          <a:effectLst/>
+                          <a:latin typeface="+mn-lt"/>
+                          <a:ea typeface="+mn-ea"/>
+                          <a:cs typeface="+mn-cs"/>
+                        </a:rPr>
+                        <a:t>*</a:t>
+                      </a:r>
+                      <a:r>
+                        <a:rPr lang="en-US" altLang="zh-TW" sz="1600" b="0" i="0" kern="1200" dirty="0">
+                          <a:solidFill>
+                            <a:schemeClr val="dk1"/>
+                          </a:solidFill>
+                          <a:effectLst/>
+                          <a:latin typeface="+mn-lt"/>
+                          <a:ea typeface="+mn-ea"/>
+                          <a:cs typeface="+mn-cs"/>
+                        </a:rPr>
+                        <a:t>3</a:t>
+                      </a:r>
+                    </a:p>
+                    <a:p>
+                      <a:r>
+                        <a:rPr lang="en-US" altLang="zh-TW" sz="1600" b="0" i="0" kern="1200" dirty="0">
+                          <a:solidFill>
+                            <a:schemeClr val="dk1"/>
+                          </a:solidFill>
+                          <a:effectLst/>
+                          <a:latin typeface="+mn-lt"/>
+                          <a:ea typeface="+mn-ea"/>
+                          <a:cs typeface="+mn-cs"/>
+                        </a:rPr>
+                        <a:t>Stride = 1</a:t>
+                      </a:r>
+                      <a:endParaRPr lang="zh-TW" altLang="en-US" sz="1600" dirty="0"/>
+                    </a:p>
+                  </a:txBody>
+                  <a:tcPr/>
+                </a:tc>
+                <a:extLst>
+                  <a:ext uri="{0D108BD9-81ED-4DB2-BD59-A6C34878D82A}">
+                    <a16:rowId xmlns:a16="http://schemas.microsoft.com/office/drawing/2014/main" val="1671018319"/>
+                  </a:ext>
+                </a:extLst>
+              </a:tr>
+              <a:tr h="325521">
+                <a:tc>
+                  <a:txBody>
+                    <a:bodyPr/>
+                    <a:lstStyle/>
+                    <a:p>
+                      <a:r>
+                        <a:rPr lang="en-US" altLang="zh-TW" sz="1600" dirty="0"/>
+                        <a:t>Pooling1</a:t>
+                      </a:r>
+                      <a:endParaRPr lang="zh-TW" altLang="en-US" sz="1600" dirty="0"/>
+                    </a:p>
+                  </a:txBody>
+                  <a:tcPr/>
+                </a:tc>
+                <a:tc>
+                  <a:txBody>
+                    <a:bodyPr/>
+                    <a:lstStyle/>
+                    <a:p>
+                      <a:r>
+                        <a:rPr lang="en-US" altLang="zh-TW" sz="1600" dirty="0" err="1"/>
+                        <a:t>MaxPooling</a:t>
+                      </a:r>
+                      <a:endParaRPr lang="zh-TW" altLang="en-US" sz="1600" dirty="0"/>
+                    </a:p>
+                  </a:txBody>
+                  <a:tcPr/>
+                </a:tc>
+                <a:tc>
+                  <a:txBody>
+                    <a:bodyPr/>
+                    <a:lstStyle/>
+                    <a:p>
+                      <a:r>
+                        <a:rPr lang="en-US" altLang="zh-TW" sz="1600" b="0" i="0" kern="1200" dirty="0">
+                          <a:solidFill>
+                            <a:schemeClr val="dk1"/>
+                          </a:solidFill>
+                          <a:effectLst/>
+                          <a:latin typeface="+mn-lt"/>
+                          <a:ea typeface="+mn-ea"/>
+                          <a:cs typeface="+mn-cs"/>
+                        </a:rPr>
+                        <a:t>Pool size = 2*2</a:t>
+                      </a:r>
+                      <a:endParaRPr lang="zh-TW" altLang="en-US" sz="1600" dirty="0"/>
+                    </a:p>
+                  </a:txBody>
+                  <a:tcPr/>
+                </a:tc>
+                <a:extLst>
+                  <a:ext uri="{0D108BD9-81ED-4DB2-BD59-A6C34878D82A}">
+                    <a16:rowId xmlns:a16="http://schemas.microsoft.com/office/drawing/2014/main" val="3026228960"/>
+                  </a:ext>
+                </a:extLst>
+              </a:tr>
+              <a:tr h="813803">
+                <a:tc>
+                  <a:txBody>
+                    <a:bodyPr/>
+                    <a:lstStyle/>
+                    <a:p>
+                      <a:pPr marL="0" marR="0" lvl="0" indent="0" algn="l" defTabSz="914400" rtl="0" eaLnBrk="1" fontAlgn="auto" latinLnBrk="0" hangingPunct="1">
+                        <a:lnSpc>
+                          <a:spcPct val="100000"/>
+                        </a:lnSpc>
+                        <a:spcBef>
+                          <a:spcPts val="0"/>
+                        </a:spcBef>
+                        <a:spcAft>
+                          <a:spcPts val="0"/>
+                        </a:spcAft>
+                        <a:buClrTx/>
+                        <a:buSzTx/>
+                        <a:buFontTx/>
+                        <a:buNone/>
+                        <a:tabLst/>
+                        <a:defRPr/>
+                      </a:pPr>
+                      <a:r>
+                        <a:rPr lang="en-US" altLang="zh-TW" sz="1600" dirty="0"/>
+                        <a:t>Convolutional layer2</a:t>
+                      </a:r>
+                      <a:endParaRPr lang="zh-TW" altLang="en-US" sz="1600" dirty="0"/>
+                    </a:p>
+                  </a:txBody>
+                  <a:tcPr/>
+                </a:tc>
+                <a:tc>
+                  <a:txBody>
+                    <a:bodyPr/>
+                    <a:lstStyle/>
+                    <a:p>
+                      <a:pPr marL="0" marR="0" lvl="0" indent="0" algn="l" defTabSz="914400" rtl="0" eaLnBrk="1" fontAlgn="auto" latinLnBrk="0" hangingPunct="1">
+                        <a:lnSpc>
+                          <a:spcPct val="100000"/>
+                        </a:lnSpc>
+                        <a:spcBef>
+                          <a:spcPts val="0"/>
+                        </a:spcBef>
+                        <a:spcAft>
+                          <a:spcPts val="0"/>
+                        </a:spcAft>
+                        <a:buClrTx/>
+                        <a:buSzTx/>
+                        <a:buFontTx/>
+                        <a:buNone/>
+                        <a:tabLst/>
+                        <a:defRPr/>
+                      </a:pPr>
+                      <a:r>
+                        <a:rPr lang="en-US" altLang="zh-TW" sz="1600" b="0" i="0" kern="1200" dirty="0">
+                          <a:solidFill>
+                            <a:schemeClr val="dk1"/>
+                          </a:solidFill>
+                          <a:effectLst/>
+                          <a:latin typeface="+mn-lt"/>
+                          <a:ea typeface="+mn-ea"/>
+                          <a:cs typeface="+mn-cs"/>
+                        </a:rPr>
+                        <a:t>Activation = </a:t>
+                      </a:r>
+                      <a:r>
+                        <a:rPr lang="en-US" altLang="zh-TW" sz="1600" b="0" i="0" kern="1200" dirty="0" err="1">
+                          <a:solidFill>
+                            <a:schemeClr val="dk1"/>
+                          </a:solidFill>
+                          <a:effectLst/>
+                          <a:latin typeface="+mn-lt"/>
+                          <a:ea typeface="+mn-ea"/>
+                          <a:cs typeface="+mn-cs"/>
+                        </a:rPr>
+                        <a:t>relu</a:t>
+                      </a:r>
+                      <a:r>
+                        <a:rPr lang="en-US" altLang="zh-TW" sz="1600" b="0" i="0" kern="1200" dirty="0">
+                          <a:solidFill>
+                            <a:schemeClr val="dk1"/>
+                          </a:solidFill>
+                          <a:effectLst/>
+                          <a:latin typeface="+mn-lt"/>
+                          <a:ea typeface="+mn-ea"/>
+                          <a:cs typeface="+mn-cs"/>
+                        </a:rPr>
+                        <a:t> </a:t>
+                      </a:r>
+                      <a:endParaRPr lang="zh-TW" altLang="en-US" sz="1600" dirty="0"/>
+                    </a:p>
+                    <a:p>
+                      <a:endParaRPr lang="zh-TW" altLang="en-US" sz="1600" dirty="0"/>
+                    </a:p>
+                  </a:txBody>
+                  <a:tcPr/>
+                </a:tc>
+                <a:tc>
+                  <a:txBody>
+                    <a:bodyPr/>
+                    <a:lstStyle/>
+                    <a:p>
+                      <a:r>
+                        <a:rPr lang="en-US" altLang="zh-TW" sz="1600" b="0" i="0" kern="1200" dirty="0">
+                          <a:solidFill>
+                            <a:schemeClr val="dk1"/>
+                          </a:solidFill>
+                          <a:effectLst/>
+                          <a:latin typeface="+mn-lt"/>
+                          <a:ea typeface="+mn-ea"/>
+                          <a:cs typeface="+mn-cs"/>
+                        </a:rPr>
+                        <a:t>Filter = 64</a:t>
+                      </a:r>
+                    </a:p>
+                    <a:p>
+                      <a:r>
+                        <a:rPr lang="en-US" altLang="zh-TW" sz="1600" b="0" i="0" kern="1200" dirty="0">
+                          <a:solidFill>
+                            <a:schemeClr val="dk1"/>
+                          </a:solidFill>
+                          <a:effectLst/>
+                          <a:latin typeface="+mn-lt"/>
+                          <a:ea typeface="+mn-ea"/>
+                          <a:cs typeface="+mn-cs"/>
+                        </a:rPr>
+                        <a:t>Kernel = 3</a:t>
+                      </a:r>
+                      <a:r>
+                        <a:rPr lang="zh-TW" altLang="en-US" sz="1600" b="0" i="0" kern="1200" dirty="0">
+                          <a:solidFill>
+                            <a:schemeClr val="dk1"/>
+                          </a:solidFill>
+                          <a:effectLst/>
+                          <a:latin typeface="+mn-lt"/>
+                          <a:ea typeface="+mn-ea"/>
+                          <a:cs typeface="+mn-cs"/>
+                        </a:rPr>
+                        <a:t>*</a:t>
+                      </a:r>
+                      <a:r>
+                        <a:rPr lang="en-US" altLang="zh-TW" sz="1600" b="0" i="0" kern="1200" dirty="0">
+                          <a:solidFill>
+                            <a:schemeClr val="dk1"/>
+                          </a:solidFill>
+                          <a:effectLst/>
+                          <a:latin typeface="+mn-lt"/>
+                          <a:ea typeface="+mn-ea"/>
+                          <a:cs typeface="+mn-cs"/>
+                        </a:rPr>
+                        <a:t>3</a:t>
+                      </a:r>
+                    </a:p>
+                    <a:p>
+                      <a:r>
+                        <a:rPr lang="en-US" altLang="zh-TW" sz="1600" b="0" i="0" kern="1200" dirty="0">
+                          <a:solidFill>
+                            <a:schemeClr val="dk1"/>
+                          </a:solidFill>
+                          <a:effectLst/>
+                          <a:latin typeface="+mn-lt"/>
+                          <a:ea typeface="+mn-ea"/>
+                          <a:cs typeface="+mn-cs"/>
+                        </a:rPr>
+                        <a:t>Stride = 1</a:t>
+                      </a:r>
+                      <a:endParaRPr lang="zh-TW" altLang="en-US" sz="1600" dirty="0"/>
+                    </a:p>
+                  </a:txBody>
+                  <a:tcPr/>
+                </a:tc>
+                <a:extLst>
+                  <a:ext uri="{0D108BD9-81ED-4DB2-BD59-A6C34878D82A}">
+                    <a16:rowId xmlns:a16="http://schemas.microsoft.com/office/drawing/2014/main" val="3841254036"/>
+                  </a:ext>
+                </a:extLst>
+              </a:tr>
+              <a:tr h="325521">
+                <a:tc>
+                  <a:txBody>
+                    <a:bodyPr/>
+                    <a:lstStyle/>
+                    <a:p>
+                      <a:pPr marL="0" marR="0" lvl="0" indent="0" algn="l" defTabSz="914400" rtl="0" eaLnBrk="1" fontAlgn="auto" latinLnBrk="0" hangingPunct="1">
+                        <a:lnSpc>
+                          <a:spcPct val="100000"/>
+                        </a:lnSpc>
+                        <a:spcBef>
+                          <a:spcPts val="0"/>
+                        </a:spcBef>
+                        <a:spcAft>
+                          <a:spcPts val="0"/>
+                        </a:spcAft>
+                        <a:buClrTx/>
+                        <a:buSzTx/>
+                        <a:buFontTx/>
+                        <a:buNone/>
+                        <a:tabLst/>
+                        <a:defRPr/>
+                      </a:pPr>
+                      <a:r>
+                        <a:rPr lang="en-US" altLang="zh-TW" sz="1600" dirty="0"/>
+                        <a:t>Pooling2</a:t>
+                      </a:r>
+                      <a:endParaRPr lang="zh-TW" altLang="en-US" sz="1600" dirty="0"/>
+                    </a:p>
+                  </a:txBody>
+                  <a:tcPr/>
+                </a:tc>
+                <a:tc>
+                  <a:txBody>
+                    <a:bodyPr/>
+                    <a:lstStyle/>
+                    <a:p>
+                      <a:pPr marL="0" marR="0" lvl="0" indent="0" algn="l" defTabSz="914400" rtl="0" eaLnBrk="1" fontAlgn="auto" latinLnBrk="0" hangingPunct="1">
+                        <a:lnSpc>
+                          <a:spcPct val="100000"/>
+                        </a:lnSpc>
+                        <a:spcBef>
+                          <a:spcPts val="0"/>
+                        </a:spcBef>
+                        <a:spcAft>
+                          <a:spcPts val="0"/>
+                        </a:spcAft>
+                        <a:buClrTx/>
+                        <a:buSzTx/>
+                        <a:buFontTx/>
+                        <a:buNone/>
+                        <a:tabLst/>
+                        <a:defRPr/>
+                      </a:pPr>
+                      <a:r>
+                        <a:rPr lang="en-US" altLang="zh-TW" sz="1600" dirty="0" err="1"/>
+                        <a:t>MaxPooling</a:t>
+                      </a:r>
+                      <a:endParaRPr lang="zh-TW" altLang="en-US" sz="1600" dirty="0"/>
+                    </a:p>
+                  </a:txBody>
+                  <a:tcPr/>
+                </a:tc>
+                <a:tc>
+                  <a:txBody>
+                    <a:bodyPr/>
+                    <a:lstStyle/>
+                    <a:p>
+                      <a:pPr marL="0" marR="0" lvl="0" indent="0" algn="l" defTabSz="914400" rtl="0" eaLnBrk="1" fontAlgn="auto" latinLnBrk="0" hangingPunct="1">
+                        <a:lnSpc>
+                          <a:spcPct val="100000"/>
+                        </a:lnSpc>
+                        <a:spcBef>
+                          <a:spcPts val="0"/>
+                        </a:spcBef>
+                        <a:spcAft>
+                          <a:spcPts val="0"/>
+                        </a:spcAft>
+                        <a:buClrTx/>
+                        <a:buSzTx/>
+                        <a:buFontTx/>
+                        <a:buNone/>
+                        <a:tabLst/>
+                        <a:defRPr/>
+                      </a:pPr>
+                      <a:r>
+                        <a:rPr lang="en-US" altLang="zh-TW" sz="1600" b="0" i="0" kern="1200" dirty="0">
+                          <a:solidFill>
+                            <a:schemeClr val="dk1"/>
+                          </a:solidFill>
+                          <a:effectLst/>
+                          <a:latin typeface="+mn-lt"/>
+                          <a:ea typeface="+mn-ea"/>
+                          <a:cs typeface="+mn-cs"/>
+                        </a:rPr>
+                        <a:t>Pool size = 2*2</a:t>
+                      </a:r>
+                      <a:endParaRPr lang="zh-TW" altLang="en-US" sz="1600" dirty="0"/>
+                    </a:p>
+                  </a:txBody>
+                  <a:tcPr/>
+                </a:tc>
+                <a:extLst>
+                  <a:ext uri="{0D108BD9-81ED-4DB2-BD59-A6C34878D82A}">
+                    <a16:rowId xmlns:a16="http://schemas.microsoft.com/office/drawing/2014/main" val="2347163648"/>
+                  </a:ext>
+                </a:extLst>
+              </a:tr>
+              <a:tr h="325521">
+                <a:tc>
+                  <a:txBody>
+                    <a:bodyPr/>
+                    <a:lstStyle/>
+                    <a:p>
+                      <a:r>
+                        <a:rPr lang="en-US" altLang="zh-TW" sz="1600" dirty="0"/>
+                        <a:t>Full-connected</a:t>
+                      </a:r>
+                      <a:endParaRPr lang="zh-TW" altLang="en-US" sz="1600" dirty="0"/>
+                    </a:p>
+                  </a:txBody>
+                  <a:tcPr/>
+                </a:tc>
+                <a:tc rowSpan="3">
+                  <a:txBody>
+                    <a:bodyPr/>
+                    <a:lstStyle/>
+                    <a:p>
+                      <a:r>
+                        <a:rPr lang="en-US" altLang="zh-TW" sz="1600" dirty="0"/>
+                        <a:t>activation= </a:t>
+                      </a:r>
+                      <a:r>
+                        <a:rPr lang="en-US" altLang="zh-TW" sz="1600" dirty="0" err="1"/>
+                        <a:t>relu</a:t>
+                      </a:r>
+                      <a:endParaRPr lang="en-US" altLang="zh-TW" sz="1600" dirty="0"/>
+                    </a:p>
+                    <a:p>
+                      <a:r>
+                        <a:rPr lang="en-US" altLang="zh-TW" sz="1600" dirty="0" err="1"/>
+                        <a:t>Lossfunction</a:t>
+                      </a:r>
+                      <a:r>
+                        <a:rPr lang="en-US" altLang="zh-TW" sz="1600" dirty="0"/>
+                        <a:t> = </a:t>
+                      </a:r>
+                      <a:r>
+                        <a:rPr lang="en-US" altLang="zh-TW" sz="1600" dirty="0" err="1"/>
+                        <a:t>crossentropy</a:t>
+                      </a:r>
+                      <a:endParaRPr lang="zh-TW" altLang="en-US" sz="1600" dirty="0"/>
+                    </a:p>
+                  </a:txBody>
+                  <a:tcPr/>
+                </a:tc>
+                <a:tc>
+                  <a:txBody>
+                    <a:bodyPr/>
+                    <a:lstStyle/>
+                    <a:p>
+                      <a:r>
+                        <a:rPr lang="en-US" altLang="zh-TW" sz="1600" dirty="0"/>
+                        <a:t>Nodes = 64*16*16</a:t>
+                      </a:r>
+                      <a:endParaRPr lang="zh-TW" altLang="en-US" sz="1600" dirty="0"/>
+                    </a:p>
+                  </a:txBody>
+                  <a:tcPr/>
+                </a:tc>
+                <a:extLst>
+                  <a:ext uri="{0D108BD9-81ED-4DB2-BD59-A6C34878D82A}">
+                    <a16:rowId xmlns:a16="http://schemas.microsoft.com/office/drawing/2014/main" val="456713230"/>
+                  </a:ext>
+                </a:extLst>
+              </a:tr>
+              <a:tr h="325521">
+                <a:tc>
+                  <a:txBody>
+                    <a:bodyPr/>
+                    <a:lstStyle/>
+                    <a:p>
+                      <a:r>
+                        <a:rPr lang="en-US" altLang="zh-TW" sz="1600" dirty="0"/>
+                        <a:t>Hidden layer</a:t>
+                      </a:r>
+                      <a:endParaRPr lang="zh-TW" altLang="en-US" sz="1600" dirty="0"/>
+                    </a:p>
+                  </a:txBody>
+                  <a:tcPr/>
+                </a:tc>
+                <a:tc vMerge="1">
+                  <a:txBody>
+                    <a:bodyPr/>
+                    <a:lstStyle/>
+                    <a:p>
+                      <a:endParaRPr lang="zh-TW" altLang="en-US" dirty="0"/>
+                    </a:p>
+                  </a:txBody>
+                  <a:tcPr/>
+                </a:tc>
+                <a:tc>
+                  <a:txBody>
+                    <a:bodyPr/>
+                    <a:lstStyle/>
+                    <a:p>
+                      <a:r>
+                        <a:rPr lang="en-US" altLang="zh-TW" sz="1600" dirty="0"/>
+                        <a:t>Nodes = 256</a:t>
+                      </a:r>
+                      <a:endParaRPr lang="zh-TW" altLang="en-US" sz="1600" dirty="0"/>
+                    </a:p>
+                  </a:txBody>
+                  <a:tcPr/>
+                </a:tc>
+                <a:extLst>
+                  <a:ext uri="{0D108BD9-81ED-4DB2-BD59-A6C34878D82A}">
+                    <a16:rowId xmlns:a16="http://schemas.microsoft.com/office/drawing/2014/main" val="1700419363"/>
+                  </a:ext>
+                </a:extLst>
+              </a:tr>
+              <a:tr h="325521">
+                <a:tc>
+                  <a:txBody>
+                    <a:bodyPr/>
+                    <a:lstStyle/>
+                    <a:p>
+                      <a:r>
+                        <a:rPr lang="en-US" altLang="zh-TW" sz="1600" dirty="0"/>
+                        <a:t>Output layer</a:t>
+                      </a:r>
+                      <a:endParaRPr lang="zh-TW" altLang="en-US" sz="1600" dirty="0"/>
+                    </a:p>
+                  </a:txBody>
+                  <a:tcPr/>
+                </a:tc>
+                <a:tc vMerge="1">
+                  <a:txBody>
+                    <a:bodyPr/>
+                    <a:lstStyle/>
+                    <a:p>
+                      <a:endParaRPr lang="zh-TW" altLang="en-US" dirty="0"/>
+                    </a:p>
+                  </a:txBody>
+                  <a:tcPr/>
+                </a:tc>
+                <a:tc>
+                  <a:txBody>
+                    <a:bodyPr/>
+                    <a:lstStyle/>
+                    <a:p>
+                      <a:pPr marL="0" marR="0" lvl="0" indent="0" algn="l" defTabSz="914400" rtl="0" eaLnBrk="1" fontAlgn="auto" latinLnBrk="0" hangingPunct="1">
+                        <a:lnSpc>
+                          <a:spcPct val="100000"/>
+                        </a:lnSpc>
+                        <a:spcBef>
+                          <a:spcPts val="0"/>
+                        </a:spcBef>
+                        <a:spcAft>
+                          <a:spcPts val="0"/>
+                        </a:spcAft>
+                        <a:buClrTx/>
+                        <a:buSzTx/>
+                        <a:buFontTx/>
+                        <a:buNone/>
+                        <a:tabLst/>
+                        <a:defRPr/>
+                      </a:pPr>
+                      <a:r>
+                        <a:rPr lang="en-US" altLang="zh-TW" sz="1600" dirty="0"/>
+                        <a:t>Nodes = 4</a:t>
+                      </a:r>
+                      <a:endParaRPr lang="zh-TW" altLang="en-US" sz="1600" dirty="0"/>
+                    </a:p>
+                  </a:txBody>
+                  <a:tcPr/>
+                </a:tc>
+                <a:extLst>
+                  <a:ext uri="{0D108BD9-81ED-4DB2-BD59-A6C34878D82A}">
+                    <a16:rowId xmlns:a16="http://schemas.microsoft.com/office/drawing/2014/main" val="2609819424"/>
+                  </a:ext>
+                </a:extLst>
+              </a:tr>
+            </a:tbl>
+          </a:graphicData>
+        </a:graphic>
+      </p:graphicFrame>
+      <p:pic>
+        <p:nvPicPr>
+          <p:cNvPr id="3" name="图片 2" descr="未标题-145"/>
+          <p:cNvPicPr>
+            <a:picLocks noChangeAspect="1"/>
+          </p:cNvPicPr>
+          <p:nvPr/>
+        </p:nvPicPr>
+        <p:blipFill>
+          <a:blip r:embed="rId3"/>
+          <a:stretch>
+            <a:fillRect/>
+          </a:stretch>
+        </p:blipFill>
+        <p:spPr>
+          <a:xfrm flipH="1" flipV="1">
+            <a:off x="0" y="0"/>
+            <a:ext cx="1360170" cy="775970"/>
+          </a:xfrm>
+          <a:prstGeom prst="rect">
+            <a:avLst/>
+          </a:prstGeom>
+        </p:spPr>
+      </p:pic>
+      <p:sp>
+        <p:nvSpPr>
+          <p:cNvPr id="6" name="文本框 5"/>
+          <p:cNvSpPr txBox="1"/>
+          <p:nvPr/>
+        </p:nvSpPr>
+        <p:spPr>
+          <a:xfrm>
+            <a:off x="1427480" y="158115"/>
+            <a:ext cx="1415772" cy="461665"/>
+          </a:xfrm>
+          <a:prstGeom prst="rect">
+            <a:avLst/>
+          </a:prstGeom>
+          <a:noFill/>
+        </p:spPr>
+        <p:txBody>
+          <a:bodyPr wrap="none" rtlCol="0">
+            <a:spAutoFit/>
+          </a:bodyPr>
+          <a:lstStyle/>
+          <a:p>
+            <a:r>
+              <a:rPr lang="zh-TW" altLang="en-US" sz="2400" b="1" dirty="0">
+                <a:solidFill>
+                  <a:srgbClr val="DE7F7E"/>
+                </a:solidFill>
+                <a:cs typeface="+mn-ea"/>
+                <a:sym typeface="+mn-lt"/>
+              </a:rPr>
+              <a:t>專案設計</a:t>
+            </a:r>
+            <a:endParaRPr lang="zh-CN" altLang="en-US" b="1" dirty="0">
+              <a:solidFill>
+                <a:srgbClr val="DE7F7E"/>
+              </a:solidFill>
+              <a:cs typeface="+mn-ea"/>
+              <a:sym typeface="+mn-lt"/>
+            </a:endParaRPr>
+          </a:p>
+        </p:txBody>
+      </p:sp>
+    </p:spTree>
+    <p:extLst>
+      <p:ext uri="{BB962C8B-B14F-4D97-AF65-F5344CB8AC3E}">
+        <p14:creationId xmlns:p14="http://schemas.microsoft.com/office/powerpoint/2010/main" val="4214967164"/>
       </p:ext>
     </p:extLst>
   </p:cSld>
@@ -22511,7 +21546,7 @@
         </p:nvSpPr>
         <p:spPr>
           <a:xfrm>
-            <a:off x="3886361" y="1891823"/>
+            <a:off x="5686832" y="1859348"/>
             <a:ext cx="1326292" cy="955589"/>
           </a:xfrm>
           <a:prstGeom prst="rect">
@@ -22551,15 +21586,15 @@
           <p:cNvPr id="7" name="直線單箭頭接點 6"/>
           <p:cNvCxnSpPr>
             <a:cxnSpLocks/>
-            <a:stCxn id="94" idx="3"/>
+            <a:stCxn id="21" idx="3"/>
             <a:endCxn id="4" idx="1"/>
           </p:cNvCxnSpPr>
           <p:nvPr/>
         </p:nvCxnSpPr>
         <p:spPr>
-          <a:xfrm>
-            <a:off x="2197302" y="2366254"/>
-            <a:ext cx="1689059" cy="3364"/>
+          <a:xfrm flipV="1">
+            <a:off x="3785706" y="2337143"/>
+            <a:ext cx="1901126" cy="6319"/>
           </a:xfrm>
           <a:prstGeom prst="straightConnector1">
             <a:avLst/>
@@ -22591,7 +21626,7 @@
         </p:nvSpPr>
         <p:spPr>
           <a:xfrm>
-            <a:off x="2225571" y="1746191"/>
+            <a:off x="3999936" y="1863359"/>
             <a:ext cx="1587294" cy="338554"/>
           </a:xfrm>
           <a:prstGeom prst="rect">
@@ -22630,7 +21665,7 @@
         </p:nvSpPr>
         <p:spPr>
           <a:xfrm>
-            <a:off x="1132775" y="3413185"/>
+            <a:off x="3885671" y="4863029"/>
             <a:ext cx="1645002" cy="338554"/>
           </a:xfrm>
           <a:prstGeom prst="rect">
@@ -22646,7 +21681,7 @@
           <a:p>
             <a:r>
               <a:rPr lang="en-US" altLang="zh-TW" sz="1600" dirty="0"/>
-              <a:t>6.</a:t>
+              <a:t>5.</a:t>
             </a:r>
             <a:r>
               <a:rPr lang="zh-TW" altLang="en-US" sz="1600" dirty="0"/>
@@ -22667,14 +21702,14 @@
           <p:cNvCxnSpPr>
             <a:cxnSpLocks/>
             <a:stCxn id="81" idx="1"/>
-            <a:endCxn id="94" idx="2"/>
+            <a:endCxn id="21" idx="2"/>
           </p:cNvCxnSpPr>
           <p:nvPr/>
         </p:nvCxnSpPr>
         <p:spPr>
           <a:xfrm rot="10800000">
-            <a:off x="1171391" y="3133926"/>
-            <a:ext cx="2051825" cy="1645248"/>
+            <a:off x="3452332" y="2672074"/>
+            <a:ext cx="2234501" cy="2055726"/>
           </a:xfrm>
           <a:prstGeom prst="bentConnector2">
             <a:avLst/>
@@ -22700,10 +21735,10 @@
       </p:cxnSp>
       <p:sp>
         <p:nvSpPr>
-          <p:cNvPr id="65" name="矩形 64">
+          <p:cNvPr id="68" name="矩形 67">
             <a:extLst>
               <a:ext uri="{FF2B5EF4-FFF2-40B4-BE49-F238E27FC236}">
-                <a16:creationId xmlns:a16="http://schemas.microsoft.com/office/drawing/2014/main" id="{66796E78-8FD9-4654-B383-22793FB54D6B}"/>
+                <a16:creationId xmlns:a16="http://schemas.microsoft.com/office/drawing/2014/main" id="{B0923708-EE1D-4FE9-80DC-4E3EF7330365}"/>
               </a:ext>
             </a:extLst>
           </p:cNvPr>
@@ -22712,7 +21747,7 @@
         </p:nvSpPr>
         <p:spPr>
           <a:xfrm>
-            <a:off x="9732933" y="3042371"/>
+            <a:off x="8536712" y="4250006"/>
             <a:ext cx="1326292" cy="955589"/>
           </a:xfrm>
           <a:prstGeom prst="rect">
@@ -22742,63 +21777,6 @@
             <a:pPr algn="ctr"/>
             <a:r>
               <a:rPr lang="zh-TW" altLang="en-US" dirty="0"/>
-              <a:t>臉部圖片</a:t>
-            </a:r>
-            <a:r>
-              <a:rPr lang="en-US" altLang="zh-TW" sz="2400" dirty="0"/>
-              <a:t>’</a:t>
-            </a:r>
-            <a:r>
-              <a:rPr lang="en-US" altLang="zh-TW" dirty="0"/>
-              <a:t> </a:t>
-            </a:r>
-          </a:p>
-        </p:txBody>
-      </p:sp>
-      <p:sp>
-        <p:nvSpPr>
-          <p:cNvPr id="68" name="矩形 67">
-            <a:extLst>
-              <a:ext uri="{FF2B5EF4-FFF2-40B4-BE49-F238E27FC236}">
-                <a16:creationId xmlns:a16="http://schemas.microsoft.com/office/drawing/2014/main" id="{B0923708-EE1D-4FE9-80DC-4E3EF7330365}"/>
-              </a:ext>
-            </a:extLst>
-          </p:cNvPr>
-          <p:cNvSpPr/>
-          <p:nvPr/>
-        </p:nvSpPr>
-        <p:spPr>
-          <a:xfrm>
-            <a:off x="6873443" y="4320873"/>
-            <a:ext cx="1326292" cy="955589"/>
-          </a:xfrm>
-          <a:prstGeom prst="rect">
-            <a:avLst/>
-          </a:prstGeom>
-        </p:spPr>
-        <p:style>
-          <a:lnRef idx="2">
-            <a:schemeClr val="accent1">
-              <a:shade val="50000"/>
-            </a:schemeClr>
-          </a:lnRef>
-          <a:fillRef idx="1">
-            <a:schemeClr val="accent1"/>
-          </a:fillRef>
-          <a:effectRef idx="0">
-            <a:schemeClr val="accent1"/>
-          </a:effectRef>
-          <a:fontRef idx="minor">
-            <a:schemeClr val="lt1"/>
-          </a:fontRef>
-        </p:style>
-        <p:txBody>
-          <a:bodyPr rtlCol="0" anchor="ctr"/>
-          <a:lstStyle/>
-          <a:p>
-            <a:pPr algn="ctr"/>
-            <a:r>
-              <a:rPr lang="zh-TW" altLang="en-US" dirty="0"/>
               <a:t>機器學習</a:t>
             </a:r>
             <a:endParaRPr lang="en-US" altLang="zh-TW" dirty="0"/>
@@ -22827,7 +21805,7 @@
         </p:nvSpPr>
         <p:spPr>
           <a:xfrm>
-            <a:off x="8556008" y="4287181"/>
+            <a:off x="9875704" y="3259723"/>
             <a:ext cx="1176925" cy="338554"/>
           </a:xfrm>
           <a:prstGeom prst="rect">
@@ -22843,7 +21821,7 @@
           <a:p>
             <a:r>
               <a:rPr lang="en-US" altLang="zh-TW" sz="1600" dirty="0"/>
-              <a:t>4.</a:t>
+              <a:t>3.</a:t>
             </a:r>
             <a:r>
               <a:rPr lang="zh-TW" altLang="en-US" sz="1600" dirty="0"/>
@@ -22866,8 +21844,8 @@
         </p:nvSpPr>
         <p:spPr>
           <a:xfrm>
-            <a:off x="4970535" y="4194398"/>
-            <a:ext cx="1794081" cy="584775"/>
+            <a:off x="7081020" y="4939622"/>
+            <a:ext cx="1588897" cy="584775"/>
           </a:xfrm>
           <a:prstGeom prst="rect">
             <a:avLst/>
@@ -22882,7 +21860,7 @@
           <a:p>
             <a:r>
               <a:rPr lang="en-US" altLang="zh-TW" sz="1600" dirty="0"/>
-              <a:t>5.</a:t>
+              <a:t>4.</a:t>
             </a:r>
             <a:r>
               <a:rPr lang="zh-TW" altLang="en-US" sz="1600" dirty="0"/>
@@ -22893,7 +21871,7 @@
           <a:p>
             <a:r>
               <a:rPr lang="zh-TW" altLang="en-US" sz="1600" dirty="0"/>
-              <a:t>   回傳至主樹莓派</a:t>
+              <a:t>   回傳至樹莓派</a:t>
             </a:r>
           </a:p>
         </p:txBody>
@@ -22908,18 +21886,21 @@
             </a:extLst>
           </p:cNvPr>
           <p:cNvCxnSpPr>
-            <a:stCxn id="65" idx="2"/>
+            <a:cxnSpLocks/>
+            <a:stCxn id="74" idx="3"/>
             <a:endCxn id="68" idx="3"/>
           </p:cNvCxnSpPr>
           <p:nvPr/>
         </p:nvCxnSpPr>
         <p:spPr>
-          <a:xfrm rot="5400000">
-            <a:off x="8897553" y="3300142"/>
-            <a:ext cx="800708" cy="2196344"/>
+          <a:xfrm>
+            <a:off x="9863004" y="2341882"/>
+            <a:ext cx="12700" cy="2385919"/>
           </a:xfrm>
-          <a:prstGeom prst="bentConnector2">
-            <a:avLst/>
+          <a:prstGeom prst="bentConnector3">
+            <a:avLst>
+              <a:gd name="adj1" fmla="val 10389472"/>
+            </a:avLst>
           </a:prstGeom>
           <a:ln>
             <a:tailEnd type="triangle"/>
@@ -22954,7 +21935,7 @@
         </p:nvSpPr>
         <p:spPr>
           <a:xfrm>
-            <a:off x="6946939" y="1888460"/>
+            <a:off x="8536712" y="1864087"/>
             <a:ext cx="1326292" cy="955589"/>
           </a:xfrm>
           <a:prstGeom prst="rect">
@@ -23008,7 +21989,7 @@
         </p:nvSpPr>
         <p:spPr>
           <a:xfrm>
-            <a:off x="5286149" y="1719183"/>
+            <a:off x="7018663" y="1925346"/>
             <a:ext cx="1587294" cy="338554"/>
           </a:xfrm>
           <a:prstGeom prst="rect">
@@ -23049,9 +22030,9 @@
           <p:nvPr/>
         </p:nvCxnSpPr>
         <p:spPr>
-          <a:xfrm flipV="1">
-            <a:off x="5212653" y="2366255"/>
-            <a:ext cx="1734286" cy="3363"/>
+          <a:xfrm>
+            <a:off x="7013124" y="2337143"/>
+            <a:ext cx="1523588" cy="4739"/>
           </a:xfrm>
           <a:prstGeom prst="straightConnector1">
             <a:avLst/>
@@ -23077,45 +22058,6 @@
       </p:cxnSp>
       <p:sp>
         <p:nvSpPr>
-          <p:cNvPr id="78" name="文字方塊 77">
-            <a:extLst>
-              <a:ext uri="{FF2B5EF4-FFF2-40B4-BE49-F238E27FC236}">
-                <a16:creationId xmlns:a16="http://schemas.microsoft.com/office/drawing/2014/main" id="{FBEED1D3-6908-4638-B8BC-A77683FF9812}"/>
-              </a:ext>
-            </a:extLst>
-          </p:cNvPr>
-          <p:cNvSpPr txBox="1"/>
-          <p:nvPr/>
-        </p:nvSpPr>
-        <p:spPr>
-          <a:xfrm>
-            <a:off x="8370647" y="1731771"/>
-            <a:ext cx="1997663" cy="338554"/>
-          </a:xfrm>
-          <a:prstGeom prst="rect">
-            <a:avLst/>
-          </a:prstGeom>
-          <a:noFill/>
-        </p:spPr>
-        <p:txBody>
-          <a:bodyPr wrap="none" rtlCol="0">
-            <a:spAutoFit/>
-          </a:bodyPr>
-          <a:lstStyle/>
-          <a:p>
-            <a:r>
-              <a:rPr lang="en-US" altLang="zh-TW" sz="1600" dirty="0"/>
-              <a:t>3.</a:t>
-            </a:r>
-            <a:r>
-              <a:rPr lang="zh-TW" altLang="en-US" sz="1600" dirty="0"/>
-              <a:t>分配至其他樹莓派</a:t>
-            </a:r>
-          </a:p>
-        </p:txBody>
-      </p:sp>
-      <p:sp>
-        <p:nvSpPr>
           <p:cNvPr id="81" name="矩形 80">
             <a:extLst>
               <a:ext uri="{FF2B5EF4-FFF2-40B4-BE49-F238E27FC236}">
@@ -23128,7 +22070,7 @@
         </p:nvSpPr>
         <p:spPr>
           <a:xfrm>
-            <a:off x="3223215" y="4301379"/>
+            <a:off x="5686832" y="4250005"/>
             <a:ext cx="1326292" cy="955589"/>
           </a:xfrm>
           <a:prstGeom prst="rect">
@@ -23181,8 +22123,8 @@
         </p:nvCxnSpPr>
         <p:spPr>
           <a:xfrm flipH="1" flipV="1">
-            <a:off x="4549507" y="4779174"/>
-            <a:ext cx="2323936" cy="19494"/>
+            <a:off x="7013124" y="4727800"/>
+            <a:ext cx="1523588" cy="1"/>
           </a:xfrm>
           <a:prstGeom prst="straightConnector1">
             <a:avLst/>
@@ -23206,27 +22148,93 @@
           </a:fontRef>
         </p:style>
       </p:cxnSp>
+      <p:pic>
+        <p:nvPicPr>
+          <p:cNvPr id="21" name="圖片 20">
+            <a:extLst>
+              <a:ext uri="{FF2B5EF4-FFF2-40B4-BE49-F238E27FC236}">
+                <a16:creationId xmlns:a16="http://schemas.microsoft.com/office/drawing/2014/main" id="{D3796F7C-7D4E-40D9-A2AA-9DBFBF34D075}"/>
+              </a:ext>
+            </a:extLst>
+          </p:cNvPr>
+          <p:cNvPicPr>
+            <a:picLocks noChangeAspect="1"/>
+          </p:cNvPicPr>
+          <p:nvPr/>
+        </p:nvPicPr>
+        <p:blipFill>
+          <a:blip r:embed="rId4"/>
+          <a:stretch>
+            <a:fillRect/>
+          </a:stretch>
+        </p:blipFill>
+        <p:spPr>
+          <a:xfrm>
+            <a:off x="3118956" y="2014849"/>
+            <a:ext cx="666750" cy="657225"/>
+          </a:xfrm>
+          <a:prstGeom prst="rect">
+            <a:avLst/>
+          </a:prstGeom>
+        </p:spPr>
+      </p:pic>
+      <p:sp>
+        <p:nvSpPr>
+          <p:cNvPr id="30" name="文字方塊 29">
+            <a:extLst>
+              <a:ext uri="{FF2B5EF4-FFF2-40B4-BE49-F238E27FC236}">
+                <a16:creationId xmlns:a16="http://schemas.microsoft.com/office/drawing/2014/main" id="{8DAAC966-4C31-4652-97FC-CF7EF72C6F0F}"/>
+              </a:ext>
+            </a:extLst>
+          </p:cNvPr>
+          <p:cNvSpPr txBox="1"/>
+          <p:nvPr/>
+        </p:nvSpPr>
+        <p:spPr>
+          <a:xfrm>
+            <a:off x="906447" y="2130824"/>
+            <a:ext cx="1005403" cy="369332"/>
+          </a:xfrm>
+          <a:prstGeom prst="rect">
+            <a:avLst/>
+          </a:prstGeom>
+          <a:noFill/>
+        </p:spPr>
+        <p:txBody>
+          <a:bodyPr wrap="none" rtlCol="0">
+            <a:spAutoFit/>
+          </a:bodyPr>
+          <a:lstStyle/>
+          <a:p>
+            <a:r>
+              <a:rPr lang="en-US" altLang="zh-TW" dirty="0"/>
+              <a:t>Camera</a:t>
+            </a:r>
+            <a:endParaRPr lang="zh-TW" altLang="en-US" dirty="0"/>
+          </a:p>
+        </p:txBody>
+      </p:sp>
       <p:cxnSp>
         <p:nvCxnSpPr>
-          <p:cNvPr id="92" name="接點: 肘形 91">
+          <p:cNvPr id="32" name="直線單箭頭接點 31">
             <a:extLst>
               <a:ext uri="{FF2B5EF4-FFF2-40B4-BE49-F238E27FC236}">
-                <a16:creationId xmlns:a16="http://schemas.microsoft.com/office/drawing/2014/main" id="{023211C6-15A6-4205-9541-5665307ADBEB}"/>
+                <a16:creationId xmlns:a16="http://schemas.microsoft.com/office/drawing/2014/main" id="{00284073-681B-4870-BDB6-FF40CD4AF34C}"/>
               </a:ext>
             </a:extLst>
           </p:cNvPr>
           <p:cNvCxnSpPr>
-            <a:stCxn id="74" idx="3"/>
-            <a:endCxn id="65" idx="0"/>
+            <a:cxnSpLocks/>
+            <a:endCxn id="21" idx="1"/>
           </p:cNvCxnSpPr>
           <p:nvPr/>
         </p:nvCxnSpPr>
         <p:spPr>
           <a:xfrm>
-            <a:off x="8273231" y="2366255"/>
-            <a:ext cx="2122848" cy="676116"/>
+            <a:off x="2042212" y="2343462"/>
+            <a:ext cx="1076744" cy="0"/>
           </a:xfrm>
-          <a:prstGeom prst="bentConnector2">
+          <a:prstGeom prst="straightConnector1">
             <a:avLst/>
           </a:prstGeom>
           <a:ln>
@@ -23248,35 +22256,6 @@
           </a:fontRef>
         </p:style>
       </p:cxnSp>
-      <p:pic>
-        <p:nvPicPr>
-          <p:cNvPr id="94" name="圖片 93">
-            <a:extLst>
-              <a:ext uri="{FF2B5EF4-FFF2-40B4-BE49-F238E27FC236}">
-                <a16:creationId xmlns:a16="http://schemas.microsoft.com/office/drawing/2014/main" id="{754D30F2-C508-4C31-9FFD-2D12FC59401C}"/>
-              </a:ext>
-            </a:extLst>
-          </p:cNvPr>
-          <p:cNvPicPr>
-            <a:picLocks noChangeAspect="1"/>
-          </p:cNvPicPr>
-          <p:nvPr/>
-        </p:nvPicPr>
-        <p:blipFill rotWithShape="1">
-          <a:blip r:embed="rId4"/>
-          <a:srcRect l="14586" t="23124" r="16923"/>
-          <a:stretch/>
-        </p:blipFill>
-        <p:spPr>
-          <a:xfrm>
-            <a:off x="145477" y="1598582"/>
-            <a:ext cx="2051825" cy="1535344"/>
-          </a:xfrm>
-          <a:prstGeom prst="rect">
-            <a:avLst/>
-          </a:prstGeom>
-        </p:spPr>
-      </p:pic>
     </p:spTree>
     <p:extLst>
       <p:ext uri="{BB962C8B-B14F-4D97-AF65-F5344CB8AC3E}">
@@ -24698,8 +23677,8 @@
         </p:nvSpPr>
         <p:spPr>
           <a:xfrm>
-            <a:off x="1427480" y="2295702"/>
-            <a:ext cx="6704509" cy="3785652"/>
+            <a:off x="1548063" y="1403685"/>
+            <a:ext cx="6364216" cy="5010474"/>
           </a:xfrm>
           <a:prstGeom prst="rect">
             <a:avLst/>
@@ -24720,7 +23699,7 @@
               <a:buChar char="•"/>
             </a:pPr>
             <a:r>
-              <a:rPr lang="zh-TW" altLang="en-US" sz="3200" dirty="0">
+              <a:rPr lang="zh-TW" altLang="en-US" sz="2400" dirty="0">
                 <a:solidFill>
                   <a:schemeClr val="tx1">
                     <a:lumMod val="75000"/>
@@ -24735,7 +23714,7 @@
               <a:t>嵌入式平台</a:t>
             </a:r>
             <a:r>
-              <a:rPr lang="en-US" altLang="zh-TW" sz="3200" dirty="0">
+              <a:rPr lang="en-US" altLang="zh-TW" sz="2400" dirty="0">
                 <a:solidFill>
                   <a:schemeClr val="tx1">
                     <a:lumMod val="75000"/>
@@ -24750,7 +23729,7 @@
               <a:t>:</a:t>
             </a:r>
             <a:r>
-              <a:rPr lang="zh-TW" altLang="en-US" sz="3200" dirty="0">
+              <a:rPr lang="zh-TW" altLang="en-US" sz="2400" dirty="0">
                 <a:solidFill>
                   <a:schemeClr val="tx1">
                     <a:lumMod val="75000"/>
@@ -24762,10 +23741,31 @@
                 <a:cs typeface="+mn-ea"/>
                 <a:sym typeface="+mn-lt"/>
               </a:rPr>
-              <a:t> 樹莓派 * </a:t>
-            </a:r>
-            <a:r>
-              <a:rPr lang="en-US" altLang="zh-TW" sz="3200" dirty="0">
+              <a:t> 樹莓派 </a:t>
+            </a:r>
+            <a:endParaRPr lang="en-US" altLang="zh-TW" sz="2400" dirty="0">
+              <a:solidFill>
+                <a:schemeClr val="tx1">
+                  <a:lumMod val="75000"/>
+                  <a:lumOff val="25000"/>
+                </a:schemeClr>
+              </a:solidFill>
+              <a:latin typeface="微軟正黑體" panose="020B0604030504040204" pitchFamily="34" charset="-120"/>
+              <a:ea typeface="微軟正黑體" panose="020B0604030504040204" pitchFamily="34" charset="-120"/>
+              <a:cs typeface="+mn-ea"/>
+              <a:sym typeface="+mn-lt"/>
+            </a:endParaRPr>
+          </a:p>
+          <a:p>
+            <a:pPr marL="457200" indent="-457200">
+              <a:lnSpc>
+                <a:spcPct val="150000"/>
+              </a:lnSpc>
+              <a:buFont typeface="Arial" panose="020B0604020202020204" pitchFamily="34" charset="0"/>
+              <a:buChar char="•"/>
+            </a:pPr>
+            <a:r>
+              <a:rPr lang="zh-TW" altLang="en-US" sz="2400" dirty="0">
                 <a:solidFill>
                   <a:schemeClr val="tx1">
                     <a:lumMod val="75000"/>
@@ -24777,7 +23777,52 @@
                 <a:cs typeface="+mn-ea"/>
                 <a:sym typeface="+mn-lt"/>
               </a:rPr>
-              <a:t>2</a:t>
+              <a:t>主要運算平台</a:t>
+            </a:r>
+            <a:r>
+              <a:rPr lang="en-US" altLang="zh-TW" sz="2400" dirty="0">
+                <a:solidFill>
+                  <a:schemeClr val="tx1">
+                    <a:lumMod val="75000"/>
+                    <a:lumOff val="25000"/>
+                  </a:schemeClr>
+                </a:solidFill>
+                <a:latin typeface="微軟正黑體" panose="020B0604030504040204" pitchFamily="34" charset="-120"/>
+                <a:ea typeface="微軟正黑體" panose="020B0604030504040204" pitchFamily="34" charset="-120"/>
+                <a:cs typeface="+mn-ea"/>
+                <a:sym typeface="+mn-lt"/>
+              </a:rPr>
+              <a:t>:</a:t>
+            </a:r>
+            <a:r>
+              <a:rPr lang="zh-TW" altLang="en-US" sz="2400" dirty="0">
+                <a:solidFill>
+                  <a:schemeClr val="tx1">
+                    <a:lumMod val="75000"/>
+                    <a:lumOff val="25000"/>
+                  </a:schemeClr>
+                </a:solidFill>
+                <a:latin typeface="微軟正黑體" panose="020B0604030504040204" pitchFamily="34" charset="-120"/>
+                <a:ea typeface="微軟正黑體" panose="020B0604030504040204" pitchFamily="34" charset="-120"/>
+                <a:cs typeface="+mn-ea"/>
+                <a:sym typeface="+mn-lt"/>
+              </a:rPr>
+              <a:t> </a:t>
+            </a:r>
+            <a:r>
+              <a:rPr lang="en-US" altLang="zh-TW" sz="2400" dirty="0">
+                <a:solidFill>
+                  <a:schemeClr val="tx1">
+                    <a:lumMod val="75000"/>
+                    <a:lumOff val="25000"/>
+                  </a:schemeClr>
+                </a:solidFill>
+                <a:latin typeface="微軟正黑體" panose="020B0604030504040204" pitchFamily="34" charset="-120"/>
+                <a:ea typeface="微軟正黑體" panose="020B0604030504040204" pitchFamily="34" charset="-120"/>
+                <a:cs typeface="+mn-ea"/>
+                <a:sym typeface="+mn-lt"/>
+              </a:rPr>
+              <a:t>Laptop</a:t>
             </a:r>
           </a:p>
           <a:p>
@@ -24789,7 +23834,7 @@
               <a:buChar char="•"/>
             </a:pPr>
             <a:r>
-              <a:rPr lang="zh-TW" altLang="en-US" sz="3200" dirty="0">
+              <a:rPr lang="zh-TW" altLang="en-US" sz="2400" dirty="0">
                 <a:solidFill>
                   <a:schemeClr val="tx1">
                     <a:lumMod val="75000"/>
@@ -24804,7 +23849,7 @@
               <a:t>作業系統</a:t>
             </a:r>
             <a:r>
-              <a:rPr lang="en-US" altLang="zh-TW" sz="3200" dirty="0">
+              <a:rPr lang="en-US" altLang="zh-TW" sz="2400" dirty="0">
                 <a:solidFill>
                   <a:schemeClr val="tx1">
                     <a:lumMod val="75000"/>
@@ -24819,7 +23864,7 @@
               <a:t>:</a:t>
             </a:r>
             <a:r>
-              <a:rPr lang="zh-TW" altLang="en-US" sz="3200" dirty="0">
+              <a:rPr lang="zh-TW" altLang="en-US" sz="2400" dirty="0">
                 <a:solidFill>
                   <a:schemeClr val="tx1">
                     <a:lumMod val="75000"/>
@@ -24834,7 +23879,7 @@
               <a:t> </a:t>
             </a:r>
             <a:r>
-              <a:rPr lang="en-US" altLang="zh-TW" sz="3200" dirty="0">
+              <a:rPr lang="en-US" altLang="zh-TW" sz="2400" dirty="0">
                 <a:solidFill>
                   <a:schemeClr val="tx1">
                     <a:lumMod val="75000"/>
@@ -24846,7 +23891,7 @@
                 <a:cs typeface="+mn-ea"/>
                 <a:sym typeface="+mn-lt"/>
               </a:rPr>
-              <a:t>Ubuntu</a:t>
+              <a:t>Ubuntu,  Windows10</a:t>
             </a:r>
           </a:p>
           <a:p>
@@ -24858,7 +23903,7 @@
               <a:buChar char="•"/>
             </a:pPr>
             <a:r>
-              <a:rPr lang="zh-TW" altLang="en-US" sz="3200" dirty="0">
+              <a:rPr lang="zh-TW" altLang="en-US" sz="2400" dirty="0">
                 <a:solidFill>
                   <a:schemeClr val="tx1">
                     <a:lumMod val="75000"/>
@@ -24873,7 +23918,7 @@
               <a:t>軟體版本</a:t>
             </a:r>
             <a:r>
-              <a:rPr lang="en-US" altLang="zh-TW" sz="3200" dirty="0">
+              <a:rPr lang="en-US" altLang="zh-TW" sz="2400" dirty="0">
                 <a:solidFill>
                   <a:schemeClr val="tx1">
                     <a:lumMod val="75000"/>
@@ -24888,7 +23933,7 @@
               <a:t>:</a:t>
             </a:r>
             <a:r>
-              <a:rPr lang="zh-TW" altLang="en-US" sz="3200" dirty="0">
+              <a:rPr lang="zh-TW" altLang="en-US" sz="2400" dirty="0">
                 <a:solidFill>
                   <a:schemeClr val="tx1">
                     <a:lumMod val="75000"/>
@@ -24903,7 +23948,7 @@
               <a:t> </a:t>
             </a:r>
             <a:r>
-              <a:rPr lang="en-US" altLang="zh-TW" sz="3200" dirty="0">
+              <a:rPr lang="en-US" altLang="zh-TW" sz="2400" dirty="0">
                 <a:solidFill>
                   <a:schemeClr val="tx1">
                     <a:lumMod val="75000"/>
@@ -24925,7 +23970,7 @@
               </a:lnSpc>
             </a:pPr>
             <a:r>
-              <a:rPr lang="en-US" altLang="zh-TW" sz="3200" dirty="0">
+              <a:rPr lang="en-US" altLang="zh-TW" sz="2400" dirty="0">
                 <a:solidFill>
                   <a:schemeClr val="tx1">
                     <a:lumMod val="75000"/>
@@ -24937,10 +23982,17 @@
                 <a:cs typeface="+mn-ea"/>
                 <a:sym typeface="+mn-lt"/>
               </a:rPr>
-              <a:t>		    </a:t>
-            </a:r>
-            <a:r>
-              <a:rPr lang="en-US" altLang="zh-TW" sz="3200" dirty="0" err="1">
+              <a:t>		OpenCV 3.4.2</a:t>
+            </a:r>
+          </a:p>
+          <a:p>
+            <a:pPr>
+              <a:lnSpc>
+                <a:spcPct val="150000"/>
+              </a:lnSpc>
+            </a:pPr>
+            <a:r>
+              <a:rPr lang="en-US" altLang="zh-TW" sz="2400" dirty="0">
                 <a:solidFill>
                   <a:schemeClr val="tx1">
                     <a:lumMod val="75000"/>
@@ -24952,10 +24004,10 @@
                 <a:cs typeface="+mn-ea"/>
                 <a:sym typeface="+mn-lt"/>
               </a:rPr>
-              <a:t>OpenCV</a:t>
-            </a:r>
-            <a:r>
-              <a:rPr lang="en-US" altLang="zh-TW" sz="3200" dirty="0">
+              <a:t>	</a:t>
+            </a:r>
+            <a:r>
+              <a:rPr lang="zh-TW" altLang="en-US" sz="2400" dirty="0">
                 <a:solidFill>
                   <a:schemeClr val="tx1">
                     <a:lumMod val="75000"/>
@@ -24967,7 +24019,74 @@
                 <a:cs typeface="+mn-ea"/>
                 <a:sym typeface="+mn-lt"/>
               </a:rPr>
-              <a:t> 3.4.2</a:t>
+              <a:t>            </a:t>
+            </a:r>
+            <a:r>
+              <a:rPr lang="en-US" altLang="zh-TW" sz="2400" dirty="0">
+                <a:solidFill>
+                  <a:schemeClr val="tx1">
+                    <a:lumMod val="75000"/>
+                    <a:lumOff val="25000"/>
+                  </a:schemeClr>
+                </a:solidFill>
+                <a:latin typeface="微軟正黑體" panose="020B0604030504040204" pitchFamily="34" charset="-120"/>
+                <a:ea typeface="微軟正黑體" panose="020B0604030504040204" pitchFamily="34" charset="-120"/>
+                <a:cs typeface="+mn-ea"/>
+                <a:sym typeface="+mn-lt"/>
+              </a:rPr>
+              <a:t>TensorFlow 2.0.0</a:t>
+            </a:r>
+          </a:p>
+          <a:p>
+            <a:pPr>
+              <a:lnSpc>
+                <a:spcPct val="150000"/>
+              </a:lnSpc>
+            </a:pPr>
+            <a:r>
+              <a:rPr lang="en-US" altLang="zh-TW" sz="2400" dirty="0">
+                <a:solidFill>
+                  <a:schemeClr val="tx1">
+                    <a:lumMod val="75000"/>
+                    <a:lumOff val="25000"/>
+                  </a:schemeClr>
+                </a:solidFill>
+                <a:latin typeface="微軟正黑體" panose="020B0604030504040204" pitchFamily="34" charset="-120"/>
+                <a:ea typeface="微軟正黑體" panose="020B0604030504040204" pitchFamily="34" charset="-120"/>
+                <a:cs typeface="+mn-ea"/>
+                <a:sym typeface="+mn-lt"/>
+              </a:rPr>
+              <a:t>                        </a:t>
+            </a:r>
+            <a:r>
+              <a:rPr lang="en-US" altLang="zh-TW" sz="2400" dirty="0" err="1">
+                <a:solidFill>
+                  <a:schemeClr val="tx1">
+                    <a:lumMod val="75000"/>
+                    <a:lumOff val="25000"/>
+                  </a:schemeClr>
+                </a:solidFill>
+                <a:latin typeface="微軟正黑體" panose="020B0604030504040204" pitchFamily="34" charset="-120"/>
+                <a:ea typeface="微軟正黑體" panose="020B0604030504040204" pitchFamily="34" charset="-120"/>
+                <a:cs typeface="+mn-ea"/>
+                <a:sym typeface="+mn-lt"/>
+              </a:rPr>
+              <a:t>Keras</a:t>
+            </a:r>
+            <a:r>
+              <a:rPr lang="en-US" altLang="zh-TW" sz="2400" dirty="0">
+                <a:solidFill>
+                  <a:schemeClr val="tx1">
+                    <a:lumMod val="75000"/>
+                    <a:lumOff val="25000"/>
+                  </a:schemeClr>
+                </a:solidFill>
+                <a:latin typeface="微軟正黑體" panose="020B0604030504040204" pitchFamily="34" charset="-120"/>
+                <a:ea typeface="微軟正黑體" panose="020B0604030504040204" pitchFamily="34" charset="-120"/>
+                <a:cs typeface="+mn-ea"/>
+                <a:sym typeface="+mn-lt"/>
+              </a:rPr>
+              <a:t> 2.3.1</a:t>
             </a:r>
           </a:p>
           <a:p>
@@ -24979,7 +24098,7 @@
               <a:buChar char="•"/>
             </a:pPr>
             <a:r>
-              <a:rPr lang="zh-TW" altLang="en-US" sz="3200" dirty="0">
+              <a:rPr lang="zh-TW" altLang="en-US" sz="2400" dirty="0">
                 <a:solidFill>
                   <a:schemeClr val="tx1">
                     <a:lumMod val="75000"/>
@@ -24994,7 +24113,7 @@
               <a:t>擴充元件</a:t>
             </a:r>
             <a:r>
-              <a:rPr lang="en-US" altLang="zh-TW" sz="3200" dirty="0">
+              <a:rPr lang="en-US" altLang="zh-TW" sz="2400" dirty="0">
                 <a:solidFill>
                   <a:schemeClr val="tx1">
                     <a:lumMod val="75000"/>
@@ -25009,7 +24128,7 @@
               <a:t>:</a:t>
             </a:r>
             <a:r>
-              <a:rPr lang="zh-TW" altLang="en-US" sz="3200" dirty="0">
+              <a:rPr lang="zh-TW" altLang="en-US" sz="2400" dirty="0">
                 <a:solidFill>
                   <a:schemeClr val="tx1">
                     <a:lumMod val="75000"/>
@@ -25024,7 +24143,7 @@
               <a:t> </a:t>
             </a:r>
             <a:r>
-              <a:rPr lang="en-US" altLang="zh-TW" sz="3200" dirty="0">
+              <a:rPr lang="en-US" altLang="zh-TW" sz="2400" dirty="0">
                 <a:solidFill>
                   <a:schemeClr val="tx1">
                     <a:lumMod val="75000"/>
@@ -25039,7 +24158,7 @@
               <a:t>USB</a:t>
             </a:r>
             <a:r>
-              <a:rPr lang="zh-TW" altLang="en-US" sz="3200" dirty="0">
+              <a:rPr lang="zh-TW" altLang="en-US" sz="2400" dirty="0">
                 <a:solidFill>
                   <a:schemeClr val="tx1">
                     <a:lumMod val="75000"/>
@@ -25053,7 +24172,58 @@
               </a:rPr>
               <a:t>攝影機</a:t>
             </a:r>
-            <a:endParaRPr lang="en-US" altLang="zh-TW" sz="3200" dirty="0">
+            <a:endParaRPr lang="en-US" altLang="zh-TW" sz="2400" dirty="0">
+              <a:solidFill>
+                <a:schemeClr val="tx1">
+                  <a:lumMod val="75000"/>
+                  <a:lumOff val="25000"/>
+                </a:schemeClr>
+              </a:solidFill>
+              <a:latin typeface="微軟正黑體" panose="020B0604030504040204" pitchFamily="34" charset="-120"/>
+              <a:ea typeface="微軟正黑體" panose="020B0604030504040204" pitchFamily="34" charset="-120"/>
+              <a:cs typeface="+mn-ea"/>
+              <a:sym typeface="+mn-lt"/>
+            </a:endParaRPr>
+          </a:p>
+          <a:p>
+            <a:pPr marL="457200" indent="-457200">
+              <a:lnSpc>
+                <a:spcPct val="150000"/>
+              </a:lnSpc>
+              <a:buFont typeface="Arial" panose="020B0604020202020204" pitchFamily="34" charset="0"/>
+              <a:buChar char="•"/>
+            </a:pPr>
+            <a:r>
+              <a:rPr lang="en-US" altLang="zh-TW" sz="2400" dirty="0">
+                <a:solidFill>
+                  <a:schemeClr val="tx1">
+                    <a:lumMod val="75000"/>
+                    <a:lumOff val="25000"/>
+                  </a:schemeClr>
+                </a:solidFill>
+                <a:latin typeface="微軟正黑體" panose="020B0604030504040204" pitchFamily="34" charset="-120"/>
+                <a:ea typeface="微軟正黑體" panose="020B0604030504040204" pitchFamily="34" charset="-120"/>
+                <a:cs typeface="+mn-ea"/>
+                <a:sym typeface="+mn-lt"/>
+              </a:rPr>
+              <a:t>GUI : </a:t>
+            </a:r>
+            <a:r>
+              <a:rPr lang="en-US" altLang="zh-TW" sz="2400" dirty="0" err="1">
+                <a:solidFill>
+                  <a:schemeClr val="tx1">
+                    <a:lumMod val="75000"/>
+                    <a:lumOff val="25000"/>
+                  </a:schemeClr>
+                </a:solidFill>
+                <a:latin typeface="微軟正黑體" panose="020B0604030504040204" pitchFamily="34" charset="-120"/>
+                <a:ea typeface="微軟正黑體" panose="020B0604030504040204" pitchFamily="34" charset="-120"/>
+                <a:cs typeface="+mn-ea"/>
+                <a:sym typeface="+mn-lt"/>
+              </a:rPr>
+              <a:t>Tkinter</a:t>
+            </a:r>
+            <a:endParaRPr lang="en-US" altLang="zh-TW" sz="2400" dirty="0">
               <a:solidFill>
                 <a:schemeClr val="tx1">
                   <a:lumMod val="75000"/>
